--- a/src/flagOnD8.pptx
+++ b/src/flagOnD8.pptx
@@ -346,7 +346,7 @@
           <a:p>
             <a:fld id="{98AEBF78-ABB6-9F42-87DB-0ECE75CB3E53}" type="datetimeFigureOut">
               <a:rPr lang="en-US" smtClean="0"/>
-              <a:t>7/13/14</a:t>
+              <a:t>7/17/14</a:t>
             </a:fld>
             <a:endParaRPr lang="en-US"/>
           </a:p>
@@ -516,7 +516,7 @@
           <a:p>
             <a:fld id="{98AEBF78-ABB6-9F42-87DB-0ECE75CB3E53}" type="datetimeFigureOut">
               <a:rPr lang="en-US" smtClean="0"/>
-              <a:t>7/13/14</a:t>
+              <a:t>7/17/14</a:t>
             </a:fld>
             <a:endParaRPr lang="en-US"/>
           </a:p>
@@ -696,7 +696,7 @@
           <a:p>
             <a:fld id="{98AEBF78-ABB6-9F42-87DB-0ECE75CB3E53}" type="datetimeFigureOut">
               <a:rPr lang="en-US" smtClean="0"/>
-              <a:t>7/13/14</a:t>
+              <a:t>7/17/14</a:t>
             </a:fld>
             <a:endParaRPr lang="en-US"/>
           </a:p>
@@ -870,7 +870,7 @@
           <a:p>
             <a:fld id="{98AEBF78-ABB6-9F42-87DB-0ECE75CB3E53}" type="datetimeFigureOut">
               <a:rPr lang="en-US" smtClean="0"/>
-              <a:t>7/13/14</a:t>
+              <a:t>7/17/14</a:t>
             </a:fld>
             <a:endParaRPr lang="en-US"/>
           </a:p>
@@ -1116,7 +1116,7 @@
           <a:p>
             <a:fld id="{98AEBF78-ABB6-9F42-87DB-0ECE75CB3E53}" type="datetimeFigureOut">
               <a:rPr lang="en-US" smtClean="0"/>
-              <a:t>7/13/14</a:t>
+              <a:t>7/17/14</a:t>
             </a:fld>
             <a:endParaRPr lang="en-US"/>
           </a:p>
@@ -1404,7 +1404,7 @@
           <a:p>
             <a:fld id="{98AEBF78-ABB6-9F42-87DB-0ECE75CB3E53}" type="datetimeFigureOut">
               <a:rPr lang="en-US" smtClean="0"/>
-              <a:t>7/13/14</a:t>
+              <a:t>7/17/14</a:t>
             </a:fld>
             <a:endParaRPr lang="en-US"/>
           </a:p>
@@ -1826,7 +1826,7 @@
           <a:p>
             <a:fld id="{98AEBF78-ABB6-9F42-87DB-0ECE75CB3E53}" type="datetimeFigureOut">
               <a:rPr lang="en-US" smtClean="0"/>
-              <a:t>7/13/14</a:t>
+              <a:t>7/17/14</a:t>
             </a:fld>
             <a:endParaRPr lang="en-US"/>
           </a:p>
@@ -1944,7 +1944,7 @@
           <a:p>
             <a:fld id="{98AEBF78-ABB6-9F42-87DB-0ECE75CB3E53}" type="datetimeFigureOut">
               <a:rPr lang="en-US" smtClean="0"/>
-              <a:t>7/13/14</a:t>
+              <a:t>7/17/14</a:t>
             </a:fld>
             <a:endParaRPr lang="en-US"/>
           </a:p>
@@ -2039,7 +2039,7 @@
           <a:p>
             <a:fld id="{98AEBF78-ABB6-9F42-87DB-0ECE75CB3E53}" type="datetimeFigureOut">
               <a:rPr lang="en-US" smtClean="0"/>
-              <a:t>7/13/14</a:t>
+              <a:t>7/17/14</a:t>
             </a:fld>
             <a:endParaRPr lang="en-US"/>
           </a:p>
@@ -2316,7 +2316,7 @@
           <a:p>
             <a:fld id="{98AEBF78-ABB6-9F42-87DB-0ECE75CB3E53}" type="datetimeFigureOut">
               <a:rPr lang="en-US" smtClean="0"/>
-              <a:t>7/13/14</a:t>
+              <a:t>7/17/14</a:t>
             </a:fld>
             <a:endParaRPr lang="en-US"/>
           </a:p>
@@ -2569,7 +2569,7 @@
           <a:p>
             <a:fld id="{98AEBF78-ABB6-9F42-87DB-0ECE75CB3E53}" type="datetimeFigureOut">
               <a:rPr lang="en-US" smtClean="0"/>
-              <a:t>7/13/14</a:t>
+              <a:t>7/17/14</a:t>
             </a:fld>
             <a:endParaRPr lang="en-US"/>
           </a:p>
@@ -3075,7 +3075,7 @@
           <a:p>
             <a:fld id="{98AEBF78-ABB6-9F42-87DB-0ECE75CB3E53}" type="datetimeFigureOut">
               <a:rPr lang="en-US" smtClean="0"/>
-              <a:t>7/13/14</a:t>
+              <a:t>7/17/14</a:t>
             </a:fld>
             <a:endParaRPr lang="en-US"/>
           </a:p>
@@ -34152,7 +34152,7 @@
                 <a:latin typeface="Anime Ace 2.0 BB"/>
                 <a:cs typeface="Anime Ace 2.0 BB"/>
               </a:rPr>
-              <a:t>ntity?</a:t>
+              <a:t>ntity</a:t>
             </a:r>
             <a:endParaRPr lang="en-US" sz="1400" dirty="0">
               <a:latin typeface="Anime Ace 2.0 BB"/>
@@ -34594,11 +34594,60 @@
           <a:p>
             <a:pPr algn="ctr"/>
             <a:r>
-              <a:rPr lang="en-US" dirty="0" smtClean="0">
-                <a:latin typeface="Anime Ace 2.0 BB"/>
-                <a:cs typeface="Anime Ace 2.0 BB"/>
-              </a:rPr>
-              <a:t>?</a:t>
+              <a:rPr lang="en-US" dirty="0" err="1" smtClean="0">
+                <a:latin typeface="Anime Ace 2.0 BB"/>
+                <a:cs typeface="Anime Ace 2.0 BB"/>
+              </a:rPr>
+              <a:t>E</a:t>
+            </a:r>
+            <a:r>
+              <a:rPr lang="en-US" sz="1400" dirty="0" err="1" smtClean="0">
+                <a:latin typeface="Anime Ace 2.0 BB"/>
+                <a:cs typeface="Anime Ace 2.0 BB"/>
+              </a:rPr>
+              <a:t>ntity</a:t>
+            </a:r>
+            <a:r>
+              <a:rPr lang="en-US" dirty="0" err="1" smtClean="0">
+                <a:latin typeface="Anime Ace 2.0 BB"/>
+                <a:cs typeface="Anime Ace 2.0 BB"/>
+              </a:rPr>
+              <a:t>F</a:t>
+            </a:r>
+            <a:r>
+              <a:rPr lang="en-US" sz="1400" dirty="0" err="1" smtClean="0">
+                <a:latin typeface="Anime Ace 2.0 BB"/>
+                <a:cs typeface="Anime Ace 2.0 BB"/>
+              </a:rPr>
+              <a:t>lag</a:t>
+            </a:r>
+            <a:r>
+              <a:rPr lang="en-US" dirty="0" err="1" smtClean="0">
+                <a:latin typeface="Anime Ace 2.0 BB"/>
+                <a:cs typeface="Anime Ace 2.0 BB"/>
+              </a:rPr>
+              <a:t>T</a:t>
+            </a:r>
+            <a:r>
+              <a:rPr lang="en-US" sz="1400" dirty="0" err="1" smtClean="0">
+                <a:latin typeface="Anime Ace 2.0 BB"/>
+                <a:cs typeface="Anime Ace 2.0 BB"/>
+              </a:rPr>
+              <a:t>ype</a:t>
+            </a:r>
+            <a:endParaRPr lang="en-US" sz="1400" dirty="0" smtClean="0">
+              <a:latin typeface="Anime Ace 2.0 BB"/>
+              <a:cs typeface="Anime Ace 2.0 BB"/>
+            </a:endParaRPr>
+          </a:p>
+          <a:p>
+            <a:pPr algn="ctr"/>
+            <a:r>
+              <a:rPr lang="en-US" sz="1400" dirty="0" smtClean="0">
+                <a:latin typeface="Anime Ace 2.0 BB"/>
+                <a:cs typeface="Anime Ace 2.0 BB"/>
+              </a:rPr>
+              <a:t>(Derivative)</a:t>
             </a:r>
             <a:endParaRPr lang="en-US" sz="1400" dirty="0">
               <a:latin typeface="Anime Ace 2.0 BB"/>
@@ -39294,10 +39343,6 @@
               </a:rPr>
               <a:t>Provide Flag Types</a:t>
             </a:r>
-            <a:endParaRPr lang="en-US" sz="1400" dirty="0">
-              <a:latin typeface="Anime Ace 2.0 BB"/>
-              <a:cs typeface="Anime Ace 2.0 BB"/>
-            </a:endParaRPr>
           </a:p>
         </p:txBody>
       </p:sp>
@@ -39618,10 +39663,6 @@
               </a:rPr>
               <a:t>Provide Flag Types</a:t>
             </a:r>
-            <a:endParaRPr lang="en-US" sz="1400" dirty="0">
-              <a:latin typeface="Anime Ace 2.0 BB"/>
-              <a:cs typeface="Anime Ace 2.0 BB"/>
-            </a:endParaRPr>
           </a:p>
         </p:txBody>
       </p:sp>
@@ -39667,10 +39708,6 @@
               </a:rPr>
               <a:t>React to Events</a:t>
             </a:r>
-            <a:endParaRPr lang="en-US" sz="1400" dirty="0">
-              <a:latin typeface="Anime Ace 2.0 BB"/>
-              <a:cs typeface="Anime Ace 2.0 BB"/>
-            </a:endParaRPr>
           </a:p>
         </p:txBody>
       </p:sp>
@@ -40099,14 +40136,7 @@
                 <a:latin typeface="Anime Ace 2.0 BB"/>
                 <a:cs typeface="Anime Ace 2.0 BB"/>
               </a:rPr>
-              <a:t>Flag </a:t>
-            </a:r>
-            <a:r>
-              <a:rPr lang="en-US" sz="1600" dirty="0" smtClean="0">
-                <a:latin typeface="Anime Ace 2.0 BB"/>
-                <a:cs typeface="Anime Ace 2.0 BB"/>
-              </a:rPr>
-              <a:t>Service</a:t>
+              <a:t>Flag Service</a:t>
             </a:r>
             <a:endParaRPr lang="en-US" sz="1600" dirty="0">
               <a:latin typeface="Anime Ace 2.0 BB"/>
@@ -40344,14 +40374,7 @@
                 <a:latin typeface="Anime Ace 2.0 BB"/>
                 <a:cs typeface="Anime Ace 2.0 BB"/>
               </a:rPr>
-              <a:t>Flag </a:t>
-            </a:r>
-            <a:r>
-              <a:rPr lang="en-US" sz="1600" dirty="0" smtClean="0">
-                <a:latin typeface="Anime Ace 2.0 BB"/>
-                <a:cs typeface="Anime Ace 2.0 BB"/>
-              </a:rPr>
-              <a:t>Service</a:t>
+              <a:t>Flag Service</a:t>
             </a:r>
             <a:endParaRPr lang="en-US" sz="1600" dirty="0">
               <a:latin typeface="Anime Ace 2.0 BB"/>
@@ -40650,14 +40673,7 @@
                 <a:latin typeface="Anime Ace 2.0 BB"/>
                 <a:cs typeface="Anime Ace 2.0 BB"/>
               </a:rPr>
-              <a:t>Flag </a:t>
-            </a:r>
-            <a:r>
-              <a:rPr lang="en-US" sz="1600" dirty="0" smtClean="0">
-                <a:latin typeface="Anime Ace 2.0 BB"/>
-                <a:cs typeface="Anime Ace 2.0 BB"/>
-              </a:rPr>
-              <a:t>Service</a:t>
+              <a:t>Flag Service</a:t>
             </a:r>
             <a:endParaRPr lang="en-US" sz="1600" dirty="0">
               <a:latin typeface="Anime Ace 2.0 BB"/>
@@ -41103,14 +41119,7 @@
                 <a:latin typeface="Anime Ace 2.0 BB"/>
                 <a:cs typeface="Anime Ace 2.0 BB"/>
               </a:rPr>
-              <a:t>Flag </a:t>
-            </a:r>
-            <a:r>
-              <a:rPr lang="en-US" sz="1600" dirty="0" smtClean="0">
-                <a:latin typeface="Anime Ace 2.0 BB"/>
-                <a:cs typeface="Anime Ace 2.0 BB"/>
-              </a:rPr>
-              <a:t>Service</a:t>
+              <a:t>Flag Service</a:t>
             </a:r>
             <a:endParaRPr lang="en-US" sz="1600" dirty="0">
               <a:latin typeface="Anime Ace 2.0 BB"/>
@@ -41652,14 +41661,7 @@
                 <a:latin typeface="Anime Ace 2.0 BB"/>
                 <a:cs typeface="Anime Ace 2.0 BB"/>
               </a:rPr>
-              <a:t>Flag </a:t>
-            </a:r>
-            <a:r>
-              <a:rPr lang="en-US" sz="1600" dirty="0" smtClean="0">
-                <a:latin typeface="Anime Ace 2.0 BB"/>
-                <a:cs typeface="Anime Ace 2.0 BB"/>
-              </a:rPr>
-              <a:t>Event Class</a:t>
+              <a:t>Flag Event Class</a:t>
             </a:r>
             <a:endParaRPr lang="en-US" sz="1600" dirty="0">
               <a:latin typeface="Anime Ace 2.0 BB"/>
@@ -41936,14 +41938,7 @@
                 <a:latin typeface="Anime Ace 2.0 BB"/>
                 <a:cs typeface="Anime Ace 2.0 BB"/>
               </a:rPr>
-              <a:t>Flag </a:t>
-            </a:r>
-            <a:r>
-              <a:rPr lang="en-US" sz="1600" dirty="0" smtClean="0">
-                <a:latin typeface="Anime Ace 2.0 BB"/>
-                <a:cs typeface="Anime Ace 2.0 BB"/>
-              </a:rPr>
-              <a:t>Service</a:t>
+              <a:t>Flag Service</a:t>
             </a:r>
             <a:endParaRPr lang="en-US" sz="1600" dirty="0">
               <a:latin typeface="Anime Ace 2.0 BB"/>
@@ -42563,14 +42558,7 @@
                 <a:latin typeface="Anime Ace 2.0 BB"/>
                 <a:cs typeface="Anime Ace 2.0 BB"/>
               </a:rPr>
-              <a:t>Flag </a:t>
-            </a:r>
-            <a:r>
-              <a:rPr lang="en-US" sz="1600" dirty="0" smtClean="0">
-                <a:latin typeface="Anime Ace 2.0 BB"/>
-                <a:cs typeface="Anime Ace 2.0 BB"/>
-              </a:rPr>
-              <a:t>Event Class</a:t>
+              <a:t>Flag Event Class</a:t>
             </a:r>
             <a:endParaRPr lang="en-US" sz="1600" dirty="0">
               <a:latin typeface="Anime Ace 2.0 BB"/>

--- a/src/flagOnD8.pptx
+++ b/src/flagOnD8.pptx
@@ -346,7 +346,7 @@
           <a:p>
             <a:fld id="{98AEBF78-ABB6-9F42-87DB-0ECE75CB3E53}" type="datetimeFigureOut">
               <a:rPr lang="en-US" smtClean="0"/>
-              <a:t>7/17/14</a:t>
+              <a:t>7/18/14</a:t>
             </a:fld>
             <a:endParaRPr lang="en-US"/>
           </a:p>
@@ -516,7 +516,7 @@
           <a:p>
             <a:fld id="{98AEBF78-ABB6-9F42-87DB-0ECE75CB3E53}" type="datetimeFigureOut">
               <a:rPr lang="en-US" smtClean="0"/>
-              <a:t>7/17/14</a:t>
+              <a:t>7/18/14</a:t>
             </a:fld>
             <a:endParaRPr lang="en-US"/>
           </a:p>
@@ -696,7 +696,7 @@
           <a:p>
             <a:fld id="{98AEBF78-ABB6-9F42-87DB-0ECE75CB3E53}" type="datetimeFigureOut">
               <a:rPr lang="en-US" smtClean="0"/>
-              <a:t>7/17/14</a:t>
+              <a:t>7/18/14</a:t>
             </a:fld>
             <a:endParaRPr lang="en-US"/>
           </a:p>
@@ -870,7 +870,7 @@
           <a:p>
             <a:fld id="{98AEBF78-ABB6-9F42-87DB-0ECE75CB3E53}" type="datetimeFigureOut">
               <a:rPr lang="en-US" smtClean="0"/>
-              <a:t>7/17/14</a:t>
+              <a:t>7/18/14</a:t>
             </a:fld>
             <a:endParaRPr lang="en-US"/>
           </a:p>
@@ -1116,7 +1116,7 @@
           <a:p>
             <a:fld id="{98AEBF78-ABB6-9F42-87DB-0ECE75CB3E53}" type="datetimeFigureOut">
               <a:rPr lang="en-US" smtClean="0"/>
-              <a:t>7/17/14</a:t>
+              <a:t>7/18/14</a:t>
             </a:fld>
             <a:endParaRPr lang="en-US"/>
           </a:p>
@@ -1404,7 +1404,7 @@
           <a:p>
             <a:fld id="{98AEBF78-ABB6-9F42-87DB-0ECE75CB3E53}" type="datetimeFigureOut">
               <a:rPr lang="en-US" smtClean="0"/>
-              <a:t>7/17/14</a:t>
+              <a:t>7/18/14</a:t>
             </a:fld>
             <a:endParaRPr lang="en-US"/>
           </a:p>
@@ -1826,7 +1826,7 @@
           <a:p>
             <a:fld id="{98AEBF78-ABB6-9F42-87DB-0ECE75CB3E53}" type="datetimeFigureOut">
               <a:rPr lang="en-US" smtClean="0"/>
-              <a:t>7/17/14</a:t>
+              <a:t>7/18/14</a:t>
             </a:fld>
             <a:endParaRPr lang="en-US"/>
           </a:p>
@@ -1944,7 +1944,7 @@
           <a:p>
             <a:fld id="{98AEBF78-ABB6-9F42-87DB-0ECE75CB3E53}" type="datetimeFigureOut">
               <a:rPr lang="en-US" smtClean="0"/>
-              <a:t>7/17/14</a:t>
+              <a:t>7/18/14</a:t>
             </a:fld>
             <a:endParaRPr lang="en-US"/>
           </a:p>
@@ -2039,7 +2039,7 @@
           <a:p>
             <a:fld id="{98AEBF78-ABB6-9F42-87DB-0ECE75CB3E53}" type="datetimeFigureOut">
               <a:rPr lang="en-US" smtClean="0"/>
-              <a:t>7/17/14</a:t>
+              <a:t>7/18/14</a:t>
             </a:fld>
             <a:endParaRPr lang="en-US"/>
           </a:p>
@@ -2316,7 +2316,7 @@
           <a:p>
             <a:fld id="{98AEBF78-ABB6-9F42-87DB-0ECE75CB3E53}" type="datetimeFigureOut">
               <a:rPr lang="en-US" smtClean="0"/>
-              <a:t>7/17/14</a:t>
+              <a:t>7/18/14</a:t>
             </a:fld>
             <a:endParaRPr lang="en-US"/>
           </a:p>
@@ -2569,7 +2569,7 @@
           <a:p>
             <a:fld id="{98AEBF78-ABB6-9F42-87DB-0ECE75CB3E53}" type="datetimeFigureOut">
               <a:rPr lang="en-US" smtClean="0"/>
-              <a:t>7/17/14</a:t>
+              <a:t>7/18/14</a:t>
             </a:fld>
             <a:endParaRPr lang="en-US"/>
           </a:p>
@@ -3075,7 +3075,7 @@
           <a:p>
             <a:fld id="{98AEBF78-ABB6-9F42-87DB-0ECE75CB3E53}" type="datetimeFigureOut">
               <a:rPr lang="en-US" smtClean="0"/>
-              <a:t>7/17/14</a:t>
+              <a:t>7/18/14</a:t>
             </a:fld>
             <a:endParaRPr lang="en-US"/>
           </a:p>
@@ -13515,7 +13515,7 @@
                 <a:latin typeface="Anime Ace 2.0 BB"/>
                 <a:cs typeface="Anime Ace 2.0 BB"/>
               </a:rPr>
-              <a:t>Flag.menu_links.yml</a:t>
+              <a:t>Flag.links.menu.yml</a:t>
             </a:r>
             <a:endParaRPr lang="en-US" sz="1200" dirty="0">
               <a:latin typeface="Anime Ace 2.0 BB"/>
@@ -14167,11 +14167,11 @@
           <a:p>
             <a:pPr algn="ctr"/>
             <a:r>
-              <a:rPr lang="en-US" sz="1200" dirty="0" err="1" smtClean="0">
-                <a:latin typeface="Anime Ace 2.0 BB"/>
-                <a:cs typeface="Anime Ace 2.0 BB"/>
-              </a:rPr>
-              <a:t>Flag.menu_links.yml</a:t>
+              <a:rPr lang="en-US" sz="1200" dirty="0" err="1">
+                <a:latin typeface="Anime Ace 2.0 BB"/>
+                <a:cs typeface="Anime Ace 2.0 BB"/>
+              </a:rPr>
+              <a:t>Flag.links.menu.yml</a:t>
             </a:r>
             <a:endParaRPr lang="en-US" sz="1200" dirty="0">
               <a:latin typeface="Anime Ace 2.0 BB"/>
@@ -14231,7 +14231,7 @@
           <p:nvPr>
             <p:extLst>
               <p:ext uri="{D42A27DB-BD31-4B8C-83A1-F6EECF244321}">
-                <p14:modId xmlns:p14="http://schemas.microsoft.com/office/powerpoint/2010/main" val="3959296072"/>
+                <p14:modId xmlns:p14="http://schemas.microsoft.com/office/powerpoint/2010/main" val="2176487232"/>
               </p:ext>
             </p:extLst>
           </p:nvPr>
@@ -15174,11 +15174,11 @@
           <a:p>
             <a:pPr algn="ctr"/>
             <a:r>
-              <a:rPr lang="en-US" sz="1200" dirty="0" err="1" smtClean="0">
-                <a:latin typeface="Anime Ace 2.0 BB"/>
-                <a:cs typeface="Anime Ace 2.0 BB"/>
-              </a:rPr>
-              <a:t>Flag.menu_links.yml</a:t>
+              <a:rPr lang="en-US" sz="1200" dirty="0" err="1">
+                <a:latin typeface="Anime Ace 2.0 BB"/>
+                <a:cs typeface="Anime Ace 2.0 BB"/>
+              </a:rPr>
+              <a:t>Flag.links.menu.yml</a:t>
             </a:r>
             <a:endParaRPr lang="en-US" sz="1200" dirty="0">
               <a:latin typeface="Anime Ace 2.0 BB"/>
@@ -15306,7 +15306,7 @@
                 <a:latin typeface="Anime Ace 2.0 BB"/>
                 <a:cs typeface="Anime Ace 2.0 BB"/>
               </a:rPr>
-              <a:t>Flag.Local_ACTIONs.yml</a:t>
+              <a:t>Flag.links.ACTION.yml</a:t>
             </a:r>
             <a:endParaRPr lang="en-US" sz="1200" dirty="0">
               <a:latin typeface="Anime Ace 2.0 BB"/>
@@ -15856,11 +15856,11 @@
           <a:p>
             <a:pPr algn="ctr"/>
             <a:r>
-              <a:rPr lang="en-US" sz="1200" dirty="0" err="1" smtClean="0">
-                <a:latin typeface="Anime Ace 2.0 BB"/>
-                <a:cs typeface="Anime Ace 2.0 BB"/>
-              </a:rPr>
-              <a:t>Flag.menu_links.yml</a:t>
+              <a:rPr lang="en-US" sz="1200" dirty="0" err="1">
+                <a:latin typeface="Anime Ace 2.0 BB"/>
+                <a:cs typeface="Anime Ace 2.0 BB"/>
+              </a:rPr>
+              <a:t>Flag.links.menu.yml</a:t>
             </a:r>
             <a:endParaRPr lang="en-US" sz="1200" dirty="0">
               <a:latin typeface="Anime Ace 2.0 BB"/>
@@ -15933,11 +15933,11 @@
           <a:p>
             <a:pPr algn="ctr"/>
             <a:r>
-              <a:rPr lang="en-US" sz="1200" dirty="0" err="1" smtClean="0">
-                <a:latin typeface="Anime Ace 2.0 BB"/>
-                <a:cs typeface="Anime Ace 2.0 BB"/>
-              </a:rPr>
-              <a:t>Flag.Local_ACTIONs.yml</a:t>
+              <a:rPr lang="en-US" sz="1200" dirty="0" err="1">
+                <a:latin typeface="Anime Ace 2.0 BB"/>
+                <a:cs typeface="Anime Ace 2.0 BB"/>
+              </a:rPr>
+              <a:t>Flag.links.ACTION.yml</a:t>
             </a:r>
             <a:endParaRPr lang="en-US" sz="1200" dirty="0">
               <a:latin typeface="Anime Ace 2.0 BB"/>
@@ -15997,7 +15997,7 @@
           <p:nvPr>
             <p:extLst>
               <p:ext uri="{D42A27DB-BD31-4B8C-83A1-F6EECF244321}">
-                <p14:modId xmlns:p14="http://schemas.microsoft.com/office/powerpoint/2010/main" val="3382758288"/>
+                <p14:modId xmlns:p14="http://schemas.microsoft.com/office/powerpoint/2010/main" val="3105167296"/>
               </p:ext>
             </p:extLst>
           </p:nvPr>

--- a/src/flagOnD8.pptx
+++ b/src/flagOnD8.pptx
@@ -64,6 +64,14 @@
     <p:sldId id="323" r:id="rId58"/>
     <p:sldId id="324" r:id="rId59"/>
     <p:sldId id="325" r:id="rId60"/>
+    <p:sldId id="327" r:id="rId61"/>
+    <p:sldId id="328" r:id="rId62"/>
+    <p:sldId id="329" r:id="rId63"/>
+    <p:sldId id="330" r:id="rId64"/>
+    <p:sldId id="332" r:id="rId65"/>
+    <p:sldId id="333" r:id="rId66"/>
+    <p:sldId id="334" r:id="rId67"/>
+    <p:sldId id="326" r:id="rId68"/>
   </p:sldIdLst>
   <p:sldSz cx="9144000" cy="6858000" type="screen4x3"/>
   <p:notesSz cx="6858000" cy="9144000"/>
@@ -346,7 +354,7 @@
           <a:p>
             <a:fld id="{98AEBF78-ABB6-9F42-87DB-0ECE75CB3E53}" type="datetimeFigureOut">
               <a:rPr lang="en-US" smtClean="0"/>
-              <a:t>7/18/14</a:t>
+              <a:t>1/30/15</a:t>
             </a:fld>
             <a:endParaRPr lang="en-US"/>
           </a:p>
@@ -516,7 +524,7 @@
           <a:p>
             <a:fld id="{98AEBF78-ABB6-9F42-87DB-0ECE75CB3E53}" type="datetimeFigureOut">
               <a:rPr lang="en-US" smtClean="0"/>
-              <a:t>7/18/14</a:t>
+              <a:t>1/30/15</a:t>
             </a:fld>
             <a:endParaRPr lang="en-US"/>
           </a:p>
@@ -696,7 +704,7 @@
           <a:p>
             <a:fld id="{98AEBF78-ABB6-9F42-87DB-0ECE75CB3E53}" type="datetimeFigureOut">
               <a:rPr lang="en-US" smtClean="0"/>
-              <a:t>7/18/14</a:t>
+              <a:t>1/30/15</a:t>
             </a:fld>
             <a:endParaRPr lang="en-US"/>
           </a:p>
@@ -870,7 +878,7 @@
           <a:p>
             <a:fld id="{98AEBF78-ABB6-9F42-87DB-0ECE75CB3E53}" type="datetimeFigureOut">
               <a:rPr lang="en-US" smtClean="0"/>
-              <a:t>7/18/14</a:t>
+              <a:t>1/30/15</a:t>
             </a:fld>
             <a:endParaRPr lang="en-US"/>
           </a:p>
@@ -1116,7 +1124,7 @@
           <a:p>
             <a:fld id="{98AEBF78-ABB6-9F42-87DB-0ECE75CB3E53}" type="datetimeFigureOut">
               <a:rPr lang="en-US" smtClean="0"/>
-              <a:t>7/18/14</a:t>
+              <a:t>1/30/15</a:t>
             </a:fld>
             <a:endParaRPr lang="en-US"/>
           </a:p>
@@ -1404,7 +1412,7 @@
           <a:p>
             <a:fld id="{98AEBF78-ABB6-9F42-87DB-0ECE75CB3E53}" type="datetimeFigureOut">
               <a:rPr lang="en-US" smtClean="0"/>
-              <a:t>7/18/14</a:t>
+              <a:t>1/30/15</a:t>
             </a:fld>
             <a:endParaRPr lang="en-US"/>
           </a:p>
@@ -1826,7 +1834,7 @@
           <a:p>
             <a:fld id="{98AEBF78-ABB6-9F42-87DB-0ECE75CB3E53}" type="datetimeFigureOut">
               <a:rPr lang="en-US" smtClean="0"/>
-              <a:t>7/18/14</a:t>
+              <a:t>1/30/15</a:t>
             </a:fld>
             <a:endParaRPr lang="en-US"/>
           </a:p>
@@ -1944,7 +1952,7 @@
           <a:p>
             <a:fld id="{98AEBF78-ABB6-9F42-87DB-0ECE75CB3E53}" type="datetimeFigureOut">
               <a:rPr lang="en-US" smtClean="0"/>
-              <a:t>7/18/14</a:t>
+              <a:t>1/30/15</a:t>
             </a:fld>
             <a:endParaRPr lang="en-US"/>
           </a:p>
@@ -2039,7 +2047,7 @@
           <a:p>
             <a:fld id="{98AEBF78-ABB6-9F42-87DB-0ECE75CB3E53}" type="datetimeFigureOut">
               <a:rPr lang="en-US" smtClean="0"/>
-              <a:t>7/18/14</a:t>
+              <a:t>1/30/15</a:t>
             </a:fld>
             <a:endParaRPr lang="en-US"/>
           </a:p>
@@ -2316,7 +2324,7 @@
           <a:p>
             <a:fld id="{98AEBF78-ABB6-9F42-87DB-0ECE75CB3E53}" type="datetimeFigureOut">
               <a:rPr lang="en-US" smtClean="0"/>
-              <a:t>7/18/14</a:t>
+              <a:t>1/30/15</a:t>
             </a:fld>
             <a:endParaRPr lang="en-US"/>
           </a:p>
@@ -2569,7 +2577,7 @@
           <a:p>
             <a:fld id="{98AEBF78-ABB6-9F42-87DB-0ECE75CB3E53}" type="datetimeFigureOut">
               <a:rPr lang="en-US" smtClean="0"/>
-              <a:t>7/18/14</a:t>
+              <a:t>1/30/15</a:t>
             </a:fld>
             <a:endParaRPr lang="en-US"/>
           </a:p>
@@ -3075,7 +3083,7 @@
           <a:p>
             <a:fld id="{98AEBF78-ABB6-9F42-87DB-0ECE75CB3E53}" type="datetimeFigureOut">
               <a:rPr lang="en-US" smtClean="0"/>
-              <a:t>7/18/14</a:t>
+              <a:t>1/30/15</a:t>
             </a:fld>
             <a:endParaRPr lang="en-US"/>
           </a:p>
@@ -12043,7 +12051,7 @@
           <p:nvPr>
             <p:extLst>
               <p:ext uri="{D42A27DB-BD31-4B8C-83A1-F6EECF244321}">
-                <p14:modId xmlns:p14="http://schemas.microsoft.com/office/powerpoint/2010/main" val="350311946"/>
+                <p14:modId xmlns:p14="http://schemas.microsoft.com/office/powerpoint/2010/main" val="1053111860"/>
               </p:ext>
             </p:extLst>
           </p:nvPr>
@@ -12317,7 +12325,7 @@
                           <a:latin typeface="Anime Ace 2.0 BB"/>
                           <a:cs typeface="Anime Ace 2.0 BB"/>
                         </a:rPr>
-                        <a:t>flag.add</a:t>
+                        <a:t>flag.add_page</a:t>
                       </a:r>
                       <a:endParaRPr lang="en-US" sz="1600" dirty="0">
                         <a:latin typeface="Anime Ace 2.0 BB"/>
@@ -12375,21 +12383,14 @@
                           <a:latin typeface="Courier New"/>
                           <a:cs typeface="Courier New"/>
                         </a:rPr>
-                        <a:t>/admin/structure/flags/add/{</a:t>
-                      </a:r>
-                      <a:r>
-                        <a:rPr lang="en-US" sz="1600" b="1" dirty="0" err="1" smtClean="0">
-                          <a:latin typeface="Courier New"/>
-                          <a:cs typeface="Courier New"/>
-                        </a:rPr>
-                        <a:t>entity_type</a:t>
+                        <a:t>/admin/structure/flags/</a:t>
                       </a:r>
                       <a:r>
                         <a:rPr lang="en-US" sz="1600" b="1" dirty="0" smtClean="0">
                           <a:latin typeface="Courier New"/>
                           <a:cs typeface="Courier New"/>
                         </a:rPr>
-                        <a:t>}</a:t>
+                        <a:t>add</a:t>
                       </a:r>
                       <a:endParaRPr lang="en-US" sz="1600" b="1" dirty="0">
                         <a:latin typeface="Courier New"/>
@@ -15997,7 +15998,7 @@
           <p:nvPr>
             <p:extLst>
               <p:ext uri="{D42A27DB-BD31-4B8C-83A1-F6EECF244321}">
-                <p14:modId xmlns:p14="http://schemas.microsoft.com/office/powerpoint/2010/main" val="3105167296"/>
+                <p14:modId xmlns:p14="http://schemas.microsoft.com/office/powerpoint/2010/main" val="1356535687"/>
               </p:ext>
             </p:extLst>
           </p:nvPr>
@@ -16167,7 +16168,7 @@
                           <a:latin typeface="Anime Ace 2.0 BB"/>
                           <a:cs typeface="Anime Ace 2.0 BB"/>
                         </a:rPr>
-                        <a:t>flag.add</a:t>
+                        <a:t>flag.add_page</a:t>
                       </a:r>
                       <a:endParaRPr lang="en-US" sz="1600" dirty="0">
                         <a:latin typeface="Anime Ace 2.0 BB"/>
@@ -22313,25 +22314,25 @@
           <a:p>
             <a:pPr algn="ctr"/>
             <a:r>
-              <a:rPr lang="en-US" sz="1200" dirty="0" err="1" smtClean="0">
+              <a:rPr lang="en-US" sz="1200" dirty="0" smtClean="0">
                 <a:latin typeface="Anime Ace 2.0 BB"/>
                 <a:cs typeface="Anime Ace 2.0 BB"/>
               </a:rPr>
               <a:t>Entity</a:t>
             </a:r>
             <a:r>
-              <a:rPr lang="en-US" sz="1600" dirty="0" err="1" smtClean="0">
-                <a:latin typeface="Anime Ace 2.0 BB"/>
-                <a:cs typeface="Anime Ace 2.0 BB"/>
-              </a:rPr>
-              <a:t>_</a:t>
-            </a:r>
-            <a:r>
-              <a:rPr lang="en-US" sz="1200" dirty="0" err="1" smtClean="0">
-                <a:latin typeface="Anime Ace 2.0 BB"/>
-                <a:cs typeface="Anime Ace 2.0 BB"/>
-              </a:rPr>
-              <a:t>create</a:t>
+              <a:rPr lang="en-US" sz="1600" dirty="0" smtClean="0">
+                <a:latin typeface="Anime Ace 2.0 BB"/>
+                <a:cs typeface="Anime Ace 2.0 BB"/>
+              </a:rPr>
+              <a:t>::</a:t>
+            </a:r>
+            <a:r>
+              <a:rPr lang="en-US" sz="1200" dirty="0" smtClean="0">
+                <a:latin typeface="Anime Ace 2.0 BB"/>
+                <a:cs typeface="Anime Ace 2.0 BB"/>
+              </a:rPr>
+              <a:t>save</a:t>
             </a:r>
             <a:r>
               <a:rPr lang="en-US" sz="1600" dirty="0" smtClean="0">
@@ -24026,64 +24027,6 @@
       </p:sp>
       <p:sp>
         <p:nvSpPr>
-          <p:cNvPr id="40" name="TextBox 39"/>
-          <p:cNvSpPr txBox="1"/>
-          <p:nvPr/>
-        </p:nvSpPr>
-        <p:spPr>
-          <a:xfrm>
-            <a:off x="6559031" y="3751282"/>
-            <a:ext cx="2341548" cy="338554"/>
-          </a:xfrm>
-          <a:prstGeom prst="rect">
-            <a:avLst/>
-          </a:prstGeom>
-          <a:noFill/>
-        </p:spPr>
-        <p:txBody>
-          <a:bodyPr wrap="square" rtlCol="0">
-            <a:spAutoFit/>
-          </a:bodyPr>
-          <a:lstStyle/>
-          <a:p>
-            <a:pPr algn="ctr"/>
-            <a:r>
-              <a:rPr lang="en-US" sz="1200" dirty="0" err="1" smtClean="0">
-                <a:latin typeface="Anime Ace 2.0 BB"/>
-                <a:cs typeface="Anime Ace 2.0 BB"/>
-              </a:rPr>
-              <a:t>Entity</a:t>
-            </a:r>
-            <a:r>
-              <a:rPr lang="en-US" sz="1600" dirty="0" err="1" smtClean="0">
-                <a:latin typeface="Anime Ace 2.0 BB"/>
-                <a:cs typeface="Anime Ace 2.0 BB"/>
-              </a:rPr>
-              <a:t>_</a:t>
-            </a:r>
-            <a:r>
-              <a:rPr lang="en-US" sz="1200" dirty="0" err="1" smtClean="0">
-                <a:latin typeface="Anime Ace 2.0 BB"/>
-                <a:cs typeface="Anime Ace 2.0 BB"/>
-              </a:rPr>
-              <a:t>create</a:t>
-            </a:r>
-            <a:r>
-              <a:rPr lang="en-US" sz="1600" dirty="0" smtClean="0">
-                <a:latin typeface="Anime Ace 2.0 BB"/>
-                <a:cs typeface="Anime Ace 2.0 BB"/>
-              </a:rPr>
-              <a:t>();</a:t>
-            </a:r>
-            <a:endParaRPr lang="en-US" sz="1600" dirty="0">
-              <a:latin typeface="Anime Ace 2.0 BB"/>
-              <a:cs typeface="Anime Ace 2.0 BB"/>
-            </a:endParaRPr>
-          </a:p>
-        </p:txBody>
-      </p:sp>
-      <p:sp>
-        <p:nvSpPr>
           <p:cNvPr id="41" name="Right Arrow 40"/>
           <p:cNvSpPr/>
           <p:nvPr/>
@@ -24160,6 +24103,64 @@
           <a:p>
             <a:pPr algn="ctr"/>
             <a:endParaRPr lang="en-US"/>
+          </a:p>
+        </p:txBody>
+      </p:sp>
+      <p:sp>
+        <p:nvSpPr>
+          <p:cNvPr id="31" name="TextBox 30"/>
+          <p:cNvSpPr txBox="1"/>
+          <p:nvPr/>
+        </p:nvSpPr>
+        <p:spPr>
+          <a:xfrm>
+            <a:off x="6559031" y="3751282"/>
+            <a:ext cx="2341548" cy="338554"/>
+          </a:xfrm>
+          <a:prstGeom prst="rect">
+            <a:avLst/>
+          </a:prstGeom>
+          <a:noFill/>
+        </p:spPr>
+        <p:txBody>
+          <a:bodyPr wrap="square" rtlCol="0">
+            <a:spAutoFit/>
+          </a:bodyPr>
+          <a:lstStyle/>
+          <a:p>
+            <a:pPr algn="ctr"/>
+            <a:r>
+              <a:rPr lang="en-US" sz="1200" dirty="0" smtClean="0">
+                <a:latin typeface="Anime Ace 2.0 BB"/>
+                <a:cs typeface="Anime Ace 2.0 BB"/>
+              </a:rPr>
+              <a:t>Entity</a:t>
+            </a:r>
+            <a:r>
+              <a:rPr lang="en-US" sz="1600" dirty="0" smtClean="0">
+                <a:latin typeface="Anime Ace 2.0 BB"/>
+                <a:cs typeface="Anime Ace 2.0 BB"/>
+              </a:rPr>
+              <a:t>::</a:t>
+            </a:r>
+            <a:r>
+              <a:rPr lang="en-US" sz="1200" dirty="0" smtClean="0">
+                <a:latin typeface="Anime Ace 2.0 BB"/>
+                <a:cs typeface="Anime Ace 2.0 BB"/>
+              </a:rPr>
+              <a:t>save</a:t>
+            </a:r>
+            <a:r>
+              <a:rPr lang="en-US" sz="1600" dirty="0" smtClean="0">
+                <a:latin typeface="Anime Ace 2.0 BB"/>
+                <a:cs typeface="Anime Ace 2.0 BB"/>
+              </a:rPr>
+              <a:t>();</a:t>
+            </a:r>
+            <a:endParaRPr lang="en-US" sz="1600" dirty="0">
+              <a:latin typeface="Anime Ace 2.0 BB"/>
+              <a:cs typeface="Anime Ace 2.0 BB"/>
+            </a:endParaRPr>
           </a:p>
         </p:txBody>
       </p:sp>
@@ -25220,64 +25221,6 @@
       </p:sp>
       <p:sp>
         <p:nvSpPr>
-          <p:cNvPr id="40" name="TextBox 39"/>
-          <p:cNvSpPr txBox="1"/>
-          <p:nvPr/>
-        </p:nvSpPr>
-        <p:spPr>
-          <a:xfrm>
-            <a:off x="6559031" y="3751282"/>
-            <a:ext cx="2341548" cy="338554"/>
-          </a:xfrm>
-          <a:prstGeom prst="rect">
-            <a:avLst/>
-          </a:prstGeom>
-          <a:noFill/>
-        </p:spPr>
-        <p:txBody>
-          <a:bodyPr wrap="square" rtlCol="0">
-            <a:spAutoFit/>
-          </a:bodyPr>
-          <a:lstStyle/>
-          <a:p>
-            <a:pPr algn="ctr"/>
-            <a:r>
-              <a:rPr lang="en-US" sz="1200" dirty="0" err="1" smtClean="0">
-                <a:latin typeface="Anime Ace 2.0 BB"/>
-                <a:cs typeface="Anime Ace 2.0 BB"/>
-              </a:rPr>
-              <a:t>Entity</a:t>
-            </a:r>
-            <a:r>
-              <a:rPr lang="en-US" sz="1600" dirty="0" err="1" smtClean="0">
-                <a:latin typeface="Anime Ace 2.0 BB"/>
-                <a:cs typeface="Anime Ace 2.0 BB"/>
-              </a:rPr>
-              <a:t>_</a:t>
-            </a:r>
-            <a:r>
-              <a:rPr lang="en-US" sz="1200" dirty="0" err="1" smtClean="0">
-                <a:latin typeface="Anime Ace 2.0 BB"/>
-                <a:cs typeface="Anime Ace 2.0 BB"/>
-              </a:rPr>
-              <a:t>create</a:t>
-            </a:r>
-            <a:r>
-              <a:rPr lang="en-US" sz="1600" dirty="0" smtClean="0">
-                <a:latin typeface="Anime Ace 2.0 BB"/>
-                <a:cs typeface="Anime Ace 2.0 BB"/>
-              </a:rPr>
-              <a:t>();</a:t>
-            </a:r>
-            <a:endParaRPr lang="en-US" sz="1600" dirty="0">
-              <a:latin typeface="Anime Ace 2.0 BB"/>
-              <a:cs typeface="Anime Ace 2.0 BB"/>
-            </a:endParaRPr>
-          </a:p>
-        </p:txBody>
-      </p:sp>
-      <p:sp>
-        <p:nvSpPr>
           <p:cNvPr id="41" name="Right Arrow 40"/>
           <p:cNvSpPr/>
           <p:nvPr/>
@@ -25428,6 +25371,64 @@
           <a:p>
             <a:pPr algn="ctr"/>
             <a:endParaRPr lang="en-US"/>
+          </a:p>
+        </p:txBody>
+      </p:sp>
+      <p:sp>
+        <p:nvSpPr>
+          <p:cNvPr id="32" name="TextBox 31"/>
+          <p:cNvSpPr txBox="1"/>
+          <p:nvPr/>
+        </p:nvSpPr>
+        <p:spPr>
+          <a:xfrm>
+            <a:off x="6559031" y="3751282"/>
+            <a:ext cx="2341548" cy="338554"/>
+          </a:xfrm>
+          <a:prstGeom prst="rect">
+            <a:avLst/>
+          </a:prstGeom>
+          <a:noFill/>
+        </p:spPr>
+        <p:txBody>
+          <a:bodyPr wrap="square" rtlCol="0">
+            <a:spAutoFit/>
+          </a:bodyPr>
+          <a:lstStyle/>
+          <a:p>
+            <a:pPr algn="ctr"/>
+            <a:r>
+              <a:rPr lang="en-US" sz="1200" dirty="0" smtClean="0">
+                <a:latin typeface="Anime Ace 2.0 BB"/>
+                <a:cs typeface="Anime Ace 2.0 BB"/>
+              </a:rPr>
+              <a:t>Entity</a:t>
+            </a:r>
+            <a:r>
+              <a:rPr lang="en-US" sz="1600" dirty="0" smtClean="0">
+                <a:latin typeface="Anime Ace 2.0 BB"/>
+                <a:cs typeface="Anime Ace 2.0 BB"/>
+              </a:rPr>
+              <a:t>::</a:t>
+            </a:r>
+            <a:r>
+              <a:rPr lang="en-US" sz="1200" dirty="0" smtClean="0">
+                <a:latin typeface="Anime Ace 2.0 BB"/>
+                <a:cs typeface="Anime Ace 2.0 BB"/>
+              </a:rPr>
+              <a:t>save</a:t>
+            </a:r>
+            <a:r>
+              <a:rPr lang="en-US" sz="1600" dirty="0" smtClean="0">
+                <a:latin typeface="Anime Ace 2.0 BB"/>
+                <a:cs typeface="Anime Ace 2.0 BB"/>
+              </a:rPr>
+              <a:t>();</a:t>
+            </a:r>
+            <a:endParaRPr lang="en-US" sz="1600" dirty="0">
+              <a:latin typeface="Anime Ace 2.0 BB"/>
+              <a:cs typeface="Anime Ace 2.0 BB"/>
+            </a:endParaRPr>
           </a:p>
         </p:txBody>
       </p:sp>
@@ -26889,64 +26890,6 @@
           <a:p>
             <a:pPr algn="ctr"/>
             <a:endParaRPr lang="en-US"/>
-          </a:p>
-        </p:txBody>
-      </p:sp>
-      <p:sp>
-        <p:nvSpPr>
-          <p:cNvPr id="40" name="TextBox 39"/>
-          <p:cNvSpPr txBox="1"/>
-          <p:nvPr/>
-        </p:nvSpPr>
-        <p:spPr>
-          <a:xfrm>
-            <a:off x="6559031" y="3751282"/>
-            <a:ext cx="2341548" cy="338554"/>
-          </a:xfrm>
-          <a:prstGeom prst="rect">
-            <a:avLst/>
-          </a:prstGeom>
-          <a:noFill/>
-        </p:spPr>
-        <p:txBody>
-          <a:bodyPr wrap="square" rtlCol="0">
-            <a:spAutoFit/>
-          </a:bodyPr>
-          <a:lstStyle/>
-          <a:p>
-            <a:pPr algn="ctr"/>
-            <a:r>
-              <a:rPr lang="en-US" sz="1200" dirty="0" err="1" smtClean="0">
-                <a:latin typeface="Anime Ace 2.0 BB"/>
-                <a:cs typeface="Anime Ace 2.0 BB"/>
-              </a:rPr>
-              <a:t>Entity</a:t>
-            </a:r>
-            <a:r>
-              <a:rPr lang="en-US" sz="1600" dirty="0" err="1" smtClean="0">
-                <a:latin typeface="Anime Ace 2.0 BB"/>
-                <a:cs typeface="Anime Ace 2.0 BB"/>
-              </a:rPr>
-              <a:t>_</a:t>
-            </a:r>
-            <a:r>
-              <a:rPr lang="en-US" sz="1200" dirty="0" err="1" smtClean="0">
-                <a:latin typeface="Anime Ace 2.0 BB"/>
-                <a:cs typeface="Anime Ace 2.0 BB"/>
-              </a:rPr>
-              <a:t>create</a:t>
-            </a:r>
-            <a:r>
-              <a:rPr lang="en-US" sz="1600" dirty="0" smtClean="0">
-                <a:latin typeface="Anime Ace 2.0 BB"/>
-                <a:cs typeface="Anime Ace 2.0 BB"/>
-              </a:rPr>
-              <a:t>();</a:t>
-            </a:r>
-            <a:endParaRPr lang="en-US" sz="1600" dirty="0">
-              <a:latin typeface="Anime Ace 2.0 BB"/>
-              <a:cs typeface="Anime Ace 2.0 BB"/>
-            </a:endParaRPr>
           </a:p>
         </p:txBody>
       </p:sp>
@@ -27597,6 +27540,64 @@
           </a:p>
         </p:txBody>
       </p:sp>
+      <p:sp>
+        <p:nvSpPr>
+          <p:cNvPr id="32" name="TextBox 31"/>
+          <p:cNvSpPr txBox="1"/>
+          <p:nvPr/>
+        </p:nvSpPr>
+        <p:spPr>
+          <a:xfrm>
+            <a:off x="6559031" y="3751282"/>
+            <a:ext cx="2341548" cy="338554"/>
+          </a:xfrm>
+          <a:prstGeom prst="rect">
+            <a:avLst/>
+          </a:prstGeom>
+          <a:noFill/>
+        </p:spPr>
+        <p:txBody>
+          <a:bodyPr wrap="square" rtlCol="0">
+            <a:spAutoFit/>
+          </a:bodyPr>
+          <a:lstStyle/>
+          <a:p>
+            <a:pPr algn="ctr"/>
+            <a:r>
+              <a:rPr lang="en-US" sz="1200" dirty="0" smtClean="0">
+                <a:latin typeface="Anime Ace 2.0 BB"/>
+                <a:cs typeface="Anime Ace 2.0 BB"/>
+              </a:rPr>
+              <a:t>Entity</a:t>
+            </a:r>
+            <a:r>
+              <a:rPr lang="en-US" sz="1600" dirty="0" smtClean="0">
+                <a:latin typeface="Anime Ace 2.0 BB"/>
+                <a:cs typeface="Anime Ace 2.0 BB"/>
+              </a:rPr>
+              <a:t>::</a:t>
+            </a:r>
+            <a:r>
+              <a:rPr lang="en-US" sz="1200" dirty="0" smtClean="0">
+                <a:latin typeface="Anime Ace 2.0 BB"/>
+                <a:cs typeface="Anime Ace 2.0 BB"/>
+              </a:rPr>
+              <a:t>save</a:t>
+            </a:r>
+            <a:r>
+              <a:rPr lang="en-US" sz="1600" dirty="0" smtClean="0">
+                <a:latin typeface="Anime Ace 2.0 BB"/>
+                <a:cs typeface="Anime Ace 2.0 BB"/>
+              </a:rPr>
+              <a:t>();</a:t>
+            </a:r>
+            <a:endParaRPr lang="en-US" sz="1600" dirty="0">
+              <a:latin typeface="Anime Ace 2.0 BB"/>
+              <a:cs typeface="Anime Ace 2.0 BB"/>
+            </a:endParaRPr>
+          </a:p>
+        </p:txBody>
+      </p:sp>
     </p:spTree>
     <p:extLst>
       <p:ext uri="{BB962C8B-B14F-4D97-AF65-F5344CB8AC3E}">
@@ -28760,64 +28761,6 @@
       </p:sp>
       <p:sp>
         <p:nvSpPr>
-          <p:cNvPr id="40" name="TextBox 39"/>
-          <p:cNvSpPr txBox="1"/>
-          <p:nvPr/>
-        </p:nvSpPr>
-        <p:spPr>
-          <a:xfrm>
-            <a:off x="6559031" y="3751282"/>
-            <a:ext cx="2341548" cy="338554"/>
-          </a:xfrm>
-          <a:prstGeom prst="rect">
-            <a:avLst/>
-          </a:prstGeom>
-          <a:noFill/>
-        </p:spPr>
-        <p:txBody>
-          <a:bodyPr wrap="square" rtlCol="0">
-            <a:spAutoFit/>
-          </a:bodyPr>
-          <a:lstStyle/>
-          <a:p>
-            <a:pPr algn="ctr"/>
-            <a:r>
-              <a:rPr lang="en-US" sz="1200" dirty="0" err="1" smtClean="0">
-                <a:latin typeface="Anime Ace 2.0 BB"/>
-                <a:cs typeface="Anime Ace 2.0 BB"/>
-              </a:rPr>
-              <a:t>Entity</a:t>
-            </a:r>
-            <a:r>
-              <a:rPr lang="en-US" sz="1600" dirty="0" err="1" smtClean="0">
-                <a:latin typeface="Anime Ace 2.0 BB"/>
-                <a:cs typeface="Anime Ace 2.0 BB"/>
-              </a:rPr>
-              <a:t>_</a:t>
-            </a:r>
-            <a:r>
-              <a:rPr lang="en-US" sz="1200" dirty="0" err="1" smtClean="0">
-                <a:latin typeface="Anime Ace 2.0 BB"/>
-                <a:cs typeface="Anime Ace 2.0 BB"/>
-              </a:rPr>
-              <a:t>create</a:t>
-            </a:r>
-            <a:r>
-              <a:rPr lang="en-US" sz="1600" dirty="0" smtClean="0">
-                <a:latin typeface="Anime Ace 2.0 BB"/>
-                <a:cs typeface="Anime Ace 2.0 BB"/>
-              </a:rPr>
-              <a:t>();</a:t>
-            </a:r>
-            <a:endParaRPr lang="en-US" sz="1600" dirty="0">
-              <a:latin typeface="Anime Ace 2.0 BB"/>
-              <a:cs typeface="Anime Ace 2.0 BB"/>
-            </a:endParaRPr>
-          </a:p>
-        </p:txBody>
-      </p:sp>
-      <p:sp>
-        <p:nvSpPr>
           <p:cNvPr id="41" name="Right Arrow 40"/>
           <p:cNvSpPr/>
           <p:nvPr/>
@@ -28894,6 +28837,64 @@
           <a:p>
             <a:pPr algn="ctr"/>
             <a:endParaRPr lang="en-US"/>
+          </a:p>
+        </p:txBody>
+      </p:sp>
+      <p:sp>
+        <p:nvSpPr>
+          <p:cNvPr id="43" name="TextBox 42"/>
+          <p:cNvSpPr txBox="1"/>
+          <p:nvPr/>
+        </p:nvSpPr>
+        <p:spPr>
+          <a:xfrm>
+            <a:off x="6559031" y="3751282"/>
+            <a:ext cx="2341548" cy="338554"/>
+          </a:xfrm>
+          <a:prstGeom prst="rect">
+            <a:avLst/>
+          </a:prstGeom>
+          <a:noFill/>
+        </p:spPr>
+        <p:txBody>
+          <a:bodyPr wrap="square" rtlCol="0">
+            <a:spAutoFit/>
+          </a:bodyPr>
+          <a:lstStyle/>
+          <a:p>
+            <a:pPr algn="ctr"/>
+            <a:r>
+              <a:rPr lang="en-US" sz="1200" dirty="0" smtClean="0">
+                <a:latin typeface="Anime Ace 2.0 BB"/>
+                <a:cs typeface="Anime Ace 2.0 BB"/>
+              </a:rPr>
+              <a:t>Entity</a:t>
+            </a:r>
+            <a:r>
+              <a:rPr lang="en-US" sz="1600" dirty="0" smtClean="0">
+                <a:latin typeface="Anime Ace 2.0 BB"/>
+                <a:cs typeface="Anime Ace 2.0 BB"/>
+              </a:rPr>
+              <a:t>::</a:t>
+            </a:r>
+            <a:r>
+              <a:rPr lang="en-US" sz="1200" dirty="0" smtClean="0">
+                <a:latin typeface="Anime Ace 2.0 BB"/>
+                <a:cs typeface="Anime Ace 2.0 BB"/>
+              </a:rPr>
+              <a:t>save</a:t>
+            </a:r>
+            <a:r>
+              <a:rPr lang="en-US" sz="1600" dirty="0" smtClean="0">
+                <a:latin typeface="Anime Ace 2.0 BB"/>
+                <a:cs typeface="Anime Ace 2.0 BB"/>
+              </a:rPr>
+              <a:t>();</a:t>
+            </a:r>
+            <a:endParaRPr lang="en-US" sz="1600" dirty="0">
+              <a:latin typeface="Anime Ace 2.0 BB"/>
+              <a:cs typeface="Anime Ace 2.0 BB"/>
+            </a:endParaRPr>
           </a:p>
         </p:txBody>
       </p:sp>
@@ -42745,6 +42746,5919 @@
 </p:sld>
 </file>
 
+<file path=ppt/slides/slide60.xml><?xml version="1.0" encoding="utf-8"?>
+<p:sld xmlns:a="http://schemas.openxmlformats.org/drawingml/2006/main" xmlns:r="http://schemas.openxmlformats.org/officeDocument/2006/relationships" xmlns:p="http://schemas.openxmlformats.org/presentationml/2006/main">
+  <p:cSld>
+    <p:spTree>
+      <p:nvGrpSpPr>
+        <p:cNvPr id="1" name=""/>
+        <p:cNvGrpSpPr/>
+        <p:nvPr/>
+      </p:nvGrpSpPr>
+      <p:grpSpPr>
+        <a:xfrm>
+          <a:off x="0" y="0"/>
+          <a:ext cx="0" cy="0"/>
+          <a:chOff x="0" y="0"/>
+          <a:chExt cx="0" cy="0"/>
+        </a:xfrm>
+      </p:grpSpPr>
+      <p:pic>
+        <p:nvPicPr>
+          <p:cNvPr id="3" name="Picture 2"/>
+          <p:cNvPicPr>
+            <a:picLocks noChangeAspect="1"/>
+          </p:cNvPicPr>
+          <p:nvPr/>
+        </p:nvPicPr>
+        <p:blipFill>
+          <a:blip r:embed="rId2"/>
+          <a:stretch>
+            <a:fillRect/>
+          </a:stretch>
+        </p:blipFill>
+        <p:spPr>
+          <a:xfrm>
+            <a:off x="4009576" y="685800"/>
+            <a:ext cx="1392085" cy="1592639"/>
+          </a:xfrm>
+          <a:prstGeom prst="rect">
+            <a:avLst/>
+          </a:prstGeom>
+        </p:spPr>
+      </p:pic>
+      <p:pic>
+        <p:nvPicPr>
+          <p:cNvPr id="4" name="Picture 3"/>
+          <p:cNvPicPr>
+            <a:picLocks noChangeAspect="1"/>
+          </p:cNvPicPr>
+          <p:nvPr/>
+        </p:nvPicPr>
+        <p:blipFill>
+          <a:blip r:embed="rId3">
+            <a:clrChange>
+              <a:clrFrom>
+                <a:srgbClr val="FFFFFF"/>
+              </a:clrFrom>
+              <a:clrTo>
+                <a:srgbClr val="FFFFFF">
+                  <a:alpha val="0"/>
+                </a:srgbClr>
+              </a:clrTo>
+            </a:clrChange>
+          </a:blip>
+          <a:stretch>
+            <a:fillRect/>
+          </a:stretch>
+        </p:blipFill>
+        <p:spPr>
+          <a:xfrm>
+            <a:off x="1029067" y="3072561"/>
+            <a:ext cx="1834536" cy="1834536"/>
+          </a:xfrm>
+          <a:prstGeom prst="rect">
+            <a:avLst/>
+          </a:prstGeom>
+        </p:spPr>
+      </p:pic>
+      <p:pic>
+        <p:nvPicPr>
+          <p:cNvPr id="8" name="Picture 7"/>
+          <p:cNvPicPr>
+            <a:picLocks noChangeAspect="1"/>
+          </p:cNvPicPr>
+          <p:nvPr/>
+        </p:nvPicPr>
+        <p:blipFill>
+          <a:blip r:embed="rId4">
+            <a:clrChange>
+              <a:clrFrom>
+                <a:srgbClr val="FFFFFF"/>
+              </a:clrFrom>
+              <a:clrTo>
+                <a:srgbClr val="FFFFFF">
+                  <a:alpha val="0"/>
+                </a:srgbClr>
+              </a:clrTo>
+            </a:clrChange>
+          </a:blip>
+          <a:stretch>
+            <a:fillRect/>
+          </a:stretch>
+        </p:blipFill>
+        <p:spPr>
+          <a:xfrm>
+            <a:off x="2062440" y="3753800"/>
+            <a:ext cx="1529060" cy="1529060"/>
+          </a:xfrm>
+          <a:prstGeom prst="rect">
+            <a:avLst/>
+          </a:prstGeom>
+        </p:spPr>
+      </p:pic>
+      <p:sp>
+        <p:nvSpPr>
+          <p:cNvPr id="9" name="TextBox 8"/>
+          <p:cNvSpPr txBox="1"/>
+          <p:nvPr/>
+        </p:nvSpPr>
+        <p:spPr>
+          <a:xfrm>
+            <a:off x="1344249" y="4985950"/>
+            <a:ext cx="2236840" cy="338554"/>
+          </a:xfrm>
+          <a:prstGeom prst="rect">
+            <a:avLst/>
+          </a:prstGeom>
+          <a:noFill/>
+        </p:spPr>
+        <p:txBody>
+          <a:bodyPr wrap="square" rtlCol="0">
+            <a:spAutoFit/>
+          </a:bodyPr>
+          <a:lstStyle/>
+          <a:p>
+            <a:pPr algn="ctr"/>
+            <a:r>
+              <a:rPr lang="en-US" sz="1600" dirty="0" smtClean="0">
+                <a:latin typeface="Anime Ace 2.0 BB"/>
+                <a:cs typeface="Anime Ace 2.0 BB"/>
+              </a:rPr>
+              <a:t>Public Repos</a:t>
+            </a:r>
+            <a:endParaRPr lang="en-US" sz="1600" dirty="0">
+              <a:latin typeface="Anime Ace 2.0 BB"/>
+              <a:cs typeface="Anime Ace 2.0 BB"/>
+            </a:endParaRPr>
+          </a:p>
+        </p:txBody>
+      </p:sp>
+      <p:sp>
+        <p:nvSpPr>
+          <p:cNvPr id="32" name="TextBox 31"/>
+          <p:cNvSpPr txBox="1"/>
+          <p:nvPr/>
+        </p:nvSpPr>
+        <p:spPr>
+          <a:xfrm>
+            <a:off x="3596694" y="2278439"/>
+            <a:ext cx="2236840" cy="584776"/>
+          </a:xfrm>
+          <a:prstGeom prst="rect">
+            <a:avLst/>
+          </a:prstGeom>
+          <a:noFill/>
+        </p:spPr>
+        <p:txBody>
+          <a:bodyPr wrap="square" rtlCol="0">
+            <a:spAutoFit/>
+          </a:bodyPr>
+          <a:lstStyle/>
+          <a:p>
+            <a:pPr algn="ctr"/>
+            <a:r>
+              <a:rPr lang="en-US" sz="1600" dirty="0" err="1" smtClean="0">
+                <a:latin typeface="Anime Ace 2.0 BB"/>
+                <a:cs typeface="Anime Ace 2.0 BB"/>
+              </a:rPr>
+              <a:t>Drupal.org</a:t>
+            </a:r>
+            <a:r>
+              <a:rPr lang="en-US" sz="1600" dirty="0" smtClean="0">
+                <a:latin typeface="Anime Ace 2.0 BB"/>
+                <a:cs typeface="Anime Ace 2.0 BB"/>
+              </a:rPr>
+              <a:t> Project</a:t>
+            </a:r>
+            <a:endParaRPr lang="en-US" sz="1600" dirty="0">
+              <a:latin typeface="Anime Ace 2.0 BB"/>
+              <a:cs typeface="Anime Ace 2.0 BB"/>
+            </a:endParaRPr>
+          </a:p>
+        </p:txBody>
+      </p:sp>
+      <p:sp>
+        <p:nvSpPr>
+          <p:cNvPr id="33" name="TextBox 32"/>
+          <p:cNvSpPr txBox="1"/>
+          <p:nvPr/>
+        </p:nvSpPr>
+        <p:spPr>
+          <a:xfrm>
+            <a:off x="5927310" y="4985950"/>
+            <a:ext cx="2236840" cy="584776"/>
+          </a:xfrm>
+          <a:prstGeom prst="rect">
+            <a:avLst/>
+          </a:prstGeom>
+          <a:noFill/>
+        </p:spPr>
+        <p:txBody>
+          <a:bodyPr wrap="square" rtlCol="0">
+            <a:spAutoFit/>
+          </a:bodyPr>
+          <a:lstStyle/>
+          <a:p>
+            <a:pPr algn="ctr"/>
+            <a:r>
+              <a:rPr lang="en-US" sz="1600" dirty="0" err="1" smtClean="0">
+                <a:latin typeface="Anime Ace 2.0 BB"/>
+                <a:cs typeface="Anime Ace 2.0 BB"/>
+              </a:rPr>
+              <a:t>Drupal.org</a:t>
+            </a:r>
+            <a:r>
+              <a:rPr lang="en-US" sz="1600" dirty="0" smtClean="0">
+                <a:latin typeface="Anime Ace 2.0 BB"/>
+                <a:cs typeface="Anime Ace 2.0 BB"/>
+              </a:rPr>
+              <a:t> Sandbox</a:t>
+            </a:r>
+            <a:endParaRPr lang="en-US" sz="1600" dirty="0">
+              <a:latin typeface="Anime Ace 2.0 BB"/>
+              <a:cs typeface="Anime Ace 2.0 BB"/>
+            </a:endParaRPr>
+          </a:p>
+        </p:txBody>
+      </p:sp>
+      <p:sp>
+        <p:nvSpPr>
+          <p:cNvPr id="34" name="Rectangle 33"/>
+          <p:cNvSpPr/>
+          <p:nvPr/>
+        </p:nvSpPr>
+        <p:spPr>
+          <a:xfrm>
+            <a:off x="0" y="551763"/>
+            <a:ext cx="9144000" cy="5142850"/>
+          </a:xfrm>
+          <a:prstGeom prst="rect">
+            <a:avLst/>
+          </a:prstGeom>
+          <a:noFill/>
+          <a:ln>
+            <a:noFill/>
+          </a:ln>
+          <a:effectLst/>
+        </p:spPr>
+        <p:style>
+          <a:lnRef idx="2">
+            <a:schemeClr val="dk1"/>
+          </a:lnRef>
+          <a:fillRef idx="1">
+            <a:schemeClr val="lt1"/>
+          </a:fillRef>
+          <a:effectRef idx="0">
+            <a:schemeClr val="dk1"/>
+          </a:effectRef>
+          <a:fontRef idx="minor">
+            <a:schemeClr val="dk1"/>
+          </a:fontRef>
+        </p:style>
+        <p:txBody>
+          <a:bodyPr rtlCol="0" anchor="ctr"/>
+          <a:lstStyle/>
+          <a:p>
+            <a:pPr algn="ctr"/>
+            <a:endParaRPr lang="en-US"/>
+          </a:p>
+        </p:txBody>
+      </p:sp>
+      <p:sp>
+        <p:nvSpPr>
+          <p:cNvPr id="35" name="Rectangle 34"/>
+          <p:cNvSpPr/>
+          <p:nvPr/>
+        </p:nvSpPr>
+        <p:spPr>
+          <a:xfrm>
+            <a:off x="6670171" y="4050310"/>
+            <a:ext cx="806462" cy="338164"/>
+          </a:xfrm>
+          <a:prstGeom prst="rect">
+            <a:avLst/>
+          </a:prstGeom>
+          <a:solidFill>
+            <a:schemeClr val="bg1">
+              <a:lumMod val="85000"/>
+            </a:schemeClr>
+          </a:solidFill>
+        </p:spPr>
+        <p:style>
+          <a:lnRef idx="2">
+            <a:schemeClr val="dk1"/>
+          </a:lnRef>
+          <a:fillRef idx="1">
+            <a:schemeClr val="lt1"/>
+          </a:fillRef>
+          <a:effectRef idx="0">
+            <a:schemeClr val="dk1"/>
+          </a:effectRef>
+          <a:fontRef idx="minor">
+            <a:schemeClr val="dk1"/>
+          </a:fontRef>
+        </p:style>
+        <p:txBody>
+          <a:bodyPr rtlCol="0" anchor="ctr"/>
+          <a:lstStyle/>
+          <a:p>
+            <a:pPr algn="ctr"/>
+            <a:endParaRPr lang="en-US"/>
+          </a:p>
+        </p:txBody>
+      </p:sp>
+      <p:sp>
+        <p:nvSpPr>
+          <p:cNvPr id="36" name="Parallelogram 35"/>
+          <p:cNvSpPr/>
+          <p:nvPr/>
+        </p:nvSpPr>
+        <p:spPr>
+          <a:xfrm rot="16200000" flipH="1">
+            <a:off x="6089448" y="4326375"/>
+            <a:ext cx="856788" cy="304657"/>
+          </a:xfrm>
+          <a:prstGeom prst="parallelogram">
+            <a:avLst>
+              <a:gd name="adj" fmla="val 168083"/>
+            </a:avLst>
+          </a:prstGeom>
+          <a:solidFill>
+            <a:schemeClr val="bg1">
+              <a:lumMod val="85000"/>
+            </a:schemeClr>
+          </a:solidFill>
+        </p:spPr>
+        <p:style>
+          <a:lnRef idx="2">
+            <a:schemeClr val="dk1"/>
+          </a:lnRef>
+          <a:fillRef idx="1">
+            <a:schemeClr val="lt1"/>
+          </a:fillRef>
+          <a:effectRef idx="0">
+            <a:schemeClr val="dk1"/>
+          </a:effectRef>
+          <a:fontRef idx="minor">
+            <a:schemeClr val="dk1"/>
+          </a:fontRef>
+        </p:style>
+        <p:txBody>
+          <a:bodyPr rtlCol="0" anchor="ctr"/>
+          <a:lstStyle/>
+          <a:p>
+            <a:pPr algn="ctr"/>
+            <a:endParaRPr lang="en-US"/>
+          </a:p>
+        </p:txBody>
+      </p:sp>
+      <p:sp>
+        <p:nvSpPr>
+          <p:cNvPr id="37" name="Parallelogram 36"/>
+          <p:cNvSpPr/>
+          <p:nvPr/>
+        </p:nvSpPr>
+        <p:spPr>
+          <a:xfrm rot="5400000">
+            <a:off x="7200568" y="4326374"/>
+            <a:ext cx="856788" cy="304657"/>
+          </a:xfrm>
+          <a:prstGeom prst="parallelogram">
+            <a:avLst>
+              <a:gd name="adj" fmla="val 168083"/>
+            </a:avLst>
+          </a:prstGeom>
+          <a:solidFill>
+            <a:schemeClr val="bg1">
+              <a:lumMod val="85000"/>
+            </a:schemeClr>
+          </a:solidFill>
+        </p:spPr>
+        <p:style>
+          <a:lnRef idx="2">
+            <a:schemeClr val="dk1"/>
+          </a:lnRef>
+          <a:fillRef idx="1">
+            <a:schemeClr val="lt1"/>
+          </a:fillRef>
+          <a:effectRef idx="0">
+            <a:schemeClr val="dk1"/>
+          </a:effectRef>
+          <a:fontRef idx="minor">
+            <a:schemeClr val="dk1"/>
+          </a:fontRef>
+        </p:style>
+        <p:txBody>
+          <a:bodyPr rtlCol="0" anchor="ctr"/>
+          <a:lstStyle/>
+          <a:p>
+            <a:pPr algn="ctr"/>
+            <a:endParaRPr lang="en-US"/>
+          </a:p>
+        </p:txBody>
+      </p:sp>
+      <p:sp>
+        <p:nvSpPr>
+          <p:cNvPr id="38" name="Freeform 37"/>
+          <p:cNvSpPr/>
+          <p:nvPr/>
+        </p:nvSpPr>
+        <p:spPr>
+          <a:xfrm>
+            <a:off x="6430691" y="4153657"/>
+            <a:ext cx="1284699" cy="597660"/>
+          </a:xfrm>
+          <a:custGeom>
+            <a:avLst/>
+            <a:gdLst>
+              <a:gd name="connsiteX0" fmla="*/ 0 w 1284699"/>
+              <a:gd name="connsiteY0" fmla="*/ 459526 h 598260"/>
+              <a:gd name="connsiteX1" fmla="*/ 85383 w 1284699"/>
+              <a:gd name="connsiteY1" fmla="*/ 352807 h 598260"/>
+              <a:gd name="connsiteX2" fmla="*/ 138747 w 1284699"/>
+              <a:gd name="connsiteY2" fmla="*/ 352807 h 598260"/>
+              <a:gd name="connsiteX3" fmla="*/ 149420 w 1284699"/>
+              <a:gd name="connsiteY3" fmla="*/ 267432 h 598260"/>
+              <a:gd name="connsiteX4" fmla="*/ 202785 w 1284699"/>
+              <a:gd name="connsiteY4" fmla="*/ 224745 h 598260"/>
+              <a:gd name="connsiteX5" fmla="*/ 224131 w 1284699"/>
+              <a:gd name="connsiteY5" fmla="*/ 43323 h 598260"/>
+              <a:gd name="connsiteX6" fmla="*/ 394897 w 1284699"/>
+              <a:gd name="connsiteY6" fmla="*/ 86011 h 598260"/>
+              <a:gd name="connsiteX7" fmla="*/ 501626 w 1284699"/>
+              <a:gd name="connsiteY7" fmla="*/ 636 h 598260"/>
+              <a:gd name="connsiteX8" fmla="*/ 672392 w 1284699"/>
+              <a:gd name="connsiteY8" fmla="*/ 139370 h 598260"/>
+              <a:gd name="connsiteX9" fmla="*/ 875177 w 1284699"/>
+              <a:gd name="connsiteY9" fmla="*/ 64667 h 598260"/>
+              <a:gd name="connsiteX10" fmla="*/ 1024597 w 1284699"/>
+              <a:gd name="connsiteY10" fmla="*/ 96683 h 598260"/>
+              <a:gd name="connsiteX11" fmla="*/ 1099308 w 1284699"/>
+              <a:gd name="connsiteY11" fmla="*/ 182057 h 598260"/>
+              <a:gd name="connsiteX12" fmla="*/ 1131326 w 1284699"/>
+              <a:gd name="connsiteY12" fmla="*/ 310120 h 598260"/>
+              <a:gd name="connsiteX13" fmla="*/ 1227382 w 1284699"/>
+              <a:gd name="connsiteY13" fmla="*/ 299448 h 598260"/>
+              <a:gd name="connsiteX14" fmla="*/ 1280747 w 1284699"/>
+              <a:gd name="connsiteY14" fmla="*/ 470197 h 598260"/>
+              <a:gd name="connsiteX15" fmla="*/ 1280747 w 1284699"/>
+              <a:gd name="connsiteY15" fmla="*/ 598260 h 598260"/>
+              <a:gd name="connsiteX0" fmla="*/ 0 w 1284699"/>
+              <a:gd name="connsiteY0" fmla="*/ 459606 h 598340"/>
+              <a:gd name="connsiteX1" fmla="*/ 85383 w 1284699"/>
+              <a:gd name="connsiteY1" fmla="*/ 352887 h 598340"/>
+              <a:gd name="connsiteX2" fmla="*/ 138747 w 1284699"/>
+              <a:gd name="connsiteY2" fmla="*/ 352887 h 598340"/>
+              <a:gd name="connsiteX3" fmla="*/ 149420 w 1284699"/>
+              <a:gd name="connsiteY3" fmla="*/ 267512 h 598340"/>
+              <a:gd name="connsiteX4" fmla="*/ 202785 w 1284699"/>
+              <a:gd name="connsiteY4" fmla="*/ 224825 h 598340"/>
+              <a:gd name="connsiteX5" fmla="*/ 288169 w 1284699"/>
+              <a:gd name="connsiteY5" fmla="*/ 107434 h 598340"/>
+              <a:gd name="connsiteX6" fmla="*/ 394897 w 1284699"/>
+              <a:gd name="connsiteY6" fmla="*/ 86091 h 598340"/>
+              <a:gd name="connsiteX7" fmla="*/ 501626 w 1284699"/>
+              <a:gd name="connsiteY7" fmla="*/ 716 h 598340"/>
+              <a:gd name="connsiteX8" fmla="*/ 672392 w 1284699"/>
+              <a:gd name="connsiteY8" fmla="*/ 139450 h 598340"/>
+              <a:gd name="connsiteX9" fmla="*/ 875177 w 1284699"/>
+              <a:gd name="connsiteY9" fmla="*/ 64747 h 598340"/>
+              <a:gd name="connsiteX10" fmla="*/ 1024597 w 1284699"/>
+              <a:gd name="connsiteY10" fmla="*/ 96763 h 598340"/>
+              <a:gd name="connsiteX11" fmla="*/ 1099308 w 1284699"/>
+              <a:gd name="connsiteY11" fmla="*/ 182137 h 598340"/>
+              <a:gd name="connsiteX12" fmla="*/ 1131326 w 1284699"/>
+              <a:gd name="connsiteY12" fmla="*/ 310200 h 598340"/>
+              <a:gd name="connsiteX13" fmla="*/ 1227382 w 1284699"/>
+              <a:gd name="connsiteY13" fmla="*/ 299528 h 598340"/>
+              <a:gd name="connsiteX14" fmla="*/ 1280747 w 1284699"/>
+              <a:gd name="connsiteY14" fmla="*/ 470277 h 598340"/>
+              <a:gd name="connsiteX15" fmla="*/ 1280747 w 1284699"/>
+              <a:gd name="connsiteY15" fmla="*/ 598340 h 598340"/>
+              <a:gd name="connsiteX0" fmla="*/ 0 w 1284699"/>
+              <a:gd name="connsiteY0" fmla="*/ 458926 h 597660"/>
+              <a:gd name="connsiteX1" fmla="*/ 85383 w 1284699"/>
+              <a:gd name="connsiteY1" fmla="*/ 352207 h 597660"/>
+              <a:gd name="connsiteX2" fmla="*/ 138747 w 1284699"/>
+              <a:gd name="connsiteY2" fmla="*/ 352207 h 597660"/>
+              <a:gd name="connsiteX3" fmla="*/ 149420 w 1284699"/>
+              <a:gd name="connsiteY3" fmla="*/ 266832 h 597660"/>
+              <a:gd name="connsiteX4" fmla="*/ 202785 w 1284699"/>
+              <a:gd name="connsiteY4" fmla="*/ 224145 h 597660"/>
+              <a:gd name="connsiteX5" fmla="*/ 288169 w 1284699"/>
+              <a:gd name="connsiteY5" fmla="*/ 106754 h 597660"/>
+              <a:gd name="connsiteX6" fmla="*/ 394897 w 1284699"/>
+              <a:gd name="connsiteY6" fmla="*/ 85411 h 597660"/>
+              <a:gd name="connsiteX7" fmla="*/ 501626 w 1284699"/>
+              <a:gd name="connsiteY7" fmla="*/ 36 h 597660"/>
+              <a:gd name="connsiteX8" fmla="*/ 672392 w 1284699"/>
+              <a:gd name="connsiteY8" fmla="*/ 74739 h 597660"/>
+              <a:gd name="connsiteX9" fmla="*/ 875177 w 1284699"/>
+              <a:gd name="connsiteY9" fmla="*/ 64067 h 597660"/>
+              <a:gd name="connsiteX10" fmla="*/ 1024597 w 1284699"/>
+              <a:gd name="connsiteY10" fmla="*/ 96083 h 597660"/>
+              <a:gd name="connsiteX11" fmla="*/ 1099308 w 1284699"/>
+              <a:gd name="connsiteY11" fmla="*/ 181457 h 597660"/>
+              <a:gd name="connsiteX12" fmla="*/ 1131326 w 1284699"/>
+              <a:gd name="connsiteY12" fmla="*/ 309520 h 597660"/>
+              <a:gd name="connsiteX13" fmla="*/ 1227382 w 1284699"/>
+              <a:gd name="connsiteY13" fmla="*/ 298848 h 597660"/>
+              <a:gd name="connsiteX14" fmla="*/ 1280747 w 1284699"/>
+              <a:gd name="connsiteY14" fmla="*/ 469597 h 597660"/>
+              <a:gd name="connsiteX15" fmla="*/ 1280747 w 1284699"/>
+              <a:gd name="connsiteY15" fmla="*/ 597660 h 597660"/>
+            </a:gdLst>
+            <a:ahLst/>
+            <a:cxnLst>
+              <a:cxn ang="0">
+                <a:pos x="connsiteX0" y="connsiteY0"/>
+              </a:cxn>
+              <a:cxn ang="0">
+                <a:pos x="connsiteX1" y="connsiteY1"/>
+              </a:cxn>
+              <a:cxn ang="0">
+                <a:pos x="connsiteX2" y="connsiteY2"/>
+              </a:cxn>
+              <a:cxn ang="0">
+                <a:pos x="connsiteX3" y="connsiteY3"/>
+              </a:cxn>
+              <a:cxn ang="0">
+                <a:pos x="connsiteX4" y="connsiteY4"/>
+              </a:cxn>
+              <a:cxn ang="0">
+                <a:pos x="connsiteX5" y="connsiteY5"/>
+              </a:cxn>
+              <a:cxn ang="0">
+                <a:pos x="connsiteX6" y="connsiteY6"/>
+              </a:cxn>
+              <a:cxn ang="0">
+                <a:pos x="connsiteX7" y="connsiteY7"/>
+              </a:cxn>
+              <a:cxn ang="0">
+                <a:pos x="connsiteX8" y="connsiteY8"/>
+              </a:cxn>
+              <a:cxn ang="0">
+                <a:pos x="connsiteX9" y="connsiteY9"/>
+              </a:cxn>
+              <a:cxn ang="0">
+                <a:pos x="connsiteX10" y="connsiteY10"/>
+              </a:cxn>
+              <a:cxn ang="0">
+                <a:pos x="connsiteX11" y="connsiteY11"/>
+              </a:cxn>
+              <a:cxn ang="0">
+                <a:pos x="connsiteX12" y="connsiteY12"/>
+              </a:cxn>
+              <a:cxn ang="0">
+                <a:pos x="connsiteX13" y="connsiteY13"/>
+              </a:cxn>
+              <a:cxn ang="0">
+                <a:pos x="connsiteX14" y="connsiteY14"/>
+              </a:cxn>
+              <a:cxn ang="0">
+                <a:pos x="connsiteX15" y="connsiteY15"/>
+              </a:cxn>
+            </a:cxnLst>
+            <a:rect l="l" t="t" r="r" b="b"/>
+            <a:pathLst>
+              <a:path w="1284699" h="597660">
+                <a:moveTo>
+                  <a:pt x="0" y="458926"/>
+                </a:moveTo>
+                <a:cubicBezTo>
+                  <a:pt x="31129" y="414459"/>
+                  <a:pt x="62259" y="369993"/>
+                  <a:pt x="85383" y="352207"/>
+                </a:cubicBezTo>
+                <a:cubicBezTo>
+                  <a:pt x="108507" y="334421"/>
+                  <a:pt x="128074" y="366436"/>
+                  <a:pt x="138747" y="352207"/>
+                </a:cubicBezTo>
+                <a:cubicBezTo>
+                  <a:pt x="149420" y="337978"/>
+                  <a:pt x="138747" y="288176"/>
+                  <a:pt x="149420" y="266832"/>
+                </a:cubicBezTo>
+                <a:cubicBezTo>
+                  <a:pt x="160093" y="245488"/>
+                  <a:pt x="179660" y="250825"/>
+                  <a:pt x="202785" y="224145"/>
+                </a:cubicBezTo>
+                <a:cubicBezTo>
+                  <a:pt x="225910" y="197465"/>
+                  <a:pt x="256150" y="129876"/>
+                  <a:pt x="288169" y="106754"/>
+                </a:cubicBezTo>
+                <a:cubicBezTo>
+                  <a:pt x="320188" y="83632"/>
+                  <a:pt x="359321" y="103197"/>
+                  <a:pt x="394897" y="85411"/>
+                </a:cubicBezTo>
+                <a:cubicBezTo>
+                  <a:pt x="430473" y="67625"/>
+                  <a:pt x="455377" y="1815"/>
+                  <a:pt x="501626" y="36"/>
+                </a:cubicBezTo>
+                <a:cubicBezTo>
+                  <a:pt x="547875" y="-1743"/>
+                  <a:pt x="610134" y="64067"/>
+                  <a:pt x="672392" y="74739"/>
+                </a:cubicBezTo>
+                <a:cubicBezTo>
+                  <a:pt x="734650" y="85411"/>
+                  <a:pt x="816476" y="60510"/>
+                  <a:pt x="875177" y="64067"/>
+                </a:cubicBezTo>
+                <a:cubicBezTo>
+                  <a:pt x="933878" y="67624"/>
+                  <a:pt x="987242" y="76518"/>
+                  <a:pt x="1024597" y="96083"/>
+                </a:cubicBezTo>
+                <a:cubicBezTo>
+                  <a:pt x="1061952" y="115648"/>
+                  <a:pt x="1081520" y="145884"/>
+                  <a:pt x="1099308" y="181457"/>
+                </a:cubicBezTo>
+                <a:cubicBezTo>
+                  <a:pt x="1117096" y="217030"/>
+                  <a:pt x="1109980" y="289955"/>
+                  <a:pt x="1131326" y="309520"/>
+                </a:cubicBezTo>
+                <a:cubicBezTo>
+                  <a:pt x="1152672" y="329085"/>
+                  <a:pt x="1202479" y="272169"/>
+                  <a:pt x="1227382" y="298848"/>
+                </a:cubicBezTo>
+                <a:cubicBezTo>
+                  <a:pt x="1252285" y="325527"/>
+                  <a:pt x="1271853" y="419795"/>
+                  <a:pt x="1280747" y="469597"/>
+                </a:cubicBezTo>
+                <a:cubicBezTo>
+                  <a:pt x="1289641" y="519399"/>
+                  <a:pt x="1280747" y="597660"/>
+                  <a:pt x="1280747" y="597660"/>
+                </a:cubicBezTo>
+              </a:path>
+            </a:pathLst>
+          </a:custGeom>
+          <a:solidFill>
+            <a:srgbClr val="FFF5C4"/>
+          </a:solidFill>
+          <a:ln>
+            <a:solidFill>
+              <a:srgbClr val="000000"/>
+            </a:solidFill>
+          </a:ln>
+        </p:spPr>
+        <p:style>
+          <a:lnRef idx="2">
+            <a:schemeClr val="accent1"/>
+          </a:lnRef>
+          <a:fillRef idx="0">
+            <a:schemeClr val="accent1"/>
+          </a:fillRef>
+          <a:effectRef idx="1">
+            <a:schemeClr val="accent1"/>
+          </a:effectRef>
+          <a:fontRef idx="minor">
+            <a:schemeClr val="tx1"/>
+          </a:fontRef>
+        </p:style>
+        <p:txBody>
+          <a:bodyPr rtlCol="0" anchor="ctr"/>
+          <a:lstStyle/>
+          <a:p>
+            <a:pPr algn="ctr"/>
+            <a:endParaRPr lang="en-US"/>
+          </a:p>
+        </p:txBody>
+      </p:sp>
+      <p:sp>
+        <p:nvSpPr>
+          <p:cNvPr id="39" name="Rectangle 38"/>
+          <p:cNvSpPr/>
+          <p:nvPr/>
+        </p:nvSpPr>
+        <p:spPr>
+          <a:xfrm>
+            <a:off x="6365513" y="4569895"/>
+            <a:ext cx="1415778" cy="352172"/>
+          </a:xfrm>
+          <a:prstGeom prst="rect">
+            <a:avLst/>
+          </a:prstGeom>
+        </p:spPr>
+        <p:style>
+          <a:lnRef idx="2">
+            <a:schemeClr val="dk1"/>
+          </a:lnRef>
+          <a:fillRef idx="1">
+            <a:schemeClr val="lt1"/>
+          </a:fillRef>
+          <a:effectRef idx="0">
+            <a:schemeClr val="dk1"/>
+          </a:effectRef>
+          <a:fontRef idx="minor">
+            <a:schemeClr val="dk1"/>
+          </a:fontRef>
+        </p:style>
+        <p:txBody>
+          <a:bodyPr rtlCol="0" anchor="ctr"/>
+          <a:lstStyle/>
+          <a:p>
+            <a:pPr algn="ctr"/>
+            <a:endParaRPr lang="en-US"/>
+          </a:p>
+        </p:txBody>
+      </p:sp>
+      <p:grpSp>
+        <p:nvGrpSpPr>
+          <p:cNvPr id="40" name="Group 39"/>
+          <p:cNvGrpSpPr/>
+          <p:nvPr/>
+        </p:nvGrpSpPr>
+        <p:grpSpPr>
+          <a:xfrm rot="1093235">
+            <a:off x="6986617" y="3703473"/>
+            <a:ext cx="728773" cy="693671"/>
+            <a:chOff x="6269664" y="1056512"/>
+            <a:chExt cx="806462" cy="821734"/>
+          </a:xfrm>
+          <a:solidFill>
+            <a:schemeClr val="accent6">
+              <a:lumMod val="60000"/>
+              <a:lumOff val="40000"/>
+            </a:schemeClr>
+          </a:solidFill>
+        </p:grpSpPr>
+        <p:sp>
+          <p:nvSpPr>
+            <p:cNvPr id="41" name="Trapezoid 40"/>
+            <p:cNvSpPr/>
+            <p:nvPr/>
+          </p:nvSpPr>
+          <p:spPr>
+            <a:xfrm rot="10800000">
+              <a:off x="6269664" y="1184576"/>
+              <a:ext cx="806462" cy="693670"/>
+            </a:xfrm>
+            <a:prstGeom prst="trapezoid">
+              <a:avLst/>
+            </a:prstGeom>
+            <a:grpFill/>
+          </p:spPr>
+          <p:style>
+            <a:lnRef idx="2">
+              <a:schemeClr val="dk1"/>
+            </a:lnRef>
+            <a:fillRef idx="1">
+              <a:schemeClr val="lt1"/>
+            </a:fillRef>
+            <a:effectRef idx="0">
+              <a:schemeClr val="dk1"/>
+            </a:effectRef>
+            <a:fontRef idx="minor">
+              <a:schemeClr val="dk1"/>
+            </a:fontRef>
+          </p:style>
+          <p:txBody>
+            <a:bodyPr rtlCol="0" anchor="ctr"/>
+            <a:lstStyle/>
+            <a:p>
+              <a:pPr algn="ctr"/>
+              <a:endParaRPr lang="en-US"/>
+            </a:p>
+          </p:txBody>
+        </p:sp>
+        <p:sp>
+          <p:nvSpPr>
+            <p:cNvPr id="42" name="Oval 41"/>
+            <p:cNvSpPr/>
+            <p:nvPr/>
+          </p:nvSpPr>
+          <p:spPr>
+            <a:xfrm>
+              <a:off x="6269664" y="1056512"/>
+              <a:ext cx="806462" cy="256125"/>
+            </a:xfrm>
+            <a:prstGeom prst="ellipse">
+              <a:avLst/>
+            </a:prstGeom>
+            <a:grpFill/>
+          </p:spPr>
+          <p:style>
+            <a:lnRef idx="2">
+              <a:schemeClr val="dk1"/>
+            </a:lnRef>
+            <a:fillRef idx="1">
+              <a:schemeClr val="lt1"/>
+            </a:fillRef>
+            <a:effectRef idx="0">
+              <a:schemeClr val="dk1"/>
+            </a:effectRef>
+            <a:fontRef idx="minor">
+              <a:schemeClr val="dk1"/>
+            </a:fontRef>
+          </p:style>
+          <p:txBody>
+            <a:bodyPr rtlCol="0" anchor="ctr"/>
+            <a:lstStyle/>
+            <a:p>
+              <a:pPr algn="ctr"/>
+              <a:endParaRPr lang="en-US"/>
+            </a:p>
+          </p:txBody>
+        </p:sp>
+        <p:sp>
+          <p:nvSpPr>
+            <p:cNvPr id="43" name="Oval 42"/>
+            <p:cNvSpPr/>
+            <p:nvPr/>
+          </p:nvSpPr>
+          <p:spPr>
+            <a:xfrm>
+              <a:off x="6347353" y="1095360"/>
+              <a:ext cx="654062" cy="178429"/>
+            </a:xfrm>
+            <a:prstGeom prst="ellipse">
+              <a:avLst/>
+            </a:prstGeom>
+            <a:solidFill>
+              <a:schemeClr val="accent6">
+                <a:lumMod val="75000"/>
+              </a:schemeClr>
+            </a:solidFill>
+          </p:spPr>
+          <p:style>
+            <a:lnRef idx="2">
+              <a:schemeClr val="dk1"/>
+            </a:lnRef>
+            <a:fillRef idx="1">
+              <a:schemeClr val="lt1"/>
+            </a:fillRef>
+            <a:effectRef idx="0">
+              <a:schemeClr val="dk1"/>
+            </a:effectRef>
+            <a:fontRef idx="minor">
+              <a:schemeClr val="dk1"/>
+            </a:fontRef>
+          </p:style>
+          <p:txBody>
+            <a:bodyPr rtlCol="0" anchor="ctr"/>
+            <a:lstStyle/>
+            <a:p>
+              <a:pPr algn="ctr"/>
+              <a:endParaRPr lang="en-US"/>
+            </a:p>
+          </p:txBody>
+        </p:sp>
+      </p:grpSp>
+      <p:sp>
+        <p:nvSpPr>
+          <p:cNvPr id="44" name="Freeform 43"/>
+          <p:cNvSpPr/>
+          <p:nvPr/>
+        </p:nvSpPr>
+        <p:spPr>
+          <a:xfrm>
+            <a:off x="6942990" y="4270685"/>
+            <a:ext cx="576336" cy="203163"/>
+          </a:xfrm>
+          <a:custGeom>
+            <a:avLst/>
+            <a:gdLst>
+              <a:gd name="connsiteX0" fmla="*/ 0 w 576336"/>
+              <a:gd name="connsiteY0" fmla="*/ 117789 h 203163"/>
+              <a:gd name="connsiteX1" fmla="*/ 53364 w 576336"/>
+              <a:gd name="connsiteY1" fmla="*/ 43086 h 203163"/>
+              <a:gd name="connsiteX2" fmla="*/ 160093 w 576336"/>
+              <a:gd name="connsiteY2" fmla="*/ 398 h 203163"/>
+              <a:gd name="connsiteX3" fmla="*/ 202785 w 576336"/>
+              <a:gd name="connsiteY3" fmla="*/ 21742 h 203163"/>
+              <a:gd name="connsiteX4" fmla="*/ 266822 w 576336"/>
+              <a:gd name="connsiteY4" fmla="*/ 21742 h 203163"/>
+              <a:gd name="connsiteX5" fmla="*/ 320186 w 576336"/>
+              <a:gd name="connsiteY5" fmla="*/ 64429 h 203163"/>
+              <a:gd name="connsiteX6" fmla="*/ 448261 w 576336"/>
+              <a:gd name="connsiteY6" fmla="*/ 43086 h 203163"/>
+              <a:gd name="connsiteX7" fmla="*/ 533644 w 576336"/>
+              <a:gd name="connsiteY7" fmla="*/ 139132 h 203163"/>
+              <a:gd name="connsiteX8" fmla="*/ 576336 w 576336"/>
+              <a:gd name="connsiteY8" fmla="*/ 203163 h 203163"/>
+            </a:gdLst>
+            <a:ahLst/>
+            <a:cxnLst>
+              <a:cxn ang="0">
+                <a:pos x="connsiteX0" y="connsiteY0"/>
+              </a:cxn>
+              <a:cxn ang="0">
+                <a:pos x="connsiteX1" y="connsiteY1"/>
+              </a:cxn>
+              <a:cxn ang="0">
+                <a:pos x="connsiteX2" y="connsiteY2"/>
+              </a:cxn>
+              <a:cxn ang="0">
+                <a:pos x="connsiteX3" y="connsiteY3"/>
+              </a:cxn>
+              <a:cxn ang="0">
+                <a:pos x="connsiteX4" y="connsiteY4"/>
+              </a:cxn>
+              <a:cxn ang="0">
+                <a:pos x="connsiteX5" y="connsiteY5"/>
+              </a:cxn>
+              <a:cxn ang="0">
+                <a:pos x="connsiteX6" y="connsiteY6"/>
+              </a:cxn>
+              <a:cxn ang="0">
+                <a:pos x="connsiteX7" y="connsiteY7"/>
+              </a:cxn>
+              <a:cxn ang="0">
+                <a:pos x="connsiteX8" y="connsiteY8"/>
+              </a:cxn>
+            </a:cxnLst>
+            <a:rect l="l" t="t" r="r" b="b"/>
+            <a:pathLst>
+              <a:path w="576336" h="203163">
+                <a:moveTo>
+                  <a:pt x="0" y="117789"/>
+                </a:moveTo>
+                <a:cubicBezTo>
+                  <a:pt x="13341" y="90220"/>
+                  <a:pt x="26682" y="62651"/>
+                  <a:pt x="53364" y="43086"/>
+                </a:cubicBezTo>
+                <a:cubicBezTo>
+                  <a:pt x="80046" y="23521"/>
+                  <a:pt x="135190" y="3955"/>
+                  <a:pt x="160093" y="398"/>
+                </a:cubicBezTo>
+                <a:cubicBezTo>
+                  <a:pt x="184996" y="-3159"/>
+                  <a:pt x="184997" y="18185"/>
+                  <a:pt x="202785" y="21742"/>
+                </a:cubicBezTo>
+                <a:cubicBezTo>
+                  <a:pt x="220573" y="25299"/>
+                  <a:pt x="247255" y="14627"/>
+                  <a:pt x="266822" y="21742"/>
+                </a:cubicBezTo>
+                <a:cubicBezTo>
+                  <a:pt x="286389" y="28856"/>
+                  <a:pt x="289946" y="60872"/>
+                  <a:pt x="320186" y="64429"/>
+                </a:cubicBezTo>
+                <a:cubicBezTo>
+                  <a:pt x="350426" y="67986"/>
+                  <a:pt x="412685" y="30636"/>
+                  <a:pt x="448261" y="43086"/>
+                </a:cubicBezTo>
+                <a:cubicBezTo>
+                  <a:pt x="483837" y="55536"/>
+                  <a:pt x="512298" y="112453"/>
+                  <a:pt x="533644" y="139132"/>
+                </a:cubicBezTo>
+                <a:cubicBezTo>
+                  <a:pt x="554990" y="165811"/>
+                  <a:pt x="576336" y="203163"/>
+                  <a:pt x="576336" y="203163"/>
+                </a:cubicBezTo>
+              </a:path>
+            </a:pathLst>
+          </a:custGeom>
+          <a:solidFill>
+            <a:srgbClr val="FFF5C4"/>
+          </a:solidFill>
+          <a:ln>
+            <a:solidFill>
+              <a:srgbClr val="000000"/>
+            </a:solidFill>
+          </a:ln>
+          <a:effectLst/>
+        </p:spPr>
+        <p:style>
+          <a:lnRef idx="2">
+            <a:schemeClr val="accent1"/>
+          </a:lnRef>
+          <a:fillRef idx="0">
+            <a:schemeClr val="accent1"/>
+          </a:fillRef>
+          <a:effectRef idx="1">
+            <a:schemeClr val="accent1"/>
+          </a:effectRef>
+          <a:fontRef idx="minor">
+            <a:schemeClr val="tx1"/>
+          </a:fontRef>
+        </p:style>
+        <p:txBody>
+          <a:bodyPr rtlCol="0" anchor="ctr"/>
+          <a:lstStyle/>
+          <a:p>
+            <a:pPr algn="ctr"/>
+            <a:endParaRPr lang="en-US"/>
+          </a:p>
+        </p:txBody>
+      </p:sp>
+    </p:spTree>
+    <p:extLst>
+      <p:ext uri="{BB962C8B-B14F-4D97-AF65-F5344CB8AC3E}">
+        <p14:creationId xmlns:p14="http://schemas.microsoft.com/office/powerpoint/2010/main" val="185133437"/>
+      </p:ext>
+    </p:extLst>
+  </p:cSld>
+  <p:clrMapOvr>
+    <a:masterClrMapping/>
+  </p:clrMapOvr>
+</p:sld>
+</file>
+
+<file path=ppt/slides/slide61.xml><?xml version="1.0" encoding="utf-8"?>
+<p:sld xmlns:a="http://schemas.openxmlformats.org/drawingml/2006/main" xmlns:r="http://schemas.openxmlformats.org/officeDocument/2006/relationships" xmlns:p="http://schemas.openxmlformats.org/presentationml/2006/main">
+  <p:cSld>
+    <p:spTree>
+      <p:nvGrpSpPr>
+        <p:cNvPr id="1" name=""/>
+        <p:cNvGrpSpPr/>
+        <p:nvPr/>
+      </p:nvGrpSpPr>
+      <p:grpSpPr>
+        <a:xfrm>
+          <a:off x="0" y="0"/>
+          <a:ext cx="0" cy="0"/>
+          <a:chOff x="0" y="0"/>
+          <a:chExt cx="0" cy="0"/>
+        </a:xfrm>
+      </p:grpSpPr>
+      <p:pic>
+        <p:nvPicPr>
+          <p:cNvPr id="3" name="Picture 2"/>
+          <p:cNvPicPr>
+            <a:picLocks noChangeAspect="1"/>
+          </p:cNvPicPr>
+          <p:nvPr/>
+        </p:nvPicPr>
+        <p:blipFill>
+          <a:blip r:embed="rId2"/>
+          <a:stretch>
+            <a:fillRect/>
+          </a:stretch>
+        </p:blipFill>
+        <p:spPr>
+          <a:xfrm>
+            <a:off x="4009576" y="685800"/>
+            <a:ext cx="1392085" cy="1592639"/>
+          </a:xfrm>
+          <a:prstGeom prst="rect">
+            <a:avLst/>
+          </a:prstGeom>
+        </p:spPr>
+      </p:pic>
+      <p:pic>
+        <p:nvPicPr>
+          <p:cNvPr id="4" name="Picture 3"/>
+          <p:cNvPicPr>
+            <a:picLocks noChangeAspect="1"/>
+          </p:cNvPicPr>
+          <p:nvPr/>
+        </p:nvPicPr>
+        <p:blipFill>
+          <a:blip r:embed="rId3">
+            <a:clrChange>
+              <a:clrFrom>
+                <a:srgbClr val="FFFFFF"/>
+              </a:clrFrom>
+              <a:clrTo>
+                <a:srgbClr val="FFFFFF">
+                  <a:alpha val="0"/>
+                </a:srgbClr>
+              </a:clrTo>
+            </a:clrChange>
+          </a:blip>
+          <a:stretch>
+            <a:fillRect/>
+          </a:stretch>
+        </p:blipFill>
+        <p:spPr>
+          <a:xfrm>
+            <a:off x="1029067" y="3072561"/>
+            <a:ext cx="1834536" cy="1834536"/>
+          </a:xfrm>
+          <a:prstGeom prst="rect">
+            <a:avLst/>
+          </a:prstGeom>
+        </p:spPr>
+      </p:pic>
+      <p:pic>
+        <p:nvPicPr>
+          <p:cNvPr id="8" name="Picture 7"/>
+          <p:cNvPicPr>
+            <a:picLocks noChangeAspect="1"/>
+          </p:cNvPicPr>
+          <p:nvPr/>
+        </p:nvPicPr>
+        <p:blipFill>
+          <a:blip r:embed="rId4">
+            <a:clrChange>
+              <a:clrFrom>
+                <a:srgbClr val="FFFFFF"/>
+              </a:clrFrom>
+              <a:clrTo>
+                <a:srgbClr val="FFFFFF">
+                  <a:alpha val="0"/>
+                </a:srgbClr>
+              </a:clrTo>
+            </a:clrChange>
+          </a:blip>
+          <a:stretch>
+            <a:fillRect/>
+          </a:stretch>
+        </p:blipFill>
+        <p:spPr>
+          <a:xfrm>
+            <a:off x="2062440" y="3753800"/>
+            <a:ext cx="1529060" cy="1529060"/>
+          </a:xfrm>
+          <a:prstGeom prst="rect">
+            <a:avLst/>
+          </a:prstGeom>
+        </p:spPr>
+      </p:pic>
+      <p:sp>
+        <p:nvSpPr>
+          <p:cNvPr id="9" name="TextBox 8"/>
+          <p:cNvSpPr txBox="1"/>
+          <p:nvPr/>
+        </p:nvSpPr>
+        <p:spPr>
+          <a:xfrm>
+            <a:off x="1344249" y="4985950"/>
+            <a:ext cx="2236840" cy="338554"/>
+          </a:xfrm>
+          <a:prstGeom prst="rect">
+            <a:avLst/>
+          </a:prstGeom>
+          <a:noFill/>
+        </p:spPr>
+        <p:txBody>
+          <a:bodyPr wrap="square" rtlCol="0">
+            <a:spAutoFit/>
+          </a:bodyPr>
+          <a:lstStyle/>
+          <a:p>
+            <a:pPr algn="ctr"/>
+            <a:r>
+              <a:rPr lang="en-US" sz="1600" dirty="0" smtClean="0">
+                <a:latin typeface="Anime Ace 2.0 BB"/>
+                <a:cs typeface="Anime Ace 2.0 BB"/>
+              </a:rPr>
+              <a:t>Public Repos</a:t>
+            </a:r>
+            <a:endParaRPr lang="en-US" sz="1600" dirty="0">
+              <a:latin typeface="Anime Ace 2.0 BB"/>
+              <a:cs typeface="Anime Ace 2.0 BB"/>
+            </a:endParaRPr>
+          </a:p>
+        </p:txBody>
+      </p:sp>
+      <p:sp>
+        <p:nvSpPr>
+          <p:cNvPr id="32" name="TextBox 31"/>
+          <p:cNvSpPr txBox="1"/>
+          <p:nvPr/>
+        </p:nvSpPr>
+        <p:spPr>
+          <a:xfrm>
+            <a:off x="3596694" y="2278439"/>
+            <a:ext cx="2236840" cy="584776"/>
+          </a:xfrm>
+          <a:prstGeom prst="rect">
+            <a:avLst/>
+          </a:prstGeom>
+          <a:noFill/>
+        </p:spPr>
+        <p:txBody>
+          <a:bodyPr wrap="square" rtlCol="0">
+            <a:spAutoFit/>
+          </a:bodyPr>
+          <a:lstStyle/>
+          <a:p>
+            <a:pPr algn="ctr"/>
+            <a:r>
+              <a:rPr lang="en-US" sz="1600" dirty="0" err="1" smtClean="0">
+                <a:latin typeface="Anime Ace 2.0 BB"/>
+                <a:cs typeface="Anime Ace 2.0 BB"/>
+              </a:rPr>
+              <a:t>Drupal.org</a:t>
+            </a:r>
+            <a:r>
+              <a:rPr lang="en-US" sz="1600" dirty="0" smtClean="0">
+                <a:latin typeface="Anime Ace 2.0 BB"/>
+                <a:cs typeface="Anime Ace 2.0 BB"/>
+              </a:rPr>
+              <a:t> Project</a:t>
+            </a:r>
+            <a:endParaRPr lang="en-US" sz="1600" dirty="0">
+              <a:latin typeface="Anime Ace 2.0 BB"/>
+              <a:cs typeface="Anime Ace 2.0 BB"/>
+            </a:endParaRPr>
+          </a:p>
+        </p:txBody>
+      </p:sp>
+      <p:sp>
+        <p:nvSpPr>
+          <p:cNvPr id="33" name="TextBox 32"/>
+          <p:cNvSpPr txBox="1"/>
+          <p:nvPr/>
+        </p:nvSpPr>
+        <p:spPr>
+          <a:xfrm>
+            <a:off x="5927310" y="4985950"/>
+            <a:ext cx="2236840" cy="584776"/>
+          </a:xfrm>
+          <a:prstGeom prst="rect">
+            <a:avLst/>
+          </a:prstGeom>
+          <a:noFill/>
+        </p:spPr>
+        <p:txBody>
+          <a:bodyPr wrap="square" rtlCol="0">
+            <a:spAutoFit/>
+          </a:bodyPr>
+          <a:lstStyle/>
+          <a:p>
+            <a:pPr algn="ctr"/>
+            <a:r>
+              <a:rPr lang="en-US" sz="1600" dirty="0" err="1" smtClean="0">
+                <a:latin typeface="Anime Ace 2.0 BB"/>
+                <a:cs typeface="Anime Ace 2.0 BB"/>
+              </a:rPr>
+              <a:t>Drupal.org</a:t>
+            </a:r>
+            <a:r>
+              <a:rPr lang="en-US" sz="1600" dirty="0" smtClean="0">
+                <a:latin typeface="Anime Ace 2.0 BB"/>
+                <a:cs typeface="Anime Ace 2.0 BB"/>
+              </a:rPr>
+              <a:t> Sandbox</a:t>
+            </a:r>
+            <a:endParaRPr lang="en-US" sz="1600" dirty="0">
+              <a:latin typeface="Anime Ace 2.0 BB"/>
+              <a:cs typeface="Anime Ace 2.0 BB"/>
+            </a:endParaRPr>
+          </a:p>
+        </p:txBody>
+      </p:sp>
+      <p:sp>
+        <p:nvSpPr>
+          <p:cNvPr id="34" name="Rectangle 33"/>
+          <p:cNvSpPr/>
+          <p:nvPr/>
+        </p:nvSpPr>
+        <p:spPr>
+          <a:xfrm>
+            <a:off x="0" y="551763"/>
+            <a:ext cx="9144000" cy="5142850"/>
+          </a:xfrm>
+          <a:prstGeom prst="rect">
+            <a:avLst/>
+          </a:prstGeom>
+          <a:noFill/>
+          <a:ln>
+            <a:noFill/>
+          </a:ln>
+          <a:effectLst/>
+        </p:spPr>
+        <p:style>
+          <a:lnRef idx="2">
+            <a:schemeClr val="dk1"/>
+          </a:lnRef>
+          <a:fillRef idx="1">
+            <a:schemeClr val="lt1"/>
+          </a:fillRef>
+          <a:effectRef idx="0">
+            <a:schemeClr val="dk1"/>
+          </a:effectRef>
+          <a:fontRef idx="minor">
+            <a:schemeClr val="dk1"/>
+          </a:fontRef>
+        </p:style>
+        <p:txBody>
+          <a:bodyPr rtlCol="0" anchor="ctr"/>
+          <a:lstStyle/>
+          <a:p>
+            <a:pPr algn="ctr"/>
+            <a:endParaRPr lang="en-US"/>
+          </a:p>
+        </p:txBody>
+      </p:sp>
+      <p:sp>
+        <p:nvSpPr>
+          <p:cNvPr id="19" name="Oval Callout 18"/>
+          <p:cNvSpPr/>
+          <p:nvPr/>
+        </p:nvSpPr>
+        <p:spPr>
+          <a:xfrm>
+            <a:off x="5886880" y="1150043"/>
+            <a:ext cx="2441226" cy="1128396"/>
+          </a:xfrm>
+          <a:prstGeom prst="wedgeEllipseCallout">
+            <a:avLst>
+              <a:gd name="adj1" fmla="val -64871"/>
+              <a:gd name="adj2" fmla="val -9070"/>
+            </a:avLst>
+          </a:prstGeom>
+        </p:spPr>
+        <p:style>
+          <a:lnRef idx="2">
+            <a:schemeClr val="dk1"/>
+          </a:lnRef>
+          <a:fillRef idx="1">
+            <a:schemeClr val="lt1"/>
+          </a:fillRef>
+          <a:effectRef idx="0">
+            <a:schemeClr val="dk1"/>
+          </a:effectRef>
+          <a:fontRef idx="minor">
+            <a:schemeClr val="dk1"/>
+          </a:fontRef>
+        </p:style>
+        <p:txBody>
+          <a:bodyPr rtlCol="0" anchor="ctr"/>
+          <a:lstStyle/>
+          <a:p>
+            <a:pPr algn="ctr"/>
+            <a:r>
+              <a:rPr lang="en-US" sz="1600" dirty="0" smtClean="0">
+                <a:latin typeface="Anime Ace 2.0 BB"/>
+                <a:cs typeface="Anime Ace 2.0 BB"/>
+              </a:rPr>
+              <a:t>But is your module ready?</a:t>
+            </a:r>
+            <a:endParaRPr lang="en-US" sz="1600" dirty="0">
+              <a:latin typeface="Anime Ace 2.0 BB"/>
+              <a:cs typeface="Anime Ace 2.0 BB"/>
+            </a:endParaRPr>
+          </a:p>
+        </p:txBody>
+      </p:sp>
+      <p:sp>
+        <p:nvSpPr>
+          <p:cNvPr id="22" name="Rectangle 21"/>
+          <p:cNvSpPr/>
+          <p:nvPr/>
+        </p:nvSpPr>
+        <p:spPr>
+          <a:xfrm>
+            <a:off x="6670171" y="4050310"/>
+            <a:ext cx="806462" cy="338164"/>
+          </a:xfrm>
+          <a:prstGeom prst="rect">
+            <a:avLst/>
+          </a:prstGeom>
+          <a:solidFill>
+            <a:schemeClr val="bg1">
+              <a:lumMod val="85000"/>
+            </a:schemeClr>
+          </a:solidFill>
+        </p:spPr>
+        <p:style>
+          <a:lnRef idx="2">
+            <a:schemeClr val="dk1"/>
+          </a:lnRef>
+          <a:fillRef idx="1">
+            <a:schemeClr val="lt1"/>
+          </a:fillRef>
+          <a:effectRef idx="0">
+            <a:schemeClr val="dk1"/>
+          </a:effectRef>
+          <a:fontRef idx="minor">
+            <a:schemeClr val="dk1"/>
+          </a:fontRef>
+        </p:style>
+        <p:txBody>
+          <a:bodyPr rtlCol="0" anchor="ctr"/>
+          <a:lstStyle/>
+          <a:p>
+            <a:pPr algn="ctr"/>
+            <a:endParaRPr lang="en-US"/>
+          </a:p>
+        </p:txBody>
+      </p:sp>
+      <p:sp>
+        <p:nvSpPr>
+          <p:cNvPr id="23" name="Parallelogram 22"/>
+          <p:cNvSpPr/>
+          <p:nvPr/>
+        </p:nvSpPr>
+        <p:spPr>
+          <a:xfrm rot="16200000" flipH="1">
+            <a:off x="6089448" y="4326375"/>
+            <a:ext cx="856788" cy="304657"/>
+          </a:xfrm>
+          <a:prstGeom prst="parallelogram">
+            <a:avLst>
+              <a:gd name="adj" fmla="val 168083"/>
+            </a:avLst>
+          </a:prstGeom>
+          <a:solidFill>
+            <a:schemeClr val="bg1">
+              <a:lumMod val="85000"/>
+            </a:schemeClr>
+          </a:solidFill>
+        </p:spPr>
+        <p:style>
+          <a:lnRef idx="2">
+            <a:schemeClr val="dk1"/>
+          </a:lnRef>
+          <a:fillRef idx="1">
+            <a:schemeClr val="lt1"/>
+          </a:fillRef>
+          <a:effectRef idx="0">
+            <a:schemeClr val="dk1"/>
+          </a:effectRef>
+          <a:fontRef idx="minor">
+            <a:schemeClr val="dk1"/>
+          </a:fontRef>
+        </p:style>
+        <p:txBody>
+          <a:bodyPr rtlCol="0" anchor="ctr"/>
+          <a:lstStyle/>
+          <a:p>
+            <a:pPr algn="ctr"/>
+            <a:endParaRPr lang="en-US"/>
+          </a:p>
+        </p:txBody>
+      </p:sp>
+      <p:sp>
+        <p:nvSpPr>
+          <p:cNvPr id="29" name="Parallelogram 28"/>
+          <p:cNvSpPr/>
+          <p:nvPr/>
+        </p:nvSpPr>
+        <p:spPr>
+          <a:xfrm rot="5400000">
+            <a:off x="7200568" y="4326374"/>
+            <a:ext cx="856788" cy="304657"/>
+          </a:xfrm>
+          <a:prstGeom prst="parallelogram">
+            <a:avLst>
+              <a:gd name="adj" fmla="val 168083"/>
+            </a:avLst>
+          </a:prstGeom>
+          <a:solidFill>
+            <a:schemeClr val="bg1">
+              <a:lumMod val="85000"/>
+            </a:schemeClr>
+          </a:solidFill>
+        </p:spPr>
+        <p:style>
+          <a:lnRef idx="2">
+            <a:schemeClr val="dk1"/>
+          </a:lnRef>
+          <a:fillRef idx="1">
+            <a:schemeClr val="lt1"/>
+          </a:fillRef>
+          <a:effectRef idx="0">
+            <a:schemeClr val="dk1"/>
+          </a:effectRef>
+          <a:fontRef idx="minor">
+            <a:schemeClr val="dk1"/>
+          </a:fontRef>
+        </p:style>
+        <p:txBody>
+          <a:bodyPr rtlCol="0" anchor="ctr"/>
+          <a:lstStyle/>
+          <a:p>
+            <a:pPr algn="ctr"/>
+            <a:endParaRPr lang="en-US"/>
+          </a:p>
+        </p:txBody>
+      </p:sp>
+      <p:sp>
+        <p:nvSpPr>
+          <p:cNvPr id="31" name="Freeform 30"/>
+          <p:cNvSpPr/>
+          <p:nvPr/>
+        </p:nvSpPr>
+        <p:spPr>
+          <a:xfrm>
+            <a:off x="6430691" y="4153657"/>
+            <a:ext cx="1284699" cy="597660"/>
+          </a:xfrm>
+          <a:custGeom>
+            <a:avLst/>
+            <a:gdLst>
+              <a:gd name="connsiteX0" fmla="*/ 0 w 1284699"/>
+              <a:gd name="connsiteY0" fmla="*/ 459526 h 598260"/>
+              <a:gd name="connsiteX1" fmla="*/ 85383 w 1284699"/>
+              <a:gd name="connsiteY1" fmla="*/ 352807 h 598260"/>
+              <a:gd name="connsiteX2" fmla="*/ 138747 w 1284699"/>
+              <a:gd name="connsiteY2" fmla="*/ 352807 h 598260"/>
+              <a:gd name="connsiteX3" fmla="*/ 149420 w 1284699"/>
+              <a:gd name="connsiteY3" fmla="*/ 267432 h 598260"/>
+              <a:gd name="connsiteX4" fmla="*/ 202785 w 1284699"/>
+              <a:gd name="connsiteY4" fmla="*/ 224745 h 598260"/>
+              <a:gd name="connsiteX5" fmla="*/ 224131 w 1284699"/>
+              <a:gd name="connsiteY5" fmla="*/ 43323 h 598260"/>
+              <a:gd name="connsiteX6" fmla="*/ 394897 w 1284699"/>
+              <a:gd name="connsiteY6" fmla="*/ 86011 h 598260"/>
+              <a:gd name="connsiteX7" fmla="*/ 501626 w 1284699"/>
+              <a:gd name="connsiteY7" fmla="*/ 636 h 598260"/>
+              <a:gd name="connsiteX8" fmla="*/ 672392 w 1284699"/>
+              <a:gd name="connsiteY8" fmla="*/ 139370 h 598260"/>
+              <a:gd name="connsiteX9" fmla="*/ 875177 w 1284699"/>
+              <a:gd name="connsiteY9" fmla="*/ 64667 h 598260"/>
+              <a:gd name="connsiteX10" fmla="*/ 1024597 w 1284699"/>
+              <a:gd name="connsiteY10" fmla="*/ 96683 h 598260"/>
+              <a:gd name="connsiteX11" fmla="*/ 1099308 w 1284699"/>
+              <a:gd name="connsiteY11" fmla="*/ 182057 h 598260"/>
+              <a:gd name="connsiteX12" fmla="*/ 1131326 w 1284699"/>
+              <a:gd name="connsiteY12" fmla="*/ 310120 h 598260"/>
+              <a:gd name="connsiteX13" fmla="*/ 1227382 w 1284699"/>
+              <a:gd name="connsiteY13" fmla="*/ 299448 h 598260"/>
+              <a:gd name="connsiteX14" fmla="*/ 1280747 w 1284699"/>
+              <a:gd name="connsiteY14" fmla="*/ 470197 h 598260"/>
+              <a:gd name="connsiteX15" fmla="*/ 1280747 w 1284699"/>
+              <a:gd name="connsiteY15" fmla="*/ 598260 h 598260"/>
+              <a:gd name="connsiteX0" fmla="*/ 0 w 1284699"/>
+              <a:gd name="connsiteY0" fmla="*/ 459606 h 598340"/>
+              <a:gd name="connsiteX1" fmla="*/ 85383 w 1284699"/>
+              <a:gd name="connsiteY1" fmla="*/ 352887 h 598340"/>
+              <a:gd name="connsiteX2" fmla="*/ 138747 w 1284699"/>
+              <a:gd name="connsiteY2" fmla="*/ 352887 h 598340"/>
+              <a:gd name="connsiteX3" fmla="*/ 149420 w 1284699"/>
+              <a:gd name="connsiteY3" fmla="*/ 267512 h 598340"/>
+              <a:gd name="connsiteX4" fmla="*/ 202785 w 1284699"/>
+              <a:gd name="connsiteY4" fmla="*/ 224825 h 598340"/>
+              <a:gd name="connsiteX5" fmla="*/ 288169 w 1284699"/>
+              <a:gd name="connsiteY5" fmla="*/ 107434 h 598340"/>
+              <a:gd name="connsiteX6" fmla="*/ 394897 w 1284699"/>
+              <a:gd name="connsiteY6" fmla="*/ 86091 h 598340"/>
+              <a:gd name="connsiteX7" fmla="*/ 501626 w 1284699"/>
+              <a:gd name="connsiteY7" fmla="*/ 716 h 598340"/>
+              <a:gd name="connsiteX8" fmla="*/ 672392 w 1284699"/>
+              <a:gd name="connsiteY8" fmla="*/ 139450 h 598340"/>
+              <a:gd name="connsiteX9" fmla="*/ 875177 w 1284699"/>
+              <a:gd name="connsiteY9" fmla="*/ 64747 h 598340"/>
+              <a:gd name="connsiteX10" fmla="*/ 1024597 w 1284699"/>
+              <a:gd name="connsiteY10" fmla="*/ 96763 h 598340"/>
+              <a:gd name="connsiteX11" fmla="*/ 1099308 w 1284699"/>
+              <a:gd name="connsiteY11" fmla="*/ 182137 h 598340"/>
+              <a:gd name="connsiteX12" fmla="*/ 1131326 w 1284699"/>
+              <a:gd name="connsiteY12" fmla="*/ 310200 h 598340"/>
+              <a:gd name="connsiteX13" fmla="*/ 1227382 w 1284699"/>
+              <a:gd name="connsiteY13" fmla="*/ 299528 h 598340"/>
+              <a:gd name="connsiteX14" fmla="*/ 1280747 w 1284699"/>
+              <a:gd name="connsiteY14" fmla="*/ 470277 h 598340"/>
+              <a:gd name="connsiteX15" fmla="*/ 1280747 w 1284699"/>
+              <a:gd name="connsiteY15" fmla="*/ 598340 h 598340"/>
+              <a:gd name="connsiteX0" fmla="*/ 0 w 1284699"/>
+              <a:gd name="connsiteY0" fmla="*/ 458926 h 597660"/>
+              <a:gd name="connsiteX1" fmla="*/ 85383 w 1284699"/>
+              <a:gd name="connsiteY1" fmla="*/ 352207 h 597660"/>
+              <a:gd name="connsiteX2" fmla="*/ 138747 w 1284699"/>
+              <a:gd name="connsiteY2" fmla="*/ 352207 h 597660"/>
+              <a:gd name="connsiteX3" fmla="*/ 149420 w 1284699"/>
+              <a:gd name="connsiteY3" fmla="*/ 266832 h 597660"/>
+              <a:gd name="connsiteX4" fmla="*/ 202785 w 1284699"/>
+              <a:gd name="connsiteY4" fmla="*/ 224145 h 597660"/>
+              <a:gd name="connsiteX5" fmla="*/ 288169 w 1284699"/>
+              <a:gd name="connsiteY5" fmla="*/ 106754 h 597660"/>
+              <a:gd name="connsiteX6" fmla="*/ 394897 w 1284699"/>
+              <a:gd name="connsiteY6" fmla="*/ 85411 h 597660"/>
+              <a:gd name="connsiteX7" fmla="*/ 501626 w 1284699"/>
+              <a:gd name="connsiteY7" fmla="*/ 36 h 597660"/>
+              <a:gd name="connsiteX8" fmla="*/ 672392 w 1284699"/>
+              <a:gd name="connsiteY8" fmla="*/ 74739 h 597660"/>
+              <a:gd name="connsiteX9" fmla="*/ 875177 w 1284699"/>
+              <a:gd name="connsiteY9" fmla="*/ 64067 h 597660"/>
+              <a:gd name="connsiteX10" fmla="*/ 1024597 w 1284699"/>
+              <a:gd name="connsiteY10" fmla="*/ 96083 h 597660"/>
+              <a:gd name="connsiteX11" fmla="*/ 1099308 w 1284699"/>
+              <a:gd name="connsiteY11" fmla="*/ 181457 h 597660"/>
+              <a:gd name="connsiteX12" fmla="*/ 1131326 w 1284699"/>
+              <a:gd name="connsiteY12" fmla="*/ 309520 h 597660"/>
+              <a:gd name="connsiteX13" fmla="*/ 1227382 w 1284699"/>
+              <a:gd name="connsiteY13" fmla="*/ 298848 h 597660"/>
+              <a:gd name="connsiteX14" fmla="*/ 1280747 w 1284699"/>
+              <a:gd name="connsiteY14" fmla="*/ 469597 h 597660"/>
+              <a:gd name="connsiteX15" fmla="*/ 1280747 w 1284699"/>
+              <a:gd name="connsiteY15" fmla="*/ 597660 h 597660"/>
+            </a:gdLst>
+            <a:ahLst/>
+            <a:cxnLst>
+              <a:cxn ang="0">
+                <a:pos x="connsiteX0" y="connsiteY0"/>
+              </a:cxn>
+              <a:cxn ang="0">
+                <a:pos x="connsiteX1" y="connsiteY1"/>
+              </a:cxn>
+              <a:cxn ang="0">
+                <a:pos x="connsiteX2" y="connsiteY2"/>
+              </a:cxn>
+              <a:cxn ang="0">
+                <a:pos x="connsiteX3" y="connsiteY3"/>
+              </a:cxn>
+              <a:cxn ang="0">
+                <a:pos x="connsiteX4" y="connsiteY4"/>
+              </a:cxn>
+              <a:cxn ang="0">
+                <a:pos x="connsiteX5" y="connsiteY5"/>
+              </a:cxn>
+              <a:cxn ang="0">
+                <a:pos x="connsiteX6" y="connsiteY6"/>
+              </a:cxn>
+              <a:cxn ang="0">
+                <a:pos x="connsiteX7" y="connsiteY7"/>
+              </a:cxn>
+              <a:cxn ang="0">
+                <a:pos x="connsiteX8" y="connsiteY8"/>
+              </a:cxn>
+              <a:cxn ang="0">
+                <a:pos x="connsiteX9" y="connsiteY9"/>
+              </a:cxn>
+              <a:cxn ang="0">
+                <a:pos x="connsiteX10" y="connsiteY10"/>
+              </a:cxn>
+              <a:cxn ang="0">
+                <a:pos x="connsiteX11" y="connsiteY11"/>
+              </a:cxn>
+              <a:cxn ang="0">
+                <a:pos x="connsiteX12" y="connsiteY12"/>
+              </a:cxn>
+              <a:cxn ang="0">
+                <a:pos x="connsiteX13" y="connsiteY13"/>
+              </a:cxn>
+              <a:cxn ang="0">
+                <a:pos x="connsiteX14" y="connsiteY14"/>
+              </a:cxn>
+              <a:cxn ang="0">
+                <a:pos x="connsiteX15" y="connsiteY15"/>
+              </a:cxn>
+            </a:cxnLst>
+            <a:rect l="l" t="t" r="r" b="b"/>
+            <a:pathLst>
+              <a:path w="1284699" h="597660">
+                <a:moveTo>
+                  <a:pt x="0" y="458926"/>
+                </a:moveTo>
+                <a:cubicBezTo>
+                  <a:pt x="31129" y="414459"/>
+                  <a:pt x="62259" y="369993"/>
+                  <a:pt x="85383" y="352207"/>
+                </a:cubicBezTo>
+                <a:cubicBezTo>
+                  <a:pt x="108507" y="334421"/>
+                  <a:pt x="128074" y="366436"/>
+                  <a:pt x="138747" y="352207"/>
+                </a:cubicBezTo>
+                <a:cubicBezTo>
+                  <a:pt x="149420" y="337978"/>
+                  <a:pt x="138747" y="288176"/>
+                  <a:pt x="149420" y="266832"/>
+                </a:cubicBezTo>
+                <a:cubicBezTo>
+                  <a:pt x="160093" y="245488"/>
+                  <a:pt x="179660" y="250825"/>
+                  <a:pt x="202785" y="224145"/>
+                </a:cubicBezTo>
+                <a:cubicBezTo>
+                  <a:pt x="225910" y="197465"/>
+                  <a:pt x="256150" y="129876"/>
+                  <a:pt x="288169" y="106754"/>
+                </a:cubicBezTo>
+                <a:cubicBezTo>
+                  <a:pt x="320188" y="83632"/>
+                  <a:pt x="359321" y="103197"/>
+                  <a:pt x="394897" y="85411"/>
+                </a:cubicBezTo>
+                <a:cubicBezTo>
+                  <a:pt x="430473" y="67625"/>
+                  <a:pt x="455377" y="1815"/>
+                  <a:pt x="501626" y="36"/>
+                </a:cubicBezTo>
+                <a:cubicBezTo>
+                  <a:pt x="547875" y="-1743"/>
+                  <a:pt x="610134" y="64067"/>
+                  <a:pt x="672392" y="74739"/>
+                </a:cubicBezTo>
+                <a:cubicBezTo>
+                  <a:pt x="734650" y="85411"/>
+                  <a:pt x="816476" y="60510"/>
+                  <a:pt x="875177" y="64067"/>
+                </a:cubicBezTo>
+                <a:cubicBezTo>
+                  <a:pt x="933878" y="67624"/>
+                  <a:pt x="987242" y="76518"/>
+                  <a:pt x="1024597" y="96083"/>
+                </a:cubicBezTo>
+                <a:cubicBezTo>
+                  <a:pt x="1061952" y="115648"/>
+                  <a:pt x="1081520" y="145884"/>
+                  <a:pt x="1099308" y="181457"/>
+                </a:cubicBezTo>
+                <a:cubicBezTo>
+                  <a:pt x="1117096" y="217030"/>
+                  <a:pt x="1109980" y="289955"/>
+                  <a:pt x="1131326" y="309520"/>
+                </a:cubicBezTo>
+                <a:cubicBezTo>
+                  <a:pt x="1152672" y="329085"/>
+                  <a:pt x="1202479" y="272169"/>
+                  <a:pt x="1227382" y="298848"/>
+                </a:cubicBezTo>
+                <a:cubicBezTo>
+                  <a:pt x="1252285" y="325527"/>
+                  <a:pt x="1271853" y="419795"/>
+                  <a:pt x="1280747" y="469597"/>
+                </a:cubicBezTo>
+                <a:cubicBezTo>
+                  <a:pt x="1289641" y="519399"/>
+                  <a:pt x="1280747" y="597660"/>
+                  <a:pt x="1280747" y="597660"/>
+                </a:cubicBezTo>
+              </a:path>
+            </a:pathLst>
+          </a:custGeom>
+          <a:solidFill>
+            <a:srgbClr val="FFF5C4"/>
+          </a:solidFill>
+          <a:ln>
+            <a:solidFill>
+              <a:srgbClr val="000000"/>
+            </a:solidFill>
+          </a:ln>
+        </p:spPr>
+        <p:style>
+          <a:lnRef idx="2">
+            <a:schemeClr val="accent1"/>
+          </a:lnRef>
+          <a:fillRef idx="0">
+            <a:schemeClr val="accent1"/>
+          </a:fillRef>
+          <a:effectRef idx="1">
+            <a:schemeClr val="accent1"/>
+          </a:effectRef>
+          <a:fontRef idx="minor">
+            <a:schemeClr val="tx1"/>
+          </a:fontRef>
+        </p:style>
+        <p:txBody>
+          <a:bodyPr rtlCol="0" anchor="ctr"/>
+          <a:lstStyle/>
+          <a:p>
+            <a:pPr algn="ctr"/>
+            <a:endParaRPr lang="en-US"/>
+          </a:p>
+        </p:txBody>
+      </p:sp>
+      <p:sp>
+        <p:nvSpPr>
+          <p:cNvPr id="35" name="Rectangle 34"/>
+          <p:cNvSpPr/>
+          <p:nvPr/>
+        </p:nvSpPr>
+        <p:spPr>
+          <a:xfrm>
+            <a:off x="6365513" y="4569895"/>
+            <a:ext cx="1415778" cy="352172"/>
+          </a:xfrm>
+          <a:prstGeom prst="rect">
+            <a:avLst/>
+          </a:prstGeom>
+        </p:spPr>
+        <p:style>
+          <a:lnRef idx="2">
+            <a:schemeClr val="dk1"/>
+          </a:lnRef>
+          <a:fillRef idx="1">
+            <a:schemeClr val="lt1"/>
+          </a:fillRef>
+          <a:effectRef idx="0">
+            <a:schemeClr val="dk1"/>
+          </a:effectRef>
+          <a:fontRef idx="minor">
+            <a:schemeClr val="dk1"/>
+          </a:fontRef>
+        </p:style>
+        <p:txBody>
+          <a:bodyPr rtlCol="0" anchor="ctr"/>
+          <a:lstStyle/>
+          <a:p>
+            <a:pPr algn="ctr"/>
+            <a:endParaRPr lang="en-US"/>
+          </a:p>
+        </p:txBody>
+      </p:sp>
+      <p:grpSp>
+        <p:nvGrpSpPr>
+          <p:cNvPr id="36" name="Group 35"/>
+          <p:cNvGrpSpPr/>
+          <p:nvPr/>
+        </p:nvGrpSpPr>
+        <p:grpSpPr>
+          <a:xfrm rot="1093235">
+            <a:off x="6986617" y="3703473"/>
+            <a:ext cx="728773" cy="693671"/>
+            <a:chOff x="6269664" y="1056512"/>
+            <a:chExt cx="806462" cy="821734"/>
+          </a:xfrm>
+          <a:solidFill>
+            <a:schemeClr val="accent6">
+              <a:lumMod val="60000"/>
+              <a:lumOff val="40000"/>
+            </a:schemeClr>
+          </a:solidFill>
+        </p:grpSpPr>
+        <p:sp>
+          <p:nvSpPr>
+            <p:cNvPr id="37" name="Trapezoid 36"/>
+            <p:cNvSpPr/>
+            <p:nvPr/>
+          </p:nvSpPr>
+          <p:spPr>
+            <a:xfrm rot="10800000">
+              <a:off x="6269664" y="1184576"/>
+              <a:ext cx="806462" cy="693670"/>
+            </a:xfrm>
+            <a:prstGeom prst="trapezoid">
+              <a:avLst/>
+            </a:prstGeom>
+            <a:grpFill/>
+          </p:spPr>
+          <p:style>
+            <a:lnRef idx="2">
+              <a:schemeClr val="dk1"/>
+            </a:lnRef>
+            <a:fillRef idx="1">
+              <a:schemeClr val="lt1"/>
+            </a:fillRef>
+            <a:effectRef idx="0">
+              <a:schemeClr val="dk1"/>
+            </a:effectRef>
+            <a:fontRef idx="minor">
+              <a:schemeClr val="dk1"/>
+            </a:fontRef>
+          </p:style>
+          <p:txBody>
+            <a:bodyPr rtlCol="0" anchor="ctr"/>
+            <a:lstStyle/>
+            <a:p>
+              <a:pPr algn="ctr"/>
+              <a:endParaRPr lang="en-US"/>
+            </a:p>
+          </p:txBody>
+        </p:sp>
+        <p:sp>
+          <p:nvSpPr>
+            <p:cNvPr id="38" name="Oval 37"/>
+            <p:cNvSpPr/>
+            <p:nvPr/>
+          </p:nvSpPr>
+          <p:spPr>
+            <a:xfrm>
+              <a:off x="6269664" y="1056512"/>
+              <a:ext cx="806462" cy="256125"/>
+            </a:xfrm>
+            <a:prstGeom prst="ellipse">
+              <a:avLst/>
+            </a:prstGeom>
+            <a:grpFill/>
+          </p:spPr>
+          <p:style>
+            <a:lnRef idx="2">
+              <a:schemeClr val="dk1"/>
+            </a:lnRef>
+            <a:fillRef idx="1">
+              <a:schemeClr val="lt1"/>
+            </a:fillRef>
+            <a:effectRef idx="0">
+              <a:schemeClr val="dk1"/>
+            </a:effectRef>
+            <a:fontRef idx="minor">
+              <a:schemeClr val="dk1"/>
+            </a:fontRef>
+          </p:style>
+          <p:txBody>
+            <a:bodyPr rtlCol="0" anchor="ctr"/>
+            <a:lstStyle/>
+            <a:p>
+              <a:pPr algn="ctr"/>
+              <a:endParaRPr lang="en-US"/>
+            </a:p>
+          </p:txBody>
+        </p:sp>
+        <p:sp>
+          <p:nvSpPr>
+            <p:cNvPr id="39" name="Oval 38"/>
+            <p:cNvSpPr/>
+            <p:nvPr/>
+          </p:nvSpPr>
+          <p:spPr>
+            <a:xfrm>
+              <a:off x="6347353" y="1095360"/>
+              <a:ext cx="654062" cy="178429"/>
+            </a:xfrm>
+            <a:prstGeom prst="ellipse">
+              <a:avLst/>
+            </a:prstGeom>
+            <a:solidFill>
+              <a:schemeClr val="accent6">
+                <a:lumMod val="75000"/>
+              </a:schemeClr>
+            </a:solidFill>
+          </p:spPr>
+          <p:style>
+            <a:lnRef idx="2">
+              <a:schemeClr val="dk1"/>
+            </a:lnRef>
+            <a:fillRef idx="1">
+              <a:schemeClr val="lt1"/>
+            </a:fillRef>
+            <a:effectRef idx="0">
+              <a:schemeClr val="dk1"/>
+            </a:effectRef>
+            <a:fontRef idx="minor">
+              <a:schemeClr val="dk1"/>
+            </a:fontRef>
+          </p:style>
+          <p:txBody>
+            <a:bodyPr rtlCol="0" anchor="ctr"/>
+            <a:lstStyle/>
+            <a:p>
+              <a:pPr algn="ctr"/>
+              <a:endParaRPr lang="en-US"/>
+            </a:p>
+          </p:txBody>
+        </p:sp>
+      </p:grpSp>
+      <p:sp>
+        <p:nvSpPr>
+          <p:cNvPr id="40" name="Freeform 39"/>
+          <p:cNvSpPr/>
+          <p:nvPr/>
+        </p:nvSpPr>
+        <p:spPr>
+          <a:xfrm>
+            <a:off x="6942990" y="4270685"/>
+            <a:ext cx="576336" cy="203163"/>
+          </a:xfrm>
+          <a:custGeom>
+            <a:avLst/>
+            <a:gdLst>
+              <a:gd name="connsiteX0" fmla="*/ 0 w 576336"/>
+              <a:gd name="connsiteY0" fmla="*/ 117789 h 203163"/>
+              <a:gd name="connsiteX1" fmla="*/ 53364 w 576336"/>
+              <a:gd name="connsiteY1" fmla="*/ 43086 h 203163"/>
+              <a:gd name="connsiteX2" fmla="*/ 160093 w 576336"/>
+              <a:gd name="connsiteY2" fmla="*/ 398 h 203163"/>
+              <a:gd name="connsiteX3" fmla="*/ 202785 w 576336"/>
+              <a:gd name="connsiteY3" fmla="*/ 21742 h 203163"/>
+              <a:gd name="connsiteX4" fmla="*/ 266822 w 576336"/>
+              <a:gd name="connsiteY4" fmla="*/ 21742 h 203163"/>
+              <a:gd name="connsiteX5" fmla="*/ 320186 w 576336"/>
+              <a:gd name="connsiteY5" fmla="*/ 64429 h 203163"/>
+              <a:gd name="connsiteX6" fmla="*/ 448261 w 576336"/>
+              <a:gd name="connsiteY6" fmla="*/ 43086 h 203163"/>
+              <a:gd name="connsiteX7" fmla="*/ 533644 w 576336"/>
+              <a:gd name="connsiteY7" fmla="*/ 139132 h 203163"/>
+              <a:gd name="connsiteX8" fmla="*/ 576336 w 576336"/>
+              <a:gd name="connsiteY8" fmla="*/ 203163 h 203163"/>
+            </a:gdLst>
+            <a:ahLst/>
+            <a:cxnLst>
+              <a:cxn ang="0">
+                <a:pos x="connsiteX0" y="connsiteY0"/>
+              </a:cxn>
+              <a:cxn ang="0">
+                <a:pos x="connsiteX1" y="connsiteY1"/>
+              </a:cxn>
+              <a:cxn ang="0">
+                <a:pos x="connsiteX2" y="connsiteY2"/>
+              </a:cxn>
+              <a:cxn ang="0">
+                <a:pos x="connsiteX3" y="connsiteY3"/>
+              </a:cxn>
+              <a:cxn ang="0">
+                <a:pos x="connsiteX4" y="connsiteY4"/>
+              </a:cxn>
+              <a:cxn ang="0">
+                <a:pos x="connsiteX5" y="connsiteY5"/>
+              </a:cxn>
+              <a:cxn ang="0">
+                <a:pos x="connsiteX6" y="connsiteY6"/>
+              </a:cxn>
+              <a:cxn ang="0">
+                <a:pos x="connsiteX7" y="connsiteY7"/>
+              </a:cxn>
+              <a:cxn ang="0">
+                <a:pos x="connsiteX8" y="connsiteY8"/>
+              </a:cxn>
+            </a:cxnLst>
+            <a:rect l="l" t="t" r="r" b="b"/>
+            <a:pathLst>
+              <a:path w="576336" h="203163">
+                <a:moveTo>
+                  <a:pt x="0" y="117789"/>
+                </a:moveTo>
+                <a:cubicBezTo>
+                  <a:pt x="13341" y="90220"/>
+                  <a:pt x="26682" y="62651"/>
+                  <a:pt x="53364" y="43086"/>
+                </a:cubicBezTo>
+                <a:cubicBezTo>
+                  <a:pt x="80046" y="23521"/>
+                  <a:pt x="135190" y="3955"/>
+                  <a:pt x="160093" y="398"/>
+                </a:cubicBezTo>
+                <a:cubicBezTo>
+                  <a:pt x="184996" y="-3159"/>
+                  <a:pt x="184997" y="18185"/>
+                  <a:pt x="202785" y="21742"/>
+                </a:cubicBezTo>
+                <a:cubicBezTo>
+                  <a:pt x="220573" y="25299"/>
+                  <a:pt x="247255" y="14627"/>
+                  <a:pt x="266822" y="21742"/>
+                </a:cubicBezTo>
+                <a:cubicBezTo>
+                  <a:pt x="286389" y="28856"/>
+                  <a:pt x="289946" y="60872"/>
+                  <a:pt x="320186" y="64429"/>
+                </a:cubicBezTo>
+                <a:cubicBezTo>
+                  <a:pt x="350426" y="67986"/>
+                  <a:pt x="412685" y="30636"/>
+                  <a:pt x="448261" y="43086"/>
+                </a:cubicBezTo>
+                <a:cubicBezTo>
+                  <a:pt x="483837" y="55536"/>
+                  <a:pt x="512298" y="112453"/>
+                  <a:pt x="533644" y="139132"/>
+                </a:cubicBezTo>
+                <a:cubicBezTo>
+                  <a:pt x="554990" y="165811"/>
+                  <a:pt x="576336" y="203163"/>
+                  <a:pt x="576336" y="203163"/>
+                </a:cubicBezTo>
+              </a:path>
+            </a:pathLst>
+          </a:custGeom>
+          <a:solidFill>
+            <a:srgbClr val="FFF5C4"/>
+          </a:solidFill>
+          <a:ln>
+            <a:solidFill>
+              <a:srgbClr val="000000"/>
+            </a:solidFill>
+          </a:ln>
+          <a:effectLst/>
+        </p:spPr>
+        <p:style>
+          <a:lnRef idx="2">
+            <a:schemeClr val="accent1"/>
+          </a:lnRef>
+          <a:fillRef idx="0">
+            <a:schemeClr val="accent1"/>
+          </a:fillRef>
+          <a:effectRef idx="1">
+            <a:schemeClr val="accent1"/>
+          </a:effectRef>
+          <a:fontRef idx="minor">
+            <a:schemeClr val="tx1"/>
+          </a:fontRef>
+        </p:style>
+        <p:txBody>
+          <a:bodyPr rtlCol="0" anchor="ctr"/>
+          <a:lstStyle/>
+          <a:p>
+            <a:pPr algn="ctr"/>
+            <a:endParaRPr lang="en-US"/>
+          </a:p>
+        </p:txBody>
+      </p:sp>
+    </p:spTree>
+    <p:extLst>
+      <p:ext uri="{BB962C8B-B14F-4D97-AF65-F5344CB8AC3E}">
+        <p14:creationId xmlns:p14="http://schemas.microsoft.com/office/powerpoint/2010/main" val="3637186661"/>
+      </p:ext>
+    </p:extLst>
+  </p:cSld>
+  <p:clrMapOvr>
+    <a:masterClrMapping/>
+  </p:clrMapOvr>
+</p:sld>
+</file>
+
+<file path=ppt/slides/slide62.xml><?xml version="1.0" encoding="utf-8"?>
+<p:sld xmlns:a="http://schemas.openxmlformats.org/drawingml/2006/main" xmlns:r="http://schemas.openxmlformats.org/officeDocument/2006/relationships" xmlns:p="http://schemas.openxmlformats.org/presentationml/2006/main">
+  <p:cSld>
+    <p:spTree>
+      <p:nvGrpSpPr>
+        <p:cNvPr id="1" name=""/>
+        <p:cNvGrpSpPr/>
+        <p:nvPr/>
+      </p:nvGrpSpPr>
+      <p:grpSpPr>
+        <a:xfrm>
+          <a:off x="0" y="0"/>
+          <a:ext cx="0" cy="0"/>
+          <a:chOff x="0" y="0"/>
+          <a:chExt cx="0" cy="0"/>
+        </a:xfrm>
+      </p:grpSpPr>
+      <p:sp>
+        <p:nvSpPr>
+          <p:cNvPr id="14" name="Rectangle 13"/>
+          <p:cNvSpPr/>
+          <p:nvPr/>
+        </p:nvSpPr>
+        <p:spPr>
+          <a:xfrm>
+            <a:off x="6670171" y="4050310"/>
+            <a:ext cx="806462" cy="338164"/>
+          </a:xfrm>
+          <a:prstGeom prst="rect">
+            <a:avLst/>
+          </a:prstGeom>
+          <a:solidFill>
+            <a:schemeClr val="bg1">
+              <a:lumMod val="85000"/>
+            </a:schemeClr>
+          </a:solidFill>
+        </p:spPr>
+        <p:style>
+          <a:lnRef idx="2">
+            <a:schemeClr val="dk1"/>
+          </a:lnRef>
+          <a:fillRef idx="1">
+            <a:schemeClr val="lt1"/>
+          </a:fillRef>
+          <a:effectRef idx="0">
+            <a:schemeClr val="dk1"/>
+          </a:effectRef>
+          <a:fontRef idx="minor">
+            <a:schemeClr val="dk1"/>
+          </a:fontRef>
+        </p:style>
+        <p:txBody>
+          <a:bodyPr rtlCol="0" anchor="ctr"/>
+          <a:lstStyle/>
+          <a:p>
+            <a:pPr algn="ctr"/>
+            <a:endParaRPr lang="en-US"/>
+          </a:p>
+        </p:txBody>
+      </p:sp>
+      <p:sp>
+        <p:nvSpPr>
+          <p:cNvPr id="13" name="Parallelogram 12"/>
+          <p:cNvSpPr/>
+          <p:nvPr/>
+        </p:nvSpPr>
+        <p:spPr>
+          <a:xfrm rot="16200000" flipH="1">
+            <a:off x="6089448" y="4326375"/>
+            <a:ext cx="856788" cy="304657"/>
+          </a:xfrm>
+          <a:prstGeom prst="parallelogram">
+            <a:avLst>
+              <a:gd name="adj" fmla="val 168083"/>
+            </a:avLst>
+          </a:prstGeom>
+          <a:solidFill>
+            <a:schemeClr val="bg1">
+              <a:lumMod val="85000"/>
+            </a:schemeClr>
+          </a:solidFill>
+        </p:spPr>
+        <p:style>
+          <a:lnRef idx="2">
+            <a:schemeClr val="dk1"/>
+          </a:lnRef>
+          <a:fillRef idx="1">
+            <a:schemeClr val="lt1"/>
+          </a:fillRef>
+          <a:effectRef idx="0">
+            <a:schemeClr val="dk1"/>
+          </a:effectRef>
+          <a:fontRef idx="minor">
+            <a:schemeClr val="dk1"/>
+          </a:fontRef>
+        </p:style>
+        <p:txBody>
+          <a:bodyPr rtlCol="0" anchor="ctr"/>
+          <a:lstStyle/>
+          <a:p>
+            <a:pPr algn="ctr"/>
+            <a:endParaRPr lang="en-US"/>
+          </a:p>
+        </p:txBody>
+      </p:sp>
+      <p:sp>
+        <p:nvSpPr>
+          <p:cNvPr id="12" name="Parallelogram 11"/>
+          <p:cNvSpPr/>
+          <p:nvPr/>
+        </p:nvSpPr>
+        <p:spPr>
+          <a:xfrm rot="5400000">
+            <a:off x="7200568" y="4326374"/>
+            <a:ext cx="856788" cy="304657"/>
+          </a:xfrm>
+          <a:prstGeom prst="parallelogram">
+            <a:avLst>
+              <a:gd name="adj" fmla="val 168083"/>
+            </a:avLst>
+          </a:prstGeom>
+          <a:solidFill>
+            <a:schemeClr val="bg1">
+              <a:lumMod val="85000"/>
+            </a:schemeClr>
+          </a:solidFill>
+        </p:spPr>
+        <p:style>
+          <a:lnRef idx="2">
+            <a:schemeClr val="dk1"/>
+          </a:lnRef>
+          <a:fillRef idx="1">
+            <a:schemeClr val="lt1"/>
+          </a:fillRef>
+          <a:effectRef idx="0">
+            <a:schemeClr val="dk1"/>
+          </a:effectRef>
+          <a:fontRef idx="minor">
+            <a:schemeClr val="dk1"/>
+          </a:fontRef>
+        </p:style>
+        <p:txBody>
+          <a:bodyPr rtlCol="0" anchor="ctr"/>
+          <a:lstStyle/>
+          <a:p>
+            <a:pPr algn="ctr"/>
+            <a:endParaRPr lang="en-US"/>
+          </a:p>
+        </p:txBody>
+      </p:sp>
+      <p:pic>
+        <p:nvPicPr>
+          <p:cNvPr id="3" name="Picture 2"/>
+          <p:cNvPicPr>
+            <a:picLocks noChangeAspect="1"/>
+          </p:cNvPicPr>
+          <p:nvPr/>
+        </p:nvPicPr>
+        <p:blipFill>
+          <a:blip r:embed="rId2"/>
+          <a:stretch>
+            <a:fillRect/>
+          </a:stretch>
+        </p:blipFill>
+        <p:spPr>
+          <a:xfrm>
+            <a:off x="4009576" y="685800"/>
+            <a:ext cx="1392085" cy="1592639"/>
+          </a:xfrm>
+          <a:prstGeom prst="rect">
+            <a:avLst/>
+          </a:prstGeom>
+        </p:spPr>
+      </p:pic>
+      <p:pic>
+        <p:nvPicPr>
+          <p:cNvPr id="4" name="Picture 3"/>
+          <p:cNvPicPr>
+            <a:picLocks noChangeAspect="1"/>
+          </p:cNvPicPr>
+          <p:nvPr/>
+        </p:nvPicPr>
+        <p:blipFill>
+          <a:blip r:embed="rId3">
+            <a:clrChange>
+              <a:clrFrom>
+                <a:srgbClr val="FFFFFF"/>
+              </a:clrFrom>
+              <a:clrTo>
+                <a:srgbClr val="FFFFFF">
+                  <a:alpha val="0"/>
+                </a:srgbClr>
+              </a:clrTo>
+            </a:clrChange>
+          </a:blip>
+          <a:stretch>
+            <a:fillRect/>
+          </a:stretch>
+        </p:blipFill>
+        <p:spPr>
+          <a:xfrm>
+            <a:off x="1029067" y="3072561"/>
+            <a:ext cx="1834536" cy="1834536"/>
+          </a:xfrm>
+          <a:prstGeom prst="rect">
+            <a:avLst/>
+          </a:prstGeom>
+        </p:spPr>
+      </p:pic>
+      <p:pic>
+        <p:nvPicPr>
+          <p:cNvPr id="8" name="Picture 7"/>
+          <p:cNvPicPr>
+            <a:picLocks noChangeAspect="1"/>
+          </p:cNvPicPr>
+          <p:nvPr/>
+        </p:nvPicPr>
+        <p:blipFill>
+          <a:blip r:embed="rId4">
+            <a:clrChange>
+              <a:clrFrom>
+                <a:srgbClr val="FFFFFF"/>
+              </a:clrFrom>
+              <a:clrTo>
+                <a:srgbClr val="FFFFFF">
+                  <a:alpha val="0"/>
+                </a:srgbClr>
+              </a:clrTo>
+            </a:clrChange>
+          </a:blip>
+          <a:stretch>
+            <a:fillRect/>
+          </a:stretch>
+        </p:blipFill>
+        <p:spPr>
+          <a:xfrm>
+            <a:off x="2062440" y="3753800"/>
+            <a:ext cx="1529060" cy="1529060"/>
+          </a:xfrm>
+          <a:prstGeom prst="rect">
+            <a:avLst/>
+          </a:prstGeom>
+        </p:spPr>
+      </p:pic>
+      <p:sp>
+        <p:nvSpPr>
+          <p:cNvPr id="9" name="TextBox 8"/>
+          <p:cNvSpPr txBox="1"/>
+          <p:nvPr/>
+        </p:nvSpPr>
+        <p:spPr>
+          <a:xfrm>
+            <a:off x="1344249" y="4985950"/>
+            <a:ext cx="2236840" cy="338554"/>
+          </a:xfrm>
+          <a:prstGeom prst="rect">
+            <a:avLst/>
+          </a:prstGeom>
+          <a:noFill/>
+        </p:spPr>
+        <p:txBody>
+          <a:bodyPr wrap="square" rtlCol="0">
+            <a:spAutoFit/>
+          </a:bodyPr>
+          <a:lstStyle/>
+          <a:p>
+            <a:pPr algn="ctr"/>
+            <a:r>
+              <a:rPr lang="en-US" sz="1600" dirty="0" smtClean="0">
+                <a:latin typeface="Anime Ace 2.0 BB"/>
+                <a:cs typeface="Anime Ace 2.0 BB"/>
+              </a:rPr>
+              <a:t>Public Repos</a:t>
+            </a:r>
+            <a:endParaRPr lang="en-US" sz="1600" dirty="0">
+              <a:latin typeface="Anime Ace 2.0 BB"/>
+              <a:cs typeface="Anime Ace 2.0 BB"/>
+            </a:endParaRPr>
+          </a:p>
+        </p:txBody>
+      </p:sp>
+      <p:sp>
+        <p:nvSpPr>
+          <p:cNvPr id="24" name="Freeform 23"/>
+          <p:cNvSpPr/>
+          <p:nvPr/>
+        </p:nvSpPr>
+        <p:spPr>
+          <a:xfrm>
+            <a:off x="6430691" y="4153657"/>
+            <a:ext cx="1284699" cy="597660"/>
+          </a:xfrm>
+          <a:custGeom>
+            <a:avLst/>
+            <a:gdLst>
+              <a:gd name="connsiteX0" fmla="*/ 0 w 1284699"/>
+              <a:gd name="connsiteY0" fmla="*/ 459526 h 598260"/>
+              <a:gd name="connsiteX1" fmla="*/ 85383 w 1284699"/>
+              <a:gd name="connsiteY1" fmla="*/ 352807 h 598260"/>
+              <a:gd name="connsiteX2" fmla="*/ 138747 w 1284699"/>
+              <a:gd name="connsiteY2" fmla="*/ 352807 h 598260"/>
+              <a:gd name="connsiteX3" fmla="*/ 149420 w 1284699"/>
+              <a:gd name="connsiteY3" fmla="*/ 267432 h 598260"/>
+              <a:gd name="connsiteX4" fmla="*/ 202785 w 1284699"/>
+              <a:gd name="connsiteY4" fmla="*/ 224745 h 598260"/>
+              <a:gd name="connsiteX5" fmla="*/ 224131 w 1284699"/>
+              <a:gd name="connsiteY5" fmla="*/ 43323 h 598260"/>
+              <a:gd name="connsiteX6" fmla="*/ 394897 w 1284699"/>
+              <a:gd name="connsiteY6" fmla="*/ 86011 h 598260"/>
+              <a:gd name="connsiteX7" fmla="*/ 501626 w 1284699"/>
+              <a:gd name="connsiteY7" fmla="*/ 636 h 598260"/>
+              <a:gd name="connsiteX8" fmla="*/ 672392 w 1284699"/>
+              <a:gd name="connsiteY8" fmla="*/ 139370 h 598260"/>
+              <a:gd name="connsiteX9" fmla="*/ 875177 w 1284699"/>
+              <a:gd name="connsiteY9" fmla="*/ 64667 h 598260"/>
+              <a:gd name="connsiteX10" fmla="*/ 1024597 w 1284699"/>
+              <a:gd name="connsiteY10" fmla="*/ 96683 h 598260"/>
+              <a:gd name="connsiteX11" fmla="*/ 1099308 w 1284699"/>
+              <a:gd name="connsiteY11" fmla="*/ 182057 h 598260"/>
+              <a:gd name="connsiteX12" fmla="*/ 1131326 w 1284699"/>
+              <a:gd name="connsiteY12" fmla="*/ 310120 h 598260"/>
+              <a:gd name="connsiteX13" fmla="*/ 1227382 w 1284699"/>
+              <a:gd name="connsiteY13" fmla="*/ 299448 h 598260"/>
+              <a:gd name="connsiteX14" fmla="*/ 1280747 w 1284699"/>
+              <a:gd name="connsiteY14" fmla="*/ 470197 h 598260"/>
+              <a:gd name="connsiteX15" fmla="*/ 1280747 w 1284699"/>
+              <a:gd name="connsiteY15" fmla="*/ 598260 h 598260"/>
+              <a:gd name="connsiteX0" fmla="*/ 0 w 1284699"/>
+              <a:gd name="connsiteY0" fmla="*/ 459606 h 598340"/>
+              <a:gd name="connsiteX1" fmla="*/ 85383 w 1284699"/>
+              <a:gd name="connsiteY1" fmla="*/ 352887 h 598340"/>
+              <a:gd name="connsiteX2" fmla="*/ 138747 w 1284699"/>
+              <a:gd name="connsiteY2" fmla="*/ 352887 h 598340"/>
+              <a:gd name="connsiteX3" fmla="*/ 149420 w 1284699"/>
+              <a:gd name="connsiteY3" fmla="*/ 267512 h 598340"/>
+              <a:gd name="connsiteX4" fmla="*/ 202785 w 1284699"/>
+              <a:gd name="connsiteY4" fmla="*/ 224825 h 598340"/>
+              <a:gd name="connsiteX5" fmla="*/ 288169 w 1284699"/>
+              <a:gd name="connsiteY5" fmla="*/ 107434 h 598340"/>
+              <a:gd name="connsiteX6" fmla="*/ 394897 w 1284699"/>
+              <a:gd name="connsiteY6" fmla="*/ 86091 h 598340"/>
+              <a:gd name="connsiteX7" fmla="*/ 501626 w 1284699"/>
+              <a:gd name="connsiteY7" fmla="*/ 716 h 598340"/>
+              <a:gd name="connsiteX8" fmla="*/ 672392 w 1284699"/>
+              <a:gd name="connsiteY8" fmla="*/ 139450 h 598340"/>
+              <a:gd name="connsiteX9" fmla="*/ 875177 w 1284699"/>
+              <a:gd name="connsiteY9" fmla="*/ 64747 h 598340"/>
+              <a:gd name="connsiteX10" fmla="*/ 1024597 w 1284699"/>
+              <a:gd name="connsiteY10" fmla="*/ 96763 h 598340"/>
+              <a:gd name="connsiteX11" fmla="*/ 1099308 w 1284699"/>
+              <a:gd name="connsiteY11" fmla="*/ 182137 h 598340"/>
+              <a:gd name="connsiteX12" fmla="*/ 1131326 w 1284699"/>
+              <a:gd name="connsiteY12" fmla="*/ 310200 h 598340"/>
+              <a:gd name="connsiteX13" fmla="*/ 1227382 w 1284699"/>
+              <a:gd name="connsiteY13" fmla="*/ 299528 h 598340"/>
+              <a:gd name="connsiteX14" fmla="*/ 1280747 w 1284699"/>
+              <a:gd name="connsiteY14" fmla="*/ 470277 h 598340"/>
+              <a:gd name="connsiteX15" fmla="*/ 1280747 w 1284699"/>
+              <a:gd name="connsiteY15" fmla="*/ 598340 h 598340"/>
+              <a:gd name="connsiteX0" fmla="*/ 0 w 1284699"/>
+              <a:gd name="connsiteY0" fmla="*/ 458926 h 597660"/>
+              <a:gd name="connsiteX1" fmla="*/ 85383 w 1284699"/>
+              <a:gd name="connsiteY1" fmla="*/ 352207 h 597660"/>
+              <a:gd name="connsiteX2" fmla="*/ 138747 w 1284699"/>
+              <a:gd name="connsiteY2" fmla="*/ 352207 h 597660"/>
+              <a:gd name="connsiteX3" fmla="*/ 149420 w 1284699"/>
+              <a:gd name="connsiteY3" fmla="*/ 266832 h 597660"/>
+              <a:gd name="connsiteX4" fmla="*/ 202785 w 1284699"/>
+              <a:gd name="connsiteY4" fmla="*/ 224145 h 597660"/>
+              <a:gd name="connsiteX5" fmla="*/ 288169 w 1284699"/>
+              <a:gd name="connsiteY5" fmla="*/ 106754 h 597660"/>
+              <a:gd name="connsiteX6" fmla="*/ 394897 w 1284699"/>
+              <a:gd name="connsiteY6" fmla="*/ 85411 h 597660"/>
+              <a:gd name="connsiteX7" fmla="*/ 501626 w 1284699"/>
+              <a:gd name="connsiteY7" fmla="*/ 36 h 597660"/>
+              <a:gd name="connsiteX8" fmla="*/ 672392 w 1284699"/>
+              <a:gd name="connsiteY8" fmla="*/ 74739 h 597660"/>
+              <a:gd name="connsiteX9" fmla="*/ 875177 w 1284699"/>
+              <a:gd name="connsiteY9" fmla="*/ 64067 h 597660"/>
+              <a:gd name="connsiteX10" fmla="*/ 1024597 w 1284699"/>
+              <a:gd name="connsiteY10" fmla="*/ 96083 h 597660"/>
+              <a:gd name="connsiteX11" fmla="*/ 1099308 w 1284699"/>
+              <a:gd name="connsiteY11" fmla="*/ 181457 h 597660"/>
+              <a:gd name="connsiteX12" fmla="*/ 1131326 w 1284699"/>
+              <a:gd name="connsiteY12" fmla="*/ 309520 h 597660"/>
+              <a:gd name="connsiteX13" fmla="*/ 1227382 w 1284699"/>
+              <a:gd name="connsiteY13" fmla="*/ 298848 h 597660"/>
+              <a:gd name="connsiteX14" fmla="*/ 1280747 w 1284699"/>
+              <a:gd name="connsiteY14" fmla="*/ 469597 h 597660"/>
+              <a:gd name="connsiteX15" fmla="*/ 1280747 w 1284699"/>
+              <a:gd name="connsiteY15" fmla="*/ 597660 h 597660"/>
+            </a:gdLst>
+            <a:ahLst/>
+            <a:cxnLst>
+              <a:cxn ang="0">
+                <a:pos x="connsiteX0" y="connsiteY0"/>
+              </a:cxn>
+              <a:cxn ang="0">
+                <a:pos x="connsiteX1" y="connsiteY1"/>
+              </a:cxn>
+              <a:cxn ang="0">
+                <a:pos x="connsiteX2" y="connsiteY2"/>
+              </a:cxn>
+              <a:cxn ang="0">
+                <a:pos x="connsiteX3" y="connsiteY3"/>
+              </a:cxn>
+              <a:cxn ang="0">
+                <a:pos x="connsiteX4" y="connsiteY4"/>
+              </a:cxn>
+              <a:cxn ang="0">
+                <a:pos x="connsiteX5" y="connsiteY5"/>
+              </a:cxn>
+              <a:cxn ang="0">
+                <a:pos x="connsiteX6" y="connsiteY6"/>
+              </a:cxn>
+              <a:cxn ang="0">
+                <a:pos x="connsiteX7" y="connsiteY7"/>
+              </a:cxn>
+              <a:cxn ang="0">
+                <a:pos x="connsiteX8" y="connsiteY8"/>
+              </a:cxn>
+              <a:cxn ang="0">
+                <a:pos x="connsiteX9" y="connsiteY9"/>
+              </a:cxn>
+              <a:cxn ang="0">
+                <a:pos x="connsiteX10" y="connsiteY10"/>
+              </a:cxn>
+              <a:cxn ang="0">
+                <a:pos x="connsiteX11" y="connsiteY11"/>
+              </a:cxn>
+              <a:cxn ang="0">
+                <a:pos x="connsiteX12" y="connsiteY12"/>
+              </a:cxn>
+              <a:cxn ang="0">
+                <a:pos x="connsiteX13" y="connsiteY13"/>
+              </a:cxn>
+              <a:cxn ang="0">
+                <a:pos x="connsiteX14" y="connsiteY14"/>
+              </a:cxn>
+              <a:cxn ang="0">
+                <a:pos x="connsiteX15" y="connsiteY15"/>
+              </a:cxn>
+            </a:cxnLst>
+            <a:rect l="l" t="t" r="r" b="b"/>
+            <a:pathLst>
+              <a:path w="1284699" h="597660">
+                <a:moveTo>
+                  <a:pt x="0" y="458926"/>
+                </a:moveTo>
+                <a:cubicBezTo>
+                  <a:pt x="31129" y="414459"/>
+                  <a:pt x="62259" y="369993"/>
+                  <a:pt x="85383" y="352207"/>
+                </a:cubicBezTo>
+                <a:cubicBezTo>
+                  <a:pt x="108507" y="334421"/>
+                  <a:pt x="128074" y="366436"/>
+                  <a:pt x="138747" y="352207"/>
+                </a:cubicBezTo>
+                <a:cubicBezTo>
+                  <a:pt x="149420" y="337978"/>
+                  <a:pt x="138747" y="288176"/>
+                  <a:pt x="149420" y="266832"/>
+                </a:cubicBezTo>
+                <a:cubicBezTo>
+                  <a:pt x="160093" y="245488"/>
+                  <a:pt x="179660" y="250825"/>
+                  <a:pt x="202785" y="224145"/>
+                </a:cubicBezTo>
+                <a:cubicBezTo>
+                  <a:pt x="225910" y="197465"/>
+                  <a:pt x="256150" y="129876"/>
+                  <a:pt x="288169" y="106754"/>
+                </a:cubicBezTo>
+                <a:cubicBezTo>
+                  <a:pt x="320188" y="83632"/>
+                  <a:pt x="359321" y="103197"/>
+                  <a:pt x="394897" y="85411"/>
+                </a:cubicBezTo>
+                <a:cubicBezTo>
+                  <a:pt x="430473" y="67625"/>
+                  <a:pt x="455377" y="1815"/>
+                  <a:pt x="501626" y="36"/>
+                </a:cubicBezTo>
+                <a:cubicBezTo>
+                  <a:pt x="547875" y="-1743"/>
+                  <a:pt x="610134" y="64067"/>
+                  <a:pt x="672392" y="74739"/>
+                </a:cubicBezTo>
+                <a:cubicBezTo>
+                  <a:pt x="734650" y="85411"/>
+                  <a:pt x="816476" y="60510"/>
+                  <a:pt x="875177" y="64067"/>
+                </a:cubicBezTo>
+                <a:cubicBezTo>
+                  <a:pt x="933878" y="67624"/>
+                  <a:pt x="987242" y="76518"/>
+                  <a:pt x="1024597" y="96083"/>
+                </a:cubicBezTo>
+                <a:cubicBezTo>
+                  <a:pt x="1061952" y="115648"/>
+                  <a:pt x="1081520" y="145884"/>
+                  <a:pt x="1099308" y="181457"/>
+                </a:cubicBezTo>
+                <a:cubicBezTo>
+                  <a:pt x="1117096" y="217030"/>
+                  <a:pt x="1109980" y="289955"/>
+                  <a:pt x="1131326" y="309520"/>
+                </a:cubicBezTo>
+                <a:cubicBezTo>
+                  <a:pt x="1152672" y="329085"/>
+                  <a:pt x="1202479" y="272169"/>
+                  <a:pt x="1227382" y="298848"/>
+                </a:cubicBezTo>
+                <a:cubicBezTo>
+                  <a:pt x="1252285" y="325527"/>
+                  <a:pt x="1271853" y="419795"/>
+                  <a:pt x="1280747" y="469597"/>
+                </a:cubicBezTo>
+                <a:cubicBezTo>
+                  <a:pt x="1289641" y="519399"/>
+                  <a:pt x="1280747" y="597660"/>
+                  <a:pt x="1280747" y="597660"/>
+                </a:cubicBezTo>
+              </a:path>
+            </a:pathLst>
+          </a:custGeom>
+          <a:solidFill>
+            <a:srgbClr val="FFF5C4"/>
+          </a:solidFill>
+          <a:ln>
+            <a:solidFill>
+              <a:srgbClr val="000000"/>
+            </a:solidFill>
+          </a:ln>
+        </p:spPr>
+        <p:style>
+          <a:lnRef idx="2">
+            <a:schemeClr val="accent1"/>
+          </a:lnRef>
+          <a:fillRef idx="0">
+            <a:schemeClr val="accent1"/>
+          </a:fillRef>
+          <a:effectRef idx="1">
+            <a:schemeClr val="accent1"/>
+          </a:effectRef>
+          <a:fontRef idx="minor">
+            <a:schemeClr val="tx1"/>
+          </a:fontRef>
+        </p:style>
+        <p:txBody>
+          <a:bodyPr rtlCol="0" anchor="ctr"/>
+          <a:lstStyle/>
+          <a:p>
+            <a:pPr algn="ctr"/>
+            <a:endParaRPr lang="en-US"/>
+          </a:p>
+        </p:txBody>
+      </p:sp>
+      <p:sp>
+        <p:nvSpPr>
+          <p:cNvPr id="11" name="Rectangle 10"/>
+          <p:cNvSpPr/>
+          <p:nvPr/>
+        </p:nvSpPr>
+        <p:spPr>
+          <a:xfrm>
+            <a:off x="6365513" y="4569895"/>
+            <a:ext cx="1415778" cy="352172"/>
+          </a:xfrm>
+          <a:prstGeom prst="rect">
+            <a:avLst/>
+          </a:prstGeom>
+        </p:spPr>
+        <p:style>
+          <a:lnRef idx="2">
+            <a:schemeClr val="dk1"/>
+          </a:lnRef>
+          <a:fillRef idx="1">
+            <a:schemeClr val="lt1"/>
+          </a:fillRef>
+          <a:effectRef idx="0">
+            <a:schemeClr val="dk1"/>
+          </a:effectRef>
+          <a:fontRef idx="minor">
+            <a:schemeClr val="dk1"/>
+          </a:fontRef>
+        </p:style>
+        <p:txBody>
+          <a:bodyPr rtlCol="0" anchor="ctr"/>
+          <a:lstStyle/>
+          <a:p>
+            <a:pPr algn="ctr"/>
+            <a:endParaRPr lang="en-US"/>
+          </a:p>
+        </p:txBody>
+      </p:sp>
+      <p:grpSp>
+        <p:nvGrpSpPr>
+          <p:cNvPr id="28" name="Group 27"/>
+          <p:cNvGrpSpPr/>
+          <p:nvPr/>
+        </p:nvGrpSpPr>
+        <p:grpSpPr>
+          <a:xfrm rot="1093235">
+            <a:off x="6986617" y="3703473"/>
+            <a:ext cx="728773" cy="693671"/>
+            <a:chOff x="6269664" y="1056512"/>
+            <a:chExt cx="806462" cy="821734"/>
+          </a:xfrm>
+          <a:solidFill>
+            <a:schemeClr val="accent6">
+              <a:lumMod val="60000"/>
+              <a:lumOff val="40000"/>
+            </a:schemeClr>
+          </a:solidFill>
+        </p:grpSpPr>
+        <p:sp>
+          <p:nvSpPr>
+            <p:cNvPr id="26" name="Trapezoid 25"/>
+            <p:cNvSpPr/>
+            <p:nvPr/>
+          </p:nvSpPr>
+          <p:spPr>
+            <a:xfrm rot="10800000">
+              <a:off x="6269664" y="1184576"/>
+              <a:ext cx="806462" cy="693670"/>
+            </a:xfrm>
+            <a:prstGeom prst="trapezoid">
+              <a:avLst/>
+            </a:prstGeom>
+            <a:grpFill/>
+          </p:spPr>
+          <p:style>
+            <a:lnRef idx="2">
+              <a:schemeClr val="dk1"/>
+            </a:lnRef>
+            <a:fillRef idx="1">
+              <a:schemeClr val="lt1"/>
+            </a:fillRef>
+            <a:effectRef idx="0">
+              <a:schemeClr val="dk1"/>
+            </a:effectRef>
+            <a:fontRef idx="minor">
+              <a:schemeClr val="dk1"/>
+            </a:fontRef>
+          </p:style>
+          <p:txBody>
+            <a:bodyPr rtlCol="0" anchor="ctr"/>
+            <a:lstStyle/>
+            <a:p>
+              <a:pPr algn="ctr"/>
+              <a:endParaRPr lang="en-US"/>
+            </a:p>
+          </p:txBody>
+        </p:sp>
+        <p:sp>
+          <p:nvSpPr>
+            <p:cNvPr id="25" name="Oval 24"/>
+            <p:cNvSpPr/>
+            <p:nvPr/>
+          </p:nvSpPr>
+          <p:spPr>
+            <a:xfrm>
+              <a:off x="6269664" y="1056512"/>
+              <a:ext cx="806462" cy="256125"/>
+            </a:xfrm>
+            <a:prstGeom prst="ellipse">
+              <a:avLst/>
+            </a:prstGeom>
+            <a:grpFill/>
+          </p:spPr>
+          <p:style>
+            <a:lnRef idx="2">
+              <a:schemeClr val="dk1"/>
+            </a:lnRef>
+            <a:fillRef idx="1">
+              <a:schemeClr val="lt1"/>
+            </a:fillRef>
+            <a:effectRef idx="0">
+              <a:schemeClr val="dk1"/>
+            </a:effectRef>
+            <a:fontRef idx="minor">
+              <a:schemeClr val="dk1"/>
+            </a:fontRef>
+          </p:style>
+          <p:txBody>
+            <a:bodyPr rtlCol="0" anchor="ctr"/>
+            <a:lstStyle/>
+            <a:p>
+              <a:pPr algn="ctr"/>
+              <a:endParaRPr lang="en-US"/>
+            </a:p>
+          </p:txBody>
+        </p:sp>
+        <p:sp>
+          <p:nvSpPr>
+            <p:cNvPr id="27" name="Oval 26"/>
+            <p:cNvSpPr/>
+            <p:nvPr/>
+          </p:nvSpPr>
+          <p:spPr>
+            <a:xfrm>
+              <a:off x="6347353" y="1095360"/>
+              <a:ext cx="654062" cy="178429"/>
+            </a:xfrm>
+            <a:prstGeom prst="ellipse">
+              <a:avLst/>
+            </a:prstGeom>
+            <a:solidFill>
+              <a:schemeClr val="accent6">
+                <a:lumMod val="75000"/>
+              </a:schemeClr>
+            </a:solidFill>
+          </p:spPr>
+          <p:style>
+            <a:lnRef idx="2">
+              <a:schemeClr val="dk1"/>
+            </a:lnRef>
+            <a:fillRef idx="1">
+              <a:schemeClr val="lt1"/>
+            </a:fillRef>
+            <a:effectRef idx="0">
+              <a:schemeClr val="dk1"/>
+            </a:effectRef>
+            <a:fontRef idx="minor">
+              <a:schemeClr val="dk1"/>
+            </a:fontRef>
+          </p:style>
+          <p:txBody>
+            <a:bodyPr rtlCol="0" anchor="ctr"/>
+            <a:lstStyle/>
+            <a:p>
+              <a:pPr algn="ctr"/>
+              <a:endParaRPr lang="en-US"/>
+            </a:p>
+          </p:txBody>
+        </p:sp>
+      </p:grpSp>
+      <p:sp>
+        <p:nvSpPr>
+          <p:cNvPr id="30" name="Freeform 29"/>
+          <p:cNvSpPr/>
+          <p:nvPr/>
+        </p:nvSpPr>
+        <p:spPr>
+          <a:xfrm>
+            <a:off x="6942990" y="4270685"/>
+            <a:ext cx="576336" cy="203163"/>
+          </a:xfrm>
+          <a:custGeom>
+            <a:avLst/>
+            <a:gdLst>
+              <a:gd name="connsiteX0" fmla="*/ 0 w 576336"/>
+              <a:gd name="connsiteY0" fmla="*/ 117789 h 203163"/>
+              <a:gd name="connsiteX1" fmla="*/ 53364 w 576336"/>
+              <a:gd name="connsiteY1" fmla="*/ 43086 h 203163"/>
+              <a:gd name="connsiteX2" fmla="*/ 160093 w 576336"/>
+              <a:gd name="connsiteY2" fmla="*/ 398 h 203163"/>
+              <a:gd name="connsiteX3" fmla="*/ 202785 w 576336"/>
+              <a:gd name="connsiteY3" fmla="*/ 21742 h 203163"/>
+              <a:gd name="connsiteX4" fmla="*/ 266822 w 576336"/>
+              <a:gd name="connsiteY4" fmla="*/ 21742 h 203163"/>
+              <a:gd name="connsiteX5" fmla="*/ 320186 w 576336"/>
+              <a:gd name="connsiteY5" fmla="*/ 64429 h 203163"/>
+              <a:gd name="connsiteX6" fmla="*/ 448261 w 576336"/>
+              <a:gd name="connsiteY6" fmla="*/ 43086 h 203163"/>
+              <a:gd name="connsiteX7" fmla="*/ 533644 w 576336"/>
+              <a:gd name="connsiteY7" fmla="*/ 139132 h 203163"/>
+              <a:gd name="connsiteX8" fmla="*/ 576336 w 576336"/>
+              <a:gd name="connsiteY8" fmla="*/ 203163 h 203163"/>
+            </a:gdLst>
+            <a:ahLst/>
+            <a:cxnLst>
+              <a:cxn ang="0">
+                <a:pos x="connsiteX0" y="connsiteY0"/>
+              </a:cxn>
+              <a:cxn ang="0">
+                <a:pos x="connsiteX1" y="connsiteY1"/>
+              </a:cxn>
+              <a:cxn ang="0">
+                <a:pos x="connsiteX2" y="connsiteY2"/>
+              </a:cxn>
+              <a:cxn ang="0">
+                <a:pos x="connsiteX3" y="connsiteY3"/>
+              </a:cxn>
+              <a:cxn ang="0">
+                <a:pos x="connsiteX4" y="connsiteY4"/>
+              </a:cxn>
+              <a:cxn ang="0">
+                <a:pos x="connsiteX5" y="connsiteY5"/>
+              </a:cxn>
+              <a:cxn ang="0">
+                <a:pos x="connsiteX6" y="connsiteY6"/>
+              </a:cxn>
+              <a:cxn ang="0">
+                <a:pos x="connsiteX7" y="connsiteY7"/>
+              </a:cxn>
+              <a:cxn ang="0">
+                <a:pos x="connsiteX8" y="connsiteY8"/>
+              </a:cxn>
+            </a:cxnLst>
+            <a:rect l="l" t="t" r="r" b="b"/>
+            <a:pathLst>
+              <a:path w="576336" h="203163">
+                <a:moveTo>
+                  <a:pt x="0" y="117789"/>
+                </a:moveTo>
+                <a:cubicBezTo>
+                  <a:pt x="13341" y="90220"/>
+                  <a:pt x="26682" y="62651"/>
+                  <a:pt x="53364" y="43086"/>
+                </a:cubicBezTo>
+                <a:cubicBezTo>
+                  <a:pt x="80046" y="23521"/>
+                  <a:pt x="135190" y="3955"/>
+                  <a:pt x="160093" y="398"/>
+                </a:cubicBezTo>
+                <a:cubicBezTo>
+                  <a:pt x="184996" y="-3159"/>
+                  <a:pt x="184997" y="18185"/>
+                  <a:pt x="202785" y="21742"/>
+                </a:cubicBezTo>
+                <a:cubicBezTo>
+                  <a:pt x="220573" y="25299"/>
+                  <a:pt x="247255" y="14627"/>
+                  <a:pt x="266822" y="21742"/>
+                </a:cubicBezTo>
+                <a:cubicBezTo>
+                  <a:pt x="286389" y="28856"/>
+                  <a:pt x="289946" y="60872"/>
+                  <a:pt x="320186" y="64429"/>
+                </a:cubicBezTo>
+                <a:cubicBezTo>
+                  <a:pt x="350426" y="67986"/>
+                  <a:pt x="412685" y="30636"/>
+                  <a:pt x="448261" y="43086"/>
+                </a:cubicBezTo>
+                <a:cubicBezTo>
+                  <a:pt x="483837" y="55536"/>
+                  <a:pt x="512298" y="112453"/>
+                  <a:pt x="533644" y="139132"/>
+                </a:cubicBezTo>
+                <a:cubicBezTo>
+                  <a:pt x="554990" y="165811"/>
+                  <a:pt x="576336" y="203163"/>
+                  <a:pt x="576336" y="203163"/>
+                </a:cubicBezTo>
+              </a:path>
+            </a:pathLst>
+          </a:custGeom>
+          <a:solidFill>
+            <a:srgbClr val="FFF5C4"/>
+          </a:solidFill>
+          <a:ln>
+            <a:solidFill>
+              <a:srgbClr val="000000"/>
+            </a:solidFill>
+          </a:ln>
+          <a:effectLst/>
+        </p:spPr>
+        <p:style>
+          <a:lnRef idx="2">
+            <a:schemeClr val="accent1"/>
+          </a:lnRef>
+          <a:fillRef idx="0">
+            <a:schemeClr val="accent1"/>
+          </a:fillRef>
+          <a:effectRef idx="1">
+            <a:schemeClr val="accent1"/>
+          </a:effectRef>
+          <a:fontRef idx="minor">
+            <a:schemeClr val="tx1"/>
+          </a:fontRef>
+        </p:style>
+        <p:txBody>
+          <a:bodyPr rtlCol="0" anchor="ctr"/>
+          <a:lstStyle/>
+          <a:p>
+            <a:pPr algn="ctr"/>
+            <a:endParaRPr lang="en-US"/>
+          </a:p>
+        </p:txBody>
+      </p:sp>
+      <p:sp>
+        <p:nvSpPr>
+          <p:cNvPr id="32" name="TextBox 31"/>
+          <p:cNvSpPr txBox="1"/>
+          <p:nvPr/>
+        </p:nvSpPr>
+        <p:spPr>
+          <a:xfrm>
+            <a:off x="3596694" y="2278439"/>
+            <a:ext cx="2236840" cy="584776"/>
+          </a:xfrm>
+          <a:prstGeom prst="rect">
+            <a:avLst/>
+          </a:prstGeom>
+          <a:noFill/>
+        </p:spPr>
+        <p:txBody>
+          <a:bodyPr wrap="square" rtlCol="0">
+            <a:spAutoFit/>
+          </a:bodyPr>
+          <a:lstStyle/>
+          <a:p>
+            <a:pPr algn="ctr"/>
+            <a:r>
+              <a:rPr lang="en-US" sz="1600" dirty="0" err="1" smtClean="0">
+                <a:latin typeface="Anime Ace 2.0 BB"/>
+                <a:cs typeface="Anime Ace 2.0 BB"/>
+              </a:rPr>
+              <a:t>Drupal.org</a:t>
+            </a:r>
+            <a:r>
+              <a:rPr lang="en-US" sz="1600" dirty="0" smtClean="0">
+                <a:latin typeface="Anime Ace 2.0 BB"/>
+                <a:cs typeface="Anime Ace 2.0 BB"/>
+              </a:rPr>
+              <a:t> Project</a:t>
+            </a:r>
+            <a:endParaRPr lang="en-US" sz="1600" dirty="0">
+              <a:latin typeface="Anime Ace 2.0 BB"/>
+              <a:cs typeface="Anime Ace 2.0 BB"/>
+            </a:endParaRPr>
+          </a:p>
+        </p:txBody>
+      </p:sp>
+      <p:sp>
+        <p:nvSpPr>
+          <p:cNvPr id="33" name="TextBox 32"/>
+          <p:cNvSpPr txBox="1"/>
+          <p:nvPr/>
+        </p:nvSpPr>
+        <p:spPr>
+          <a:xfrm>
+            <a:off x="5927310" y="4985950"/>
+            <a:ext cx="2236840" cy="584776"/>
+          </a:xfrm>
+          <a:prstGeom prst="rect">
+            <a:avLst/>
+          </a:prstGeom>
+          <a:noFill/>
+        </p:spPr>
+        <p:txBody>
+          <a:bodyPr wrap="square" rtlCol="0">
+            <a:spAutoFit/>
+          </a:bodyPr>
+          <a:lstStyle/>
+          <a:p>
+            <a:pPr algn="ctr"/>
+            <a:r>
+              <a:rPr lang="en-US" sz="1600" dirty="0" err="1" smtClean="0">
+                <a:latin typeface="Anime Ace 2.0 BB"/>
+                <a:cs typeface="Anime Ace 2.0 BB"/>
+              </a:rPr>
+              <a:t>Drupal.org</a:t>
+            </a:r>
+            <a:r>
+              <a:rPr lang="en-US" sz="1600" dirty="0" smtClean="0">
+                <a:latin typeface="Anime Ace 2.0 BB"/>
+                <a:cs typeface="Anime Ace 2.0 BB"/>
+              </a:rPr>
+              <a:t> Sandbox</a:t>
+            </a:r>
+            <a:endParaRPr lang="en-US" sz="1600" dirty="0">
+              <a:latin typeface="Anime Ace 2.0 BB"/>
+              <a:cs typeface="Anime Ace 2.0 BB"/>
+            </a:endParaRPr>
+          </a:p>
+        </p:txBody>
+      </p:sp>
+      <p:sp>
+        <p:nvSpPr>
+          <p:cNvPr id="34" name="Rectangle 33"/>
+          <p:cNvSpPr/>
+          <p:nvPr/>
+        </p:nvSpPr>
+        <p:spPr>
+          <a:xfrm>
+            <a:off x="0" y="551763"/>
+            <a:ext cx="9144000" cy="5142850"/>
+          </a:xfrm>
+          <a:prstGeom prst="rect">
+            <a:avLst/>
+          </a:prstGeom>
+          <a:noFill/>
+          <a:ln>
+            <a:noFill/>
+          </a:ln>
+          <a:effectLst/>
+        </p:spPr>
+        <p:style>
+          <a:lnRef idx="2">
+            <a:schemeClr val="dk1"/>
+          </a:lnRef>
+          <a:fillRef idx="1">
+            <a:schemeClr val="lt1"/>
+          </a:fillRef>
+          <a:effectRef idx="0">
+            <a:schemeClr val="dk1"/>
+          </a:effectRef>
+          <a:fontRef idx="minor">
+            <a:schemeClr val="dk1"/>
+          </a:fontRef>
+        </p:style>
+        <p:txBody>
+          <a:bodyPr rtlCol="0" anchor="ctr"/>
+          <a:lstStyle/>
+          <a:p>
+            <a:pPr algn="ctr"/>
+            <a:endParaRPr lang="en-US"/>
+          </a:p>
+        </p:txBody>
+      </p:sp>
+      <p:sp>
+        <p:nvSpPr>
+          <p:cNvPr id="19" name="Oval Callout 18"/>
+          <p:cNvSpPr/>
+          <p:nvPr/>
+        </p:nvSpPr>
+        <p:spPr>
+          <a:xfrm>
+            <a:off x="5886880" y="1150043"/>
+            <a:ext cx="2441226" cy="1128396"/>
+          </a:xfrm>
+          <a:prstGeom prst="wedgeEllipseCallout">
+            <a:avLst>
+              <a:gd name="adj1" fmla="val -64871"/>
+              <a:gd name="adj2" fmla="val -9070"/>
+            </a:avLst>
+          </a:prstGeom>
+        </p:spPr>
+        <p:style>
+          <a:lnRef idx="2">
+            <a:schemeClr val="dk1"/>
+          </a:lnRef>
+          <a:fillRef idx="1">
+            <a:schemeClr val="lt1"/>
+          </a:fillRef>
+          <a:effectRef idx="0">
+            <a:schemeClr val="dk1"/>
+          </a:effectRef>
+          <a:fontRef idx="minor">
+            <a:schemeClr val="dk1"/>
+          </a:fontRef>
+        </p:style>
+        <p:txBody>
+          <a:bodyPr rtlCol="0" anchor="ctr"/>
+          <a:lstStyle/>
+          <a:p>
+            <a:pPr algn="ctr"/>
+            <a:r>
+              <a:rPr lang="en-US" sz="1600" dirty="0" smtClean="0">
+                <a:latin typeface="Anime Ace 2.0 BB"/>
+                <a:cs typeface="Anime Ace 2.0 BB"/>
+              </a:rPr>
+              <a:t>But is your module ready?</a:t>
+            </a:r>
+            <a:endParaRPr lang="en-US" sz="1600" dirty="0">
+              <a:latin typeface="Anime Ace 2.0 BB"/>
+              <a:cs typeface="Anime Ace 2.0 BB"/>
+            </a:endParaRPr>
+          </a:p>
+        </p:txBody>
+      </p:sp>
+      <p:sp>
+        <p:nvSpPr>
+          <p:cNvPr id="20" name="Oval Callout 19"/>
+          <p:cNvSpPr/>
+          <p:nvPr/>
+        </p:nvSpPr>
+        <p:spPr>
+          <a:xfrm>
+            <a:off x="4009576" y="3706487"/>
+            <a:ext cx="1877304" cy="1128396"/>
+          </a:xfrm>
+          <a:prstGeom prst="wedgeEllipseCallout">
+            <a:avLst>
+              <a:gd name="adj1" fmla="val 69357"/>
+              <a:gd name="adj2" fmla="val 9382"/>
+            </a:avLst>
+          </a:prstGeom>
+        </p:spPr>
+        <p:style>
+          <a:lnRef idx="2">
+            <a:schemeClr val="dk1"/>
+          </a:lnRef>
+          <a:fillRef idx="1">
+            <a:schemeClr val="lt1"/>
+          </a:fillRef>
+          <a:effectRef idx="0">
+            <a:schemeClr val="dk1"/>
+          </a:effectRef>
+          <a:fontRef idx="minor">
+            <a:schemeClr val="dk1"/>
+          </a:fontRef>
+        </p:style>
+        <p:txBody>
+          <a:bodyPr rtlCol="0" anchor="ctr"/>
+          <a:lstStyle/>
+          <a:p>
+            <a:pPr algn="ctr"/>
+            <a:r>
+              <a:rPr lang="en-US" sz="1600" dirty="0" smtClean="0">
+                <a:latin typeface="Anime Ace 2.0 BB"/>
+                <a:cs typeface="Anime Ace 2.0 BB"/>
+              </a:rPr>
+              <a:t>Easy, but few see me.</a:t>
+            </a:r>
+            <a:endParaRPr lang="en-US" sz="1600" dirty="0">
+              <a:latin typeface="Anime Ace 2.0 BB"/>
+              <a:cs typeface="Anime Ace 2.0 BB"/>
+            </a:endParaRPr>
+          </a:p>
+        </p:txBody>
+      </p:sp>
+    </p:spTree>
+    <p:extLst>
+      <p:ext uri="{BB962C8B-B14F-4D97-AF65-F5344CB8AC3E}">
+        <p14:creationId xmlns:p14="http://schemas.microsoft.com/office/powerpoint/2010/main" val="54324225"/>
+      </p:ext>
+    </p:extLst>
+  </p:cSld>
+  <p:clrMapOvr>
+    <a:masterClrMapping/>
+  </p:clrMapOvr>
+</p:sld>
+</file>
+
+<file path=ppt/slides/slide63.xml><?xml version="1.0" encoding="utf-8"?>
+<p:sld xmlns:a="http://schemas.openxmlformats.org/drawingml/2006/main" xmlns:r="http://schemas.openxmlformats.org/officeDocument/2006/relationships" xmlns:p="http://schemas.openxmlformats.org/presentationml/2006/main">
+  <p:cSld>
+    <p:spTree>
+      <p:nvGrpSpPr>
+        <p:cNvPr id="1" name=""/>
+        <p:cNvGrpSpPr/>
+        <p:nvPr/>
+      </p:nvGrpSpPr>
+      <p:grpSpPr>
+        <a:xfrm>
+          <a:off x="0" y="0"/>
+          <a:ext cx="0" cy="0"/>
+          <a:chOff x="0" y="0"/>
+          <a:chExt cx="0" cy="0"/>
+        </a:xfrm>
+      </p:grpSpPr>
+      <p:pic>
+        <p:nvPicPr>
+          <p:cNvPr id="3" name="Picture 2"/>
+          <p:cNvPicPr>
+            <a:picLocks noChangeAspect="1"/>
+          </p:cNvPicPr>
+          <p:nvPr/>
+        </p:nvPicPr>
+        <p:blipFill>
+          <a:blip r:embed="rId2"/>
+          <a:stretch>
+            <a:fillRect/>
+          </a:stretch>
+        </p:blipFill>
+        <p:spPr>
+          <a:xfrm>
+            <a:off x="4009576" y="685800"/>
+            <a:ext cx="1392085" cy="1592639"/>
+          </a:xfrm>
+          <a:prstGeom prst="rect">
+            <a:avLst/>
+          </a:prstGeom>
+        </p:spPr>
+      </p:pic>
+      <p:pic>
+        <p:nvPicPr>
+          <p:cNvPr id="4" name="Picture 3"/>
+          <p:cNvPicPr>
+            <a:picLocks noChangeAspect="1"/>
+          </p:cNvPicPr>
+          <p:nvPr/>
+        </p:nvPicPr>
+        <p:blipFill>
+          <a:blip r:embed="rId3">
+            <a:clrChange>
+              <a:clrFrom>
+                <a:srgbClr val="FFFFFF"/>
+              </a:clrFrom>
+              <a:clrTo>
+                <a:srgbClr val="FFFFFF">
+                  <a:alpha val="0"/>
+                </a:srgbClr>
+              </a:clrTo>
+            </a:clrChange>
+          </a:blip>
+          <a:stretch>
+            <a:fillRect/>
+          </a:stretch>
+        </p:blipFill>
+        <p:spPr>
+          <a:xfrm>
+            <a:off x="1029067" y="3072561"/>
+            <a:ext cx="1834536" cy="1834536"/>
+          </a:xfrm>
+          <a:prstGeom prst="rect">
+            <a:avLst/>
+          </a:prstGeom>
+        </p:spPr>
+      </p:pic>
+      <p:pic>
+        <p:nvPicPr>
+          <p:cNvPr id="8" name="Picture 7"/>
+          <p:cNvPicPr>
+            <a:picLocks noChangeAspect="1"/>
+          </p:cNvPicPr>
+          <p:nvPr/>
+        </p:nvPicPr>
+        <p:blipFill>
+          <a:blip r:embed="rId4">
+            <a:clrChange>
+              <a:clrFrom>
+                <a:srgbClr val="FFFFFF"/>
+              </a:clrFrom>
+              <a:clrTo>
+                <a:srgbClr val="FFFFFF">
+                  <a:alpha val="0"/>
+                </a:srgbClr>
+              </a:clrTo>
+            </a:clrChange>
+          </a:blip>
+          <a:stretch>
+            <a:fillRect/>
+          </a:stretch>
+        </p:blipFill>
+        <p:spPr>
+          <a:xfrm>
+            <a:off x="2062440" y="3753800"/>
+            <a:ext cx="1529060" cy="1529060"/>
+          </a:xfrm>
+          <a:prstGeom prst="rect">
+            <a:avLst/>
+          </a:prstGeom>
+        </p:spPr>
+      </p:pic>
+      <p:sp>
+        <p:nvSpPr>
+          <p:cNvPr id="9" name="TextBox 8"/>
+          <p:cNvSpPr txBox="1"/>
+          <p:nvPr/>
+        </p:nvSpPr>
+        <p:spPr>
+          <a:xfrm>
+            <a:off x="1344249" y="4985950"/>
+            <a:ext cx="2236840" cy="338554"/>
+          </a:xfrm>
+          <a:prstGeom prst="rect">
+            <a:avLst/>
+          </a:prstGeom>
+          <a:noFill/>
+        </p:spPr>
+        <p:txBody>
+          <a:bodyPr wrap="square" rtlCol="0">
+            <a:spAutoFit/>
+          </a:bodyPr>
+          <a:lstStyle/>
+          <a:p>
+            <a:pPr algn="ctr"/>
+            <a:r>
+              <a:rPr lang="en-US" sz="1600" dirty="0" smtClean="0">
+                <a:latin typeface="Anime Ace 2.0 BB"/>
+                <a:cs typeface="Anime Ace 2.0 BB"/>
+              </a:rPr>
+              <a:t>Public Repos</a:t>
+            </a:r>
+            <a:endParaRPr lang="en-US" sz="1600" dirty="0">
+              <a:latin typeface="Anime Ace 2.0 BB"/>
+              <a:cs typeface="Anime Ace 2.0 BB"/>
+            </a:endParaRPr>
+          </a:p>
+        </p:txBody>
+      </p:sp>
+      <p:sp>
+        <p:nvSpPr>
+          <p:cNvPr id="32" name="TextBox 31"/>
+          <p:cNvSpPr txBox="1"/>
+          <p:nvPr/>
+        </p:nvSpPr>
+        <p:spPr>
+          <a:xfrm>
+            <a:off x="3596694" y="2278439"/>
+            <a:ext cx="2236840" cy="584776"/>
+          </a:xfrm>
+          <a:prstGeom prst="rect">
+            <a:avLst/>
+          </a:prstGeom>
+          <a:noFill/>
+        </p:spPr>
+        <p:txBody>
+          <a:bodyPr wrap="square" rtlCol="0">
+            <a:spAutoFit/>
+          </a:bodyPr>
+          <a:lstStyle/>
+          <a:p>
+            <a:pPr algn="ctr"/>
+            <a:r>
+              <a:rPr lang="en-US" sz="1600" dirty="0" err="1" smtClean="0">
+                <a:latin typeface="Anime Ace 2.0 BB"/>
+                <a:cs typeface="Anime Ace 2.0 BB"/>
+              </a:rPr>
+              <a:t>Drupal.org</a:t>
+            </a:r>
+            <a:r>
+              <a:rPr lang="en-US" sz="1600" dirty="0" smtClean="0">
+                <a:latin typeface="Anime Ace 2.0 BB"/>
+                <a:cs typeface="Anime Ace 2.0 BB"/>
+              </a:rPr>
+              <a:t> Project</a:t>
+            </a:r>
+            <a:endParaRPr lang="en-US" sz="1600" dirty="0">
+              <a:latin typeface="Anime Ace 2.0 BB"/>
+              <a:cs typeface="Anime Ace 2.0 BB"/>
+            </a:endParaRPr>
+          </a:p>
+        </p:txBody>
+      </p:sp>
+      <p:sp>
+        <p:nvSpPr>
+          <p:cNvPr id="33" name="TextBox 32"/>
+          <p:cNvSpPr txBox="1"/>
+          <p:nvPr/>
+        </p:nvSpPr>
+        <p:spPr>
+          <a:xfrm>
+            <a:off x="5927310" y="4985950"/>
+            <a:ext cx="2236840" cy="584776"/>
+          </a:xfrm>
+          <a:prstGeom prst="rect">
+            <a:avLst/>
+          </a:prstGeom>
+          <a:noFill/>
+        </p:spPr>
+        <p:txBody>
+          <a:bodyPr wrap="square" rtlCol="0">
+            <a:spAutoFit/>
+          </a:bodyPr>
+          <a:lstStyle/>
+          <a:p>
+            <a:pPr algn="ctr"/>
+            <a:r>
+              <a:rPr lang="en-US" sz="1600" dirty="0" err="1" smtClean="0">
+                <a:latin typeface="Anime Ace 2.0 BB"/>
+                <a:cs typeface="Anime Ace 2.0 BB"/>
+              </a:rPr>
+              <a:t>Drupal.org</a:t>
+            </a:r>
+            <a:r>
+              <a:rPr lang="en-US" sz="1600" dirty="0" smtClean="0">
+                <a:latin typeface="Anime Ace 2.0 BB"/>
+                <a:cs typeface="Anime Ace 2.0 BB"/>
+              </a:rPr>
+              <a:t> Sandbox</a:t>
+            </a:r>
+            <a:endParaRPr lang="en-US" sz="1600" dirty="0">
+              <a:latin typeface="Anime Ace 2.0 BB"/>
+              <a:cs typeface="Anime Ace 2.0 BB"/>
+            </a:endParaRPr>
+          </a:p>
+        </p:txBody>
+      </p:sp>
+      <p:sp>
+        <p:nvSpPr>
+          <p:cNvPr id="34" name="Rectangle 33"/>
+          <p:cNvSpPr/>
+          <p:nvPr/>
+        </p:nvSpPr>
+        <p:spPr>
+          <a:xfrm>
+            <a:off x="0" y="551763"/>
+            <a:ext cx="9144000" cy="5142850"/>
+          </a:xfrm>
+          <a:prstGeom prst="rect">
+            <a:avLst/>
+          </a:prstGeom>
+          <a:noFill/>
+          <a:ln>
+            <a:noFill/>
+          </a:ln>
+          <a:effectLst/>
+        </p:spPr>
+        <p:style>
+          <a:lnRef idx="2">
+            <a:schemeClr val="dk1"/>
+          </a:lnRef>
+          <a:fillRef idx="1">
+            <a:schemeClr val="lt1"/>
+          </a:fillRef>
+          <a:effectRef idx="0">
+            <a:schemeClr val="dk1"/>
+          </a:effectRef>
+          <a:fontRef idx="minor">
+            <a:schemeClr val="dk1"/>
+          </a:fontRef>
+        </p:style>
+        <p:txBody>
+          <a:bodyPr rtlCol="0" anchor="ctr"/>
+          <a:lstStyle/>
+          <a:p>
+            <a:pPr algn="ctr"/>
+            <a:endParaRPr lang="en-US"/>
+          </a:p>
+        </p:txBody>
+      </p:sp>
+      <p:sp>
+        <p:nvSpPr>
+          <p:cNvPr id="19" name="Oval Callout 18"/>
+          <p:cNvSpPr/>
+          <p:nvPr/>
+        </p:nvSpPr>
+        <p:spPr>
+          <a:xfrm>
+            <a:off x="5886880" y="1150043"/>
+            <a:ext cx="2441226" cy="1128396"/>
+          </a:xfrm>
+          <a:prstGeom prst="wedgeEllipseCallout">
+            <a:avLst>
+              <a:gd name="adj1" fmla="val -64871"/>
+              <a:gd name="adj2" fmla="val -9070"/>
+            </a:avLst>
+          </a:prstGeom>
+        </p:spPr>
+        <p:style>
+          <a:lnRef idx="2">
+            <a:schemeClr val="dk1"/>
+          </a:lnRef>
+          <a:fillRef idx="1">
+            <a:schemeClr val="lt1"/>
+          </a:fillRef>
+          <a:effectRef idx="0">
+            <a:schemeClr val="dk1"/>
+          </a:effectRef>
+          <a:fontRef idx="minor">
+            <a:schemeClr val="dk1"/>
+          </a:fontRef>
+        </p:style>
+        <p:txBody>
+          <a:bodyPr rtlCol="0" anchor="ctr"/>
+          <a:lstStyle/>
+          <a:p>
+            <a:pPr algn="ctr"/>
+            <a:r>
+              <a:rPr lang="en-US" sz="1600" dirty="0" smtClean="0">
+                <a:latin typeface="Anime Ace 2.0 BB"/>
+                <a:cs typeface="Anime Ace 2.0 BB"/>
+              </a:rPr>
+              <a:t>But is your module ready?</a:t>
+            </a:r>
+            <a:endParaRPr lang="en-US" sz="1600" dirty="0">
+              <a:latin typeface="Anime Ace 2.0 BB"/>
+              <a:cs typeface="Anime Ace 2.0 BB"/>
+            </a:endParaRPr>
+          </a:p>
+        </p:txBody>
+      </p:sp>
+      <p:sp>
+        <p:nvSpPr>
+          <p:cNvPr id="20" name="Oval Callout 19"/>
+          <p:cNvSpPr/>
+          <p:nvPr/>
+        </p:nvSpPr>
+        <p:spPr>
+          <a:xfrm>
+            <a:off x="4009576" y="3706487"/>
+            <a:ext cx="1877304" cy="1128396"/>
+          </a:xfrm>
+          <a:prstGeom prst="wedgeEllipseCallout">
+            <a:avLst>
+              <a:gd name="adj1" fmla="val 69357"/>
+              <a:gd name="adj2" fmla="val 9382"/>
+            </a:avLst>
+          </a:prstGeom>
+        </p:spPr>
+        <p:style>
+          <a:lnRef idx="2">
+            <a:schemeClr val="dk1"/>
+          </a:lnRef>
+          <a:fillRef idx="1">
+            <a:schemeClr val="lt1"/>
+          </a:fillRef>
+          <a:effectRef idx="0">
+            <a:schemeClr val="dk1"/>
+          </a:effectRef>
+          <a:fontRef idx="minor">
+            <a:schemeClr val="dk1"/>
+          </a:fontRef>
+        </p:style>
+        <p:txBody>
+          <a:bodyPr rtlCol="0" anchor="ctr"/>
+          <a:lstStyle/>
+          <a:p>
+            <a:pPr algn="ctr"/>
+            <a:r>
+              <a:rPr lang="en-US" sz="1600" dirty="0" smtClean="0">
+                <a:latin typeface="Anime Ace 2.0 BB"/>
+                <a:cs typeface="Anime Ace 2.0 BB"/>
+              </a:rPr>
+              <a:t>Easy, but few see me.</a:t>
+            </a:r>
+            <a:endParaRPr lang="en-US" sz="1600" dirty="0">
+              <a:latin typeface="Anime Ace 2.0 BB"/>
+              <a:cs typeface="Anime Ace 2.0 BB"/>
+            </a:endParaRPr>
+          </a:p>
+        </p:txBody>
+      </p:sp>
+      <p:sp>
+        <p:nvSpPr>
+          <p:cNvPr id="21" name="Oval Callout 20"/>
+          <p:cNvSpPr/>
+          <p:nvPr/>
+        </p:nvSpPr>
+        <p:spPr>
+          <a:xfrm>
+            <a:off x="1337784" y="1457488"/>
+            <a:ext cx="2076871" cy="1229046"/>
+          </a:xfrm>
+          <a:prstGeom prst="wedgeEllipseCallout">
+            <a:avLst>
+              <a:gd name="adj1" fmla="val -17859"/>
+              <a:gd name="adj2" fmla="val 87803"/>
+            </a:avLst>
+          </a:prstGeom>
+        </p:spPr>
+        <p:style>
+          <a:lnRef idx="2">
+            <a:schemeClr val="dk1"/>
+          </a:lnRef>
+          <a:fillRef idx="1">
+            <a:schemeClr val="lt1"/>
+          </a:fillRef>
+          <a:effectRef idx="0">
+            <a:schemeClr val="dk1"/>
+          </a:effectRef>
+          <a:fontRef idx="minor">
+            <a:schemeClr val="dk1"/>
+          </a:fontRef>
+        </p:style>
+        <p:txBody>
+          <a:bodyPr rtlCol="0" anchor="ctr"/>
+          <a:lstStyle/>
+          <a:p>
+            <a:pPr algn="ctr"/>
+            <a:r>
+              <a:rPr lang="en-US" sz="1600" dirty="0" smtClean="0">
+                <a:latin typeface="Anime Ace 2.0 BB"/>
+                <a:cs typeface="Anime Ace 2.0 BB"/>
+              </a:rPr>
+              <a:t>Maybe you need a clean break?</a:t>
+            </a:r>
+            <a:endParaRPr lang="en-US" sz="1600" dirty="0">
+              <a:latin typeface="Anime Ace 2.0 BB"/>
+              <a:cs typeface="Anime Ace 2.0 BB"/>
+            </a:endParaRPr>
+          </a:p>
+        </p:txBody>
+      </p:sp>
+      <p:sp>
+        <p:nvSpPr>
+          <p:cNvPr id="22" name="Rectangle 21"/>
+          <p:cNvSpPr/>
+          <p:nvPr/>
+        </p:nvSpPr>
+        <p:spPr>
+          <a:xfrm>
+            <a:off x="6670171" y="4050310"/>
+            <a:ext cx="806462" cy="338164"/>
+          </a:xfrm>
+          <a:prstGeom prst="rect">
+            <a:avLst/>
+          </a:prstGeom>
+          <a:solidFill>
+            <a:schemeClr val="bg1">
+              <a:lumMod val="85000"/>
+            </a:schemeClr>
+          </a:solidFill>
+        </p:spPr>
+        <p:style>
+          <a:lnRef idx="2">
+            <a:schemeClr val="dk1"/>
+          </a:lnRef>
+          <a:fillRef idx="1">
+            <a:schemeClr val="lt1"/>
+          </a:fillRef>
+          <a:effectRef idx="0">
+            <a:schemeClr val="dk1"/>
+          </a:effectRef>
+          <a:fontRef idx="minor">
+            <a:schemeClr val="dk1"/>
+          </a:fontRef>
+        </p:style>
+        <p:txBody>
+          <a:bodyPr rtlCol="0" anchor="ctr"/>
+          <a:lstStyle/>
+          <a:p>
+            <a:pPr algn="ctr"/>
+            <a:endParaRPr lang="en-US"/>
+          </a:p>
+        </p:txBody>
+      </p:sp>
+      <p:sp>
+        <p:nvSpPr>
+          <p:cNvPr id="23" name="Parallelogram 22"/>
+          <p:cNvSpPr/>
+          <p:nvPr/>
+        </p:nvSpPr>
+        <p:spPr>
+          <a:xfrm rot="16200000" flipH="1">
+            <a:off x="6089448" y="4326375"/>
+            <a:ext cx="856788" cy="304657"/>
+          </a:xfrm>
+          <a:prstGeom prst="parallelogram">
+            <a:avLst>
+              <a:gd name="adj" fmla="val 168083"/>
+            </a:avLst>
+          </a:prstGeom>
+          <a:solidFill>
+            <a:schemeClr val="bg1">
+              <a:lumMod val="85000"/>
+            </a:schemeClr>
+          </a:solidFill>
+        </p:spPr>
+        <p:style>
+          <a:lnRef idx="2">
+            <a:schemeClr val="dk1"/>
+          </a:lnRef>
+          <a:fillRef idx="1">
+            <a:schemeClr val="lt1"/>
+          </a:fillRef>
+          <a:effectRef idx="0">
+            <a:schemeClr val="dk1"/>
+          </a:effectRef>
+          <a:fontRef idx="minor">
+            <a:schemeClr val="dk1"/>
+          </a:fontRef>
+        </p:style>
+        <p:txBody>
+          <a:bodyPr rtlCol="0" anchor="ctr"/>
+          <a:lstStyle/>
+          <a:p>
+            <a:pPr algn="ctr"/>
+            <a:endParaRPr lang="en-US"/>
+          </a:p>
+        </p:txBody>
+      </p:sp>
+      <p:sp>
+        <p:nvSpPr>
+          <p:cNvPr id="29" name="Parallelogram 28"/>
+          <p:cNvSpPr/>
+          <p:nvPr/>
+        </p:nvSpPr>
+        <p:spPr>
+          <a:xfrm rot="5400000">
+            <a:off x="7200568" y="4326374"/>
+            <a:ext cx="856788" cy="304657"/>
+          </a:xfrm>
+          <a:prstGeom prst="parallelogram">
+            <a:avLst>
+              <a:gd name="adj" fmla="val 168083"/>
+            </a:avLst>
+          </a:prstGeom>
+          <a:solidFill>
+            <a:schemeClr val="bg1">
+              <a:lumMod val="85000"/>
+            </a:schemeClr>
+          </a:solidFill>
+        </p:spPr>
+        <p:style>
+          <a:lnRef idx="2">
+            <a:schemeClr val="dk1"/>
+          </a:lnRef>
+          <a:fillRef idx="1">
+            <a:schemeClr val="lt1"/>
+          </a:fillRef>
+          <a:effectRef idx="0">
+            <a:schemeClr val="dk1"/>
+          </a:effectRef>
+          <a:fontRef idx="minor">
+            <a:schemeClr val="dk1"/>
+          </a:fontRef>
+        </p:style>
+        <p:txBody>
+          <a:bodyPr rtlCol="0" anchor="ctr"/>
+          <a:lstStyle/>
+          <a:p>
+            <a:pPr algn="ctr"/>
+            <a:endParaRPr lang="en-US"/>
+          </a:p>
+        </p:txBody>
+      </p:sp>
+      <p:sp>
+        <p:nvSpPr>
+          <p:cNvPr id="31" name="Freeform 30"/>
+          <p:cNvSpPr/>
+          <p:nvPr/>
+        </p:nvSpPr>
+        <p:spPr>
+          <a:xfrm>
+            <a:off x="6430691" y="4153657"/>
+            <a:ext cx="1284699" cy="597660"/>
+          </a:xfrm>
+          <a:custGeom>
+            <a:avLst/>
+            <a:gdLst>
+              <a:gd name="connsiteX0" fmla="*/ 0 w 1284699"/>
+              <a:gd name="connsiteY0" fmla="*/ 459526 h 598260"/>
+              <a:gd name="connsiteX1" fmla="*/ 85383 w 1284699"/>
+              <a:gd name="connsiteY1" fmla="*/ 352807 h 598260"/>
+              <a:gd name="connsiteX2" fmla="*/ 138747 w 1284699"/>
+              <a:gd name="connsiteY2" fmla="*/ 352807 h 598260"/>
+              <a:gd name="connsiteX3" fmla="*/ 149420 w 1284699"/>
+              <a:gd name="connsiteY3" fmla="*/ 267432 h 598260"/>
+              <a:gd name="connsiteX4" fmla="*/ 202785 w 1284699"/>
+              <a:gd name="connsiteY4" fmla="*/ 224745 h 598260"/>
+              <a:gd name="connsiteX5" fmla="*/ 224131 w 1284699"/>
+              <a:gd name="connsiteY5" fmla="*/ 43323 h 598260"/>
+              <a:gd name="connsiteX6" fmla="*/ 394897 w 1284699"/>
+              <a:gd name="connsiteY6" fmla="*/ 86011 h 598260"/>
+              <a:gd name="connsiteX7" fmla="*/ 501626 w 1284699"/>
+              <a:gd name="connsiteY7" fmla="*/ 636 h 598260"/>
+              <a:gd name="connsiteX8" fmla="*/ 672392 w 1284699"/>
+              <a:gd name="connsiteY8" fmla="*/ 139370 h 598260"/>
+              <a:gd name="connsiteX9" fmla="*/ 875177 w 1284699"/>
+              <a:gd name="connsiteY9" fmla="*/ 64667 h 598260"/>
+              <a:gd name="connsiteX10" fmla="*/ 1024597 w 1284699"/>
+              <a:gd name="connsiteY10" fmla="*/ 96683 h 598260"/>
+              <a:gd name="connsiteX11" fmla="*/ 1099308 w 1284699"/>
+              <a:gd name="connsiteY11" fmla="*/ 182057 h 598260"/>
+              <a:gd name="connsiteX12" fmla="*/ 1131326 w 1284699"/>
+              <a:gd name="connsiteY12" fmla="*/ 310120 h 598260"/>
+              <a:gd name="connsiteX13" fmla="*/ 1227382 w 1284699"/>
+              <a:gd name="connsiteY13" fmla="*/ 299448 h 598260"/>
+              <a:gd name="connsiteX14" fmla="*/ 1280747 w 1284699"/>
+              <a:gd name="connsiteY14" fmla="*/ 470197 h 598260"/>
+              <a:gd name="connsiteX15" fmla="*/ 1280747 w 1284699"/>
+              <a:gd name="connsiteY15" fmla="*/ 598260 h 598260"/>
+              <a:gd name="connsiteX0" fmla="*/ 0 w 1284699"/>
+              <a:gd name="connsiteY0" fmla="*/ 459606 h 598340"/>
+              <a:gd name="connsiteX1" fmla="*/ 85383 w 1284699"/>
+              <a:gd name="connsiteY1" fmla="*/ 352887 h 598340"/>
+              <a:gd name="connsiteX2" fmla="*/ 138747 w 1284699"/>
+              <a:gd name="connsiteY2" fmla="*/ 352887 h 598340"/>
+              <a:gd name="connsiteX3" fmla="*/ 149420 w 1284699"/>
+              <a:gd name="connsiteY3" fmla="*/ 267512 h 598340"/>
+              <a:gd name="connsiteX4" fmla="*/ 202785 w 1284699"/>
+              <a:gd name="connsiteY4" fmla="*/ 224825 h 598340"/>
+              <a:gd name="connsiteX5" fmla="*/ 288169 w 1284699"/>
+              <a:gd name="connsiteY5" fmla="*/ 107434 h 598340"/>
+              <a:gd name="connsiteX6" fmla="*/ 394897 w 1284699"/>
+              <a:gd name="connsiteY6" fmla="*/ 86091 h 598340"/>
+              <a:gd name="connsiteX7" fmla="*/ 501626 w 1284699"/>
+              <a:gd name="connsiteY7" fmla="*/ 716 h 598340"/>
+              <a:gd name="connsiteX8" fmla="*/ 672392 w 1284699"/>
+              <a:gd name="connsiteY8" fmla="*/ 139450 h 598340"/>
+              <a:gd name="connsiteX9" fmla="*/ 875177 w 1284699"/>
+              <a:gd name="connsiteY9" fmla="*/ 64747 h 598340"/>
+              <a:gd name="connsiteX10" fmla="*/ 1024597 w 1284699"/>
+              <a:gd name="connsiteY10" fmla="*/ 96763 h 598340"/>
+              <a:gd name="connsiteX11" fmla="*/ 1099308 w 1284699"/>
+              <a:gd name="connsiteY11" fmla="*/ 182137 h 598340"/>
+              <a:gd name="connsiteX12" fmla="*/ 1131326 w 1284699"/>
+              <a:gd name="connsiteY12" fmla="*/ 310200 h 598340"/>
+              <a:gd name="connsiteX13" fmla="*/ 1227382 w 1284699"/>
+              <a:gd name="connsiteY13" fmla="*/ 299528 h 598340"/>
+              <a:gd name="connsiteX14" fmla="*/ 1280747 w 1284699"/>
+              <a:gd name="connsiteY14" fmla="*/ 470277 h 598340"/>
+              <a:gd name="connsiteX15" fmla="*/ 1280747 w 1284699"/>
+              <a:gd name="connsiteY15" fmla="*/ 598340 h 598340"/>
+              <a:gd name="connsiteX0" fmla="*/ 0 w 1284699"/>
+              <a:gd name="connsiteY0" fmla="*/ 458926 h 597660"/>
+              <a:gd name="connsiteX1" fmla="*/ 85383 w 1284699"/>
+              <a:gd name="connsiteY1" fmla="*/ 352207 h 597660"/>
+              <a:gd name="connsiteX2" fmla="*/ 138747 w 1284699"/>
+              <a:gd name="connsiteY2" fmla="*/ 352207 h 597660"/>
+              <a:gd name="connsiteX3" fmla="*/ 149420 w 1284699"/>
+              <a:gd name="connsiteY3" fmla="*/ 266832 h 597660"/>
+              <a:gd name="connsiteX4" fmla="*/ 202785 w 1284699"/>
+              <a:gd name="connsiteY4" fmla="*/ 224145 h 597660"/>
+              <a:gd name="connsiteX5" fmla="*/ 288169 w 1284699"/>
+              <a:gd name="connsiteY5" fmla="*/ 106754 h 597660"/>
+              <a:gd name="connsiteX6" fmla="*/ 394897 w 1284699"/>
+              <a:gd name="connsiteY6" fmla="*/ 85411 h 597660"/>
+              <a:gd name="connsiteX7" fmla="*/ 501626 w 1284699"/>
+              <a:gd name="connsiteY7" fmla="*/ 36 h 597660"/>
+              <a:gd name="connsiteX8" fmla="*/ 672392 w 1284699"/>
+              <a:gd name="connsiteY8" fmla="*/ 74739 h 597660"/>
+              <a:gd name="connsiteX9" fmla="*/ 875177 w 1284699"/>
+              <a:gd name="connsiteY9" fmla="*/ 64067 h 597660"/>
+              <a:gd name="connsiteX10" fmla="*/ 1024597 w 1284699"/>
+              <a:gd name="connsiteY10" fmla="*/ 96083 h 597660"/>
+              <a:gd name="connsiteX11" fmla="*/ 1099308 w 1284699"/>
+              <a:gd name="connsiteY11" fmla="*/ 181457 h 597660"/>
+              <a:gd name="connsiteX12" fmla="*/ 1131326 w 1284699"/>
+              <a:gd name="connsiteY12" fmla="*/ 309520 h 597660"/>
+              <a:gd name="connsiteX13" fmla="*/ 1227382 w 1284699"/>
+              <a:gd name="connsiteY13" fmla="*/ 298848 h 597660"/>
+              <a:gd name="connsiteX14" fmla="*/ 1280747 w 1284699"/>
+              <a:gd name="connsiteY14" fmla="*/ 469597 h 597660"/>
+              <a:gd name="connsiteX15" fmla="*/ 1280747 w 1284699"/>
+              <a:gd name="connsiteY15" fmla="*/ 597660 h 597660"/>
+            </a:gdLst>
+            <a:ahLst/>
+            <a:cxnLst>
+              <a:cxn ang="0">
+                <a:pos x="connsiteX0" y="connsiteY0"/>
+              </a:cxn>
+              <a:cxn ang="0">
+                <a:pos x="connsiteX1" y="connsiteY1"/>
+              </a:cxn>
+              <a:cxn ang="0">
+                <a:pos x="connsiteX2" y="connsiteY2"/>
+              </a:cxn>
+              <a:cxn ang="0">
+                <a:pos x="connsiteX3" y="connsiteY3"/>
+              </a:cxn>
+              <a:cxn ang="0">
+                <a:pos x="connsiteX4" y="connsiteY4"/>
+              </a:cxn>
+              <a:cxn ang="0">
+                <a:pos x="connsiteX5" y="connsiteY5"/>
+              </a:cxn>
+              <a:cxn ang="0">
+                <a:pos x="connsiteX6" y="connsiteY6"/>
+              </a:cxn>
+              <a:cxn ang="0">
+                <a:pos x="connsiteX7" y="connsiteY7"/>
+              </a:cxn>
+              <a:cxn ang="0">
+                <a:pos x="connsiteX8" y="connsiteY8"/>
+              </a:cxn>
+              <a:cxn ang="0">
+                <a:pos x="connsiteX9" y="connsiteY9"/>
+              </a:cxn>
+              <a:cxn ang="0">
+                <a:pos x="connsiteX10" y="connsiteY10"/>
+              </a:cxn>
+              <a:cxn ang="0">
+                <a:pos x="connsiteX11" y="connsiteY11"/>
+              </a:cxn>
+              <a:cxn ang="0">
+                <a:pos x="connsiteX12" y="connsiteY12"/>
+              </a:cxn>
+              <a:cxn ang="0">
+                <a:pos x="connsiteX13" y="connsiteY13"/>
+              </a:cxn>
+              <a:cxn ang="0">
+                <a:pos x="connsiteX14" y="connsiteY14"/>
+              </a:cxn>
+              <a:cxn ang="0">
+                <a:pos x="connsiteX15" y="connsiteY15"/>
+              </a:cxn>
+            </a:cxnLst>
+            <a:rect l="l" t="t" r="r" b="b"/>
+            <a:pathLst>
+              <a:path w="1284699" h="597660">
+                <a:moveTo>
+                  <a:pt x="0" y="458926"/>
+                </a:moveTo>
+                <a:cubicBezTo>
+                  <a:pt x="31129" y="414459"/>
+                  <a:pt x="62259" y="369993"/>
+                  <a:pt x="85383" y="352207"/>
+                </a:cubicBezTo>
+                <a:cubicBezTo>
+                  <a:pt x="108507" y="334421"/>
+                  <a:pt x="128074" y="366436"/>
+                  <a:pt x="138747" y="352207"/>
+                </a:cubicBezTo>
+                <a:cubicBezTo>
+                  <a:pt x="149420" y="337978"/>
+                  <a:pt x="138747" y="288176"/>
+                  <a:pt x="149420" y="266832"/>
+                </a:cubicBezTo>
+                <a:cubicBezTo>
+                  <a:pt x="160093" y="245488"/>
+                  <a:pt x="179660" y="250825"/>
+                  <a:pt x="202785" y="224145"/>
+                </a:cubicBezTo>
+                <a:cubicBezTo>
+                  <a:pt x="225910" y="197465"/>
+                  <a:pt x="256150" y="129876"/>
+                  <a:pt x="288169" y="106754"/>
+                </a:cubicBezTo>
+                <a:cubicBezTo>
+                  <a:pt x="320188" y="83632"/>
+                  <a:pt x="359321" y="103197"/>
+                  <a:pt x="394897" y="85411"/>
+                </a:cubicBezTo>
+                <a:cubicBezTo>
+                  <a:pt x="430473" y="67625"/>
+                  <a:pt x="455377" y="1815"/>
+                  <a:pt x="501626" y="36"/>
+                </a:cubicBezTo>
+                <a:cubicBezTo>
+                  <a:pt x="547875" y="-1743"/>
+                  <a:pt x="610134" y="64067"/>
+                  <a:pt x="672392" y="74739"/>
+                </a:cubicBezTo>
+                <a:cubicBezTo>
+                  <a:pt x="734650" y="85411"/>
+                  <a:pt x="816476" y="60510"/>
+                  <a:pt x="875177" y="64067"/>
+                </a:cubicBezTo>
+                <a:cubicBezTo>
+                  <a:pt x="933878" y="67624"/>
+                  <a:pt x="987242" y="76518"/>
+                  <a:pt x="1024597" y="96083"/>
+                </a:cubicBezTo>
+                <a:cubicBezTo>
+                  <a:pt x="1061952" y="115648"/>
+                  <a:pt x="1081520" y="145884"/>
+                  <a:pt x="1099308" y="181457"/>
+                </a:cubicBezTo>
+                <a:cubicBezTo>
+                  <a:pt x="1117096" y="217030"/>
+                  <a:pt x="1109980" y="289955"/>
+                  <a:pt x="1131326" y="309520"/>
+                </a:cubicBezTo>
+                <a:cubicBezTo>
+                  <a:pt x="1152672" y="329085"/>
+                  <a:pt x="1202479" y="272169"/>
+                  <a:pt x="1227382" y="298848"/>
+                </a:cubicBezTo>
+                <a:cubicBezTo>
+                  <a:pt x="1252285" y="325527"/>
+                  <a:pt x="1271853" y="419795"/>
+                  <a:pt x="1280747" y="469597"/>
+                </a:cubicBezTo>
+                <a:cubicBezTo>
+                  <a:pt x="1289641" y="519399"/>
+                  <a:pt x="1280747" y="597660"/>
+                  <a:pt x="1280747" y="597660"/>
+                </a:cubicBezTo>
+              </a:path>
+            </a:pathLst>
+          </a:custGeom>
+          <a:solidFill>
+            <a:srgbClr val="FFF5C4"/>
+          </a:solidFill>
+          <a:ln>
+            <a:solidFill>
+              <a:srgbClr val="000000"/>
+            </a:solidFill>
+          </a:ln>
+        </p:spPr>
+        <p:style>
+          <a:lnRef idx="2">
+            <a:schemeClr val="accent1"/>
+          </a:lnRef>
+          <a:fillRef idx="0">
+            <a:schemeClr val="accent1"/>
+          </a:fillRef>
+          <a:effectRef idx="1">
+            <a:schemeClr val="accent1"/>
+          </a:effectRef>
+          <a:fontRef idx="minor">
+            <a:schemeClr val="tx1"/>
+          </a:fontRef>
+        </p:style>
+        <p:txBody>
+          <a:bodyPr rtlCol="0" anchor="ctr"/>
+          <a:lstStyle/>
+          <a:p>
+            <a:pPr algn="ctr"/>
+            <a:endParaRPr lang="en-US"/>
+          </a:p>
+        </p:txBody>
+      </p:sp>
+      <p:sp>
+        <p:nvSpPr>
+          <p:cNvPr id="35" name="Rectangle 34"/>
+          <p:cNvSpPr/>
+          <p:nvPr/>
+        </p:nvSpPr>
+        <p:spPr>
+          <a:xfrm>
+            <a:off x="6365513" y="4569895"/>
+            <a:ext cx="1415778" cy="352172"/>
+          </a:xfrm>
+          <a:prstGeom prst="rect">
+            <a:avLst/>
+          </a:prstGeom>
+        </p:spPr>
+        <p:style>
+          <a:lnRef idx="2">
+            <a:schemeClr val="dk1"/>
+          </a:lnRef>
+          <a:fillRef idx="1">
+            <a:schemeClr val="lt1"/>
+          </a:fillRef>
+          <a:effectRef idx="0">
+            <a:schemeClr val="dk1"/>
+          </a:effectRef>
+          <a:fontRef idx="minor">
+            <a:schemeClr val="dk1"/>
+          </a:fontRef>
+        </p:style>
+        <p:txBody>
+          <a:bodyPr rtlCol="0" anchor="ctr"/>
+          <a:lstStyle/>
+          <a:p>
+            <a:pPr algn="ctr"/>
+            <a:endParaRPr lang="en-US"/>
+          </a:p>
+        </p:txBody>
+      </p:sp>
+      <p:grpSp>
+        <p:nvGrpSpPr>
+          <p:cNvPr id="36" name="Group 35"/>
+          <p:cNvGrpSpPr/>
+          <p:nvPr/>
+        </p:nvGrpSpPr>
+        <p:grpSpPr>
+          <a:xfrm rot="1093235">
+            <a:off x="6986617" y="3703473"/>
+            <a:ext cx="728773" cy="693671"/>
+            <a:chOff x="6269664" y="1056512"/>
+            <a:chExt cx="806462" cy="821734"/>
+          </a:xfrm>
+          <a:solidFill>
+            <a:schemeClr val="accent6">
+              <a:lumMod val="60000"/>
+              <a:lumOff val="40000"/>
+            </a:schemeClr>
+          </a:solidFill>
+        </p:grpSpPr>
+        <p:sp>
+          <p:nvSpPr>
+            <p:cNvPr id="37" name="Trapezoid 36"/>
+            <p:cNvSpPr/>
+            <p:nvPr/>
+          </p:nvSpPr>
+          <p:spPr>
+            <a:xfrm rot="10800000">
+              <a:off x="6269664" y="1184576"/>
+              <a:ext cx="806462" cy="693670"/>
+            </a:xfrm>
+            <a:prstGeom prst="trapezoid">
+              <a:avLst/>
+            </a:prstGeom>
+            <a:grpFill/>
+          </p:spPr>
+          <p:style>
+            <a:lnRef idx="2">
+              <a:schemeClr val="dk1"/>
+            </a:lnRef>
+            <a:fillRef idx="1">
+              <a:schemeClr val="lt1"/>
+            </a:fillRef>
+            <a:effectRef idx="0">
+              <a:schemeClr val="dk1"/>
+            </a:effectRef>
+            <a:fontRef idx="minor">
+              <a:schemeClr val="dk1"/>
+            </a:fontRef>
+          </p:style>
+          <p:txBody>
+            <a:bodyPr rtlCol="0" anchor="ctr"/>
+            <a:lstStyle/>
+            <a:p>
+              <a:pPr algn="ctr"/>
+              <a:endParaRPr lang="en-US"/>
+            </a:p>
+          </p:txBody>
+        </p:sp>
+        <p:sp>
+          <p:nvSpPr>
+            <p:cNvPr id="38" name="Oval 37"/>
+            <p:cNvSpPr/>
+            <p:nvPr/>
+          </p:nvSpPr>
+          <p:spPr>
+            <a:xfrm>
+              <a:off x="6269664" y="1056512"/>
+              <a:ext cx="806462" cy="256125"/>
+            </a:xfrm>
+            <a:prstGeom prst="ellipse">
+              <a:avLst/>
+            </a:prstGeom>
+            <a:grpFill/>
+          </p:spPr>
+          <p:style>
+            <a:lnRef idx="2">
+              <a:schemeClr val="dk1"/>
+            </a:lnRef>
+            <a:fillRef idx="1">
+              <a:schemeClr val="lt1"/>
+            </a:fillRef>
+            <a:effectRef idx="0">
+              <a:schemeClr val="dk1"/>
+            </a:effectRef>
+            <a:fontRef idx="minor">
+              <a:schemeClr val="dk1"/>
+            </a:fontRef>
+          </p:style>
+          <p:txBody>
+            <a:bodyPr rtlCol="0" anchor="ctr"/>
+            <a:lstStyle/>
+            <a:p>
+              <a:pPr algn="ctr"/>
+              <a:endParaRPr lang="en-US"/>
+            </a:p>
+          </p:txBody>
+        </p:sp>
+        <p:sp>
+          <p:nvSpPr>
+            <p:cNvPr id="39" name="Oval 38"/>
+            <p:cNvSpPr/>
+            <p:nvPr/>
+          </p:nvSpPr>
+          <p:spPr>
+            <a:xfrm>
+              <a:off x="6347353" y="1095360"/>
+              <a:ext cx="654062" cy="178429"/>
+            </a:xfrm>
+            <a:prstGeom prst="ellipse">
+              <a:avLst/>
+            </a:prstGeom>
+            <a:solidFill>
+              <a:schemeClr val="accent6">
+                <a:lumMod val="75000"/>
+              </a:schemeClr>
+            </a:solidFill>
+          </p:spPr>
+          <p:style>
+            <a:lnRef idx="2">
+              <a:schemeClr val="dk1"/>
+            </a:lnRef>
+            <a:fillRef idx="1">
+              <a:schemeClr val="lt1"/>
+            </a:fillRef>
+            <a:effectRef idx="0">
+              <a:schemeClr val="dk1"/>
+            </a:effectRef>
+            <a:fontRef idx="minor">
+              <a:schemeClr val="dk1"/>
+            </a:fontRef>
+          </p:style>
+          <p:txBody>
+            <a:bodyPr rtlCol="0" anchor="ctr"/>
+            <a:lstStyle/>
+            <a:p>
+              <a:pPr algn="ctr"/>
+              <a:endParaRPr lang="en-US"/>
+            </a:p>
+          </p:txBody>
+        </p:sp>
+      </p:grpSp>
+      <p:sp>
+        <p:nvSpPr>
+          <p:cNvPr id="40" name="Freeform 39"/>
+          <p:cNvSpPr/>
+          <p:nvPr/>
+        </p:nvSpPr>
+        <p:spPr>
+          <a:xfrm>
+            <a:off x="6942990" y="4270685"/>
+            <a:ext cx="576336" cy="203163"/>
+          </a:xfrm>
+          <a:custGeom>
+            <a:avLst/>
+            <a:gdLst>
+              <a:gd name="connsiteX0" fmla="*/ 0 w 576336"/>
+              <a:gd name="connsiteY0" fmla="*/ 117789 h 203163"/>
+              <a:gd name="connsiteX1" fmla="*/ 53364 w 576336"/>
+              <a:gd name="connsiteY1" fmla="*/ 43086 h 203163"/>
+              <a:gd name="connsiteX2" fmla="*/ 160093 w 576336"/>
+              <a:gd name="connsiteY2" fmla="*/ 398 h 203163"/>
+              <a:gd name="connsiteX3" fmla="*/ 202785 w 576336"/>
+              <a:gd name="connsiteY3" fmla="*/ 21742 h 203163"/>
+              <a:gd name="connsiteX4" fmla="*/ 266822 w 576336"/>
+              <a:gd name="connsiteY4" fmla="*/ 21742 h 203163"/>
+              <a:gd name="connsiteX5" fmla="*/ 320186 w 576336"/>
+              <a:gd name="connsiteY5" fmla="*/ 64429 h 203163"/>
+              <a:gd name="connsiteX6" fmla="*/ 448261 w 576336"/>
+              <a:gd name="connsiteY6" fmla="*/ 43086 h 203163"/>
+              <a:gd name="connsiteX7" fmla="*/ 533644 w 576336"/>
+              <a:gd name="connsiteY7" fmla="*/ 139132 h 203163"/>
+              <a:gd name="connsiteX8" fmla="*/ 576336 w 576336"/>
+              <a:gd name="connsiteY8" fmla="*/ 203163 h 203163"/>
+            </a:gdLst>
+            <a:ahLst/>
+            <a:cxnLst>
+              <a:cxn ang="0">
+                <a:pos x="connsiteX0" y="connsiteY0"/>
+              </a:cxn>
+              <a:cxn ang="0">
+                <a:pos x="connsiteX1" y="connsiteY1"/>
+              </a:cxn>
+              <a:cxn ang="0">
+                <a:pos x="connsiteX2" y="connsiteY2"/>
+              </a:cxn>
+              <a:cxn ang="0">
+                <a:pos x="connsiteX3" y="connsiteY3"/>
+              </a:cxn>
+              <a:cxn ang="0">
+                <a:pos x="connsiteX4" y="connsiteY4"/>
+              </a:cxn>
+              <a:cxn ang="0">
+                <a:pos x="connsiteX5" y="connsiteY5"/>
+              </a:cxn>
+              <a:cxn ang="0">
+                <a:pos x="connsiteX6" y="connsiteY6"/>
+              </a:cxn>
+              <a:cxn ang="0">
+                <a:pos x="connsiteX7" y="connsiteY7"/>
+              </a:cxn>
+              <a:cxn ang="0">
+                <a:pos x="connsiteX8" y="connsiteY8"/>
+              </a:cxn>
+            </a:cxnLst>
+            <a:rect l="l" t="t" r="r" b="b"/>
+            <a:pathLst>
+              <a:path w="576336" h="203163">
+                <a:moveTo>
+                  <a:pt x="0" y="117789"/>
+                </a:moveTo>
+                <a:cubicBezTo>
+                  <a:pt x="13341" y="90220"/>
+                  <a:pt x="26682" y="62651"/>
+                  <a:pt x="53364" y="43086"/>
+                </a:cubicBezTo>
+                <a:cubicBezTo>
+                  <a:pt x="80046" y="23521"/>
+                  <a:pt x="135190" y="3955"/>
+                  <a:pt x="160093" y="398"/>
+                </a:cubicBezTo>
+                <a:cubicBezTo>
+                  <a:pt x="184996" y="-3159"/>
+                  <a:pt x="184997" y="18185"/>
+                  <a:pt x="202785" y="21742"/>
+                </a:cubicBezTo>
+                <a:cubicBezTo>
+                  <a:pt x="220573" y="25299"/>
+                  <a:pt x="247255" y="14627"/>
+                  <a:pt x="266822" y="21742"/>
+                </a:cubicBezTo>
+                <a:cubicBezTo>
+                  <a:pt x="286389" y="28856"/>
+                  <a:pt x="289946" y="60872"/>
+                  <a:pt x="320186" y="64429"/>
+                </a:cubicBezTo>
+                <a:cubicBezTo>
+                  <a:pt x="350426" y="67986"/>
+                  <a:pt x="412685" y="30636"/>
+                  <a:pt x="448261" y="43086"/>
+                </a:cubicBezTo>
+                <a:cubicBezTo>
+                  <a:pt x="483837" y="55536"/>
+                  <a:pt x="512298" y="112453"/>
+                  <a:pt x="533644" y="139132"/>
+                </a:cubicBezTo>
+                <a:cubicBezTo>
+                  <a:pt x="554990" y="165811"/>
+                  <a:pt x="576336" y="203163"/>
+                  <a:pt x="576336" y="203163"/>
+                </a:cubicBezTo>
+              </a:path>
+            </a:pathLst>
+          </a:custGeom>
+          <a:solidFill>
+            <a:srgbClr val="FFF5C4"/>
+          </a:solidFill>
+          <a:ln>
+            <a:solidFill>
+              <a:srgbClr val="000000"/>
+            </a:solidFill>
+          </a:ln>
+          <a:effectLst/>
+        </p:spPr>
+        <p:style>
+          <a:lnRef idx="2">
+            <a:schemeClr val="accent1"/>
+          </a:lnRef>
+          <a:fillRef idx="0">
+            <a:schemeClr val="accent1"/>
+          </a:fillRef>
+          <a:effectRef idx="1">
+            <a:schemeClr val="accent1"/>
+          </a:effectRef>
+          <a:fontRef idx="minor">
+            <a:schemeClr val="tx1"/>
+          </a:fontRef>
+        </p:style>
+        <p:txBody>
+          <a:bodyPr rtlCol="0" anchor="ctr"/>
+          <a:lstStyle/>
+          <a:p>
+            <a:pPr algn="ctr"/>
+            <a:endParaRPr lang="en-US"/>
+          </a:p>
+        </p:txBody>
+      </p:sp>
+    </p:spTree>
+    <p:extLst>
+      <p:ext uri="{BB962C8B-B14F-4D97-AF65-F5344CB8AC3E}">
+        <p14:creationId xmlns:p14="http://schemas.microsoft.com/office/powerpoint/2010/main" val="54324225"/>
+      </p:ext>
+    </p:extLst>
+  </p:cSld>
+  <p:clrMapOvr>
+    <a:masterClrMapping/>
+  </p:clrMapOvr>
+</p:sld>
+</file>
+
+<file path=ppt/slides/slide64.xml><?xml version="1.0" encoding="utf-8"?>
+<p:sld xmlns:a="http://schemas.openxmlformats.org/drawingml/2006/main" xmlns:r="http://schemas.openxmlformats.org/officeDocument/2006/relationships" xmlns:p="http://schemas.openxmlformats.org/presentationml/2006/main">
+  <p:cSld>
+    <p:spTree>
+      <p:nvGrpSpPr>
+        <p:cNvPr id="1" name=""/>
+        <p:cNvGrpSpPr/>
+        <p:nvPr/>
+      </p:nvGrpSpPr>
+      <p:grpSpPr>
+        <a:xfrm>
+          <a:off x="0" y="0"/>
+          <a:ext cx="0" cy="0"/>
+          <a:chOff x="0" y="0"/>
+          <a:chExt cx="0" cy="0"/>
+        </a:xfrm>
+      </p:grpSpPr>
+      <p:sp>
+        <p:nvSpPr>
+          <p:cNvPr id="2" name="Rectangle 1"/>
+          <p:cNvSpPr/>
+          <p:nvPr/>
+        </p:nvSpPr>
+        <p:spPr>
+          <a:xfrm>
+            <a:off x="1353317" y="3987270"/>
+            <a:ext cx="6454282" cy="72874"/>
+          </a:xfrm>
+          <a:prstGeom prst="rect">
+            <a:avLst/>
+          </a:prstGeom>
+        </p:spPr>
+        <p:style>
+          <a:lnRef idx="2">
+            <a:schemeClr val="dk1"/>
+          </a:lnRef>
+          <a:fillRef idx="1">
+            <a:schemeClr val="lt1"/>
+          </a:fillRef>
+          <a:effectRef idx="0">
+            <a:schemeClr val="dk1"/>
+          </a:effectRef>
+          <a:fontRef idx="minor">
+            <a:schemeClr val="dk1"/>
+          </a:fontRef>
+        </p:style>
+        <p:txBody>
+          <a:bodyPr rtlCol="0" anchor="ctr"/>
+          <a:lstStyle/>
+          <a:p>
+            <a:pPr algn="ctr"/>
+            <a:endParaRPr lang="en-US"/>
+          </a:p>
+        </p:txBody>
+      </p:sp>
+      <p:sp>
+        <p:nvSpPr>
+          <p:cNvPr id="3" name="Isosceles Triangle 2"/>
+          <p:cNvSpPr/>
+          <p:nvPr/>
+        </p:nvSpPr>
+        <p:spPr>
+          <a:xfrm>
+            <a:off x="4174463" y="4060144"/>
+            <a:ext cx="811990" cy="593406"/>
+          </a:xfrm>
+          <a:prstGeom prst="triangle">
+            <a:avLst/>
+          </a:prstGeom>
+        </p:spPr>
+        <p:style>
+          <a:lnRef idx="2">
+            <a:schemeClr val="dk1"/>
+          </a:lnRef>
+          <a:fillRef idx="1">
+            <a:schemeClr val="lt1"/>
+          </a:fillRef>
+          <a:effectRef idx="0">
+            <a:schemeClr val="dk1"/>
+          </a:effectRef>
+          <a:fontRef idx="minor">
+            <a:schemeClr val="dk1"/>
+          </a:fontRef>
+        </p:style>
+        <p:txBody>
+          <a:bodyPr rtlCol="0" anchor="ctr"/>
+          <a:lstStyle/>
+          <a:p>
+            <a:pPr algn="ctr"/>
+            <a:endParaRPr lang="en-US"/>
+          </a:p>
+        </p:txBody>
+      </p:sp>
+      <p:sp>
+        <p:nvSpPr>
+          <p:cNvPr id="4" name="TextBox 3"/>
+          <p:cNvSpPr txBox="1"/>
+          <p:nvPr/>
+        </p:nvSpPr>
+        <p:spPr>
+          <a:xfrm>
+            <a:off x="1353317" y="4653550"/>
+            <a:ext cx="2572693" cy="461665"/>
+          </a:xfrm>
+          <a:prstGeom prst="rect">
+            <a:avLst/>
+          </a:prstGeom>
+          <a:noFill/>
+        </p:spPr>
+        <p:txBody>
+          <a:bodyPr wrap="square" rtlCol="0">
+            <a:spAutoFit/>
+          </a:bodyPr>
+          <a:lstStyle/>
+          <a:p>
+            <a:r>
+              <a:rPr lang="en-US" sz="1200" dirty="0" smtClean="0">
+                <a:latin typeface="Anime Ace 2.0 BB"/>
+                <a:cs typeface="Anime Ace 2.0 BB"/>
+              </a:rPr>
+              <a:t>Keep it in a</a:t>
+            </a:r>
+            <a:br>
+              <a:rPr lang="en-US" sz="1200" dirty="0" smtClean="0">
+                <a:latin typeface="Anime Ace 2.0 BB"/>
+                <a:cs typeface="Anime Ace 2.0 BB"/>
+              </a:rPr>
+            </a:br>
+            <a:r>
+              <a:rPr lang="en-US" sz="1200" dirty="0" smtClean="0">
+                <a:latin typeface="Anime Ace 2.0 BB"/>
+                <a:cs typeface="Anime Ace 2.0 BB"/>
+              </a:rPr>
+              <a:t>sandbox</a:t>
+            </a:r>
+            <a:endParaRPr lang="en-US" sz="1200" dirty="0">
+              <a:latin typeface="Anime Ace 2.0 BB"/>
+              <a:cs typeface="Anime Ace 2.0 BB"/>
+            </a:endParaRPr>
+          </a:p>
+        </p:txBody>
+      </p:sp>
+      <p:sp>
+        <p:nvSpPr>
+          <p:cNvPr id="5" name="TextBox 4"/>
+          <p:cNvSpPr txBox="1"/>
+          <p:nvPr/>
+        </p:nvSpPr>
+        <p:spPr>
+          <a:xfrm>
+            <a:off x="5694344" y="4653550"/>
+            <a:ext cx="2113255" cy="461665"/>
+          </a:xfrm>
+          <a:prstGeom prst="rect">
+            <a:avLst/>
+          </a:prstGeom>
+          <a:noFill/>
+        </p:spPr>
+        <p:txBody>
+          <a:bodyPr wrap="square" rtlCol="0">
+            <a:spAutoFit/>
+          </a:bodyPr>
+          <a:lstStyle/>
+          <a:p>
+            <a:pPr algn="r"/>
+            <a:r>
+              <a:rPr lang="en-US" sz="1200" dirty="0" smtClean="0">
+                <a:latin typeface="Anime Ace 2.0 BB"/>
+                <a:cs typeface="Anime Ace 2.0 BB"/>
+              </a:rPr>
+              <a:t>Start a Project branch</a:t>
+            </a:r>
+            <a:endParaRPr lang="en-US" sz="1200" dirty="0">
+              <a:latin typeface="Anime Ace 2.0 BB"/>
+              <a:cs typeface="Anime Ace 2.0 BB"/>
+            </a:endParaRPr>
+          </a:p>
+        </p:txBody>
+      </p:sp>
+      <p:sp>
+        <p:nvSpPr>
+          <p:cNvPr id="6" name="Rounded Rectangle 5"/>
+          <p:cNvSpPr/>
+          <p:nvPr/>
+        </p:nvSpPr>
+        <p:spPr>
+          <a:xfrm>
+            <a:off x="1353317" y="3211678"/>
+            <a:ext cx="1717672" cy="676691"/>
+          </a:xfrm>
+          <a:prstGeom prst="roundRect">
+            <a:avLst/>
+          </a:prstGeom>
+          <a:effectLst/>
+        </p:spPr>
+        <p:style>
+          <a:lnRef idx="2">
+            <a:schemeClr val="dk1"/>
+          </a:lnRef>
+          <a:fillRef idx="1">
+            <a:schemeClr val="lt1"/>
+          </a:fillRef>
+          <a:effectRef idx="0">
+            <a:schemeClr val="dk1"/>
+          </a:effectRef>
+          <a:fontRef idx="minor">
+            <a:schemeClr val="dk1"/>
+          </a:fontRef>
+        </p:style>
+        <p:txBody>
+          <a:bodyPr rtlCol="0" anchor="ctr"/>
+          <a:lstStyle/>
+          <a:p>
+            <a:pPr algn="ctr"/>
+            <a:r>
+              <a:rPr lang="en-US" sz="1400" dirty="0" err="1" smtClean="0">
+                <a:latin typeface="Anime Ace 2.0 BB"/>
+                <a:cs typeface="Anime Ace 2.0 BB"/>
+              </a:rPr>
+              <a:t>Git</a:t>
+            </a:r>
+            <a:r>
+              <a:rPr lang="en-US" sz="1400" dirty="0" smtClean="0">
+                <a:latin typeface="Anime Ace 2.0 BB"/>
+                <a:cs typeface="Anime Ace 2.0 BB"/>
+              </a:rPr>
+              <a:t> Log pollution</a:t>
+            </a:r>
+            <a:endParaRPr lang="en-US" sz="1400" dirty="0">
+              <a:latin typeface="Anime Ace 2.0 BB"/>
+              <a:cs typeface="Anime Ace 2.0 BB"/>
+            </a:endParaRPr>
+          </a:p>
+        </p:txBody>
+      </p:sp>
+      <p:sp>
+        <p:nvSpPr>
+          <p:cNvPr id="7" name="Rounded Rectangle 6"/>
+          <p:cNvSpPr/>
+          <p:nvPr/>
+        </p:nvSpPr>
+        <p:spPr>
+          <a:xfrm>
+            <a:off x="6287719" y="3215438"/>
+            <a:ext cx="1519880" cy="676691"/>
+          </a:xfrm>
+          <a:prstGeom prst="roundRect">
+            <a:avLst/>
+          </a:prstGeom>
+          <a:effectLst/>
+        </p:spPr>
+        <p:style>
+          <a:lnRef idx="2">
+            <a:schemeClr val="dk1"/>
+          </a:lnRef>
+          <a:fillRef idx="1">
+            <a:schemeClr val="lt1"/>
+          </a:fillRef>
+          <a:effectRef idx="0">
+            <a:schemeClr val="dk1"/>
+          </a:effectRef>
+          <a:fontRef idx="minor">
+            <a:schemeClr val="dk1"/>
+          </a:fontRef>
+        </p:style>
+        <p:txBody>
+          <a:bodyPr rtlCol="0" anchor="ctr"/>
+          <a:lstStyle/>
+          <a:p>
+            <a:pPr algn="ctr"/>
+            <a:r>
+              <a:rPr lang="en-US" sz="1400" dirty="0" smtClean="0">
+                <a:latin typeface="Anime Ace 2.0 BB"/>
+                <a:cs typeface="Anime Ace 2.0 BB"/>
+              </a:rPr>
+              <a:t>Visibility</a:t>
+            </a:r>
+            <a:endParaRPr lang="en-US" sz="1400" dirty="0">
+              <a:latin typeface="Anime Ace 2.0 BB"/>
+              <a:cs typeface="Anime Ace 2.0 BB"/>
+            </a:endParaRPr>
+          </a:p>
+        </p:txBody>
+      </p:sp>
+      <p:sp>
+        <p:nvSpPr>
+          <p:cNvPr id="8" name="Rounded Rectangle 7"/>
+          <p:cNvSpPr/>
+          <p:nvPr/>
+        </p:nvSpPr>
+        <p:spPr>
+          <a:xfrm>
+            <a:off x="1353317" y="2437533"/>
+            <a:ext cx="1717672" cy="676691"/>
+          </a:xfrm>
+          <a:prstGeom prst="roundRect">
+            <a:avLst/>
+          </a:prstGeom>
+          <a:effectLst/>
+        </p:spPr>
+        <p:style>
+          <a:lnRef idx="2">
+            <a:schemeClr val="dk1"/>
+          </a:lnRef>
+          <a:fillRef idx="1">
+            <a:schemeClr val="lt1"/>
+          </a:fillRef>
+          <a:effectRef idx="0">
+            <a:schemeClr val="dk1"/>
+          </a:effectRef>
+          <a:fontRef idx="minor">
+            <a:schemeClr val="dk1"/>
+          </a:fontRef>
+        </p:style>
+        <p:txBody>
+          <a:bodyPr rtlCol="0" anchor="ctr"/>
+          <a:lstStyle/>
+          <a:p>
+            <a:pPr algn="ctr"/>
+            <a:r>
+              <a:rPr lang="en-US" sz="1400" dirty="0" smtClean="0">
+                <a:latin typeface="Anime Ace 2.0 BB"/>
+                <a:cs typeface="Anime Ace 2.0 BB"/>
+              </a:rPr>
+              <a:t>Issue queue noise</a:t>
+            </a:r>
+            <a:endParaRPr lang="en-US" sz="1400" dirty="0">
+              <a:latin typeface="Anime Ace 2.0 BB"/>
+              <a:cs typeface="Anime Ace 2.0 BB"/>
+            </a:endParaRPr>
+          </a:p>
+        </p:txBody>
+      </p:sp>
+      <p:sp>
+        <p:nvSpPr>
+          <p:cNvPr id="9" name="Rounded Rectangle 8"/>
+          <p:cNvSpPr/>
+          <p:nvPr/>
+        </p:nvSpPr>
+        <p:spPr>
+          <a:xfrm>
+            <a:off x="6287719" y="2421917"/>
+            <a:ext cx="1519880" cy="676691"/>
+          </a:xfrm>
+          <a:prstGeom prst="roundRect">
+            <a:avLst/>
+          </a:prstGeom>
+          <a:effectLst/>
+        </p:spPr>
+        <p:style>
+          <a:lnRef idx="2">
+            <a:schemeClr val="dk1"/>
+          </a:lnRef>
+          <a:fillRef idx="1">
+            <a:schemeClr val="lt1"/>
+          </a:fillRef>
+          <a:effectRef idx="0">
+            <a:schemeClr val="dk1"/>
+          </a:effectRef>
+          <a:fontRef idx="minor">
+            <a:schemeClr val="dk1"/>
+          </a:fontRef>
+        </p:style>
+        <p:txBody>
+          <a:bodyPr rtlCol="0" anchor="ctr"/>
+          <a:lstStyle/>
+          <a:p>
+            <a:pPr algn="ctr"/>
+            <a:r>
+              <a:rPr lang="en-US" sz="1400" dirty="0" smtClean="0">
+                <a:latin typeface="Anime Ace 2.0 BB"/>
+                <a:cs typeface="Anime Ace 2.0 BB"/>
+              </a:rPr>
+              <a:t>Leverage Community</a:t>
+            </a:r>
+            <a:endParaRPr lang="en-US" sz="1400" dirty="0">
+              <a:latin typeface="Anime Ace 2.0 BB"/>
+              <a:cs typeface="Anime Ace 2.0 BB"/>
+            </a:endParaRPr>
+          </a:p>
+        </p:txBody>
+      </p:sp>
+      <p:sp>
+        <p:nvSpPr>
+          <p:cNvPr id="11" name="Rectangle 10"/>
+          <p:cNvSpPr/>
+          <p:nvPr/>
+        </p:nvSpPr>
+        <p:spPr>
+          <a:xfrm>
+            <a:off x="0" y="1613647"/>
+            <a:ext cx="9144000" cy="3591666"/>
+          </a:xfrm>
+          <a:prstGeom prst="rect">
+            <a:avLst/>
+          </a:prstGeom>
+          <a:noFill/>
+          <a:ln>
+            <a:noFill/>
+          </a:ln>
+          <a:effectLst/>
+        </p:spPr>
+        <p:style>
+          <a:lnRef idx="2">
+            <a:schemeClr val="dk1"/>
+          </a:lnRef>
+          <a:fillRef idx="1">
+            <a:schemeClr val="lt1"/>
+          </a:fillRef>
+          <a:effectRef idx="0">
+            <a:schemeClr val="dk1"/>
+          </a:effectRef>
+          <a:fontRef idx="minor">
+            <a:schemeClr val="dk1"/>
+          </a:fontRef>
+        </p:style>
+        <p:txBody>
+          <a:bodyPr rtlCol="0" anchor="ctr"/>
+          <a:lstStyle/>
+          <a:p>
+            <a:pPr algn="ctr"/>
+            <a:endParaRPr lang="en-US"/>
+          </a:p>
+        </p:txBody>
+      </p:sp>
+    </p:spTree>
+    <p:extLst>
+      <p:ext uri="{BB962C8B-B14F-4D97-AF65-F5344CB8AC3E}">
+        <p14:creationId xmlns:p14="http://schemas.microsoft.com/office/powerpoint/2010/main" val="2553281586"/>
+      </p:ext>
+    </p:extLst>
+  </p:cSld>
+  <p:clrMapOvr>
+    <a:masterClrMapping/>
+  </p:clrMapOvr>
+</p:sld>
+</file>
+
+<file path=ppt/slides/slide65.xml><?xml version="1.0" encoding="utf-8"?>
+<p:sld xmlns:a="http://schemas.openxmlformats.org/drawingml/2006/main" xmlns:r="http://schemas.openxmlformats.org/officeDocument/2006/relationships" xmlns:p="http://schemas.openxmlformats.org/presentationml/2006/main">
+  <p:cSld>
+    <p:spTree>
+      <p:nvGrpSpPr>
+        <p:cNvPr id="1" name=""/>
+        <p:cNvGrpSpPr/>
+        <p:nvPr/>
+      </p:nvGrpSpPr>
+      <p:grpSpPr>
+        <a:xfrm>
+          <a:off x="0" y="0"/>
+          <a:ext cx="0" cy="0"/>
+          <a:chOff x="0" y="0"/>
+          <a:chExt cx="0" cy="0"/>
+        </a:xfrm>
+      </p:grpSpPr>
+      <p:sp>
+        <p:nvSpPr>
+          <p:cNvPr id="3" name="Isosceles Triangle 2"/>
+          <p:cNvSpPr/>
+          <p:nvPr/>
+        </p:nvSpPr>
+        <p:spPr>
+          <a:xfrm>
+            <a:off x="5475729" y="4060144"/>
+            <a:ext cx="811990" cy="593406"/>
+          </a:xfrm>
+          <a:prstGeom prst="triangle">
+            <a:avLst/>
+          </a:prstGeom>
+        </p:spPr>
+        <p:style>
+          <a:lnRef idx="2">
+            <a:schemeClr val="dk1"/>
+          </a:lnRef>
+          <a:fillRef idx="1">
+            <a:schemeClr val="lt1"/>
+          </a:fillRef>
+          <a:effectRef idx="0">
+            <a:schemeClr val="dk1"/>
+          </a:effectRef>
+          <a:fontRef idx="minor">
+            <a:schemeClr val="dk1"/>
+          </a:fontRef>
+        </p:style>
+        <p:txBody>
+          <a:bodyPr rtlCol="0" anchor="ctr"/>
+          <a:lstStyle/>
+          <a:p>
+            <a:pPr algn="ctr"/>
+            <a:endParaRPr lang="en-US"/>
+          </a:p>
+        </p:txBody>
+      </p:sp>
+      <p:sp>
+        <p:nvSpPr>
+          <p:cNvPr id="4" name="TextBox 3"/>
+          <p:cNvSpPr txBox="1"/>
+          <p:nvPr/>
+        </p:nvSpPr>
+        <p:spPr>
+          <a:xfrm>
+            <a:off x="1353317" y="4653550"/>
+            <a:ext cx="2572693" cy="461665"/>
+          </a:xfrm>
+          <a:prstGeom prst="rect">
+            <a:avLst/>
+          </a:prstGeom>
+          <a:noFill/>
+        </p:spPr>
+        <p:txBody>
+          <a:bodyPr wrap="square" rtlCol="0">
+            <a:spAutoFit/>
+          </a:bodyPr>
+          <a:lstStyle/>
+          <a:p>
+            <a:r>
+              <a:rPr lang="en-US" sz="1200" dirty="0" smtClean="0">
+                <a:latin typeface="Anime Ace 2.0 BB"/>
+                <a:cs typeface="Anime Ace 2.0 BB"/>
+              </a:rPr>
+              <a:t>Keep it in a</a:t>
+            </a:r>
+            <a:br>
+              <a:rPr lang="en-US" sz="1200" dirty="0" smtClean="0">
+                <a:latin typeface="Anime Ace 2.0 BB"/>
+                <a:cs typeface="Anime Ace 2.0 BB"/>
+              </a:rPr>
+            </a:br>
+            <a:r>
+              <a:rPr lang="en-US" sz="1200" dirty="0" smtClean="0">
+                <a:latin typeface="Anime Ace 2.0 BB"/>
+                <a:cs typeface="Anime Ace 2.0 BB"/>
+              </a:rPr>
+              <a:t>sandbox</a:t>
+            </a:r>
+            <a:endParaRPr lang="en-US" sz="1200" dirty="0">
+              <a:latin typeface="Anime Ace 2.0 BB"/>
+              <a:cs typeface="Anime Ace 2.0 BB"/>
+            </a:endParaRPr>
+          </a:p>
+        </p:txBody>
+      </p:sp>
+      <p:sp>
+        <p:nvSpPr>
+          <p:cNvPr id="5" name="TextBox 4"/>
+          <p:cNvSpPr txBox="1"/>
+          <p:nvPr/>
+        </p:nvSpPr>
+        <p:spPr>
+          <a:xfrm>
+            <a:off x="5694344" y="4653550"/>
+            <a:ext cx="2113255" cy="461665"/>
+          </a:xfrm>
+          <a:prstGeom prst="rect">
+            <a:avLst/>
+          </a:prstGeom>
+          <a:noFill/>
+        </p:spPr>
+        <p:txBody>
+          <a:bodyPr wrap="square" rtlCol="0">
+            <a:spAutoFit/>
+          </a:bodyPr>
+          <a:lstStyle/>
+          <a:p>
+            <a:pPr algn="r"/>
+            <a:r>
+              <a:rPr lang="en-US" sz="1200" dirty="0" smtClean="0">
+                <a:latin typeface="Anime Ace 2.0 BB"/>
+                <a:cs typeface="Anime Ace 2.0 BB"/>
+              </a:rPr>
+              <a:t>Start a Project branch</a:t>
+            </a:r>
+            <a:endParaRPr lang="en-US" sz="1200" dirty="0">
+              <a:latin typeface="Anime Ace 2.0 BB"/>
+              <a:cs typeface="Anime Ace 2.0 BB"/>
+            </a:endParaRPr>
+          </a:p>
+        </p:txBody>
+      </p:sp>
+      <p:grpSp>
+        <p:nvGrpSpPr>
+          <p:cNvPr id="11" name="Group 10"/>
+          <p:cNvGrpSpPr/>
+          <p:nvPr/>
+        </p:nvGrpSpPr>
+        <p:grpSpPr>
+          <a:xfrm rot="21239400">
+            <a:off x="1353317" y="2536438"/>
+            <a:ext cx="6454282" cy="1638227"/>
+            <a:chOff x="1353317" y="2421917"/>
+            <a:chExt cx="6454282" cy="1638227"/>
+          </a:xfrm>
+        </p:grpSpPr>
+        <p:sp>
+          <p:nvSpPr>
+            <p:cNvPr id="2" name="Rectangle 1"/>
+            <p:cNvSpPr/>
+            <p:nvPr/>
+          </p:nvSpPr>
+          <p:spPr>
+            <a:xfrm>
+              <a:off x="1353317" y="3987270"/>
+              <a:ext cx="6454282" cy="72874"/>
+            </a:xfrm>
+            <a:prstGeom prst="rect">
+              <a:avLst/>
+            </a:prstGeom>
+          </p:spPr>
+          <p:style>
+            <a:lnRef idx="2">
+              <a:schemeClr val="dk1"/>
+            </a:lnRef>
+            <a:fillRef idx="1">
+              <a:schemeClr val="lt1"/>
+            </a:fillRef>
+            <a:effectRef idx="0">
+              <a:schemeClr val="dk1"/>
+            </a:effectRef>
+            <a:fontRef idx="minor">
+              <a:schemeClr val="dk1"/>
+            </a:fontRef>
+          </p:style>
+          <p:txBody>
+            <a:bodyPr rtlCol="0" anchor="ctr"/>
+            <a:lstStyle/>
+            <a:p>
+              <a:pPr algn="ctr"/>
+              <a:endParaRPr lang="en-US"/>
+            </a:p>
+          </p:txBody>
+        </p:sp>
+        <p:sp>
+          <p:nvSpPr>
+            <p:cNvPr id="6" name="Rounded Rectangle 5"/>
+            <p:cNvSpPr/>
+            <p:nvPr/>
+          </p:nvSpPr>
+          <p:spPr>
+            <a:xfrm>
+              <a:off x="1353317" y="3211678"/>
+              <a:ext cx="1717672" cy="676691"/>
+            </a:xfrm>
+            <a:prstGeom prst="roundRect">
+              <a:avLst/>
+            </a:prstGeom>
+            <a:effectLst/>
+          </p:spPr>
+          <p:style>
+            <a:lnRef idx="2">
+              <a:schemeClr val="dk1"/>
+            </a:lnRef>
+            <a:fillRef idx="1">
+              <a:schemeClr val="lt1"/>
+            </a:fillRef>
+            <a:effectRef idx="0">
+              <a:schemeClr val="dk1"/>
+            </a:effectRef>
+            <a:fontRef idx="minor">
+              <a:schemeClr val="dk1"/>
+            </a:fontRef>
+          </p:style>
+          <p:txBody>
+            <a:bodyPr rtlCol="0" anchor="ctr"/>
+            <a:lstStyle/>
+            <a:p>
+              <a:pPr algn="ctr"/>
+              <a:r>
+                <a:rPr lang="en-US" sz="1400" dirty="0" err="1" smtClean="0">
+                  <a:latin typeface="Anime Ace 2.0 BB"/>
+                  <a:cs typeface="Anime Ace 2.0 BB"/>
+                </a:rPr>
+                <a:t>Git</a:t>
+              </a:r>
+              <a:r>
+                <a:rPr lang="en-US" sz="1400" dirty="0" smtClean="0">
+                  <a:latin typeface="Anime Ace 2.0 BB"/>
+                  <a:cs typeface="Anime Ace 2.0 BB"/>
+                </a:rPr>
+                <a:t> Log pollution</a:t>
+              </a:r>
+              <a:endParaRPr lang="en-US" sz="1400" dirty="0">
+                <a:latin typeface="Anime Ace 2.0 BB"/>
+                <a:cs typeface="Anime Ace 2.0 BB"/>
+              </a:endParaRPr>
+            </a:p>
+          </p:txBody>
+        </p:sp>
+        <p:sp>
+          <p:nvSpPr>
+            <p:cNvPr id="7" name="Rounded Rectangle 6"/>
+            <p:cNvSpPr/>
+            <p:nvPr/>
+          </p:nvSpPr>
+          <p:spPr>
+            <a:xfrm>
+              <a:off x="6287719" y="3215438"/>
+              <a:ext cx="1519880" cy="676691"/>
+            </a:xfrm>
+            <a:prstGeom prst="roundRect">
+              <a:avLst/>
+            </a:prstGeom>
+            <a:effectLst/>
+          </p:spPr>
+          <p:style>
+            <a:lnRef idx="2">
+              <a:schemeClr val="dk1"/>
+            </a:lnRef>
+            <a:fillRef idx="1">
+              <a:schemeClr val="lt1"/>
+            </a:fillRef>
+            <a:effectRef idx="0">
+              <a:schemeClr val="dk1"/>
+            </a:effectRef>
+            <a:fontRef idx="minor">
+              <a:schemeClr val="dk1"/>
+            </a:fontRef>
+          </p:style>
+          <p:txBody>
+            <a:bodyPr rtlCol="0" anchor="ctr"/>
+            <a:lstStyle/>
+            <a:p>
+              <a:pPr algn="ctr"/>
+              <a:r>
+                <a:rPr lang="en-US" sz="1400" dirty="0" smtClean="0">
+                  <a:latin typeface="Anime Ace 2.0 BB"/>
+                  <a:cs typeface="Anime Ace 2.0 BB"/>
+                </a:rPr>
+                <a:t>Visibility</a:t>
+              </a:r>
+              <a:endParaRPr lang="en-US" sz="1400" dirty="0">
+                <a:latin typeface="Anime Ace 2.0 BB"/>
+                <a:cs typeface="Anime Ace 2.0 BB"/>
+              </a:endParaRPr>
+            </a:p>
+          </p:txBody>
+        </p:sp>
+        <p:sp>
+          <p:nvSpPr>
+            <p:cNvPr id="8" name="Rounded Rectangle 7"/>
+            <p:cNvSpPr/>
+            <p:nvPr/>
+          </p:nvSpPr>
+          <p:spPr>
+            <a:xfrm>
+              <a:off x="1353317" y="2437533"/>
+              <a:ext cx="1717672" cy="676691"/>
+            </a:xfrm>
+            <a:prstGeom prst="roundRect">
+              <a:avLst/>
+            </a:prstGeom>
+            <a:effectLst/>
+          </p:spPr>
+          <p:style>
+            <a:lnRef idx="2">
+              <a:schemeClr val="dk1"/>
+            </a:lnRef>
+            <a:fillRef idx="1">
+              <a:schemeClr val="lt1"/>
+            </a:fillRef>
+            <a:effectRef idx="0">
+              <a:schemeClr val="dk1"/>
+            </a:effectRef>
+            <a:fontRef idx="minor">
+              <a:schemeClr val="dk1"/>
+            </a:fontRef>
+          </p:style>
+          <p:txBody>
+            <a:bodyPr rtlCol="0" anchor="ctr"/>
+            <a:lstStyle/>
+            <a:p>
+              <a:pPr algn="ctr"/>
+              <a:r>
+                <a:rPr lang="en-US" sz="1400" dirty="0" smtClean="0">
+                  <a:latin typeface="Anime Ace 2.0 BB"/>
+                  <a:cs typeface="Anime Ace 2.0 BB"/>
+                </a:rPr>
+                <a:t>Issue queue noise</a:t>
+              </a:r>
+              <a:endParaRPr lang="en-US" sz="1400" dirty="0">
+                <a:latin typeface="Anime Ace 2.0 BB"/>
+                <a:cs typeface="Anime Ace 2.0 BB"/>
+              </a:endParaRPr>
+            </a:p>
+          </p:txBody>
+        </p:sp>
+        <p:sp>
+          <p:nvSpPr>
+            <p:cNvPr id="9" name="Rounded Rectangle 8"/>
+            <p:cNvSpPr/>
+            <p:nvPr/>
+          </p:nvSpPr>
+          <p:spPr>
+            <a:xfrm>
+              <a:off x="6287719" y="2421917"/>
+              <a:ext cx="1519880" cy="676691"/>
+            </a:xfrm>
+            <a:prstGeom prst="roundRect">
+              <a:avLst/>
+            </a:prstGeom>
+            <a:effectLst/>
+          </p:spPr>
+          <p:style>
+            <a:lnRef idx="2">
+              <a:schemeClr val="dk1"/>
+            </a:lnRef>
+            <a:fillRef idx="1">
+              <a:schemeClr val="lt1"/>
+            </a:fillRef>
+            <a:effectRef idx="0">
+              <a:schemeClr val="dk1"/>
+            </a:effectRef>
+            <a:fontRef idx="minor">
+              <a:schemeClr val="dk1"/>
+            </a:fontRef>
+          </p:style>
+          <p:txBody>
+            <a:bodyPr rtlCol="0" anchor="ctr"/>
+            <a:lstStyle/>
+            <a:p>
+              <a:pPr algn="ctr"/>
+              <a:r>
+                <a:rPr lang="en-US" sz="1400" dirty="0" smtClean="0">
+                  <a:latin typeface="Anime Ace 2.0 BB"/>
+                  <a:cs typeface="Anime Ace 2.0 BB"/>
+                </a:rPr>
+                <a:t>Leverage Community</a:t>
+              </a:r>
+              <a:endParaRPr lang="en-US" sz="1400" dirty="0">
+                <a:latin typeface="Anime Ace 2.0 BB"/>
+                <a:cs typeface="Anime Ace 2.0 BB"/>
+              </a:endParaRPr>
+            </a:p>
+          </p:txBody>
+        </p:sp>
+      </p:grpSp>
+      <p:sp>
+        <p:nvSpPr>
+          <p:cNvPr id="12" name="Rectangle 11"/>
+          <p:cNvSpPr/>
+          <p:nvPr/>
+        </p:nvSpPr>
+        <p:spPr>
+          <a:xfrm>
+            <a:off x="0" y="1613647"/>
+            <a:ext cx="9144000" cy="3591666"/>
+          </a:xfrm>
+          <a:prstGeom prst="rect">
+            <a:avLst/>
+          </a:prstGeom>
+          <a:noFill/>
+          <a:ln>
+            <a:noFill/>
+          </a:ln>
+          <a:effectLst/>
+        </p:spPr>
+        <p:style>
+          <a:lnRef idx="2">
+            <a:schemeClr val="dk1"/>
+          </a:lnRef>
+          <a:fillRef idx="1">
+            <a:schemeClr val="lt1"/>
+          </a:fillRef>
+          <a:effectRef idx="0">
+            <a:schemeClr val="dk1"/>
+          </a:effectRef>
+          <a:fontRef idx="minor">
+            <a:schemeClr val="dk1"/>
+          </a:fontRef>
+        </p:style>
+        <p:txBody>
+          <a:bodyPr rtlCol="0" anchor="ctr"/>
+          <a:lstStyle/>
+          <a:p>
+            <a:pPr algn="ctr"/>
+            <a:endParaRPr lang="en-US"/>
+          </a:p>
+        </p:txBody>
+      </p:sp>
+    </p:spTree>
+    <p:extLst>
+      <p:ext uri="{BB962C8B-B14F-4D97-AF65-F5344CB8AC3E}">
+        <p14:creationId xmlns:p14="http://schemas.microsoft.com/office/powerpoint/2010/main" val="1053320013"/>
+      </p:ext>
+    </p:extLst>
+  </p:cSld>
+  <p:clrMapOvr>
+    <a:masterClrMapping/>
+  </p:clrMapOvr>
+</p:sld>
+</file>
+
+<file path=ppt/slides/slide66.xml><?xml version="1.0" encoding="utf-8"?>
+<p:sld xmlns:a="http://schemas.openxmlformats.org/drawingml/2006/main" xmlns:r="http://schemas.openxmlformats.org/officeDocument/2006/relationships" xmlns:p="http://schemas.openxmlformats.org/presentationml/2006/main">
+  <p:cSld>
+    <p:spTree>
+      <p:nvGrpSpPr>
+        <p:cNvPr id="1" name=""/>
+        <p:cNvGrpSpPr/>
+        <p:nvPr/>
+      </p:nvGrpSpPr>
+      <p:grpSpPr>
+        <a:xfrm>
+          <a:off x="0" y="0"/>
+          <a:ext cx="0" cy="0"/>
+          <a:chOff x="0" y="0"/>
+          <a:chExt cx="0" cy="0"/>
+        </a:xfrm>
+      </p:grpSpPr>
+      <p:sp>
+        <p:nvSpPr>
+          <p:cNvPr id="3" name="Isosceles Triangle 2"/>
+          <p:cNvSpPr/>
+          <p:nvPr/>
+        </p:nvSpPr>
+        <p:spPr>
+          <a:xfrm>
+            <a:off x="2800326" y="4060144"/>
+            <a:ext cx="811990" cy="593406"/>
+          </a:xfrm>
+          <a:prstGeom prst="triangle">
+            <a:avLst/>
+          </a:prstGeom>
+        </p:spPr>
+        <p:style>
+          <a:lnRef idx="2">
+            <a:schemeClr val="dk1"/>
+          </a:lnRef>
+          <a:fillRef idx="1">
+            <a:schemeClr val="lt1"/>
+          </a:fillRef>
+          <a:effectRef idx="0">
+            <a:schemeClr val="dk1"/>
+          </a:effectRef>
+          <a:fontRef idx="minor">
+            <a:schemeClr val="dk1"/>
+          </a:fontRef>
+        </p:style>
+        <p:txBody>
+          <a:bodyPr rtlCol="0" anchor="ctr"/>
+          <a:lstStyle/>
+          <a:p>
+            <a:pPr algn="ctr"/>
+            <a:endParaRPr lang="en-US"/>
+          </a:p>
+        </p:txBody>
+      </p:sp>
+      <p:sp>
+        <p:nvSpPr>
+          <p:cNvPr id="4" name="TextBox 3"/>
+          <p:cNvSpPr txBox="1"/>
+          <p:nvPr/>
+        </p:nvSpPr>
+        <p:spPr>
+          <a:xfrm>
+            <a:off x="1353317" y="4653550"/>
+            <a:ext cx="2572693" cy="461665"/>
+          </a:xfrm>
+          <a:prstGeom prst="rect">
+            <a:avLst/>
+          </a:prstGeom>
+          <a:noFill/>
+        </p:spPr>
+        <p:txBody>
+          <a:bodyPr wrap="square" rtlCol="0">
+            <a:spAutoFit/>
+          </a:bodyPr>
+          <a:lstStyle/>
+          <a:p>
+            <a:r>
+              <a:rPr lang="en-US" sz="1200" dirty="0" smtClean="0">
+                <a:latin typeface="Anime Ace 2.0 BB"/>
+                <a:cs typeface="Anime Ace 2.0 BB"/>
+              </a:rPr>
+              <a:t>Keep it in a</a:t>
+            </a:r>
+            <a:br>
+              <a:rPr lang="en-US" sz="1200" dirty="0" smtClean="0">
+                <a:latin typeface="Anime Ace 2.0 BB"/>
+                <a:cs typeface="Anime Ace 2.0 BB"/>
+              </a:rPr>
+            </a:br>
+            <a:r>
+              <a:rPr lang="en-US" sz="1200" dirty="0" smtClean="0">
+                <a:latin typeface="Anime Ace 2.0 BB"/>
+                <a:cs typeface="Anime Ace 2.0 BB"/>
+              </a:rPr>
+              <a:t>sandbox</a:t>
+            </a:r>
+            <a:endParaRPr lang="en-US" sz="1200" dirty="0">
+              <a:latin typeface="Anime Ace 2.0 BB"/>
+              <a:cs typeface="Anime Ace 2.0 BB"/>
+            </a:endParaRPr>
+          </a:p>
+        </p:txBody>
+      </p:sp>
+      <p:sp>
+        <p:nvSpPr>
+          <p:cNvPr id="5" name="TextBox 4"/>
+          <p:cNvSpPr txBox="1"/>
+          <p:nvPr/>
+        </p:nvSpPr>
+        <p:spPr>
+          <a:xfrm>
+            <a:off x="5694344" y="4653550"/>
+            <a:ext cx="2113255" cy="461665"/>
+          </a:xfrm>
+          <a:prstGeom prst="rect">
+            <a:avLst/>
+          </a:prstGeom>
+          <a:noFill/>
+        </p:spPr>
+        <p:txBody>
+          <a:bodyPr wrap="square" rtlCol="0">
+            <a:spAutoFit/>
+          </a:bodyPr>
+          <a:lstStyle/>
+          <a:p>
+            <a:pPr algn="r"/>
+            <a:r>
+              <a:rPr lang="en-US" sz="1200" dirty="0" smtClean="0">
+                <a:latin typeface="Anime Ace 2.0 BB"/>
+                <a:cs typeface="Anime Ace 2.0 BB"/>
+              </a:rPr>
+              <a:t>Start a Project branch</a:t>
+            </a:r>
+            <a:endParaRPr lang="en-US" sz="1200" dirty="0">
+              <a:latin typeface="Anime Ace 2.0 BB"/>
+              <a:cs typeface="Anime Ace 2.0 BB"/>
+            </a:endParaRPr>
+          </a:p>
+        </p:txBody>
+      </p:sp>
+      <p:grpSp>
+        <p:nvGrpSpPr>
+          <p:cNvPr id="10" name="Group 9"/>
+          <p:cNvGrpSpPr/>
+          <p:nvPr/>
+        </p:nvGrpSpPr>
+        <p:grpSpPr>
+          <a:xfrm rot="393889">
+            <a:off x="1353317" y="2557260"/>
+            <a:ext cx="6454282" cy="1638227"/>
+            <a:chOff x="1353317" y="2421917"/>
+            <a:chExt cx="6454282" cy="1638227"/>
+          </a:xfrm>
+        </p:grpSpPr>
+        <p:sp>
+          <p:nvSpPr>
+            <p:cNvPr id="2" name="Rectangle 1"/>
+            <p:cNvSpPr/>
+            <p:nvPr/>
+          </p:nvSpPr>
+          <p:spPr>
+            <a:xfrm>
+              <a:off x="1353317" y="3987270"/>
+              <a:ext cx="6454282" cy="72874"/>
+            </a:xfrm>
+            <a:prstGeom prst="rect">
+              <a:avLst/>
+            </a:prstGeom>
+          </p:spPr>
+          <p:style>
+            <a:lnRef idx="2">
+              <a:schemeClr val="dk1"/>
+            </a:lnRef>
+            <a:fillRef idx="1">
+              <a:schemeClr val="lt1"/>
+            </a:fillRef>
+            <a:effectRef idx="0">
+              <a:schemeClr val="dk1"/>
+            </a:effectRef>
+            <a:fontRef idx="minor">
+              <a:schemeClr val="dk1"/>
+            </a:fontRef>
+          </p:style>
+          <p:txBody>
+            <a:bodyPr rtlCol="0" anchor="ctr"/>
+            <a:lstStyle/>
+            <a:p>
+              <a:pPr algn="ctr"/>
+              <a:endParaRPr lang="en-US"/>
+            </a:p>
+          </p:txBody>
+        </p:sp>
+        <p:sp>
+          <p:nvSpPr>
+            <p:cNvPr id="6" name="Rounded Rectangle 5"/>
+            <p:cNvSpPr/>
+            <p:nvPr/>
+          </p:nvSpPr>
+          <p:spPr>
+            <a:xfrm>
+              <a:off x="1353317" y="3211678"/>
+              <a:ext cx="1717672" cy="676691"/>
+            </a:xfrm>
+            <a:prstGeom prst="roundRect">
+              <a:avLst/>
+            </a:prstGeom>
+            <a:effectLst/>
+          </p:spPr>
+          <p:style>
+            <a:lnRef idx="2">
+              <a:schemeClr val="dk1"/>
+            </a:lnRef>
+            <a:fillRef idx="1">
+              <a:schemeClr val="lt1"/>
+            </a:fillRef>
+            <a:effectRef idx="0">
+              <a:schemeClr val="dk1"/>
+            </a:effectRef>
+            <a:fontRef idx="minor">
+              <a:schemeClr val="dk1"/>
+            </a:fontRef>
+          </p:style>
+          <p:txBody>
+            <a:bodyPr rtlCol="0" anchor="ctr"/>
+            <a:lstStyle/>
+            <a:p>
+              <a:pPr algn="ctr"/>
+              <a:r>
+                <a:rPr lang="en-US" sz="1400" dirty="0" err="1" smtClean="0">
+                  <a:latin typeface="Anime Ace 2.0 BB"/>
+                  <a:cs typeface="Anime Ace 2.0 BB"/>
+                </a:rPr>
+                <a:t>Git</a:t>
+              </a:r>
+              <a:r>
+                <a:rPr lang="en-US" sz="1400" dirty="0" smtClean="0">
+                  <a:latin typeface="Anime Ace 2.0 BB"/>
+                  <a:cs typeface="Anime Ace 2.0 BB"/>
+                </a:rPr>
+                <a:t> Log pollution</a:t>
+              </a:r>
+              <a:endParaRPr lang="en-US" sz="1400" dirty="0">
+                <a:latin typeface="Anime Ace 2.0 BB"/>
+                <a:cs typeface="Anime Ace 2.0 BB"/>
+              </a:endParaRPr>
+            </a:p>
+          </p:txBody>
+        </p:sp>
+        <p:sp>
+          <p:nvSpPr>
+            <p:cNvPr id="7" name="Rounded Rectangle 6"/>
+            <p:cNvSpPr/>
+            <p:nvPr/>
+          </p:nvSpPr>
+          <p:spPr>
+            <a:xfrm>
+              <a:off x="6287719" y="3215438"/>
+              <a:ext cx="1519880" cy="676691"/>
+            </a:xfrm>
+            <a:prstGeom prst="roundRect">
+              <a:avLst/>
+            </a:prstGeom>
+            <a:effectLst/>
+          </p:spPr>
+          <p:style>
+            <a:lnRef idx="2">
+              <a:schemeClr val="dk1"/>
+            </a:lnRef>
+            <a:fillRef idx="1">
+              <a:schemeClr val="lt1"/>
+            </a:fillRef>
+            <a:effectRef idx="0">
+              <a:schemeClr val="dk1"/>
+            </a:effectRef>
+            <a:fontRef idx="minor">
+              <a:schemeClr val="dk1"/>
+            </a:fontRef>
+          </p:style>
+          <p:txBody>
+            <a:bodyPr rtlCol="0" anchor="ctr"/>
+            <a:lstStyle/>
+            <a:p>
+              <a:pPr algn="ctr"/>
+              <a:r>
+                <a:rPr lang="en-US" sz="1400" dirty="0" smtClean="0">
+                  <a:latin typeface="Anime Ace 2.0 BB"/>
+                  <a:cs typeface="Anime Ace 2.0 BB"/>
+                </a:rPr>
+                <a:t>Visibility</a:t>
+              </a:r>
+              <a:endParaRPr lang="en-US" sz="1400" dirty="0">
+                <a:latin typeface="Anime Ace 2.0 BB"/>
+                <a:cs typeface="Anime Ace 2.0 BB"/>
+              </a:endParaRPr>
+            </a:p>
+          </p:txBody>
+        </p:sp>
+        <p:sp>
+          <p:nvSpPr>
+            <p:cNvPr id="8" name="Rounded Rectangle 7"/>
+            <p:cNvSpPr/>
+            <p:nvPr/>
+          </p:nvSpPr>
+          <p:spPr>
+            <a:xfrm>
+              <a:off x="1353317" y="2437533"/>
+              <a:ext cx="1717672" cy="676691"/>
+            </a:xfrm>
+            <a:prstGeom prst="roundRect">
+              <a:avLst/>
+            </a:prstGeom>
+            <a:effectLst/>
+          </p:spPr>
+          <p:style>
+            <a:lnRef idx="2">
+              <a:schemeClr val="dk1"/>
+            </a:lnRef>
+            <a:fillRef idx="1">
+              <a:schemeClr val="lt1"/>
+            </a:fillRef>
+            <a:effectRef idx="0">
+              <a:schemeClr val="dk1"/>
+            </a:effectRef>
+            <a:fontRef idx="minor">
+              <a:schemeClr val="dk1"/>
+            </a:fontRef>
+          </p:style>
+          <p:txBody>
+            <a:bodyPr rtlCol="0" anchor="ctr"/>
+            <a:lstStyle/>
+            <a:p>
+              <a:pPr algn="ctr"/>
+              <a:r>
+                <a:rPr lang="en-US" sz="1400" dirty="0" smtClean="0">
+                  <a:latin typeface="Anime Ace 2.0 BB"/>
+                  <a:cs typeface="Anime Ace 2.0 BB"/>
+                </a:rPr>
+                <a:t>Issue queue noise</a:t>
+              </a:r>
+              <a:endParaRPr lang="en-US" sz="1400" dirty="0">
+                <a:latin typeface="Anime Ace 2.0 BB"/>
+                <a:cs typeface="Anime Ace 2.0 BB"/>
+              </a:endParaRPr>
+            </a:p>
+          </p:txBody>
+        </p:sp>
+        <p:sp>
+          <p:nvSpPr>
+            <p:cNvPr id="9" name="Rounded Rectangle 8"/>
+            <p:cNvSpPr/>
+            <p:nvPr/>
+          </p:nvSpPr>
+          <p:spPr>
+            <a:xfrm>
+              <a:off x="6287719" y="2421917"/>
+              <a:ext cx="1519880" cy="676691"/>
+            </a:xfrm>
+            <a:prstGeom prst="roundRect">
+              <a:avLst/>
+            </a:prstGeom>
+            <a:effectLst/>
+          </p:spPr>
+          <p:style>
+            <a:lnRef idx="2">
+              <a:schemeClr val="dk1"/>
+            </a:lnRef>
+            <a:fillRef idx="1">
+              <a:schemeClr val="lt1"/>
+            </a:fillRef>
+            <a:effectRef idx="0">
+              <a:schemeClr val="dk1"/>
+            </a:effectRef>
+            <a:fontRef idx="minor">
+              <a:schemeClr val="dk1"/>
+            </a:fontRef>
+          </p:style>
+          <p:txBody>
+            <a:bodyPr rtlCol="0" anchor="ctr"/>
+            <a:lstStyle/>
+            <a:p>
+              <a:pPr algn="ctr"/>
+              <a:r>
+                <a:rPr lang="en-US" sz="1400" dirty="0" smtClean="0">
+                  <a:latin typeface="Anime Ace 2.0 BB"/>
+                  <a:cs typeface="Anime Ace 2.0 BB"/>
+                </a:rPr>
+                <a:t>Leverage Community</a:t>
+              </a:r>
+              <a:endParaRPr lang="en-US" sz="1400" dirty="0">
+                <a:latin typeface="Anime Ace 2.0 BB"/>
+                <a:cs typeface="Anime Ace 2.0 BB"/>
+              </a:endParaRPr>
+            </a:p>
+          </p:txBody>
+        </p:sp>
+      </p:grpSp>
+      <p:sp>
+        <p:nvSpPr>
+          <p:cNvPr id="11" name="Rectangle 10"/>
+          <p:cNvSpPr/>
+          <p:nvPr/>
+        </p:nvSpPr>
+        <p:spPr>
+          <a:xfrm>
+            <a:off x="0" y="1613647"/>
+            <a:ext cx="9144000" cy="3591666"/>
+          </a:xfrm>
+          <a:prstGeom prst="rect">
+            <a:avLst/>
+          </a:prstGeom>
+          <a:noFill/>
+          <a:ln>
+            <a:noFill/>
+          </a:ln>
+          <a:effectLst/>
+        </p:spPr>
+        <p:style>
+          <a:lnRef idx="2">
+            <a:schemeClr val="dk1"/>
+          </a:lnRef>
+          <a:fillRef idx="1">
+            <a:schemeClr val="lt1"/>
+          </a:fillRef>
+          <a:effectRef idx="0">
+            <a:schemeClr val="dk1"/>
+          </a:effectRef>
+          <a:fontRef idx="minor">
+            <a:schemeClr val="dk1"/>
+          </a:fontRef>
+        </p:style>
+        <p:txBody>
+          <a:bodyPr rtlCol="0" anchor="ctr"/>
+          <a:lstStyle/>
+          <a:p>
+            <a:pPr algn="ctr"/>
+            <a:endParaRPr lang="en-US"/>
+          </a:p>
+        </p:txBody>
+      </p:sp>
+    </p:spTree>
+    <p:extLst>
+      <p:ext uri="{BB962C8B-B14F-4D97-AF65-F5344CB8AC3E}">
+        <p14:creationId xmlns:p14="http://schemas.microsoft.com/office/powerpoint/2010/main" val="80633511"/>
+      </p:ext>
+    </p:extLst>
+  </p:cSld>
+  <p:clrMapOvr>
+    <a:masterClrMapping/>
+  </p:clrMapOvr>
+</p:sld>
+</file>
+
+<file path=ppt/slides/slide67.xml><?xml version="1.0" encoding="utf-8"?>
+<p:sld xmlns:a="http://schemas.openxmlformats.org/drawingml/2006/main" xmlns:r="http://schemas.openxmlformats.org/officeDocument/2006/relationships" xmlns:p="http://schemas.openxmlformats.org/presentationml/2006/main">
+  <p:cSld>
+    <p:spTree>
+      <p:nvGrpSpPr>
+        <p:cNvPr id="1" name=""/>
+        <p:cNvGrpSpPr/>
+        <p:nvPr/>
+      </p:nvGrpSpPr>
+      <p:grpSpPr>
+        <a:xfrm>
+          <a:off x="0" y="0"/>
+          <a:ext cx="0" cy="0"/>
+          <a:chOff x="0" y="0"/>
+          <a:chExt cx="0" cy="0"/>
+        </a:xfrm>
+      </p:grpSpPr>
+      <p:sp>
+        <p:nvSpPr>
+          <p:cNvPr id="4" name="Rectangle 3"/>
+          <p:cNvSpPr/>
+          <p:nvPr/>
+        </p:nvSpPr>
+        <p:spPr>
+          <a:xfrm>
+            <a:off x="0" y="1516466"/>
+            <a:ext cx="9144000" cy="3772670"/>
+          </a:xfrm>
+          <a:prstGeom prst="rect">
+            <a:avLst/>
+          </a:prstGeom>
+          <a:noFill/>
+          <a:ln>
+            <a:noFill/>
+          </a:ln>
+          <a:effectLst/>
+        </p:spPr>
+        <p:style>
+          <a:lnRef idx="2">
+            <a:schemeClr val="dk1"/>
+          </a:lnRef>
+          <a:fillRef idx="1">
+            <a:schemeClr val="lt1"/>
+          </a:fillRef>
+          <a:effectRef idx="0">
+            <a:schemeClr val="dk1"/>
+          </a:effectRef>
+          <a:fontRef idx="minor">
+            <a:schemeClr val="dk1"/>
+          </a:fontRef>
+        </p:style>
+        <p:txBody>
+          <a:bodyPr rtlCol="0" anchor="ctr"/>
+          <a:lstStyle/>
+          <a:p>
+            <a:pPr algn="ctr"/>
+            <a:endParaRPr lang="en-US"/>
+          </a:p>
+        </p:txBody>
+      </p:sp>
+      <p:pic>
+        <p:nvPicPr>
+          <p:cNvPr id="2" name="Picture 1"/>
+          <p:cNvPicPr>
+            <a:picLocks noChangeAspect="1"/>
+          </p:cNvPicPr>
+          <p:nvPr/>
+        </p:nvPicPr>
+        <p:blipFill>
+          <a:blip r:embed="rId2"/>
+          <a:stretch>
+            <a:fillRect/>
+          </a:stretch>
+        </p:blipFill>
+        <p:spPr>
+          <a:xfrm>
+            <a:off x="1478571" y="1803400"/>
+            <a:ext cx="3251200" cy="3251200"/>
+          </a:xfrm>
+          <a:prstGeom prst="rect">
+            <a:avLst/>
+          </a:prstGeom>
+        </p:spPr>
+      </p:pic>
+      <p:sp>
+        <p:nvSpPr>
+          <p:cNvPr id="3" name="TextBox 2"/>
+          <p:cNvSpPr txBox="1"/>
+          <p:nvPr/>
+        </p:nvSpPr>
+        <p:spPr>
+          <a:xfrm>
+            <a:off x="4729771" y="2939380"/>
+            <a:ext cx="2932086" cy="1015663"/>
+          </a:xfrm>
+          <a:prstGeom prst="rect">
+            <a:avLst/>
+          </a:prstGeom>
+          <a:noFill/>
+        </p:spPr>
+        <p:txBody>
+          <a:bodyPr wrap="square" rtlCol="0">
+            <a:spAutoFit/>
+          </a:bodyPr>
+          <a:lstStyle/>
+          <a:p>
+            <a:r>
+              <a:rPr lang="en-US" sz="2000" dirty="0" smtClean="0">
+                <a:latin typeface="Anime Ace 2.0 BB"/>
+                <a:cs typeface="Anime Ace 2.0 BB"/>
+              </a:rPr>
+              <a:t>Example Module </a:t>
+            </a:r>
+          </a:p>
+          <a:p>
+            <a:r>
+              <a:rPr lang="en-US" sz="2000" dirty="0" smtClean="0">
+                <a:latin typeface="Anime Ace 2.0 BB"/>
+                <a:cs typeface="Anime Ace 2.0 BB"/>
+              </a:rPr>
+              <a:t>for </a:t>
+            </a:r>
+          </a:p>
+          <a:p>
+            <a:r>
+              <a:rPr lang="en-US" sz="2000" dirty="0" smtClean="0">
+                <a:latin typeface="Anime Ace 2.0 BB"/>
+                <a:cs typeface="Anime Ace 2.0 BB"/>
+              </a:rPr>
+              <a:t>Drupal 8.x</a:t>
+            </a:r>
+            <a:endParaRPr lang="en-US" sz="2000" dirty="0">
+              <a:latin typeface="Anime Ace 2.0 BB"/>
+              <a:cs typeface="Anime Ace 2.0 BB"/>
+            </a:endParaRPr>
+          </a:p>
+        </p:txBody>
+      </p:sp>
+    </p:spTree>
+    <p:extLst>
+      <p:ext uri="{BB962C8B-B14F-4D97-AF65-F5344CB8AC3E}">
+        <p14:creationId xmlns:p14="http://schemas.microsoft.com/office/powerpoint/2010/main" val="2303286594"/>
+      </p:ext>
+    </p:extLst>
+  </p:cSld>
+  <p:clrMapOvr>
+    <a:masterClrMapping/>
+  </p:clrMapOvr>
+</p:sld>
+</file>
+
 <file path=ppt/slides/slide7.xml><?xml version="1.0" encoding="utf-8"?>
 <p:sld xmlns:a="http://schemas.openxmlformats.org/drawingml/2006/main" xmlns:r="http://schemas.openxmlformats.org/officeDocument/2006/relationships" xmlns:p="http://schemas.openxmlformats.org/presentationml/2006/main">
   <p:cSld>

--- a/src/flagOnD8.pptx
+++ b/src/flagOnD8.pptx
@@ -37,7 +37,7 @@
     <p:sldId id="285" r:id="rId31"/>
     <p:sldId id="288" r:id="rId32"/>
     <p:sldId id="338" r:id="rId33"/>
-    <p:sldId id="289" r:id="rId34"/>
+    <p:sldId id="341" r:id="rId34"/>
     <p:sldId id="290" r:id="rId35"/>
     <p:sldId id="291" r:id="rId36"/>
     <p:sldId id="295" r:id="rId37"/>
@@ -67,15 +67,18 @@
     <p:sldId id="323" r:id="rId61"/>
     <p:sldId id="324" r:id="rId62"/>
     <p:sldId id="325" r:id="rId63"/>
-    <p:sldId id="327" r:id="rId64"/>
-    <p:sldId id="328" r:id="rId65"/>
-    <p:sldId id="329" r:id="rId66"/>
-    <p:sldId id="330" r:id="rId67"/>
-    <p:sldId id="332" r:id="rId68"/>
-    <p:sldId id="333" r:id="rId69"/>
-    <p:sldId id="334" r:id="rId70"/>
-    <p:sldId id="326" r:id="rId71"/>
-    <p:sldId id="337" r:id="rId72"/>
+    <p:sldId id="343" r:id="rId64"/>
+    <p:sldId id="344" r:id="rId65"/>
+    <p:sldId id="327" r:id="rId66"/>
+    <p:sldId id="328" r:id="rId67"/>
+    <p:sldId id="329" r:id="rId68"/>
+    <p:sldId id="330" r:id="rId69"/>
+    <p:sldId id="332" r:id="rId70"/>
+    <p:sldId id="333" r:id="rId71"/>
+    <p:sldId id="334" r:id="rId72"/>
+    <p:sldId id="326" r:id="rId73"/>
+    <p:sldId id="337" r:id="rId74"/>
+    <p:sldId id="340" r:id="rId75"/>
   </p:sldIdLst>
   <p:sldSz cx="9144000" cy="6858000" type="screen4x3"/>
   <p:notesSz cx="6858000" cy="9144000"/>
@@ -358,7 +361,7 @@
           <a:p>
             <a:fld id="{98AEBF78-ABB6-9F42-87DB-0ECE75CB3E53}" type="datetimeFigureOut">
               <a:rPr lang="en-US" smtClean="0"/>
-              <a:t>3/14/15</a:t>
+              <a:t>5/4/15</a:t>
             </a:fld>
             <a:endParaRPr lang="en-US"/>
           </a:p>
@@ -528,7 +531,7 @@
           <a:p>
             <a:fld id="{98AEBF78-ABB6-9F42-87DB-0ECE75CB3E53}" type="datetimeFigureOut">
               <a:rPr lang="en-US" smtClean="0"/>
-              <a:t>3/14/15</a:t>
+              <a:t>5/4/15</a:t>
             </a:fld>
             <a:endParaRPr lang="en-US"/>
           </a:p>
@@ -708,7 +711,7 @@
           <a:p>
             <a:fld id="{98AEBF78-ABB6-9F42-87DB-0ECE75CB3E53}" type="datetimeFigureOut">
               <a:rPr lang="en-US" smtClean="0"/>
-              <a:t>3/14/15</a:t>
+              <a:t>5/4/15</a:t>
             </a:fld>
             <a:endParaRPr lang="en-US"/>
           </a:p>
@@ -882,7 +885,7 @@
           <a:p>
             <a:fld id="{98AEBF78-ABB6-9F42-87DB-0ECE75CB3E53}" type="datetimeFigureOut">
               <a:rPr lang="en-US" smtClean="0"/>
-              <a:t>3/14/15</a:t>
+              <a:t>5/4/15</a:t>
             </a:fld>
             <a:endParaRPr lang="en-US"/>
           </a:p>
@@ -1128,7 +1131,7 @@
           <a:p>
             <a:fld id="{98AEBF78-ABB6-9F42-87DB-0ECE75CB3E53}" type="datetimeFigureOut">
               <a:rPr lang="en-US" smtClean="0"/>
-              <a:t>3/14/15</a:t>
+              <a:t>5/4/15</a:t>
             </a:fld>
             <a:endParaRPr lang="en-US"/>
           </a:p>
@@ -1416,7 +1419,7 @@
           <a:p>
             <a:fld id="{98AEBF78-ABB6-9F42-87DB-0ECE75CB3E53}" type="datetimeFigureOut">
               <a:rPr lang="en-US" smtClean="0"/>
-              <a:t>3/14/15</a:t>
+              <a:t>5/4/15</a:t>
             </a:fld>
             <a:endParaRPr lang="en-US"/>
           </a:p>
@@ -1838,7 +1841,7 @@
           <a:p>
             <a:fld id="{98AEBF78-ABB6-9F42-87DB-0ECE75CB3E53}" type="datetimeFigureOut">
               <a:rPr lang="en-US" smtClean="0"/>
-              <a:t>3/14/15</a:t>
+              <a:t>5/4/15</a:t>
             </a:fld>
             <a:endParaRPr lang="en-US"/>
           </a:p>
@@ -1956,7 +1959,7 @@
           <a:p>
             <a:fld id="{98AEBF78-ABB6-9F42-87DB-0ECE75CB3E53}" type="datetimeFigureOut">
               <a:rPr lang="en-US" smtClean="0"/>
-              <a:t>3/14/15</a:t>
+              <a:t>5/4/15</a:t>
             </a:fld>
             <a:endParaRPr lang="en-US"/>
           </a:p>
@@ -2051,7 +2054,7 @@
           <a:p>
             <a:fld id="{98AEBF78-ABB6-9F42-87DB-0ECE75CB3E53}" type="datetimeFigureOut">
               <a:rPr lang="en-US" smtClean="0"/>
-              <a:t>3/14/15</a:t>
+              <a:t>5/4/15</a:t>
             </a:fld>
             <a:endParaRPr lang="en-US"/>
           </a:p>
@@ -2328,7 +2331,7 @@
           <a:p>
             <a:fld id="{98AEBF78-ABB6-9F42-87DB-0ECE75CB3E53}" type="datetimeFigureOut">
               <a:rPr lang="en-US" smtClean="0"/>
-              <a:t>3/14/15</a:t>
+              <a:t>5/4/15</a:t>
             </a:fld>
             <a:endParaRPr lang="en-US"/>
           </a:p>
@@ -2581,7 +2584,7 @@
           <a:p>
             <a:fld id="{98AEBF78-ABB6-9F42-87DB-0ECE75CB3E53}" type="datetimeFigureOut">
               <a:rPr lang="en-US" smtClean="0"/>
-              <a:t>3/14/15</a:t>
+              <a:t>5/4/15</a:t>
             </a:fld>
             <a:endParaRPr lang="en-US"/>
           </a:p>
@@ -2849,7 +2852,7 @@
           <a:p>
             <a:fld id="{98AEBF78-ABB6-9F42-87DB-0ECE75CB3E53}" type="datetimeFigureOut">
               <a:rPr lang="en-US" smtClean="0"/>
-              <a:t>3/14/15</a:t>
+              <a:t>5/4/15</a:t>
             </a:fld>
             <a:endParaRPr lang="en-US"/>
           </a:p>
@@ -3224,238 +3227,40 @@
           <a:chExt cx="0" cy="0"/>
         </a:xfrm>
       </p:grpSpPr>
-      <p:sp>
-        <p:nvSpPr>
-          <p:cNvPr id="2" name="Oval 1"/>
-          <p:cNvSpPr/>
-          <p:nvPr/>
-        </p:nvSpPr>
-        <p:spPr>
-          <a:xfrm>
-            <a:off x="897602" y="4456620"/>
-            <a:ext cx="293523" cy="293523"/>
-          </a:xfrm>
-          <a:prstGeom prst="ellipse">
-            <a:avLst/>
-          </a:prstGeom>
-          <a:solidFill>
-            <a:srgbClr val="28A9E0">
-              <a:alpha val="25000"/>
-            </a:srgbClr>
-          </a:solidFill>
-          <a:ln>
-            <a:noFill/>
-          </a:ln>
-          <a:effectLst/>
-        </p:spPr>
-        <p:style>
-          <a:lnRef idx="1">
-            <a:schemeClr val="accent1"/>
-          </a:lnRef>
-          <a:fillRef idx="3">
-            <a:schemeClr val="accent1"/>
-          </a:fillRef>
-          <a:effectRef idx="2">
-            <a:schemeClr val="accent1"/>
-          </a:effectRef>
-          <a:fontRef idx="minor">
-            <a:schemeClr val="lt1"/>
-          </a:fontRef>
-        </p:style>
-        <p:txBody>
-          <a:bodyPr rtlCol="0" anchor="ctr"/>
-          <a:lstStyle/>
-          <a:p>
-            <a:pPr algn="ctr"/>
-            <a:endParaRPr lang="en-US"/>
-          </a:p>
-        </p:txBody>
-      </p:sp>
-      <p:sp>
-        <p:nvSpPr>
-          <p:cNvPr id="3" name="Punched Tape 2"/>
-          <p:cNvSpPr/>
-          <p:nvPr/>
-        </p:nvSpPr>
-        <p:spPr>
-          <a:xfrm rot="11559745">
-            <a:off x="1039385" y="4832592"/>
-            <a:ext cx="1485721" cy="1653244"/>
-          </a:xfrm>
-          <a:prstGeom prst="flowChartPunchedTape">
-            <a:avLst/>
-          </a:prstGeom>
-          <a:noFill/>
-          <a:ln w="76200" cap="rnd" cmpd="sng">
-            <a:solidFill>
-              <a:srgbClr val="28A9E0">
-                <a:alpha val="25000"/>
-              </a:srgbClr>
-            </a:solidFill>
-          </a:ln>
-          <a:effectLst/>
-        </p:spPr>
-        <p:style>
-          <a:lnRef idx="1">
-            <a:schemeClr val="accent1"/>
-          </a:lnRef>
-          <a:fillRef idx="3">
-            <a:schemeClr val="accent1"/>
-          </a:fillRef>
-          <a:effectRef idx="2">
-            <a:schemeClr val="accent1"/>
-          </a:effectRef>
-          <a:fontRef idx="minor">
-            <a:schemeClr val="lt1"/>
-          </a:fontRef>
-        </p:style>
-        <p:txBody>
-          <a:bodyPr rtlCol="0" anchor="ctr"/>
-          <a:lstStyle/>
-          <a:p>
-            <a:pPr algn="ctr"/>
-            <a:endParaRPr lang="en-US"/>
-          </a:p>
-        </p:txBody>
-      </p:sp>
-      <p:sp>
-        <p:nvSpPr>
-          <p:cNvPr id="4" name="Freeform 3"/>
-          <p:cNvSpPr/>
-          <p:nvPr/>
-        </p:nvSpPr>
-        <p:spPr>
-          <a:xfrm>
-            <a:off x="468328" y="4755160"/>
-            <a:ext cx="689588" cy="2102839"/>
-          </a:xfrm>
-          <a:custGeom>
-            <a:avLst/>
-            <a:gdLst>
-              <a:gd name="connsiteX0" fmla="*/ 0 w 1491892"/>
-              <a:gd name="connsiteY0" fmla="*/ 4537068 h 4549397"/>
-              <a:gd name="connsiteX1" fmla="*/ 949386 w 1491892"/>
-              <a:gd name="connsiteY1" fmla="*/ 0 h 4549397"/>
-              <a:gd name="connsiteX2" fmla="*/ 1491892 w 1491892"/>
-              <a:gd name="connsiteY2" fmla="*/ 98632 h 4549397"/>
-              <a:gd name="connsiteX3" fmla="*/ 320572 w 1491892"/>
-              <a:gd name="connsiteY3" fmla="*/ 4549397 h 4549397"/>
-              <a:gd name="connsiteX0" fmla="*/ 0 w 1491892"/>
-              <a:gd name="connsiteY0" fmla="*/ 4537068 h 4549397"/>
-              <a:gd name="connsiteX1" fmla="*/ 949386 w 1491892"/>
-              <a:gd name="connsiteY1" fmla="*/ 0 h 4549397"/>
-              <a:gd name="connsiteX2" fmla="*/ 1491892 w 1491892"/>
-              <a:gd name="connsiteY2" fmla="*/ 98632 h 4549397"/>
-              <a:gd name="connsiteX3" fmla="*/ 320572 w 1491892"/>
-              <a:gd name="connsiteY3" fmla="*/ 4549397 h 4549397"/>
-              <a:gd name="connsiteX0" fmla="*/ 0 w 1491892"/>
-              <a:gd name="connsiteY0" fmla="*/ 4537068 h 4549397"/>
-              <a:gd name="connsiteX1" fmla="*/ 949386 w 1491892"/>
-              <a:gd name="connsiteY1" fmla="*/ 0 h 4549397"/>
-              <a:gd name="connsiteX2" fmla="*/ 1491892 w 1491892"/>
-              <a:gd name="connsiteY2" fmla="*/ 98632 h 4549397"/>
-              <a:gd name="connsiteX3" fmla="*/ 320572 w 1491892"/>
-              <a:gd name="connsiteY3" fmla="*/ 4549397 h 4549397"/>
-            </a:gdLst>
-            <a:ahLst/>
-            <a:cxnLst>
-              <a:cxn ang="0">
-                <a:pos x="connsiteX0" y="connsiteY0"/>
-              </a:cxn>
-              <a:cxn ang="0">
-                <a:pos x="connsiteX1" y="connsiteY1"/>
-              </a:cxn>
-              <a:cxn ang="0">
-                <a:pos x="connsiteX2" y="connsiteY2"/>
-              </a:cxn>
-              <a:cxn ang="0">
-                <a:pos x="connsiteX3" y="connsiteY3"/>
-              </a:cxn>
-            </a:cxnLst>
-            <a:rect l="l" t="t" r="r" b="b"/>
-            <a:pathLst>
-              <a:path w="1491892" h="4549397">
-                <a:moveTo>
-                  <a:pt x="0" y="4537068"/>
-                </a:moveTo>
-                <a:lnTo>
-                  <a:pt x="949386" y="0"/>
-                </a:lnTo>
-                <a:cubicBezTo>
-                  <a:pt x="1253517" y="180825"/>
-                  <a:pt x="1274068" y="164387"/>
-                  <a:pt x="1491892" y="98632"/>
-                </a:cubicBezTo>
-                <a:lnTo>
-                  <a:pt x="320572" y="4549397"/>
-                </a:lnTo>
-              </a:path>
-            </a:pathLst>
-          </a:custGeom>
-          <a:solidFill>
-            <a:srgbClr val="28A9E0">
-              <a:alpha val="25000"/>
-            </a:srgbClr>
-          </a:solidFill>
-          <a:ln>
-            <a:noFill/>
-          </a:ln>
-          <a:effectLst/>
-        </p:spPr>
-        <p:style>
-          <a:lnRef idx="2">
-            <a:schemeClr val="accent1"/>
-          </a:lnRef>
-          <a:fillRef idx="0">
-            <a:schemeClr val="accent1"/>
-          </a:fillRef>
-          <a:effectRef idx="1">
-            <a:schemeClr val="accent1"/>
-          </a:effectRef>
-          <a:fontRef idx="minor">
-            <a:schemeClr val="tx1"/>
-          </a:fontRef>
-        </p:style>
-        <p:txBody>
-          <a:bodyPr rtlCol="0" anchor="ctr"/>
-          <a:lstStyle/>
-          <a:p>
-            <a:pPr algn="ctr"/>
-            <a:endParaRPr lang="en-US"/>
-          </a:p>
-        </p:txBody>
-      </p:sp>
       <p:pic>
         <p:nvPicPr>
-          <p:cNvPr id="5" name="Picture 4"/>
+          <p:cNvPr id="6" name="Picture 5" descr="flag8.png"/>
           <p:cNvPicPr>
             <a:picLocks noChangeAspect="1"/>
           </p:cNvPicPr>
           <p:nvPr/>
         </p:nvPicPr>
-        <p:blipFill>
+        <p:blipFill rotWithShape="1">
           <a:blip r:embed="rId2">
-            <a:alphaModFix amt="19000"/>
+            <a:clrChange>
+              <a:clrFrom>
+                <a:srgbClr val="D4D4D4"/>
+              </a:clrFrom>
+              <a:clrTo>
+                <a:srgbClr val="D4D4D4">
+                  <a:alpha val="0"/>
+                </a:srgbClr>
+              </a:clrTo>
+            </a:clrChange>
+            <a:alphaModFix amt="14000"/>
             <a:extLst>
-              <a:ext uri="{BEBA8EAE-BF5A-486C-A8C5-ECC9F3942E4B}">
-                <a14:imgProps xmlns:a14="http://schemas.microsoft.com/office/drawing/2010/main">
-                  <a14:imgLayer r:embed="rId3">
-                    <a14:imgEffect>
-                      <a14:saturation sat="126000"/>
-                    </a14:imgEffect>
-                  </a14:imgLayer>
-                </a14:imgProps>
+              <a:ext uri="{28A0092B-C50C-407E-A947-70E740481C1C}">
+                <a14:useLocalDpi xmlns:a14="http://schemas.microsoft.com/office/drawing/2010/main" val="0"/>
               </a:ext>
             </a:extLst>
           </a:blip>
-          <a:stretch>
-            <a:fillRect/>
-          </a:stretch>
+          <a:srcRect b="5423"/>
+          <a:stretch/>
         </p:blipFill>
         <p:spPr>
           <a:xfrm>
-            <a:off x="1402673" y="5184680"/>
-            <a:ext cx="761819" cy="862193"/>
+            <a:off x="377062" y="4456621"/>
+            <a:ext cx="2336243" cy="2410940"/>
           </a:xfrm>
           <a:prstGeom prst="rect">
             <a:avLst/>
@@ -3471,7 +3276,7 @@
           <p:nvPr/>
         </p:nvPicPr>
         <p:blipFill rotWithShape="1">
-          <a:blip r:embed="rId4">
+          <a:blip r:embed="rId3">
             <a:alphaModFix amt="27000"/>
             <a:extLst>
               <a:ext uri="{28A0092B-C50C-407E-A947-70E740481C1C}">
@@ -3801,14 +3606,103 @@
       </p:sp>
       <p:sp>
         <p:nvSpPr>
-          <p:cNvPr id="23" name="Rectangle 22"/>
+          <p:cNvPr id="2" name="Smiley Face 1"/>
           <p:cNvSpPr/>
           <p:nvPr/>
         </p:nvSpPr>
         <p:spPr>
           <a:xfrm>
-            <a:off x="4670764" y="2073389"/>
-            <a:ext cx="4156041" cy="4541089"/>
+            <a:off x="5153807" y="3439788"/>
+            <a:ext cx="776775" cy="776775"/>
+          </a:xfrm>
+          <a:prstGeom prst="smileyFace">
+            <a:avLst/>
+          </a:prstGeom>
+        </p:spPr>
+        <p:style>
+          <a:lnRef idx="2">
+            <a:schemeClr val="dk1"/>
+          </a:lnRef>
+          <a:fillRef idx="1">
+            <a:schemeClr val="lt1"/>
+          </a:fillRef>
+          <a:effectRef idx="0">
+            <a:schemeClr val="dk1"/>
+          </a:effectRef>
+          <a:fontRef idx="minor">
+            <a:schemeClr val="dk1"/>
+          </a:fontRef>
+        </p:style>
+        <p:txBody>
+          <a:bodyPr rtlCol="0" anchor="ctr"/>
+          <a:lstStyle/>
+          <a:p>
+            <a:pPr algn="ctr"/>
+            <a:endParaRPr lang="en-US"/>
+          </a:p>
+        </p:txBody>
+      </p:sp>
+      <p:sp>
+        <p:nvSpPr>
+          <p:cNvPr id="4" name="Oval Callout 3"/>
+          <p:cNvSpPr/>
+          <p:nvPr/>
+        </p:nvSpPr>
+        <p:spPr>
+          <a:xfrm>
+            <a:off x="5955242" y="2256205"/>
+            <a:ext cx="1728587" cy="1097280"/>
+          </a:xfrm>
+          <a:prstGeom prst="wedgeEllipseCallout">
+            <a:avLst>
+              <a:gd name="adj1" fmla="val -52931"/>
+              <a:gd name="adj2" fmla="val 69242"/>
+            </a:avLst>
+          </a:prstGeom>
+        </p:spPr>
+        <p:style>
+          <a:lnRef idx="2">
+            <a:schemeClr val="dk1"/>
+          </a:lnRef>
+          <a:fillRef idx="1">
+            <a:schemeClr val="lt1"/>
+          </a:fillRef>
+          <a:effectRef idx="0">
+            <a:schemeClr val="dk1"/>
+          </a:effectRef>
+          <a:fontRef idx="minor">
+            <a:schemeClr val="dk1"/>
+          </a:fontRef>
+        </p:style>
+        <p:txBody>
+          <a:bodyPr rtlCol="0" anchor="ctr"/>
+          <a:lstStyle/>
+          <a:p>
+            <a:pPr algn="ctr"/>
+            <a:r>
+              <a:rPr lang="en-US" dirty="0" smtClean="0">
+                <a:latin typeface="Anime Ace 2.0 BB"/>
+                <a:cs typeface="Anime Ace 2.0 BB"/>
+              </a:rPr>
+              <a:t>Shiny!</a:t>
+            </a:r>
+            <a:endParaRPr lang="en-US" dirty="0">
+              <a:latin typeface="Anime Ace 2.0 BB"/>
+              <a:cs typeface="Anime Ace 2.0 BB"/>
+            </a:endParaRPr>
+          </a:p>
+        </p:txBody>
+      </p:sp>
+      <p:sp>
+        <p:nvSpPr>
+          <p:cNvPr id="9" name="Rectangle 8"/>
+          <p:cNvSpPr/>
+          <p:nvPr/>
+        </p:nvSpPr>
+        <p:spPr>
+          <a:xfrm>
+            <a:off x="3073793" y="2073389"/>
+            <a:ext cx="7349984" cy="4541089"/>
           </a:xfrm>
           <a:prstGeom prst="rect">
             <a:avLst/>
@@ -3838,95 +3732,6 @@
           <a:p>
             <a:pPr algn="ctr"/>
             <a:endParaRPr lang="en-US"/>
-          </a:p>
-        </p:txBody>
-      </p:sp>
-      <p:sp>
-        <p:nvSpPr>
-          <p:cNvPr id="2" name="Smiley Face 1"/>
-          <p:cNvSpPr/>
-          <p:nvPr/>
-        </p:nvSpPr>
-        <p:spPr>
-          <a:xfrm>
-            <a:off x="5153807" y="3439788"/>
-            <a:ext cx="776775" cy="776775"/>
-          </a:xfrm>
-          <a:prstGeom prst="smileyFace">
-            <a:avLst/>
-          </a:prstGeom>
-        </p:spPr>
-        <p:style>
-          <a:lnRef idx="2">
-            <a:schemeClr val="dk1"/>
-          </a:lnRef>
-          <a:fillRef idx="1">
-            <a:schemeClr val="lt1"/>
-          </a:fillRef>
-          <a:effectRef idx="0">
-            <a:schemeClr val="dk1"/>
-          </a:effectRef>
-          <a:fontRef idx="minor">
-            <a:schemeClr val="dk1"/>
-          </a:fontRef>
-        </p:style>
-        <p:txBody>
-          <a:bodyPr rtlCol="0" anchor="ctr"/>
-          <a:lstStyle/>
-          <a:p>
-            <a:pPr algn="ctr"/>
-            <a:endParaRPr lang="en-US"/>
-          </a:p>
-        </p:txBody>
-      </p:sp>
-      <p:sp>
-        <p:nvSpPr>
-          <p:cNvPr id="4" name="Oval Callout 3"/>
-          <p:cNvSpPr/>
-          <p:nvPr/>
-        </p:nvSpPr>
-        <p:spPr>
-          <a:xfrm>
-            <a:off x="5955242" y="2256205"/>
-            <a:ext cx="1728587" cy="1097280"/>
-          </a:xfrm>
-          <a:prstGeom prst="wedgeEllipseCallout">
-            <a:avLst>
-              <a:gd name="adj1" fmla="val -52931"/>
-              <a:gd name="adj2" fmla="val 69242"/>
-            </a:avLst>
-          </a:prstGeom>
-        </p:spPr>
-        <p:style>
-          <a:lnRef idx="2">
-            <a:schemeClr val="dk1"/>
-          </a:lnRef>
-          <a:fillRef idx="1">
-            <a:schemeClr val="lt1"/>
-          </a:fillRef>
-          <a:effectRef idx="0">
-            <a:schemeClr val="dk1"/>
-          </a:effectRef>
-          <a:fontRef idx="minor">
-            <a:schemeClr val="dk1"/>
-          </a:fontRef>
-        </p:style>
-        <p:txBody>
-          <a:bodyPr rtlCol="0" anchor="ctr"/>
-          <a:lstStyle/>
-          <a:p>
-            <a:pPr algn="ctr"/>
-            <a:r>
-              <a:rPr lang="en-US" dirty="0" smtClean="0">
-                <a:latin typeface="Anime Ace 2.0 BB"/>
-                <a:cs typeface="Anime Ace 2.0 BB"/>
-              </a:rPr>
-              <a:t>Shiny!</a:t>
-            </a:r>
-            <a:endParaRPr lang="en-US" dirty="0">
-              <a:latin typeface="Anime Ace 2.0 BB"/>
-              <a:cs typeface="Anime Ace 2.0 BB"/>
-            </a:endParaRPr>
           </a:p>
         </p:txBody>
       </p:sp>
@@ -4115,15 +3920,52 @@
           </a:p>
         </p:txBody>
       </p:sp>
+      <p:sp>
+        <p:nvSpPr>
+          <p:cNvPr id="11" name="TextBox 10"/>
+          <p:cNvSpPr txBox="1"/>
+          <p:nvPr/>
+        </p:nvSpPr>
+        <p:spPr>
+          <a:xfrm rot="494122">
+            <a:off x="6041783" y="3953710"/>
+            <a:ext cx="1010560" cy="261610"/>
+          </a:xfrm>
+          <a:prstGeom prst="rect">
+            <a:avLst/>
+          </a:prstGeom>
+          <a:noFill/>
+        </p:spPr>
+        <p:txBody>
+          <a:bodyPr wrap="square" rtlCol="0">
+            <a:spAutoFit/>
+          </a:bodyPr>
+          <a:lstStyle/>
+          <a:p>
+            <a:pPr algn="ctr"/>
+            <a:r>
+              <a:rPr lang="en-US" sz="1100" dirty="0" smtClean="0">
+                <a:latin typeface="Anime Ace 2.0 BB"/>
+                <a:cs typeface="Anime Ace 2.0 BB"/>
+              </a:rPr>
+              <a:t>*POINK!*</a:t>
+            </a:r>
+            <a:endParaRPr lang="en-US" sz="1100" dirty="0">
+              <a:latin typeface="Anime Ace 2.0 BB"/>
+              <a:cs typeface="Anime Ace 2.0 BB"/>
+            </a:endParaRPr>
+          </a:p>
+        </p:txBody>
+      </p:sp>
       <p:pic>
         <p:nvPicPr>
-          <p:cNvPr id="7" name="Picture 6" descr="flag-for_d8_flag.png"/>
+          <p:cNvPr id="12" name="Picture 11" descr="flag8.png"/>
           <p:cNvPicPr>
             <a:picLocks noChangeAspect="1"/>
           </p:cNvPicPr>
           <p:nvPr/>
         </p:nvPicPr>
-        <p:blipFill>
+        <p:blipFill rotWithShape="1">
           <a:blip r:embed="rId2">
             <a:extLst>
               <a:ext uri="{28A0092B-C50C-407E-A947-70E740481C1C}">
@@ -4131,14 +3973,13 @@
               </a:ext>
             </a:extLst>
           </a:blip>
-          <a:stretch>
-            <a:fillRect/>
-          </a:stretch>
+          <a:srcRect b="4112"/>
+          <a:stretch/>
         </p:blipFill>
         <p:spPr>
           <a:xfrm>
-            <a:off x="6884603" y="2901764"/>
-            <a:ext cx="1922998" cy="1917671"/>
+            <a:off x="6930185" y="2992949"/>
+            <a:ext cx="1745705" cy="1826486"/>
           </a:xfrm>
           <a:prstGeom prst="rect">
             <a:avLst/>
@@ -4147,14 +3988,14 @@
       </p:pic>
       <p:sp>
         <p:nvSpPr>
-          <p:cNvPr id="23" name="Rectangle 22"/>
+          <p:cNvPr id="17" name="Rectangle 16"/>
           <p:cNvSpPr/>
           <p:nvPr/>
         </p:nvSpPr>
         <p:spPr>
           <a:xfrm>
-            <a:off x="4670764" y="2073389"/>
-            <a:ext cx="4156041" cy="4541089"/>
+            <a:off x="3073793" y="2073389"/>
+            <a:ext cx="7349984" cy="4541089"/>
           </a:xfrm>
           <a:prstGeom prst="rect">
             <a:avLst/>
@@ -4184,43 +4025,6 @@
           <a:p>
             <a:pPr algn="ctr"/>
             <a:endParaRPr lang="en-US"/>
-          </a:p>
-        </p:txBody>
-      </p:sp>
-      <p:sp>
-        <p:nvSpPr>
-          <p:cNvPr id="11" name="TextBox 10"/>
-          <p:cNvSpPr txBox="1"/>
-          <p:nvPr/>
-        </p:nvSpPr>
-        <p:spPr>
-          <a:xfrm rot="494122">
-            <a:off x="6041783" y="3953710"/>
-            <a:ext cx="1010560" cy="261610"/>
-          </a:xfrm>
-          <a:prstGeom prst="rect">
-            <a:avLst/>
-          </a:prstGeom>
-          <a:noFill/>
-        </p:spPr>
-        <p:txBody>
-          <a:bodyPr wrap="square" rtlCol="0">
-            <a:spAutoFit/>
-          </a:bodyPr>
-          <a:lstStyle/>
-          <a:p>
-            <a:pPr algn="ctr"/>
-            <a:r>
-              <a:rPr lang="en-US" sz="1100" dirty="0" smtClean="0">
-                <a:latin typeface="Anime Ace 2.0 BB"/>
-                <a:cs typeface="Anime Ace 2.0 BB"/>
-              </a:rPr>
-              <a:t>*POINK!*</a:t>
-            </a:r>
-            <a:endParaRPr lang="en-US" sz="1100" dirty="0">
-              <a:latin typeface="Anime Ace 2.0 BB"/>
-              <a:cs typeface="Anime Ace 2.0 BB"/>
-            </a:endParaRPr>
           </a:p>
         </p:txBody>
       </p:sp>
@@ -4411,13 +4215,13 @@
       </p:sp>
       <p:pic>
         <p:nvPicPr>
-          <p:cNvPr id="9" name="Picture 8" descr="flag-for_d8_flag.png"/>
+          <p:cNvPr id="14" name="Picture 13" descr="flag8.png"/>
           <p:cNvPicPr>
             <a:picLocks noChangeAspect="1"/>
           </p:cNvPicPr>
           <p:nvPr/>
         </p:nvPicPr>
-        <p:blipFill>
+        <p:blipFill rotWithShape="1">
           <a:blip r:embed="rId2">
             <a:extLst>
               <a:ext uri="{28A0092B-C50C-407E-A947-70E740481C1C}">
@@ -4425,14 +4229,13 @@
               </a:ext>
             </a:extLst>
           </a:blip>
-          <a:stretch>
-            <a:fillRect/>
-          </a:stretch>
+          <a:srcRect b="4112"/>
+          <a:stretch/>
         </p:blipFill>
         <p:spPr>
-          <a:xfrm rot="18900000">
-            <a:off x="5376780" y="2692169"/>
-            <a:ext cx="1922998" cy="1917671"/>
+          <a:xfrm>
+            <a:off x="6930185" y="2992949"/>
+            <a:ext cx="1745705" cy="1826486"/>
           </a:xfrm>
           <a:prstGeom prst="rect">
             <a:avLst/>
@@ -4441,13 +4244,13 @@
       </p:pic>
       <p:pic>
         <p:nvPicPr>
-          <p:cNvPr id="7" name="Picture 6" descr="flag-for_d8_flag.png"/>
+          <p:cNvPr id="15" name="Picture 14" descr="flag8.png"/>
           <p:cNvPicPr>
             <a:picLocks noChangeAspect="1"/>
           </p:cNvPicPr>
           <p:nvPr/>
         </p:nvPicPr>
-        <p:blipFill>
+        <p:blipFill rotWithShape="1">
           <a:blip r:embed="rId2">
             <a:extLst>
               <a:ext uri="{28A0092B-C50C-407E-A947-70E740481C1C}">
@@ -4455,14 +4258,13 @@
               </a:ext>
             </a:extLst>
           </a:blip>
-          <a:stretch>
-            <a:fillRect/>
-          </a:stretch>
+          <a:srcRect b="4112"/>
+          <a:stretch/>
         </p:blipFill>
         <p:spPr>
-          <a:xfrm>
-            <a:off x="6884603" y="2901764"/>
-            <a:ext cx="1922998" cy="1917671"/>
+          <a:xfrm rot="18900000">
+            <a:off x="5443107" y="2791039"/>
+            <a:ext cx="1745705" cy="1826486"/>
           </a:xfrm>
           <a:prstGeom prst="rect">
             <a:avLst/>
@@ -4471,13 +4273,13 @@
       </p:pic>
       <p:pic>
         <p:nvPicPr>
-          <p:cNvPr id="10" name="Picture 9" descr="flag-for_d8_flag.png"/>
+          <p:cNvPr id="16" name="Picture 15" descr="flag8.png"/>
           <p:cNvPicPr>
             <a:picLocks noChangeAspect="1"/>
           </p:cNvPicPr>
           <p:nvPr/>
         </p:nvPicPr>
-        <p:blipFill>
+        <p:blipFill rotWithShape="1">
           <a:blip r:embed="rId2">
             <a:extLst>
               <a:ext uri="{28A0092B-C50C-407E-A947-70E740481C1C}">
@@ -4485,14 +4287,13 @@
               </a:ext>
             </a:extLst>
           </a:blip>
-          <a:stretch>
-            <a:fillRect/>
-          </a:stretch>
+          <a:srcRect b="4112"/>
+          <a:stretch/>
         </p:blipFill>
         <p:spPr>
-          <a:xfrm rot="20700000">
-            <a:off x="6284894" y="2906368"/>
-            <a:ext cx="1922998" cy="1917671"/>
+          <a:xfrm rot="20734160">
+            <a:off x="6321936" y="2993691"/>
+            <a:ext cx="1745705" cy="1826486"/>
           </a:xfrm>
           <a:prstGeom prst="rect">
             <a:avLst/>
@@ -4501,14 +4302,14 @@
       </p:pic>
       <p:sp>
         <p:nvSpPr>
-          <p:cNvPr id="23" name="Rectangle 22"/>
+          <p:cNvPr id="18" name="Rectangle 17"/>
           <p:cNvSpPr/>
           <p:nvPr/>
         </p:nvSpPr>
         <p:spPr>
           <a:xfrm>
-            <a:off x="4670764" y="2073389"/>
-            <a:ext cx="4156041" cy="4541089"/>
+            <a:off x="3073793" y="2073389"/>
+            <a:ext cx="7349984" cy="4541089"/>
           </a:xfrm>
           <a:prstGeom prst="rect">
             <a:avLst/>
@@ -19767,14 +19568,14 @@
       </p:grpSpPr>
       <p:sp>
         <p:nvSpPr>
-          <p:cNvPr id="17" name="Rectangle 16"/>
+          <p:cNvPr id="2" name="Rectangle 1"/>
           <p:cNvSpPr/>
           <p:nvPr/>
         </p:nvSpPr>
         <p:spPr>
           <a:xfrm>
-            <a:off x="3103088" y="5655916"/>
-            <a:ext cx="2933662" cy="877571"/>
+            <a:off x="3168724" y="3766762"/>
+            <a:ext cx="2667935" cy="877571"/>
           </a:xfrm>
           <a:prstGeom prst="rect">
             <a:avLst/>
@@ -19801,20 +19602,20 @@
           <a:p>
             <a:pPr algn="ctr"/>
             <a:r>
-              <a:rPr lang="en-US" dirty="0" smtClean="0">
+              <a:rPr lang="en-US" sz="2000" dirty="0" smtClean="0">
                 <a:latin typeface="Anime Ace 2.0 BB"/>
                 <a:cs typeface="Anime Ace 2.0 BB"/>
               </a:rPr>
               <a:t>F</a:t>
             </a:r>
             <a:r>
-              <a:rPr lang="en-US" sz="1400" dirty="0" smtClean="0">
+              <a:rPr lang="en-US" sz="1600" dirty="0" smtClean="0">
                 <a:latin typeface="Anime Ace 2.0 BB"/>
                 <a:cs typeface="Anime Ace 2.0 BB"/>
               </a:rPr>
               <a:t>lagging</a:t>
             </a:r>
-            <a:endParaRPr lang="en-US" dirty="0">
+            <a:endParaRPr lang="en-US" sz="2000" dirty="0">
               <a:latin typeface="Anime Ace 2.0 BB"/>
               <a:cs typeface="Anime Ace 2.0 BB"/>
             </a:endParaRPr>
@@ -19823,14 +19624,14 @@
       </p:sp>
       <p:sp>
         <p:nvSpPr>
-          <p:cNvPr id="18" name="Rectangle 17"/>
+          <p:cNvPr id="3" name="Rectangle 2"/>
           <p:cNvSpPr/>
           <p:nvPr/>
         </p:nvSpPr>
         <p:spPr>
           <a:xfrm>
-            <a:off x="1137872" y="4205547"/>
-            <a:ext cx="3263827" cy="877571"/>
+            <a:off x="642006" y="2314294"/>
+            <a:ext cx="3730247" cy="877571"/>
           </a:xfrm>
           <a:prstGeom prst="rect">
             <a:avLst/>
@@ -19857,71 +19658,60 @@
           <a:p>
             <a:pPr algn="ctr"/>
             <a:r>
-              <a:rPr lang="en-US" sz="1400" dirty="0" smtClean="0">
+              <a:rPr lang="en-US" sz="1600" dirty="0" smtClean="0">
                 <a:latin typeface="Anime Ace 2.0 BB"/>
                 <a:cs typeface="Anime Ace 2.0 BB"/>
               </a:rPr>
               <a:t>&lt;&lt;interface&gt;&gt;</a:t>
             </a:r>
-          </a:p>
-          <a:p>
-            <a:pPr algn="ctr"/>
-            <a:r>
-              <a:rPr lang="en-US" sz="700" dirty="0">
-                <a:latin typeface="Anime Ace 2.0 BB"/>
-                <a:cs typeface="Anime Ace 2.0 BB"/>
-              </a:rPr>
-              <a:t> </a:t>
-            </a:r>
-            <a:r>
-              <a:rPr lang="en-US" sz="1400" dirty="0" smtClean="0">
+            <a:br>
+              <a:rPr lang="en-US" sz="1600" dirty="0" smtClean="0">
+                <a:latin typeface="Anime Ace 2.0 BB"/>
+                <a:cs typeface="Anime Ace 2.0 BB"/>
+              </a:rPr>
+            </a:br>
+            <a:r>
+              <a:rPr lang="en-US" sz="1100" dirty="0" smtClean="0">
                 <a:latin typeface="Anime Ace 2.0 BB"/>
                 <a:cs typeface="Anime Ace 2.0 BB"/>
               </a:rPr>
               <a:t/>
             </a:r>
             <a:br>
-              <a:rPr lang="en-US" sz="1400" dirty="0" smtClean="0">
+              <a:rPr lang="en-US" sz="1100" dirty="0" smtClean="0">
                 <a:latin typeface="Anime Ace 2.0 BB"/>
                 <a:cs typeface="Anime Ace 2.0 BB"/>
               </a:rPr>
             </a:br>
             <a:r>
-              <a:rPr lang="en-US" dirty="0" smtClean="0">
-                <a:latin typeface="Anime Ace 2.0 BB"/>
-                <a:cs typeface="Anime Ace 2.0 BB"/>
-              </a:rPr>
-              <a:t> </a:t>
-            </a:r>
-            <a:r>
-              <a:rPr lang="en-US" dirty="0" err="1" smtClean="0">
+              <a:rPr lang="en-US" sz="2000" dirty="0" err="1" smtClean="0">
                 <a:latin typeface="Anime Ace 2.0 BB"/>
                 <a:cs typeface="Anime Ace 2.0 BB"/>
               </a:rPr>
               <a:t>F</a:t>
             </a:r>
             <a:r>
-              <a:rPr lang="en-US" sz="1400" dirty="0" err="1" smtClean="0">
+              <a:rPr lang="en-US" sz="1600" dirty="0" err="1" smtClean="0">
                 <a:latin typeface="Anime Ace 2.0 BB"/>
                 <a:cs typeface="Anime Ace 2.0 BB"/>
               </a:rPr>
               <a:t>lagging</a:t>
             </a:r>
             <a:r>
-              <a:rPr lang="en-US" dirty="0" err="1" smtClean="0">
+              <a:rPr lang="en-US" sz="2000" dirty="0" err="1" smtClean="0">
                 <a:latin typeface="Anime Ace 2.0 BB"/>
                 <a:cs typeface="Anime Ace 2.0 BB"/>
               </a:rPr>
               <a:t>I</a:t>
             </a:r>
             <a:r>
-              <a:rPr lang="en-US" sz="1400" dirty="0" err="1" smtClean="0">
+              <a:rPr lang="en-US" sz="1600" dirty="0" err="1" smtClean="0">
                 <a:latin typeface="Anime Ace 2.0 BB"/>
                 <a:cs typeface="Anime Ace 2.0 BB"/>
               </a:rPr>
               <a:t>nterface</a:t>
             </a:r>
-            <a:endParaRPr lang="en-US" sz="1400" dirty="0">
+            <a:endParaRPr lang="en-US" sz="1600" dirty="0">
               <a:latin typeface="Anime Ace 2.0 BB"/>
               <a:cs typeface="Anime Ace 2.0 BB"/>
             </a:endParaRPr>
@@ -19930,14 +19720,14 @@
       </p:sp>
       <p:sp>
         <p:nvSpPr>
-          <p:cNvPr id="21" name="Rectangle 20"/>
+          <p:cNvPr id="4" name="Rectangle 3"/>
           <p:cNvSpPr/>
           <p:nvPr/>
         </p:nvSpPr>
         <p:spPr>
           <a:xfrm>
-            <a:off x="4738139" y="4205547"/>
-            <a:ext cx="3263827" cy="877571"/>
+            <a:off x="4639498" y="2316393"/>
+            <a:ext cx="3730247" cy="877571"/>
           </a:xfrm>
           <a:prstGeom prst="rect">
             <a:avLst/>
@@ -19966,48 +19756,48 @@
           <a:p>
             <a:pPr algn="ctr"/>
             <a:r>
-              <a:rPr lang="en-US" dirty="0" err="1" smtClean="0">
+              <a:rPr lang="en-US" sz="2000" dirty="0" err="1" smtClean="0">
                 <a:latin typeface="Anime Ace 2.0 BB"/>
                 <a:cs typeface="Anime Ace 2.0 BB"/>
               </a:rPr>
               <a:t>C</a:t>
             </a:r>
             <a:r>
-              <a:rPr lang="en-US" sz="1400" dirty="0" err="1" smtClean="0">
+              <a:rPr lang="en-US" sz="1600" dirty="0" err="1" smtClean="0">
                 <a:latin typeface="Anime Ace 2.0 BB"/>
                 <a:cs typeface="Anime Ace 2.0 BB"/>
               </a:rPr>
               <a:t>ontent</a:t>
             </a:r>
             <a:r>
-              <a:rPr lang="en-US" dirty="0" err="1" smtClean="0">
+              <a:rPr lang="en-US" sz="2000" dirty="0" err="1" smtClean="0">
                 <a:latin typeface="Anime Ace 2.0 BB"/>
                 <a:cs typeface="Anime Ace 2.0 BB"/>
               </a:rPr>
               <a:t>E</a:t>
             </a:r>
             <a:r>
-              <a:rPr lang="en-US" sz="1400" dirty="0" err="1" smtClean="0">
+              <a:rPr lang="en-US" sz="1600" dirty="0" err="1" smtClean="0">
                 <a:latin typeface="Anime Ace 2.0 BB"/>
                 <a:cs typeface="Anime Ace 2.0 BB"/>
               </a:rPr>
               <a:t>ntity</a:t>
             </a:r>
             <a:r>
-              <a:rPr lang="en-US" dirty="0" err="1" smtClean="0">
+              <a:rPr lang="en-US" sz="2000" dirty="0" err="1" smtClean="0">
                 <a:latin typeface="Anime Ace 2.0 BB"/>
                 <a:cs typeface="Anime Ace 2.0 BB"/>
               </a:rPr>
               <a:t>B</a:t>
             </a:r>
             <a:r>
-              <a:rPr lang="en-US" sz="1400" dirty="0" err="1" smtClean="0">
+              <a:rPr lang="en-US" sz="1600" dirty="0" err="1" smtClean="0">
                 <a:latin typeface="Anime Ace 2.0 BB"/>
                 <a:cs typeface="Anime Ace 2.0 BB"/>
               </a:rPr>
               <a:t>ase</a:t>
             </a:r>
-            <a:endParaRPr lang="en-US" sz="1400" dirty="0">
+            <a:endParaRPr lang="en-US" sz="1600" dirty="0">
               <a:latin typeface="Anime Ace 2.0 BB"/>
               <a:cs typeface="Anime Ace 2.0 BB"/>
             </a:endParaRPr>
@@ -20016,17 +19806,17 @@
       </p:sp>
       <p:cxnSp>
         <p:nvCxnSpPr>
-          <p:cNvPr id="22" name="Elbow Connector 21"/>
+          <p:cNvPr id="6" name="Elbow Connector 5"/>
           <p:cNvCxnSpPr>
-            <a:stCxn id="17" idx="0"/>
-            <a:endCxn id="18" idx="2"/>
+            <a:stCxn id="2" idx="0"/>
+            <a:endCxn id="3" idx="2"/>
           </p:cNvCxnSpPr>
           <p:nvPr/>
         </p:nvCxnSpPr>
         <p:spPr>
           <a:xfrm rot="16200000" flipV="1">
-            <a:off x="3383454" y="4469450"/>
-            <a:ext cx="572798" cy="1800133"/>
+            <a:off x="3217463" y="2481533"/>
+            <a:ext cx="574897" cy="1995562"/>
           </a:xfrm>
           <a:prstGeom prst="bentConnector3">
             <a:avLst/>
@@ -20056,17 +19846,17 @@
       </p:cxnSp>
       <p:cxnSp>
         <p:nvCxnSpPr>
-          <p:cNvPr id="23" name="Elbow Connector 22"/>
+          <p:cNvPr id="9" name="Elbow Connector 8"/>
           <p:cNvCxnSpPr>
-            <a:stCxn id="17" idx="0"/>
-            <a:endCxn id="21" idx="2"/>
+            <a:stCxn id="2" idx="0"/>
+            <a:endCxn id="4" idx="2"/>
           </p:cNvCxnSpPr>
           <p:nvPr/>
         </p:nvCxnSpPr>
         <p:spPr>
           <a:xfrm rot="5400000" flipH="1" flipV="1">
-            <a:off x="5183587" y="4469450"/>
-            <a:ext cx="572798" cy="1800134"/>
+            <a:off x="5217258" y="2479398"/>
+            <a:ext cx="572798" cy="2001930"/>
           </a:xfrm>
           <a:prstGeom prst="bentConnector3">
             <a:avLst>
@@ -20098,13 +19888,13 @@
       </p:cxnSp>
       <p:cxnSp>
         <p:nvCxnSpPr>
-          <p:cNvPr id="25" name="Straight Arrow Connector 24"/>
+          <p:cNvPr id="20" name="Straight Arrow Connector 19"/>
           <p:cNvCxnSpPr/>
           <p:nvPr/>
         </p:nvCxnSpPr>
         <p:spPr>
           <a:xfrm>
-            <a:off x="7102177" y="5737135"/>
+            <a:off x="7102176" y="3847981"/>
             <a:ext cx="0" cy="490925"/>
           </a:xfrm>
           <a:prstGeom prst="straightConnector1">
@@ -20139,13 +19929,13 @@
       </p:cxnSp>
       <p:sp>
         <p:nvSpPr>
-          <p:cNvPr id="26" name="TextBox 25"/>
+          <p:cNvPr id="21" name="TextBox 20"/>
           <p:cNvSpPr txBox="1"/>
           <p:nvPr/>
         </p:nvSpPr>
         <p:spPr>
           <a:xfrm>
-            <a:off x="6596660" y="5475992"/>
+            <a:off x="6596659" y="3586838"/>
             <a:ext cx="1011034" cy="276999"/>
           </a:xfrm>
           <a:prstGeom prst="rect">
@@ -20188,13 +19978,13 @@
       </p:sp>
       <p:sp>
         <p:nvSpPr>
-          <p:cNvPr id="27" name="TextBox 26"/>
+          <p:cNvPr id="22" name="TextBox 21"/>
           <p:cNvSpPr txBox="1"/>
           <p:nvPr/>
         </p:nvSpPr>
         <p:spPr>
           <a:xfrm>
-            <a:off x="6596660" y="6256488"/>
+            <a:off x="6596659" y="4367334"/>
             <a:ext cx="1011034" cy="276999"/>
           </a:xfrm>
           <a:prstGeom prst="rect">
@@ -20237,456 +20027,14 @@
       </p:sp>
       <p:sp>
         <p:nvSpPr>
-          <p:cNvPr id="33" name="Rectangle 32"/>
+          <p:cNvPr id="23" name="Rectangle 22"/>
           <p:cNvSpPr/>
           <p:nvPr/>
         </p:nvSpPr>
         <p:spPr>
           <a:xfrm>
-            <a:off x="1137872" y="2676901"/>
-            <a:ext cx="3263827" cy="877571"/>
-          </a:xfrm>
-          <a:prstGeom prst="rect">
-            <a:avLst/>
-          </a:prstGeom>
-          <a:solidFill>
-            <a:srgbClr val="558ED5"/>
-          </a:solidFill>
-        </p:spPr>
-        <p:style>
-          <a:lnRef idx="2">
-            <a:schemeClr val="dk1"/>
-          </a:lnRef>
-          <a:fillRef idx="1">
-            <a:schemeClr val="lt1"/>
-          </a:fillRef>
-          <a:effectRef idx="0">
-            <a:schemeClr val="dk1"/>
-          </a:effectRef>
-          <a:fontRef idx="minor">
-            <a:schemeClr val="dk1"/>
-          </a:fontRef>
-        </p:style>
-        <p:txBody>
-          <a:bodyPr rtlCol="0" anchor="ctr"/>
-          <a:lstStyle/>
-          <a:p>
-            <a:pPr algn="ctr"/>
-            <a:r>
-              <a:rPr lang="en-US" sz="1400" dirty="0">
-                <a:latin typeface="Anime Ace 2.0 BB"/>
-                <a:cs typeface="Anime Ace 2.0 BB"/>
-              </a:rPr>
-              <a:t>&lt;&lt;interface&gt;&gt;</a:t>
-            </a:r>
-          </a:p>
-          <a:p>
-            <a:pPr algn="ctr"/>
-            <a:r>
-              <a:rPr lang="en-US" sz="800" dirty="0">
-                <a:latin typeface="Anime Ace 2.0 BB"/>
-                <a:cs typeface="Anime Ace 2.0 BB"/>
-              </a:rPr>
-              <a:t> </a:t>
-            </a:r>
-            <a:r>
-              <a:rPr lang="en-US" dirty="0">
-                <a:latin typeface="Anime Ace 2.0 BB"/>
-                <a:cs typeface="Anime Ace 2.0 BB"/>
-              </a:rPr>
-              <a:t/>
-            </a:r>
-            <a:br>
-              <a:rPr lang="en-US" dirty="0">
-                <a:latin typeface="Anime Ace 2.0 BB"/>
-                <a:cs typeface="Anime Ace 2.0 BB"/>
-              </a:rPr>
-            </a:br>
-            <a:r>
-              <a:rPr lang="en-US" dirty="0" err="1" smtClean="0">
-                <a:latin typeface="Anime Ace 2.0 BB"/>
-                <a:cs typeface="Anime Ace 2.0 BB"/>
-              </a:rPr>
-              <a:t>C</a:t>
-            </a:r>
-            <a:r>
-              <a:rPr lang="en-US" sz="1400" dirty="0" err="1" smtClean="0">
-                <a:latin typeface="Anime Ace 2.0 BB"/>
-                <a:cs typeface="Anime Ace 2.0 BB"/>
-              </a:rPr>
-              <a:t>ontent</a:t>
-            </a:r>
-            <a:r>
-              <a:rPr lang="en-US" dirty="0" err="1" smtClean="0">
-                <a:latin typeface="Anime Ace 2.0 BB"/>
-                <a:cs typeface="Anime Ace 2.0 BB"/>
-              </a:rPr>
-              <a:t>E</a:t>
-            </a:r>
-            <a:r>
-              <a:rPr lang="en-US" sz="1400" dirty="0" err="1" smtClean="0">
-                <a:latin typeface="Anime Ace 2.0 BB"/>
-                <a:cs typeface="Anime Ace 2.0 BB"/>
-              </a:rPr>
-              <a:t>ntity</a:t>
-            </a:r>
-            <a:r>
-              <a:rPr lang="en-US" dirty="0" err="1" smtClean="0">
-                <a:latin typeface="Anime Ace 2.0 BB"/>
-                <a:cs typeface="Anime Ace 2.0 BB"/>
-              </a:rPr>
-              <a:t>I</a:t>
-            </a:r>
-            <a:r>
-              <a:rPr lang="en-US" sz="1400" dirty="0" err="1" smtClean="0">
-                <a:latin typeface="Anime Ace 2.0 BB"/>
-                <a:cs typeface="Anime Ace 2.0 BB"/>
-              </a:rPr>
-              <a:t>nterface</a:t>
-            </a:r>
-            <a:endParaRPr lang="en-US" sz="1400" dirty="0">
-              <a:latin typeface="Anime Ace 2.0 BB"/>
-              <a:cs typeface="Anime Ace 2.0 BB"/>
-            </a:endParaRPr>
-          </a:p>
-        </p:txBody>
-      </p:sp>
-      <p:cxnSp>
-        <p:nvCxnSpPr>
-          <p:cNvPr id="34" name="Elbow Connector 33"/>
-          <p:cNvCxnSpPr>
-            <a:stCxn id="18" idx="0"/>
-            <a:endCxn id="33" idx="2"/>
-          </p:cNvCxnSpPr>
-          <p:nvPr/>
-        </p:nvCxnSpPr>
-        <p:spPr>
-          <a:xfrm rot="5400000" flipH="1" flipV="1">
-            <a:off x="2444249" y="3880010"/>
-            <a:ext cx="651075" cy="12700"/>
-          </a:xfrm>
-          <a:prstGeom prst="bentConnector3">
-            <a:avLst>
-              <a:gd name="adj1" fmla="val 50000"/>
-            </a:avLst>
-          </a:prstGeom>
-          <a:ln>
-            <a:solidFill>
-              <a:schemeClr val="tx1"/>
-            </a:solidFill>
-            <a:tailEnd type="triangle" w="lg" len="lg"/>
-          </a:ln>
-          <a:effectLst/>
-        </p:spPr>
-        <p:style>
-          <a:lnRef idx="2">
-            <a:schemeClr val="accent1"/>
-          </a:lnRef>
-          <a:fillRef idx="0">
-            <a:schemeClr val="accent1"/>
-          </a:fillRef>
-          <a:effectRef idx="1">
-            <a:schemeClr val="accent1"/>
-          </a:effectRef>
-          <a:fontRef idx="minor">
-            <a:schemeClr val="tx1"/>
-          </a:fontRef>
-        </p:style>
-      </p:cxnSp>
-      <p:cxnSp>
-        <p:nvCxnSpPr>
-          <p:cNvPr id="37" name="Elbow Connector 36"/>
-          <p:cNvCxnSpPr>
-            <a:stCxn id="56" idx="0"/>
-            <a:endCxn id="33" idx="2"/>
-          </p:cNvCxnSpPr>
-          <p:nvPr/>
-        </p:nvCxnSpPr>
-        <p:spPr>
-          <a:xfrm rot="16200000" flipV="1">
-            <a:off x="4160318" y="2163940"/>
-            <a:ext cx="669754" cy="3450817"/>
-          </a:xfrm>
-          <a:prstGeom prst="bentConnector3">
-            <a:avLst>
-              <a:gd name="adj1" fmla="val 50000"/>
-            </a:avLst>
-          </a:prstGeom>
-          <a:ln>
-            <a:solidFill>
-              <a:schemeClr val="tx1"/>
-            </a:solidFill>
-            <a:tailEnd type="triangle" w="lg" len="lg"/>
-          </a:ln>
-          <a:effectLst/>
-        </p:spPr>
-        <p:style>
-          <a:lnRef idx="2">
-            <a:schemeClr val="accent1"/>
-          </a:lnRef>
-          <a:fillRef idx="0">
-            <a:schemeClr val="accent1"/>
-          </a:fillRef>
-          <a:effectRef idx="1">
-            <a:schemeClr val="accent1"/>
-          </a:effectRef>
-          <a:fontRef idx="minor">
-            <a:schemeClr val="tx1"/>
-          </a:fontRef>
-        </p:style>
-      </p:cxnSp>
-      <p:sp>
-        <p:nvSpPr>
-          <p:cNvPr id="40" name="Rectangle 39"/>
-          <p:cNvSpPr/>
-          <p:nvPr/>
-        </p:nvSpPr>
-        <p:spPr>
-          <a:xfrm>
-            <a:off x="4738139" y="2683251"/>
-            <a:ext cx="3263827" cy="877571"/>
-          </a:xfrm>
-          <a:prstGeom prst="rect">
-            <a:avLst/>
-          </a:prstGeom>
-          <a:solidFill>
-            <a:srgbClr val="558ED5"/>
-          </a:solidFill>
-        </p:spPr>
-        <p:style>
-          <a:lnRef idx="2">
-            <a:schemeClr val="dk1"/>
-          </a:lnRef>
-          <a:fillRef idx="1">
-            <a:schemeClr val="lt1"/>
-          </a:fillRef>
-          <a:effectRef idx="0">
-            <a:schemeClr val="dk1"/>
-          </a:effectRef>
-          <a:fontRef idx="minor">
-            <a:schemeClr val="dk1"/>
-          </a:fontRef>
-        </p:style>
-        <p:txBody>
-          <a:bodyPr rtlCol="0" anchor="ctr"/>
-          <a:lstStyle/>
-          <a:p>
-            <a:pPr algn="ctr"/>
-            <a:r>
-              <a:rPr lang="en-US" dirty="0" smtClean="0">
-                <a:latin typeface="Anime Ace 2.0 BB"/>
-                <a:cs typeface="Anime Ace 2.0 BB"/>
-              </a:rPr>
-              <a:t>e</a:t>
-            </a:r>
-            <a:r>
-              <a:rPr lang="en-US" sz="1400" dirty="0" smtClean="0">
-                <a:latin typeface="Anime Ace 2.0 BB"/>
-                <a:cs typeface="Anime Ace 2.0 BB"/>
-              </a:rPr>
-              <a:t>ntity</a:t>
-            </a:r>
-            <a:endParaRPr lang="en-US" sz="1100" dirty="0">
-              <a:latin typeface="Anime Ace 2.0 BB"/>
-              <a:cs typeface="Anime Ace 2.0 BB"/>
-            </a:endParaRPr>
-          </a:p>
-        </p:txBody>
-      </p:sp>
-      <p:sp>
-        <p:nvSpPr>
-          <p:cNvPr id="43" name="Rectangle 42"/>
-          <p:cNvSpPr/>
-          <p:nvPr/>
-        </p:nvSpPr>
-        <p:spPr>
-          <a:xfrm>
-            <a:off x="2938006" y="1177217"/>
-            <a:ext cx="3263827" cy="877571"/>
-          </a:xfrm>
-          <a:prstGeom prst="rect">
-            <a:avLst/>
-          </a:prstGeom>
-          <a:solidFill>
-            <a:srgbClr val="558ED5"/>
-          </a:solidFill>
-        </p:spPr>
-        <p:style>
-          <a:lnRef idx="2">
-            <a:schemeClr val="dk1"/>
-          </a:lnRef>
-          <a:fillRef idx="1">
-            <a:schemeClr val="lt1"/>
-          </a:fillRef>
-          <a:effectRef idx="0">
-            <a:schemeClr val="dk1"/>
-          </a:effectRef>
-          <a:fontRef idx="minor">
-            <a:schemeClr val="dk1"/>
-          </a:fontRef>
-        </p:style>
-        <p:txBody>
-          <a:bodyPr rtlCol="0" anchor="ctr"/>
-          <a:lstStyle/>
-          <a:p>
-            <a:pPr algn="ctr"/>
-            <a:r>
-              <a:rPr lang="en-US" sz="1400" dirty="0">
-                <a:latin typeface="Anime Ace 2.0 BB"/>
-                <a:cs typeface="Anime Ace 2.0 BB"/>
-              </a:rPr>
-              <a:t>&lt;&lt;interface&gt;&gt;</a:t>
-            </a:r>
-          </a:p>
-          <a:p>
-            <a:pPr algn="ctr"/>
-            <a:r>
-              <a:rPr lang="en-US" sz="800" dirty="0">
-                <a:latin typeface="Anime Ace 2.0 BB"/>
-                <a:cs typeface="Anime Ace 2.0 BB"/>
-              </a:rPr>
-              <a:t> </a:t>
-            </a:r>
-            <a:r>
-              <a:rPr lang="en-US" dirty="0">
-                <a:latin typeface="Anime Ace 2.0 BB"/>
-                <a:cs typeface="Anime Ace 2.0 BB"/>
-              </a:rPr>
-              <a:t/>
-            </a:r>
-            <a:br>
-              <a:rPr lang="en-US" dirty="0">
-                <a:latin typeface="Anime Ace 2.0 BB"/>
-                <a:cs typeface="Anime Ace 2.0 BB"/>
-              </a:rPr>
-            </a:br>
-            <a:r>
-              <a:rPr lang="en-US" dirty="0" err="1" smtClean="0">
-                <a:latin typeface="Anime Ace 2.0 BB"/>
-                <a:cs typeface="Anime Ace 2.0 BB"/>
-              </a:rPr>
-              <a:t>E</a:t>
-            </a:r>
-            <a:r>
-              <a:rPr lang="en-US" sz="1400" dirty="0" err="1" smtClean="0">
-                <a:latin typeface="Anime Ace 2.0 BB"/>
-                <a:cs typeface="Anime Ace 2.0 BB"/>
-              </a:rPr>
-              <a:t>ntity</a:t>
-            </a:r>
-            <a:r>
-              <a:rPr lang="en-US" dirty="0" err="1" smtClean="0">
-                <a:latin typeface="Anime Ace 2.0 BB"/>
-                <a:cs typeface="Anime Ace 2.0 BB"/>
-              </a:rPr>
-              <a:t>I</a:t>
-            </a:r>
-            <a:r>
-              <a:rPr lang="en-US" sz="1400" dirty="0" err="1" smtClean="0">
-                <a:latin typeface="Anime Ace 2.0 BB"/>
-                <a:cs typeface="Anime Ace 2.0 BB"/>
-              </a:rPr>
-              <a:t>nterface</a:t>
-            </a:r>
-            <a:endParaRPr lang="en-US" sz="1400" dirty="0">
-              <a:latin typeface="Anime Ace 2.0 BB"/>
-              <a:cs typeface="Anime Ace 2.0 BB"/>
-            </a:endParaRPr>
-          </a:p>
-        </p:txBody>
-      </p:sp>
-      <p:cxnSp>
-        <p:nvCxnSpPr>
-          <p:cNvPr id="44" name="Elbow Connector 43"/>
-          <p:cNvCxnSpPr>
-            <a:stCxn id="33" idx="0"/>
-            <a:endCxn id="43" idx="2"/>
-          </p:cNvCxnSpPr>
-          <p:nvPr/>
-        </p:nvCxnSpPr>
-        <p:spPr>
-          <a:xfrm rot="5400000" flipH="1" flipV="1">
-            <a:off x="3358797" y="1465778"/>
-            <a:ext cx="622113" cy="1800134"/>
-          </a:xfrm>
-          <a:prstGeom prst="bentConnector3">
-            <a:avLst>
-              <a:gd name="adj1" fmla="val 50000"/>
-            </a:avLst>
-          </a:prstGeom>
-          <a:ln>
-            <a:solidFill>
-              <a:schemeClr val="tx1"/>
-            </a:solidFill>
-            <a:tailEnd type="triangle" w="lg" len="lg"/>
-          </a:ln>
-          <a:effectLst/>
-        </p:spPr>
-        <p:style>
-          <a:lnRef idx="2">
-            <a:schemeClr val="accent1"/>
-          </a:lnRef>
-          <a:fillRef idx="0">
-            <a:schemeClr val="accent1"/>
-          </a:fillRef>
-          <a:effectRef idx="1">
-            <a:schemeClr val="accent1"/>
-          </a:effectRef>
-          <a:fontRef idx="minor">
-            <a:schemeClr val="tx1"/>
-          </a:fontRef>
-        </p:style>
-      </p:cxnSp>
-      <p:cxnSp>
-        <p:nvCxnSpPr>
-          <p:cNvPr id="49" name="Elbow Connector 48"/>
-          <p:cNvCxnSpPr>
-            <a:stCxn id="40" idx="0"/>
-            <a:endCxn id="43" idx="2"/>
-          </p:cNvCxnSpPr>
-          <p:nvPr/>
-        </p:nvCxnSpPr>
-        <p:spPr>
-          <a:xfrm rot="16200000" flipV="1">
-            <a:off x="5155756" y="1468953"/>
-            <a:ext cx="628463" cy="1800133"/>
-          </a:xfrm>
-          <a:prstGeom prst="bentConnector3">
-            <a:avLst/>
-          </a:prstGeom>
-          <a:ln>
-            <a:solidFill>
-              <a:schemeClr val="tx1"/>
-            </a:solidFill>
-            <a:tailEnd type="triangle" w="lg" len="lg"/>
-          </a:ln>
-          <a:effectLst/>
-        </p:spPr>
-        <p:style>
-          <a:lnRef idx="2">
-            <a:schemeClr val="accent1"/>
-          </a:lnRef>
-          <a:fillRef idx="0">
-            <a:schemeClr val="accent1"/>
-          </a:fillRef>
-          <a:effectRef idx="1">
-            <a:schemeClr val="accent1"/>
-          </a:effectRef>
-          <a:fontRef idx="minor">
-            <a:schemeClr val="tx1"/>
-          </a:fontRef>
-        </p:style>
-      </p:cxnSp>
-      <p:sp>
-        <p:nvSpPr>
-          <p:cNvPr id="56" name="Rectangle 55"/>
-          <p:cNvSpPr/>
-          <p:nvPr/>
-        </p:nvSpPr>
-        <p:spPr>
-          <a:xfrm>
-            <a:off x="5869205" y="4224226"/>
-            <a:ext cx="702795" cy="641108"/>
+            <a:off x="0" y="1530362"/>
+            <a:ext cx="9144000" cy="3976860"/>
           </a:xfrm>
           <a:prstGeom prst="rect">
             <a:avLst/>
@@ -20719,50 +20067,10 @@
           </a:p>
         </p:txBody>
       </p:sp>
-      <p:cxnSp>
-        <p:nvCxnSpPr>
-          <p:cNvPr id="59" name="Elbow Connector 58"/>
-          <p:cNvCxnSpPr>
-            <a:stCxn id="21" idx="0"/>
-            <a:endCxn id="40" idx="2"/>
-          </p:cNvCxnSpPr>
-          <p:nvPr/>
-        </p:nvCxnSpPr>
-        <p:spPr>
-          <a:xfrm rot="5400000" flipH="1" flipV="1">
-            <a:off x="6047691" y="3883185"/>
-            <a:ext cx="644725" cy="12700"/>
-          </a:xfrm>
-          <a:prstGeom prst="bentConnector3">
-            <a:avLst/>
-          </a:prstGeom>
-          <a:ln>
-            <a:solidFill>
-              <a:schemeClr val="tx1"/>
-            </a:solidFill>
-            <a:tailEnd type="triangle" w="lg" len="lg"/>
-          </a:ln>
-          <a:effectLst/>
-        </p:spPr>
-        <p:style>
-          <a:lnRef idx="2">
-            <a:schemeClr val="accent1"/>
-          </a:lnRef>
-          <a:fillRef idx="0">
-            <a:schemeClr val="accent1"/>
-          </a:fillRef>
-          <a:effectRef idx="1">
-            <a:schemeClr val="accent1"/>
-          </a:effectRef>
-          <a:fontRef idx="minor">
-            <a:schemeClr val="tx1"/>
-          </a:fontRef>
-        </p:style>
-      </p:cxnSp>
     </p:spTree>
     <p:extLst>
       <p:ext uri="{BB962C8B-B14F-4D97-AF65-F5344CB8AC3E}">
-        <p14:creationId xmlns:p14="http://schemas.microsoft.com/office/powerpoint/2010/main" val="671136667"/>
+        <p14:creationId xmlns:p14="http://schemas.microsoft.com/office/powerpoint/2010/main" val="1382972386"/>
       </p:ext>
     </p:extLst>
   </p:cSld>
@@ -31038,6 +30346,171 @@
       </p:grpSpPr>
       <p:sp>
         <p:nvSpPr>
+          <p:cNvPr id="40" name="TextBox 39"/>
+          <p:cNvSpPr txBox="1"/>
+          <p:nvPr/>
+        </p:nvSpPr>
+        <p:spPr>
+          <a:xfrm>
+            <a:off x="3429514" y="4993798"/>
+            <a:ext cx="1899157" cy="338554"/>
+          </a:xfrm>
+          <a:prstGeom prst="rect">
+            <a:avLst/>
+          </a:prstGeom>
+          <a:noFill/>
+        </p:spPr>
+        <p:txBody>
+          <a:bodyPr wrap="square" rtlCol="0">
+            <a:spAutoFit/>
+          </a:bodyPr>
+          <a:lstStyle/>
+          <a:p>
+            <a:pPr algn="ctr"/>
+            <a:r>
+              <a:rPr lang="en-US" sz="1600" dirty="0" smtClean="0">
+                <a:latin typeface="Anime Ace 2.0 BB"/>
+                <a:cs typeface="Anime Ace 2.0 BB"/>
+              </a:rPr>
+              <a:t>Flag Service</a:t>
+            </a:r>
+            <a:endParaRPr lang="en-US" sz="1600" dirty="0">
+              <a:latin typeface="Anime Ace 2.0 BB"/>
+              <a:cs typeface="Anime Ace 2.0 BB"/>
+            </a:endParaRPr>
+          </a:p>
+        </p:txBody>
+      </p:sp>
+      <p:grpSp>
+        <p:nvGrpSpPr>
+          <p:cNvPr id="44" name="Group 43"/>
+          <p:cNvGrpSpPr/>
+          <p:nvPr/>
+        </p:nvGrpSpPr>
+        <p:grpSpPr>
+          <a:xfrm>
+            <a:off x="3640582" y="3050314"/>
+            <a:ext cx="1745705" cy="1934620"/>
+            <a:chOff x="294348" y="2511007"/>
+            <a:chExt cx="1309795" cy="1451537"/>
+          </a:xfrm>
+        </p:grpSpPr>
+        <p:pic>
+          <p:nvPicPr>
+            <p:cNvPr id="45" name="Picture 44" descr="flag8.png"/>
+            <p:cNvPicPr>
+              <a:picLocks noChangeAspect="1"/>
+            </p:cNvPicPr>
+            <p:nvPr/>
+          </p:nvPicPr>
+          <p:blipFill>
+            <a:blip r:embed="rId2">
+              <a:extLst>
+                <a:ext uri="{28A0092B-C50C-407E-A947-70E740481C1C}">
+                  <a14:useLocalDpi xmlns:a14="http://schemas.microsoft.com/office/drawing/2010/main" val="0"/>
+                </a:ext>
+              </a:extLst>
+            </a:blip>
+            <a:stretch>
+              <a:fillRect/>
+            </a:stretch>
+          </p:blipFill>
+          <p:spPr>
+            <a:xfrm>
+              <a:off x="294348" y="2511007"/>
+              <a:ext cx="1309795" cy="1429169"/>
+            </a:xfrm>
+            <a:prstGeom prst="rect">
+              <a:avLst/>
+            </a:prstGeom>
+          </p:spPr>
+        </p:pic>
+        <p:grpSp>
+          <p:nvGrpSpPr>
+            <p:cNvPr id="46" name="Group 45"/>
+            <p:cNvGrpSpPr/>
+            <p:nvPr/>
+          </p:nvGrpSpPr>
+          <p:grpSpPr>
+            <a:xfrm rot="900000">
+              <a:off x="382825" y="3360472"/>
+              <a:ext cx="602072" cy="602072"/>
+              <a:chOff x="4754660" y="3753861"/>
+              <a:chExt cx="2235200" cy="2235200"/>
+            </a:xfrm>
+          </p:grpSpPr>
+          <p:sp>
+            <p:nvSpPr>
+              <p:cNvPr id="47" name="Shape 46"/>
+              <p:cNvSpPr/>
+              <p:nvPr/>
+            </p:nvSpPr>
+            <p:spPr>
+              <a:xfrm>
+                <a:off x="4754660" y="3753861"/>
+                <a:ext cx="2235200" cy="2235200"/>
+              </a:xfrm>
+              <a:prstGeom prst="gear9">
+                <a:avLst/>
+              </a:prstGeom>
+            </p:spPr>
+            <p:style>
+              <a:lnRef idx="2">
+                <a:schemeClr val="dk1"/>
+              </a:lnRef>
+              <a:fillRef idx="1">
+                <a:schemeClr val="lt1"/>
+              </a:fillRef>
+              <a:effectRef idx="0">
+                <a:schemeClr val="dk1"/>
+              </a:effectRef>
+              <a:fontRef idx="minor">
+                <a:schemeClr val="dk1"/>
+              </a:fontRef>
+            </p:style>
+          </p:sp>
+          <p:sp>
+            <p:nvSpPr>
+              <p:cNvPr id="48" name="Oval 47"/>
+              <p:cNvSpPr/>
+              <p:nvPr/>
+            </p:nvSpPr>
+            <p:spPr>
+              <a:xfrm>
+                <a:off x="5562525" y="4561726"/>
+                <a:ext cx="619470" cy="619470"/>
+              </a:xfrm>
+              <a:prstGeom prst="ellipse">
+                <a:avLst/>
+              </a:prstGeom>
+            </p:spPr>
+            <p:style>
+              <a:lnRef idx="2">
+                <a:schemeClr val="dk1"/>
+              </a:lnRef>
+              <a:fillRef idx="1">
+                <a:schemeClr val="lt1"/>
+              </a:fillRef>
+              <a:effectRef idx="0">
+                <a:schemeClr val="dk1"/>
+              </a:effectRef>
+              <a:fontRef idx="minor">
+                <a:schemeClr val="dk1"/>
+              </a:fontRef>
+            </p:style>
+            <p:txBody>
+              <a:bodyPr rtlCol="0" anchor="ctr"/>
+              <a:lstStyle/>
+              <a:p>
+                <a:pPr algn="ctr"/>
+                <a:endParaRPr lang="en-US"/>
+              </a:p>
+            </p:txBody>
+          </p:sp>
+        </p:grpSp>
+      </p:grpSp>
+      <p:sp>
+        <p:nvSpPr>
           <p:cNvPr id="24" name="Rectangle 23"/>
           <p:cNvSpPr/>
           <p:nvPr/>
@@ -31237,36 +30710,6 @@
           </a:p>
         </p:txBody>
       </p:sp>
-      <p:pic>
-        <p:nvPicPr>
-          <p:cNvPr id="2" name="Picture 1" descr="flag-for_d8_flag.png"/>
-          <p:cNvPicPr>
-            <a:picLocks noChangeAspect="1"/>
-          </p:cNvPicPr>
-          <p:nvPr/>
-        </p:nvPicPr>
-        <p:blipFill>
-          <a:blip r:embed="rId2">
-            <a:extLst>
-              <a:ext uri="{28A0092B-C50C-407E-A947-70E740481C1C}">
-                <a14:useLocalDpi xmlns:a14="http://schemas.microsoft.com/office/drawing/2010/main" val="0"/>
-              </a:ext>
-            </a:extLst>
-          </a:blip>
-          <a:stretch>
-            <a:fillRect/>
-          </a:stretch>
-        </p:blipFill>
-        <p:spPr>
-          <a:xfrm>
-            <a:off x="3600158" y="2944510"/>
-            <a:ext cx="1922998" cy="1917671"/>
-          </a:xfrm>
-          <a:prstGeom prst="rect">
-            <a:avLst/>
-          </a:prstGeom>
-        </p:spPr>
-      </p:pic>
       <p:sp>
         <p:nvSpPr>
           <p:cNvPr id="3" name="Rectangle 2"/>
@@ -32084,43 +31527,6 @@
                 <a:cs typeface="Anime Ace 2.0 BB"/>
               </a:rPr>
               <a:t>Some route</a:t>
-            </a:r>
-            <a:endParaRPr lang="en-US" sz="1600" dirty="0">
-              <a:latin typeface="Anime Ace 2.0 BB"/>
-              <a:cs typeface="Anime Ace 2.0 BB"/>
-            </a:endParaRPr>
-          </a:p>
-        </p:txBody>
-      </p:sp>
-      <p:sp>
-        <p:nvSpPr>
-          <p:cNvPr id="38" name="TextBox 37"/>
-          <p:cNvSpPr txBox="1"/>
-          <p:nvPr/>
-        </p:nvSpPr>
-        <p:spPr>
-          <a:xfrm>
-            <a:off x="3206422" y="4997348"/>
-            <a:ext cx="2341548" cy="338554"/>
-          </a:xfrm>
-          <a:prstGeom prst="rect">
-            <a:avLst/>
-          </a:prstGeom>
-          <a:noFill/>
-        </p:spPr>
-        <p:txBody>
-          <a:bodyPr wrap="square" rtlCol="0">
-            <a:spAutoFit/>
-          </a:bodyPr>
-          <a:lstStyle/>
-          <a:p>
-            <a:pPr algn="ctr"/>
-            <a:r>
-              <a:rPr lang="en-US" sz="1600" dirty="0" smtClean="0">
-                <a:latin typeface="Anime Ace 2.0 BB"/>
-                <a:cs typeface="Anime Ace 2.0 BB"/>
-              </a:rPr>
-              <a:t>Flag Service</a:t>
             </a:r>
             <a:endParaRPr lang="en-US" sz="1600" dirty="0">
               <a:latin typeface="Anime Ace 2.0 BB"/>
@@ -40745,23 +40151,216 @@
           </a:p>
         </p:txBody>
       </p:sp>
+      <p:sp>
+        <p:nvSpPr>
+          <p:cNvPr id="22" name="TextBox 21"/>
+          <p:cNvSpPr txBox="1"/>
+          <p:nvPr/>
+        </p:nvSpPr>
+        <p:spPr>
+          <a:xfrm>
+            <a:off x="3456086" y="3077347"/>
+            <a:ext cx="2341548" cy="338554"/>
+          </a:xfrm>
+          <a:prstGeom prst="rect">
+            <a:avLst/>
+          </a:prstGeom>
+          <a:noFill/>
+        </p:spPr>
+        <p:txBody>
+          <a:bodyPr wrap="square" rtlCol="0">
+            <a:spAutoFit/>
+          </a:bodyPr>
+          <a:lstStyle/>
+          <a:p>
+            <a:pPr algn="ctr"/>
+            <a:r>
+              <a:rPr lang="en-US" sz="1600" dirty="0" smtClean="0">
+                <a:latin typeface="Anime Ace 2.0 BB"/>
+                <a:cs typeface="Anime Ace 2.0 BB"/>
+              </a:rPr>
+              <a:t>Some route?</a:t>
+            </a:r>
+            <a:endParaRPr lang="en-US" sz="1600" dirty="0">
+              <a:latin typeface="Anime Ace 2.0 BB"/>
+              <a:cs typeface="Anime Ace 2.0 BB"/>
+            </a:endParaRPr>
+          </a:p>
+        </p:txBody>
+      </p:sp>
+      <p:sp>
+        <p:nvSpPr>
+          <p:cNvPr id="24" name="Right Arrow 23"/>
+          <p:cNvSpPr/>
+          <p:nvPr/>
+        </p:nvSpPr>
+        <p:spPr>
+          <a:xfrm>
+            <a:off x="6321321" y="2832598"/>
+            <a:ext cx="1015722" cy="756403"/>
+          </a:xfrm>
+          <a:prstGeom prst="rightArrow">
+            <a:avLst/>
+          </a:prstGeom>
+        </p:spPr>
+        <p:style>
+          <a:lnRef idx="2">
+            <a:schemeClr val="dk1"/>
+          </a:lnRef>
+          <a:fillRef idx="1">
+            <a:schemeClr val="lt1"/>
+          </a:fillRef>
+          <a:effectRef idx="0">
+            <a:schemeClr val="dk1"/>
+          </a:effectRef>
+          <a:fontRef idx="minor">
+            <a:schemeClr val="dk1"/>
+          </a:fontRef>
+        </p:style>
+        <p:txBody>
+          <a:bodyPr rtlCol="0" anchor="ctr"/>
+          <a:lstStyle/>
+          <a:p>
+            <a:pPr algn="ctr"/>
+            <a:endParaRPr lang="en-US"/>
+          </a:p>
+        </p:txBody>
+      </p:sp>
+      <p:sp>
+        <p:nvSpPr>
+          <p:cNvPr id="26" name="Right Arrow 25"/>
+          <p:cNvSpPr/>
+          <p:nvPr/>
+        </p:nvSpPr>
+        <p:spPr>
+          <a:xfrm>
+            <a:off x="1923431" y="2891983"/>
+            <a:ext cx="1015722" cy="756403"/>
+          </a:xfrm>
+          <a:prstGeom prst="rightArrow">
+            <a:avLst/>
+          </a:prstGeom>
+        </p:spPr>
+        <p:style>
+          <a:lnRef idx="2">
+            <a:schemeClr val="dk1"/>
+          </a:lnRef>
+          <a:fillRef idx="1">
+            <a:schemeClr val="lt1"/>
+          </a:fillRef>
+          <a:effectRef idx="0">
+            <a:schemeClr val="dk1"/>
+          </a:effectRef>
+          <a:fontRef idx="minor">
+            <a:schemeClr val="dk1"/>
+          </a:fontRef>
+        </p:style>
+        <p:txBody>
+          <a:bodyPr rtlCol="0" anchor="ctr"/>
+          <a:lstStyle/>
+          <a:p>
+            <a:pPr algn="ctr"/>
+            <a:endParaRPr lang="en-US"/>
+          </a:p>
+        </p:txBody>
+      </p:sp>
+      <p:sp>
+        <p:nvSpPr>
+          <p:cNvPr id="28" name="Rectangle 27"/>
+          <p:cNvSpPr/>
+          <p:nvPr/>
+        </p:nvSpPr>
+        <p:spPr>
+          <a:xfrm>
+            <a:off x="0" y="1800032"/>
+            <a:ext cx="9144000" cy="3020603"/>
+          </a:xfrm>
+          <a:prstGeom prst="rect">
+            <a:avLst/>
+          </a:prstGeom>
+          <a:noFill/>
+          <a:ln>
+            <a:noFill/>
+          </a:ln>
+          <a:effectLst/>
+        </p:spPr>
+        <p:style>
+          <a:lnRef idx="2">
+            <a:schemeClr val="dk1"/>
+          </a:lnRef>
+          <a:fillRef idx="1">
+            <a:schemeClr val="lt1"/>
+          </a:fillRef>
+          <a:effectRef idx="0">
+            <a:schemeClr val="dk1"/>
+          </a:effectRef>
+          <a:fontRef idx="minor">
+            <a:schemeClr val="dk1"/>
+          </a:fontRef>
+        </p:style>
+        <p:txBody>
+          <a:bodyPr rtlCol="0" anchor="ctr"/>
+          <a:lstStyle/>
+          <a:p>
+            <a:pPr algn="ctr"/>
+            <a:endParaRPr lang="en-US"/>
+          </a:p>
+        </p:txBody>
+      </p:sp>
+      <p:sp>
+        <p:nvSpPr>
+          <p:cNvPr id="29" name="TextBox 28"/>
+          <p:cNvSpPr txBox="1"/>
+          <p:nvPr/>
+        </p:nvSpPr>
+        <p:spPr>
+          <a:xfrm>
+            <a:off x="7243476" y="3952726"/>
+            <a:ext cx="1899157" cy="338554"/>
+          </a:xfrm>
+          <a:prstGeom prst="rect">
+            <a:avLst/>
+          </a:prstGeom>
+          <a:noFill/>
+        </p:spPr>
+        <p:txBody>
+          <a:bodyPr wrap="square" rtlCol="0">
+            <a:spAutoFit/>
+          </a:bodyPr>
+          <a:lstStyle/>
+          <a:p>
+            <a:pPr algn="ctr"/>
+            <a:r>
+              <a:rPr lang="en-US" sz="1600" dirty="0" smtClean="0">
+                <a:latin typeface="Anime Ace 2.0 BB"/>
+                <a:cs typeface="Anime Ace 2.0 BB"/>
+              </a:rPr>
+              <a:t>Flag Service</a:t>
+            </a:r>
+            <a:endParaRPr lang="en-US" sz="1600" dirty="0">
+              <a:latin typeface="Anime Ace 2.0 BB"/>
+              <a:cs typeface="Anime Ace 2.0 BB"/>
+            </a:endParaRPr>
+          </a:p>
+        </p:txBody>
+      </p:sp>
       <p:grpSp>
         <p:nvGrpSpPr>
-          <p:cNvPr id="25" name="Group 24"/>
+          <p:cNvPr id="30" name="Group 29"/>
           <p:cNvGrpSpPr/>
           <p:nvPr/>
         </p:nvGrpSpPr>
         <p:grpSpPr>
           <a:xfrm>
-            <a:off x="7511355" y="2416617"/>
-            <a:ext cx="1433139" cy="1523297"/>
-            <a:chOff x="7196188" y="1895941"/>
-            <a:chExt cx="1922998" cy="2043973"/>
+            <a:off x="7537824" y="2492324"/>
+            <a:ext cx="1309795" cy="1451537"/>
+            <a:chOff x="294348" y="2511007"/>
+            <a:chExt cx="1309795" cy="1451537"/>
           </a:xfrm>
         </p:grpSpPr>
         <p:pic>
           <p:nvPicPr>
-            <p:cNvPr id="17" name="Picture 16" descr="flag-for_d8_flag.png"/>
+            <p:cNvPr id="31" name="Picture 30" descr="flag8.png"/>
             <p:cNvPicPr>
               <a:picLocks noChangeAspect="1"/>
             </p:cNvPicPr>
@@ -40781,8 +40380,8 @@
           </p:blipFill>
           <p:spPr>
             <a:xfrm>
-              <a:off x="7196188" y="1895941"/>
-              <a:ext cx="1922998" cy="1917671"/>
+              <a:off x="294348" y="2511007"/>
+              <a:ext cx="1309795" cy="1429169"/>
             </a:xfrm>
             <a:prstGeom prst="rect">
               <a:avLst/>
@@ -40791,21 +40390,21 @@
         </p:pic>
         <p:grpSp>
           <p:nvGrpSpPr>
-            <p:cNvPr id="18" name="Group 17"/>
+            <p:cNvPr id="32" name="Group 31"/>
             <p:cNvGrpSpPr/>
             <p:nvPr/>
           </p:nvGrpSpPr>
           <p:grpSpPr>
             <a:xfrm rot="900000">
-              <a:off x="7352257" y="3132049"/>
-              <a:ext cx="807865" cy="807865"/>
+              <a:off x="382825" y="3360472"/>
+              <a:ext cx="602072" cy="602072"/>
               <a:chOff x="4754660" y="3753861"/>
               <a:chExt cx="2235200" cy="2235200"/>
             </a:xfrm>
           </p:grpSpPr>
           <p:sp>
             <p:nvSpPr>
-              <p:cNvPr id="19" name="Shape 18"/>
+              <p:cNvPr id="33" name="Shape 32"/>
               <p:cNvSpPr/>
               <p:nvPr/>
             </p:nvSpPr>
@@ -40835,7 +40434,7 @@
           </p:sp>
           <p:sp>
             <p:nvSpPr>
-              <p:cNvPr id="20" name="Oval 19"/>
+              <p:cNvPr id="34" name="Oval 33"/>
               <p:cNvSpPr/>
               <p:nvPr/>
             </p:nvSpPr>
@@ -40873,199 +40472,6 @@
           </p:sp>
         </p:grpSp>
       </p:grpSp>
-      <p:sp>
-        <p:nvSpPr>
-          <p:cNvPr id="22" name="TextBox 21"/>
-          <p:cNvSpPr txBox="1"/>
-          <p:nvPr/>
-        </p:nvSpPr>
-        <p:spPr>
-          <a:xfrm>
-            <a:off x="3456086" y="3077347"/>
-            <a:ext cx="2341548" cy="338554"/>
-          </a:xfrm>
-          <a:prstGeom prst="rect">
-            <a:avLst/>
-          </a:prstGeom>
-          <a:noFill/>
-        </p:spPr>
-        <p:txBody>
-          <a:bodyPr wrap="square" rtlCol="0">
-            <a:spAutoFit/>
-          </a:bodyPr>
-          <a:lstStyle/>
-          <a:p>
-            <a:pPr algn="ctr"/>
-            <a:r>
-              <a:rPr lang="en-US" sz="1600" dirty="0" smtClean="0">
-                <a:latin typeface="Anime Ace 2.0 BB"/>
-                <a:cs typeface="Anime Ace 2.0 BB"/>
-              </a:rPr>
-              <a:t>Some route?</a:t>
-            </a:r>
-            <a:endParaRPr lang="en-US" sz="1600" dirty="0">
-              <a:latin typeface="Anime Ace 2.0 BB"/>
-              <a:cs typeface="Anime Ace 2.0 BB"/>
-            </a:endParaRPr>
-          </a:p>
-        </p:txBody>
-      </p:sp>
-      <p:sp>
-        <p:nvSpPr>
-          <p:cNvPr id="23" name="TextBox 22"/>
-          <p:cNvSpPr txBox="1"/>
-          <p:nvPr/>
-        </p:nvSpPr>
-        <p:spPr>
-          <a:xfrm>
-            <a:off x="7244842" y="3948779"/>
-            <a:ext cx="1899157" cy="338554"/>
-          </a:xfrm>
-          <a:prstGeom prst="rect">
-            <a:avLst/>
-          </a:prstGeom>
-          <a:noFill/>
-        </p:spPr>
-        <p:txBody>
-          <a:bodyPr wrap="square" rtlCol="0">
-            <a:spAutoFit/>
-          </a:bodyPr>
-          <a:lstStyle/>
-          <a:p>
-            <a:pPr algn="ctr"/>
-            <a:r>
-              <a:rPr lang="en-US" sz="1600" dirty="0" smtClean="0">
-                <a:latin typeface="Anime Ace 2.0 BB"/>
-                <a:cs typeface="Anime Ace 2.0 BB"/>
-              </a:rPr>
-              <a:t>Flag Service</a:t>
-            </a:r>
-            <a:endParaRPr lang="en-US" sz="1600" dirty="0">
-              <a:latin typeface="Anime Ace 2.0 BB"/>
-              <a:cs typeface="Anime Ace 2.0 BB"/>
-            </a:endParaRPr>
-          </a:p>
-        </p:txBody>
-      </p:sp>
-      <p:sp>
-        <p:nvSpPr>
-          <p:cNvPr id="24" name="Right Arrow 23"/>
-          <p:cNvSpPr/>
-          <p:nvPr/>
-        </p:nvSpPr>
-        <p:spPr>
-          <a:xfrm>
-            <a:off x="6321321" y="2832598"/>
-            <a:ext cx="1015722" cy="756403"/>
-          </a:xfrm>
-          <a:prstGeom prst="rightArrow">
-            <a:avLst/>
-          </a:prstGeom>
-        </p:spPr>
-        <p:style>
-          <a:lnRef idx="2">
-            <a:schemeClr val="dk1"/>
-          </a:lnRef>
-          <a:fillRef idx="1">
-            <a:schemeClr val="lt1"/>
-          </a:fillRef>
-          <a:effectRef idx="0">
-            <a:schemeClr val="dk1"/>
-          </a:effectRef>
-          <a:fontRef idx="minor">
-            <a:schemeClr val="dk1"/>
-          </a:fontRef>
-        </p:style>
-        <p:txBody>
-          <a:bodyPr rtlCol="0" anchor="ctr"/>
-          <a:lstStyle/>
-          <a:p>
-            <a:pPr algn="ctr"/>
-            <a:endParaRPr lang="en-US"/>
-          </a:p>
-        </p:txBody>
-      </p:sp>
-      <p:sp>
-        <p:nvSpPr>
-          <p:cNvPr id="26" name="Right Arrow 25"/>
-          <p:cNvSpPr/>
-          <p:nvPr/>
-        </p:nvSpPr>
-        <p:spPr>
-          <a:xfrm>
-            <a:off x="1923431" y="2891983"/>
-            <a:ext cx="1015722" cy="756403"/>
-          </a:xfrm>
-          <a:prstGeom prst="rightArrow">
-            <a:avLst/>
-          </a:prstGeom>
-        </p:spPr>
-        <p:style>
-          <a:lnRef idx="2">
-            <a:schemeClr val="dk1"/>
-          </a:lnRef>
-          <a:fillRef idx="1">
-            <a:schemeClr val="lt1"/>
-          </a:fillRef>
-          <a:effectRef idx="0">
-            <a:schemeClr val="dk1"/>
-          </a:effectRef>
-          <a:fontRef idx="minor">
-            <a:schemeClr val="dk1"/>
-          </a:fontRef>
-        </p:style>
-        <p:txBody>
-          <a:bodyPr rtlCol="0" anchor="ctr"/>
-          <a:lstStyle/>
-          <a:p>
-            <a:pPr algn="ctr"/>
-            <a:endParaRPr lang="en-US"/>
-          </a:p>
-        </p:txBody>
-      </p:sp>
-      <p:sp>
-        <p:nvSpPr>
-          <p:cNvPr id="28" name="Rectangle 27"/>
-          <p:cNvSpPr/>
-          <p:nvPr/>
-        </p:nvSpPr>
-        <p:spPr>
-          <a:xfrm>
-            <a:off x="0" y="1800032"/>
-            <a:ext cx="9144000" cy="3020603"/>
-          </a:xfrm>
-          <a:prstGeom prst="rect">
-            <a:avLst/>
-          </a:prstGeom>
-          <a:noFill/>
-          <a:ln>
-            <a:noFill/>
-          </a:ln>
-          <a:effectLst/>
-        </p:spPr>
-        <p:style>
-          <a:lnRef idx="2">
-            <a:schemeClr val="dk1"/>
-          </a:lnRef>
-          <a:fillRef idx="1">
-            <a:schemeClr val="lt1"/>
-          </a:fillRef>
-          <a:effectRef idx="0">
-            <a:schemeClr val="dk1"/>
-          </a:effectRef>
-          <a:fontRef idx="minor">
-            <a:schemeClr val="dk1"/>
-          </a:fontRef>
-        </p:style>
-        <p:txBody>
-          <a:bodyPr rtlCol="0" anchor="ctr"/>
-          <a:lstStyle/>
-          <a:p>
-            <a:pPr algn="ctr"/>
-            <a:endParaRPr lang="en-US"/>
-          </a:p>
-        </p:txBody>
-      </p:sp>
     </p:spTree>
     <p:extLst>
       <p:ext uri="{BB962C8B-B14F-4D97-AF65-F5344CB8AC3E}">
@@ -41096,6 +40502,171 @@
           <a:chExt cx="0" cy="0"/>
         </a:xfrm>
       </p:grpSpPr>
+      <p:sp>
+        <p:nvSpPr>
+          <p:cNvPr id="30" name="TextBox 29"/>
+          <p:cNvSpPr txBox="1"/>
+          <p:nvPr/>
+        </p:nvSpPr>
+        <p:spPr>
+          <a:xfrm>
+            <a:off x="7243476" y="3952726"/>
+            <a:ext cx="1899157" cy="338554"/>
+          </a:xfrm>
+          <a:prstGeom prst="rect">
+            <a:avLst/>
+          </a:prstGeom>
+          <a:noFill/>
+        </p:spPr>
+        <p:txBody>
+          <a:bodyPr wrap="square" rtlCol="0">
+            <a:spAutoFit/>
+          </a:bodyPr>
+          <a:lstStyle/>
+          <a:p>
+            <a:pPr algn="ctr"/>
+            <a:r>
+              <a:rPr lang="en-US" sz="1600" dirty="0" smtClean="0">
+                <a:latin typeface="Anime Ace 2.0 BB"/>
+                <a:cs typeface="Anime Ace 2.0 BB"/>
+              </a:rPr>
+              <a:t>Flag Service</a:t>
+            </a:r>
+            <a:endParaRPr lang="en-US" sz="1600" dirty="0">
+              <a:latin typeface="Anime Ace 2.0 BB"/>
+              <a:cs typeface="Anime Ace 2.0 BB"/>
+            </a:endParaRPr>
+          </a:p>
+        </p:txBody>
+      </p:sp>
+      <p:grpSp>
+        <p:nvGrpSpPr>
+          <p:cNvPr id="31" name="Group 30"/>
+          <p:cNvGrpSpPr/>
+          <p:nvPr/>
+        </p:nvGrpSpPr>
+        <p:grpSpPr>
+          <a:xfrm>
+            <a:off x="7537824" y="2492324"/>
+            <a:ext cx="1309795" cy="1451537"/>
+            <a:chOff x="294348" y="2511007"/>
+            <a:chExt cx="1309795" cy="1451537"/>
+          </a:xfrm>
+        </p:grpSpPr>
+        <p:pic>
+          <p:nvPicPr>
+            <p:cNvPr id="32" name="Picture 31" descr="flag8.png"/>
+            <p:cNvPicPr>
+              <a:picLocks noChangeAspect="1"/>
+            </p:cNvPicPr>
+            <p:nvPr/>
+          </p:nvPicPr>
+          <p:blipFill>
+            <a:blip r:embed="rId2">
+              <a:extLst>
+                <a:ext uri="{28A0092B-C50C-407E-A947-70E740481C1C}">
+                  <a14:useLocalDpi xmlns:a14="http://schemas.microsoft.com/office/drawing/2010/main" val="0"/>
+                </a:ext>
+              </a:extLst>
+            </a:blip>
+            <a:stretch>
+              <a:fillRect/>
+            </a:stretch>
+          </p:blipFill>
+          <p:spPr>
+            <a:xfrm>
+              <a:off x="294348" y="2511007"/>
+              <a:ext cx="1309795" cy="1429169"/>
+            </a:xfrm>
+            <a:prstGeom prst="rect">
+              <a:avLst/>
+            </a:prstGeom>
+          </p:spPr>
+        </p:pic>
+        <p:grpSp>
+          <p:nvGrpSpPr>
+            <p:cNvPr id="33" name="Group 32"/>
+            <p:cNvGrpSpPr/>
+            <p:nvPr/>
+          </p:nvGrpSpPr>
+          <p:grpSpPr>
+            <a:xfrm rot="900000">
+              <a:off x="382825" y="3360472"/>
+              <a:ext cx="602072" cy="602072"/>
+              <a:chOff x="4754660" y="3753861"/>
+              <a:chExt cx="2235200" cy="2235200"/>
+            </a:xfrm>
+          </p:grpSpPr>
+          <p:sp>
+            <p:nvSpPr>
+              <p:cNvPr id="34" name="Shape 33"/>
+              <p:cNvSpPr/>
+              <p:nvPr/>
+            </p:nvSpPr>
+            <p:spPr>
+              <a:xfrm>
+                <a:off x="4754660" y="3753861"/>
+                <a:ext cx="2235200" cy="2235200"/>
+              </a:xfrm>
+              <a:prstGeom prst="gear9">
+                <a:avLst/>
+              </a:prstGeom>
+            </p:spPr>
+            <p:style>
+              <a:lnRef idx="2">
+                <a:schemeClr val="dk1"/>
+              </a:lnRef>
+              <a:fillRef idx="1">
+                <a:schemeClr val="lt1"/>
+              </a:fillRef>
+              <a:effectRef idx="0">
+                <a:schemeClr val="dk1"/>
+              </a:effectRef>
+              <a:fontRef idx="minor">
+                <a:schemeClr val="dk1"/>
+              </a:fontRef>
+            </p:style>
+          </p:sp>
+          <p:sp>
+            <p:nvSpPr>
+              <p:cNvPr id="35" name="Oval 34"/>
+              <p:cNvSpPr/>
+              <p:nvPr/>
+            </p:nvSpPr>
+            <p:spPr>
+              <a:xfrm>
+                <a:off x="5562525" y="4561726"/>
+                <a:ext cx="619470" cy="619470"/>
+              </a:xfrm>
+              <a:prstGeom prst="ellipse">
+                <a:avLst/>
+              </a:prstGeom>
+            </p:spPr>
+            <p:style>
+              <a:lnRef idx="2">
+                <a:schemeClr val="dk1"/>
+              </a:lnRef>
+              <a:fillRef idx="1">
+                <a:schemeClr val="lt1"/>
+              </a:fillRef>
+              <a:effectRef idx="0">
+                <a:schemeClr val="dk1"/>
+              </a:effectRef>
+              <a:fontRef idx="minor">
+                <a:schemeClr val="dk1"/>
+              </a:fontRef>
+            </p:style>
+            <p:txBody>
+              <a:bodyPr rtlCol="0" anchor="ctr"/>
+              <a:lstStyle/>
+              <a:p>
+                <a:pPr algn="ctr"/>
+                <a:endParaRPr lang="en-US"/>
+              </a:p>
+            </p:txBody>
+          </p:sp>
+        </p:grpSp>
+      </p:grpSp>
       <p:grpSp>
         <p:nvGrpSpPr>
           <p:cNvPr id="27" name="Group 26"/>
@@ -41583,171 +41154,6 @@
           </a:p>
         </p:txBody>
       </p:sp>
-      <p:grpSp>
-        <p:nvGrpSpPr>
-          <p:cNvPr id="25" name="Group 24"/>
-          <p:cNvGrpSpPr/>
-          <p:nvPr/>
-        </p:nvGrpSpPr>
-        <p:grpSpPr>
-          <a:xfrm>
-            <a:off x="7511355" y="2416617"/>
-            <a:ext cx="1433139" cy="1523297"/>
-            <a:chOff x="7196188" y="1895941"/>
-            <a:chExt cx="1922998" cy="2043973"/>
-          </a:xfrm>
-        </p:grpSpPr>
-        <p:pic>
-          <p:nvPicPr>
-            <p:cNvPr id="17" name="Picture 16" descr="flag-for_d8_flag.png"/>
-            <p:cNvPicPr>
-              <a:picLocks noChangeAspect="1"/>
-            </p:cNvPicPr>
-            <p:nvPr/>
-          </p:nvPicPr>
-          <p:blipFill>
-            <a:blip r:embed="rId2">
-              <a:extLst>
-                <a:ext uri="{28A0092B-C50C-407E-A947-70E740481C1C}">
-                  <a14:useLocalDpi xmlns:a14="http://schemas.microsoft.com/office/drawing/2010/main" val="0"/>
-                </a:ext>
-              </a:extLst>
-            </a:blip>
-            <a:stretch>
-              <a:fillRect/>
-            </a:stretch>
-          </p:blipFill>
-          <p:spPr>
-            <a:xfrm>
-              <a:off x="7196188" y="1895941"/>
-              <a:ext cx="1922998" cy="1917671"/>
-            </a:xfrm>
-            <a:prstGeom prst="rect">
-              <a:avLst/>
-            </a:prstGeom>
-          </p:spPr>
-        </p:pic>
-        <p:grpSp>
-          <p:nvGrpSpPr>
-            <p:cNvPr id="18" name="Group 17"/>
-            <p:cNvGrpSpPr/>
-            <p:nvPr/>
-          </p:nvGrpSpPr>
-          <p:grpSpPr>
-            <a:xfrm rot="900000">
-              <a:off x="7352257" y="3132049"/>
-              <a:ext cx="807865" cy="807865"/>
-              <a:chOff x="4754660" y="3753861"/>
-              <a:chExt cx="2235200" cy="2235200"/>
-            </a:xfrm>
-          </p:grpSpPr>
-          <p:sp>
-            <p:nvSpPr>
-              <p:cNvPr id="19" name="Shape 18"/>
-              <p:cNvSpPr/>
-              <p:nvPr/>
-            </p:nvSpPr>
-            <p:spPr>
-              <a:xfrm>
-                <a:off x="4754660" y="3753861"/>
-                <a:ext cx="2235200" cy="2235200"/>
-              </a:xfrm>
-              <a:prstGeom prst="gear9">
-                <a:avLst/>
-              </a:prstGeom>
-            </p:spPr>
-            <p:style>
-              <a:lnRef idx="2">
-                <a:schemeClr val="dk1"/>
-              </a:lnRef>
-              <a:fillRef idx="1">
-                <a:schemeClr val="lt1"/>
-              </a:fillRef>
-              <a:effectRef idx="0">
-                <a:schemeClr val="dk1"/>
-              </a:effectRef>
-              <a:fontRef idx="minor">
-                <a:schemeClr val="dk1"/>
-              </a:fontRef>
-            </p:style>
-          </p:sp>
-          <p:sp>
-            <p:nvSpPr>
-              <p:cNvPr id="20" name="Oval 19"/>
-              <p:cNvSpPr/>
-              <p:nvPr/>
-            </p:nvSpPr>
-            <p:spPr>
-              <a:xfrm>
-                <a:off x="5562525" y="4561726"/>
-                <a:ext cx="619470" cy="619470"/>
-              </a:xfrm>
-              <a:prstGeom prst="ellipse">
-                <a:avLst/>
-              </a:prstGeom>
-            </p:spPr>
-            <p:style>
-              <a:lnRef idx="2">
-                <a:schemeClr val="dk1"/>
-              </a:lnRef>
-              <a:fillRef idx="1">
-                <a:schemeClr val="lt1"/>
-              </a:fillRef>
-              <a:effectRef idx="0">
-                <a:schemeClr val="dk1"/>
-              </a:effectRef>
-              <a:fontRef idx="minor">
-                <a:schemeClr val="dk1"/>
-              </a:fontRef>
-            </p:style>
-            <p:txBody>
-              <a:bodyPr rtlCol="0" anchor="ctr"/>
-              <a:lstStyle/>
-              <a:p>
-                <a:pPr algn="ctr"/>
-                <a:endParaRPr lang="en-US"/>
-              </a:p>
-            </p:txBody>
-          </p:sp>
-        </p:grpSp>
-      </p:grpSp>
-      <p:sp>
-        <p:nvSpPr>
-          <p:cNvPr id="23" name="TextBox 22"/>
-          <p:cNvSpPr txBox="1"/>
-          <p:nvPr/>
-        </p:nvSpPr>
-        <p:spPr>
-          <a:xfrm>
-            <a:off x="7244842" y="3948779"/>
-            <a:ext cx="1899157" cy="338554"/>
-          </a:xfrm>
-          <a:prstGeom prst="rect">
-            <a:avLst/>
-          </a:prstGeom>
-          <a:noFill/>
-        </p:spPr>
-        <p:txBody>
-          <a:bodyPr wrap="square" rtlCol="0">
-            <a:spAutoFit/>
-          </a:bodyPr>
-          <a:lstStyle/>
-          <a:p>
-            <a:pPr algn="ctr"/>
-            <a:r>
-              <a:rPr lang="en-US" sz="1600" dirty="0" smtClean="0">
-                <a:latin typeface="Anime Ace 2.0 BB"/>
-                <a:cs typeface="Anime Ace 2.0 BB"/>
-              </a:rPr>
-              <a:t>Flag Service</a:t>
-            </a:r>
-            <a:endParaRPr lang="en-US" sz="1600" dirty="0">
-              <a:latin typeface="Anime Ace 2.0 BB"/>
-              <a:cs typeface="Anime Ace 2.0 BB"/>
-            </a:endParaRPr>
-          </a:p>
-        </p:txBody>
-      </p:sp>
       <p:sp>
         <p:nvSpPr>
           <p:cNvPr id="24" name="Right Arrow 23"/>
@@ -43148,23 +42554,60 @@
           </a:p>
         </p:txBody>
       </p:sp>
+      <p:sp>
+        <p:nvSpPr>
+          <p:cNvPr id="9" name="TextBox 8"/>
+          <p:cNvSpPr txBox="1"/>
+          <p:nvPr/>
+        </p:nvSpPr>
+        <p:spPr>
+          <a:xfrm>
+            <a:off x="0" y="3971409"/>
+            <a:ext cx="1899157" cy="338554"/>
+          </a:xfrm>
+          <a:prstGeom prst="rect">
+            <a:avLst/>
+          </a:prstGeom>
+          <a:noFill/>
+        </p:spPr>
+        <p:txBody>
+          <a:bodyPr wrap="square" rtlCol="0">
+            <a:spAutoFit/>
+          </a:bodyPr>
+          <a:lstStyle/>
+          <a:p>
+            <a:pPr algn="ctr"/>
+            <a:r>
+              <a:rPr lang="en-US" sz="1600" dirty="0" smtClean="0">
+                <a:latin typeface="Anime Ace 2.0 BB"/>
+                <a:cs typeface="Anime Ace 2.0 BB"/>
+              </a:rPr>
+              <a:t>Flag Service</a:t>
+            </a:r>
+            <a:endParaRPr lang="en-US" sz="1600" dirty="0">
+              <a:latin typeface="Anime Ace 2.0 BB"/>
+              <a:cs typeface="Anime Ace 2.0 BB"/>
+            </a:endParaRPr>
+          </a:p>
+        </p:txBody>
+      </p:sp>
       <p:grpSp>
         <p:nvGrpSpPr>
-          <p:cNvPr id="4" name="Group 3"/>
+          <p:cNvPr id="15" name="Group 14"/>
           <p:cNvGrpSpPr/>
           <p:nvPr/>
         </p:nvGrpSpPr>
         <p:grpSpPr>
           <a:xfrm>
-            <a:off x="266513" y="2439247"/>
-            <a:ext cx="1433139" cy="1523297"/>
-            <a:chOff x="7196188" y="1895941"/>
-            <a:chExt cx="1922998" cy="2043973"/>
+            <a:off x="294348" y="2511007"/>
+            <a:ext cx="1309795" cy="1451537"/>
+            <a:chOff x="294348" y="2511007"/>
+            <a:chExt cx="1309795" cy="1451537"/>
           </a:xfrm>
         </p:grpSpPr>
         <p:pic>
           <p:nvPicPr>
-            <p:cNvPr id="5" name="Picture 4" descr="flag-for_d8_flag.png"/>
+            <p:cNvPr id="16" name="Picture 15" descr="flag8.png"/>
             <p:cNvPicPr>
               <a:picLocks noChangeAspect="1"/>
             </p:cNvPicPr>
@@ -43184,8 +42627,8 @@
           </p:blipFill>
           <p:spPr>
             <a:xfrm>
-              <a:off x="7196188" y="1895941"/>
-              <a:ext cx="1922998" cy="1917671"/>
+              <a:off x="294348" y="2511007"/>
+              <a:ext cx="1309795" cy="1429169"/>
             </a:xfrm>
             <a:prstGeom prst="rect">
               <a:avLst/>
@@ -43194,21 +42637,21 @@
         </p:pic>
         <p:grpSp>
           <p:nvGrpSpPr>
-            <p:cNvPr id="6" name="Group 5"/>
+            <p:cNvPr id="17" name="Group 16"/>
             <p:cNvGrpSpPr/>
             <p:nvPr/>
           </p:nvGrpSpPr>
           <p:grpSpPr>
             <a:xfrm rot="900000">
-              <a:off x="7352257" y="3132049"/>
-              <a:ext cx="807865" cy="807865"/>
+              <a:off x="382825" y="3360472"/>
+              <a:ext cx="602072" cy="602072"/>
               <a:chOff x="4754660" y="3753861"/>
               <a:chExt cx="2235200" cy="2235200"/>
             </a:xfrm>
           </p:grpSpPr>
           <p:sp>
             <p:nvSpPr>
-              <p:cNvPr id="7" name="Shape 6"/>
+              <p:cNvPr id="18" name="Shape 17"/>
               <p:cNvSpPr/>
               <p:nvPr/>
             </p:nvSpPr>
@@ -43238,7 +42681,7 @@
           </p:sp>
           <p:sp>
             <p:nvSpPr>
-              <p:cNvPr id="8" name="Oval 7"/>
+              <p:cNvPr id="19" name="Oval 18"/>
               <p:cNvSpPr/>
               <p:nvPr/>
             </p:nvSpPr>
@@ -43276,43 +42719,6 @@
           </p:sp>
         </p:grpSp>
       </p:grpSp>
-      <p:sp>
-        <p:nvSpPr>
-          <p:cNvPr id="9" name="TextBox 8"/>
-          <p:cNvSpPr txBox="1"/>
-          <p:nvPr/>
-        </p:nvSpPr>
-        <p:spPr>
-          <a:xfrm>
-            <a:off x="0" y="3971409"/>
-            <a:ext cx="1899157" cy="338554"/>
-          </a:xfrm>
-          <a:prstGeom prst="rect">
-            <a:avLst/>
-          </a:prstGeom>
-          <a:noFill/>
-        </p:spPr>
-        <p:txBody>
-          <a:bodyPr wrap="square" rtlCol="0">
-            <a:spAutoFit/>
-          </a:bodyPr>
-          <a:lstStyle/>
-          <a:p>
-            <a:pPr algn="ctr"/>
-            <a:r>
-              <a:rPr lang="en-US" sz="1600" dirty="0" smtClean="0">
-                <a:latin typeface="Anime Ace 2.0 BB"/>
-                <a:cs typeface="Anime Ace 2.0 BB"/>
-              </a:rPr>
-              <a:t>Flag Service</a:t>
-            </a:r>
-            <a:endParaRPr lang="en-US" sz="1600" dirty="0">
-              <a:latin typeface="Anime Ace 2.0 BB"/>
-              <a:cs typeface="Anime Ace 2.0 BB"/>
-            </a:endParaRPr>
-          </a:p>
-        </p:txBody>
-      </p:sp>
     </p:spTree>
     <p:extLst>
       <p:ext uri="{BB962C8B-B14F-4D97-AF65-F5344CB8AC3E}">
@@ -43388,21 +42794,21 @@
       </p:sp>
       <p:grpSp>
         <p:nvGrpSpPr>
-          <p:cNvPr id="4" name="Group 3"/>
+          <p:cNvPr id="3" name="Group 2"/>
           <p:cNvGrpSpPr/>
           <p:nvPr/>
         </p:nvGrpSpPr>
         <p:grpSpPr>
           <a:xfrm>
-            <a:off x="266513" y="2439247"/>
-            <a:ext cx="1433139" cy="1523297"/>
-            <a:chOff x="7196188" y="1895941"/>
-            <a:chExt cx="1922998" cy="2043973"/>
+            <a:off x="294348" y="2511007"/>
+            <a:ext cx="1309795" cy="1451537"/>
+            <a:chOff x="294348" y="2511007"/>
+            <a:chExt cx="1309795" cy="1451537"/>
           </a:xfrm>
         </p:grpSpPr>
         <p:pic>
           <p:nvPicPr>
-            <p:cNvPr id="5" name="Picture 4" descr="flag-for_d8_flag.png"/>
+            <p:cNvPr id="2" name="Picture 1" descr="flag8.png"/>
             <p:cNvPicPr>
               <a:picLocks noChangeAspect="1"/>
             </p:cNvPicPr>
@@ -43422,8 +42828,8 @@
           </p:blipFill>
           <p:spPr>
             <a:xfrm>
-              <a:off x="7196188" y="1895941"/>
-              <a:ext cx="1922998" cy="1917671"/>
+              <a:off x="294348" y="2511007"/>
+              <a:ext cx="1309795" cy="1429169"/>
             </a:xfrm>
             <a:prstGeom prst="rect">
               <a:avLst/>
@@ -43438,8 +42844,8 @@
           </p:nvGrpSpPr>
           <p:grpSpPr>
             <a:xfrm rot="900000">
-              <a:off x="7352257" y="3132049"/>
-              <a:ext cx="807865" cy="807865"/>
+              <a:off x="382825" y="3360472"/>
+              <a:ext cx="602072" cy="602072"/>
               <a:chOff x="4754660" y="3753861"/>
               <a:chExt cx="2235200" cy="2235200"/>
             </a:xfrm>
@@ -44091,30 +43497,275 @@
           </a:p>
         </p:txBody>
       </p:sp>
+      <p:sp>
+        <p:nvSpPr>
+          <p:cNvPr id="9" name="TextBox 8"/>
+          <p:cNvSpPr txBox="1"/>
+          <p:nvPr/>
+        </p:nvSpPr>
+        <p:spPr>
+          <a:xfrm>
+            <a:off x="0" y="3971409"/>
+            <a:ext cx="1899157" cy="338554"/>
+          </a:xfrm>
+          <a:prstGeom prst="rect">
+            <a:avLst/>
+          </a:prstGeom>
+          <a:noFill/>
+        </p:spPr>
+        <p:txBody>
+          <a:bodyPr wrap="square" rtlCol="0">
+            <a:spAutoFit/>
+          </a:bodyPr>
+          <a:lstStyle/>
+          <a:p>
+            <a:pPr algn="ctr"/>
+            <a:r>
+              <a:rPr lang="en-US" sz="1600" dirty="0" smtClean="0">
+                <a:latin typeface="Anime Ace 2.0 BB"/>
+                <a:cs typeface="Anime Ace 2.0 BB"/>
+              </a:rPr>
+              <a:t>Flag Service</a:t>
+            </a:r>
+            <a:endParaRPr lang="en-US" sz="1600" dirty="0">
+              <a:latin typeface="Anime Ace 2.0 BB"/>
+              <a:cs typeface="Anime Ace 2.0 BB"/>
+            </a:endParaRPr>
+          </a:p>
+        </p:txBody>
+      </p:sp>
+      <p:sp>
+        <p:nvSpPr>
+          <p:cNvPr id="11" name="Rounded Rectangle 10"/>
+          <p:cNvSpPr/>
+          <p:nvPr/>
+        </p:nvSpPr>
+        <p:spPr>
+          <a:xfrm>
+            <a:off x="7424099" y="1752816"/>
+            <a:ext cx="1614561" cy="793400"/>
+          </a:xfrm>
+          <a:prstGeom prst="roundRect">
+            <a:avLst/>
+          </a:prstGeom>
+          <a:noFill/>
+        </p:spPr>
+        <p:style>
+          <a:lnRef idx="2">
+            <a:schemeClr val="dk1"/>
+          </a:lnRef>
+          <a:fillRef idx="1">
+            <a:schemeClr val="lt1"/>
+          </a:fillRef>
+          <a:effectRef idx="0">
+            <a:schemeClr val="dk1"/>
+          </a:effectRef>
+          <a:fontRef idx="minor">
+            <a:schemeClr val="dk1"/>
+          </a:fontRef>
+        </p:style>
+        <p:txBody>
+          <a:bodyPr rtlCol="0" anchor="ctr"/>
+          <a:lstStyle/>
+          <a:p>
+            <a:pPr algn="ctr"/>
+            <a:r>
+              <a:rPr lang="en-US" sz="1400" dirty="0" smtClean="0">
+                <a:latin typeface="Anime Ace 2.0 BB"/>
+                <a:cs typeface="Anime Ace 2.0 BB"/>
+              </a:rPr>
+              <a:t>Event Subscriber</a:t>
+            </a:r>
+            <a:endParaRPr lang="en-US" sz="1400" dirty="0">
+              <a:latin typeface="Anime Ace 2.0 BB"/>
+              <a:cs typeface="Anime Ace 2.0 BB"/>
+            </a:endParaRPr>
+          </a:p>
+        </p:txBody>
+      </p:sp>
+      <p:sp>
+        <p:nvSpPr>
+          <p:cNvPr id="12" name="Rounded Rectangle 11"/>
+          <p:cNvSpPr/>
+          <p:nvPr/>
+        </p:nvSpPr>
+        <p:spPr>
+          <a:xfrm>
+            <a:off x="7424099" y="2991654"/>
+            <a:ext cx="1614561" cy="793400"/>
+          </a:xfrm>
+          <a:prstGeom prst="roundRect">
+            <a:avLst/>
+          </a:prstGeom>
+          <a:noFill/>
+        </p:spPr>
+        <p:style>
+          <a:lnRef idx="2">
+            <a:schemeClr val="dk1"/>
+          </a:lnRef>
+          <a:fillRef idx="1">
+            <a:schemeClr val="lt1"/>
+          </a:fillRef>
+          <a:effectRef idx="0">
+            <a:schemeClr val="dk1"/>
+          </a:effectRef>
+          <a:fontRef idx="minor">
+            <a:schemeClr val="dk1"/>
+          </a:fontRef>
+        </p:style>
+        <p:txBody>
+          <a:bodyPr rtlCol="0" anchor="ctr"/>
+          <a:lstStyle/>
+          <a:p>
+            <a:pPr algn="ctr"/>
+            <a:r>
+              <a:rPr lang="en-US" sz="1400" dirty="0" smtClean="0">
+                <a:latin typeface="Anime Ace 2.0 BB"/>
+                <a:cs typeface="Anime Ace 2.0 BB"/>
+              </a:rPr>
+              <a:t>Event Subscriber</a:t>
+            </a:r>
+            <a:endParaRPr lang="en-US" sz="1400" dirty="0">
+              <a:latin typeface="Anime Ace 2.0 BB"/>
+              <a:cs typeface="Anime Ace 2.0 BB"/>
+            </a:endParaRPr>
+          </a:p>
+        </p:txBody>
+      </p:sp>
+      <p:sp>
+        <p:nvSpPr>
+          <p:cNvPr id="14" name="Rounded Rectangle 13"/>
+          <p:cNvSpPr/>
+          <p:nvPr/>
+        </p:nvSpPr>
+        <p:spPr>
+          <a:xfrm>
+            <a:off x="7424099" y="4230491"/>
+            <a:ext cx="1614561" cy="793400"/>
+          </a:xfrm>
+          <a:prstGeom prst="roundRect">
+            <a:avLst/>
+          </a:prstGeom>
+          <a:noFill/>
+        </p:spPr>
+        <p:style>
+          <a:lnRef idx="2">
+            <a:schemeClr val="dk1"/>
+          </a:lnRef>
+          <a:fillRef idx="1">
+            <a:schemeClr val="lt1"/>
+          </a:fillRef>
+          <a:effectRef idx="0">
+            <a:schemeClr val="dk1"/>
+          </a:effectRef>
+          <a:fontRef idx="minor">
+            <a:schemeClr val="dk1"/>
+          </a:fontRef>
+        </p:style>
+        <p:txBody>
+          <a:bodyPr rtlCol="0" anchor="ctr"/>
+          <a:lstStyle/>
+          <a:p>
+            <a:pPr algn="ctr"/>
+            <a:r>
+              <a:rPr lang="en-US" sz="1400" dirty="0" smtClean="0">
+                <a:latin typeface="Anime Ace 2.0 BB"/>
+                <a:cs typeface="Anime Ace 2.0 BB"/>
+              </a:rPr>
+              <a:t>Event Subscriber</a:t>
+            </a:r>
+            <a:endParaRPr lang="en-US" sz="1400" dirty="0">
+              <a:latin typeface="Anime Ace 2.0 BB"/>
+              <a:cs typeface="Anime Ace 2.0 BB"/>
+            </a:endParaRPr>
+          </a:p>
+        </p:txBody>
+      </p:sp>
+      <p:pic>
+        <p:nvPicPr>
+          <p:cNvPr id="24" name="Picture 23"/>
+          <p:cNvPicPr>
+            <a:picLocks noChangeAspect="1"/>
+          </p:cNvPicPr>
+          <p:nvPr/>
+        </p:nvPicPr>
+        <p:blipFill>
+          <a:blip r:embed="rId2"/>
+          <a:stretch>
+            <a:fillRect/>
+          </a:stretch>
+        </p:blipFill>
+        <p:spPr>
+          <a:xfrm>
+            <a:off x="4874396" y="2439247"/>
+            <a:ext cx="1376070" cy="1557377"/>
+          </a:xfrm>
+          <a:prstGeom prst="rect">
+            <a:avLst/>
+          </a:prstGeom>
+        </p:spPr>
+      </p:pic>
+      <p:sp>
+        <p:nvSpPr>
+          <p:cNvPr id="26" name="TextBox 25"/>
+          <p:cNvSpPr txBox="1"/>
+          <p:nvPr/>
+        </p:nvSpPr>
+        <p:spPr>
+          <a:xfrm>
+            <a:off x="4586576" y="4061214"/>
+            <a:ext cx="1899157" cy="584776"/>
+          </a:xfrm>
+          <a:prstGeom prst="rect">
+            <a:avLst/>
+          </a:prstGeom>
+          <a:noFill/>
+        </p:spPr>
+        <p:txBody>
+          <a:bodyPr wrap="square" rtlCol="0">
+            <a:spAutoFit/>
+          </a:bodyPr>
+          <a:lstStyle/>
+          <a:p>
+            <a:pPr algn="ctr"/>
+            <a:r>
+              <a:rPr lang="en-US" sz="1600" dirty="0" smtClean="0">
+                <a:latin typeface="Anime Ace 2.0 BB"/>
+                <a:cs typeface="Anime Ace 2.0 BB"/>
+              </a:rPr>
+              <a:t>Event Dispatcher</a:t>
+            </a:r>
+            <a:endParaRPr lang="en-US" sz="1600" dirty="0">
+              <a:latin typeface="Anime Ace 2.0 BB"/>
+              <a:cs typeface="Anime Ace 2.0 BB"/>
+            </a:endParaRPr>
+          </a:p>
+        </p:txBody>
+      </p:sp>
       <p:grpSp>
         <p:nvGrpSpPr>
-          <p:cNvPr id="4" name="Group 3"/>
+          <p:cNvPr id="15" name="Group 14"/>
           <p:cNvGrpSpPr/>
           <p:nvPr/>
         </p:nvGrpSpPr>
         <p:grpSpPr>
           <a:xfrm>
-            <a:off x="266513" y="2439247"/>
-            <a:ext cx="1433139" cy="1523297"/>
-            <a:chOff x="7196188" y="1895941"/>
-            <a:chExt cx="1922998" cy="2043973"/>
+            <a:off x="294348" y="2511007"/>
+            <a:ext cx="1309795" cy="1451537"/>
+            <a:chOff x="294348" y="2511007"/>
+            <a:chExt cx="1309795" cy="1451537"/>
           </a:xfrm>
         </p:grpSpPr>
         <p:pic>
           <p:nvPicPr>
-            <p:cNvPr id="5" name="Picture 4" descr="flag-for_d8_flag.png"/>
+            <p:cNvPr id="16" name="Picture 15" descr="flag8.png"/>
             <p:cNvPicPr>
               <a:picLocks noChangeAspect="1"/>
             </p:cNvPicPr>
             <p:nvPr/>
           </p:nvPicPr>
           <p:blipFill>
-            <a:blip r:embed="rId2">
+            <a:blip r:embed="rId3">
               <a:extLst>
                 <a:ext uri="{28A0092B-C50C-407E-A947-70E740481C1C}">
                   <a14:useLocalDpi xmlns:a14="http://schemas.microsoft.com/office/drawing/2010/main" val="0"/>
@@ -44127,8 +43778,8 @@
           </p:blipFill>
           <p:spPr>
             <a:xfrm>
-              <a:off x="7196188" y="1895941"/>
-              <a:ext cx="1922998" cy="1917671"/>
+              <a:off x="294348" y="2511007"/>
+              <a:ext cx="1309795" cy="1429169"/>
             </a:xfrm>
             <a:prstGeom prst="rect">
               <a:avLst/>
@@ -44137,21 +43788,21 @@
         </p:pic>
         <p:grpSp>
           <p:nvGrpSpPr>
-            <p:cNvPr id="6" name="Group 5"/>
+            <p:cNvPr id="17" name="Group 16"/>
             <p:cNvGrpSpPr/>
             <p:nvPr/>
           </p:nvGrpSpPr>
           <p:grpSpPr>
             <a:xfrm rot="900000">
-              <a:off x="7352257" y="3132049"/>
-              <a:ext cx="807865" cy="807865"/>
+              <a:off x="382825" y="3360472"/>
+              <a:ext cx="602072" cy="602072"/>
               <a:chOff x="4754660" y="3753861"/>
               <a:chExt cx="2235200" cy="2235200"/>
             </a:xfrm>
           </p:grpSpPr>
           <p:sp>
             <p:nvSpPr>
-              <p:cNvPr id="7" name="Shape 6"/>
+              <p:cNvPr id="18" name="Shape 17"/>
               <p:cNvSpPr/>
               <p:nvPr/>
             </p:nvSpPr>
@@ -44181,7 +43832,7 @@
           </p:sp>
           <p:sp>
             <p:nvSpPr>
-              <p:cNvPr id="8" name="Oval 7"/>
+              <p:cNvPr id="19" name="Oval 18"/>
               <p:cNvSpPr/>
               <p:nvPr/>
             </p:nvSpPr>
@@ -44219,251 +43870,6 @@
           </p:sp>
         </p:grpSp>
       </p:grpSp>
-      <p:sp>
-        <p:nvSpPr>
-          <p:cNvPr id="9" name="TextBox 8"/>
-          <p:cNvSpPr txBox="1"/>
-          <p:nvPr/>
-        </p:nvSpPr>
-        <p:spPr>
-          <a:xfrm>
-            <a:off x="0" y="3971409"/>
-            <a:ext cx="1899157" cy="338554"/>
-          </a:xfrm>
-          <a:prstGeom prst="rect">
-            <a:avLst/>
-          </a:prstGeom>
-          <a:noFill/>
-        </p:spPr>
-        <p:txBody>
-          <a:bodyPr wrap="square" rtlCol="0">
-            <a:spAutoFit/>
-          </a:bodyPr>
-          <a:lstStyle/>
-          <a:p>
-            <a:pPr algn="ctr"/>
-            <a:r>
-              <a:rPr lang="en-US" sz="1600" dirty="0" smtClean="0">
-                <a:latin typeface="Anime Ace 2.0 BB"/>
-                <a:cs typeface="Anime Ace 2.0 BB"/>
-              </a:rPr>
-              <a:t>Flag Service</a:t>
-            </a:r>
-            <a:endParaRPr lang="en-US" sz="1600" dirty="0">
-              <a:latin typeface="Anime Ace 2.0 BB"/>
-              <a:cs typeface="Anime Ace 2.0 BB"/>
-            </a:endParaRPr>
-          </a:p>
-        </p:txBody>
-      </p:sp>
-      <p:sp>
-        <p:nvSpPr>
-          <p:cNvPr id="11" name="Rounded Rectangle 10"/>
-          <p:cNvSpPr/>
-          <p:nvPr/>
-        </p:nvSpPr>
-        <p:spPr>
-          <a:xfrm>
-            <a:off x="7424099" y="1752816"/>
-            <a:ext cx="1614561" cy="793400"/>
-          </a:xfrm>
-          <a:prstGeom prst="roundRect">
-            <a:avLst/>
-          </a:prstGeom>
-          <a:noFill/>
-        </p:spPr>
-        <p:style>
-          <a:lnRef idx="2">
-            <a:schemeClr val="dk1"/>
-          </a:lnRef>
-          <a:fillRef idx="1">
-            <a:schemeClr val="lt1"/>
-          </a:fillRef>
-          <a:effectRef idx="0">
-            <a:schemeClr val="dk1"/>
-          </a:effectRef>
-          <a:fontRef idx="minor">
-            <a:schemeClr val="dk1"/>
-          </a:fontRef>
-        </p:style>
-        <p:txBody>
-          <a:bodyPr rtlCol="0" anchor="ctr"/>
-          <a:lstStyle/>
-          <a:p>
-            <a:pPr algn="ctr"/>
-            <a:r>
-              <a:rPr lang="en-US" sz="1400" dirty="0" smtClean="0">
-                <a:latin typeface="Anime Ace 2.0 BB"/>
-                <a:cs typeface="Anime Ace 2.0 BB"/>
-              </a:rPr>
-              <a:t>Event Subscriber</a:t>
-            </a:r>
-            <a:endParaRPr lang="en-US" sz="1400" dirty="0">
-              <a:latin typeface="Anime Ace 2.0 BB"/>
-              <a:cs typeface="Anime Ace 2.0 BB"/>
-            </a:endParaRPr>
-          </a:p>
-        </p:txBody>
-      </p:sp>
-      <p:sp>
-        <p:nvSpPr>
-          <p:cNvPr id="12" name="Rounded Rectangle 11"/>
-          <p:cNvSpPr/>
-          <p:nvPr/>
-        </p:nvSpPr>
-        <p:spPr>
-          <a:xfrm>
-            <a:off x="7424099" y="2991654"/>
-            <a:ext cx="1614561" cy="793400"/>
-          </a:xfrm>
-          <a:prstGeom prst="roundRect">
-            <a:avLst/>
-          </a:prstGeom>
-          <a:noFill/>
-        </p:spPr>
-        <p:style>
-          <a:lnRef idx="2">
-            <a:schemeClr val="dk1"/>
-          </a:lnRef>
-          <a:fillRef idx="1">
-            <a:schemeClr val="lt1"/>
-          </a:fillRef>
-          <a:effectRef idx="0">
-            <a:schemeClr val="dk1"/>
-          </a:effectRef>
-          <a:fontRef idx="minor">
-            <a:schemeClr val="dk1"/>
-          </a:fontRef>
-        </p:style>
-        <p:txBody>
-          <a:bodyPr rtlCol="0" anchor="ctr"/>
-          <a:lstStyle/>
-          <a:p>
-            <a:pPr algn="ctr"/>
-            <a:r>
-              <a:rPr lang="en-US" sz="1400" dirty="0" smtClean="0">
-                <a:latin typeface="Anime Ace 2.0 BB"/>
-                <a:cs typeface="Anime Ace 2.0 BB"/>
-              </a:rPr>
-              <a:t>Event Subscriber</a:t>
-            </a:r>
-            <a:endParaRPr lang="en-US" sz="1400" dirty="0">
-              <a:latin typeface="Anime Ace 2.0 BB"/>
-              <a:cs typeface="Anime Ace 2.0 BB"/>
-            </a:endParaRPr>
-          </a:p>
-        </p:txBody>
-      </p:sp>
-      <p:sp>
-        <p:nvSpPr>
-          <p:cNvPr id="14" name="Rounded Rectangle 13"/>
-          <p:cNvSpPr/>
-          <p:nvPr/>
-        </p:nvSpPr>
-        <p:spPr>
-          <a:xfrm>
-            <a:off x="7424099" y="4230491"/>
-            <a:ext cx="1614561" cy="793400"/>
-          </a:xfrm>
-          <a:prstGeom prst="roundRect">
-            <a:avLst/>
-          </a:prstGeom>
-          <a:noFill/>
-        </p:spPr>
-        <p:style>
-          <a:lnRef idx="2">
-            <a:schemeClr val="dk1"/>
-          </a:lnRef>
-          <a:fillRef idx="1">
-            <a:schemeClr val="lt1"/>
-          </a:fillRef>
-          <a:effectRef idx="0">
-            <a:schemeClr val="dk1"/>
-          </a:effectRef>
-          <a:fontRef idx="minor">
-            <a:schemeClr val="dk1"/>
-          </a:fontRef>
-        </p:style>
-        <p:txBody>
-          <a:bodyPr rtlCol="0" anchor="ctr"/>
-          <a:lstStyle/>
-          <a:p>
-            <a:pPr algn="ctr"/>
-            <a:r>
-              <a:rPr lang="en-US" sz="1400" dirty="0" smtClean="0">
-                <a:latin typeface="Anime Ace 2.0 BB"/>
-                <a:cs typeface="Anime Ace 2.0 BB"/>
-              </a:rPr>
-              <a:t>Event Subscriber</a:t>
-            </a:r>
-            <a:endParaRPr lang="en-US" sz="1400" dirty="0">
-              <a:latin typeface="Anime Ace 2.0 BB"/>
-              <a:cs typeface="Anime Ace 2.0 BB"/>
-            </a:endParaRPr>
-          </a:p>
-        </p:txBody>
-      </p:sp>
-      <p:pic>
-        <p:nvPicPr>
-          <p:cNvPr id="24" name="Picture 23"/>
-          <p:cNvPicPr>
-            <a:picLocks noChangeAspect="1"/>
-          </p:cNvPicPr>
-          <p:nvPr/>
-        </p:nvPicPr>
-        <p:blipFill>
-          <a:blip r:embed="rId3"/>
-          <a:stretch>
-            <a:fillRect/>
-          </a:stretch>
-        </p:blipFill>
-        <p:spPr>
-          <a:xfrm>
-            <a:off x="4874396" y="2439247"/>
-            <a:ext cx="1376070" cy="1557377"/>
-          </a:xfrm>
-          <a:prstGeom prst="rect">
-            <a:avLst/>
-          </a:prstGeom>
-        </p:spPr>
-      </p:pic>
-      <p:sp>
-        <p:nvSpPr>
-          <p:cNvPr id="26" name="TextBox 25"/>
-          <p:cNvSpPr txBox="1"/>
-          <p:nvPr/>
-        </p:nvSpPr>
-        <p:spPr>
-          <a:xfrm>
-            <a:off x="4586576" y="4061214"/>
-            <a:ext cx="1899157" cy="584776"/>
-          </a:xfrm>
-          <a:prstGeom prst="rect">
-            <a:avLst/>
-          </a:prstGeom>
-          <a:noFill/>
-        </p:spPr>
-        <p:txBody>
-          <a:bodyPr wrap="square" rtlCol="0">
-            <a:spAutoFit/>
-          </a:bodyPr>
-          <a:lstStyle/>
-          <a:p>
-            <a:pPr algn="ctr"/>
-            <a:r>
-              <a:rPr lang="en-US" sz="1600" dirty="0" smtClean="0">
-                <a:latin typeface="Anime Ace 2.0 BB"/>
-                <a:cs typeface="Anime Ace 2.0 BB"/>
-              </a:rPr>
-              <a:t>Event Dispatcher</a:t>
-            </a:r>
-            <a:endParaRPr lang="en-US" sz="1600" dirty="0">
-              <a:latin typeface="Anime Ace 2.0 BB"/>
-              <a:cs typeface="Anime Ace 2.0 BB"/>
-            </a:endParaRPr>
-          </a:p>
-        </p:txBody>
-      </p:sp>
     </p:spTree>
     <p:extLst>
       <p:ext uri="{BB962C8B-B14F-4D97-AF65-F5344CB8AC3E}">
@@ -44537,134 +43943,6 @@
           </a:p>
         </p:txBody>
       </p:sp>
-      <p:grpSp>
-        <p:nvGrpSpPr>
-          <p:cNvPr id="4" name="Group 3"/>
-          <p:cNvGrpSpPr/>
-          <p:nvPr/>
-        </p:nvGrpSpPr>
-        <p:grpSpPr>
-          <a:xfrm>
-            <a:off x="266513" y="2439247"/>
-            <a:ext cx="1433139" cy="1523297"/>
-            <a:chOff x="7196188" y="1895941"/>
-            <a:chExt cx="1922998" cy="2043973"/>
-          </a:xfrm>
-        </p:grpSpPr>
-        <p:pic>
-          <p:nvPicPr>
-            <p:cNvPr id="5" name="Picture 4" descr="flag-for_d8_flag.png"/>
-            <p:cNvPicPr>
-              <a:picLocks noChangeAspect="1"/>
-            </p:cNvPicPr>
-            <p:nvPr/>
-          </p:nvPicPr>
-          <p:blipFill>
-            <a:blip r:embed="rId2">
-              <a:extLst>
-                <a:ext uri="{28A0092B-C50C-407E-A947-70E740481C1C}">
-                  <a14:useLocalDpi xmlns:a14="http://schemas.microsoft.com/office/drawing/2010/main" val="0"/>
-                </a:ext>
-              </a:extLst>
-            </a:blip>
-            <a:stretch>
-              <a:fillRect/>
-            </a:stretch>
-          </p:blipFill>
-          <p:spPr>
-            <a:xfrm>
-              <a:off x="7196188" y="1895941"/>
-              <a:ext cx="1922998" cy="1917671"/>
-            </a:xfrm>
-            <a:prstGeom prst="rect">
-              <a:avLst/>
-            </a:prstGeom>
-          </p:spPr>
-        </p:pic>
-        <p:grpSp>
-          <p:nvGrpSpPr>
-            <p:cNvPr id="6" name="Group 5"/>
-            <p:cNvGrpSpPr/>
-            <p:nvPr/>
-          </p:nvGrpSpPr>
-          <p:grpSpPr>
-            <a:xfrm rot="900000">
-              <a:off x="7352257" y="3132049"/>
-              <a:ext cx="807865" cy="807865"/>
-              <a:chOff x="4754660" y="3753861"/>
-              <a:chExt cx="2235200" cy="2235200"/>
-            </a:xfrm>
-          </p:grpSpPr>
-          <p:sp>
-            <p:nvSpPr>
-              <p:cNvPr id="7" name="Shape 6"/>
-              <p:cNvSpPr/>
-              <p:nvPr/>
-            </p:nvSpPr>
-            <p:spPr>
-              <a:xfrm>
-                <a:off x="4754660" y="3753861"/>
-                <a:ext cx="2235200" cy="2235200"/>
-              </a:xfrm>
-              <a:prstGeom prst="gear9">
-                <a:avLst/>
-              </a:prstGeom>
-            </p:spPr>
-            <p:style>
-              <a:lnRef idx="2">
-                <a:schemeClr val="dk1"/>
-              </a:lnRef>
-              <a:fillRef idx="1">
-                <a:schemeClr val="lt1"/>
-              </a:fillRef>
-              <a:effectRef idx="0">
-                <a:schemeClr val="dk1"/>
-              </a:effectRef>
-              <a:fontRef idx="minor">
-                <a:schemeClr val="dk1"/>
-              </a:fontRef>
-            </p:style>
-          </p:sp>
-          <p:sp>
-            <p:nvSpPr>
-              <p:cNvPr id="8" name="Oval 7"/>
-              <p:cNvSpPr/>
-              <p:nvPr/>
-            </p:nvSpPr>
-            <p:spPr>
-              <a:xfrm>
-                <a:off x="5562525" y="4561726"/>
-                <a:ext cx="619470" cy="619470"/>
-              </a:xfrm>
-              <a:prstGeom prst="ellipse">
-                <a:avLst/>
-              </a:prstGeom>
-            </p:spPr>
-            <p:style>
-              <a:lnRef idx="2">
-                <a:schemeClr val="dk1"/>
-              </a:lnRef>
-              <a:fillRef idx="1">
-                <a:schemeClr val="lt1"/>
-              </a:fillRef>
-              <a:effectRef idx="0">
-                <a:schemeClr val="dk1"/>
-              </a:effectRef>
-              <a:fontRef idx="minor">
-                <a:schemeClr val="dk1"/>
-              </a:fontRef>
-            </p:style>
-            <p:txBody>
-              <a:bodyPr rtlCol="0" anchor="ctr"/>
-              <a:lstStyle/>
-              <a:p>
-                <a:pPr algn="ctr"/>
-                <a:endParaRPr lang="en-US"/>
-              </a:p>
-            </p:txBody>
-          </p:sp>
-        </p:grpSp>
-      </p:grpSp>
       <p:sp>
         <p:nvSpPr>
           <p:cNvPr id="9" name="TextBox 8"/>
@@ -45155,7 +44433,7 @@
           <p:nvPr/>
         </p:nvPicPr>
         <p:blipFill>
-          <a:blip r:embed="rId3"/>
+          <a:blip r:embed="rId2"/>
           <a:stretch>
             <a:fillRect/>
           </a:stretch>
@@ -45244,142 +44522,30 @@
           </a:p>
         </p:txBody>
       </p:sp>
-    </p:spTree>
-    <p:extLst>
-      <p:ext uri="{BB962C8B-B14F-4D97-AF65-F5344CB8AC3E}">
-        <p14:creationId xmlns:p14="http://schemas.microsoft.com/office/powerpoint/2010/main" val="428109372"/>
-      </p:ext>
-    </p:extLst>
-  </p:cSld>
-  <p:clrMapOvr>
-    <a:masterClrMapping/>
-  </p:clrMapOvr>
-</p:sld>
-</file>
-
-<file path=ppt/slides/slide62.xml><?xml version="1.0" encoding="utf-8"?>
-<p:sld xmlns:a="http://schemas.openxmlformats.org/drawingml/2006/main" xmlns:r="http://schemas.openxmlformats.org/officeDocument/2006/relationships" xmlns:p="http://schemas.openxmlformats.org/presentationml/2006/main">
-  <p:cSld>
-    <p:spTree>
-      <p:nvGrpSpPr>
-        <p:cNvPr id="1" name=""/>
-        <p:cNvGrpSpPr/>
-        <p:nvPr/>
-      </p:nvGrpSpPr>
-      <p:grpSpPr>
-        <a:xfrm>
-          <a:off x="0" y="0"/>
-          <a:ext cx="0" cy="0"/>
-          <a:chOff x="0" y="0"/>
-          <a:chExt cx="0" cy="0"/>
-        </a:xfrm>
-      </p:grpSpPr>
-      <p:sp>
-        <p:nvSpPr>
-          <p:cNvPr id="29" name="Rectangle 28"/>
-          <p:cNvSpPr/>
-          <p:nvPr/>
-        </p:nvSpPr>
-        <p:spPr>
-          <a:xfrm>
-            <a:off x="0" y="1516466"/>
-            <a:ext cx="9144000" cy="3772670"/>
-          </a:xfrm>
-          <a:prstGeom prst="rect">
-            <a:avLst/>
-          </a:prstGeom>
-          <a:noFill/>
-          <a:ln>
-            <a:noFill/>
-          </a:ln>
-          <a:effectLst/>
-        </p:spPr>
-        <p:style>
-          <a:lnRef idx="2">
-            <a:schemeClr val="dk1"/>
-          </a:lnRef>
-          <a:fillRef idx="1">
-            <a:schemeClr val="lt1"/>
-          </a:fillRef>
-          <a:effectRef idx="0">
-            <a:schemeClr val="dk1"/>
-          </a:effectRef>
-          <a:fontRef idx="minor">
-            <a:schemeClr val="dk1"/>
-          </a:fontRef>
-        </p:style>
-        <p:txBody>
-          <a:bodyPr rtlCol="0" anchor="ctr"/>
-          <a:lstStyle/>
-          <a:p>
-            <a:pPr algn="ctr"/>
-            <a:endParaRPr lang="en-US"/>
-          </a:p>
-        </p:txBody>
-      </p:sp>
-      <p:sp>
-        <p:nvSpPr>
-          <p:cNvPr id="3" name="Right Arrow 2"/>
-          <p:cNvSpPr/>
-          <p:nvPr/>
-        </p:nvSpPr>
-        <p:spPr>
-          <a:xfrm rot="19800000">
-            <a:off x="6215909" y="2130547"/>
-            <a:ext cx="1165590" cy="756403"/>
-          </a:xfrm>
-          <a:prstGeom prst="rightArrow">
-            <a:avLst/>
-          </a:prstGeom>
-          <a:noFill/>
-        </p:spPr>
-        <p:style>
-          <a:lnRef idx="2">
-            <a:schemeClr val="dk1"/>
-          </a:lnRef>
-          <a:fillRef idx="1">
-            <a:schemeClr val="lt1"/>
-          </a:fillRef>
-          <a:effectRef idx="0">
-            <a:schemeClr val="dk1"/>
-          </a:effectRef>
-          <a:fontRef idx="minor">
-            <a:schemeClr val="dk1"/>
-          </a:fontRef>
-        </p:style>
-        <p:txBody>
-          <a:bodyPr rtlCol="0" anchor="ctr"/>
-          <a:lstStyle/>
-          <a:p>
-            <a:pPr algn="ctr"/>
-            <a:endParaRPr lang="en-US"/>
-          </a:p>
-        </p:txBody>
-      </p:sp>
       <p:grpSp>
         <p:nvGrpSpPr>
-          <p:cNvPr id="4" name="Group 3"/>
+          <p:cNvPr id="28" name="Group 27"/>
           <p:cNvGrpSpPr/>
           <p:nvPr/>
         </p:nvGrpSpPr>
         <p:grpSpPr>
           <a:xfrm>
-            <a:off x="266513" y="2439247"/>
-            <a:ext cx="1433139" cy="1523297"/>
-            <a:chOff x="7196188" y="1895941"/>
-            <a:chExt cx="1922998" cy="2043973"/>
+            <a:off x="294348" y="2511007"/>
+            <a:ext cx="1309795" cy="1451537"/>
+            <a:chOff x="294348" y="2511007"/>
+            <a:chExt cx="1309795" cy="1451537"/>
           </a:xfrm>
         </p:grpSpPr>
         <p:pic>
           <p:nvPicPr>
-            <p:cNvPr id="5" name="Picture 4" descr="flag-for_d8_flag.png"/>
+            <p:cNvPr id="30" name="Picture 29" descr="flag8.png"/>
             <p:cNvPicPr>
               <a:picLocks noChangeAspect="1"/>
             </p:cNvPicPr>
             <p:nvPr/>
           </p:nvPicPr>
           <p:blipFill>
-            <a:blip r:embed="rId2">
+            <a:blip r:embed="rId3">
               <a:extLst>
                 <a:ext uri="{28A0092B-C50C-407E-A947-70E740481C1C}">
                   <a14:useLocalDpi xmlns:a14="http://schemas.microsoft.com/office/drawing/2010/main" val="0"/>
@@ -45392,8 +44558,8 @@
           </p:blipFill>
           <p:spPr>
             <a:xfrm>
-              <a:off x="7196188" y="1895941"/>
-              <a:ext cx="1922998" cy="1917671"/>
+              <a:off x="294348" y="2511007"/>
+              <a:ext cx="1309795" cy="1429169"/>
             </a:xfrm>
             <a:prstGeom prst="rect">
               <a:avLst/>
@@ -45402,21 +44568,21 @@
         </p:pic>
         <p:grpSp>
           <p:nvGrpSpPr>
-            <p:cNvPr id="6" name="Group 5"/>
+            <p:cNvPr id="31" name="Group 30"/>
             <p:cNvGrpSpPr/>
             <p:nvPr/>
           </p:nvGrpSpPr>
           <p:grpSpPr>
             <a:xfrm rot="900000">
-              <a:off x="7352257" y="3132049"/>
-              <a:ext cx="807865" cy="807865"/>
+              <a:off x="382825" y="3360472"/>
+              <a:ext cx="602072" cy="602072"/>
               <a:chOff x="4754660" y="3753861"/>
               <a:chExt cx="2235200" cy="2235200"/>
             </a:xfrm>
           </p:grpSpPr>
           <p:sp>
             <p:nvSpPr>
-              <p:cNvPr id="7" name="Shape 6"/>
+              <p:cNvPr id="32" name="Shape 31"/>
               <p:cNvSpPr/>
               <p:nvPr/>
             </p:nvSpPr>
@@ -45446,7 +44612,7 @@
           </p:sp>
           <p:sp>
             <p:nvSpPr>
-              <p:cNvPr id="8" name="Oval 7"/>
+              <p:cNvPr id="33" name="Oval 32"/>
               <p:cNvSpPr/>
               <p:nvPr/>
             </p:nvSpPr>
@@ -45484,6 +44650,118 @@
           </p:sp>
         </p:grpSp>
       </p:grpSp>
+    </p:spTree>
+    <p:extLst>
+      <p:ext uri="{BB962C8B-B14F-4D97-AF65-F5344CB8AC3E}">
+        <p14:creationId xmlns:p14="http://schemas.microsoft.com/office/powerpoint/2010/main" val="428109372"/>
+      </p:ext>
+    </p:extLst>
+  </p:cSld>
+  <p:clrMapOvr>
+    <a:masterClrMapping/>
+  </p:clrMapOvr>
+</p:sld>
+</file>
+
+<file path=ppt/slides/slide62.xml><?xml version="1.0" encoding="utf-8"?>
+<p:sld xmlns:a="http://schemas.openxmlformats.org/drawingml/2006/main" xmlns:r="http://schemas.openxmlformats.org/officeDocument/2006/relationships" xmlns:p="http://schemas.openxmlformats.org/presentationml/2006/main">
+  <p:cSld>
+    <p:spTree>
+      <p:nvGrpSpPr>
+        <p:cNvPr id="1" name=""/>
+        <p:cNvGrpSpPr/>
+        <p:nvPr/>
+      </p:nvGrpSpPr>
+      <p:grpSpPr>
+        <a:xfrm>
+          <a:off x="0" y="0"/>
+          <a:ext cx="0" cy="0"/>
+          <a:chOff x="0" y="0"/>
+          <a:chExt cx="0" cy="0"/>
+        </a:xfrm>
+      </p:grpSpPr>
+      <p:sp>
+        <p:nvSpPr>
+          <p:cNvPr id="29" name="Rectangle 28"/>
+          <p:cNvSpPr/>
+          <p:nvPr/>
+        </p:nvSpPr>
+        <p:spPr>
+          <a:xfrm>
+            <a:off x="0" y="1516466"/>
+            <a:ext cx="9144000" cy="3772670"/>
+          </a:xfrm>
+          <a:prstGeom prst="rect">
+            <a:avLst/>
+          </a:prstGeom>
+          <a:noFill/>
+          <a:ln>
+            <a:noFill/>
+          </a:ln>
+          <a:effectLst/>
+        </p:spPr>
+        <p:style>
+          <a:lnRef idx="2">
+            <a:schemeClr val="dk1"/>
+          </a:lnRef>
+          <a:fillRef idx="1">
+            <a:schemeClr val="lt1"/>
+          </a:fillRef>
+          <a:effectRef idx="0">
+            <a:schemeClr val="dk1"/>
+          </a:effectRef>
+          <a:fontRef idx="minor">
+            <a:schemeClr val="dk1"/>
+          </a:fontRef>
+        </p:style>
+        <p:txBody>
+          <a:bodyPr rtlCol="0" anchor="ctr"/>
+          <a:lstStyle/>
+          <a:p>
+            <a:pPr algn="ctr"/>
+            <a:endParaRPr lang="en-US"/>
+          </a:p>
+        </p:txBody>
+      </p:sp>
+      <p:sp>
+        <p:nvSpPr>
+          <p:cNvPr id="3" name="Right Arrow 2"/>
+          <p:cNvSpPr/>
+          <p:nvPr/>
+        </p:nvSpPr>
+        <p:spPr>
+          <a:xfrm rot="19800000">
+            <a:off x="6215909" y="2130547"/>
+            <a:ext cx="1165590" cy="756403"/>
+          </a:xfrm>
+          <a:prstGeom prst="rightArrow">
+            <a:avLst/>
+          </a:prstGeom>
+          <a:noFill/>
+        </p:spPr>
+        <p:style>
+          <a:lnRef idx="2">
+            <a:schemeClr val="dk1"/>
+          </a:lnRef>
+          <a:fillRef idx="1">
+            <a:schemeClr val="lt1"/>
+          </a:fillRef>
+          <a:effectRef idx="0">
+            <a:schemeClr val="dk1"/>
+          </a:effectRef>
+          <a:fontRef idx="minor">
+            <a:schemeClr val="dk1"/>
+          </a:fontRef>
+        </p:style>
+        <p:txBody>
+          <a:bodyPr rtlCol="0" anchor="ctr"/>
+          <a:lstStyle/>
+          <a:p>
+            <a:pPr algn="ctr"/>
+            <a:endParaRPr lang="en-US"/>
+          </a:p>
+        </p:txBody>
+      </p:sp>
       <p:sp>
         <p:nvSpPr>
           <p:cNvPr id="9" name="TextBox 8"/>
@@ -46052,7 +45330,7 @@
           <p:nvPr/>
         </p:nvPicPr>
         <p:blipFill>
-          <a:blip r:embed="rId3"/>
+          <a:blip r:embed="rId2"/>
           <a:stretch>
             <a:fillRect/>
           </a:stretch>
@@ -46180,6 +45458,134 @@
           </a:p>
         </p:txBody>
       </p:sp>
+      <p:grpSp>
+        <p:nvGrpSpPr>
+          <p:cNvPr id="30" name="Group 29"/>
+          <p:cNvGrpSpPr/>
+          <p:nvPr/>
+        </p:nvGrpSpPr>
+        <p:grpSpPr>
+          <a:xfrm>
+            <a:off x="294348" y="2511007"/>
+            <a:ext cx="1309795" cy="1451537"/>
+            <a:chOff x="294348" y="2511007"/>
+            <a:chExt cx="1309795" cy="1451537"/>
+          </a:xfrm>
+        </p:grpSpPr>
+        <p:pic>
+          <p:nvPicPr>
+            <p:cNvPr id="31" name="Picture 30" descr="flag8.png"/>
+            <p:cNvPicPr>
+              <a:picLocks noChangeAspect="1"/>
+            </p:cNvPicPr>
+            <p:nvPr/>
+          </p:nvPicPr>
+          <p:blipFill>
+            <a:blip r:embed="rId3">
+              <a:extLst>
+                <a:ext uri="{28A0092B-C50C-407E-A947-70E740481C1C}">
+                  <a14:useLocalDpi xmlns:a14="http://schemas.microsoft.com/office/drawing/2010/main" val="0"/>
+                </a:ext>
+              </a:extLst>
+            </a:blip>
+            <a:stretch>
+              <a:fillRect/>
+            </a:stretch>
+          </p:blipFill>
+          <p:spPr>
+            <a:xfrm>
+              <a:off x="294348" y="2511007"/>
+              <a:ext cx="1309795" cy="1429169"/>
+            </a:xfrm>
+            <a:prstGeom prst="rect">
+              <a:avLst/>
+            </a:prstGeom>
+          </p:spPr>
+        </p:pic>
+        <p:grpSp>
+          <p:nvGrpSpPr>
+            <p:cNvPr id="32" name="Group 31"/>
+            <p:cNvGrpSpPr/>
+            <p:nvPr/>
+          </p:nvGrpSpPr>
+          <p:grpSpPr>
+            <a:xfrm rot="900000">
+              <a:off x="382825" y="3360472"/>
+              <a:ext cx="602072" cy="602072"/>
+              <a:chOff x="4754660" y="3753861"/>
+              <a:chExt cx="2235200" cy="2235200"/>
+            </a:xfrm>
+          </p:grpSpPr>
+          <p:sp>
+            <p:nvSpPr>
+              <p:cNvPr id="33" name="Shape 32"/>
+              <p:cNvSpPr/>
+              <p:nvPr/>
+            </p:nvSpPr>
+            <p:spPr>
+              <a:xfrm>
+                <a:off x="4754660" y="3753861"/>
+                <a:ext cx="2235200" cy="2235200"/>
+              </a:xfrm>
+              <a:prstGeom prst="gear9">
+                <a:avLst/>
+              </a:prstGeom>
+            </p:spPr>
+            <p:style>
+              <a:lnRef idx="2">
+                <a:schemeClr val="dk1"/>
+              </a:lnRef>
+              <a:fillRef idx="1">
+                <a:schemeClr val="lt1"/>
+              </a:fillRef>
+              <a:effectRef idx="0">
+                <a:schemeClr val="dk1"/>
+              </a:effectRef>
+              <a:fontRef idx="minor">
+                <a:schemeClr val="dk1"/>
+              </a:fontRef>
+            </p:style>
+          </p:sp>
+          <p:sp>
+            <p:nvSpPr>
+              <p:cNvPr id="34" name="Oval 33"/>
+              <p:cNvSpPr/>
+              <p:nvPr/>
+            </p:nvSpPr>
+            <p:spPr>
+              <a:xfrm>
+                <a:off x="5562525" y="4561726"/>
+                <a:ext cx="619470" cy="619470"/>
+              </a:xfrm>
+              <a:prstGeom prst="ellipse">
+                <a:avLst/>
+              </a:prstGeom>
+            </p:spPr>
+            <p:style>
+              <a:lnRef idx="2">
+                <a:schemeClr val="dk1"/>
+              </a:lnRef>
+              <a:fillRef idx="1">
+                <a:schemeClr val="lt1"/>
+              </a:fillRef>
+              <a:effectRef idx="0">
+                <a:schemeClr val="dk1"/>
+              </a:effectRef>
+              <a:fontRef idx="minor">
+                <a:schemeClr val="dk1"/>
+              </a:fontRef>
+            </p:style>
+            <p:txBody>
+              <a:bodyPr rtlCol="0" anchor="ctr"/>
+              <a:lstStyle/>
+              <a:p>
+                <a:pPr algn="ctr"/>
+                <a:endParaRPr lang="en-US"/>
+              </a:p>
+            </p:txBody>
+          </p:sp>
+        </p:grpSp>
+      </p:grpSp>
     </p:spTree>
     <p:extLst>
       <p:ext uri="{BB962C8B-B14F-4D97-AF65-F5344CB8AC3E}">
@@ -46194,6 +45600,733 @@
 </file>
 
 <file path=ppt/slides/slide63.xml><?xml version="1.0" encoding="utf-8"?>
+<p:sld xmlns:a="http://schemas.openxmlformats.org/drawingml/2006/main" xmlns:r="http://schemas.openxmlformats.org/officeDocument/2006/relationships" xmlns:p="http://schemas.openxmlformats.org/presentationml/2006/main">
+  <p:cSld>
+    <p:spTree>
+      <p:nvGrpSpPr>
+        <p:cNvPr id="1" name=""/>
+        <p:cNvGrpSpPr/>
+        <p:nvPr/>
+      </p:nvGrpSpPr>
+      <p:grpSpPr>
+        <a:xfrm>
+          <a:off x="0" y="0"/>
+          <a:ext cx="0" cy="0"/>
+          <a:chOff x="0" y="0"/>
+          <a:chExt cx="0" cy="0"/>
+        </a:xfrm>
+      </p:grpSpPr>
+      <p:sp>
+        <p:nvSpPr>
+          <p:cNvPr id="19" name="Up Arrow 18"/>
+          <p:cNvSpPr/>
+          <p:nvPr/>
+        </p:nvSpPr>
+        <p:spPr>
+          <a:xfrm rot="5400000">
+            <a:off x="3741278" y="-1600249"/>
+            <a:ext cx="758515" cy="6429708"/>
+          </a:xfrm>
+          <a:prstGeom prst="upArrow">
+            <a:avLst/>
+          </a:prstGeom>
+          <a:gradFill>
+            <a:gsLst>
+              <a:gs pos="0">
+                <a:schemeClr val="accent1">
+                  <a:tint val="100000"/>
+                  <a:shade val="100000"/>
+                  <a:satMod val="130000"/>
+                  <a:alpha val="0"/>
+                </a:schemeClr>
+              </a:gs>
+              <a:gs pos="100000">
+                <a:schemeClr val="accent1">
+                  <a:tint val="50000"/>
+                  <a:shade val="100000"/>
+                  <a:satMod val="350000"/>
+                </a:schemeClr>
+              </a:gs>
+            </a:gsLst>
+          </a:gradFill>
+          <a:ln>
+            <a:noFill/>
+          </a:ln>
+          <a:effectLst/>
+        </p:spPr>
+        <p:style>
+          <a:lnRef idx="1">
+            <a:schemeClr val="accent1"/>
+          </a:lnRef>
+          <a:fillRef idx="3">
+            <a:schemeClr val="accent1"/>
+          </a:fillRef>
+          <a:effectRef idx="2">
+            <a:schemeClr val="accent1"/>
+          </a:effectRef>
+          <a:fontRef idx="minor">
+            <a:schemeClr val="lt1"/>
+          </a:fontRef>
+        </p:style>
+        <p:txBody>
+          <a:bodyPr rtlCol="0" anchor="ctr"/>
+          <a:lstStyle/>
+          <a:p>
+            <a:pPr algn="ctr"/>
+            <a:endParaRPr lang="en-US"/>
+          </a:p>
+        </p:txBody>
+      </p:sp>
+      <p:pic>
+        <p:nvPicPr>
+          <p:cNvPr id="4" name="Picture 3"/>
+          <p:cNvPicPr>
+            <a:picLocks noChangeAspect="1"/>
+          </p:cNvPicPr>
+          <p:nvPr/>
+        </p:nvPicPr>
+        <p:blipFill>
+          <a:blip r:embed="rId2">
+            <a:extLst>
+              <a:ext uri="{28A0092B-C50C-407E-A947-70E740481C1C}">
+                <a14:useLocalDpi xmlns:a14="http://schemas.microsoft.com/office/drawing/2010/main" val="0"/>
+              </a:ext>
+            </a:extLst>
+          </a:blip>
+          <a:stretch>
+            <a:fillRect/>
+          </a:stretch>
+        </p:blipFill>
+        <p:spPr>
+          <a:xfrm>
+            <a:off x="7468594" y="801824"/>
+            <a:ext cx="1226956" cy="1413842"/>
+          </a:xfrm>
+          <a:prstGeom prst="rect">
+            <a:avLst/>
+          </a:prstGeom>
+        </p:spPr>
+      </p:pic>
+      <p:pic>
+        <p:nvPicPr>
+          <p:cNvPr id="9" name="Picture 8"/>
+          <p:cNvPicPr>
+            <a:picLocks noChangeAspect="1"/>
+          </p:cNvPicPr>
+          <p:nvPr/>
+        </p:nvPicPr>
+        <p:blipFill>
+          <a:blip r:embed="rId3"/>
+          <a:stretch>
+            <a:fillRect/>
+          </a:stretch>
+        </p:blipFill>
+        <p:spPr>
+          <a:xfrm>
+            <a:off x="2502962" y="4726424"/>
+            <a:ext cx="1382934" cy="1509276"/>
+          </a:xfrm>
+          <a:prstGeom prst="rect">
+            <a:avLst/>
+          </a:prstGeom>
+        </p:spPr>
+      </p:pic>
+      <p:pic>
+        <p:nvPicPr>
+          <p:cNvPr id="10" name="Picture 9"/>
+          <p:cNvPicPr>
+            <a:picLocks noChangeAspect="1"/>
+          </p:cNvPicPr>
+          <p:nvPr/>
+        </p:nvPicPr>
+        <p:blipFill>
+          <a:blip r:embed="rId4"/>
+          <a:stretch>
+            <a:fillRect/>
+          </a:stretch>
+        </p:blipFill>
+        <p:spPr>
+          <a:xfrm>
+            <a:off x="5565154" y="4726424"/>
+            <a:ext cx="1382934" cy="1509276"/>
+          </a:xfrm>
+          <a:prstGeom prst="rect">
+            <a:avLst/>
+          </a:prstGeom>
+        </p:spPr>
+      </p:pic>
+      <p:pic>
+        <p:nvPicPr>
+          <p:cNvPr id="11" name="Picture 10"/>
+          <p:cNvPicPr>
+            <a:picLocks noChangeAspect="1"/>
+          </p:cNvPicPr>
+          <p:nvPr/>
+        </p:nvPicPr>
+        <p:blipFill>
+          <a:blip r:embed="rId5">
+            <a:extLst>
+              <a:ext uri="{28A0092B-C50C-407E-A947-70E740481C1C}">
+                <a14:useLocalDpi xmlns:a14="http://schemas.microsoft.com/office/drawing/2010/main" val="0"/>
+              </a:ext>
+            </a:extLst>
+          </a:blip>
+          <a:stretch>
+            <a:fillRect/>
+          </a:stretch>
+        </p:blipFill>
+        <p:spPr>
+          <a:xfrm>
+            <a:off x="318144" y="801824"/>
+            <a:ext cx="1222555" cy="1408771"/>
+          </a:xfrm>
+          <a:prstGeom prst="rect">
+            <a:avLst/>
+          </a:prstGeom>
+        </p:spPr>
+      </p:pic>
+      <p:sp>
+        <p:nvSpPr>
+          <p:cNvPr id="12" name="Right Arrow 11"/>
+          <p:cNvSpPr/>
+          <p:nvPr/>
+        </p:nvSpPr>
+        <p:spPr>
+          <a:xfrm>
+            <a:off x="4101592" y="5137705"/>
+            <a:ext cx="1463561" cy="756403"/>
+          </a:xfrm>
+          <a:prstGeom prst="rightArrow">
+            <a:avLst/>
+          </a:prstGeom>
+          <a:noFill/>
+        </p:spPr>
+        <p:style>
+          <a:lnRef idx="2">
+            <a:schemeClr val="dk1"/>
+          </a:lnRef>
+          <a:fillRef idx="1">
+            <a:schemeClr val="lt1"/>
+          </a:fillRef>
+          <a:effectRef idx="0">
+            <a:schemeClr val="dk1"/>
+          </a:effectRef>
+          <a:fontRef idx="minor">
+            <a:schemeClr val="dk1"/>
+          </a:fontRef>
+        </p:style>
+        <p:txBody>
+          <a:bodyPr rtlCol="0" anchor="ctr"/>
+          <a:lstStyle/>
+          <a:p>
+            <a:pPr algn="ctr"/>
+            <a:endParaRPr lang="en-US"/>
+          </a:p>
+        </p:txBody>
+      </p:sp>
+      <p:sp>
+        <p:nvSpPr>
+          <p:cNvPr id="13" name="TextBox 12"/>
+          <p:cNvSpPr txBox="1"/>
+          <p:nvPr/>
+        </p:nvSpPr>
+        <p:spPr>
+          <a:xfrm>
+            <a:off x="3885897" y="4285993"/>
+            <a:ext cx="1766038" cy="430887"/>
+          </a:xfrm>
+          <a:prstGeom prst="rect">
+            <a:avLst/>
+          </a:prstGeom>
+          <a:noFill/>
+        </p:spPr>
+        <p:txBody>
+          <a:bodyPr wrap="square" rtlCol="0">
+            <a:spAutoFit/>
+          </a:bodyPr>
+          <a:lstStyle/>
+          <a:p>
+            <a:pPr algn="ctr"/>
+            <a:r>
+              <a:rPr lang="en-US" sz="1100" dirty="0" smtClean="0">
+                <a:solidFill>
+                  <a:schemeClr val="tx1">
+                    <a:lumMod val="65000"/>
+                    <a:lumOff val="35000"/>
+                  </a:schemeClr>
+                </a:solidFill>
+                <a:latin typeface="Anime Ace 2.0 BB"/>
+                <a:cs typeface="Anime Ace 2.0 BB"/>
+              </a:rPr>
+              <a:t>Major feature Iteration</a:t>
+            </a:r>
+            <a:endParaRPr lang="en-US" sz="1100" dirty="0">
+              <a:solidFill>
+                <a:schemeClr val="tx1">
+                  <a:lumMod val="65000"/>
+                  <a:lumOff val="35000"/>
+                </a:schemeClr>
+              </a:solidFill>
+              <a:latin typeface="Anime Ace 2.0 BB"/>
+              <a:cs typeface="Anime Ace 2.0 BB"/>
+            </a:endParaRPr>
+          </a:p>
+        </p:txBody>
+      </p:sp>
+      <p:cxnSp>
+        <p:nvCxnSpPr>
+          <p:cNvPr id="14" name="Curved Connector 13"/>
+          <p:cNvCxnSpPr>
+            <a:stCxn id="13" idx="2"/>
+          </p:cNvCxnSpPr>
+          <p:nvPr/>
+        </p:nvCxnSpPr>
+        <p:spPr>
+          <a:xfrm rot="5400000">
+            <a:off x="4440880" y="4939744"/>
+            <a:ext cx="550900" cy="105173"/>
+          </a:xfrm>
+          <a:prstGeom prst="curvedConnector3">
+            <a:avLst>
+              <a:gd name="adj1" fmla="val 50000"/>
+            </a:avLst>
+          </a:prstGeom>
+          <a:ln w="9525" cmpd="sng">
+            <a:solidFill>
+              <a:schemeClr val="tx1">
+                <a:lumMod val="65000"/>
+                <a:lumOff val="35000"/>
+              </a:schemeClr>
+            </a:solidFill>
+            <a:tailEnd type="arrow"/>
+          </a:ln>
+          <a:effectLst/>
+        </p:spPr>
+        <p:style>
+          <a:lnRef idx="2">
+            <a:schemeClr val="accent1"/>
+          </a:lnRef>
+          <a:fillRef idx="0">
+            <a:schemeClr val="accent1"/>
+          </a:fillRef>
+          <a:effectRef idx="1">
+            <a:schemeClr val="accent1"/>
+          </a:effectRef>
+          <a:fontRef idx="minor">
+            <a:schemeClr val="tx1"/>
+          </a:fontRef>
+        </p:style>
+      </p:cxnSp>
+      <p:sp>
+        <p:nvSpPr>
+          <p:cNvPr id="20" name="TextBox 19"/>
+          <p:cNvSpPr txBox="1"/>
+          <p:nvPr/>
+        </p:nvSpPr>
+        <p:spPr>
+          <a:xfrm>
+            <a:off x="3404121" y="804460"/>
+            <a:ext cx="2519244" cy="261610"/>
+          </a:xfrm>
+          <a:prstGeom prst="rect">
+            <a:avLst/>
+          </a:prstGeom>
+          <a:noFill/>
+        </p:spPr>
+        <p:txBody>
+          <a:bodyPr wrap="square" rtlCol="0">
+            <a:spAutoFit/>
+          </a:bodyPr>
+          <a:lstStyle/>
+          <a:p>
+            <a:pPr algn="ctr"/>
+            <a:r>
+              <a:rPr lang="en-US" sz="1100" dirty="0" smtClean="0">
+                <a:solidFill>
+                  <a:schemeClr val="tx1">
+                    <a:lumMod val="65000"/>
+                    <a:lumOff val="35000"/>
+                  </a:schemeClr>
+                </a:solidFill>
+                <a:latin typeface="Anime Ace 2.0 BB"/>
+                <a:cs typeface="Anime Ace 2.0 BB"/>
+              </a:rPr>
+              <a:t>Continued development</a:t>
+            </a:r>
+            <a:endParaRPr lang="en-US" sz="1100" dirty="0">
+              <a:solidFill>
+                <a:schemeClr val="tx1">
+                  <a:lumMod val="65000"/>
+                  <a:lumOff val="35000"/>
+                </a:schemeClr>
+              </a:solidFill>
+              <a:latin typeface="Anime Ace 2.0 BB"/>
+              <a:cs typeface="Anime Ace 2.0 BB"/>
+            </a:endParaRPr>
+          </a:p>
+        </p:txBody>
+      </p:sp>
+      <p:cxnSp>
+        <p:nvCxnSpPr>
+          <p:cNvPr id="21" name="Curved Connector 20"/>
+          <p:cNvCxnSpPr>
+            <a:stCxn id="20" idx="2"/>
+          </p:cNvCxnSpPr>
+          <p:nvPr/>
+        </p:nvCxnSpPr>
+        <p:spPr>
+          <a:xfrm rot="16200000" flipH="1">
+            <a:off x="4525833" y="1203980"/>
+            <a:ext cx="380994" cy="105174"/>
+          </a:xfrm>
+          <a:prstGeom prst="curvedConnector3">
+            <a:avLst>
+              <a:gd name="adj1" fmla="val 50000"/>
+            </a:avLst>
+          </a:prstGeom>
+          <a:ln w="9525" cmpd="sng">
+            <a:solidFill>
+              <a:schemeClr val="tx1">
+                <a:lumMod val="65000"/>
+                <a:lumOff val="35000"/>
+              </a:schemeClr>
+            </a:solidFill>
+            <a:tailEnd type="arrow"/>
+          </a:ln>
+          <a:effectLst/>
+        </p:spPr>
+        <p:style>
+          <a:lnRef idx="2">
+            <a:schemeClr val="accent1"/>
+          </a:lnRef>
+          <a:fillRef idx="0">
+            <a:schemeClr val="accent1"/>
+          </a:fillRef>
+          <a:effectRef idx="1">
+            <a:schemeClr val="accent1"/>
+          </a:effectRef>
+          <a:fontRef idx="minor">
+            <a:schemeClr val="tx1"/>
+          </a:fontRef>
+        </p:style>
+      </p:cxnSp>
+      <p:pic>
+        <p:nvPicPr>
+          <p:cNvPr id="24" name="Picture 23"/>
+          <p:cNvPicPr>
+            <a:picLocks noChangeAspect="1"/>
+          </p:cNvPicPr>
+          <p:nvPr/>
+        </p:nvPicPr>
+        <p:blipFill>
+          <a:blip r:embed="rId5">
+            <a:extLst>
+              <a:ext uri="{28A0092B-C50C-407E-A947-70E740481C1C}">
+                <a14:useLocalDpi xmlns:a14="http://schemas.microsoft.com/office/drawing/2010/main" val="0"/>
+              </a:ext>
+            </a:extLst>
+          </a:blip>
+          <a:stretch>
+            <a:fillRect/>
+          </a:stretch>
+        </p:blipFill>
+        <p:spPr>
+          <a:xfrm>
+            <a:off x="1540699" y="2877222"/>
+            <a:ext cx="1222555" cy="1408771"/>
+          </a:xfrm>
+          <a:prstGeom prst="rect">
+            <a:avLst/>
+          </a:prstGeom>
+        </p:spPr>
+      </p:pic>
+      <p:sp>
+        <p:nvSpPr>
+          <p:cNvPr id="25" name="Right Arrow 24"/>
+          <p:cNvSpPr/>
+          <p:nvPr/>
+        </p:nvSpPr>
+        <p:spPr>
+          <a:xfrm rot="2665506">
+            <a:off x="933796" y="2389074"/>
+            <a:ext cx="1098255" cy="756403"/>
+          </a:xfrm>
+          <a:prstGeom prst="rightArrow">
+            <a:avLst/>
+          </a:prstGeom>
+          <a:noFill/>
+        </p:spPr>
+        <p:style>
+          <a:lnRef idx="2">
+            <a:schemeClr val="dk1"/>
+          </a:lnRef>
+          <a:fillRef idx="1">
+            <a:schemeClr val="lt1"/>
+          </a:fillRef>
+          <a:effectRef idx="0">
+            <a:schemeClr val="dk1"/>
+          </a:effectRef>
+          <a:fontRef idx="minor">
+            <a:schemeClr val="dk1"/>
+          </a:fontRef>
+        </p:style>
+        <p:txBody>
+          <a:bodyPr rtlCol="0" anchor="ctr"/>
+          <a:lstStyle/>
+          <a:p>
+            <a:pPr algn="ctr"/>
+            <a:endParaRPr lang="en-US"/>
+          </a:p>
+        </p:txBody>
+      </p:sp>
+      <p:pic>
+        <p:nvPicPr>
+          <p:cNvPr id="27" name="Picture 26"/>
+          <p:cNvPicPr>
+            <a:picLocks noChangeAspect="1"/>
+          </p:cNvPicPr>
+          <p:nvPr/>
+        </p:nvPicPr>
+        <p:blipFill>
+          <a:blip r:embed="rId2">
+            <a:extLst>
+              <a:ext uri="{28A0092B-C50C-407E-A947-70E740481C1C}">
+                <a14:useLocalDpi xmlns:a14="http://schemas.microsoft.com/office/drawing/2010/main" val="0"/>
+              </a:ext>
+            </a:extLst>
+          </a:blip>
+          <a:stretch>
+            <a:fillRect/>
+          </a:stretch>
+        </p:blipFill>
+        <p:spPr>
+          <a:xfrm>
+            <a:off x="7468594" y="2872151"/>
+            <a:ext cx="1226956" cy="1413842"/>
+          </a:xfrm>
+          <a:prstGeom prst="rect">
+            <a:avLst/>
+          </a:prstGeom>
+        </p:spPr>
+      </p:pic>
+    </p:spTree>
+    <p:extLst>
+      <p:ext uri="{BB962C8B-B14F-4D97-AF65-F5344CB8AC3E}">
+        <p14:creationId xmlns:p14="http://schemas.microsoft.com/office/powerpoint/2010/main" val="4172045978"/>
+      </p:ext>
+    </p:extLst>
+  </p:cSld>
+  <p:clrMapOvr>
+    <a:masterClrMapping/>
+  </p:clrMapOvr>
+</p:sld>
+</file>
+
+<file path=ppt/slides/slide64.xml><?xml version="1.0" encoding="utf-8"?>
+<p:sld xmlns:a="http://schemas.openxmlformats.org/drawingml/2006/main" xmlns:r="http://schemas.openxmlformats.org/officeDocument/2006/relationships" xmlns:p="http://schemas.openxmlformats.org/presentationml/2006/main">
+  <p:cSld>
+    <p:spTree>
+      <p:nvGrpSpPr>
+        <p:cNvPr id="1" name=""/>
+        <p:cNvGrpSpPr/>
+        <p:nvPr/>
+      </p:nvGrpSpPr>
+      <p:grpSpPr>
+        <a:xfrm>
+          <a:off x="0" y="0"/>
+          <a:ext cx="0" cy="0"/>
+          <a:chOff x="0" y="0"/>
+          <a:chExt cx="0" cy="0"/>
+        </a:xfrm>
+      </p:grpSpPr>
+      <p:pic>
+        <p:nvPicPr>
+          <p:cNvPr id="2" name="Picture 1"/>
+          <p:cNvPicPr>
+            <a:picLocks noChangeAspect="1"/>
+          </p:cNvPicPr>
+          <p:nvPr/>
+        </p:nvPicPr>
+        <p:blipFill>
+          <a:blip r:embed="rId2"/>
+          <a:stretch>
+            <a:fillRect/>
+          </a:stretch>
+        </p:blipFill>
+        <p:spPr>
+          <a:xfrm>
+            <a:off x="317868" y="4726424"/>
+            <a:ext cx="1382934" cy="1509276"/>
+          </a:xfrm>
+          <a:prstGeom prst="rect">
+            <a:avLst/>
+          </a:prstGeom>
+        </p:spPr>
+      </p:pic>
+      <p:pic>
+        <p:nvPicPr>
+          <p:cNvPr id="3" name="Picture 2"/>
+          <p:cNvPicPr>
+            <a:picLocks noChangeAspect="1"/>
+          </p:cNvPicPr>
+          <p:nvPr/>
+        </p:nvPicPr>
+        <p:blipFill>
+          <a:blip r:embed="rId3"/>
+          <a:stretch>
+            <a:fillRect/>
+          </a:stretch>
+        </p:blipFill>
+        <p:spPr>
+          <a:xfrm>
+            <a:off x="2129231" y="4726424"/>
+            <a:ext cx="1382934" cy="1509276"/>
+          </a:xfrm>
+          <a:prstGeom prst="rect">
+            <a:avLst/>
+          </a:prstGeom>
+        </p:spPr>
+      </p:pic>
+      <p:pic>
+        <p:nvPicPr>
+          <p:cNvPr id="4" name="Picture 3"/>
+          <p:cNvPicPr>
+            <a:picLocks noChangeAspect="1"/>
+          </p:cNvPicPr>
+          <p:nvPr/>
+        </p:nvPicPr>
+        <p:blipFill>
+          <a:blip r:embed="rId4"/>
+          <a:stretch>
+            <a:fillRect/>
+          </a:stretch>
+        </p:blipFill>
+        <p:spPr>
+          <a:xfrm>
+            <a:off x="3940594" y="4726424"/>
+            <a:ext cx="1382934" cy="1509276"/>
+          </a:xfrm>
+          <a:prstGeom prst="rect">
+            <a:avLst/>
+          </a:prstGeom>
+        </p:spPr>
+      </p:pic>
+      <p:pic>
+        <p:nvPicPr>
+          <p:cNvPr id="6" name="Picture 5"/>
+          <p:cNvPicPr>
+            <a:picLocks noChangeAspect="1"/>
+          </p:cNvPicPr>
+          <p:nvPr/>
+        </p:nvPicPr>
+        <p:blipFill>
+          <a:blip r:embed="rId5"/>
+          <a:stretch>
+            <a:fillRect/>
+          </a:stretch>
+        </p:blipFill>
+        <p:spPr>
+          <a:xfrm>
+            <a:off x="5751957" y="4726424"/>
+            <a:ext cx="1382934" cy="1509276"/>
+          </a:xfrm>
+          <a:prstGeom prst="rect">
+            <a:avLst/>
+          </a:prstGeom>
+        </p:spPr>
+      </p:pic>
+      <p:pic>
+        <p:nvPicPr>
+          <p:cNvPr id="7" name="Picture 6"/>
+          <p:cNvPicPr>
+            <a:picLocks noChangeAspect="1"/>
+          </p:cNvPicPr>
+          <p:nvPr/>
+        </p:nvPicPr>
+        <p:blipFill>
+          <a:blip r:embed="rId6"/>
+          <a:stretch>
+            <a:fillRect/>
+          </a:stretch>
+        </p:blipFill>
+        <p:spPr>
+          <a:xfrm>
+            <a:off x="7563321" y="4726424"/>
+            <a:ext cx="1382934" cy="1509276"/>
+          </a:xfrm>
+          <a:prstGeom prst="rect">
+            <a:avLst/>
+          </a:prstGeom>
+        </p:spPr>
+      </p:pic>
+      <p:pic>
+        <p:nvPicPr>
+          <p:cNvPr id="8" name="Picture 7" descr="incompleteD8.png"/>
+          <p:cNvPicPr>
+            <a:picLocks noChangeAspect="1"/>
+          </p:cNvPicPr>
+          <p:nvPr/>
+        </p:nvPicPr>
+        <p:blipFill>
+          <a:blip r:embed="rId7">
+            <a:extLst>
+              <a:ext uri="{28A0092B-C50C-407E-A947-70E740481C1C}">
+                <a14:useLocalDpi xmlns:a14="http://schemas.microsoft.com/office/drawing/2010/main" val="0"/>
+              </a:ext>
+            </a:extLst>
+          </a:blip>
+          <a:stretch>
+            <a:fillRect/>
+          </a:stretch>
+        </p:blipFill>
+        <p:spPr>
+          <a:xfrm>
+            <a:off x="230594" y="1515112"/>
+            <a:ext cx="1226956" cy="1413842"/>
+          </a:xfrm>
+          <a:prstGeom prst="rect">
+            <a:avLst/>
+          </a:prstGeom>
+        </p:spPr>
+      </p:pic>
+      <p:pic>
+        <p:nvPicPr>
+          <p:cNvPr id="9" name="Picture 8"/>
+          <p:cNvPicPr>
+            <a:picLocks noChangeAspect="1"/>
+          </p:cNvPicPr>
+          <p:nvPr/>
+        </p:nvPicPr>
+        <p:blipFill>
+          <a:blip r:embed="rId8"/>
+          <a:stretch>
+            <a:fillRect/>
+          </a:stretch>
+        </p:blipFill>
+        <p:spPr>
+          <a:xfrm>
+            <a:off x="7770355" y="1520183"/>
+            <a:ext cx="1244763" cy="1408771"/>
+          </a:xfrm>
+          <a:prstGeom prst="rect">
+            <a:avLst/>
+          </a:prstGeom>
+        </p:spPr>
+      </p:pic>
+    </p:spTree>
+    <p:extLst>
+      <p:ext uri="{BB962C8B-B14F-4D97-AF65-F5344CB8AC3E}">
+        <p14:creationId xmlns:p14="http://schemas.microsoft.com/office/powerpoint/2010/main" val="148268965"/>
+      </p:ext>
+    </p:extLst>
+  </p:cSld>
+  <p:clrMapOvr>
+    <a:masterClrMapping/>
+  </p:clrMapOvr>
+</p:sld>
+</file>
+
+<file path=ppt/slides/slide65.xml><?xml version="1.0" encoding="utf-8"?>
 <p:sld xmlns:a="http://schemas.openxmlformats.org/drawingml/2006/main" xmlns:r="http://schemas.openxmlformats.org/officeDocument/2006/relationships" xmlns:p="http://schemas.openxmlformats.org/presentationml/2006/main">
   <p:cSld>
     <p:spTree>
@@ -47221,7 +47354,7 @@
 </p:sld>
 </file>
 
-<file path=ppt/slides/slide64.xml><?xml version="1.0" encoding="utf-8"?>
+<file path=ppt/slides/slide66.xml><?xml version="1.0" encoding="utf-8"?>
 <p:sld xmlns:a="http://schemas.openxmlformats.org/drawingml/2006/main" xmlns:r="http://schemas.openxmlformats.org/officeDocument/2006/relationships" xmlns:p="http://schemas.openxmlformats.org/presentationml/2006/main">
   <p:cSld>
     <p:spTree>
@@ -48300,7 +48433,7 @@
 </p:sld>
 </file>
 
-<file path=ppt/slides/slide65.xml><?xml version="1.0" encoding="utf-8"?>
+<file path=ppt/slides/slide67.xml><?xml version="1.0" encoding="utf-8"?>
 <p:sld xmlns:a="http://schemas.openxmlformats.org/drawingml/2006/main" xmlns:r="http://schemas.openxmlformats.org/officeDocument/2006/relationships" xmlns:p="http://schemas.openxmlformats.org/presentationml/2006/main">
   <p:cSld>
     <p:spTree>
@@ -49430,7 +49563,7 @@
 </p:sld>
 </file>
 
-<file path=ppt/slides/slide66.xml><?xml version="1.0" encoding="utf-8"?>
+<file path=ppt/slides/slide68.xml><?xml version="1.0" encoding="utf-8"?>
 <p:sld xmlns:a="http://schemas.openxmlformats.org/drawingml/2006/main" xmlns:r="http://schemas.openxmlformats.org/officeDocument/2006/relationships" xmlns:p="http://schemas.openxmlformats.org/presentationml/2006/main">
   <p:cSld>
     <p:spTree>
@@ -50611,7 +50744,7 @@
 </p:sld>
 </file>
 
-<file path=ppt/slides/slide67.xml><?xml version="1.0" encoding="utf-8"?>
+<file path=ppt/slides/slide69.xml><?xml version="1.0" encoding="utf-8"?>
 <p:sld xmlns:a="http://schemas.openxmlformats.org/drawingml/2006/main" xmlns:r="http://schemas.openxmlformats.org/officeDocument/2006/relationships" xmlns:p="http://schemas.openxmlformats.org/presentationml/2006/main">
   <p:cSld>
     <p:spTree>
@@ -51049,7 +51182,552 @@
 </p:sld>
 </file>
 
-<file path=ppt/slides/slide68.xml><?xml version="1.0" encoding="utf-8"?>
+<file path=ppt/slides/slide7.xml><?xml version="1.0" encoding="utf-8"?>
+<p:sld xmlns:a="http://schemas.openxmlformats.org/drawingml/2006/main" xmlns:r="http://schemas.openxmlformats.org/officeDocument/2006/relationships" xmlns:p="http://schemas.openxmlformats.org/presentationml/2006/main">
+  <p:cSld>
+    <p:spTree>
+      <p:nvGrpSpPr>
+        <p:cNvPr id="1" name=""/>
+        <p:cNvGrpSpPr/>
+        <p:nvPr/>
+      </p:nvGrpSpPr>
+      <p:grpSpPr>
+        <a:xfrm>
+          <a:off x="0" y="0"/>
+          <a:ext cx="0" cy="0"/>
+          <a:chOff x="0" y="0"/>
+          <a:chExt cx="0" cy="0"/>
+        </a:xfrm>
+      </p:grpSpPr>
+      <p:sp>
+        <p:nvSpPr>
+          <p:cNvPr id="2" name="Rectangle 1"/>
+          <p:cNvSpPr/>
+          <p:nvPr/>
+        </p:nvSpPr>
+        <p:spPr>
+          <a:xfrm>
+            <a:off x="3168724" y="3766762"/>
+            <a:ext cx="2667935" cy="877571"/>
+          </a:xfrm>
+          <a:prstGeom prst="rect">
+            <a:avLst/>
+          </a:prstGeom>
+          <a:noFill/>
+        </p:spPr>
+        <p:style>
+          <a:lnRef idx="2">
+            <a:schemeClr val="dk1"/>
+          </a:lnRef>
+          <a:fillRef idx="1">
+            <a:schemeClr val="lt1"/>
+          </a:fillRef>
+          <a:effectRef idx="0">
+            <a:schemeClr val="dk1"/>
+          </a:effectRef>
+          <a:fontRef idx="minor">
+            <a:schemeClr val="dk1"/>
+          </a:fontRef>
+        </p:style>
+        <p:txBody>
+          <a:bodyPr rtlCol="0" anchor="ctr"/>
+          <a:lstStyle/>
+          <a:p>
+            <a:pPr algn="ctr"/>
+            <a:r>
+              <a:rPr lang="en-US" sz="2000" dirty="0" smtClean="0">
+                <a:latin typeface="Anime Ace 2.0 BB"/>
+                <a:cs typeface="Anime Ace 2.0 BB"/>
+              </a:rPr>
+              <a:t>F</a:t>
+            </a:r>
+            <a:r>
+              <a:rPr lang="en-US" sz="1600" dirty="0" smtClean="0">
+                <a:latin typeface="Anime Ace 2.0 BB"/>
+                <a:cs typeface="Anime Ace 2.0 BB"/>
+              </a:rPr>
+              <a:t>lag</a:t>
+            </a:r>
+            <a:endParaRPr lang="en-US" sz="2000" dirty="0">
+              <a:latin typeface="Anime Ace 2.0 BB"/>
+              <a:cs typeface="Anime Ace 2.0 BB"/>
+            </a:endParaRPr>
+          </a:p>
+        </p:txBody>
+      </p:sp>
+      <p:sp>
+        <p:nvSpPr>
+          <p:cNvPr id="3" name="Rectangle 2"/>
+          <p:cNvSpPr/>
+          <p:nvPr/>
+        </p:nvSpPr>
+        <p:spPr>
+          <a:xfrm>
+            <a:off x="642006" y="2314294"/>
+            <a:ext cx="3730247" cy="877571"/>
+          </a:xfrm>
+          <a:prstGeom prst="rect">
+            <a:avLst/>
+          </a:prstGeom>
+          <a:noFill/>
+        </p:spPr>
+        <p:style>
+          <a:lnRef idx="2">
+            <a:schemeClr val="dk1"/>
+          </a:lnRef>
+          <a:fillRef idx="1">
+            <a:schemeClr val="lt1"/>
+          </a:fillRef>
+          <a:effectRef idx="0">
+            <a:schemeClr val="dk1"/>
+          </a:effectRef>
+          <a:fontRef idx="minor">
+            <a:schemeClr val="dk1"/>
+          </a:fontRef>
+        </p:style>
+        <p:txBody>
+          <a:bodyPr rtlCol="0" anchor="ctr"/>
+          <a:lstStyle/>
+          <a:p>
+            <a:pPr algn="ctr"/>
+            <a:r>
+              <a:rPr lang="en-US" sz="1600" dirty="0" smtClean="0">
+                <a:latin typeface="Anime Ace 2.0 BB"/>
+                <a:cs typeface="Anime Ace 2.0 BB"/>
+              </a:rPr>
+              <a:t>&lt;&lt;interface&gt;&gt;</a:t>
+            </a:r>
+            <a:br>
+              <a:rPr lang="en-US" sz="1600" dirty="0" smtClean="0">
+                <a:latin typeface="Anime Ace 2.0 BB"/>
+                <a:cs typeface="Anime Ace 2.0 BB"/>
+              </a:rPr>
+            </a:br>
+            <a:r>
+              <a:rPr lang="en-US" sz="1100" dirty="0" smtClean="0">
+                <a:latin typeface="Anime Ace 2.0 BB"/>
+                <a:cs typeface="Anime Ace 2.0 BB"/>
+              </a:rPr>
+              <a:t/>
+            </a:r>
+            <a:br>
+              <a:rPr lang="en-US" sz="1100" dirty="0" smtClean="0">
+                <a:latin typeface="Anime Ace 2.0 BB"/>
+                <a:cs typeface="Anime Ace 2.0 BB"/>
+              </a:rPr>
+            </a:br>
+            <a:r>
+              <a:rPr lang="en-US" sz="2000" dirty="0" err="1" smtClean="0">
+                <a:latin typeface="Anime Ace 2.0 BB"/>
+                <a:cs typeface="Anime Ace 2.0 BB"/>
+              </a:rPr>
+              <a:t>F</a:t>
+            </a:r>
+            <a:r>
+              <a:rPr lang="en-US" sz="1600" dirty="0" err="1" smtClean="0">
+                <a:latin typeface="Anime Ace 2.0 BB"/>
+                <a:cs typeface="Anime Ace 2.0 BB"/>
+              </a:rPr>
+              <a:t>lag</a:t>
+            </a:r>
+            <a:r>
+              <a:rPr lang="en-US" sz="2000" dirty="0" err="1" smtClean="0">
+                <a:latin typeface="Anime Ace 2.0 BB"/>
+                <a:cs typeface="Anime Ace 2.0 BB"/>
+              </a:rPr>
+              <a:t>I</a:t>
+            </a:r>
+            <a:r>
+              <a:rPr lang="en-US" sz="1600" dirty="0" err="1" smtClean="0">
+                <a:latin typeface="Anime Ace 2.0 BB"/>
+                <a:cs typeface="Anime Ace 2.0 BB"/>
+              </a:rPr>
+              <a:t>nterface</a:t>
+            </a:r>
+            <a:endParaRPr lang="en-US" sz="1600" dirty="0">
+              <a:latin typeface="Anime Ace 2.0 BB"/>
+              <a:cs typeface="Anime Ace 2.0 BB"/>
+            </a:endParaRPr>
+          </a:p>
+        </p:txBody>
+      </p:sp>
+      <p:sp>
+        <p:nvSpPr>
+          <p:cNvPr id="4" name="Rectangle 3"/>
+          <p:cNvSpPr/>
+          <p:nvPr/>
+        </p:nvSpPr>
+        <p:spPr>
+          <a:xfrm>
+            <a:off x="4639498" y="2316393"/>
+            <a:ext cx="3730247" cy="877571"/>
+          </a:xfrm>
+          <a:prstGeom prst="rect">
+            <a:avLst/>
+          </a:prstGeom>
+          <a:solidFill>
+            <a:srgbClr val="558ED5"/>
+          </a:solidFill>
+        </p:spPr>
+        <p:style>
+          <a:lnRef idx="2">
+            <a:schemeClr val="dk1"/>
+          </a:lnRef>
+          <a:fillRef idx="1">
+            <a:schemeClr val="lt1"/>
+          </a:fillRef>
+          <a:effectRef idx="0">
+            <a:schemeClr val="dk1"/>
+          </a:effectRef>
+          <a:fontRef idx="minor">
+            <a:schemeClr val="dk1"/>
+          </a:fontRef>
+        </p:style>
+        <p:txBody>
+          <a:bodyPr rtlCol="0" anchor="ctr"/>
+          <a:lstStyle/>
+          <a:p>
+            <a:pPr algn="ctr"/>
+            <a:r>
+              <a:rPr lang="en-US" sz="2000" dirty="0" err="1" smtClean="0">
+                <a:latin typeface="Anime Ace 2.0 BB"/>
+                <a:cs typeface="Anime Ace 2.0 BB"/>
+              </a:rPr>
+              <a:t>C</a:t>
+            </a:r>
+            <a:r>
+              <a:rPr lang="en-US" sz="1600" dirty="0" err="1" smtClean="0">
+                <a:latin typeface="Anime Ace 2.0 BB"/>
+                <a:cs typeface="Anime Ace 2.0 BB"/>
+              </a:rPr>
+              <a:t>onfig</a:t>
+            </a:r>
+            <a:r>
+              <a:rPr lang="en-US" sz="2000" dirty="0" err="1" smtClean="0">
+                <a:latin typeface="Anime Ace 2.0 BB"/>
+                <a:cs typeface="Anime Ace 2.0 BB"/>
+              </a:rPr>
+              <a:t>E</a:t>
+            </a:r>
+            <a:r>
+              <a:rPr lang="en-US" sz="1600" dirty="0" err="1" smtClean="0">
+                <a:latin typeface="Anime Ace 2.0 BB"/>
+                <a:cs typeface="Anime Ace 2.0 BB"/>
+              </a:rPr>
+              <a:t>ntity</a:t>
+            </a:r>
+            <a:r>
+              <a:rPr lang="en-US" sz="2000" dirty="0" err="1" smtClean="0">
+                <a:latin typeface="Anime Ace 2.0 BB"/>
+                <a:cs typeface="Anime Ace 2.0 BB"/>
+              </a:rPr>
+              <a:t>B</a:t>
+            </a:r>
+            <a:r>
+              <a:rPr lang="en-US" sz="1600" dirty="0" err="1" smtClean="0">
+                <a:latin typeface="Anime Ace 2.0 BB"/>
+                <a:cs typeface="Anime Ace 2.0 BB"/>
+              </a:rPr>
+              <a:t>undle</a:t>
+            </a:r>
+            <a:r>
+              <a:rPr lang="en-US" sz="2000" dirty="0" err="1" smtClean="0">
+                <a:latin typeface="Anime Ace 2.0 BB"/>
+                <a:cs typeface="Anime Ace 2.0 BB"/>
+              </a:rPr>
+              <a:t>B</a:t>
+            </a:r>
+            <a:r>
+              <a:rPr lang="en-US" sz="1600" dirty="0" err="1" smtClean="0">
+                <a:latin typeface="Anime Ace 2.0 BB"/>
+                <a:cs typeface="Anime Ace 2.0 BB"/>
+              </a:rPr>
+              <a:t>ase</a:t>
+            </a:r>
+            <a:endParaRPr lang="en-US" sz="1600" dirty="0">
+              <a:latin typeface="Anime Ace 2.0 BB"/>
+              <a:cs typeface="Anime Ace 2.0 BB"/>
+            </a:endParaRPr>
+          </a:p>
+        </p:txBody>
+      </p:sp>
+      <p:cxnSp>
+        <p:nvCxnSpPr>
+          <p:cNvPr id="6" name="Elbow Connector 5"/>
+          <p:cNvCxnSpPr>
+            <a:stCxn id="2" idx="0"/>
+            <a:endCxn id="3" idx="2"/>
+          </p:cNvCxnSpPr>
+          <p:nvPr/>
+        </p:nvCxnSpPr>
+        <p:spPr>
+          <a:xfrm rot="16200000" flipV="1">
+            <a:off x="3217463" y="2481533"/>
+            <a:ext cx="574897" cy="1995562"/>
+          </a:xfrm>
+          <a:prstGeom prst="bentConnector3">
+            <a:avLst/>
+          </a:prstGeom>
+          <a:ln>
+            <a:solidFill>
+              <a:schemeClr val="tx1"/>
+            </a:solidFill>
+            <a:tailEnd type="triangle" w="lg" len="lg"/>
+          </a:ln>
+          <a:effectLst/>
+        </p:spPr>
+        <p:style>
+          <a:lnRef idx="2">
+            <a:schemeClr val="accent1"/>
+          </a:lnRef>
+          <a:fillRef idx="0">
+            <a:schemeClr val="accent1"/>
+          </a:fillRef>
+          <a:effectRef idx="1">
+            <a:schemeClr val="accent1"/>
+          </a:effectRef>
+          <a:fontRef idx="minor">
+            <a:schemeClr val="tx1"/>
+          </a:fontRef>
+        </p:style>
+      </p:cxnSp>
+      <p:cxnSp>
+        <p:nvCxnSpPr>
+          <p:cNvPr id="9" name="Elbow Connector 8"/>
+          <p:cNvCxnSpPr>
+            <a:stCxn id="2" idx="0"/>
+            <a:endCxn id="4" idx="2"/>
+          </p:cNvCxnSpPr>
+          <p:nvPr/>
+        </p:nvCxnSpPr>
+        <p:spPr>
+          <a:xfrm rot="5400000" flipH="1" flipV="1">
+            <a:off x="5217258" y="2479398"/>
+            <a:ext cx="572798" cy="2001930"/>
+          </a:xfrm>
+          <a:prstGeom prst="bentConnector3">
+            <a:avLst>
+              <a:gd name="adj1" fmla="val 50000"/>
+            </a:avLst>
+          </a:prstGeom>
+          <a:ln>
+            <a:solidFill>
+              <a:schemeClr val="tx1"/>
+            </a:solidFill>
+            <a:tailEnd type="triangle" w="lg" len="lg"/>
+          </a:ln>
+          <a:effectLst/>
+        </p:spPr>
+        <p:style>
+          <a:lnRef idx="2">
+            <a:schemeClr val="accent1"/>
+          </a:lnRef>
+          <a:fillRef idx="0">
+            <a:schemeClr val="accent1"/>
+          </a:fillRef>
+          <a:effectRef idx="1">
+            <a:schemeClr val="accent1"/>
+          </a:effectRef>
+          <a:fontRef idx="minor">
+            <a:schemeClr val="tx1"/>
+          </a:fontRef>
+        </p:style>
+      </p:cxnSp>
+      <p:cxnSp>
+        <p:nvCxnSpPr>
+          <p:cNvPr id="20" name="Straight Arrow Connector 19"/>
+          <p:cNvCxnSpPr/>
+          <p:nvPr/>
+        </p:nvCxnSpPr>
+        <p:spPr>
+          <a:xfrm>
+            <a:off x="7102176" y="3847981"/>
+            <a:ext cx="0" cy="490925"/>
+          </a:xfrm>
+          <a:prstGeom prst="straightConnector1">
+            <a:avLst/>
+          </a:prstGeom>
+          <a:ln>
+            <a:solidFill>
+              <a:schemeClr val="tx1">
+                <a:lumMod val="50000"/>
+                <a:lumOff val="50000"/>
+              </a:schemeClr>
+            </a:solidFill>
+            <a:headEnd type="triangle" w="lg" len="lg"/>
+            <a:tailEnd type="none" w="lg" len="lg"/>
+          </a:ln>
+          <a:effectLst/>
+        </p:spPr>
+        <p:style>
+          <a:lnRef idx="2">
+            <a:schemeClr val="accent1"/>
+          </a:lnRef>
+          <a:fillRef idx="0">
+            <a:schemeClr val="accent1"/>
+          </a:fillRef>
+          <a:effectRef idx="1">
+            <a:schemeClr val="accent1"/>
+          </a:effectRef>
+          <a:fontRef idx="minor">
+            <a:schemeClr val="tx1"/>
+          </a:fontRef>
+        </p:style>
+      </p:cxnSp>
+      <p:sp>
+        <p:nvSpPr>
+          <p:cNvPr id="21" name="TextBox 20"/>
+          <p:cNvSpPr txBox="1"/>
+          <p:nvPr/>
+        </p:nvSpPr>
+        <p:spPr>
+          <a:xfrm>
+            <a:off x="6596659" y="3586838"/>
+            <a:ext cx="1011034" cy="276999"/>
+          </a:xfrm>
+          <a:prstGeom prst="rect">
+            <a:avLst/>
+          </a:prstGeom>
+          <a:noFill/>
+        </p:spPr>
+        <p:txBody>
+          <a:bodyPr wrap="square" rtlCol="0">
+            <a:spAutoFit/>
+          </a:bodyPr>
+          <a:lstStyle/>
+          <a:p>
+            <a:pPr algn="ctr"/>
+            <a:r>
+              <a:rPr lang="en-US" sz="1200" dirty="0" smtClean="0">
+                <a:solidFill>
+                  <a:schemeClr val="tx1">
+                    <a:lumMod val="50000"/>
+                    <a:lumOff val="50000"/>
+                  </a:schemeClr>
+                </a:solidFill>
+                <a:latin typeface="Anime Ace 2.0 BB"/>
+                <a:cs typeface="Anime Ace 2.0 BB"/>
+              </a:rPr>
+              <a:t>Parent</a:t>
+            </a:r>
+            <a:endParaRPr lang="en-US" sz="1200" dirty="0">
+              <a:solidFill>
+                <a:schemeClr val="tx1">
+                  <a:lumMod val="50000"/>
+                  <a:lumOff val="50000"/>
+                </a:schemeClr>
+              </a:solidFill>
+              <a:latin typeface="Anime Ace 2.0 BB"/>
+              <a:cs typeface="Anime Ace 2.0 BB"/>
+            </a:endParaRPr>
+          </a:p>
+        </p:txBody>
+      </p:sp>
+      <p:sp>
+        <p:nvSpPr>
+          <p:cNvPr id="22" name="TextBox 21"/>
+          <p:cNvSpPr txBox="1"/>
+          <p:nvPr/>
+        </p:nvSpPr>
+        <p:spPr>
+          <a:xfrm>
+            <a:off x="6596659" y="4367334"/>
+            <a:ext cx="1011034" cy="276999"/>
+          </a:xfrm>
+          <a:prstGeom prst="rect">
+            <a:avLst/>
+          </a:prstGeom>
+          <a:noFill/>
+        </p:spPr>
+        <p:txBody>
+          <a:bodyPr wrap="square" rtlCol="0">
+            <a:spAutoFit/>
+          </a:bodyPr>
+          <a:lstStyle/>
+          <a:p>
+            <a:pPr algn="ctr"/>
+            <a:r>
+              <a:rPr lang="en-US" sz="1200" dirty="0" smtClean="0">
+                <a:solidFill>
+                  <a:schemeClr val="tx1">
+                    <a:lumMod val="50000"/>
+                    <a:lumOff val="50000"/>
+                  </a:schemeClr>
+                </a:solidFill>
+                <a:latin typeface="Anime Ace 2.0 BB"/>
+                <a:cs typeface="Anime Ace 2.0 BB"/>
+              </a:rPr>
+              <a:t>Child</a:t>
+            </a:r>
+            <a:endParaRPr lang="en-US" sz="1200" dirty="0">
+              <a:solidFill>
+                <a:schemeClr val="tx1">
+                  <a:lumMod val="50000"/>
+                  <a:lumOff val="50000"/>
+                </a:schemeClr>
+              </a:solidFill>
+              <a:latin typeface="Anime Ace 2.0 BB"/>
+              <a:cs typeface="Anime Ace 2.0 BB"/>
+            </a:endParaRPr>
+          </a:p>
+        </p:txBody>
+      </p:sp>
+      <p:sp>
+        <p:nvSpPr>
+          <p:cNvPr id="23" name="Rectangle 22"/>
+          <p:cNvSpPr/>
+          <p:nvPr/>
+        </p:nvSpPr>
+        <p:spPr>
+          <a:xfrm>
+            <a:off x="0" y="1530362"/>
+            <a:ext cx="9144000" cy="3976860"/>
+          </a:xfrm>
+          <a:prstGeom prst="rect">
+            <a:avLst/>
+          </a:prstGeom>
+          <a:noFill/>
+          <a:ln>
+            <a:noFill/>
+          </a:ln>
+        </p:spPr>
+        <p:style>
+          <a:lnRef idx="1">
+            <a:schemeClr val="accent1"/>
+          </a:lnRef>
+          <a:fillRef idx="3">
+            <a:schemeClr val="accent1"/>
+          </a:fillRef>
+          <a:effectRef idx="2">
+            <a:schemeClr val="accent1"/>
+          </a:effectRef>
+          <a:fontRef idx="minor">
+            <a:schemeClr val="lt1"/>
+          </a:fontRef>
+        </p:style>
+        <p:txBody>
+          <a:bodyPr rtlCol="0" anchor="ctr"/>
+          <a:lstStyle/>
+          <a:p>
+            <a:pPr algn="ctr"/>
+            <a:endParaRPr lang="en-US"/>
+          </a:p>
+        </p:txBody>
+      </p:sp>
+    </p:spTree>
+    <p:extLst>
+      <p:ext uri="{BB962C8B-B14F-4D97-AF65-F5344CB8AC3E}">
+        <p14:creationId xmlns:p14="http://schemas.microsoft.com/office/powerpoint/2010/main" val="3899545331"/>
+      </p:ext>
+    </p:extLst>
+  </p:cSld>
+  <p:clrMapOvr>
+    <a:masterClrMapping/>
+  </p:clrMapOvr>
+</p:sld>
+</file>
+
+<file path=ppt/slides/slide70.xml><?xml version="1.0" encoding="utf-8"?>
 <p:sld xmlns:a="http://schemas.openxmlformats.org/drawingml/2006/main" xmlns:r="http://schemas.openxmlformats.org/officeDocument/2006/relationships" xmlns:p="http://schemas.openxmlformats.org/presentationml/2006/main">
   <p:cSld>
     <p:spTree>
@@ -51502,7 +52180,7 @@
 </p:sld>
 </file>
 
-<file path=ppt/slides/slide69.xml><?xml version="1.0" encoding="utf-8"?>
+<file path=ppt/slides/slide71.xml><?xml version="1.0" encoding="utf-8"?>
 <p:sld xmlns:a="http://schemas.openxmlformats.org/drawingml/2006/main" xmlns:r="http://schemas.openxmlformats.org/officeDocument/2006/relationships" xmlns:p="http://schemas.openxmlformats.org/presentationml/2006/main">
   <p:cSld>
     <p:spTree>
@@ -51955,496 +52633,7 @@
 </p:sld>
 </file>
 
-<file path=ppt/slides/slide7.xml><?xml version="1.0" encoding="utf-8"?>
-<p:sld xmlns:a="http://schemas.openxmlformats.org/drawingml/2006/main" xmlns:r="http://schemas.openxmlformats.org/officeDocument/2006/relationships" xmlns:p="http://schemas.openxmlformats.org/presentationml/2006/main">
-  <p:cSld>
-    <p:spTree>
-      <p:nvGrpSpPr>
-        <p:cNvPr id="1" name=""/>
-        <p:cNvGrpSpPr/>
-        <p:nvPr/>
-      </p:nvGrpSpPr>
-      <p:grpSpPr>
-        <a:xfrm>
-          <a:off x="0" y="0"/>
-          <a:ext cx="0" cy="0"/>
-          <a:chOff x="0" y="0"/>
-          <a:chExt cx="0" cy="0"/>
-        </a:xfrm>
-      </p:grpSpPr>
-      <p:sp>
-        <p:nvSpPr>
-          <p:cNvPr id="2" name="Rectangle 1"/>
-          <p:cNvSpPr/>
-          <p:nvPr/>
-        </p:nvSpPr>
-        <p:spPr>
-          <a:xfrm>
-            <a:off x="3168724" y="3766762"/>
-            <a:ext cx="2667935" cy="877571"/>
-          </a:xfrm>
-          <a:prstGeom prst="rect">
-            <a:avLst/>
-          </a:prstGeom>
-          <a:noFill/>
-        </p:spPr>
-        <p:style>
-          <a:lnRef idx="2">
-            <a:schemeClr val="dk1"/>
-          </a:lnRef>
-          <a:fillRef idx="1">
-            <a:schemeClr val="lt1"/>
-          </a:fillRef>
-          <a:effectRef idx="0">
-            <a:schemeClr val="dk1"/>
-          </a:effectRef>
-          <a:fontRef idx="minor">
-            <a:schemeClr val="dk1"/>
-          </a:fontRef>
-        </p:style>
-        <p:txBody>
-          <a:bodyPr rtlCol="0" anchor="ctr"/>
-          <a:lstStyle/>
-          <a:p>
-            <a:pPr algn="ctr"/>
-            <a:r>
-              <a:rPr lang="en-US" sz="2000" dirty="0" smtClean="0">
-                <a:latin typeface="Anime Ace 2.0 BB"/>
-                <a:cs typeface="Anime Ace 2.0 BB"/>
-              </a:rPr>
-              <a:t>F</a:t>
-            </a:r>
-            <a:r>
-              <a:rPr lang="en-US" sz="1600" dirty="0" smtClean="0">
-                <a:latin typeface="Anime Ace 2.0 BB"/>
-                <a:cs typeface="Anime Ace 2.0 BB"/>
-              </a:rPr>
-              <a:t>lag</a:t>
-            </a:r>
-            <a:endParaRPr lang="en-US" sz="2000" dirty="0">
-              <a:latin typeface="Anime Ace 2.0 BB"/>
-              <a:cs typeface="Anime Ace 2.0 BB"/>
-            </a:endParaRPr>
-          </a:p>
-        </p:txBody>
-      </p:sp>
-      <p:sp>
-        <p:nvSpPr>
-          <p:cNvPr id="3" name="Rectangle 2"/>
-          <p:cNvSpPr/>
-          <p:nvPr/>
-        </p:nvSpPr>
-        <p:spPr>
-          <a:xfrm>
-            <a:off x="1652177" y="2316393"/>
-            <a:ext cx="2667935" cy="877571"/>
-          </a:xfrm>
-          <a:prstGeom prst="rect">
-            <a:avLst/>
-          </a:prstGeom>
-          <a:noFill/>
-        </p:spPr>
-        <p:style>
-          <a:lnRef idx="2">
-            <a:schemeClr val="dk1"/>
-          </a:lnRef>
-          <a:fillRef idx="1">
-            <a:schemeClr val="lt1"/>
-          </a:fillRef>
-          <a:effectRef idx="0">
-            <a:schemeClr val="dk1"/>
-          </a:effectRef>
-          <a:fontRef idx="minor">
-            <a:schemeClr val="dk1"/>
-          </a:fontRef>
-        </p:style>
-        <p:txBody>
-          <a:bodyPr rtlCol="0" anchor="ctr"/>
-          <a:lstStyle/>
-          <a:p>
-            <a:pPr algn="ctr"/>
-            <a:r>
-              <a:rPr lang="en-US" sz="1600" dirty="0" smtClean="0">
-                <a:latin typeface="Anime Ace 2.0 BB"/>
-                <a:cs typeface="Anime Ace 2.0 BB"/>
-              </a:rPr>
-              <a:t>&lt;&lt;interface&gt;&gt;</a:t>
-            </a:r>
-            <a:br>
-              <a:rPr lang="en-US" sz="1600" dirty="0" smtClean="0">
-                <a:latin typeface="Anime Ace 2.0 BB"/>
-                <a:cs typeface="Anime Ace 2.0 BB"/>
-              </a:rPr>
-            </a:br>
-            <a:r>
-              <a:rPr lang="en-US" sz="2000" dirty="0" smtClean="0">
-                <a:latin typeface="Anime Ace 2.0 BB"/>
-                <a:cs typeface="Anime Ace 2.0 BB"/>
-              </a:rPr>
-              <a:t/>
-            </a:r>
-            <a:br>
-              <a:rPr lang="en-US" sz="2000" dirty="0" smtClean="0">
-                <a:latin typeface="Anime Ace 2.0 BB"/>
-                <a:cs typeface="Anime Ace 2.0 BB"/>
-              </a:rPr>
-            </a:br>
-            <a:r>
-              <a:rPr lang="en-US" sz="2000" dirty="0" err="1" smtClean="0">
-                <a:latin typeface="Anime Ace 2.0 BB"/>
-                <a:cs typeface="Anime Ace 2.0 BB"/>
-              </a:rPr>
-              <a:t>F</a:t>
-            </a:r>
-            <a:r>
-              <a:rPr lang="en-US" sz="1600" dirty="0" err="1" smtClean="0">
-                <a:latin typeface="Anime Ace 2.0 BB"/>
-                <a:cs typeface="Anime Ace 2.0 BB"/>
-              </a:rPr>
-              <a:t>lag</a:t>
-            </a:r>
-            <a:r>
-              <a:rPr lang="en-US" sz="2000" dirty="0" err="1" smtClean="0">
-                <a:latin typeface="Anime Ace 2.0 BB"/>
-                <a:cs typeface="Anime Ace 2.0 BB"/>
-              </a:rPr>
-              <a:t>I</a:t>
-            </a:r>
-            <a:r>
-              <a:rPr lang="en-US" sz="1600" dirty="0" err="1" smtClean="0">
-                <a:latin typeface="Anime Ace 2.0 BB"/>
-                <a:cs typeface="Anime Ace 2.0 BB"/>
-              </a:rPr>
-              <a:t>nterface</a:t>
-            </a:r>
-            <a:endParaRPr lang="en-US" sz="1600" dirty="0">
-              <a:latin typeface="Anime Ace 2.0 BB"/>
-              <a:cs typeface="Anime Ace 2.0 BB"/>
-            </a:endParaRPr>
-          </a:p>
-        </p:txBody>
-      </p:sp>
-      <p:sp>
-        <p:nvSpPr>
-          <p:cNvPr id="4" name="Rectangle 3"/>
-          <p:cNvSpPr/>
-          <p:nvPr/>
-        </p:nvSpPr>
-        <p:spPr>
-          <a:xfrm>
-            <a:off x="4639499" y="2316393"/>
-            <a:ext cx="2968194" cy="877571"/>
-          </a:xfrm>
-          <a:prstGeom prst="rect">
-            <a:avLst/>
-          </a:prstGeom>
-          <a:solidFill>
-            <a:srgbClr val="558ED5"/>
-          </a:solidFill>
-        </p:spPr>
-        <p:style>
-          <a:lnRef idx="2">
-            <a:schemeClr val="dk1"/>
-          </a:lnRef>
-          <a:fillRef idx="1">
-            <a:schemeClr val="lt1"/>
-          </a:fillRef>
-          <a:effectRef idx="0">
-            <a:schemeClr val="dk1"/>
-          </a:effectRef>
-          <a:fontRef idx="minor">
-            <a:schemeClr val="dk1"/>
-          </a:fontRef>
-        </p:style>
-        <p:txBody>
-          <a:bodyPr rtlCol="0" anchor="ctr"/>
-          <a:lstStyle/>
-          <a:p>
-            <a:pPr algn="ctr"/>
-            <a:r>
-              <a:rPr lang="en-US" sz="2000" dirty="0" err="1" smtClean="0">
-                <a:latin typeface="Anime Ace 2.0 BB"/>
-                <a:cs typeface="Anime Ace 2.0 BB"/>
-              </a:rPr>
-              <a:t>C</a:t>
-            </a:r>
-            <a:r>
-              <a:rPr lang="en-US" sz="1600" dirty="0" err="1" smtClean="0">
-                <a:latin typeface="Anime Ace 2.0 BB"/>
-                <a:cs typeface="Anime Ace 2.0 BB"/>
-              </a:rPr>
-              <a:t>onfig</a:t>
-            </a:r>
-            <a:r>
-              <a:rPr lang="en-US" sz="2000" dirty="0" err="1" smtClean="0">
-                <a:latin typeface="Anime Ace 2.0 BB"/>
-                <a:cs typeface="Anime Ace 2.0 BB"/>
-              </a:rPr>
-              <a:t>E</a:t>
-            </a:r>
-            <a:r>
-              <a:rPr lang="en-US" sz="1600" dirty="0" err="1" smtClean="0">
-                <a:latin typeface="Anime Ace 2.0 BB"/>
-                <a:cs typeface="Anime Ace 2.0 BB"/>
-              </a:rPr>
-              <a:t>ntity</a:t>
-            </a:r>
-            <a:r>
-              <a:rPr lang="en-US" sz="2000" dirty="0" err="1" smtClean="0">
-                <a:latin typeface="Anime Ace 2.0 BB"/>
-                <a:cs typeface="Anime Ace 2.0 BB"/>
-              </a:rPr>
-              <a:t>B</a:t>
-            </a:r>
-            <a:r>
-              <a:rPr lang="en-US" sz="1600" dirty="0" err="1" smtClean="0">
-                <a:latin typeface="Anime Ace 2.0 BB"/>
-                <a:cs typeface="Anime Ace 2.0 BB"/>
-              </a:rPr>
-              <a:t>ase</a:t>
-            </a:r>
-            <a:endParaRPr lang="en-US" sz="1600" dirty="0">
-              <a:latin typeface="Anime Ace 2.0 BB"/>
-              <a:cs typeface="Anime Ace 2.0 BB"/>
-            </a:endParaRPr>
-          </a:p>
-        </p:txBody>
-      </p:sp>
-      <p:cxnSp>
-        <p:nvCxnSpPr>
-          <p:cNvPr id="6" name="Elbow Connector 5"/>
-          <p:cNvCxnSpPr>
-            <a:stCxn id="2" idx="0"/>
-            <a:endCxn id="3" idx="2"/>
-          </p:cNvCxnSpPr>
-          <p:nvPr/>
-        </p:nvCxnSpPr>
-        <p:spPr>
-          <a:xfrm rot="16200000" flipV="1">
-            <a:off x="3458020" y="2722089"/>
-            <a:ext cx="572798" cy="1516547"/>
-          </a:xfrm>
-          <a:prstGeom prst="bentConnector3">
-            <a:avLst/>
-          </a:prstGeom>
-          <a:ln>
-            <a:solidFill>
-              <a:schemeClr val="tx1"/>
-            </a:solidFill>
-            <a:tailEnd type="triangle" w="lg" len="lg"/>
-          </a:ln>
-          <a:effectLst/>
-        </p:spPr>
-        <p:style>
-          <a:lnRef idx="2">
-            <a:schemeClr val="accent1"/>
-          </a:lnRef>
-          <a:fillRef idx="0">
-            <a:schemeClr val="accent1"/>
-          </a:fillRef>
-          <a:effectRef idx="1">
-            <a:schemeClr val="accent1"/>
-          </a:effectRef>
-          <a:fontRef idx="minor">
-            <a:schemeClr val="tx1"/>
-          </a:fontRef>
-        </p:style>
-      </p:cxnSp>
-      <p:cxnSp>
-        <p:nvCxnSpPr>
-          <p:cNvPr id="9" name="Elbow Connector 8"/>
-          <p:cNvCxnSpPr>
-            <a:stCxn id="2" idx="0"/>
-            <a:endCxn id="4" idx="2"/>
-          </p:cNvCxnSpPr>
-          <p:nvPr/>
-        </p:nvCxnSpPr>
-        <p:spPr>
-          <a:xfrm rot="5400000" flipH="1" flipV="1">
-            <a:off x="5026745" y="2669911"/>
-            <a:ext cx="572798" cy="1620904"/>
-          </a:xfrm>
-          <a:prstGeom prst="bentConnector3">
-            <a:avLst>
-              <a:gd name="adj1" fmla="val 50000"/>
-            </a:avLst>
-          </a:prstGeom>
-          <a:ln>
-            <a:solidFill>
-              <a:schemeClr val="tx1"/>
-            </a:solidFill>
-            <a:tailEnd type="triangle" w="lg" len="lg"/>
-          </a:ln>
-          <a:effectLst/>
-        </p:spPr>
-        <p:style>
-          <a:lnRef idx="2">
-            <a:schemeClr val="accent1"/>
-          </a:lnRef>
-          <a:fillRef idx="0">
-            <a:schemeClr val="accent1"/>
-          </a:fillRef>
-          <a:effectRef idx="1">
-            <a:schemeClr val="accent1"/>
-          </a:effectRef>
-          <a:fontRef idx="minor">
-            <a:schemeClr val="tx1"/>
-          </a:fontRef>
-        </p:style>
-      </p:cxnSp>
-      <p:cxnSp>
-        <p:nvCxnSpPr>
-          <p:cNvPr id="20" name="Straight Arrow Connector 19"/>
-          <p:cNvCxnSpPr/>
-          <p:nvPr/>
-        </p:nvCxnSpPr>
-        <p:spPr>
-          <a:xfrm>
-            <a:off x="7102176" y="3847981"/>
-            <a:ext cx="0" cy="490925"/>
-          </a:xfrm>
-          <a:prstGeom prst="straightConnector1">
-            <a:avLst/>
-          </a:prstGeom>
-          <a:ln>
-            <a:solidFill>
-              <a:schemeClr val="tx1">
-                <a:lumMod val="50000"/>
-                <a:lumOff val="50000"/>
-              </a:schemeClr>
-            </a:solidFill>
-            <a:headEnd type="triangle" w="lg" len="lg"/>
-            <a:tailEnd type="none" w="lg" len="lg"/>
-          </a:ln>
-          <a:effectLst/>
-        </p:spPr>
-        <p:style>
-          <a:lnRef idx="2">
-            <a:schemeClr val="accent1"/>
-          </a:lnRef>
-          <a:fillRef idx="0">
-            <a:schemeClr val="accent1"/>
-          </a:fillRef>
-          <a:effectRef idx="1">
-            <a:schemeClr val="accent1"/>
-          </a:effectRef>
-          <a:fontRef idx="minor">
-            <a:schemeClr val="tx1"/>
-          </a:fontRef>
-        </p:style>
-      </p:cxnSp>
-      <p:sp>
-        <p:nvSpPr>
-          <p:cNvPr id="21" name="TextBox 20"/>
-          <p:cNvSpPr txBox="1"/>
-          <p:nvPr/>
-        </p:nvSpPr>
-        <p:spPr>
-          <a:xfrm>
-            <a:off x="6596659" y="3586838"/>
-            <a:ext cx="1011034" cy="276999"/>
-          </a:xfrm>
-          <a:prstGeom prst="rect">
-            <a:avLst/>
-          </a:prstGeom>
-          <a:noFill/>
-        </p:spPr>
-        <p:txBody>
-          <a:bodyPr wrap="square" rtlCol="0">
-            <a:spAutoFit/>
-          </a:bodyPr>
-          <a:lstStyle/>
-          <a:p>
-            <a:pPr algn="ctr"/>
-            <a:r>
-              <a:rPr lang="en-US" sz="1200" dirty="0" smtClean="0">
-                <a:solidFill>
-                  <a:schemeClr val="tx1">
-                    <a:lumMod val="50000"/>
-                    <a:lumOff val="50000"/>
-                  </a:schemeClr>
-                </a:solidFill>
-                <a:latin typeface="Anime Ace 2.0 BB"/>
-                <a:cs typeface="Anime Ace 2.0 BB"/>
-              </a:rPr>
-              <a:t>Parent</a:t>
-            </a:r>
-            <a:endParaRPr lang="en-US" sz="1200" dirty="0">
-              <a:solidFill>
-                <a:schemeClr val="tx1">
-                  <a:lumMod val="50000"/>
-                  <a:lumOff val="50000"/>
-                </a:schemeClr>
-              </a:solidFill>
-              <a:latin typeface="Anime Ace 2.0 BB"/>
-              <a:cs typeface="Anime Ace 2.0 BB"/>
-            </a:endParaRPr>
-          </a:p>
-        </p:txBody>
-      </p:sp>
-      <p:sp>
-        <p:nvSpPr>
-          <p:cNvPr id="22" name="TextBox 21"/>
-          <p:cNvSpPr txBox="1"/>
-          <p:nvPr/>
-        </p:nvSpPr>
-        <p:spPr>
-          <a:xfrm>
-            <a:off x="6596659" y="4367334"/>
-            <a:ext cx="1011034" cy="276999"/>
-          </a:xfrm>
-          <a:prstGeom prst="rect">
-            <a:avLst/>
-          </a:prstGeom>
-          <a:noFill/>
-        </p:spPr>
-        <p:txBody>
-          <a:bodyPr wrap="square" rtlCol="0">
-            <a:spAutoFit/>
-          </a:bodyPr>
-          <a:lstStyle/>
-          <a:p>
-            <a:pPr algn="ctr"/>
-            <a:r>
-              <a:rPr lang="en-US" sz="1200" dirty="0" smtClean="0">
-                <a:solidFill>
-                  <a:schemeClr val="tx1">
-                    <a:lumMod val="50000"/>
-                    <a:lumOff val="50000"/>
-                  </a:schemeClr>
-                </a:solidFill>
-                <a:latin typeface="Anime Ace 2.0 BB"/>
-                <a:cs typeface="Anime Ace 2.0 BB"/>
-              </a:rPr>
-              <a:t>Child</a:t>
-            </a:r>
-            <a:endParaRPr lang="en-US" sz="1200" dirty="0">
-              <a:solidFill>
-                <a:schemeClr val="tx1">
-                  <a:lumMod val="50000"/>
-                  <a:lumOff val="50000"/>
-                </a:schemeClr>
-              </a:solidFill>
-              <a:latin typeface="Anime Ace 2.0 BB"/>
-              <a:cs typeface="Anime Ace 2.0 BB"/>
-            </a:endParaRPr>
-          </a:p>
-        </p:txBody>
-      </p:sp>
-    </p:spTree>
-    <p:extLst>
-      <p:ext uri="{BB962C8B-B14F-4D97-AF65-F5344CB8AC3E}">
-        <p14:creationId xmlns:p14="http://schemas.microsoft.com/office/powerpoint/2010/main" val="3899545331"/>
-      </p:ext>
-    </p:extLst>
-  </p:cSld>
-  <p:clrMapOvr>
-    <a:masterClrMapping/>
-  </p:clrMapOvr>
-</p:sld>
-</file>
-
-<file path=ppt/slides/slide70.xml><?xml version="1.0" encoding="utf-8"?>
+<file path=ppt/slides/slide72.xml><?xml version="1.0" encoding="utf-8"?>
 <p:sld xmlns:a="http://schemas.openxmlformats.org/drawingml/2006/main" xmlns:r="http://schemas.openxmlformats.org/officeDocument/2006/relationships" xmlns:p="http://schemas.openxmlformats.org/presentationml/2006/main">
   <p:cSld>
     <p:spTree>
@@ -53680,7 +53869,7 @@
 </p:sld>
 </file>
 
-<file path=ppt/slides/slide71.xml><?xml version="1.0" encoding="utf-8"?>
+<file path=ppt/slides/slide73.xml><?xml version="1.0" encoding="utf-8"?>
 <p:sld xmlns:a="http://schemas.openxmlformats.org/drawingml/2006/main" xmlns:r="http://schemas.openxmlformats.org/officeDocument/2006/relationships" xmlns:p="http://schemas.openxmlformats.org/presentationml/2006/main">
   <p:cSld>
     <p:spTree>
@@ -54875,6 +55064,217 @@
 </p:sld>
 </file>
 
+<file path=ppt/slides/slide74.xml><?xml version="1.0" encoding="utf-8"?>
+<p:sld xmlns:a="http://schemas.openxmlformats.org/drawingml/2006/main" xmlns:r="http://schemas.openxmlformats.org/officeDocument/2006/relationships" xmlns:p="http://schemas.openxmlformats.org/presentationml/2006/main">
+  <p:cSld>
+    <p:spTree>
+      <p:nvGrpSpPr>
+        <p:cNvPr id="1" name=""/>
+        <p:cNvGrpSpPr/>
+        <p:nvPr/>
+      </p:nvGrpSpPr>
+      <p:grpSpPr>
+        <a:xfrm>
+          <a:off x="0" y="0"/>
+          <a:ext cx="0" cy="0"/>
+          <a:chOff x="0" y="0"/>
+          <a:chExt cx="0" cy="0"/>
+        </a:xfrm>
+      </p:grpSpPr>
+      <p:sp>
+        <p:nvSpPr>
+          <p:cNvPr id="11" name="Rectangle 10"/>
+          <p:cNvSpPr/>
+          <p:nvPr/>
+        </p:nvSpPr>
+        <p:spPr>
+          <a:xfrm>
+            <a:off x="2220452" y="2490839"/>
+            <a:ext cx="4670322" cy="2777613"/>
+          </a:xfrm>
+          <a:prstGeom prst="rect">
+            <a:avLst/>
+          </a:prstGeom>
+          <a:solidFill>
+            <a:schemeClr val="tx1"/>
+          </a:solidFill>
+          <a:ln>
+            <a:noFill/>
+          </a:ln>
+          <a:effectLst/>
+        </p:spPr>
+        <p:style>
+          <a:lnRef idx="1">
+            <a:schemeClr val="accent1"/>
+          </a:lnRef>
+          <a:fillRef idx="2">
+            <a:schemeClr val="accent1"/>
+          </a:fillRef>
+          <a:effectRef idx="1">
+            <a:schemeClr val="accent1"/>
+          </a:effectRef>
+          <a:fontRef idx="minor">
+            <a:schemeClr val="dk1"/>
+          </a:fontRef>
+        </p:style>
+        <p:txBody>
+          <a:bodyPr rtlCol="0" anchor="ctr"/>
+          <a:lstStyle/>
+          <a:p>
+            <a:pPr algn="ctr"/>
+            <a:endParaRPr lang="en-US"/>
+          </a:p>
+        </p:txBody>
+      </p:sp>
+      <p:sp>
+        <p:nvSpPr>
+          <p:cNvPr id="7" name="Heart 6"/>
+          <p:cNvSpPr/>
+          <p:nvPr/>
+        </p:nvSpPr>
+        <p:spPr>
+          <a:xfrm>
+            <a:off x="4181488" y="3572245"/>
+            <a:ext cx="790162" cy="688400"/>
+          </a:xfrm>
+          <a:prstGeom prst="heart">
+            <a:avLst/>
+          </a:prstGeom>
+          <a:ln/>
+        </p:spPr>
+        <p:style>
+          <a:lnRef idx="0">
+            <a:schemeClr val="accent2"/>
+          </a:lnRef>
+          <a:fillRef idx="3">
+            <a:schemeClr val="accent2"/>
+          </a:fillRef>
+          <a:effectRef idx="3">
+            <a:schemeClr val="accent2"/>
+          </a:effectRef>
+          <a:fontRef idx="minor">
+            <a:schemeClr val="lt1"/>
+          </a:fontRef>
+        </p:style>
+        <p:txBody>
+          <a:bodyPr rtlCol="0" anchor="ctr"/>
+          <a:lstStyle/>
+          <a:p>
+            <a:pPr algn="ctr"/>
+            <a:endParaRPr lang="en-US"/>
+          </a:p>
+        </p:txBody>
+      </p:sp>
+      <p:sp>
+        <p:nvSpPr>
+          <p:cNvPr id="9" name="Rectangle 8"/>
+          <p:cNvSpPr/>
+          <p:nvPr/>
+        </p:nvSpPr>
+        <p:spPr>
+          <a:xfrm>
+            <a:off x="0" y="2138906"/>
+            <a:ext cx="9144000" cy="3503654"/>
+          </a:xfrm>
+          <a:prstGeom prst="rect">
+            <a:avLst/>
+          </a:prstGeom>
+          <a:noFill/>
+          <a:ln>
+            <a:noFill/>
+          </a:ln>
+          <a:effectLst/>
+        </p:spPr>
+        <p:style>
+          <a:lnRef idx="2">
+            <a:schemeClr val="dk1"/>
+          </a:lnRef>
+          <a:fillRef idx="1">
+            <a:schemeClr val="lt1"/>
+          </a:fillRef>
+          <a:effectRef idx="0">
+            <a:schemeClr val="dk1"/>
+          </a:effectRef>
+          <a:fontRef idx="minor">
+            <a:schemeClr val="dk1"/>
+          </a:fontRef>
+        </p:style>
+        <p:txBody>
+          <a:bodyPr rtlCol="0" anchor="ctr"/>
+          <a:lstStyle/>
+          <a:p>
+            <a:pPr algn="ctr"/>
+            <a:endParaRPr lang="en-US"/>
+          </a:p>
+        </p:txBody>
+      </p:sp>
+      <p:pic>
+        <p:nvPicPr>
+          <p:cNvPr id="8" name="Picture 7"/>
+          <p:cNvPicPr>
+            <a:picLocks noChangeAspect="1"/>
+          </p:cNvPicPr>
+          <p:nvPr/>
+        </p:nvPicPr>
+        <p:blipFill>
+          <a:blip r:embed="rId2"/>
+          <a:stretch>
+            <a:fillRect/>
+          </a:stretch>
+        </p:blipFill>
+        <p:spPr>
+          <a:xfrm>
+            <a:off x="5147920" y="3146323"/>
+            <a:ext cx="1503106" cy="1503106"/>
+          </a:xfrm>
+          <a:prstGeom prst="rect">
+            <a:avLst/>
+          </a:prstGeom>
+        </p:spPr>
+      </p:pic>
+      <p:pic>
+        <p:nvPicPr>
+          <p:cNvPr id="10" name="Picture 9" descr="flag8.png"/>
+          <p:cNvPicPr>
+            <a:picLocks noChangeAspect="1"/>
+          </p:cNvPicPr>
+          <p:nvPr/>
+        </p:nvPicPr>
+        <p:blipFill>
+          <a:blip r:embed="rId3">
+            <a:extLst>
+              <a:ext uri="{28A0092B-C50C-407E-A947-70E740481C1C}">
+                <a14:useLocalDpi xmlns:a14="http://schemas.microsoft.com/office/drawing/2010/main" val="0"/>
+              </a:ext>
+            </a:extLst>
+          </a:blip>
+          <a:stretch>
+            <a:fillRect/>
+          </a:stretch>
+        </p:blipFill>
+        <p:spPr>
+          <a:xfrm>
+            <a:off x="2373587" y="2985319"/>
+            <a:ext cx="1664407" cy="1816100"/>
+          </a:xfrm>
+          <a:prstGeom prst="rect">
+            <a:avLst/>
+          </a:prstGeom>
+        </p:spPr>
+      </p:pic>
+    </p:spTree>
+    <p:extLst>
+      <p:ext uri="{BB962C8B-B14F-4D97-AF65-F5344CB8AC3E}">
+        <p14:creationId xmlns:p14="http://schemas.microsoft.com/office/powerpoint/2010/main" val="500089787"/>
+      </p:ext>
+    </p:extLst>
+  </p:cSld>
+  <p:clrMapOvr>
+    <a:masterClrMapping/>
+  </p:clrMapOvr>
+</p:sld>
+</file>
+
 <file path=ppt/slides/slide8.xml><?xml version="1.0" encoding="utf-8"?>
 <p:sld xmlns:a="http://schemas.openxmlformats.org/drawingml/2006/main" xmlns:r="http://schemas.openxmlformats.org/officeDocument/2006/relationships" xmlns:p="http://schemas.openxmlformats.org/presentationml/2006/main">
   <p:cSld>
@@ -55175,14 +55575,14 @@
       </p:sp>
       <p:sp>
         <p:nvSpPr>
-          <p:cNvPr id="23" name="Rectangle 22"/>
+          <p:cNvPr id="7" name="Rectangle 6"/>
           <p:cNvSpPr/>
           <p:nvPr/>
         </p:nvSpPr>
         <p:spPr>
           <a:xfrm>
-            <a:off x="4670764" y="2073389"/>
-            <a:ext cx="4156041" cy="4541089"/>
+            <a:off x="3073793" y="2073389"/>
+            <a:ext cx="7349984" cy="4541089"/>
           </a:xfrm>
           <a:prstGeom prst="rect">
             <a:avLst/>

--- a/src/flagOnD8.pptx
+++ b/src/flagOnD8.pptx
@@ -19,7 +19,7 @@
     <p:sldId id="269" r:id="rId13"/>
     <p:sldId id="266" r:id="rId14"/>
     <p:sldId id="265" r:id="rId15"/>
-    <p:sldId id="271" r:id="rId16"/>
+    <p:sldId id="345" r:id="rId16"/>
     <p:sldId id="274" r:id="rId17"/>
     <p:sldId id="272" r:id="rId18"/>
     <p:sldId id="275" r:id="rId19"/>
@@ -361,7 +361,7 @@
           <a:p>
             <a:fld id="{98AEBF78-ABB6-9F42-87DB-0ECE75CB3E53}" type="datetimeFigureOut">
               <a:rPr lang="en-US" smtClean="0"/>
-              <a:t>5/4/15</a:t>
+              <a:t>5/6/15</a:t>
             </a:fld>
             <a:endParaRPr lang="en-US"/>
           </a:p>
@@ -531,7 +531,7 @@
           <a:p>
             <a:fld id="{98AEBF78-ABB6-9F42-87DB-0ECE75CB3E53}" type="datetimeFigureOut">
               <a:rPr lang="en-US" smtClean="0"/>
-              <a:t>5/4/15</a:t>
+              <a:t>5/6/15</a:t>
             </a:fld>
             <a:endParaRPr lang="en-US"/>
           </a:p>
@@ -711,7 +711,7 @@
           <a:p>
             <a:fld id="{98AEBF78-ABB6-9F42-87DB-0ECE75CB3E53}" type="datetimeFigureOut">
               <a:rPr lang="en-US" smtClean="0"/>
-              <a:t>5/4/15</a:t>
+              <a:t>5/6/15</a:t>
             </a:fld>
             <a:endParaRPr lang="en-US"/>
           </a:p>
@@ -885,7 +885,7 @@
           <a:p>
             <a:fld id="{98AEBF78-ABB6-9F42-87DB-0ECE75CB3E53}" type="datetimeFigureOut">
               <a:rPr lang="en-US" smtClean="0"/>
-              <a:t>5/4/15</a:t>
+              <a:t>5/6/15</a:t>
             </a:fld>
             <a:endParaRPr lang="en-US"/>
           </a:p>
@@ -1131,7 +1131,7 @@
           <a:p>
             <a:fld id="{98AEBF78-ABB6-9F42-87DB-0ECE75CB3E53}" type="datetimeFigureOut">
               <a:rPr lang="en-US" smtClean="0"/>
-              <a:t>5/4/15</a:t>
+              <a:t>5/6/15</a:t>
             </a:fld>
             <a:endParaRPr lang="en-US"/>
           </a:p>
@@ -1419,7 +1419,7 @@
           <a:p>
             <a:fld id="{98AEBF78-ABB6-9F42-87DB-0ECE75CB3E53}" type="datetimeFigureOut">
               <a:rPr lang="en-US" smtClean="0"/>
-              <a:t>5/4/15</a:t>
+              <a:t>5/6/15</a:t>
             </a:fld>
             <a:endParaRPr lang="en-US"/>
           </a:p>
@@ -1841,7 +1841,7 @@
           <a:p>
             <a:fld id="{98AEBF78-ABB6-9F42-87DB-0ECE75CB3E53}" type="datetimeFigureOut">
               <a:rPr lang="en-US" smtClean="0"/>
-              <a:t>5/4/15</a:t>
+              <a:t>5/6/15</a:t>
             </a:fld>
             <a:endParaRPr lang="en-US"/>
           </a:p>
@@ -1959,7 +1959,7 @@
           <a:p>
             <a:fld id="{98AEBF78-ABB6-9F42-87DB-0ECE75CB3E53}" type="datetimeFigureOut">
               <a:rPr lang="en-US" smtClean="0"/>
-              <a:t>5/4/15</a:t>
+              <a:t>5/6/15</a:t>
             </a:fld>
             <a:endParaRPr lang="en-US"/>
           </a:p>
@@ -2054,7 +2054,7 @@
           <a:p>
             <a:fld id="{98AEBF78-ABB6-9F42-87DB-0ECE75CB3E53}" type="datetimeFigureOut">
               <a:rPr lang="en-US" smtClean="0"/>
-              <a:t>5/4/15</a:t>
+              <a:t>5/6/15</a:t>
             </a:fld>
             <a:endParaRPr lang="en-US"/>
           </a:p>
@@ -2331,7 +2331,7 @@
           <a:p>
             <a:fld id="{98AEBF78-ABB6-9F42-87DB-0ECE75CB3E53}" type="datetimeFigureOut">
               <a:rPr lang="en-US" smtClean="0"/>
-              <a:t>5/4/15</a:t>
+              <a:t>5/6/15</a:t>
             </a:fld>
             <a:endParaRPr lang="en-US"/>
           </a:p>
@@ -2584,7 +2584,7 @@
           <a:p>
             <a:fld id="{98AEBF78-ABB6-9F42-87DB-0ECE75CB3E53}" type="datetimeFigureOut">
               <a:rPr lang="en-US" smtClean="0"/>
-              <a:t>5/4/15</a:t>
+              <a:t>5/6/15</a:t>
             </a:fld>
             <a:endParaRPr lang="en-US"/>
           </a:p>
@@ -2852,7 +2852,7 @@
           <a:p>
             <a:fld id="{98AEBF78-ABB6-9F42-87DB-0ECE75CB3E53}" type="datetimeFigureOut">
               <a:rPr lang="en-US" smtClean="0"/>
-              <a:t>5/4/15</a:t>
+              <a:t>5/6/15</a:t>
             </a:fld>
             <a:endParaRPr lang="en-US"/>
           </a:p>
@@ -5901,32 +5901,45 @@
       </p:grpSpPr>
       <p:sp>
         <p:nvSpPr>
-          <p:cNvPr id="2" name="Rectangle 1"/>
+          <p:cNvPr id="6" name="Rectangle 5"/>
           <p:cNvSpPr/>
           <p:nvPr/>
         </p:nvSpPr>
         <p:spPr>
           <a:xfrm>
-            <a:off x="3441169" y="1002316"/>
-            <a:ext cx="2559850" cy="877571"/>
+            <a:off x="0" y="0"/>
+            <a:ext cx="9144000" cy="6800645"/>
           </a:xfrm>
           <a:prstGeom prst="rect">
             <a:avLst/>
           </a:prstGeom>
-          <a:noFill/>
+          <a:gradFill flip="none" rotWithShape="1">
+            <a:gsLst>
+              <a:gs pos="0">
+                <a:srgbClr val="C0504D"/>
+              </a:gs>
+              <a:gs pos="100000">
+                <a:schemeClr val="tx1"/>
+              </a:gs>
+            </a:gsLst>
+            <a:path path="circle">
+              <a:fillToRect l="50000" t="50000" r="50000" b="50000"/>
+            </a:path>
+            <a:tileRect/>
+          </a:gradFill>
         </p:spPr>
         <p:style>
-          <a:lnRef idx="2">
-            <a:schemeClr val="dk1"/>
+          <a:lnRef idx="1">
+            <a:schemeClr val="accent1"/>
           </a:lnRef>
-          <a:fillRef idx="1">
-            <a:schemeClr val="lt1"/>
+          <a:fillRef idx="3">
+            <a:schemeClr val="accent1"/>
           </a:fillRef>
-          <a:effectRef idx="0">
-            <a:schemeClr val="dk1"/>
+          <a:effectRef idx="2">
+            <a:schemeClr val="accent1"/>
           </a:effectRef>
           <a:fontRef idx="minor">
-            <a:schemeClr val="dk1"/>
+            <a:schemeClr val="lt1"/>
           </a:fontRef>
         </p:style>
         <p:txBody>
@@ -5934,452 +5947,145 @@
           <a:lstStyle/>
           <a:p>
             <a:pPr algn="ctr"/>
-            <a:r>
-              <a:rPr lang="en-US" sz="2000" dirty="0" smtClean="0">
-                <a:latin typeface="Anime Ace 2.0 BB"/>
-                <a:cs typeface="Anime Ace 2.0 BB"/>
-              </a:rPr>
-              <a:t>F</a:t>
-            </a:r>
-            <a:r>
-              <a:rPr lang="en-US" sz="1600" dirty="0" smtClean="0">
-                <a:latin typeface="Anime Ace 2.0 BB"/>
-                <a:cs typeface="Anime Ace 2.0 BB"/>
-              </a:rPr>
-              <a:t>lag</a:t>
-            </a:r>
-            <a:endParaRPr lang="en-US" sz="1600" dirty="0">
-              <a:latin typeface="Anime Ace 2.0 BB"/>
-              <a:cs typeface="Anime Ace 2.0 BB"/>
-            </a:endParaRPr>
-          </a:p>
-        </p:txBody>
-      </p:sp>
-      <p:grpSp>
-        <p:nvGrpSpPr>
-          <p:cNvPr id="18" name="Group 17"/>
-          <p:cNvGrpSpPr/>
-          <p:nvPr/>
-        </p:nvGrpSpPr>
-        <p:grpSpPr>
-          <a:xfrm>
-            <a:off x="3829937" y="2422346"/>
-            <a:ext cx="807865" cy="807865"/>
-            <a:chOff x="4754660" y="3753861"/>
-            <a:chExt cx="2235200" cy="2235200"/>
-          </a:xfrm>
-        </p:grpSpPr>
-        <p:sp>
-          <p:nvSpPr>
-            <p:cNvPr id="15" name="Shape 14"/>
-            <p:cNvSpPr/>
-            <p:nvPr/>
-          </p:nvSpPr>
-          <p:spPr>
-            <a:xfrm>
-              <a:off x="4754660" y="3753861"/>
-              <a:ext cx="2235200" cy="2235200"/>
-            </a:xfrm>
-            <a:prstGeom prst="gear9">
-              <a:avLst/>
-            </a:prstGeom>
-            <a:noFill/>
-          </p:spPr>
-          <p:style>
-            <a:lnRef idx="2">
-              <a:schemeClr val="dk1"/>
-            </a:lnRef>
-            <a:fillRef idx="1">
-              <a:schemeClr val="lt1"/>
-            </a:fillRef>
-            <a:effectRef idx="0">
-              <a:schemeClr val="dk1"/>
-            </a:effectRef>
-            <a:fontRef idx="minor">
-              <a:schemeClr val="dk1"/>
-            </a:fontRef>
-          </p:style>
-        </p:sp>
-        <p:sp>
-          <p:nvSpPr>
-            <p:cNvPr id="17" name="Oval 16"/>
-            <p:cNvSpPr/>
-            <p:nvPr/>
-          </p:nvSpPr>
-          <p:spPr>
-            <a:xfrm>
-              <a:off x="5562525" y="4561726"/>
-              <a:ext cx="619470" cy="619470"/>
-            </a:xfrm>
-            <a:prstGeom prst="ellipse">
-              <a:avLst/>
-            </a:prstGeom>
-            <a:noFill/>
-          </p:spPr>
-          <p:style>
-            <a:lnRef idx="2">
-              <a:schemeClr val="dk1"/>
-            </a:lnRef>
-            <a:fillRef idx="1">
-              <a:schemeClr val="lt1"/>
-            </a:fillRef>
-            <a:effectRef idx="0">
-              <a:schemeClr val="dk1"/>
-            </a:effectRef>
-            <a:fontRef idx="minor">
-              <a:schemeClr val="dk1"/>
-            </a:fontRef>
-          </p:style>
-          <p:txBody>
-            <a:bodyPr rtlCol="0" anchor="ctr"/>
-            <a:lstStyle/>
-            <a:p>
-              <a:pPr algn="ctr"/>
-              <a:endParaRPr lang="en-US"/>
-            </a:p>
-          </p:txBody>
-        </p:sp>
-      </p:grpSp>
-      <p:grpSp>
-        <p:nvGrpSpPr>
-          <p:cNvPr id="19" name="Group 18"/>
-          <p:cNvGrpSpPr/>
-          <p:nvPr/>
-        </p:nvGrpSpPr>
-        <p:grpSpPr>
-          <a:xfrm rot="900000">
-            <a:off x="4572196" y="2649705"/>
-            <a:ext cx="807865" cy="807865"/>
-            <a:chOff x="4754660" y="3753861"/>
-            <a:chExt cx="2235200" cy="2235200"/>
-          </a:xfrm>
-        </p:grpSpPr>
-        <p:sp>
-          <p:nvSpPr>
-            <p:cNvPr id="20" name="Shape 19"/>
-            <p:cNvSpPr/>
-            <p:nvPr/>
-          </p:nvSpPr>
-          <p:spPr>
-            <a:xfrm>
-              <a:off x="4754660" y="3753861"/>
-              <a:ext cx="2235200" cy="2235200"/>
-            </a:xfrm>
-            <a:prstGeom prst="gear9">
-              <a:avLst/>
-            </a:prstGeom>
-            <a:noFill/>
-          </p:spPr>
-          <p:style>
-            <a:lnRef idx="2">
-              <a:schemeClr val="dk1"/>
-            </a:lnRef>
-            <a:fillRef idx="1">
-              <a:schemeClr val="lt1"/>
-            </a:fillRef>
-            <a:effectRef idx="0">
-              <a:schemeClr val="dk1"/>
-            </a:effectRef>
-            <a:fontRef idx="minor">
-              <a:schemeClr val="dk1"/>
-            </a:fontRef>
-          </p:style>
-        </p:sp>
-        <p:sp>
-          <p:nvSpPr>
-            <p:cNvPr id="21" name="Oval 20"/>
-            <p:cNvSpPr/>
-            <p:nvPr/>
-          </p:nvSpPr>
-          <p:spPr>
-            <a:xfrm>
-              <a:off x="5562525" y="4561726"/>
-              <a:ext cx="619470" cy="619470"/>
-            </a:xfrm>
-            <a:prstGeom prst="ellipse">
-              <a:avLst/>
-            </a:prstGeom>
-            <a:noFill/>
-          </p:spPr>
-          <p:style>
-            <a:lnRef idx="2">
-              <a:schemeClr val="dk1"/>
-            </a:lnRef>
-            <a:fillRef idx="1">
-              <a:schemeClr val="lt1"/>
-            </a:fillRef>
-            <a:effectRef idx="0">
-              <a:schemeClr val="dk1"/>
-            </a:effectRef>
-            <a:fontRef idx="minor">
-              <a:schemeClr val="dk1"/>
-            </a:fontRef>
-          </p:style>
-          <p:txBody>
-            <a:bodyPr rtlCol="0" anchor="ctr"/>
-            <a:lstStyle/>
-            <a:p>
-              <a:pPr algn="ctr"/>
-              <a:endParaRPr lang="en-US"/>
-            </a:p>
-          </p:txBody>
-        </p:sp>
-      </p:grpSp>
-      <p:cxnSp>
-        <p:nvCxnSpPr>
-          <p:cNvPr id="24" name="Straight Arrow Connector 23"/>
-          <p:cNvCxnSpPr/>
-          <p:nvPr/>
-        </p:nvCxnSpPr>
-        <p:spPr>
-          <a:xfrm>
-            <a:off x="9249391" y="3139274"/>
-            <a:ext cx="0" cy="519142"/>
-          </a:xfrm>
-          <a:prstGeom prst="straightConnector1">
-            <a:avLst/>
-          </a:prstGeom>
-          <a:ln>
-            <a:tailEnd type="arrow" w="lg" len="lg"/>
-          </a:ln>
-          <a:effectLst/>
-        </p:spPr>
-        <p:style>
-          <a:lnRef idx="2">
-            <a:schemeClr val="dk1"/>
-          </a:lnRef>
-          <a:fillRef idx="0">
-            <a:schemeClr val="dk1"/>
-          </a:fillRef>
-          <a:effectRef idx="1">
-            <a:schemeClr val="dk1"/>
-          </a:effectRef>
-          <a:fontRef idx="minor">
-            <a:schemeClr val="tx1"/>
-          </a:fontRef>
-        </p:style>
-      </p:cxnSp>
-      <p:sp>
-        <p:nvSpPr>
-          <p:cNvPr id="29" name="Down Arrow 28"/>
-          <p:cNvSpPr/>
-          <p:nvPr/>
-        </p:nvSpPr>
-        <p:spPr>
-          <a:xfrm>
-            <a:off x="4443356" y="2039781"/>
-            <a:ext cx="550904" cy="519142"/>
-          </a:xfrm>
-          <a:prstGeom prst="downArrow">
+            <a:endParaRPr lang="en-US"/>
+          </a:p>
+        </p:txBody>
+      </p:sp>
+      <p:pic>
+        <p:nvPicPr>
+          <p:cNvPr id="2" name="Picture 1"/>
+          <p:cNvPicPr>
+            <a:picLocks noChangeAspect="1"/>
+          </p:cNvPicPr>
+          <p:nvPr/>
+        </p:nvPicPr>
+        <p:blipFill>
+          <a:blip r:embed="rId2"/>
+          <a:stretch>
+            <a:fillRect/>
+          </a:stretch>
+        </p:blipFill>
+        <p:spPr>
+          <a:xfrm rot="512769">
+            <a:off x="1323058" y="917812"/>
+            <a:ext cx="6475462" cy="5022376"/>
+          </a:xfrm>
+          <a:prstGeom prst="rect">
+            <a:avLst/>
+          </a:prstGeom>
+        </p:spPr>
+      </p:pic>
+      <p:sp>
+        <p:nvSpPr>
+          <p:cNvPr id="3" name="TextBox 2"/>
+          <p:cNvSpPr txBox="1"/>
+          <p:nvPr/>
+        </p:nvSpPr>
+        <p:spPr>
+          <a:xfrm rot="21198118">
+            <a:off x="265159" y="-21476"/>
+            <a:ext cx="4649208" cy="1899367"/>
+          </a:xfrm>
+          <a:prstGeom prst="rect">
             <a:avLst/>
           </a:prstGeom>
           <a:noFill/>
         </p:spPr>
-        <p:style>
-          <a:lnRef idx="2">
-            <a:schemeClr val="dk1"/>
-          </a:lnRef>
-          <a:fillRef idx="1">
-            <a:schemeClr val="lt1"/>
-          </a:fillRef>
-          <a:effectRef idx="0">
-            <a:schemeClr val="dk1"/>
-          </a:effectRef>
-          <a:fontRef idx="minor">
-            <a:schemeClr val="dk1"/>
-          </a:fontRef>
-        </p:style>
-        <p:txBody>
-          <a:bodyPr rtlCol="0" anchor="ctr"/>
-          <a:lstStyle/>
-          <a:p>
-            <a:pPr algn="ctr"/>
-            <a:endParaRPr lang="en-US"/>
-          </a:p>
-        </p:txBody>
-      </p:sp>
-      <p:sp>
-        <p:nvSpPr>
-          <p:cNvPr id="31" name="Down Arrow 30"/>
-          <p:cNvSpPr/>
-          <p:nvPr/>
-        </p:nvSpPr>
-        <p:spPr>
-          <a:xfrm>
-            <a:off x="4443356" y="3766022"/>
-            <a:ext cx="550904" cy="519142"/>
-          </a:xfrm>
-          <a:prstGeom prst="downArrow">
-            <a:avLst/>
-          </a:prstGeom>
-          <a:noFill/>
-        </p:spPr>
-        <p:style>
-          <a:lnRef idx="2">
-            <a:schemeClr val="dk1"/>
-          </a:lnRef>
-          <a:fillRef idx="1">
-            <a:schemeClr val="lt1"/>
-          </a:fillRef>
-          <a:effectRef idx="0">
-            <a:schemeClr val="dk1"/>
-          </a:effectRef>
-          <a:fontRef idx="minor">
-            <a:schemeClr val="dk1"/>
-          </a:fontRef>
-        </p:style>
-        <p:txBody>
-          <a:bodyPr rtlCol="0" anchor="ctr"/>
-          <a:lstStyle/>
-          <a:p>
-            <a:pPr algn="ctr"/>
-            <a:endParaRPr lang="en-US"/>
-          </a:p>
-        </p:txBody>
-      </p:sp>
-      <p:sp>
-        <p:nvSpPr>
-          <p:cNvPr id="34" name="Multidocument 33"/>
-          <p:cNvSpPr/>
-          <p:nvPr/>
-        </p:nvSpPr>
-        <p:spPr>
-          <a:xfrm>
-            <a:off x="4060272" y="4370326"/>
-            <a:ext cx="1327488" cy="948961"/>
-          </a:xfrm>
-          <a:prstGeom prst="flowChartMultidocument">
-            <a:avLst/>
-          </a:prstGeom>
-        </p:spPr>
-        <p:style>
-          <a:lnRef idx="2">
-            <a:schemeClr val="dk1"/>
-          </a:lnRef>
-          <a:fillRef idx="1">
-            <a:schemeClr val="lt1"/>
-          </a:fillRef>
-          <a:effectRef idx="0">
-            <a:schemeClr val="dk1"/>
-          </a:effectRef>
-          <a:fontRef idx="minor">
-            <a:schemeClr val="dk1"/>
-          </a:fontRef>
-        </p:style>
-        <p:txBody>
-          <a:bodyPr rtlCol="0" anchor="ctr"/>
-          <a:lstStyle/>
-          <a:p>
-            <a:pPr algn="ctr"/>
-            <a:endParaRPr lang="en-US"/>
-          </a:p>
-        </p:txBody>
-      </p:sp>
-      <p:sp>
-        <p:nvSpPr>
-          <p:cNvPr id="35" name="TextBox 34"/>
-          <p:cNvSpPr txBox="1"/>
-          <p:nvPr/>
-        </p:nvSpPr>
-        <p:spPr>
-          <a:xfrm>
-            <a:off x="3711234" y="5348568"/>
-            <a:ext cx="1923430" cy="369332"/>
-          </a:xfrm>
-          <a:prstGeom prst="rect">
-            <a:avLst/>
-          </a:prstGeom>
-          <a:noFill/>
-        </p:spPr>
         <p:txBody>
           <a:bodyPr wrap="square" rtlCol="0">
+            <a:prstTxWarp prst="textFadeRight">
+              <a:avLst>
+                <a:gd name="adj" fmla="val 25354"/>
+              </a:avLst>
+            </a:prstTxWarp>
             <a:spAutoFit/>
           </a:bodyPr>
           <a:lstStyle/>
           <a:p>
-            <a:pPr algn="ctr"/>
-            <a:r>
-              <a:rPr lang="en-US" dirty="0" smtClean="0">
-                <a:latin typeface="Anime Ace 2.0 BB"/>
-                <a:cs typeface="Anime Ace 2.0 BB"/>
-              </a:rPr>
-              <a:t>M</a:t>
-            </a:r>
-            <a:r>
-              <a:rPr lang="en-US" sz="1400" dirty="0" smtClean="0">
-                <a:latin typeface="Anime Ace 2.0 BB"/>
-                <a:cs typeface="Anime Ace 2.0 BB"/>
-              </a:rPr>
-              <a:t>anifest</a:t>
-            </a:r>
-            <a:endParaRPr lang="en-US" dirty="0">
-              <a:latin typeface="Anime Ace 2.0 BB"/>
-              <a:cs typeface="Anime Ace 2.0 BB"/>
+            <a:r>
+              <a:rPr lang="en-US" sz="4800" dirty="0" smtClean="0">
+                <a:ln w="12700" cmpd="sng">
+                  <a:solidFill>
+                    <a:schemeClr val="tx1"/>
+                  </a:solidFill>
+                </a:ln>
+                <a:solidFill>
+                  <a:schemeClr val="accent6">
+                    <a:lumMod val="75000"/>
+                  </a:schemeClr>
+                </a:solidFill>
+                <a:effectLst>
+                  <a:outerShdw dist="76200" dir="8100000" algn="tr" rotWithShape="0">
+                    <a:prstClr val="black">
+                      <a:alpha val="64000"/>
+                    </a:prstClr>
+                  </a:outerShdw>
+                </a:effectLst>
+                <a:latin typeface="Adventure"/>
+                <a:cs typeface="Adventure"/>
+              </a:rPr>
+              <a:t>It came from</a:t>
+            </a:r>
+          </a:p>
+          <a:p>
+            <a:r>
+              <a:rPr lang="en-US" sz="4800" dirty="0" smtClean="0">
+                <a:ln w="12700" cmpd="sng">
+                  <a:solidFill>
+                    <a:schemeClr val="tx1"/>
+                  </a:solidFill>
+                </a:ln>
+                <a:solidFill>
+                  <a:schemeClr val="accent6">
+                    <a:lumMod val="75000"/>
+                  </a:schemeClr>
+                </a:solidFill>
+                <a:effectLst>
+                  <a:outerShdw dist="76200" dir="8100000" algn="tr" rotWithShape="0">
+                    <a:prstClr val="black">
+                      <a:alpha val="64000"/>
+                    </a:prstClr>
+                  </a:outerShdw>
+                </a:effectLst>
+                <a:latin typeface="Adventure"/>
+                <a:cs typeface="Adventure"/>
+              </a:rPr>
+              <a:t>OPEN SOURCE,,,</a:t>
+            </a:r>
+            <a:endParaRPr lang="en-US" sz="4800" dirty="0">
+              <a:ln w="12700" cmpd="sng">
+                <a:solidFill>
+                  <a:schemeClr val="tx1"/>
+                </a:solidFill>
+              </a:ln>
+              <a:solidFill>
+                <a:schemeClr val="accent6">
+                  <a:lumMod val="75000"/>
+                </a:schemeClr>
+              </a:solidFill>
+              <a:effectLst>
+                <a:outerShdw dist="76200" dir="8100000" algn="tr" rotWithShape="0">
+                  <a:prstClr val="black">
+                    <a:alpha val="64000"/>
+                  </a:prstClr>
+                </a:outerShdw>
+              </a:effectLst>
+              <a:latin typeface="Adventure"/>
+              <a:cs typeface="Adventure"/>
             </a:endParaRPr>
           </a:p>
         </p:txBody>
       </p:sp>
       <p:sp>
         <p:nvSpPr>
-          <p:cNvPr id="36" name="Oval Callout 35"/>
-          <p:cNvSpPr/>
-          <p:nvPr/>
-        </p:nvSpPr>
-        <p:spPr>
-          <a:xfrm>
-            <a:off x="5733301" y="2422346"/>
-            <a:ext cx="1661645" cy="935861"/>
-          </a:xfrm>
-          <a:prstGeom prst="wedgeEllipseCallout">
-            <a:avLst>
-              <a:gd name="adj1" fmla="val -69806"/>
-              <a:gd name="adj2" fmla="val 5851"/>
-            </a:avLst>
-          </a:prstGeom>
-        </p:spPr>
-        <p:style>
-          <a:lnRef idx="2">
-            <a:schemeClr val="dk1"/>
-          </a:lnRef>
-          <a:fillRef idx="1">
-            <a:schemeClr val="lt1"/>
-          </a:fillRef>
-          <a:effectRef idx="0">
-            <a:schemeClr val="dk1"/>
-          </a:effectRef>
-          <a:fontRef idx="minor">
-            <a:schemeClr val="dk1"/>
-          </a:fontRef>
-        </p:style>
-        <p:txBody>
-          <a:bodyPr rtlCol="0" anchor="ctr"/>
-          <a:lstStyle/>
-          <a:p>
-            <a:pPr algn="ctr"/>
-            <a:r>
-              <a:rPr lang="en-US" sz="1400" dirty="0" smtClean="0">
-                <a:latin typeface="Anime Ace 2.0 BB"/>
-                <a:cs typeface="Anime Ace 2.0 BB"/>
-              </a:rPr>
-              <a:t>Costs Memory, CPU</a:t>
-            </a:r>
-            <a:endParaRPr lang="en-US" sz="1400" dirty="0">
-              <a:latin typeface="Anime Ace 2.0 BB"/>
-              <a:cs typeface="Anime Ace 2.0 BB"/>
-            </a:endParaRPr>
-          </a:p>
-        </p:txBody>
-      </p:sp>
-      <p:sp>
-        <p:nvSpPr>
-          <p:cNvPr id="37" name="TextBox 36"/>
+          <p:cNvPr id="5" name="TextBox 4"/>
           <p:cNvSpPr txBox="1"/>
           <p:nvPr/>
         </p:nvSpPr>
         <p:spPr>
-          <a:xfrm>
-            <a:off x="3715674" y="3363686"/>
-            <a:ext cx="1923430" cy="369332"/>
+          <a:xfrm rot="21198118">
+            <a:off x="4948321" y="4283931"/>
+            <a:ext cx="4201262" cy="2679222"/>
           </a:xfrm>
           <a:prstGeom prst="rect">
             <a:avLst/>
@@ -6388,21 +6094,131 @@
         </p:spPr>
         <p:txBody>
           <a:bodyPr wrap="square" rtlCol="0">
+            <a:prstTxWarp prst="textFadeLeft">
+              <a:avLst>
+                <a:gd name="adj" fmla="val 20373"/>
+              </a:avLst>
+            </a:prstTxWarp>
             <a:spAutoFit/>
           </a:bodyPr>
           <a:lstStyle/>
           <a:p>
-            <a:pPr algn="ctr"/>
-            <a:r>
-              <a:rPr lang="en-US" dirty="0" smtClean="0">
-                <a:latin typeface="Anime Ace 2.0 BB"/>
-                <a:cs typeface="Anime Ace 2.0 BB"/>
-              </a:rPr>
-              <a:t>PHP</a:t>
-            </a:r>
-            <a:endParaRPr lang="en-US" dirty="0">
-              <a:latin typeface="Anime Ace 2.0 BB"/>
-              <a:cs typeface="Anime Ace 2.0 BB"/>
+            <a:r>
+              <a:rPr lang="en-US" sz="4800" dirty="0" smtClean="0">
+                <a:ln w="12700" cmpd="sng">
+                  <a:solidFill>
+                    <a:schemeClr val="tx1"/>
+                  </a:solidFill>
+                </a:ln>
+                <a:solidFill>
+                  <a:schemeClr val="accent6">
+                    <a:lumMod val="75000"/>
+                  </a:schemeClr>
+                </a:solidFill>
+                <a:effectLst>
+                  <a:outerShdw dist="76200" dir="8100000" algn="tr" rotWithShape="0">
+                    <a:prstClr val="black">
+                      <a:alpha val="64000"/>
+                    </a:prstClr>
+                  </a:outerShdw>
+                </a:effectLst>
+                <a:latin typeface="Adventure"/>
+                <a:cs typeface="Adventure"/>
+              </a:rPr>
+              <a:t>TO </a:t>
+            </a:r>
+            <a:r>
+              <a:rPr lang="en-US" sz="4800" b="1" u="sng" dirty="0" smtClean="0">
+                <a:ln w="12700" cmpd="sng">
+                  <a:solidFill>
+                    <a:schemeClr val="tx1"/>
+                  </a:solidFill>
+                </a:ln>
+                <a:solidFill>
+                  <a:schemeClr val="accent6">
+                    <a:lumMod val="75000"/>
+                  </a:schemeClr>
+                </a:solidFill>
+                <a:effectLst>
+                  <a:outerShdw dist="76200" dir="8100000" algn="tr" rotWithShape="0">
+                    <a:prstClr val="black">
+                      <a:alpha val="64000"/>
+                    </a:prstClr>
+                  </a:outerShdw>
+                </a:effectLst>
+                <a:latin typeface="Adventure"/>
+                <a:cs typeface="Adventure"/>
+              </a:rPr>
+              <a:t>DEVOUR</a:t>
+            </a:r>
+            <a:r>
+              <a:rPr lang="en-US" sz="4800" dirty="0" smtClean="0">
+                <a:ln w="12700" cmpd="sng">
+                  <a:solidFill>
+                    <a:schemeClr val="tx1"/>
+                  </a:solidFill>
+                </a:ln>
+                <a:solidFill>
+                  <a:schemeClr val="accent6">
+                    <a:lumMod val="75000"/>
+                  </a:schemeClr>
+                </a:solidFill>
+                <a:effectLst>
+                  <a:outerShdw dist="76200" dir="8100000" algn="tr" rotWithShape="0">
+                    <a:prstClr val="black">
+                      <a:alpha val="64000"/>
+                    </a:prstClr>
+                  </a:outerShdw>
+                </a:effectLst>
+                <a:latin typeface="Adventure"/>
+                <a:cs typeface="Adventure"/>
+              </a:rPr>
+              <a:t> </a:t>
+            </a:r>
+            <a:r>
+              <a:rPr lang="en-US" sz="8800" dirty="0" smtClean="0">
+                <a:ln w="12700" cmpd="sng">
+                  <a:solidFill>
+                    <a:schemeClr val="tx1"/>
+                  </a:solidFill>
+                </a:ln>
+                <a:solidFill>
+                  <a:schemeClr val="accent6">
+                    <a:lumMod val="75000"/>
+                  </a:schemeClr>
+                </a:solidFill>
+                <a:effectLst>
+                  <a:outerShdw dist="76200" dir="8100000" algn="tr" rotWithShape="0">
+                    <a:prstClr val="black">
+                      <a:alpha val="64000"/>
+                    </a:prstClr>
+                  </a:outerShdw>
+                </a:effectLst>
+                <a:latin typeface="Adventure"/>
+                <a:cs typeface="Adventure"/>
+              </a:rPr>
+              <a:t>L.A. !!!</a:t>
+            </a:r>
+            <a:endParaRPr lang="en-US" sz="4800" dirty="0">
+              <a:ln w="12700" cmpd="sng">
+                <a:solidFill>
+                  <a:schemeClr val="tx1"/>
+                </a:solidFill>
+              </a:ln>
+              <a:solidFill>
+                <a:schemeClr val="accent6">
+                  <a:lumMod val="75000"/>
+                </a:schemeClr>
+              </a:solidFill>
+              <a:effectLst>
+                <a:outerShdw dist="76200" dir="8100000" algn="tr" rotWithShape="0">
+                  <a:prstClr val="black">
+                    <a:alpha val="64000"/>
+                  </a:prstClr>
+                </a:outerShdw>
+              </a:effectLst>
+              <a:latin typeface="Adventure"/>
+              <a:cs typeface="Adventure"/>
             </a:endParaRPr>
           </a:p>
         </p:txBody>
@@ -6410,20 +6226,13 @@
     </p:spTree>
     <p:extLst>
       <p:ext uri="{BB962C8B-B14F-4D97-AF65-F5344CB8AC3E}">
-        <p14:creationId xmlns:p14="http://schemas.microsoft.com/office/powerpoint/2010/main" val="1073290588"/>
+        <p14:creationId xmlns:p14="http://schemas.microsoft.com/office/powerpoint/2010/main" val="4136508059"/>
       </p:ext>
     </p:extLst>
   </p:cSld>
   <p:clrMapOvr>
     <a:masterClrMapping/>
   </p:clrMapOvr>
-  <p:timing>
-    <p:tnLst>
-      <p:par>
-        <p:cTn xmlns:p14="http://schemas.microsoft.com/office/powerpoint/2010/main" id="1" dur="indefinite" restart="never" nodeType="tmRoot"/>
-      </p:par>
-    </p:tnLst>
-  </p:timing>
 </p:sld>
 </file>
 

--- a/src/flagOnD8.pptx
+++ b/src/flagOnD8.pptx
@@ -361,7 +361,7 @@
           <a:p>
             <a:fld id="{98AEBF78-ABB6-9F42-87DB-0ECE75CB3E53}" type="datetimeFigureOut">
               <a:rPr lang="en-US" smtClean="0"/>
-              <a:t>5/6/15</a:t>
+              <a:t>5/10/15</a:t>
             </a:fld>
             <a:endParaRPr lang="en-US"/>
           </a:p>
@@ -531,7 +531,7 @@
           <a:p>
             <a:fld id="{98AEBF78-ABB6-9F42-87DB-0ECE75CB3E53}" type="datetimeFigureOut">
               <a:rPr lang="en-US" smtClean="0"/>
-              <a:t>5/6/15</a:t>
+              <a:t>5/10/15</a:t>
             </a:fld>
             <a:endParaRPr lang="en-US"/>
           </a:p>
@@ -711,7 +711,7 @@
           <a:p>
             <a:fld id="{98AEBF78-ABB6-9F42-87DB-0ECE75CB3E53}" type="datetimeFigureOut">
               <a:rPr lang="en-US" smtClean="0"/>
-              <a:t>5/6/15</a:t>
+              <a:t>5/10/15</a:t>
             </a:fld>
             <a:endParaRPr lang="en-US"/>
           </a:p>
@@ -885,7 +885,7 @@
           <a:p>
             <a:fld id="{98AEBF78-ABB6-9F42-87DB-0ECE75CB3E53}" type="datetimeFigureOut">
               <a:rPr lang="en-US" smtClean="0"/>
-              <a:t>5/6/15</a:t>
+              <a:t>5/10/15</a:t>
             </a:fld>
             <a:endParaRPr lang="en-US"/>
           </a:p>
@@ -1131,7 +1131,7 @@
           <a:p>
             <a:fld id="{98AEBF78-ABB6-9F42-87DB-0ECE75CB3E53}" type="datetimeFigureOut">
               <a:rPr lang="en-US" smtClean="0"/>
-              <a:t>5/6/15</a:t>
+              <a:t>5/10/15</a:t>
             </a:fld>
             <a:endParaRPr lang="en-US"/>
           </a:p>
@@ -1419,7 +1419,7 @@
           <a:p>
             <a:fld id="{98AEBF78-ABB6-9F42-87DB-0ECE75CB3E53}" type="datetimeFigureOut">
               <a:rPr lang="en-US" smtClean="0"/>
-              <a:t>5/6/15</a:t>
+              <a:t>5/10/15</a:t>
             </a:fld>
             <a:endParaRPr lang="en-US"/>
           </a:p>
@@ -1841,7 +1841,7 @@
           <a:p>
             <a:fld id="{98AEBF78-ABB6-9F42-87DB-0ECE75CB3E53}" type="datetimeFigureOut">
               <a:rPr lang="en-US" smtClean="0"/>
-              <a:t>5/6/15</a:t>
+              <a:t>5/10/15</a:t>
             </a:fld>
             <a:endParaRPr lang="en-US"/>
           </a:p>
@@ -1959,7 +1959,7 @@
           <a:p>
             <a:fld id="{98AEBF78-ABB6-9F42-87DB-0ECE75CB3E53}" type="datetimeFigureOut">
               <a:rPr lang="en-US" smtClean="0"/>
-              <a:t>5/6/15</a:t>
+              <a:t>5/10/15</a:t>
             </a:fld>
             <a:endParaRPr lang="en-US"/>
           </a:p>
@@ -2054,7 +2054,7 @@
           <a:p>
             <a:fld id="{98AEBF78-ABB6-9F42-87DB-0ECE75CB3E53}" type="datetimeFigureOut">
               <a:rPr lang="en-US" smtClean="0"/>
-              <a:t>5/6/15</a:t>
+              <a:t>5/10/15</a:t>
             </a:fld>
             <a:endParaRPr lang="en-US"/>
           </a:p>
@@ -2331,7 +2331,7 @@
           <a:p>
             <a:fld id="{98AEBF78-ABB6-9F42-87DB-0ECE75CB3E53}" type="datetimeFigureOut">
               <a:rPr lang="en-US" smtClean="0"/>
-              <a:t>5/6/15</a:t>
+              <a:t>5/10/15</a:t>
             </a:fld>
             <a:endParaRPr lang="en-US"/>
           </a:p>
@@ -2584,7 +2584,7 @@
           <a:p>
             <a:fld id="{98AEBF78-ABB6-9F42-87DB-0ECE75CB3E53}" type="datetimeFigureOut">
               <a:rPr lang="en-US" smtClean="0"/>
-              <a:t>5/6/15</a:t>
+              <a:t>5/10/15</a:t>
             </a:fld>
             <a:endParaRPr lang="en-US"/>
           </a:p>
@@ -2852,7 +2852,7 @@
           <a:p>
             <a:fld id="{98AEBF78-ABB6-9F42-87DB-0ECE75CB3E53}" type="datetimeFigureOut">
               <a:rPr lang="en-US" smtClean="0"/>
-              <a:t>5/6/15</a:t>
+              <a:t>5/10/15</a:t>
             </a:fld>
             <a:endParaRPr lang="en-US"/>
           </a:p>
@@ -18217,1056 +18217,6 @@
           <a:chExt cx="0" cy="0"/>
         </a:xfrm>
       </p:grpSpPr>
-      <p:grpSp>
-        <p:nvGrpSpPr>
-          <p:cNvPr id="2" name="Group 1"/>
-          <p:cNvGrpSpPr/>
-          <p:nvPr/>
-        </p:nvGrpSpPr>
-        <p:grpSpPr>
-          <a:xfrm>
-            <a:off x="1499060" y="2196245"/>
-            <a:ext cx="2064192" cy="1999457"/>
-            <a:chOff x="-853044" y="918684"/>
-            <a:chExt cx="5013345" cy="4856123"/>
-          </a:xfrm>
-        </p:grpSpPr>
-        <p:sp>
-          <p:nvSpPr>
-            <p:cNvPr id="3" name="Freeform 2"/>
-            <p:cNvSpPr/>
-            <p:nvPr/>
-          </p:nvSpPr>
-          <p:spPr>
-            <a:xfrm>
-              <a:off x="-853044" y="918684"/>
-              <a:ext cx="5013345" cy="4856123"/>
-            </a:xfrm>
-            <a:custGeom>
-              <a:avLst/>
-              <a:gdLst>
-                <a:gd name="connsiteX0" fmla="*/ 2342280 w 5038504"/>
-                <a:gd name="connsiteY0" fmla="*/ 2082125 h 4809709"/>
-                <a:gd name="connsiteX1" fmla="*/ 3331243 w 5038504"/>
-                <a:gd name="connsiteY1" fmla="*/ 0 h 4809709"/>
-                <a:gd name="connsiteX2" fmla="*/ 4736610 w 5038504"/>
-                <a:gd name="connsiteY2" fmla="*/ 458067 h 4809709"/>
-                <a:gd name="connsiteX3" fmla="*/ 5038504 w 5038504"/>
-                <a:gd name="connsiteY3" fmla="*/ 1790627 h 4809709"/>
-                <a:gd name="connsiteX4" fmla="*/ 2821146 w 5038504"/>
-                <a:gd name="connsiteY4" fmla="*/ 2550603 h 4809709"/>
-                <a:gd name="connsiteX5" fmla="*/ 1467829 w 5038504"/>
-                <a:gd name="connsiteY5" fmla="*/ 4809709 h 4809709"/>
-                <a:gd name="connsiteX6" fmla="*/ 364355 w 5038504"/>
-                <a:gd name="connsiteY6" fmla="*/ 4247535 h 4809709"/>
-                <a:gd name="connsiteX7" fmla="*/ 0 w 5038504"/>
-                <a:gd name="connsiteY7" fmla="*/ 3206473 h 4809709"/>
-                <a:gd name="connsiteX8" fmla="*/ 2342280 w 5038504"/>
-                <a:gd name="connsiteY8" fmla="*/ 2082125 h 4809709"/>
-                <a:gd name="connsiteX0" fmla="*/ 2342280 w 5038504"/>
-                <a:gd name="connsiteY0" fmla="*/ 2082125 h 4809709"/>
-                <a:gd name="connsiteX1" fmla="*/ 3331243 w 5038504"/>
-                <a:gd name="connsiteY1" fmla="*/ 0 h 4809709"/>
-                <a:gd name="connsiteX2" fmla="*/ 4736610 w 5038504"/>
-                <a:gd name="connsiteY2" fmla="*/ 458067 h 4809709"/>
-                <a:gd name="connsiteX3" fmla="*/ 5038504 w 5038504"/>
-                <a:gd name="connsiteY3" fmla="*/ 1790627 h 4809709"/>
-                <a:gd name="connsiteX4" fmla="*/ 2821146 w 5038504"/>
-                <a:gd name="connsiteY4" fmla="*/ 2550603 h 4809709"/>
-                <a:gd name="connsiteX5" fmla="*/ 1467829 w 5038504"/>
-                <a:gd name="connsiteY5" fmla="*/ 4809709 h 4809709"/>
-                <a:gd name="connsiteX6" fmla="*/ 364355 w 5038504"/>
-                <a:gd name="connsiteY6" fmla="*/ 4247535 h 4809709"/>
-                <a:gd name="connsiteX7" fmla="*/ 0 w 5038504"/>
-                <a:gd name="connsiteY7" fmla="*/ 3206473 h 4809709"/>
-                <a:gd name="connsiteX8" fmla="*/ 2342280 w 5038504"/>
-                <a:gd name="connsiteY8" fmla="*/ 2082125 h 4809709"/>
-                <a:gd name="connsiteX0" fmla="*/ 2342280 w 5038504"/>
-                <a:gd name="connsiteY0" fmla="*/ 2091783 h 4819367"/>
-                <a:gd name="connsiteX1" fmla="*/ 3331243 w 5038504"/>
-                <a:gd name="connsiteY1" fmla="*/ 9658 h 4819367"/>
-                <a:gd name="connsiteX2" fmla="*/ 4736610 w 5038504"/>
-                <a:gd name="connsiteY2" fmla="*/ 467725 h 4819367"/>
-                <a:gd name="connsiteX3" fmla="*/ 5038504 w 5038504"/>
-                <a:gd name="connsiteY3" fmla="*/ 1800285 h 4819367"/>
-                <a:gd name="connsiteX4" fmla="*/ 2821146 w 5038504"/>
-                <a:gd name="connsiteY4" fmla="*/ 2560261 h 4819367"/>
-                <a:gd name="connsiteX5" fmla="*/ 1467829 w 5038504"/>
-                <a:gd name="connsiteY5" fmla="*/ 4819367 h 4819367"/>
-                <a:gd name="connsiteX6" fmla="*/ 364355 w 5038504"/>
-                <a:gd name="connsiteY6" fmla="*/ 4257193 h 4819367"/>
-                <a:gd name="connsiteX7" fmla="*/ 0 w 5038504"/>
-                <a:gd name="connsiteY7" fmla="*/ 3216131 h 4819367"/>
-                <a:gd name="connsiteX8" fmla="*/ 2342280 w 5038504"/>
-                <a:gd name="connsiteY8" fmla="*/ 2091783 h 4819367"/>
-                <a:gd name="connsiteX0" fmla="*/ 2342280 w 5038504"/>
-                <a:gd name="connsiteY0" fmla="*/ 2162517 h 4890101"/>
-                <a:gd name="connsiteX1" fmla="*/ 3331243 w 5038504"/>
-                <a:gd name="connsiteY1" fmla="*/ 80392 h 4890101"/>
-                <a:gd name="connsiteX2" fmla="*/ 4736610 w 5038504"/>
-                <a:gd name="connsiteY2" fmla="*/ 538459 h 4890101"/>
-                <a:gd name="connsiteX3" fmla="*/ 5038504 w 5038504"/>
-                <a:gd name="connsiteY3" fmla="*/ 1871019 h 4890101"/>
-                <a:gd name="connsiteX4" fmla="*/ 2821146 w 5038504"/>
-                <a:gd name="connsiteY4" fmla="*/ 2630995 h 4890101"/>
-                <a:gd name="connsiteX5" fmla="*/ 1467829 w 5038504"/>
-                <a:gd name="connsiteY5" fmla="*/ 4890101 h 4890101"/>
-                <a:gd name="connsiteX6" fmla="*/ 364355 w 5038504"/>
-                <a:gd name="connsiteY6" fmla="*/ 4327927 h 4890101"/>
-                <a:gd name="connsiteX7" fmla="*/ 0 w 5038504"/>
-                <a:gd name="connsiteY7" fmla="*/ 3286865 h 4890101"/>
-                <a:gd name="connsiteX8" fmla="*/ 2342280 w 5038504"/>
-                <a:gd name="connsiteY8" fmla="*/ 2162517 h 4890101"/>
-                <a:gd name="connsiteX0" fmla="*/ 2342280 w 5038504"/>
-                <a:gd name="connsiteY0" fmla="*/ 2198230 h 4925814"/>
-                <a:gd name="connsiteX1" fmla="*/ 3331243 w 5038504"/>
-                <a:gd name="connsiteY1" fmla="*/ 116105 h 4925814"/>
-                <a:gd name="connsiteX2" fmla="*/ 4736610 w 5038504"/>
-                <a:gd name="connsiteY2" fmla="*/ 574172 h 4925814"/>
-                <a:gd name="connsiteX3" fmla="*/ 5038504 w 5038504"/>
-                <a:gd name="connsiteY3" fmla="*/ 1906732 h 4925814"/>
-                <a:gd name="connsiteX4" fmla="*/ 2821146 w 5038504"/>
-                <a:gd name="connsiteY4" fmla="*/ 2666708 h 4925814"/>
-                <a:gd name="connsiteX5" fmla="*/ 1467829 w 5038504"/>
-                <a:gd name="connsiteY5" fmla="*/ 4925814 h 4925814"/>
-                <a:gd name="connsiteX6" fmla="*/ 364355 w 5038504"/>
-                <a:gd name="connsiteY6" fmla="*/ 4363640 h 4925814"/>
-                <a:gd name="connsiteX7" fmla="*/ 0 w 5038504"/>
-                <a:gd name="connsiteY7" fmla="*/ 3322578 h 4925814"/>
-                <a:gd name="connsiteX8" fmla="*/ 2342280 w 5038504"/>
-                <a:gd name="connsiteY8" fmla="*/ 2198230 h 4925814"/>
-                <a:gd name="connsiteX0" fmla="*/ 2342280 w 5038504"/>
-                <a:gd name="connsiteY0" fmla="*/ 2181613 h 4909197"/>
-                <a:gd name="connsiteX1" fmla="*/ 3331243 w 5038504"/>
-                <a:gd name="connsiteY1" fmla="*/ 99488 h 4909197"/>
-                <a:gd name="connsiteX2" fmla="*/ 4736610 w 5038504"/>
-                <a:gd name="connsiteY2" fmla="*/ 557555 h 4909197"/>
-                <a:gd name="connsiteX3" fmla="*/ 5038504 w 5038504"/>
-                <a:gd name="connsiteY3" fmla="*/ 1890115 h 4909197"/>
-                <a:gd name="connsiteX4" fmla="*/ 2821146 w 5038504"/>
-                <a:gd name="connsiteY4" fmla="*/ 2650091 h 4909197"/>
-                <a:gd name="connsiteX5" fmla="*/ 1467829 w 5038504"/>
-                <a:gd name="connsiteY5" fmla="*/ 4909197 h 4909197"/>
-                <a:gd name="connsiteX6" fmla="*/ 364355 w 5038504"/>
-                <a:gd name="connsiteY6" fmla="*/ 4347023 h 4909197"/>
-                <a:gd name="connsiteX7" fmla="*/ 0 w 5038504"/>
-                <a:gd name="connsiteY7" fmla="*/ 3305961 h 4909197"/>
-                <a:gd name="connsiteX8" fmla="*/ 2342280 w 5038504"/>
-                <a:gd name="connsiteY8" fmla="*/ 2181613 h 4909197"/>
-                <a:gd name="connsiteX0" fmla="*/ 2342280 w 5354014"/>
-                <a:gd name="connsiteY0" fmla="*/ 2181613 h 4909197"/>
-                <a:gd name="connsiteX1" fmla="*/ 3331243 w 5354014"/>
-                <a:gd name="connsiteY1" fmla="*/ 99488 h 4909197"/>
-                <a:gd name="connsiteX2" fmla="*/ 4736610 w 5354014"/>
-                <a:gd name="connsiteY2" fmla="*/ 557555 h 4909197"/>
-                <a:gd name="connsiteX3" fmla="*/ 5038504 w 5354014"/>
-                <a:gd name="connsiteY3" fmla="*/ 1890115 h 4909197"/>
-                <a:gd name="connsiteX4" fmla="*/ 2821146 w 5354014"/>
-                <a:gd name="connsiteY4" fmla="*/ 2650091 h 4909197"/>
-                <a:gd name="connsiteX5" fmla="*/ 1467829 w 5354014"/>
-                <a:gd name="connsiteY5" fmla="*/ 4909197 h 4909197"/>
-                <a:gd name="connsiteX6" fmla="*/ 364355 w 5354014"/>
-                <a:gd name="connsiteY6" fmla="*/ 4347023 h 4909197"/>
-                <a:gd name="connsiteX7" fmla="*/ 0 w 5354014"/>
-                <a:gd name="connsiteY7" fmla="*/ 3305961 h 4909197"/>
-                <a:gd name="connsiteX8" fmla="*/ 2342280 w 5354014"/>
-                <a:gd name="connsiteY8" fmla="*/ 2181613 h 4909197"/>
-                <a:gd name="connsiteX0" fmla="*/ 2342280 w 5202205"/>
-                <a:gd name="connsiteY0" fmla="*/ 2181613 h 4909197"/>
-                <a:gd name="connsiteX1" fmla="*/ 3331243 w 5202205"/>
-                <a:gd name="connsiteY1" fmla="*/ 99488 h 4909197"/>
-                <a:gd name="connsiteX2" fmla="*/ 4736610 w 5202205"/>
-                <a:gd name="connsiteY2" fmla="*/ 557555 h 4909197"/>
-                <a:gd name="connsiteX3" fmla="*/ 5038504 w 5202205"/>
-                <a:gd name="connsiteY3" fmla="*/ 1890115 h 4909197"/>
-                <a:gd name="connsiteX4" fmla="*/ 2821146 w 5202205"/>
-                <a:gd name="connsiteY4" fmla="*/ 2650091 h 4909197"/>
-                <a:gd name="connsiteX5" fmla="*/ 1467829 w 5202205"/>
-                <a:gd name="connsiteY5" fmla="*/ 4909197 h 4909197"/>
-                <a:gd name="connsiteX6" fmla="*/ 364355 w 5202205"/>
-                <a:gd name="connsiteY6" fmla="*/ 4347023 h 4909197"/>
-                <a:gd name="connsiteX7" fmla="*/ 0 w 5202205"/>
-                <a:gd name="connsiteY7" fmla="*/ 3305961 h 4909197"/>
-                <a:gd name="connsiteX8" fmla="*/ 2342280 w 5202205"/>
-                <a:gd name="connsiteY8" fmla="*/ 2181613 h 4909197"/>
-                <a:gd name="connsiteX0" fmla="*/ 2342280 w 5165622"/>
-                <a:gd name="connsiteY0" fmla="*/ 2181613 h 4909197"/>
-                <a:gd name="connsiteX1" fmla="*/ 3331243 w 5165622"/>
-                <a:gd name="connsiteY1" fmla="*/ 99488 h 4909197"/>
-                <a:gd name="connsiteX2" fmla="*/ 4736610 w 5165622"/>
-                <a:gd name="connsiteY2" fmla="*/ 557555 h 4909197"/>
-                <a:gd name="connsiteX3" fmla="*/ 5038504 w 5165622"/>
-                <a:gd name="connsiteY3" fmla="*/ 1890115 h 4909197"/>
-                <a:gd name="connsiteX4" fmla="*/ 2821146 w 5165622"/>
-                <a:gd name="connsiteY4" fmla="*/ 2650091 h 4909197"/>
-                <a:gd name="connsiteX5" fmla="*/ 1467829 w 5165622"/>
-                <a:gd name="connsiteY5" fmla="*/ 4909197 h 4909197"/>
-                <a:gd name="connsiteX6" fmla="*/ 364355 w 5165622"/>
-                <a:gd name="connsiteY6" fmla="*/ 4347023 h 4909197"/>
-                <a:gd name="connsiteX7" fmla="*/ 0 w 5165622"/>
-                <a:gd name="connsiteY7" fmla="*/ 3305961 h 4909197"/>
-                <a:gd name="connsiteX8" fmla="*/ 2342280 w 5165622"/>
-                <a:gd name="connsiteY8" fmla="*/ 2181613 h 4909197"/>
-                <a:gd name="connsiteX0" fmla="*/ 2342280 w 5130871"/>
-                <a:gd name="connsiteY0" fmla="*/ 2179637 h 4907221"/>
-                <a:gd name="connsiteX1" fmla="*/ 3331243 w 5130871"/>
-                <a:gd name="connsiteY1" fmla="*/ 97512 h 4907221"/>
-                <a:gd name="connsiteX2" fmla="*/ 4736610 w 5130871"/>
-                <a:gd name="connsiteY2" fmla="*/ 555579 h 4907221"/>
-                <a:gd name="connsiteX3" fmla="*/ 4996863 w 5130871"/>
-                <a:gd name="connsiteY3" fmla="*/ 1981835 h 4907221"/>
-                <a:gd name="connsiteX4" fmla="*/ 2821146 w 5130871"/>
-                <a:gd name="connsiteY4" fmla="*/ 2648115 h 4907221"/>
-                <a:gd name="connsiteX5" fmla="*/ 1467829 w 5130871"/>
-                <a:gd name="connsiteY5" fmla="*/ 4907221 h 4907221"/>
-                <a:gd name="connsiteX6" fmla="*/ 364355 w 5130871"/>
-                <a:gd name="connsiteY6" fmla="*/ 4345047 h 4907221"/>
-                <a:gd name="connsiteX7" fmla="*/ 0 w 5130871"/>
-                <a:gd name="connsiteY7" fmla="*/ 3303985 h 4907221"/>
-                <a:gd name="connsiteX8" fmla="*/ 2342280 w 5130871"/>
-                <a:gd name="connsiteY8" fmla="*/ 2179637 h 4907221"/>
-                <a:gd name="connsiteX0" fmla="*/ 2342280 w 5186156"/>
-                <a:gd name="connsiteY0" fmla="*/ 2179637 h 4907221"/>
-                <a:gd name="connsiteX1" fmla="*/ 3331243 w 5186156"/>
-                <a:gd name="connsiteY1" fmla="*/ 97512 h 4907221"/>
-                <a:gd name="connsiteX2" fmla="*/ 4736610 w 5186156"/>
-                <a:gd name="connsiteY2" fmla="*/ 555579 h 4907221"/>
-                <a:gd name="connsiteX3" fmla="*/ 4996863 w 5186156"/>
-                <a:gd name="connsiteY3" fmla="*/ 1981835 h 4907221"/>
-                <a:gd name="connsiteX4" fmla="*/ 2821146 w 5186156"/>
-                <a:gd name="connsiteY4" fmla="*/ 2648115 h 4907221"/>
-                <a:gd name="connsiteX5" fmla="*/ 1467829 w 5186156"/>
-                <a:gd name="connsiteY5" fmla="*/ 4907221 h 4907221"/>
-                <a:gd name="connsiteX6" fmla="*/ 364355 w 5186156"/>
-                <a:gd name="connsiteY6" fmla="*/ 4345047 h 4907221"/>
-                <a:gd name="connsiteX7" fmla="*/ 0 w 5186156"/>
-                <a:gd name="connsiteY7" fmla="*/ 3303985 h 4907221"/>
-                <a:gd name="connsiteX8" fmla="*/ 2342280 w 5186156"/>
-                <a:gd name="connsiteY8" fmla="*/ 2179637 h 4907221"/>
-                <a:gd name="connsiteX0" fmla="*/ 2342280 w 5186156"/>
-                <a:gd name="connsiteY0" fmla="*/ 2179637 h 4907221"/>
-                <a:gd name="connsiteX1" fmla="*/ 3331243 w 5186156"/>
-                <a:gd name="connsiteY1" fmla="*/ 97512 h 4907221"/>
-                <a:gd name="connsiteX2" fmla="*/ 4736610 w 5186156"/>
-                <a:gd name="connsiteY2" fmla="*/ 555579 h 4907221"/>
-                <a:gd name="connsiteX3" fmla="*/ 4996863 w 5186156"/>
-                <a:gd name="connsiteY3" fmla="*/ 1981835 h 4907221"/>
-                <a:gd name="connsiteX4" fmla="*/ 2821146 w 5186156"/>
-                <a:gd name="connsiteY4" fmla="*/ 2648115 h 4907221"/>
-                <a:gd name="connsiteX5" fmla="*/ 1467829 w 5186156"/>
-                <a:gd name="connsiteY5" fmla="*/ 4907221 h 4907221"/>
-                <a:gd name="connsiteX6" fmla="*/ 364355 w 5186156"/>
-                <a:gd name="connsiteY6" fmla="*/ 4345047 h 4907221"/>
-                <a:gd name="connsiteX7" fmla="*/ 0 w 5186156"/>
-                <a:gd name="connsiteY7" fmla="*/ 3303985 h 4907221"/>
-                <a:gd name="connsiteX8" fmla="*/ 2342280 w 5186156"/>
-                <a:gd name="connsiteY8" fmla="*/ 2179637 h 4907221"/>
-                <a:gd name="connsiteX0" fmla="*/ 2342280 w 5186156"/>
-                <a:gd name="connsiteY0" fmla="*/ 2179637 h 4907221"/>
-                <a:gd name="connsiteX1" fmla="*/ 3331243 w 5186156"/>
-                <a:gd name="connsiteY1" fmla="*/ 97512 h 4907221"/>
-                <a:gd name="connsiteX2" fmla="*/ 4736610 w 5186156"/>
-                <a:gd name="connsiteY2" fmla="*/ 555579 h 4907221"/>
-                <a:gd name="connsiteX3" fmla="*/ 4996863 w 5186156"/>
-                <a:gd name="connsiteY3" fmla="*/ 1981835 h 4907221"/>
-                <a:gd name="connsiteX4" fmla="*/ 2821146 w 5186156"/>
-                <a:gd name="connsiteY4" fmla="*/ 2648115 h 4907221"/>
-                <a:gd name="connsiteX5" fmla="*/ 1467829 w 5186156"/>
-                <a:gd name="connsiteY5" fmla="*/ 4907221 h 4907221"/>
-                <a:gd name="connsiteX6" fmla="*/ 364355 w 5186156"/>
-                <a:gd name="connsiteY6" fmla="*/ 4345047 h 4907221"/>
-                <a:gd name="connsiteX7" fmla="*/ 0 w 5186156"/>
-                <a:gd name="connsiteY7" fmla="*/ 3303985 h 4907221"/>
-                <a:gd name="connsiteX8" fmla="*/ 2342280 w 5186156"/>
-                <a:gd name="connsiteY8" fmla="*/ 2179637 h 4907221"/>
-                <a:gd name="connsiteX0" fmla="*/ 2342280 w 5186156"/>
-                <a:gd name="connsiteY0" fmla="*/ 2179637 h 4907221"/>
-                <a:gd name="connsiteX1" fmla="*/ 3331243 w 5186156"/>
-                <a:gd name="connsiteY1" fmla="*/ 97512 h 4907221"/>
-                <a:gd name="connsiteX2" fmla="*/ 4736610 w 5186156"/>
-                <a:gd name="connsiteY2" fmla="*/ 555579 h 4907221"/>
-                <a:gd name="connsiteX3" fmla="*/ 4996863 w 5186156"/>
-                <a:gd name="connsiteY3" fmla="*/ 1981835 h 4907221"/>
-                <a:gd name="connsiteX4" fmla="*/ 2821146 w 5186156"/>
-                <a:gd name="connsiteY4" fmla="*/ 2648115 h 4907221"/>
-                <a:gd name="connsiteX5" fmla="*/ 1467829 w 5186156"/>
-                <a:gd name="connsiteY5" fmla="*/ 4907221 h 4907221"/>
-                <a:gd name="connsiteX6" fmla="*/ 364355 w 5186156"/>
-                <a:gd name="connsiteY6" fmla="*/ 4345047 h 4907221"/>
-                <a:gd name="connsiteX7" fmla="*/ 0 w 5186156"/>
-                <a:gd name="connsiteY7" fmla="*/ 3303985 h 4907221"/>
-                <a:gd name="connsiteX8" fmla="*/ 2342280 w 5186156"/>
-                <a:gd name="connsiteY8" fmla="*/ 2179637 h 4907221"/>
-                <a:gd name="connsiteX0" fmla="*/ 2342280 w 5186156"/>
-                <a:gd name="connsiteY0" fmla="*/ 2179637 h 4907221"/>
-                <a:gd name="connsiteX1" fmla="*/ 3331243 w 5186156"/>
-                <a:gd name="connsiteY1" fmla="*/ 97512 h 4907221"/>
-                <a:gd name="connsiteX2" fmla="*/ 4736610 w 5186156"/>
-                <a:gd name="connsiteY2" fmla="*/ 555579 h 4907221"/>
-                <a:gd name="connsiteX3" fmla="*/ 4996863 w 5186156"/>
-                <a:gd name="connsiteY3" fmla="*/ 1981835 h 4907221"/>
-                <a:gd name="connsiteX4" fmla="*/ 2821146 w 5186156"/>
-                <a:gd name="connsiteY4" fmla="*/ 2648115 h 4907221"/>
-                <a:gd name="connsiteX5" fmla="*/ 1467829 w 5186156"/>
-                <a:gd name="connsiteY5" fmla="*/ 4907221 h 4907221"/>
-                <a:gd name="connsiteX6" fmla="*/ 364355 w 5186156"/>
-                <a:gd name="connsiteY6" fmla="*/ 4345047 h 4907221"/>
-                <a:gd name="connsiteX7" fmla="*/ 0 w 5186156"/>
-                <a:gd name="connsiteY7" fmla="*/ 3303985 h 4907221"/>
-                <a:gd name="connsiteX8" fmla="*/ 2342280 w 5186156"/>
-                <a:gd name="connsiteY8" fmla="*/ 2179637 h 4907221"/>
-                <a:gd name="connsiteX0" fmla="*/ 2458828 w 5302704"/>
-                <a:gd name="connsiteY0" fmla="*/ 2179637 h 4907221"/>
-                <a:gd name="connsiteX1" fmla="*/ 3447791 w 5302704"/>
-                <a:gd name="connsiteY1" fmla="*/ 97512 h 4907221"/>
-                <a:gd name="connsiteX2" fmla="*/ 4853158 w 5302704"/>
-                <a:gd name="connsiteY2" fmla="*/ 555579 h 4907221"/>
-                <a:gd name="connsiteX3" fmla="*/ 5113411 w 5302704"/>
-                <a:gd name="connsiteY3" fmla="*/ 1981835 h 4907221"/>
-                <a:gd name="connsiteX4" fmla="*/ 2937694 w 5302704"/>
-                <a:gd name="connsiteY4" fmla="*/ 2648115 h 4907221"/>
-                <a:gd name="connsiteX5" fmla="*/ 1584377 w 5302704"/>
-                <a:gd name="connsiteY5" fmla="*/ 4907221 h 4907221"/>
-                <a:gd name="connsiteX6" fmla="*/ 480903 w 5302704"/>
-                <a:gd name="connsiteY6" fmla="*/ 4345047 h 4907221"/>
-                <a:gd name="connsiteX7" fmla="*/ 116548 w 5302704"/>
-                <a:gd name="connsiteY7" fmla="*/ 3303985 h 4907221"/>
-                <a:gd name="connsiteX8" fmla="*/ 2458828 w 5302704"/>
-                <a:gd name="connsiteY8" fmla="*/ 2179637 h 4907221"/>
-                <a:gd name="connsiteX0" fmla="*/ 2353613 w 5197489"/>
-                <a:gd name="connsiteY0" fmla="*/ 2179637 h 4907221"/>
-                <a:gd name="connsiteX1" fmla="*/ 3342576 w 5197489"/>
-                <a:gd name="connsiteY1" fmla="*/ 97512 h 4907221"/>
-                <a:gd name="connsiteX2" fmla="*/ 4747943 w 5197489"/>
-                <a:gd name="connsiteY2" fmla="*/ 555579 h 4907221"/>
-                <a:gd name="connsiteX3" fmla="*/ 5008196 w 5197489"/>
-                <a:gd name="connsiteY3" fmla="*/ 1981835 h 4907221"/>
-                <a:gd name="connsiteX4" fmla="*/ 2832479 w 5197489"/>
-                <a:gd name="connsiteY4" fmla="*/ 2648115 h 4907221"/>
-                <a:gd name="connsiteX5" fmla="*/ 1479162 w 5197489"/>
-                <a:gd name="connsiteY5" fmla="*/ 4907221 h 4907221"/>
-                <a:gd name="connsiteX6" fmla="*/ 375688 w 5197489"/>
-                <a:gd name="connsiteY6" fmla="*/ 4345047 h 4907221"/>
-                <a:gd name="connsiteX7" fmla="*/ 11333 w 5197489"/>
-                <a:gd name="connsiteY7" fmla="*/ 3303985 h 4907221"/>
-                <a:gd name="connsiteX8" fmla="*/ 2353613 w 5197489"/>
-                <a:gd name="connsiteY8" fmla="*/ 2179637 h 4907221"/>
-                <a:gd name="connsiteX0" fmla="*/ 2478592 w 5322468"/>
-                <a:gd name="connsiteY0" fmla="*/ 2179637 h 4907221"/>
-                <a:gd name="connsiteX1" fmla="*/ 3467555 w 5322468"/>
-                <a:gd name="connsiteY1" fmla="*/ 97512 h 4907221"/>
-                <a:gd name="connsiteX2" fmla="*/ 4872922 w 5322468"/>
-                <a:gd name="connsiteY2" fmla="*/ 555579 h 4907221"/>
-                <a:gd name="connsiteX3" fmla="*/ 5133175 w 5322468"/>
-                <a:gd name="connsiteY3" fmla="*/ 1981835 h 4907221"/>
-                <a:gd name="connsiteX4" fmla="*/ 2957458 w 5322468"/>
-                <a:gd name="connsiteY4" fmla="*/ 2648115 h 4907221"/>
-                <a:gd name="connsiteX5" fmla="*/ 1604141 w 5322468"/>
-                <a:gd name="connsiteY5" fmla="*/ 4907221 h 4907221"/>
-                <a:gd name="connsiteX6" fmla="*/ 500667 w 5322468"/>
-                <a:gd name="connsiteY6" fmla="*/ 4345047 h 4907221"/>
-                <a:gd name="connsiteX7" fmla="*/ 136312 w 5322468"/>
-                <a:gd name="connsiteY7" fmla="*/ 3303985 h 4907221"/>
-                <a:gd name="connsiteX8" fmla="*/ 2478592 w 5322468"/>
-                <a:gd name="connsiteY8" fmla="*/ 2179637 h 4907221"/>
-                <a:gd name="connsiteX0" fmla="*/ 2478592 w 5322468"/>
-                <a:gd name="connsiteY0" fmla="*/ 2179637 h 4918222"/>
-                <a:gd name="connsiteX1" fmla="*/ 3467555 w 5322468"/>
-                <a:gd name="connsiteY1" fmla="*/ 97512 h 4918222"/>
-                <a:gd name="connsiteX2" fmla="*/ 4872922 w 5322468"/>
-                <a:gd name="connsiteY2" fmla="*/ 555579 h 4918222"/>
-                <a:gd name="connsiteX3" fmla="*/ 5133175 w 5322468"/>
-                <a:gd name="connsiteY3" fmla="*/ 1981835 h 4918222"/>
-                <a:gd name="connsiteX4" fmla="*/ 2957458 w 5322468"/>
-                <a:gd name="connsiteY4" fmla="*/ 2648115 h 4918222"/>
-                <a:gd name="connsiteX5" fmla="*/ 1604141 w 5322468"/>
-                <a:gd name="connsiteY5" fmla="*/ 4907221 h 4918222"/>
-                <a:gd name="connsiteX6" fmla="*/ 500667 w 5322468"/>
-                <a:gd name="connsiteY6" fmla="*/ 4345047 h 4918222"/>
-                <a:gd name="connsiteX7" fmla="*/ 136312 w 5322468"/>
-                <a:gd name="connsiteY7" fmla="*/ 3303985 h 4918222"/>
-                <a:gd name="connsiteX8" fmla="*/ 2478592 w 5322468"/>
-                <a:gd name="connsiteY8" fmla="*/ 2179637 h 4918222"/>
-                <a:gd name="connsiteX0" fmla="*/ 2478592 w 5322468"/>
-                <a:gd name="connsiteY0" fmla="*/ 2179637 h 4929776"/>
-                <a:gd name="connsiteX1" fmla="*/ 3467555 w 5322468"/>
-                <a:gd name="connsiteY1" fmla="*/ 97512 h 4929776"/>
-                <a:gd name="connsiteX2" fmla="*/ 4872922 w 5322468"/>
-                <a:gd name="connsiteY2" fmla="*/ 555579 h 4929776"/>
-                <a:gd name="connsiteX3" fmla="*/ 5133175 w 5322468"/>
-                <a:gd name="connsiteY3" fmla="*/ 1981835 h 4929776"/>
-                <a:gd name="connsiteX4" fmla="*/ 2957458 w 5322468"/>
-                <a:gd name="connsiteY4" fmla="*/ 2648115 h 4929776"/>
-                <a:gd name="connsiteX5" fmla="*/ 1604141 w 5322468"/>
-                <a:gd name="connsiteY5" fmla="*/ 4907221 h 4929776"/>
-                <a:gd name="connsiteX6" fmla="*/ 500667 w 5322468"/>
-                <a:gd name="connsiteY6" fmla="*/ 4345047 h 4929776"/>
-                <a:gd name="connsiteX7" fmla="*/ 136312 w 5322468"/>
-                <a:gd name="connsiteY7" fmla="*/ 3303985 h 4929776"/>
-                <a:gd name="connsiteX8" fmla="*/ 2478592 w 5322468"/>
-                <a:gd name="connsiteY8" fmla="*/ 2179637 h 4929776"/>
-                <a:gd name="connsiteX0" fmla="*/ 2471961 w 5315837"/>
-                <a:gd name="connsiteY0" fmla="*/ 2179637 h 4746122"/>
-                <a:gd name="connsiteX1" fmla="*/ 3460924 w 5315837"/>
-                <a:gd name="connsiteY1" fmla="*/ 97512 h 4746122"/>
-                <a:gd name="connsiteX2" fmla="*/ 4866291 w 5315837"/>
-                <a:gd name="connsiteY2" fmla="*/ 555579 h 4746122"/>
-                <a:gd name="connsiteX3" fmla="*/ 5126544 w 5315837"/>
-                <a:gd name="connsiteY3" fmla="*/ 1981835 h 4746122"/>
-                <a:gd name="connsiteX4" fmla="*/ 2950827 w 5315837"/>
-                <a:gd name="connsiteY4" fmla="*/ 2648115 h 4746122"/>
-                <a:gd name="connsiteX5" fmla="*/ 2107607 w 5315837"/>
-                <a:gd name="connsiteY5" fmla="*/ 4709420 h 4746122"/>
-                <a:gd name="connsiteX6" fmla="*/ 494036 w 5315837"/>
-                <a:gd name="connsiteY6" fmla="*/ 4345047 h 4746122"/>
-                <a:gd name="connsiteX7" fmla="*/ 129681 w 5315837"/>
-                <a:gd name="connsiteY7" fmla="*/ 3303985 h 4746122"/>
-                <a:gd name="connsiteX8" fmla="*/ 2471961 w 5315837"/>
-                <a:gd name="connsiteY8" fmla="*/ 2179637 h 4746122"/>
-                <a:gd name="connsiteX0" fmla="*/ 2256020 w 5099896"/>
-                <a:gd name="connsiteY0" fmla="*/ 2179637 h 4752227"/>
-                <a:gd name="connsiteX1" fmla="*/ 3244983 w 5099896"/>
-                <a:gd name="connsiteY1" fmla="*/ 97512 h 4752227"/>
-                <a:gd name="connsiteX2" fmla="*/ 4650350 w 5099896"/>
-                <a:gd name="connsiteY2" fmla="*/ 555579 h 4752227"/>
-                <a:gd name="connsiteX3" fmla="*/ 4910603 w 5099896"/>
-                <a:gd name="connsiteY3" fmla="*/ 1981835 h 4752227"/>
-                <a:gd name="connsiteX4" fmla="*/ 2734886 w 5099896"/>
-                <a:gd name="connsiteY4" fmla="*/ 2648115 h 4752227"/>
-                <a:gd name="connsiteX5" fmla="*/ 1891666 w 5099896"/>
-                <a:gd name="connsiteY5" fmla="*/ 4709420 h 4752227"/>
-                <a:gd name="connsiteX6" fmla="*/ 278095 w 5099896"/>
-                <a:gd name="connsiteY6" fmla="*/ 4345047 h 4752227"/>
-                <a:gd name="connsiteX7" fmla="*/ 194814 w 5099896"/>
-                <a:gd name="connsiteY7" fmla="*/ 2929203 h 4752227"/>
-                <a:gd name="connsiteX8" fmla="*/ 2256020 w 5099896"/>
-                <a:gd name="connsiteY8" fmla="*/ 2179637 h 4752227"/>
-                <a:gd name="connsiteX0" fmla="*/ 2148606 w 4992482"/>
-                <a:gd name="connsiteY0" fmla="*/ 2179637 h 4752227"/>
-                <a:gd name="connsiteX1" fmla="*/ 3137569 w 4992482"/>
-                <a:gd name="connsiteY1" fmla="*/ 97512 h 4752227"/>
-                <a:gd name="connsiteX2" fmla="*/ 4542936 w 4992482"/>
-                <a:gd name="connsiteY2" fmla="*/ 555579 h 4752227"/>
-                <a:gd name="connsiteX3" fmla="*/ 4803189 w 4992482"/>
-                <a:gd name="connsiteY3" fmla="*/ 1981835 h 4752227"/>
-                <a:gd name="connsiteX4" fmla="*/ 2627472 w 4992482"/>
-                <a:gd name="connsiteY4" fmla="*/ 2648115 h 4752227"/>
-                <a:gd name="connsiteX5" fmla="*/ 1784252 w 4992482"/>
-                <a:gd name="connsiteY5" fmla="*/ 4709420 h 4752227"/>
-                <a:gd name="connsiteX6" fmla="*/ 170681 w 4992482"/>
-                <a:gd name="connsiteY6" fmla="*/ 4345047 h 4752227"/>
-                <a:gd name="connsiteX7" fmla="*/ 87400 w 4992482"/>
-                <a:gd name="connsiteY7" fmla="*/ 2929203 h 4752227"/>
-                <a:gd name="connsiteX8" fmla="*/ 2148606 w 4992482"/>
-                <a:gd name="connsiteY8" fmla="*/ 2179637 h 4752227"/>
-                <a:gd name="connsiteX0" fmla="*/ 2264897 w 5108773"/>
-                <a:gd name="connsiteY0" fmla="*/ 2179637 h 4752227"/>
-                <a:gd name="connsiteX1" fmla="*/ 3253860 w 5108773"/>
-                <a:gd name="connsiteY1" fmla="*/ 97512 h 4752227"/>
-                <a:gd name="connsiteX2" fmla="*/ 4659227 w 5108773"/>
-                <a:gd name="connsiteY2" fmla="*/ 555579 h 4752227"/>
-                <a:gd name="connsiteX3" fmla="*/ 4919480 w 5108773"/>
-                <a:gd name="connsiteY3" fmla="*/ 1981835 h 4752227"/>
-                <a:gd name="connsiteX4" fmla="*/ 2743763 w 5108773"/>
-                <a:gd name="connsiteY4" fmla="*/ 2648115 h 4752227"/>
-                <a:gd name="connsiteX5" fmla="*/ 1900543 w 5108773"/>
-                <a:gd name="connsiteY5" fmla="*/ 4709420 h 4752227"/>
-                <a:gd name="connsiteX6" fmla="*/ 286972 w 5108773"/>
-                <a:gd name="connsiteY6" fmla="*/ 4345047 h 4752227"/>
-                <a:gd name="connsiteX7" fmla="*/ 203691 w 5108773"/>
-                <a:gd name="connsiteY7" fmla="*/ 2929203 h 4752227"/>
-                <a:gd name="connsiteX8" fmla="*/ 2264897 w 5108773"/>
-                <a:gd name="connsiteY8" fmla="*/ 2179637 h 4752227"/>
-                <a:gd name="connsiteX0" fmla="*/ 2264897 w 5108773"/>
-                <a:gd name="connsiteY0" fmla="*/ 2179637 h 4753204"/>
-                <a:gd name="connsiteX1" fmla="*/ 3253860 w 5108773"/>
-                <a:gd name="connsiteY1" fmla="*/ 97512 h 4753204"/>
-                <a:gd name="connsiteX2" fmla="*/ 4659227 w 5108773"/>
-                <a:gd name="connsiteY2" fmla="*/ 555579 h 4753204"/>
-                <a:gd name="connsiteX3" fmla="*/ 4919480 w 5108773"/>
-                <a:gd name="connsiteY3" fmla="*/ 1981835 h 4753204"/>
-                <a:gd name="connsiteX4" fmla="*/ 2743763 w 5108773"/>
-                <a:gd name="connsiteY4" fmla="*/ 2648115 h 4753204"/>
-                <a:gd name="connsiteX5" fmla="*/ 1900543 w 5108773"/>
-                <a:gd name="connsiteY5" fmla="*/ 4709420 h 4753204"/>
-                <a:gd name="connsiteX6" fmla="*/ 286972 w 5108773"/>
-                <a:gd name="connsiteY6" fmla="*/ 4345047 h 4753204"/>
-                <a:gd name="connsiteX7" fmla="*/ 203691 w 5108773"/>
-                <a:gd name="connsiteY7" fmla="*/ 2877150 h 4753204"/>
-                <a:gd name="connsiteX8" fmla="*/ 2264897 w 5108773"/>
-                <a:gd name="connsiteY8" fmla="*/ 2179637 h 4753204"/>
-                <a:gd name="connsiteX0" fmla="*/ 2264897 w 5108773"/>
-                <a:gd name="connsiteY0" fmla="*/ 2179637 h 4868233"/>
-                <a:gd name="connsiteX1" fmla="*/ 3253860 w 5108773"/>
-                <a:gd name="connsiteY1" fmla="*/ 97512 h 4868233"/>
-                <a:gd name="connsiteX2" fmla="*/ 4659227 w 5108773"/>
-                <a:gd name="connsiteY2" fmla="*/ 555579 h 4868233"/>
-                <a:gd name="connsiteX3" fmla="*/ 4919480 w 5108773"/>
-                <a:gd name="connsiteY3" fmla="*/ 1981835 h 4868233"/>
-                <a:gd name="connsiteX4" fmla="*/ 2743763 w 5108773"/>
-                <a:gd name="connsiteY4" fmla="*/ 2648115 h 4868233"/>
-                <a:gd name="connsiteX5" fmla="*/ 1900543 w 5108773"/>
-                <a:gd name="connsiteY5" fmla="*/ 4709420 h 4868233"/>
-                <a:gd name="connsiteX6" fmla="*/ 286972 w 5108773"/>
-                <a:gd name="connsiteY6" fmla="*/ 4345047 h 4868233"/>
-                <a:gd name="connsiteX7" fmla="*/ 203691 w 5108773"/>
-                <a:gd name="connsiteY7" fmla="*/ 2877150 h 4868233"/>
-                <a:gd name="connsiteX8" fmla="*/ 2264897 w 5108773"/>
-                <a:gd name="connsiteY8" fmla="*/ 2179637 h 4868233"/>
-                <a:gd name="connsiteX0" fmla="*/ 2264897 w 5114461"/>
-                <a:gd name="connsiteY0" fmla="*/ 2080413 h 4769009"/>
-                <a:gd name="connsiteX1" fmla="*/ 3087298 w 5114461"/>
-                <a:gd name="connsiteY1" fmla="*/ 112805 h 4769009"/>
-                <a:gd name="connsiteX2" fmla="*/ 4659227 w 5114461"/>
-                <a:gd name="connsiteY2" fmla="*/ 456355 h 4769009"/>
-                <a:gd name="connsiteX3" fmla="*/ 4919480 w 5114461"/>
-                <a:gd name="connsiteY3" fmla="*/ 1882611 h 4769009"/>
-                <a:gd name="connsiteX4" fmla="*/ 2743763 w 5114461"/>
-                <a:gd name="connsiteY4" fmla="*/ 2548891 h 4769009"/>
-                <a:gd name="connsiteX5" fmla="*/ 1900543 w 5114461"/>
-                <a:gd name="connsiteY5" fmla="*/ 4610196 h 4769009"/>
-                <a:gd name="connsiteX6" fmla="*/ 286972 w 5114461"/>
-                <a:gd name="connsiteY6" fmla="*/ 4245823 h 4769009"/>
-                <a:gd name="connsiteX7" fmla="*/ 203691 w 5114461"/>
-                <a:gd name="connsiteY7" fmla="*/ 2777926 h 4769009"/>
-                <a:gd name="connsiteX8" fmla="*/ 2264897 w 5114461"/>
-                <a:gd name="connsiteY8" fmla="*/ 2080413 h 4769009"/>
-                <a:gd name="connsiteX0" fmla="*/ 2264897 w 5114461"/>
-                <a:gd name="connsiteY0" fmla="*/ 2152947 h 4841543"/>
-                <a:gd name="connsiteX1" fmla="*/ 3087298 w 5114461"/>
-                <a:gd name="connsiteY1" fmla="*/ 185339 h 4841543"/>
-                <a:gd name="connsiteX2" fmla="*/ 4659227 w 5114461"/>
-                <a:gd name="connsiteY2" fmla="*/ 528889 h 4841543"/>
-                <a:gd name="connsiteX3" fmla="*/ 4919480 w 5114461"/>
-                <a:gd name="connsiteY3" fmla="*/ 1955145 h 4841543"/>
-                <a:gd name="connsiteX4" fmla="*/ 2743763 w 5114461"/>
-                <a:gd name="connsiteY4" fmla="*/ 2621425 h 4841543"/>
-                <a:gd name="connsiteX5" fmla="*/ 1900543 w 5114461"/>
-                <a:gd name="connsiteY5" fmla="*/ 4682730 h 4841543"/>
-                <a:gd name="connsiteX6" fmla="*/ 286972 w 5114461"/>
-                <a:gd name="connsiteY6" fmla="*/ 4318357 h 4841543"/>
-                <a:gd name="connsiteX7" fmla="*/ 203691 w 5114461"/>
-                <a:gd name="connsiteY7" fmla="*/ 2850460 h 4841543"/>
-                <a:gd name="connsiteX8" fmla="*/ 2264897 w 5114461"/>
-                <a:gd name="connsiteY8" fmla="*/ 2152947 h 4841543"/>
-                <a:gd name="connsiteX0" fmla="*/ 2264897 w 5112658"/>
-                <a:gd name="connsiteY0" fmla="*/ 2170256 h 4858852"/>
-                <a:gd name="connsiteX1" fmla="*/ 3139348 w 5112658"/>
-                <a:gd name="connsiteY1" fmla="*/ 181827 h 4858852"/>
-                <a:gd name="connsiteX2" fmla="*/ 4659227 w 5112658"/>
-                <a:gd name="connsiteY2" fmla="*/ 546198 h 4858852"/>
-                <a:gd name="connsiteX3" fmla="*/ 4919480 w 5112658"/>
-                <a:gd name="connsiteY3" fmla="*/ 1972454 h 4858852"/>
-                <a:gd name="connsiteX4" fmla="*/ 2743763 w 5112658"/>
-                <a:gd name="connsiteY4" fmla="*/ 2638734 h 4858852"/>
-                <a:gd name="connsiteX5" fmla="*/ 1900543 w 5112658"/>
-                <a:gd name="connsiteY5" fmla="*/ 4700039 h 4858852"/>
-                <a:gd name="connsiteX6" fmla="*/ 286972 w 5112658"/>
-                <a:gd name="connsiteY6" fmla="*/ 4335666 h 4858852"/>
-                <a:gd name="connsiteX7" fmla="*/ 203691 w 5112658"/>
-                <a:gd name="connsiteY7" fmla="*/ 2867769 h 4858852"/>
-                <a:gd name="connsiteX8" fmla="*/ 2264897 w 5112658"/>
-                <a:gd name="connsiteY8" fmla="*/ 2170256 h 4858852"/>
-                <a:gd name="connsiteX0" fmla="*/ 2264897 w 5032164"/>
-                <a:gd name="connsiteY0" fmla="*/ 2174193 h 4862789"/>
-                <a:gd name="connsiteX1" fmla="*/ 3139348 w 5032164"/>
-                <a:gd name="connsiteY1" fmla="*/ 185764 h 4862789"/>
-                <a:gd name="connsiteX2" fmla="*/ 4659227 w 5032164"/>
-                <a:gd name="connsiteY2" fmla="*/ 550135 h 4862789"/>
-                <a:gd name="connsiteX3" fmla="*/ 4815378 w 5032164"/>
-                <a:gd name="connsiteY3" fmla="*/ 2111729 h 4862789"/>
-                <a:gd name="connsiteX4" fmla="*/ 2743763 w 5032164"/>
-                <a:gd name="connsiteY4" fmla="*/ 2642671 h 4862789"/>
-                <a:gd name="connsiteX5" fmla="*/ 1900543 w 5032164"/>
-                <a:gd name="connsiteY5" fmla="*/ 4703976 h 4862789"/>
-                <a:gd name="connsiteX6" fmla="*/ 286972 w 5032164"/>
-                <a:gd name="connsiteY6" fmla="*/ 4339603 h 4862789"/>
-                <a:gd name="connsiteX7" fmla="*/ 203691 w 5032164"/>
-                <a:gd name="connsiteY7" fmla="*/ 2871706 h 4862789"/>
-                <a:gd name="connsiteX8" fmla="*/ 2264897 w 5032164"/>
-                <a:gd name="connsiteY8" fmla="*/ 2174193 h 4862789"/>
-                <a:gd name="connsiteX0" fmla="*/ 2264897 w 5032164"/>
-                <a:gd name="connsiteY0" fmla="*/ 2174193 h 4862789"/>
-                <a:gd name="connsiteX1" fmla="*/ 3139348 w 5032164"/>
-                <a:gd name="connsiteY1" fmla="*/ 185764 h 4862789"/>
-                <a:gd name="connsiteX2" fmla="*/ 4659227 w 5032164"/>
-                <a:gd name="connsiteY2" fmla="*/ 550135 h 4862789"/>
-                <a:gd name="connsiteX3" fmla="*/ 4815378 w 5032164"/>
-                <a:gd name="connsiteY3" fmla="*/ 2111729 h 4862789"/>
-                <a:gd name="connsiteX4" fmla="*/ 2743763 w 5032164"/>
-                <a:gd name="connsiteY4" fmla="*/ 2642671 h 4862789"/>
-                <a:gd name="connsiteX5" fmla="*/ 1900543 w 5032164"/>
-                <a:gd name="connsiteY5" fmla="*/ 4703976 h 4862789"/>
-                <a:gd name="connsiteX6" fmla="*/ 286972 w 5032164"/>
-                <a:gd name="connsiteY6" fmla="*/ 4339603 h 4862789"/>
-                <a:gd name="connsiteX7" fmla="*/ 203691 w 5032164"/>
-                <a:gd name="connsiteY7" fmla="*/ 2871706 h 4862789"/>
-                <a:gd name="connsiteX8" fmla="*/ 2264897 w 5032164"/>
-                <a:gd name="connsiteY8" fmla="*/ 2174193 h 4862789"/>
-                <a:gd name="connsiteX0" fmla="*/ 2264897 w 5032164"/>
-                <a:gd name="connsiteY0" fmla="*/ 2174193 h 4862789"/>
-                <a:gd name="connsiteX1" fmla="*/ 3139348 w 5032164"/>
-                <a:gd name="connsiteY1" fmla="*/ 185764 h 4862789"/>
-                <a:gd name="connsiteX2" fmla="*/ 4659227 w 5032164"/>
-                <a:gd name="connsiteY2" fmla="*/ 550135 h 4862789"/>
-                <a:gd name="connsiteX3" fmla="*/ 4815378 w 5032164"/>
-                <a:gd name="connsiteY3" fmla="*/ 2111729 h 4862789"/>
-                <a:gd name="connsiteX4" fmla="*/ 2743763 w 5032164"/>
-                <a:gd name="connsiteY4" fmla="*/ 2642671 h 4862789"/>
-                <a:gd name="connsiteX5" fmla="*/ 1900543 w 5032164"/>
-                <a:gd name="connsiteY5" fmla="*/ 4703976 h 4862789"/>
-                <a:gd name="connsiteX6" fmla="*/ 286972 w 5032164"/>
-                <a:gd name="connsiteY6" fmla="*/ 4339603 h 4862789"/>
-                <a:gd name="connsiteX7" fmla="*/ 203691 w 5032164"/>
-                <a:gd name="connsiteY7" fmla="*/ 2871706 h 4862789"/>
-                <a:gd name="connsiteX8" fmla="*/ 2264897 w 5032164"/>
-                <a:gd name="connsiteY8" fmla="*/ 2174193 h 4862789"/>
-                <a:gd name="connsiteX0" fmla="*/ 2264897 w 5032164"/>
-                <a:gd name="connsiteY0" fmla="*/ 2174193 h 4862789"/>
-                <a:gd name="connsiteX1" fmla="*/ 3139348 w 5032164"/>
-                <a:gd name="connsiteY1" fmla="*/ 185764 h 4862789"/>
-                <a:gd name="connsiteX2" fmla="*/ 4659227 w 5032164"/>
-                <a:gd name="connsiteY2" fmla="*/ 550135 h 4862789"/>
-                <a:gd name="connsiteX3" fmla="*/ 4815378 w 5032164"/>
-                <a:gd name="connsiteY3" fmla="*/ 2111729 h 4862789"/>
-                <a:gd name="connsiteX4" fmla="*/ 2743763 w 5032164"/>
-                <a:gd name="connsiteY4" fmla="*/ 2642671 h 4862789"/>
-                <a:gd name="connsiteX5" fmla="*/ 1900543 w 5032164"/>
-                <a:gd name="connsiteY5" fmla="*/ 4703976 h 4862789"/>
-                <a:gd name="connsiteX6" fmla="*/ 286972 w 5032164"/>
-                <a:gd name="connsiteY6" fmla="*/ 4339603 h 4862789"/>
-                <a:gd name="connsiteX7" fmla="*/ 203691 w 5032164"/>
-                <a:gd name="connsiteY7" fmla="*/ 2871706 h 4862789"/>
-                <a:gd name="connsiteX8" fmla="*/ 2264897 w 5032164"/>
-                <a:gd name="connsiteY8" fmla="*/ 2174193 h 4862789"/>
-                <a:gd name="connsiteX0" fmla="*/ 2264897 w 5032164"/>
-                <a:gd name="connsiteY0" fmla="*/ 2174193 h 4862789"/>
-                <a:gd name="connsiteX1" fmla="*/ 3139348 w 5032164"/>
-                <a:gd name="connsiteY1" fmla="*/ 185764 h 4862789"/>
-                <a:gd name="connsiteX2" fmla="*/ 4659227 w 5032164"/>
-                <a:gd name="connsiteY2" fmla="*/ 550135 h 4862789"/>
-                <a:gd name="connsiteX3" fmla="*/ 4815378 w 5032164"/>
-                <a:gd name="connsiteY3" fmla="*/ 2111729 h 4862789"/>
-                <a:gd name="connsiteX4" fmla="*/ 2743763 w 5032164"/>
-                <a:gd name="connsiteY4" fmla="*/ 2642671 h 4862789"/>
-                <a:gd name="connsiteX5" fmla="*/ 1900543 w 5032164"/>
-                <a:gd name="connsiteY5" fmla="*/ 4703976 h 4862789"/>
-                <a:gd name="connsiteX6" fmla="*/ 286972 w 5032164"/>
-                <a:gd name="connsiteY6" fmla="*/ 4339603 h 4862789"/>
-                <a:gd name="connsiteX7" fmla="*/ 203691 w 5032164"/>
-                <a:gd name="connsiteY7" fmla="*/ 2871706 h 4862789"/>
-                <a:gd name="connsiteX8" fmla="*/ 2264897 w 5032164"/>
-                <a:gd name="connsiteY8" fmla="*/ 2174193 h 4862789"/>
-                <a:gd name="connsiteX0" fmla="*/ 2264897 w 5032164"/>
-                <a:gd name="connsiteY0" fmla="*/ 2174193 h 4862789"/>
-                <a:gd name="connsiteX1" fmla="*/ 3139348 w 5032164"/>
-                <a:gd name="connsiteY1" fmla="*/ 185764 h 4862789"/>
-                <a:gd name="connsiteX2" fmla="*/ 4659227 w 5032164"/>
-                <a:gd name="connsiteY2" fmla="*/ 550135 h 4862789"/>
-                <a:gd name="connsiteX3" fmla="*/ 4815378 w 5032164"/>
-                <a:gd name="connsiteY3" fmla="*/ 2111729 h 4862789"/>
-                <a:gd name="connsiteX4" fmla="*/ 2743763 w 5032164"/>
-                <a:gd name="connsiteY4" fmla="*/ 2642671 h 4862789"/>
-                <a:gd name="connsiteX5" fmla="*/ 1900543 w 5032164"/>
-                <a:gd name="connsiteY5" fmla="*/ 4703976 h 4862789"/>
-                <a:gd name="connsiteX6" fmla="*/ 286972 w 5032164"/>
-                <a:gd name="connsiteY6" fmla="*/ 4339603 h 4862789"/>
-                <a:gd name="connsiteX7" fmla="*/ 203691 w 5032164"/>
-                <a:gd name="connsiteY7" fmla="*/ 2871706 h 4862789"/>
-                <a:gd name="connsiteX8" fmla="*/ 2264897 w 5032164"/>
-                <a:gd name="connsiteY8" fmla="*/ 2174193 h 4862789"/>
-                <a:gd name="connsiteX0" fmla="*/ 2264897 w 5032164"/>
-                <a:gd name="connsiteY0" fmla="*/ 2174193 h 4862789"/>
-                <a:gd name="connsiteX1" fmla="*/ 3139348 w 5032164"/>
-                <a:gd name="connsiteY1" fmla="*/ 185764 h 4862789"/>
-                <a:gd name="connsiteX2" fmla="*/ 4659227 w 5032164"/>
-                <a:gd name="connsiteY2" fmla="*/ 550135 h 4862789"/>
-                <a:gd name="connsiteX3" fmla="*/ 4815378 w 5032164"/>
-                <a:gd name="connsiteY3" fmla="*/ 2111729 h 4862789"/>
-                <a:gd name="connsiteX4" fmla="*/ 2743763 w 5032164"/>
-                <a:gd name="connsiteY4" fmla="*/ 2642671 h 4862789"/>
-                <a:gd name="connsiteX5" fmla="*/ 1900543 w 5032164"/>
-                <a:gd name="connsiteY5" fmla="*/ 4703976 h 4862789"/>
-                <a:gd name="connsiteX6" fmla="*/ 286972 w 5032164"/>
-                <a:gd name="connsiteY6" fmla="*/ 4339603 h 4862789"/>
-                <a:gd name="connsiteX7" fmla="*/ 203691 w 5032164"/>
-                <a:gd name="connsiteY7" fmla="*/ 2871706 h 4862789"/>
-                <a:gd name="connsiteX8" fmla="*/ 2264897 w 5032164"/>
-                <a:gd name="connsiteY8" fmla="*/ 2174193 h 4862789"/>
-                <a:gd name="connsiteX0" fmla="*/ 2264897 w 5032164"/>
-                <a:gd name="connsiteY0" fmla="*/ 2174193 h 4862789"/>
-                <a:gd name="connsiteX1" fmla="*/ 3139348 w 5032164"/>
-                <a:gd name="connsiteY1" fmla="*/ 185764 h 4862789"/>
-                <a:gd name="connsiteX2" fmla="*/ 4659227 w 5032164"/>
-                <a:gd name="connsiteY2" fmla="*/ 550135 h 4862789"/>
-                <a:gd name="connsiteX3" fmla="*/ 4815378 w 5032164"/>
-                <a:gd name="connsiteY3" fmla="*/ 2111729 h 4862789"/>
-                <a:gd name="connsiteX4" fmla="*/ 2743763 w 5032164"/>
-                <a:gd name="connsiteY4" fmla="*/ 2642671 h 4862789"/>
-                <a:gd name="connsiteX5" fmla="*/ 1900543 w 5032164"/>
-                <a:gd name="connsiteY5" fmla="*/ 4703976 h 4862789"/>
-                <a:gd name="connsiteX6" fmla="*/ 286972 w 5032164"/>
-                <a:gd name="connsiteY6" fmla="*/ 4339603 h 4862789"/>
-                <a:gd name="connsiteX7" fmla="*/ 203691 w 5032164"/>
-                <a:gd name="connsiteY7" fmla="*/ 2871706 h 4862789"/>
-                <a:gd name="connsiteX8" fmla="*/ 2264897 w 5032164"/>
-                <a:gd name="connsiteY8" fmla="*/ 2174193 h 4862789"/>
-                <a:gd name="connsiteX0" fmla="*/ 2264897 w 5024402"/>
-                <a:gd name="connsiteY0" fmla="*/ 2173274 h 4861870"/>
-                <a:gd name="connsiteX1" fmla="*/ 3139348 w 5024402"/>
-                <a:gd name="connsiteY1" fmla="*/ 184845 h 4861870"/>
-                <a:gd name="connsiteX2" fmla="*/ 4659227 w 5024402"/>
-                <a:gd name="connsiteY2" fmla="*/ 549216 h 4861870"/>
-                <a:gd name="connsiteX3" fmla="*/ 4804968 w 5024402"/>
-                <a:gd name="connsiteY3" fmla="*/ 2079578 h 4861870"/>
-                <a:gd name="connsiteX4" fmla="*/ 2743763 w 5024402"/>
-                <a:gd name="connsiteY4" fmla="*/ 2641752 h 4861870"/>
-                <a:gd name="connsiteX5" fmla="*/ 1900543 w 5024402"/>
-                <a:gd name="connsiteY5" fmla="*/ 4703057 h 4861870"/>
-                <a:gd name="connsiteX6" fmla="*/ 286972 w 5024402"/>
-                <a:gd name="connsiteY6" fmla="*/ 4338684 h 4861870"/>
-                <a:gd name="connsiteX7" fmla="*/ 203691 w 5024402"/>
-                <a:gd name="connsiteY7" fmla="*/ 2870787 h 4861870"/>
-                <a:gd name="connsiteX8" fmla="*/ 2264897 w 5024402"/>
-                <a:gd name="connsiteY8" fmla="*/ 2173274 h 4861870"/>
-                <a:gd name="connsiteX0" fmla="*/ 2264897 w 5024402"/>
-                <a:gd name="connsiteY0" fmla="*/ 2173274 h 4861870"/>
-                <a:gd name="connsiteX1" fmla="*/ 3139348 w 5024402"/>
-                <a:gd name="connsiteY1" fmla="*/ 184845 h 4861870"/>
-                <a:gd name="connsiteX2" fmla="*/ 4659227 w 5024402"/>
-                <a:gd name="connsiteY2" fmla="*/ 549216 h 4861870"/>
-                <a:gd name="connsiteX3" fmla="*/ 4804968 w 5024402"/>
-                <a:gd name="connsiteY3" fmla="*/ 2079578 h 4861870"/>
-                <a:gd name="connsiteX4" fmla="*/ 2743763 w 5024402"/>
-                <a:gd name="connsiteY4" fmla="*/ 2641752 h 4861870"/>
-                <a:gd name="connsiteX5" fmla="*/ 1900543 w 5024402"/>
-                <a:gd name="connsiteY5" fmla="*/ 4703057 h 4861870"/>
-                <a:gd name="connsiteX6" fmla="*/ 286972 w 5024402"/>
-                <a:gd name="connsiteY6" fmla="*/ 4338684 h 4861870"/>
-                <a:gd name="connsiteX7" fmla="*/ 203691 w 5024402"/>
-                <a:gd name="connsiteY7" fmla="*/ 2870787 h 4861870"/>
-                <a:gd name="connsiteX8" fmla="*/ 2264897 w 5024402"/>
-                <a:gd name="connsiteY8" fmla="*/ 2173274 h 4861870"/>
-                <a:gd name="connsiteX0" fmla="*/ 2264897 w 5024402"/>
-                <a:gd name="connsiteY0" fmla="*/ 2173274 h 4861870"/>
-                <a:gd name="connsiteX1" fmla="*/ 3139348 w 5024402"/>
-                <a:gd name="connsiteY1" fmla="*/ 184845 h 4861870"/>
-                <a:gd name="connsiteX2" fmla="*/ 4659227 w 5024402"/>
-                <a:gd name="connsiteY2" fmla="*/ 549216 h 4861870"/>
-                <a:gd name="connsiteX3" fmla="*/ 4804968 w 5024402"/>
-                <a:gd name="connsiteY3" fmla="*/ 2079578 h 4861870"/>
-                <a:gd name="connsiteX4" fmla="*/ 2743763 w 5024402"/>
-                <a:gd name="connsiteY4" fmla="*/ 2641752 h 4861870"/>
-                <a:gd name="connsiteX5" fmla="*/ 1900543 w 5024402"/>
-                <a:gd name="connsiteY5" fmla="*/ 4703057 h 4861870"/>
-                <a:gd name="connsiteX6" fmla="*/ 286972 w 5024402"/>
-                <a:gd name="connsiteY6" fmla="*/ 4338684 h 4861870"/>
-                <a:gd name="connsiteX7" fmla="*/ 203691 w 5024402"/>
-                <a:gd name="connsiteY7" fmla="*/ 2870787 h 4861870"/>
-                <a:gd name="connsiteX8" fmla="*/ 2264897 w 5024402"/>
-                <a:gd name="connsiteY8" fmla="*/ 2173274 h 4861870"/>
-                <a:gd name="connsiteX0" fmla="*/ 2264897 w 5024402"/>
-                <a:gd name="connsiteY0" fmla="*/ 2173274 h 4861870"/>
-                <a:gd name="connsiteX1" fmla="*/ 3139348 w 5024402"/>
-                <a:gd name="connsiteY1" fmla="*/ 184845 h 4861870"/>
-                <a:gd name="connsiteX2" fmla="*/ 4659227 w 5024402"/>
-                <a:gd name="connsiteY2" fmla="*/ 549216 h 4861870"/>
-                <a:gd name="connsiteX3" fmla="*/ 4804968 w 5024402"/>
-                <a:gd name="connsiteY3" fmla="*/ 2079578 h 4861870"/>
-                <a:gd name="connsiteX4" fmla="*/ 2743763 w 5024402"/>
-                <a:gd name="connsiteY4" fmla="*/ 2641752 h 4861870"/>
-                <a:gd name="connsiteX5" fmla="*/ 1900543 w 5024402"/>
-                <a:gd name="connsiteY5" fmla="*/ 4703057 h 4861870"/>
-                <a:gd name="connsiteX6" fmla="*/ 286972 w 5024402"/>
-                <a:gd name="connsiteY6" fmla="*/ 4338684 h 4861870"/>
-                <a:gd name="connsiteX7" fmla="*/ 203691 w 5024402"/>
-                <a:gd name="connsiteY7" fmla="*/ 2870787 h 4861870"/>
-                <a:gd name="connsiteX8" fmla="*/ 2264897 w 5024402"/>
-                <a:gd name="connsiteY8" fmla="*/ 2173274 h 4861870"/>
-                <a:gd name="connsiteX0" fmla="*/ 2240504 w 5000009"/>
-                <a:gd name="connsiteY0" fmla="*/ 2173274 h 4854292"/>
-                <a:gd name="connsiteX1" fmla="*/ 3114955 w 5000009"/>
-                <a:gd name="connsiteY1" fmla="*/ 184845 h 4854292"/>
-                <a:gd name="connsiteX2" fmla="*/ 4634834 w 5000009"/>
-                <a:gd name="connsiteY2" fmla="*/ 549216 h 4854292"/>
-                <a:gd name="connsiteX3" fmla="*/ 4780575 w 5000009"/>
-                <a:gd name="connsiteY3" fmla="*/ 2079578 h 4854292"/>
-                <a:gd name="connsiteX4" fmla="*/ 2719370 w 5000009"/>
-                <a:gd name="connsiteY4" fmla="*/ 2641752 h 4854292"/>
-                <a:gd name="connsiteX5" fmla="*/ 1876150 w 5000009"/>
-                <a:gd name="connsiteY5" fmla="*/ 4703057 h 4854292"/>
-                <a:gd name="connsiteX6" fmla="*/ 335450 w 5000009"/>
-                <a:gd name="connsiteY6" fmla="*/ 4297042 h 4854292"/>
-                <a:gd name="connsiteX7" fmla="*/ 179298 w 5000009"/>
-                <a:gd name="connsiteY7" fmla="*/ 2870787 h 4854292"/>
-                <a:gd name="connsiteX8" fmla="*/ 2240504 w 5000009"/>
-                <a:gd name="connsiteY8" fmla="*/ 2173274 h 4854292"/>
-                <a:gd name="connsiteX0" fmla="*/ 2253840 w 5013345"/>
-                <a:gd name="connsiteY0" fmla="*/ 2173274 h 4856123"/>
-                <a:gd name="connsiteX1" fmla="*/ 3128291 w 5013345"/>
-                <a:gd name="connsiteY1" fmla="*/ 184845 h 4856123"/>
-                <a:gd name="connsiteX2" fmla="*/ 4648170 w 5013345"/>
-                <a:gd name="connsiteY2" fmla="*/ 549216 h 4856123"/>
-                <a:gd name="connsiteX3" fmla="*/ 4793911 w 5013345"/>
-                <a:gd name="connsiteY3" fmla="*/ 2079578 h 4856123"/>
-                <a:gd name="connsiteX4" fmla="*/ 2732706 w 5013345"/>
-                <a:gd name="connsiteY4" fmla="*/ 2641752 h 4856123"/>
-                <a:gd name="connsiteX5" fmla="*/ 1889486 w 5013345"/>
-                <a:gd name="connsiteY5" fmla="*/ 4703057 h 4856123"/>
-                <a:gd name="connsiteX6" fmla="*/ 307145 w 5013345"/>
-                <a:gd name="connsiteY6" fmla="*/ 4307452 h 4856123"/>
-                <a:gd name="connsiteX7" fmla="*/ 192634 w 5013345"/>
-                <a:gd name="connsiteY7" fmla="*/ 2870787 h 4856123"/>
-                <a:gd name="connsiteX8" fmla="*/ 2253840 w 5013345"/>
-                <a:gd name="connsiteY8" fmla="*/ 2173274 h 4856123"/>
-                <a:gd name="connsiteX0" fmla="*/ 2253840 w 5013345"/>
-                <a:gd name="connsiteY0" fmla="*/ 2173274 h 4856123"/>
-                <a:gd name="connsiteX1" fmla="*/ 3128291 w 5013345"/>
-                <a:gd name="connsiteY1" fmla="*/ 184845 h 4856123"/>
-                <a:gd name="connsiteX2" fmla="*/ 4648170 w 5013345"/>
-                <a:gd name="connsiteY2" fmla="*/ 549216 h 4856123"/>
-                <a:gd name="connsiteX3" fmla="*/ 4793911 w 5013345"/>
-                <a:gd name="connsiteY3" fmla="*/ 2079578 h 4856123"/>
-                <a:gd name="connsiteX4" fmla="*/ 2732706 w 5013345"/>
-                <a:gd name="connsiteY4" fmla="*/ 2641752 h 4856123"/>
-                <a:gd name="connsiteX5" fmla="*/ 1889486 w 5013345"/>
-                <a:gd name="connsiteY5" fmla="*/ 4703057 h 4856123"/>
-                <a:gd name="connsiteX6" fmla="*/ 307145 w 5013345"/>
-                <a:gd name="connsiteY6" fmla="*/ 4307452 h 4856123"/>
-                <a:gd name="connsiteX7" fmla="*/ 192634 w 5013345"/>
-                <a:gd name="connsiteY7" fmla="*/ 2870787 h 4856123"/>
-                <a:gd name="connsiteX8" fmla="*/ 2253840 w 5013345"/>
-                <a:gd name="connsiteY8" fmla="*/ 2173274 h 4856123"/>
-              </a:gdLst>
-              <a:ahLst/>
-              <a:cxnLst>
-                <a:cxn ang="0">
-                  <a:pos x="connsiteX0" y="connsiteY0"/>
-                </a:cxn>
-                <a:cxn ang="0">
-                  <a:pos x="connsiteX1" y="connsiteY1"/>
-                </a:cxn>
-                <a:cxn ang="0">
-                  <a:pos x="connsiteX2" y="connsiteY2"/>
-                </a:cxn>
-                <a:cxn ang="0">
-                  <a:pos x="connsiteX3" y="connsiteY3"/>
-                </a:cxn>
-                <a:cxn ang="0">
-                  <a:pos x="connsiteX4" y="connsiteY4"/>
-                </a:cxn>
-                <a:cxn ang="0">
-                  <a:pos x="connsiteX5" y="connsiteY5"/>
-                </a:cxn>
-                <a:cxn ang="0">
-                  <a:pos x="connsiteX6" y="connsiteY6"/>
-                </a:cxn>
-                <a:cxn ang="0">
-                  <a:pos x="connsiteX7" y="connsiteY7"/>
-                </a:cxn>
-                <a:cxn ang="0">
-                  <a:pos x="connsiteX8" y="connsiteY8"/>
-                </a:cxn>
-              </a:cxnLst>
-              <a:rect l="l" t="t" r="r" b="b"/>
-              <a:pathLst>
-                <a:path w="5013345" h="4856123">
-                  <a:moveTo>
-                    <a:pt x="2253840" y="2173274"/>
-                  </a:moveTo>
-                  <a:cubicBezTo>
-                    <a:pt x="2743116" y="1725617"/>
-                    <a:pt x="2451632" y="656794"/>
-                    <a:pt x="3128291" y="184845"/>
-                  </a:cubicBezTo>
-                  <a:cubicBezTo>
-                    <a:pt x="3804950" y="-276693"/>
-                    <a:pt x="4370567" y="233427"/>
-                    <a:pt x="4648170" y="549216"/>
-                  </a:cubicBezTo>
-                  <a:cubicBezTo>
-                    <a:pt x="4925773" y="865005"/>
-                    <a:pt x="5231135" y="1555576"/>
-                    <a:pt x="4793911" y="2079578"/>
-                  </a:cubicBezTo>
-                  <a:cubicBezTo>
-                    <a:pt x="4138074" y="2770150"/>
-                    <a:pt x="3218512" y="2209711"/>
-                    <a:pt x="2732706" y="2641752"/>
-                  </a:cubicBezTo>
-                  <a:cubicBezTo>
-                    <a:pt x="2246900" y="3073793"/>
-                    <a:pt x="2673715" y="4109652"/>
-                    <a:pt x="1889486" y="4703057"/>
-                  </a:cubicBezTo>
-                  <a:cubicBezTo>
-                    <a:pt x="1344690" y="5109071"/>
-                    <a:pt x="589954" y="4612830"/>
-                    <a:pt x="307145" y="4307452"/>
-                  </a:cubicBezTo>
-                  <a:cubicBezTo>
-                    <a:pt x="24336" y="4002074"/>
-                    <a:pt x="-157841" y="3304564"/>
-                    <a:pt x="192634" y="2870787"/>
-                  </a:cubicBezTo>
-                  <a:cubicBezTo>
-                    <a:pt x="782542" y="2093459"/>
-                    <a:pt x="1764564" y="2620931"/>
-                    <a:pt x="2253840" y="2173274"/>
-                  </a:cubicBezTo>
-                  <a:close/>
-                </a:path>
-              </a:pathLst>
-            </a:custGeom>
-            <a:solidFill>
-              <a:srgbClr val="000000"/>
-            </a:solidFill>
-            <a:ln w="76200" cmpd="sng">
-              <a:solidFill>
-                <a:srgbClr val="5592EC"/>
-              </a:solidFill>
-            </a:ln>
-          </p:spPr>
-          <p:style>
-            <a:lnRef idx="2">
-              <a:schemeClr val="accent1">
-                <a:shade val="50000"/>
-              </a:schemeClr>
-            </a:lnRef>
-            <a:fillRef idx="1">
-              <a:schemeClr val="accent1"/>
-            </a:fillRef>
-            <a:effectRef idx="0">
-              <a:schemeClr val="accent1"/>
-            </a:effectRef>
-            <a:fontRef idx="minor">
-              <a:schemeClr val="lt1"/>
-            </a:fontRef>
-          </p:style>
-          <p:txBody>
-            <a:bodyPr rtlCol="0" anchor="ctr"/>
-            <a:lstStyle/>
-            <a:p>
-              <a:pPr algn="ctr"/>
-              <a:endParaRPr lang="en-US"/>
-            </a:p>
-          </p:txBody>
-        </p:sp>
-        <p:sp>
-          <p:nvSpPr>
-            <p:cNvPr id="4" name="Freeform 3"/>
-            <p:cNvSpPr/>
-            <p:nvPr/>
-          </p:nvSpPr>
-          <p:spPr>
-            <a:xfrm>
-              <a:off x="-337695" y="4112197"/>
-              <a:ext cx="728709" cy="749565"/>
-            </a:xfrm>
-            <a:custGeom>
-              <a:avLst/>
-              <a:gdLst>
-                <a:gd name="connsiteX0" fmla="*/ 0 w 728709"/>
-                <a:gd name="connsiteY0" fmla="*/ 333140 h 749565"/>
-                <a:gd name="connsiteX1" fmla="*/ 728709 w 728709"/>
-                <a:gd name="connsiteY1" fmla="*/ 0 h 749565"/>
-                <a:gd name="connsiteX2" fmla="*/ 385175 w 728709"/>
-                <a:gd name="connsiteY2" fmla="*/ 749565 h 749565"/>
-              </a:gdLst>
-              <a:ahLst/>
-              <a:cxnLst>
-                <a:cxn ang="0">
-                  <a:pos x="connsiteX0" y="connsiteY0"/>
-                </a:cxn>
-                <a:cxn ang="0">
-                  <a:pos x="connsiteX1" y="connsiteY1"/>
-                </a:cxn>
-                <a:cxn ang="0">
-                  <a:pos x="connsiteX2" y="connsiteY2"/>
-                </a:cxn>
-              </a:cxnLst>
-              <a:rect l="l" t="t" r="r" b="b"/>
-              <a:pathLst>
-                <a:path w="728709" h="749565">
-                  <a:moveTo>
-                    <a:pt x="0" y="333140"/>
-                  </a:moveTo>
-                  <a:lnTo>
-                    <a:pt x="728709" y="0"/>
-                  </a:lnTo>
-                  <a:lnTo>
-                    <a:pt x="385175" y="749565"/>
-                  </a:lnTo>
-                </a:path>
-              </a:pathLst>
-            </a:custGeom>
-            <a:ln w="76200" cap="rnd" cmpd="sng">
-              <a:solidFill>
-                <a:schemeClr val="bg1"/>
-              </a:solidFill>
-            </a:ln>
-            <a:effectLst/>
-          </p:spPr>
-          <p:style>
-            <a:lnRef idx="2">
-              <a:schemeClr val="accent1"/>
-            </a:lnRef>
-            <a:fillRef idx="0">
-              <a:schemeClr val="accent1"/>
-            </a:fillRef>
-            <a:effectRef idx="1">
-              <a:schemeClr val="accent1"/>
-            </a:effectRef>
-            <a:fontRef idx="minor">
-              <a:schemeClr val="tx1"/>
-            </a:fontRef>
-          </p:style>
-          <p:txBody>
-            <a:bodyPr rtlCol="0" anchor="ctr"/>
-            <a:lstStyle/>
-            <a:p>
-              <a:pPr algn="ctr"/>
-              <a:endParaRPr lang="en-US"/>
-            </a:p>
-          </p:txBody>
-        </p:sp>
-        <p:cxnSp>
-          <p:nvCxnSpPr>
-            <p:cNvPr id="5" name="Straight Connector 4"/>
-            <p:cNvCxnSpPr/>
-            <p:nvPr/>
-          </p:nvCxnSpPr>
-          <p:spPr>
-            <a:xfrm flipV="1">
-              <a:off x="849060" y="3799879"/>
-              <a:ext cx="458046" cy="458067"/>
-            </a:xfrm>
-            <a:prstGeom prst="line">
-              <a:avLst/>
-            </a:prstGeom>
-            <a:ln w="76200" cap="rnd" cmpd="sng">
-              <a:solidFill>
-                <a:schemeClr val="bg1"/>
-              </a:solidFill>
-            </a:ln>
-            <a:effectLst/>
-          </p:spPr>
-          <p:style>
-            <a:lnRef idx="2">
-              <a:schemeClr val="accent1"/>
-            </a:lnRef>
-            <a:fillRef idx="0">
-              <a:schemeClr val="accent1"/>
-            </a:fillRef>
-            <a:effectRef idx="1">
-              <a:schemeClr val="accent1"/>
-            </a:effectRef>
-            <a:fontRef idx="minor">
-              <a:schemeClr val="tx1"/>
-            </a:fontRef>
-          </p:style>
-        </p:cxnSp>
-      </p:grpSp>
       <p:sp>
         <p:nvSpPr>
           <p:cNvPr id="6" name="TextBox 5"/>
@@ -19275,7 +18225,7 @@
         </p:nvSpPr>
         <p:spPr>
           <a:xfrm>
-            <a:off x="3792274" y="3114592"/>
+            <a:off x="3167666" y="4371020"/>
             <a:ext cx="2932086" cy="369332"/>
           </a:xfrm>
           <a:prstGeom prst="rect">
@@ -19345,6 +18295,30 @@
           </a:p>
         </p:txBody>
       </p:sp>
+      <p:pic>
+        <p:nvPicPr>
+          <p:cNvPr id="8" name="Picture 7"/>
+          <p:cNvPicPr>
+            <a:picLocks noChangeAspect="1"/>
+          </p:cNvPicPr>
+          <p:nvPr/>
+        </p:nvPicPr>
+        <p:blipFill>
+          <a:blip r:embed="rId2"/>
+          <a:stretch>
+            <a:fillRect/>
+          </a:stretch>
+        </p:blipFill>
+        <p:spPr>
+          <a:xfrm>
+            <a:off x="2714930" y="1518362"/>
+            <a:ext cx="3557831" cy="3557831"/>
+          </a:xfrm>
+          <a:prstGeom prst="rect">
+            <a:avLst/>
+          </a:prstGeom>
+        </p:spPr>
+      </p:pic>
     </p:spTree>
     <p:extLst>
       <p:ext uri="{BB962C8B-B14F-4D97-AF65-F5344CB8AC3E}">
@@ -52579,1056 +51553,6 @@
           </a:p>
         </p:txBody>
       </p:sp>
-      <p:grpSp>
-        <p:nvGrpSpPr>
-          <p:cNvPr id="5" name="Group 4"/>
-          <p:cNvGrpSpPr/>
-          <p:nvPr/>
-        </p:nvGrpSpPr>
-        <p:grpSpPr>
-          <a:xfrm>
-            <a:off x="2295612" y="4629606"/>
-            <a:ext cx="1361765" cy="1319059"/>
-            <a:chOff x="-853044" y="918684"/>
-            <a:chExt cx="5013345" cy="4856123"/>
-          </a:xfrm>
-        </p:grpSpPr>
-        <p:sp>
-          <p:nvSpPr>
-            <p:cNvPr id="6" name="Freeform 5"/>
-            <p:cNvSpPr/>
-            <p:nvPr/>
-          </p:nvSpPr>
-          <p:spPr>
-            <a:xfrm>
-              <a:off x="-853044" y="918684"/>
-              <a:ext cx="5013345" cy="4856123"/>
-            </a:xfrm>
-            <a:custGeom>
-              <a:avLst/>
-              <a:gdLst>
-                <a:gd name="connsiteX0" fmla="*/ 2342280 w 5038504"/>
-                <a:gd name="connsiteY0" fmla="*/ 2082125 h 4809709"/>
-                <a:gd name="connsiteX1" fmla="*/ 3331243 w 5038504"/>
-                <a:gd name="connsiteY1" fmla="*/ 0 h 4809709"/>
-                <a:gd name="connsiteX2" fmla="*/ 4736610 w 5038504"/>
-                <a:gd name="connsiteY2" fmla="*/ 458067 h 4809709"/>
-                <a:gd name="connsiteX3" fmla="*/ 5038504 w 5038504"/>
-                <a:gd name="connsiteY3" fmla="*/ 1790627 h 4809709"/>
-                <a:gd name="connsiteX4" fmla="*/ 2821146 w 5038504"/>
-                <a:gd name="connsiteY4" fmla="*/ 2550603 h 4809709"/>
-                <a:gd name="connsiteX5" fmla="*/ 1467829 w 5038504"/>
-                <a:gd name="connsiteY5" fmla="*/ 4809709 h 4809709"/>
-                <a:gd name="connsiteX6" fmla="*/ 364355 w 5038504"/>
-                <a:gd name="connsiteY6" fmla="*/ 4247535 h 4809709"/>
-                <a:gd name="connsiteX7" fmla="*/ 0 w 5038504"/>
-                <a:gd name="connsiteY7" fmla="*/ 3206473 h 4809709"/>
-                <a:gd name="connsiteX8" fmla="*/ 2342280 w 5038504"/>
-                <a:gd name="connsiteY8" fmla="*/ 2082125 h 4809709"/>
-                <a:gd name="connsiteX0" fmla="*/ 2342280 w 5038504"/>
-                <a:gd name="connsiteY0" fmla="*/ 2082125 h 4809709"/>
-                <a:gd name="connsiteX1" fmla="*/ 3331243 w 5038504"/>
-                <a:gd name="connsiteY1" fmla="*/ 0 h 4809709"/>
-                <a:gd name="connsiteX2" fmla="*/ 4736610 w 5038504"/>
-                <a:gd name="connsiteY2" fmla="*/ 458067 h 4809709"/>
-                <a:gd name="connsiteX3" fmla="*/ 5038504 w 5038504"/>
-                <a:gd name="connsiteY3" fmla="*/ 1790627 h 4809709"/>
-                <a:gd name="connsiteX4" fmla="*/ 2821146 w 5038504"/>
-                <a:gd name="connsiteY4" fmla="*/ 2550603 h 4809709"/>
-                <a:gd name="connsiteX5" fmla="*/ 1467829 w 5038504"/>
-                <a:gd name="connsiteY5" fmla="*/ 4809709 h 4809709"/>
-                <a:gd name="connsiteX6" fmla="*/ 364355 w 5038504"/>
-                <a:gd name="connsiteY6" fmla="*/ 4247535 h 4809709"/>
-                <a:gd name="connsiteX7" fmla="*/ 0 w 5038504"/>
-                <a:gd name="connsiteY7" fmla="*/ 3206473 h 4809709"/>
-                <a:gd name="connsiteX8" fmla="*/ 2342280 w 5038504"/>
-                <a:gd name="connsiteY8" fmla="*/ 2082125 h 4809709"/>
-                <a:gd name="connsiteX0" fmla="*/ 2342280 w 5038504"/>
-                <a:gd name="connsiteY0" fmla="*/ 2091783 h 4819367"/>
-                <a:gd name="connsiteX1" fmla="*/ 3331243 w 5038504"/>
-                <a:gd name="connsiteY1" fmla="*/ 9658 h 4819367"/>
-                <a:gd name="connsiteX2" fmla="*/ 4736610 w 5038504"/>
-                <a:gd name="connsiteY2" fmla="*/ 467725 h 4819367"/>
-                <a:gd name="connsiteX3" fmla="*/ 5038504 w 5038504"/>
-                <a:gd name="connsiteY3" fmla="*/ 1800285 h 4819367"/>
-                <a:gd name="connsiteX4" fmla="*/ 2821146 w 5038504"/>
-                <a:gd name="connsiteY4" fmla="*/ 2560261 h 4819367"/>
-                <a:gd name="connsiteX5" fmla="*/ 1467829 w 5038504"/>
-                <a:gd name="connsiteY5" fmla="*/ 4819367 h 4819367"/>
-                <a:gd name="connsiteX6" fmla="*/ 364355 w 5038504"/>
-                <a:gd name="connsiteY6" fmla="*/ 4257193 h 4819367"/>
-                <a:gd name="connsiteX7" fmla="*/ 0 w 5038504"/>
-                <a:gd name="connsiteY7" fmla="*/ 3216131 h 4819367"/>
-                <a:gd name="connsiteX8" fmla="*/ 2342280 w 5038504"/>
-                <a:gd name="connsiteY8" fmla="*/ 2091783 h 4819367"/>
-                <a:gd name="connsiteX0" fmla="*/ 2342280 w 5038504"/>
-                <a:gd name="connsiteY0" fmla="*/ 2162517 h 4890101"/>
-                <a:gd name="connsiteX1" fmla="*/ 3331243 w 5038504"/>
-                <a:gd name="connsiteY1" fmla="*/ 80392 h 4890101"/>
-                <a:gd name="connsiteX2" fmla="*/ 4736610 w 5038504"/>
-                <a:gd name="connsiteY2" fmla="*/ 538459 h 4890101"/>
-                <a:gd name="connsiteX3" fmla="*/ 5038504 w 5038504"/>
-                <a:gd name="connsiteY3" fmla="*/ 1871019 h 4890101"/>
-                <a:gd name="connsiteX4" fmla="*/ 2821146 w 5038504"/>
-                <a:gd name="connsiteY4" fmla="*/ 2630995 h 4890101"/>
-                <a:gd name="connsiteX5" fmla="*/ 1467829 w 5038504"/>
-                <a:gd name="connsiteY5" fmla="*/ 4890101 h 4890101"/>
-                <a:gd name="connsiteX6" fmla="*/ 364355 w 5038504"/>
-                <a:gd name="connsiteY6" fmla="*/ 4327927 h 4890101"/>
-                <a:gd name="connsiteX7" fmla="*/ 0 w 5038504"/>
-                <a:gd name="connsiteY7" fmla="*/ 3286865 h 4890101"/>
-                <a:gd name="connsiteX8" fmla="*/ 2342280 w 5038504"/>
-                <a:gd name="connsiteY8" fmla="*/ 2162517 h 4890101"/>
-                <a:gd name="connsiteX0" fmla="*/ 2342280 w 5038504"/>
-                <a:gd name="connsiteY0" fmla="*/ 2198230 h 4925814"/>
-                <a:gd name="connsiteX1" fmla="*/ 3331243 w 5038504"/>
-                <a:gd name="connsiteY1" fmla="*/ 116105 h 4925814"/>
-                <a:gd name="connsiteX2" fmla="*/ 4736610 w 5038504"/>
-                <a:gd name="connsiteY2" fmla="*/ 574172 h 4925814"/>
-                <a:gd name="connsiteX3" fmla="*/ 5038504 w 5038504"/>
-                <a:gd name="connsiteY3" fmla="*/ 1906732 h 4925814"/>
-                <a:gd name="connsiteX4" fmla="*/ 2821146 w 5038504"/>
-                <a:gd name="connsiteY4" fmla="*/ 2666708 h 4925814"/>
-                <a:gd name="connsiteX5" fmla="*/ 1467829 w 5038504"/>
-                <a:gd name="connsiteY5" fmla="*/ 4925814 h 4925814"/>
-                <a:gd name="connsiteX6" fmla="*/ 364355 w 5038504"/>
-                <a:gd name="connsiteY6" fmla="*/ 4363640 h 4925814"/>
-                <a:gd name="connsiteX7" fmla="*/ 0 w 5038504"/>
-                <a:gd name="connsiteY7" fmla="*/ 3322578 h 4925814"/>
-                <a:gd name="connsiteX8" fmla="*/ 2342280 w 5038504"/>
-                <a:gd name="connsiteY8" fmla="*/ 2198230 h 4925814"/>
-                <a:gd name="connsiteX0" fmla="*/ 2342280 w 5038504"/>
-                <a:gd name="connsiteY0" fmla="*/ 2181613 h 4909197"/>
-                <a:gd name="connsiteX1" fmla="*/ 3331243 w 5038504"/>
-                <a:gd name="connsiteY1" fmla="*/ 99488 h 4909197"/>
-                <a:gd name="connsiteX2" fmla="*/ 4736610 w 5038504"/>
-                <a:gd name="connsiteY2" fmla="*/ 557555 h 4909197"/>
-                <a:gd name="connsiteX3" fmla="*/ 5038504 w 5038504"/>
-                <a:gd name="connsiteY3" fmla="*/ 1890115 h 4909197"/>
-                <a:gd name="connsiteX4" fmla="*/ 2821146 w 5038504"/>
-                <a:gd name="connsiteY4" fmla="*/ 2650091 h 4909197"/>
-                <a:gd name="connsiteX5" fmla="*/ 1467829 w 5038504"/>
-                <a:gd name="connsiteY5" fmla="*/ 4909197 h 4909197"/>
-                <a:gd name="connsiteX6" fmla="*/ 364355 w 5038504"/>
-                <a:gd name="connsiteY6" fmla="*/ 4347023 h 4909197"/>
-                <a:gd name="connsiteX7" fmla="*/ 0 w 5038504"/>
-                <a:gd name="connsiteY7" fmla="*/ 3305961 h 4909197"/>
-                <a:gd name="connsiteX8" fmla="*/ 2342280 w 5038504"/>
-                <a:gd name="connsiteY8" fmla="*/ 2181613 h 4909197"/>
-                <a:gd name="connsiteX0" fmla="*/ 2342280 w 5354014"/>
-                <a:gd name="connsiteY0" fmla="*/ 2181613 h 4909197"/>
-                <a:gd name="connsiteX1" fmla="*/ 3331243 w 5354014"/>
-                <a:gd name="connsiteY1" fmla="*/ 99488 h 4909197"/>
-                <a:gd name="connsiteX2" fmla="*/ 4736610 w 5354014"/>
-                <a:gd name="connsiteY2" fmla="*/ 557555 h 4909197"/>
-                <a:gd name="connsiteX3" fmla="*/ 5038504 w 5354014"/>
-                <a:gd name="connsiteY3" fmla="*/ 1890115 h 4909197"/>
-                <a:gd name="connsiteX4" fmla="*/ 2821146 w 5354014"/>
-                <a:gd name="connsiteY4" fmla="*/ 2650091 h 4909197"/>
-                <a:gd name="connsiteX5" fmla="*/ 1467829 w 5354014"/>
-                <a:gd name="connsiteY5" fmla="*/ 4909197 h 4909197"/>
-                <a:gd name="connsiteX6" fmla="*/ 364355 w 5354014"/>
-                <a:gd name="connsiteY6" fmla="*/ 4347023 h 4909197"/>
-                <a:gd name="connsiteX7" fmla="*/ 0 w 5354014"/>
-                <a:gd name="connsiteY7" fmla="*/ 3305961 h 4909197"/>
-                <a:gd name="connsiteX8" fmla="*/ 2342280 w 5354014"/>
-                <a:gd name="connsiteY8" fmla="*/ 2181613 h 4909197"/>
-                <a:gd name="connsiteX0" fmla="*/ 2342280 w 5202205"/>
-                <a:gd name="connsiteY0" fmla="*/ 2181613 h 4909197"/>
-                <a:gd name="connsiteX1" fmla="*/ 3331243 w 5202205"/>
-                <a:gd name="connsiteY1" fmla="*/ 99488 h 4909197"/>
-                <a:gd name="connsiteX2" fmla="*/ 4736610 w 5202205"/>
-                <a:gd name="connsiteY2" fmla="*/ 557555 h 4909197"/>
-                <a:gd name="connsiteX3" fmla="*/ 5038504 w 5202205"/>
-                <a:gd name="connsiteY3" fmla="*/ 1890115 h 4909197"/>
-                <a:gd name="connsiteX4" fmla="*/ 2821146 w 5202205"/>
-                <a:gd name="connsiteY4" fmla="*/ 2650091 h 4909197"/>
-                <a:gd name="connsiteX5" fmla="*/ 1467829 w 5202205"/>
-                <a:gd name="connsiteY5" fmla="*/ 4909197 h 4909197"/>
-                <a:gd name="connsiteX6" fmla="*/ 364355 w 5202205"/>
-                <a:gd name="connsiteY6" fmla="*/ 4347023 h 4909197"/>
-                <a:gd name="connsiteX7" fmla="*/ 0 w 5202205"/>
-                <a:gd name="connsiteY7" fmla="*/ 3305961 h 4909197"/>
-                <a:gd name="connsiteX8" fmla="*/ 2342280 w 5202205"/>
-                <a:gd name="connsiteY8" fmla="*/ 2181613 h 4909197"/>
-                <a:gd name="connsiteX0" fmla="*/ 2342280 w 5165622"/>
-                <a:gd name="connsiteY0" fmla="*/ 2181613 h 4909197"/>
-                <a:gd name="connsiteX1" fmla="*/ 3331243 w 5165622"/>
-                <a:gd name="connsiteY1" fmla="*/ 99488 h 4909197"/>
-                <a:gd name="connsiteX2" fmla="*/ 4736610 w 5165622"/>
-                <a:gd name="connsiteY2" fmla="*/ 557555 h 4909197"/>
-                <a:gd name="connsiteX3" fmla="*/ 5038504 w 5165622"/>
-                <a:gd name="connsiteY3" fmla="*/ 1890115 h 4909197"/>
-                <a:gd name="connsiteX4" fmla="*/ 2821146 w 5165622"/>
-                <a:gd name="connsiteY4" fmla="*/ 2650091 h 4909197"/>
-                <a:gd name="connsiteX5" fmla="*/ 1467829 w 5165622"/>
-                <a:gd name="connsiteY5" fmla="*/ 4909197 h 4909197"/>
-                <a:gd name="connsiteX6" fmla="*/ 364355 w 5165622"/>
-                <a:gd name="connsiteY6" fmla="*/ 4347023 h 4909197"/>
-                <a:gd name="connsiteX7" fmla="*/ 0 w 5165622"/>
-                <a:gd name="connsiteY7" fmla="*/ 3305961 h 4909197"/>
-                <a:gd name="connsiteX8" fmla="*/ 2342280 w 5165622"/>
-                <a:gd name="connsiteY8" fmla="*/ 2181613 h 4909197"/>
-                <a:gd name="connsiteX0" fmla="*/ 2342280 w 5130871"/>
-                <a:gd name="connsiteY0" fmla="*/ 2179637 h 4907221"/>
-                <a:gd name="connsiteX1" fmla="*/ 3331243 w 5130871"/>
-                <a:gd name="connsiteY1" fmla="*/ 97512 h 4907221"/>
-                <a:gd name="connsiteX2" fmla="*/ 4736610 w 5130871"/>
-                <a:gd name="connsiteY2" fmla="*/ 555579 h 4907221"/>
-                <a:gd name="connsiteX3" fmla="*/ 4996863 w 5130871"/>
-                <a:gd name="connsiteY3" fmla="*/ 1981835 h 4907221"/>
-                <a:gd name="connsiteX4" fmla="*/ 2821146 w 5130871"/>
-                <a:gd name="connsiteY4" fmla="*/ 2648115 h 4907221"/>
-                <a:gd name="connsiteX5" fmla="*/ 1467829 w 5130871"/>
-                <a:gd name="connsiteY5" fmla="*/ 4907221 h 4907221"/>
-                <a:gd name="connsiteX6" fmla="*/ 364355 w 5130871"/>
-                <a:gd name="connsiteY6" fmla="*/ 4345047 h 4907221"/>
-                <a:gd name="connsiteX7" fmla="*/ 0 w 5130871"/>
-                <a:gd name="connsiteY7" fmla="*/ 3303985 h 4907221"/>
-                <a:gd name="connsiteX8" fmla="*/ 2342280 w 5130871"/>
-                <a:gd name="connsiteY8" fmla="*/ 2179637 h 4907221"/>
-                <a:gd name="connsiteX0" fmla="*/ 2342280 w 5186156"/>
-                <a:gd name="connsiteY0" fmla="*/ 2179637 h 4907221"/>
-                <a:gd name="connsiteX1" fmla="*/ 3331243 w 5186156"/>
-                <a:gd name="connsiteY1" fmla="*/ 97512 h 4907221"/>
-                <a:gd name="connsiteX2" fmla="*/ 4736610 w 5186156"/>
-                <a:gd name="connsiteY2" fmla="*/ 555579 h 4907221"/>
-                <a:gd name="connsiteX3" fmla="*/ 4996863 w 5186156"/>
-                <a:gd name="connsiteY3" fmla="*/ 1981835 h 4907221"/>
-                <a:gd name="connsiteX4" fmla="*/ 2821146 w 5186156"/>
-                <a:gd name="connsiteY4" fmla="*/ 2648115 h 4907221"/>
-                <a:gd name="connsiteX5" fmla="*/ 1467829 w 5186156"/>
-                <a:gd name="connsiteY5" fmla="*/ 4907221 h 4907221"/>
-                <a:gd name="connsiteX6" fmla="*/ 364355 w 5186156"/>
-                <a:gd name="connsiteY6" fmla="*/ 4345047 h 4907221"/>
-                <a:gd name="connsiteX7" fmla="*/ 0 w 5186156"/>
-                <a:gd name="connsiteY7" fmla="*/ 3303985 h 4907221"/>
-                <a:gd name="connsiteX8" fmla="*/ 2342280 w 5186156"/>
-                <a:gd name="connsiteY8" fmla="*/ 2179637 h 4907221"/>
-                <a:gd name="connsiteX0" fmla="*/ 2342280 w 5186156"/>
-                <a:gd name="connsiteY0" fmla="*/ 2179637 h 4907221"/>
-                <a:gd name="connsiteX1" fmla="*/ 3331243 w 5186156"/>
-                <a:gd name="connsiteY1" fmla="*/ 97512 h 4907221"/>
-                <a:gd name="connsiteX2" fmla="*/ 4736610 w 5186156"/>
-                <a:gd name="connsiteY2" fmla="*/ 555579 h 4907221"/>
-                <a:gd name="connsiteX3" fmla="*/ 4996863 w 5186156"/>
-                <a:gd name="connsiteY3" fmla="*/ 1981835 h 4907221"/>
-                <a:gd name="connsiteX4" fmla="*/ 2821146 w 5186156"/>
-                <a:gd name="connsiteY4" fmla="*/ 2648115 h 4907221"/>
-                <a:gd name="connsiteX5" fmla="*/ 1467829 w 5186156"/>
-                <a:gd name="connsiteY5" fmla="*/ 4907221 h 4907221"/>
-                <a:gd name="connsiteX6" fmla="*/ 364355 w 5186156"/>
-                <a:gd name="connsiteY6" fmla="*/ 4345047 h 4907221"/>
-                <a:gd name="connsiteX7" fmla="*/ 0 w 5186156"/>
-                <a:gd name="connsiteY7" fmla="*/ 3303985 h 4907221"/>
-                <a:gd name="connsiteX8" fmla="*/ 2342280 w 5186156"/>
-                <a:gd name="connsiteY8" fmla="*/ 2179637 h 4907221"/>
-                <a:gd name="connsiteX0" fmla="*/ 2342280 w 5186156"/>
-                <a:gd name="connsiteY0" fmla="*/ 2179637 h 4907221"/>
-                <a:gd name="connsiteX1" fmla="*/ 3331243 w 5186156"/>
-                <a:gd name="connsiteY1" fmla="*/ 97512 h 4907221"/>
-                <a:gd name="connsiteX2" fmla="*/ 4736610 w 5186156"/>
-                <a:gd name="connsiteY2" fmla="*/ 555579 h 4907221"/>
-                <a:gd name="connsiteX3" fmla="*/ 4996863 w 5186156"/>
-                <a:gd name="connsiteY3" fmla="*/ 1981835 h 4907221"/>
-                <a:gd name="connsiteX4" fmla="*/ 2821146 w 5186156"/>
-                <a:gd name="connsiteY4" fmla="*/ 2648115 h 4907221"/>
-                <a:gd name="connsiteX5" fmla="*/ 1467829 w 5186156"/>
-                <a:gd name="connsiteY5" fmla="*/ 4907221 h 4907221"/>
-                <a:gd name="connsiteX6" fmla="*/ 364355 w 5186156"/>
-                <a:gd name="connsiteY6" fmla="*/ 4345047 h 4907221"/>
-                <a:gd name="connsiteX7" fmla="*/ 0 w 5186156"/>
-                <a:gd name="connsiteY7" fmla="*/ 3303985 h 4907221"/>
-                <a:gd name="connsiteX8" fmla="*/ 2342280 w 5186156"/>
-                <a:gd name="connsiteY8" fmla="*/ 2179637 h 4907221"/>
-                <a:gd name="connsiteX0" fmla="*/ 2342280 w 5186156"/>
-                <a:gd name="connsiteY0" fmla="*/ 2179637 h 4907221"/>
-                <a:gd name="connsiteX1" fmla="*/ 3331243 w 5186156"/>
-                <a:gd name="connsiteY1" fmla="*/ 97512 h 4907221"/>
-                <a:gd name="connsiteX2" fmla="*/ 4736610 w 5186156"/>
-                <a:gd name="connsiteY2" fmla="*/ 555579 h 4907221"/>
-                <a:gd name="connsiteX3" fmla="*/ 4996863 w 5186156"/>
-                <a:gd name="connsiteY3" fmla="*/ 1981835 h 4907221"/>
-                <a:gd name="connsiteX4" fmla="*/ 2821146 w 5186156"/>
-                <a:gd name="connsiteY4" fmla="*/ 2648115 h 4907221"/>
-                <a:gd name="connsiteX5" fmla="*/ 1467829 w 5186156"/>
-                <a:gd name="connsiteY5" fmla="*/ 4907221 h 4907221"/>
-                <a:gd name="connsiteX6" fmla="*/ 364355 w 5186156"/>
-                <a:gd name="connsiteY6" fmla="*/ 4345047 h 4907221"/>
-                <a:gd name="connsiteX7" fmla="*/ 0 w 5186156"/>
-                <a:gd name="connsiteY7" fmla="*/ 3303985 h 4907221"/>
-                <a:gd name="connsiteX8" fmla="*/ 2342280 w 5186156"/>
-                <a:gd name="connsiteY8" fmla="*/ 2179637 h 4907221"/>
-                <a:gd name="connsiteX0" fmla="*/ 2342280 w 5186156"/>
-                <a:gd name="connsiteY0" fmla="*/ 2179637 h 4907221"/>
-                <a:gd name="connsiteX1" fmla="*/ 3331243 w 5186156"/>
-                <a:gd name="connsiteY1" fmla="*/ 97512 h 4907221"/>
-                <a:gd name="connsiteX2" fmla="*/ 4736610 w 5186156"/>
-                <a:gd name="connsiteY2" fmla="*/ 555579 h 4907221"/>
-                <a:gd name="connsiteX3" fmla="*/ 4996863 w 5186156"/>
-                <a:gd name="connsiteY3" fmla="*/ 1981835 h 4907221"/>
-                <a:gd name="connsiteX4" fmla="*/ 2821146 w 5186156"/>
-                <a:gd name="connsiteY4" fmla="*/ 2648115 h 4907221"/>
-                <a:gd name="connsiteX5" fmla="*/ 1467829 w 5186156"/>
-                <a:gd name="connsiteY5" fmla="*/ 4907221 h 4907221"/>
-                <a:gd name="connsiteX6" fmla="*/ 364355 w 5186156"/>
-                <a:gd name="connsiteY6" fmla="*/ 4345047 h 4907221"/>
-                <a:gd name="connsiteX7" fmla="*/ 0 w 5186156"/>
-                <a:gd name="connsiteY7" fmla="*/ 3303985 h 4907221"/>
-                <a:gd name="connsiteX8" fmla="*/ 2342280 w 5186156"/>
-                <a:gd name="connsiteY8" fmla="*/ 2179637 h 4907221"/>
-                <a:gd name="connsiteX0" fmla="*/ 2458828 w 5302704"/>
-                <a:gd name="connsiteY0" fmla="*/ 2179637 h 4907221"/>
-                <a:gd name="connsiteX1" fmla="*/ 3447791 w 5302704"/>
-                <a:gd name="connsiteY1" fmla="*/ 97512 h 4907221"/>
-                <a:gd name="connsiteX2" fmla="*/ 4853158 w 5302704"/>
-                <a:gd name="connsiteY2" fmla="*/ 555579 h 4907221"/>
-                <a:gd name="connsiteX3" fmla="*/ 5113411 w 5302704"/>
-                <a:gd name="connsiteY3" fmla="*/ 1981835 h 4907221"/>
-                <a:gd name="connsiteX4" fmla="*/ 2937694 w 5302704"/>
-                <a:gd name="connsiteY4" fmla="*/ 2648115 h 4907221"/>
-                <a:gd name="connsiteX5" fmla="*/ 1584377 w 5302704"/>
-                <a:gd name="connsiteY5" fmla="*/ 4907221 h 4907221"/>
-                <a:gd name="connsiteX6" fmla="*/ 480903 w 5302704"/>
-                <a:gd name="connsiteY6" fmla="*/ 4345047 h 4907221"/>
-                <a:gd name="connsiteX7" fmla="*/ 116548 w 5302704"/>
-                <a:gd name="connsiteY7" fmla="*/ 3303985 h 4907221"/>
-                <a:gd name="connsiteX8" fmla="*/ 2458828 w 5302704"/>
-                <a:gd name="connsiteY8" fmla="*/ 2179637 h 4907221"/>
-                <a:gd name="connsiteX0" fmla="*/ 2353613 w 5197489"/>
-                <a:gd name="connsiteY0" fmla="*/ 2179637 h 4907221"/>
-                <a:gd name="connsiteX1" fmla="*/ 3342576 w 5197489"/>
-                <a:gd name="connsiteY1" fmla="*/ 97512 h 4907221"/>
-                <a:gd name="connsiteX2" fmla="*/ 4747943 w 5197489"/>
-                <a:gd name="connsiteY2" fmla="*/ 555579 h 4907221"/>
-                <a:gd name="connsiteX3" fmla="*/ 5008196 w 5197489"/>
-                <a:gd name="connsiteY3" fmla="*/ 1981835 h 4907221"/>
-                <a:gd name="connsiteX4" fmla="*/ 2832479 w 5197489"/>
-                <a:gd name="connsiteY4" fmla="*/ 2648115 h 4907221"/>
-                <a:gd name="connsiteX5" fmla="*/ 1479162 w 5197489"/>
-                <a:gd name="connsiteY5" fmla="*/ 4907221 h 4907221"/>
-                <a:gd name="connsiteX6" fmla="*/ 375688 w 5197489"/>
-                <a:gd name="connsiteY6" fmla="*/ 4345047 h 4907221"/>
-                <a:gd name="connsiteX7" fmla="*/ 11333 w 5197489"/>
-                <a:gd name="connsiteY7" fmla="*/ 3303985 h 4907221"/>
-                <a:gd name="connsiteX8" fmla="*/ 2353613 w 5197489"/>
-                <a:gd name="connsiteY8" fmla="*/ 2179637 h 4907221"/>
-                <a:gd name="connsiteX0" fmla="*/ 2478592 w 5322468"/>
-                <a:gd name="connsiteY0" fmla="*/ 2179637 h 4907221"/>
-                <a:gd name="connsiteX1" fmla="*/ 3467555 w 5322468"/>
-                <a:gd name="connsiteY1" fmla="*/ 97512 h 4907221"/>
-                <a:gd name="connsiteX2" fmla="*/ 4872922 w 5322468"/>
-                <a:gd name="connsiteY2" fmla="*/ 555579 h 4907221"/>
-                <a:gd name="connsiteX3" fmla="*/ 5133175 w 5322468"/>
-                <a:gd name="connsiteY3" fmla="*/ 1981835 h 4907221"/>
-                <a:gd name="connsiteX4" fmla="*/ 2957458 w 5322468"/>
-                <a:gd name="connsiteY4" fmla="*/ 2648115 h 4907221"/>
-                <a:gd name="connsiteX5" fmla="*/ 1604141 w 5322468"/>
-                <a:gd name="connsiteY5" fmla="*/ 4907221 h 4907221"/>
-                <a:gd name="connsiteX6" fmla="*/ 500667 w 5322468"/>
-                <a:gd name="connsiteY6" fmla="*/ 4345047 h 4907221"/>
-                <a:gd name="connsiteX7" fmla="*/ 136312 w 5322468"/>
-                <a:gd name="connsiteY7" fmla="*/ 3303985 h 4907221"/>
-                <a:gd name="connsiteX8" fmla="*/ 2478592 w 5322468"/>
-                <a:gd name="connsiteY8" fmla="*/ 2179637 h 4907221"/>
-                <a:gd name="connsiteX0" fmla="*/ 2478592 w 5322468"/>
-                <a:gd name="connsiteY0" fmla="*/ 2179637 h 4918222"/>
-                <a:gd name="connsiteX1" fmla="*/ 3467555 w 5322468"/>
-                <a:gd name="connsiteY1" fmla="*/ 97512 h 4918222"/>
-                <a:gd name="connsiteX2" fmla="*/ 4872922 w 5322468"/>
-                <a:gd name="connsiteY2" fmla="*/ 555579 h 4918222"/>
-                <a:gd name="connsiteX3" fmla="*/ 5133175 w 5322468"/>
-                <a:gd name="connsiteY3" fmla="*/ 1981835 h 4918222"/>
-                <a:gd name="connsiteX4" fmla="*/ 2957458 w 5322468"/>
-                <a:gd name="connsiteY4" fmla="*/ 2648115 h 4918222"/>
-                <a:gd name="connsiteX5" fmla="*/ 1604141 w 5322468"/>
-                <a:gd name="connsiteY5" fmla="*/ 4907221 h 4918222"/>
-                <a:gd name="connsiteX6" fmla="*/ 500667 w 5322468"/>
-                <a:gd name="connsiteY6" fmla="*/ 4345047 h 4918222"/>
-                <a:gd name="connsiteX7" fmla="*/ 136312 w 5322468"/>
-                <a:gd name="connsiteY7" fmla="*/ 3303985 h 4918222"/>
-                <a:gd name="connsiteX8" fmla="*/ 2478592 w 5322468"/>
-                <a:gd name="connsiteY8" fmla="*/ 2179637 h 4918222"/>
-                <a:gd name="connsiteX0" fmla="*/ 2478592 w 5322468"/>
-                <a:gd name="connsiteY0" fmla="*/ 2179637 h 4929776"/>
-                <a:gd name="connsiteX1" fmla="*/ 3467555 w 5322468"/>
-                <a:gd name="connsiteY1" fmla="*/ 97512 h 4929776"/>
-                <a:gd name="connsiteX2" fmla="*/ 4872922 w 5322468"/>
-                <a:gd name="connsiteY2" fmla="*/ 555579 h 4929776"/>
-                <a:gd name="connsiteX3" fmla="*/ 5133175 w 5322468"/>
-                <a:gd name="connsiteY3" fmla="*/ 1981835 h 4929776"/>
-                <a:gd name="connsiteX4" fmla="*/ 2957458 w 5322468"/>
-                <a:gd name="connsiteY4" fmla="*/ 2648115 h 4929776"/>
-                <a:gd name="connsiteX5" fmla="*/ 1604141 w 5322468"/>
-                <a:gd name="connsiteY5" fmla="*/ 4907221 h 4929776"/>
-                <a:gd name="connsiteX6" fmla="*/ 500667 w 5322468"/>
-                <a:gd name="connsiteY6" fmla="*/ 4345047 h 4929776"/>
-                <a:gd name="connsiteX7" fmla="*/ 136312 w 5322468"/>
-                <a:gd name="connsiteY7" fmla="*/ 3303985 h 4929776"/>
-                <a:gd name="connsiteX8" fmla="*/ 2478592 w 5322468"/>
-                <a:gd name="connsiteY8" fmla="*/ 2179637 h 4929776"/>
-                <a:gd name="connsiteX0" fmla="*/ 2471961 w 5315837"/>
-                <a:gd name="connsiteY0" fmla="*/ 2179637 h 4746122"/>
-                <a:gd name="connsiteX1" fmla="*/ 3460924 w 5315837"/>
-                <a:gd name="connsiteY1" fmla="*/ 97512 h 4746122"/>
-                <a:gd name="connsiteX2" fmla="*/ 4866291 w 5315837"/>
-                <a:gd name="connsiteY2" fmla="*/ 555579 h 4746122"/>
-                <a:gd name="connsiteX3" fmla="*/ 5126544 w 5315837"/>
-                <a:gd name="connsiteY3" fmla="*/ 1981835 h 4746122"/>
-                <a:gd name="connsiteX4" fmla="*/ 2950827 w 5315837"/>
-                <a:gd name="connsiteY4" fmla="*/ 2648115 h 4746122"/>
-                <a:gd name="connsiteX5" fmla="*/ 2107607 w 5315837"/>
-                <a:gd name="connsiteY5" fmla="*/ 4709420 h 4746122"/>
-                <a:gd name="connsiteX6" fmla="*/ 494036 w 5315837"/>
-                <a:gd name="connsiteY6" fmla="*/ 4345047 h 4746122"/>
-                <a:gd name="connsiteX7" fmla="*/ 129681 w 5315837"/>
-                <a:gd name="connsiteY7" fmla="*/ 3303985 h 4746122"/>
-                <a:gd name="connsiteX8" fmla="*/ 2471961 w 5315837"/>
-                <a:gd name="connsiteY8" fmla="*/ 2179637 h 4746122"/>
-                <a:gd name="connsiteX0" fmla="*/ 2256020 w 5099896"/>
-                <a:gd name="connsiteY0" fmla="*/ 2179637 h 4752227"/>
-                <a:gd name="connsiteX1" fmla="*/ 3244983 w 5099896"/>
-                <a:gd name="connsiteY1" fmla="*/ 97512 h 4752227"/>
-                <a:gd name="connsiteX2" fmla="*/ 4650350 w 5099896"/>
-                <a:gd name="connsiteY2" fmla="*/ 555579 h 4752227"/>
-                <a:gd name="connsiteX3" fmla="*/ 4910603 w 5099896"/>
-                <a:gd name="connsiteY3" fmla="*/ 1981835 h 4752227"/>
-                <a:gd name="connsiteX4" fmla="*/ 2734886 w 5099896"/>
-                <a:gd name="connsiteY4" fmla="*/ 2648115 h 4752227"/>
-                <a:gd name="connsiteX5" fmla="*/ 1891666 w 5099896"/>
-                <a:gd name="connsiteY5" fmla="*/ 4709420 h 4752227"/>
-                <a:gd name="connsiteX6" fmla="*/ 278095 w 5099896"/>
-                <a:gd name="connsiteY6" fmla="*/ 4345047 h 4752227"/>
-                <a:gd name="connsiteX7" fmla="*/ 194814 w 5099896"/>
-                <a:gd name="connsiteY7" fmla="*/ 2929203 h 4752227"/>
-                <a:gd name="connsiteX8" fmla="*/ 2256020 w 5099896"/>
-                <a:gd name="connsiteY8" fmla="*/ 2179637 h 4752227"/>
-                <a:gd name="connsiteX0" fmla="*/ 2148606 w 4992482"/>
-                <a:gd name="connsiteY0" fmla="*/ 2179637 h 4752227"/>
-                <a:gd name="connsiteX1" fmla="*/ 3137569 w 4992482"/>
-                <a:gd name="connsiteY1" fmla="*/ 97512 h 4752227"/>
-                <a:gd name="connsiteX2" fmla="*/ 4542936 w 4992482"/>
-                <a:gd name="connsiteY2" fmla="*/ 555579 h 4752227"/>
-                <a:gd name="connsiteX3" fmla="*/ 4803189 w 4992482"/>
-                <a:gd name="connsiteY3" fmla="*/ 1981835 h 4752227"/>
-                <a:gd name="connsiteX4" fmla="*/ 2627472 w 4992482"/>
-                <a:gd name="connsiteY4" fmla="*/ 2648115 h 4752227"/>
-                <a:gd name="connsiteX5" fmla="*/ 1784252 w 4992482"/>
-                <a:gd name="connsiteY5" fmla="*/ 4709420 h 4752227"/>
-                <a:gd name="connsiteX6" fmla="*/ 170681 w 4992482"/>
-                <a:gd name="connsiteY6" fmla="*/ 4345047 h 4752227"/>
-                <a:gd name="connsiteX7" fmla="*/ 87400 w 4992482"/>
-                <a:gd name="connsiteY7" fmla="*/ 2929203 h 4752227"/>
-                <a:gd name="connsiteX8" fmla="*/ 2148606 w 4992482"/>
-                <a:gd name="connsiteY8" fmla="*/ 2179637 h 4752227"/>
-                <a:gd name="connsiteX0" fmla="*/ 2264897 w 5108773"/>
-                <a:gd name="connsiteY0" fmla="*/ 2179637 h 4752227"/>
-                <a:gd name="connsiteX1" fmla="*/ 3253860 w 5108773"/>
-                <a:gd name="connsiteY1" fmla="*/ 97512 h 4752227"/>
-                <a:gd name="connsiteX2" fmla="*/ 4659227 w 5108773"/>
-                <a:gd name="connsiteY2" fmla="*/ 555579 h 4752227"/>
-                <a:gd name="connsiteX3" fmla="*/ 4919480 w 5108773"/>
-                <a:gd name="connsiteY3" fmla="*/ 1981835 h 4752227"/>
-                <a:gd name="connsiteX4" fmla="*/ 2743763 w 5108773"/>
-                <a:gd name="connsiteY4" fmla="*/ 2648115 h 4752227"/>
-                <a:gd name="connsiteX5" fmla="*/ 1900543 w 5108773"/>
-                <a:gd name="connsiteY5" fmla="*/ 4709420 h 4752227"/>
-                <a:gd name="connsiteX6" fmla="*/ 286972 w 5108773"/>
-                <a:gd name="connsiteY6" fmla="*/ 4345047 h 4752227"/>
-                <a:gd name="connsiteX7" fmla="*/ 203691 w 5108773"/>
-                <a:gd name="connsiteY7" fmla="*/ 2929203 h 4752227"/>
-                <a:gd name="connsiteX8" fmla="*/ 2264897 w 5108773"/>
-                <a:gd name="connsiteY8" fmla="*/ 2179637 h 4752227"/>
-                <a:gd name="connsiteX0" fmla="*/ 2264897 w 5108773"/>
-                <a:gd name="connsiteY0" fmla="*/ 2179637 h 4753204"/>
-                <a:gd name="connsiteX1" fmla="*/ 3253860 w 5108773"/>
-                <a:gd name="connsiteY1" fmla="*/ 97512 h 4753204"/>
-                <a:gd name="connsiteX2" fmla="*/ 4659227 w 5108773"/>
-                <a:gd name="connsiteY2" fmla="*/ 555579 h 4753204"/>
-                <a:gd name="connsiteX3" fmla="*/ 4919480 w 5108773"/>
-                <a:gd name="connsiteY3" fmla="*/ 1981835 h 4753204"/>
-                <a:gd name="connsiteX4" fmla="*/ 2743763 w 5108773"/>
-                <a:gd name="connsiteY4" fmla="*/ 2648115 h 4753204"/>
-                <a:gd name="connsiteX5" fmla="*/ 1900543 w 5108773"/>
-                <a:gd name="connsiteY5" fmla="*/ 4709420 h 4753204"/>
-                <a:gd name="connsiteX6" fmla="*/ 286972 w 5108773"/>
-                <a:gd name="connsiteY6" fmla="*/ 4345047 h 4753204"/>
-                <a:gd name="connsiteX7" fmla="*/ 203691 w 5108773"/>
-                <a:gd name="connsiteY7" fmla="*/ 2877150 h 4753204"/>
-                <a:gd name="connsiteX8" fmla="*/ 2264897 w 5108773"/>
-                <a:gd name="connsiteY8" fmla="*/ 2179637 h 4753204"/>
-                <a:gd name="connsiteX0" fmla="*/ 2264897 w 5108773"/>
-                <a:gd name="connsiteY0" fmla="*/ 2179637 h 4868233"/>
-                <a:gd name="connsiteX1" fmla="*/ 3253860 w 5108773"/>
-                <a:gd name="connsiteY1" fmla="*/ 97512 h 4868233"/>
-                <a:gd name="connsiteX2" fmla="*/ 4659227 w 5108773"/>
-                <a:gd name="connsiteY2" fmla="*/ 555579 h 4868233"/>
-                <a:gd name="connsiteX3" fmla="*/ 4919480 w 5108773"/>
-                <a:gd name="connsiteY3" fmla="*/ 1981835 h 4868233"/>
-                <a:gd name="connsiteX4" fmla="*/ 2743763 w 5108773"/>
-                <a:gd name="connsiteY4" fmla="*/ 2648115 h 4868233"/>
-                <a:gd name="connsiteX5" fmla="*/ 1900543 w 5108773"/>
-                <a:gd name="connsiteY5" fmla="*/ 4709420 h 4868233"/>
-                <a:gd name="connsiteX6" fmla="*/ 286972 w 5108773"/>
-                <a:gd name="connsiteY6" fmla="*/ 4345047 h 4868233"/>
-                <a:gd name="connsiteX7" fmla="*/ 203691 w 5108773"/>
-                <a:gd name="connsiteY7" fmla="*/ 2877150 h 4868233"/>
-                <a:gd name="connsiteX8" fmla="*/ 2264897 w 5108773"/>
-                <a:gd name="connsiteY8" fmla="*/ 2179637 h 4868233"/>
-                <a:gd name="connsiteX0" fmla="*/ 2264897 w 5114461"/>
-                <a:gd name="connsiteY0" fmla="*/ 2080413 h 4769009"/>
-                <a:gd name="connsiteX1" fmla="*/ 3087298 w 5114461"/>
-                <a:gd name="connsiteY1" fmla="*/ 112805 h 4769009"/>
-                <a:gd name="connsiteX2" fmla="*/ 4659227 w 5114461"/>
-                <a:gd name="connsiteY2" fmla="*/ 456355 h 4769009"/>
-                <a:gd name="connsiteX3" fmla="*/ 4919480 w 5114461"/>
-                <a:gd name="connsiteY3" fmla="*/ 1882611 h 4769009"/>
-                <a:gd name="connsiteX4" fmla="*/ 2743763 w 5114461"/>
-                <a:gd name="connsiteY4" fmla="*/ 2548891 h 4769009"/>
-                <a:gd name="connsiteX5" fmla="*/ 1900543 w 5114461"/>
-                <a:gd name="connsiteY5" fmla="*/ 4610196 h 4769009"/>
-                <a:gd name="connsiteX6" fmla="*/ 286972 w 5114461"/>
-                <a:gd name="connsiteY6" fmla="*/ 4245823 h 4769009"/>
-                <a:gd name="connsiteX7" fmla="*/ 203691 w 5114461"/>
-                <a:gd name="connsiteY7" fmla="*/ 2777926 h 4769009"/>
-                <a:gd name="connsiteX8" fmla="*/ 2264897 w 5114461"/>
-                <a:gd name="connsiteY8" fmla="*/ 2080413 h 4769009"/>
-                <a:gd name="connsiteX0" fmla="*/ 2264897 w 5114461"/>
-                <a:gd name="connsiteY0" fmla="*/ 2152947 h 4841543"/>
-                <a:gd name="connsiteX1" fmla="*/ 3087298 w 5114461"/>
-                <a:gd name="connsiteY1" fmla="*/ 185339 h 4841543"/>
-                <a:gd name="connsiteX2" fmla="*/ 4659227 w 5114461"/>
-                <a:gd name="connsiteY2" fmla="*/ 528889 h 4841543"/>
-                <a:gd name="connsiteX3" fmla="*/ 4919480 w 5114461"/>
-                <a:gd name="connsiteY3" fmla="*/ 1955145 h 4841543"/>
-                <a:gd name="connsiteX4" fmla="*/ 2743763 w 5114461"/>
-                <a:gd name="connsiteY4" fmla="*/ 2621425 h 4841543"/>
-                <a:gd name="connsiteX5" fmla="*/ 1900543 w 5114461"/>
-                <a:gd name="connsiteY5" fmla="*/ 4682730 h 4841543"/>
-                <a:gd name="connsiteX6" fmla="*/ 286972 w 5114461"/>
-                <a:gd name="connsiteY6" fmla="*/ 4318357 h 4841543"/>
-                <a:gd name="connsiteX7" fmla="*/ 203691 w 5114461"/>
-                <a:gd name="connsiteY7" fmla="*/ 2850460 h 4841543"/>
-                <a:gd name="connsiteX8" fmla="*/ 2264897 w 5114461"/>
-                <a:gd name="connsiteY8" fmla="*/ 2152947 h 4841543"/>
-                <a:gd name="connsiteX0" fmla="*/ 2264897 w 5112658"/>
-                <a:gd name="connsiteY0" fmla="*/ 2170256 h 4858852"/>
-                <a:gd name="connsiteX1" fmla="*/ 3139348 w 5112658"/>
-                <a:gd name="connsiteY1" fmla="*/ 181827 h 4858852"/>
-                <a:gd name="connsiteX2" fmla="*/ 4659227 w 5112658"/>
-                <a:gd name="connsiteY2" fmla="*/ 546198 h 4858852"/>
-                <a:gd name="connsiteX3" fmla="*/ 4919480 w 5112658"/>
-                <a:gd name="connsiteY3" fmla="*/ 1972454 h 4858852"/>
-                <a:gd name="connsiteX4" fmla="*/ 2743763 w 5112658"/>
-                <a:gd name="connsiteY4" fmla="*/ 2638734 h 4858852"/>
-                <a:gd name="connsiteX5" fmla="*/ 1900543 w 5112658"/>
-                <a:gd name="connsiteY5" fmla="*/ 4700039 h 4858852"/>
-                <a:gd name="connsiteX6" fmla="*/ 286972 w 5112658"/>
-                <a:gd name="connsiteY6" fmla="*/ 4335666 h 4858852"/>
-                <a:gd name="connsiteX7" fmla="*/ 203691 w 5112658"/>
-                <a:gd name="connsiteY7" fmla="*/ 2867769 h 4858852"/>
-                <a:gd name="connsiteX8" fmla="*/ 2264897 w 5112658"/>
-                <a:gd name="connsiteY8" fmla="*/ 2170256 h 4858852"/>
-                <a:gd name="connsiteX0" fmla="*/ 2264897 w 5032164"/>
-                <a:gd name="connsiteY0" fmla="*/ 2174193 h 4862789"/>
-                <a:gd name="connsiteX1" fmla="*/ 3139348 w 5032164"/>
-                <a:gd name="connsiteY1" fmla="*/ 185764 h 4862789"/>
-                <a:gd name="connsiteX2" fmla="*/ 4659227 w 5032164"/>
-                <a:gd name="connsiteY2" fmla="*/ 550135 h 4862789"/>
-                <a:gd name="connsiteX3" fmla="*/ 4815378 w 5032164"/>
-                <a:gd name="connsiteY3" fmla="*/ 2111729 h 4862789"/>
-                <a:gd name="connsiteX4" fmla="*/ 2743763 w 5032164"/>
-                <a:gd name="connsiteY4" fmla="*/ 2642671 h 4862789"/>
-                <a:gd name="connsiteX5" fmla="*/ 1900543 w 5032164"/>
-                <a:gd name="connsiteY5" fmla="*/ 4703976 h 4862789"/>
-                <a:gd name="connsiteX6" fmla="*/ 286972 w 5032164"/>
-                <a:gd name="connsiteY6" fmla="*/ 4339603 h 4862789"/>
-                <a:gd name="connsiteX7" fmla="*/ 203691 w 5032164"/>
-                <a:gd name="connsiteY7" fmla="*/ 2871706 h 4862789"/>
-                <a:gd name="connsiteX8" fmla="*/ 2264897 w 5032164"/>
-                <a:gd name="connsiteY8" fmla="*/ 2174193 h 4862789"/>
-                <a:gd name="connsiteX0" fmla="*/ 2264897 w 5032164"/>
-                <a:gd name="connsiteY0" fmla="*/ 2174193 h 4862789"/>
-                <a:gd name="connsiteX1" fmla="*/ 3139348 w 5032164"/>
-                <a:gd name="connsiteY1" fmla="*/ 185764 h 4862789"/>
-                <a:gd name="connsiteX2" fmla="*/ 4659227 w 5032164"/>
-                <a:gd name="connsiteY2" fmla="*/ 550135 h 4862789"/>
-                <a:gd name="connsiteX3" fmla="*/ 4815378 w 5032164"/>
-                <a:gd name="connsiteY3" fmla="*/ 2111729 h 4862789"/>
-                <a:gd name="connsiteX4" fmla="*/ 2743763 w 5032164"/>
-                <a:gd name="connsiteY4" fmla="*/ 2642671 h 4862789"/>
-                <a:gd name="connsiteX5" fmla="*/ 1900543 w 5032164"/>
-                <a:gd name="connsiteY5" fmla="*/ 4703976 h 4862789"/>
-                <a:gd name="connsiteX6" fmla="*/ 286972 w 5032164"/>
-                <a:gd name="connsiteY6" fmla="*/ 4339603 h 4862789"/>
-                <a:gd name="connsiteX7" fmla="*/ 203691 w 5032164"/>
-                <a:gd name="connsiteY7" fmla="*/ 2871706 h 4862789"/>
-                <a:gd name="connsiteX8" fmla="*/ 2264897 w 5032164"/>
-                <a:gd name="connsiteY8" fmla="*/ 2174193 h 4862789"/>
-                <a:gd name="connsiteX0" fmla="*/ 2264897 w 5032164"/>
-                <a:gd name="connsiteY0" fmla="*/ 2174193 h 4862789"/>
-                <a:gd name="connsiteX1" fmla="*/ 3139348 w 5032164"/>
-                <a:gd name="connsiteY1" fmla="*/ 185764 h 4862789"/>
-                <a:gd name="connsiteX2" fmla="*/ 4659227 w 5032164"/>
-                <a:gd name="connsiteY2" fmla="*/ 550135 h 4862789"/>
-                <a:gd name="connsiteX3" fmla="*/ 4815378 w 5032164"/>
-                <a:gd name="connsiteY3" fmla="*/ 2111729 h 4862789"/>
-                <a:gd name="connsiteX4" fmla="*/ 2743763 w 5032164"/>
-                <a:gd name="connsiteY4" fmla="*/ 2642671 h 4862789"/>
-                <a:gd name="connsiteX5" fmla="*/ 1900543 w 5032164"/>
-                <a:gd name="connsiteY5" fmla="*/ 4703976 h 4862789"/>
-                <a:gd name="connsiteX6" fmla="*/ 286972 w 5032164"/>
-                <a:gd name="connsiteY6" fmla="*/ 4339603 h 4862789"/>
-                <a:gd name="connsiteX7" fmla="*/ 203691 w 5032164"/>
-                <a:gd name="connsiteY7" fmla="*/ 2871706 h 4862789"/>
-                <a:gd name="connsiteX8" fmla="*/ 2264897 w 5032164"/>
-                <a:gd name="connsiteY8" fmla="*/ 2174193 h 4862789"/>
-                <a:gd name="connsiteX0" fmla="*/ 2264897 w 5032164"/>
-                <a:gd name="connsiteY0" fmla="*/ 2174193 h 4862789"/>
-                <a:gd name="connsiteX1" fmla="*/ 3139348 w 5032164"/>
-                <a:gd name="connsiteY1" fmla="*/ 185764 h 4862789"/>
-                <a:gd name="connsiteX2" fmla="*/ 4659227 w 5032164"/>
-                <a:gd name="connsiteY2" fmla="*/ 550135 h 4862789"/>
-                <a:gd name="connsiteX3" fmla="*/ 4815378 w 5032164"/>
-                <a:gd name="connsiteY3" fmla="*/ 2111729 h 4862789"/>
-                <a:gd name="connsiteX4" fmla="*/ 2743763 w 5032164"/>
-                <a:gd name="connsiteY4" fmla="*/ 2642671 h 4862789"/>
-                <a:gd name="connsiteX5" fmla="*/ 1900543 w 5032164"/>
-                <a:gd name="connsiteY5" fmla="*/ 4703976 h 4862789"/>
-                <a:gd name="connsiteX6" fmla="*/ 286972 w 5032164"/>
-                <a:gd name="connsiteY6" fmla="*/ 4339603 h 4862789"/>
-                <a:gd name="connsiteX7" fmla="*/ 203691 w 5032164"/>
-                <a:gd name="connsiteY7" fmla="*/ 2871706 h 4862789"/>
-                <a:gd name="connsiteX8" fmla="*/ 2264897 w 5032164"/>
-                <a:gd name="connsiteY8" fmla="*/ 2174193 h 4862789"/>
-                <a:gd name="connsiteX0" fmla="*/ 2264897 w 5032164"/>
-                <a:gd name="connsiteY0" fmla="*/ 2174193 h 4862789"/>
-                <a:gd name="connsiteX1" fmla="*/ 3139348 w 5032164"/>
-                <a:gd name="connsiteY1" fmla="*/ 185764 h 4862789"/>
-                <a:gd name="connsiteX2" fmla="*/ 4659227 w 5032164"/>
-                <a:gd name="connsiteY2" fmla="*/ 550135 h 4862789"/>
-                <a:gd name="connsiteX3" fmla="*/ 4815378 w 5032164"/>
-                <a:gd name="connsiteY3" fmla="*/ 2111729 h 4862789"/>
-                <a:gd name="connsiteX4" fmla="*/ 2743763 w 5032164"/>
-                <a:gd name="connsiteY4" fmla="*/ 2642671 h 4862789"/>
-                <a:gd name="connsiteX5" fmla="*/ 1900543 w 5032164"/>
-                <a:gd name="connsiteY5" fmla="*/ 4703976 h 4862789"/>
-                <a:gd name="connsiteX6" fmla="*/ 286972 w 5032164"/>
-                <a:gd name="connsiteY6" fmla="*/ 4339603 h 4862789"/>
-                <a:gd name="connsiteX7" fmla="*/ 203691 w 5032164"/>
-                <a:gd name="connsiteY7" fmla="*/ 2871706 h 4862789"/>
-                <a:gd name="connsiteX8" fmla="*/ 2264897 w 5032164"/>
-                <a:gd name="connsiteY8" fmla="*/ 2174193 h 4862789"/>
-                <a:gd name="connsiteX0" fmla="*/ 2264897 w 5032164"/>
-                <a:gd name="connsiteY0" fmla="*/ 2174193 h 4862789"/>
-                <a:gd name="connsiteX1" fmla="*/ 3139348 w 5032164"/>
-                <a:gd name="connsiteY1" fmla="*/ 185764 h 4862789"/>
-                <a:gd name="connsiteX2" fmla="*/ 4659227 w 5032164"/>
-                <a:gd name="connsiteY2" fmla="*/ 550135 h 4862789"/>
-                <a:gd name="connsiteX3" fmla="*/ 4815378 w 5032164"/>
-                <a:gd name="connsiteY3" fmla="*/ 2111729 h 4862789"/>
-                <a:gd name="connsiteX4" fmla="*/ 2743763 w 5032164"/>
-                <a:gd name="connsiteY4" fmla="*/ 2642671 h 4862789"/>
-                <a:gd name="connsiteX5" fmla="*/ 1900543 w 5032164"/>
-                <a:gd name="connsiteY5" fmla="*/ 4703976 h 4862789"/>
-                <a:gd name="connsiteX6" fmla="*/ 286972 w 5032164"/>
-                <a:gd name="connsiteY6" fmla="*/ 4339603 h 4862789"/>
-                <a:gd name="connsiteX7" fmla="*/ 203691 w 5032164"/>
-                <a:gd name="connsiteY7" fmla="*/ 2871706 h 4862789"/>
-                <a:gd name="connsiteX8" fmla="*/ 2264897 w 5032164"/>
-                <a:gd name="connsiteY8" fmla="*/ 2174193 h 4862789"/>
-                <a:gd name="connsiteX0" fmla="*/ 2264897 w 5032164"/>
-                <a:gd name="connsiteY0" fmla="*/ 2174193 h 4862789"/>
-                <a:gd name="connsiteX1" fmla="*/ 3139348 w 5032164"/>
-                <a:gd name="connsiteY1" fmla="*/ 185764 h 4862789"/>
-                <a:gd name="connsiteX2" fmla="*/ 4659227 w 5032164"/>
-                <a:gd name="connsiteY2" fmla="*/ 550135 h 4862789"/>
-                <a:gd name="connsiteX3" fmla="*/ 4815378 w 5032164"/>
-                <a:gd name="connsiteY3" fmla="*/ 2111729 h 4862789"/>
-                <a:gd name="connsiteX4" fmla="*/ 2743763 w 5032164"/>
-                <a:gd name="connsiteY4" fmla="*/ 2642671 h 4862789"/>
-                <a:gd name="connsiteX5" fmla="*/ 1900543 w 5032164"/>
-                <a:gd name="connsiteY5" fmla="*/ 4703976 h 4862789"/>
-                <a:gd name="connsiteX6" fmla="*/ 286972 w 5032164"/>
-                <a:gd name="connsiteY6" fmla="*/ 4339603 h 4862789"/>
-                <a:gd name="connsiteX7" fmla="*/ 203691 w 5032164"/>
-                <a:gd name="connsiteY7" fmla="*/ 2871706 h 4862789"/>
-                <a:gd name="connsiteX8" fmla="*/ 2264897 w 5032164"/>
-                <a:gd name="connsiteY8" fmla="*/ 2174193 h 4862789"/>
-                <a:gd name="connsiteX0" fmla="*/ 2264897 w 5032164"/>
-                <a:gd name="connsiteY0" fmla="*/ 2174193 h 4862789"/>
-                <a:gd name="connsiteX1" fmla="*/ 3139348 w 5032164"/>
-                <a:gd name="connsiteY1" fmla="*/ 185764 h 4862789"/>
-                <a:gd name="connsiteX2" fmla="*/ 4659227 w 5032164"/>
-                <a:gd name="connsiteY2" fmla="*/ 550135 h 4862789"/>
-                <a:gd name="connsiteX3" fmla="*/ 4815378 w 5032164"/>
-                <a:gd name="connsiteY3" fmla="*/ 2111729 h 4862789"/>
-                <a:gd name="connsiteX4" fmla="*/ 2743763 w 5032164"/>
-                <a:gd name="connsiteY4" fmla="*/ 2642671 h 4862789"/>
-                <a:gd name="connsiteX5" fmla="*/ 1900543 w 5032164"/>
-                <a:gd name="connsiteY5" fmla="*/ 4703976 h 4862789"/>
-                <a:gd name="connsiteX6" fmla="*/ 286972 w 5032164"/>
-                <a:gd name="connsiteY6" fmla="*/ 4339603 h 4862789"/>
-                <a:gd name="connsiteX7" fmla="*/ 203691 w 5032164"/>
-                <a:gd name="connsiteY7" fmla="*/ 2871706 h 4862789"/>
-                <a:gd name="connsiteX8" fmla="*/ 2264897 w 5032164"/>
-                <a:gd name="connsiteY8" fmla="*/ 2174193 h 4862789"/>
-                <a:gd name="connsiteX0" fmla="*/ 2264897 w 5024402"/>
-                <a:gd name="connsiteY0" fmla="*/ 2173274 h 4861870"/>
-                <a:gd name="connsiteX1" fmla="*/ 3139348 w 5024402"/>
-                <a:gd name="connsiteY1" fmla="*/ 184845 h 4861870"/>
-                <a:gd name="connsiteX2" fmla="*/ 4659227 w 5024402"/>
-                <a:gd name="connsiteY2" fmla="*/ 549216 h 4861870"/>
-                <a:gd name="connsiteX3" fmla="*/ 4804968 w 5024402"/>
-                <a:gd name="connsiteY3" fmla="*/ 2079578 h 4861870"/>
-                <a:gd name="connsiteX4" fmla="*/ 2743763 w 5024402"/>
-                <a:gd name="connsiteY4" fmla="*/ 2641752 h 4861870"/>
-                <a:gd name="connsiteX5" fmla="*/ 1900543 w 5024402"/>
-                <a:gd name="connsiteY5" fmla="*/ 4703057 h 4861870"/>
-                <a:gd name="connsiteX6" fmla="*/ 286972 w 5024402"/>
-                <a:gd name="connsiteY6" fmla="*/ 4338684 h 4861870"/>
-                <a:gd name="connsiteX7" fmla="*/ 203691 w 5024402"/>
-                <a:gd name="connsiteY7" fmla="*/ 2870787 h 4861870"/>
-                <a:gd name="connsiteX8" fmla="*/ 2264897 w 5024402"/>
-                <a:gd name="connsiteY8" fmla="*/ 2173274 h 4861870"/>
-                <a:gd name="connsiteX0" fmla="*/ 2264897 w 5024402"/>
-                <a:gd name="connsiteY0" fmla="*/ 2173274 h 4861870"/>
-                <a:gd name="connsiteX1" fmla="*/ 3139348 w 5024402"/>
-                <a:gd name="connsiteY1" fmla="*/ 184845 h 4861870"/>
-                <a:gd name="connsiteX2" fmla="*/ 4659227 w 5024402"/>
-                <a:gd name="connsiteY2" fmla="*/ 549216 h 4861870"/>
-                <a:gd name="connsiteX3" fmla="*/ 4804968 w 5024402"/>
-                <a:gd name="connsiteY3" fmla="*/ 2079578 h 4861870"/>
-                <a:gd name="connsiteX4" fmla="*/ 2743763 w 5024402"/>
-                <a:gd name="connsiteY4" fmla="*/ 2641752 h 4861870"/>
-                <a:gd name="connsiteX5" fmla="*/ 1900543 w 5024402"/>
-                <a:gd name="connsiteY5" fmla="*/ 4703057 h 4861870"/>
-                <a:gd name="connsiteX6" fmla="*/ 286972 w 5024402"/>
-                <a:gd name="connsiteY6" fmla="*/ 4338684 h 4861870"/>
-                <a:gd name="connsiteX7" fmla="*/ 203691 w 5024402"/>
-                <a:gd name="connsiteY7" fmla="*/ 2870787 h 4861870"/>
-                <a:gd name="connsiteX8" fmla="*/ 2264897 w 5024402"/>
-                <a:gd name="connsiteY8" fmla="*/ 2173274 h 4861870"/>
-                <a:gd name="connsiteX0" fmla="*/ 2264897 w 5024402"/>
-                <a:gd name="connsiteY0" fmla="*/ 2173274 h 4861870"/>
-                <a:gd name="connsiteX1" fmla="*/ 3139348 w 5024402"/>
-                <a:gd name="connsiteY1" fmla="*/ 184845 h 4861870"/>
-                <a:gd name="connsiteX2" fmla="*/ 4659227 w 5024402"/>
-                <a:gd name="connsiteY2" fmla="*/ 549216 h 4861870"/>
-                <a:gd name="connsiteX3" fmla="*/ 4804968 w 5024402"/>
-                <a:gd name="connsiteY3" fmla="*/ 2079578 h 4861870"/>
-                <a:gd name="connsiteX4" fmla="*/ 2743763 w 5024402"/>
-                <a:gd name="connsiteY4" fmla="*/ 2641752 h 4861870"/>
-                <a:gd name="connsiteX5" fmla="*/ 1900543 w 5024402"/>
-                <a:gd name="connsiteY5" fmla="*/ 4703057 h 4861870"/>
-                <a:gd name="connsiteX6" fmla="*/ 286972 w 5024402"/>
-                <a:gd name="connsiteY6" fmla="*/ 4338684 h 4861870"/>
-                <a:gd name="connsiteX7" fmla="*/ 203691 w 5024402"/>
-                <a:gd name="connsiteY7" fmla="*/ 2870787 h 4861870"/>
-                <a:gd name="connsiteX8" fmla="*/ 2264897 w 5024402"/>
-                <a:gd name="connsiteY8" fmla="*/ 2173274 h 4861870"/>
-                <a:gd name="connsiteX0" fmla="*/ 2264897 w 5024402"/>
-                <a:gd name="connsiteY0" fmla="*/ 2173274 h 4861870"/>
-                <a:gd name="connsiteX1" fmla="*/ 3139348 w 5024402"/>
-                <a:gd name="connsiteY1" fmla="*/ 184845 h 4861870"/>
-                <a:gd name="connsiteX2" fmla="*/ 4659227 w 5024402"/>
-                <a:gd name="connsiteY2" fmla="*/ 549216 h 4861870"/>
-                <a:gd name="connsiteX3" fmla="*/ 4804968 w 5024402"/>
-                <a:gd name="connsiteY3" fmla="*/ 2079578 h 4861870"/>
-                <a:gd name="connsiteX4" fmla="*/ 2743763 w 5024402"/>
-                <a:gd name="connsiteY4" fmla="*/ 2641752 h 4861870"/>
-                <a:gd name="connsiteX5" fmla="*/ 1900543 w 5024402"/>
-                <a:gd name="connsiteY5" fmla="*/ 4703057 h 4861870"/>
-                <a:gd name="connsiteX6" fmla="*/ 286972 w 5024402"/>
-                <a:gd name="connsiteY6" fmla="*/ 4338684 h 4861870"/>
-                <a:gd name="connsiteX7" fmla="*/ 203691 w 5024402"/>
-                <a:gd name="connsiteY7" fmla="*/ 2870787 h 4861870"/>
-                <a:gd name="connsiteX8" fmla="*/ 2264897 w 5024402"/>
-                <a:gd name="connsiteY8" fmla="*/ 2173274 h 4861870"/>
-                <a:gd name="connsiteX0" fmla="*/ 2240504 w 5000009"/>
-                <a:gd name="connsiteY0" fmla="*/ 2173274 h 4854292"/>
-                <a:gd name="connsiteX1" fmla="*/ 3114955 w 5000009"/>
-                <a:gd name="connsiteY1" fmla="*/ 184845 h 4854292"/>
-                <a:gd name="connsiteX2" fmla="*/ 4634834 w 5000009"/>
-                <a:gd name="connsiteY2" fmla="*/ 549216 h 4854292"/>
-                <a:gd name="connsiteX3" fmla="*/ 4780575 w 5000009"/>
-                <a:gd name="connsiteY3" fmla="*/ 2079578 h 4854292"/>
-                <a:gd name="connsiteX4" fmla="*/ 2719370 w 5000009"/>
-                <a:gd name="connsiteY4" fmla="*/ 2641752 h 4854292"/>
-                <a:gd name="connsiteX5" fmla="*/ 1876150 w 5000009"/>
-                <a:gd name="connsiteY5" fmla="*/ 4703057 h 4854292"/>
-                <a:gd name="connsiteX6" fmla="*/ 335450 w 5000009"/>
-                <a:gd name="connsiteY6" fmla="*/ 4297042 h 4854292"/>
-                <a:gd name="connsiteX7" fmla="*/ 179298 w 5000009"/>
-                <a:gd name="connsiteY7" fmla="*/ 2870787 h 4854292"/>
-                <a:gd name="connsiteX8" fmla="*/ 2240504 w 5000009"/>
-                <a:gd name="connsiteY8" fmla="*/ 2173274 h 4854292"/>
-                <a:gd name="connsiteX0" fmla="*/ 2253840 w 5013345"/>
-                <a:gd name="connsiteY0" fmla="*/ 2173274 h 4856123"/>
-                <a:gd name="connsiteX1" fmla="*/ 3128291 w 5013345"/>
-                <a:gd name="connsiteY1" fmla="*/ 184845 h 4856123"/>
-                <a:gd name="connsiteX2" fmla="*/ 4648170 w 5013345"/>
-                <a:gd name="connsiteY2" fmla="*/ 549216 h 4856123"/>
-                <a:gd name="connsiteX3" fmla="*/ 4793911 w 5013345"/>
-                <a:gd name="connsiteY3" fmla="*/ 2079578 h 4856123"/>
-                <a:gd name="connsiteX4" fmla="*/ 2732706 w 5013345"/>
-                <a:gd name="connsiteY4" fmla="*/ 2641752 h 4856123"/>
-                <a:gd name="connsiteX5" fmla="*/ 1889486 w 5013345"/>
-                <a:gd name="connsiteY5" fmla="*/ 4703057 h 4856123"/>
-                <a:gd name="connsiteX6" fmla="*/ 307145 w 5013345"/>
-                <a:gd name="connsiteY6" fmla="*/ 4307452 h 4856123"/>
-                <a:gd name="connsiteX7" fmla="*/ 192634 w 5013345"/>
-                <a:gd name="connsiteY7" fmla="*/ 2870787 h 4856123"/>
-                <a:gd name="connsiteX8" fmla="*/ 2253840 w 5013345"/>
-                <a:gd name="connsiteY8" fmla="*/ 2173274 h 4856123"/>
-                <a:gd name="connsiteX0" fmla="*/ 2253840 w 5013345"/>
-                <a:gd name="connsiteY0" fmla="*/ 2173274 h 4856123"/>
-                <a:gd name="connsiteX1" fmla="*/ 3128291 w 5013345"/>
-                <a:gd name="connsiteY1" fmla="*/ 184845 h 4856123"/>
-                <a:gd name="connsiteX2" fmla="*/ 4648170 w 5013345"/>
-                <a:gd name="connsiteY2" fmla="*/ 549216 h 4856123"/>
-                <a:gd name="connsiteX3" fmla="*/ 4793911 w 5013345"/>
-                <a:gd name="connsiteY3" fmla="*/ 2079578 h 4856123"/>
-                <a:gd name="connsiteX4" fmla="*/ 2732706 w 5013345"/>
-                <a:gd name="connsiteY4" fmla="*/ 2641752 h 4856123"/>
-                <a:gd name="connsiteX5" fmla="*/ 1889486 w 5013345"/>
-                <a:gd name="connsiteY5" fmla="*/ 4703057 h 4856123"/>
-                <a:gd name="connsiteX6" fmla="*/ 307145 w 5013345"/>
-                <a:gd name="connsiteY6" fmla="*/ 4307452 h 4856123"/>
-                <a:gd name="connsiteX7" fmla="*/ 192634 w 5013345"/>
-                <a:gd name="connsiteY7" fmla="*/ 2870787 h 4856123"/>
-                <a:gd name="connsiteX8" fmla="*/ 2253840 w 5013345"/>
-                <a:gd name="connsiteY8" fmla="*/ 2173274 h 4856123"/>
-              </a:gdLst>
-              <a:ahLst/>
-              <a:cxnLst>
-                <a:cxn ang="0">
-                  <a:pos x="connsiteX0" y="connsiteY0"/>
-                </a:cxn>
-                <a:cxn ang="0">
-                  <a:pos x="connsiteX1" y="connsiteY1"/>
-                </a:cxn>
-                <a:cxn ang="0">
-                  <a:pos x="connsiteX2" y="connsiteY2"/>
-                </a:cxn>
-                <a:cxn ang="0">
-                  <a:pos x="connsiteX3" y="connsiteY3"/>
-                </a:cxn>
-                <a:cxn ang="0">
-                  <a:pos x="connsiteX4" y="connsiteY4"/>
-                </a:cxn>
-                <a:cxn ang="0">
-                  <a:pos x="connsiteX5" y="connsiteY5"/>
-                </a:cxn>
-                <a:cxn ang="0">
-                  <a:pos x="connsiteX6" y="connsiteY6"/>
-                </a:cxn>
-                <a:cxn ang="0">
-                  <a:pos x="connsiteX7" y="connsiteY7"/>
-                </a:cxn>
-                <a:cxn ang="0">
-                  <a:pos x="connsiteX8" y="connsiteY8"/>
-                </a:cxn>
-              </a:cxnLst>
-              <a:rect l="l" t="t" r="r" b="b"/>
-              <a:pathLst>
-                <a:path w="5013345" h="4856123">
-                  <a:moveTo>
-                    <a:pt x="2253840" y="2173274"/>
-                  </a:moveTo>
-                  <a:cubicBezTo>
-                    <a:pt x="2743116" y="1725617"/>
-                    <a:pt x="2451632" y="656794"/>
-                    <a:pt x="3128291" y="184845"/>
-                  </a:cubicBezTo>
-                  <a:cubicBezTo>
-                    <a:pt x="3804950" y="-276693"/>
-                    <a:pt x="4370567" y="233427"/>
-                    <a:pt x="4648170" y="549216"/>
-                  </a:cubicBezTo>
-                  <a:cubicBezTo>
-                    <a:pt x="4925773" y="865005"/>
-                    <a:pt x="5231135" y="1555576"/>
-                    <a:pt x="4793911" y="2079578"/>
-                  </a:cubicBezTo>
-                  <a:cubicBezTo>
-                    <a:pt x="4138074" y="2770150"/>
-                    <a:pt x="3218512" y="2209711"/>
-                    <a:pt x="2732706" y="2641752"/>
-                  </a:cubicBezTo>
-                  <a:cubicBezTo>
-                    <a:pt x="2246900" y="3073793"/>
-                    <a:pt x="2673715" y="4109652"/>
-                    <a:pt x="1889486" y="4703057"/>
-                  </a:cubicBezTo>
-                  <a:cubicBezTo>
-                    <a:pt x="1344690" y="5109071"/>
-                    <a:pt x="589954" y="4612830"/>
-                    <a:pt x="307145" y="4307452"/>
-                  </a:cubicBezTo>
-                  <a:cubicBezTo>
-                    <a:pt x="24336" y="4002074"/>
-                    <a:pt x="-157841" y="3304564"/>
-                    <a:pt x="192634" y="2870787"/>
-                  </a:cubicBezTo>
-                  <a:cubicBezTo>
-                    <a:pt x="782542" y="2093459"/>
-                    <a:pt x="1764564" y="2620931"/>
-                    <a:pt x="2253840" y="2173274"/>
-                  </a:cubicBezTo>
-                  <a:close/>
-                </a:path>
-              </a:pathLst>
-            </a:custGeom>
-            <a:solidFill>
-              <a:srgbClr val="000000"/>
-            </a:solidFill>
-            <a:ln w="76200" cmpd="sng">
-              <a:solidFill>
-                <a:srgbClr val="5592EC"/>
-              </a:solidFill>
-            </a:ln>
-          </p:spPr>
-          <p:style>
-            <a:lnRef idx="2">
-              <a:schemeClr val="accent1">
-                <a:shade val="50000"/>
-              </a:schemeClr>
-            </a:lnRef>
-            <a:fillRef idx="1">
-              <a:schemeClr val="accent1"/>
-            </a:fillRef>
-            <a:effectRef idx="0">
-              <a:schemeClr val="accent1"/>
-            </a:effectRef>
-            <a:fontRef idx="minor">
-              <a:schemeClr val="lt1"/>
-            </a:fontRef>
-          </p:style>
-          <p:txBody>
-            <a:bodyPr rtlCol="0" anchor="ctr"/>
-            <a:lstStyle/>
-            <a:p>
-              <a:pPr algn="ctr"/>
-              <a:endParaRPr lang="en-US"/>
-            </a:p>
-          </p:txBody>
-        </p:sp>
-        <p:sp>
-          <p:nvSpPr>
-            <p:cNvPr id="7" name="Freeform 6"/>
-            <p:cNvSpPr/>
-            <p:nvPr/>
-          </p:nvSpPr>
-          <p:spPr>
-            <a:xfrm>
-              <a:off x="-337695" y="4112197"/>
-              <a:ext cx="728709" cy="749565"/>
-            </a:xfrm>
-            <a:custGeom>
-              <a:avLst/>
-              <a:gdLst>
-                <a:gd name="connsiteX0" fmla="*/ 0 w 728709"/>
-                <a:gd name="connsiteY0" fmla="*/ 333140 h 749565"/>
-                <a:gd name="connsiteX1" fmla="*/ 728709 w 728709"/>
-                <a:gd name="connsiteY1" fmla="*/ 0 h 749565"/>
-                <a:gd name="connsiteX2" fmla="*/ 385175 w 728709"/>
-                <a:gd name="connsiteY2" fmla="*/ 749565 h 749565"/>
-              </a:gdLst>
-              <a:ahLst/>
-              <a:cxnLst>
-                <a:cxn ang="0">
-                  <a:pos x="connsiteX0" y="connsiteY0"/>
-                </a:cxn>
-                <a:cxn ang="0">
-                  <a:pos x="connsiteX1" y="connsiteY1"/>
-                </a:cxn>
-                <a:cxn ang="0">
-                  <a:pos x="connsiteX2" y="connsiteY2"/>
-                </a:cxn>
-              </a:cxnLst>
-              <a:rect l="l" t="t" r="r" b="b"/>
-              <a:pathLst>
-                <a:path w="728709" h="749565">
-                  <a:moveTo>
-                    <a:pt x="0" y="333140"/>
-                  </a:moveTo>
-                  <a:lnTo>
-                    <a:pt x="728709" y="0"/>
-                  </a:lnTo>
-                  <a:lnTo>
-                    <a:pt x="385175" y="749565"/>
-                  </a:lnTo>
-                </a:path>
-              </a:pathLst>
-            </a:custGeom>
-            <a:ln w="76200" cap="rnd" cmpd="sng">
-              <a:solidFill>
-                <a:schemeClr val="bg1"/>
-              </a:solidFill>
-            </a:ln>
-            <a:effectLst/>
-          </p:spPr>
-          <p:style>
-            <a:lnRef idx="2">
-              <a:schemeClr val="accent1"/>
-            </a:lnRef>
-            <a:fillRef idx="0">
-              <a:schemeClr val="accent1"/>
-            </a:fillRef>
-            <a:effectRef idx="1">
-              <a:schemeClr val="accent1"/>
-            </a:effectRef>
-            <a:fontRef idx="minor">
-              <a:schemeClr val="tx1"/>
-            </a:fontRef>
-          </p:style>
-          <p:txBody>
-            <a:bodyPr rtlCol="0" anchor="ctr"/>
-            <a:lstStyle/>
-            <a:p>
-              <a:pPr algn="ctr"/>
-              <a:endParaRPr lang="en-US"/>
-            </a:p>
-          </p:txBody>
-        </p:sp>
-        <p:cxnSp>
-          <p:nvCxnSpPr>
-            <p:cNvPr id="8" name="Straight Connector 7"/>
-            <p:cNvCxnSpPr/>
-            <p:nvPr/>
-          </p:nvCxnSpPr>
-          <p:spPr>
-            <a:xfrm flipV="1">
-              <a:off x="849060" y="3799879"/>
-              <a:ext cx="458046" cy="458067"/>
-            </a:xfrm>
-            <a:prstGeom prst="line">
-              <a:avLst/>
-            </a:prstGeom>
-            <a:ln w="76200" cap="rnd" cmpd="sng">
-              <a:solidFill>
-                <a:schemeClr val="bg1"/>
-              </a:solidFill>
-            </a:ln>
-            <a:effectLst/>
-          </p:spPr>
-          <p:style>
-            <a:lnRef idx="2">
-              <a:schemeClr val="accent1"/>
-            </a:lnRef>
-            <a:fillRef idx="0">
-              <a:schemeClr val="accent1"/>
-            </a:fillRef>
-            <a:effectRef idx="1">
-              <a:schemeClr val="accent1"/>
-            </a:effectRef>
-            <a:fontRef idx="minor">
-              <a:schemeClr val="tx1"/>
-            </a:fontRef>
-          </p:style>
-        </p:cxnSp>
-      </p:grpSp>
       <p:sp>
         <p:nvSpPr>
           <p:cNvPr id="9" name="TextBox 8"/>
@@ -53665,6 +51589,29 @@
           </a:p>
         </p:txBody>
       </p:sp>
+      <p:pic>
+        <p:nvPicPr>
+          <p:cNvPr id="10" name="Picture 9"/>
+          <p:cNvPicPr>
+            <a:picLocks noChangeAspect="1"/>
+          </p:cNvPicPr>
+          <p:nvPr/>
+        </p:nvPicPr>
+        <p:blipFill rotWithShape="1">
+          <a:blip r:embed="rId3"/>
+          <a:srcRect t="24888" b="22068"/>
+          <a:stretch/>
+        </p:blipFill>
+        <p:spPr>
+          <a:xfrm>
+            <a:off x="2066589" y="4823564"/>
+            <a:ext cx="1819812" cy="965312"/>
+          </a:xfrm>
+          <a:prstGeom prst="rect">
+            <a:avLst/>
+          </a:prstGeom>
+        </p:spPr>
+      </p:pic>
     </p:spTree>
     <p:extLst>
       <p:ext uri="{BB962C8B-B14F-4D97-AF65-F5344CB8AC3E}">
@@ -53767,1056 +51714,6 @@
           </a:prstGeom>
         </p:spPr>
       </p:pic>
-      <p:grpSp>
-        <p:nvGrpSpPr>
-          <p:cNvPr id="3" name="Group 2"/>
-          <p:cNvGrpSpPr/>
-          <p:nvPr/>
-        </p:nvGrpSpPr>
-        <p:grpSpPr>
-          <a:xfrm>
-            <a:off x="5012222" y="3388537"/>
-            <a:ext cx="1361765" cy="1319059"/>
-            <a:chOff x="-853044" y="918684"/>
-            <a:chExt cx="5013345" cy="4856123"/>
-          </a:xfrm>
-        </p:grpSpPr>
-        <p:sp>
-          <p:nvSpPr>
-            <p:cNvPr id="4" name="Freeform 3"/>
-            <p:cNvSpPr/>
-            <p:nvPr/>
-          </p:nvSpPr>
-          <p:spPr>
-            <a:xfrm>
-              <a:off x="-853044" y="918684"/>
-              <a:ext cx="5013345" cy="4856123"/>
-            </a:xfrm>
-            <a:custGeom>
-              <a:avLst/>
-              <a:gdLst>
-                <a:gd name="connsiteX0" fmla="*/ 2342280 w 5038504"/>
-                <a:gd name="connsiteY0" fmla="*/ 2082125 h 4809709"/>
-                <a:gd name="connsiteX1" fmla="*/ 3331243 w 5038504"/>
-                <a:gd name="connsiteY1" fmla="*/ 0 h 4809709"/>
-                <a:gd name="connsiteX2" fmla="*/ 4736610 w 5038504"/>
-                <a:gd name="connsiteY2" fmla="*/ 458067 h 4809709"/>
-                <a:gd name="connsiteX3" fmla="*/ 5038504 w 5038504"/>
-                <a:gd name="connsiteY3" fmla="*/ 1790627 h 4809709"/>
-                <a:gd name="connsiteX4" fmla="*/ 2821146 w 5038504"/>
-                <a:gd name="connsiteY4" fmla="*/ 2550603 h 4809709"/>
-                <a:gd name="connsiteX5" fmla="*/ 1467829 w 5038504"/>
-                <a:gd name="connsiteY5" fmla="*/ 4809709 h 4809709"/>
-                <a:gd name="connsiteX6" fmla="*/ 364355 w 5038504"/>
-                <a:gd name="connsiteY6" fmla="*/ 4247535 h 4809709"/>
-                <a:gd name="connsiteX7" fmla="*/ 0 w 5038504"/>
-                <a:gd name="connsiteY7" fmla="*/ 3206473 h 4809709"/>
-                <a:gd name="connsiteX8" fmla="*/ 2342280 w 5038504"/>
-                <a:gd name="connsiteY8" fmla="*/ 2082125 h 4809709"/>
-                <a:gd name="connsiteX0" fmla="*/ 2342280 w 5038504"/>
-                <a:gd name="connsiteY0" fmla="*/ 2082125 h 4809709"/>
-                <a:gd name="connsiteX1" fmla="*/ 3331243 w 5038504"/>
-                <a:gd name="connsiteY1" fmla="*/ 0 h 4809709"/>
-                <a:gd name="connsiteX2" fmla="*/ 4736610 w 5038504"/>
-                <a:gd name="connsiteY2" fmla="*/ 458067 h 4809709"/>
-                <a:gd name="connsiteX3" fmla="*/ 5038504 w 5038504"/>
-                <a:gd name="connsiteY3" fmla="*/ 1790627 h 4809709"/>
-                <a:gd name="connsiteX4" fmla="*/ 2821146 w 5038504"/>
-                <a:gd name="connsiteY4" fmla="*/ 2550603 h 4809709"/>
-                <a:gd name="connsiteX5" fmla="*/ 1467829 w 5038504"/>
-                <a:gd name="connsiteY5" fmla="*/ 4809709 h 4809709"/>
-                <a:gd name="connsiteX6" fmla="*/ 364355 w 5038504"/>
-                <a:gd name="connsiteY6" fmla="*/ 4247535 h 4809709"/>
-                <a:gd name="connsiteX7" fmla="*/ 0 w 5038504"/>
-                <a:gd name="connsiteY7" fmla="*/ 3206473 h 4809709"/>
-                <a:gd name="connsiteX8" fmla="*/ 2342280 w 5038504"/>
-                <a:gd name="connsiteY8" fmla="*/ 2082125 h 4809709"/>
-                <a:gd name="connsiteX0" fmla="*/ 2342280 w 5038504"/>
-                <a:gd name="connsiteY0" fmla="*/ 2091783 h 4819367"/>
-                <a:gd name="connsiteX1" fmla="*/ 3331243 w 5038504"/>
-                <a:gd name="connsiteY1" fmla="*/ 9658 h 4819367"/>
-                <a:gd name="connsiteX2" fmla="*/ 4736610 w 5038504"/>
-                <a:gd name="connsiteY2" fmla="*/ 467725 h 4819367"/>
-                <a:gd name="connsiteX3" fmla="*/ 5038504 w 5038504"/>
-                <a:gd name="connsiteY3" fmla="*/ 1800285 h 4819367"/>
-                <a:gd name="connsiteX4" fmla="*/ 2821146 w 5038504"/>
-                <a:gd name="connsiteY4" fmla="*/ 2560261 h 4819367"/>
-                <a:gd name="connsiteX5" fmla="*/ 1467829 w 5038504"/>
-                <a:gd name="connsiteY5" fmla="*/ 4819367 h 4819367"/>
-                <a:gd name="connsiteX6" fmla="*/ 364355 w 5038504"/>
-                <a:gd name="connsiteY6" fmla="*/ 4257193 h 4819367"/>
-                <a:gd name="connsiteX7" fmla="*/ 0 w 5038504"/>
-                <a:gd name="connsiteY7" fmla="*/ 3216131 h 4819367"/>
-                <a:gd name="connsiteX8" fmla="*/ 2342280 w 5038504"/>
-                <a:gd name="connsiteY8" fmla="*/ 2091783 h 4819367"/>
-                <a:gd name="connsiteX0" fmla="*/ 2342280 w 5038504"/>
-                <a:gd name="connsiteY0" fmla="*/ 2162517 h 4890101"/>
-                <a:gd name="connsiteX1" fmla="*/ 3331243 w 5038504"/>
-                <a:gd name="connsiteY1" fmla="*/ 80392 h 4890101"/>
-                <a:gd name="connsiteX2" fmla="*/ 4736610 w 5038504"/>
-                <a:gd name="connsiteY2" fmla="*/ 538459 h 4890101"/>
-                <a:gd name="connsiteX3" fmla="*/ 5038504 w 5038504"/>
-                <a:gd name="connsiteY3" fmla="*/ 1871019 h 4890101"/>
-                <a:gd name="connsiteX4" fmla="*/ 2821146 w 5038504"/>
-                <a:gd name="connsiteY4" fmla="*/ 2630995 h 4890101"/>
-                <a:gd name="connsiteX5" fmla="*/ 1467829 w 5038504"/>
-                <a:gd name="connsiteY5" fmla="*/ 4890101 h 4890101"/>
-                <a:gd name="connsiteX6" fmla="*/ 364355 w 5038504"/>
-                <a:gd name="connsiteY6" fmla="*/ 4327927 h 4890101"/>
-                <a:gd name="connsiteX7" fmla="*/ 0 w 5038504"/>
-                <a:gd name="connsiteY7" fmla="*/ 3286865 h 4890101"/>
-                <a:gd name="connsiteX8" fmla="*/ 2342280 w 5038504"/>
-                <a:gd name="connsiteY8" fmla="*/ 2162517 h 4890101"/>
-                <a:gd name="connsiteX0" fmla="*/ 2342280 w 5038504"/>
-                <a:gd name="connsiteY0" fmla="*/ 2198230 h 4925814"/>
-                <a:gd name="connsiteX1" fmla="*/ 3331243 w 5038504"/>
-                <a:gd name="connsiteY1" fmla="*/ 116105 h 4925814"/>
-                <a:gd name="connsiteX2" fmla="*/ 4736610 w 5038504"/>
-                <a:gd name="connsiteY2" fmla="*/ 574172 h 4925814"/>
-                <a:gd name="connsiteX3" fmla="*/ 5038504 w 5038504"/>
-                <a:gd name="connsiteY3" fmla="*/ 1906732 h 4925814"/>
-                <a:gd name="connsiteX4" fmla="*/ 2821146 w 5038504"/>
-                <a:gd name="connsiteY4" fmla="*/ 2666708 h 4925814"/>
-                <a:gd name="connsiteX5" fmla="*/ 1467829 w 5038504"/>
-                <a:gd name="connsiteY5" fmla="*/ 4925814 h 4925814"/>
-                <a:gd name="connsiteX6" fmla="*/ 364355 w 5038504"/>
-                <a:gd name="connsiteY6" fmla="*/ 4363640 h 4925814"/>
-                <a:gd name="connsiteX7" fmla="*/ 0 w 5038504"/>
-                <a:gd name="connsiteY7" fmla="*/ 3322578 h 4925814"/>
-                <a:gd name="connsiteX8" fmla="*/ 2342280 w 5038504"/>
-                <a:gd name="connsiteY8" fmla="*/ 2198230 h 4925814"/>
-                <a:gd name="connsiteX0" fmla="*/ 2342280 w 5038504"/>
-                <a:gd name="connsiteY0" fmla="*/ 2181613 h 4909197"/>
-                <a:gd name="connsiteX1" fmla="*/ 3331243 w 5038504"/>
-                <a:gd name="connsiteY1" fmla="*/ 99488 h 4909197"/>
-                <a:gd name="connsiteX2" fmla="*/ 4736610 w 5038504"/>
-                <a:gd name="connsiteY2" fmla="*/ 557555 h 4909197"/>
-                <a:gd name="connsiteX3" fmla="*/ 5038504 w 5038504"/>
-                <a:gd name="connsiteY3" fmla="*/ 1890115 h 4909197"/>
-                <a:gd name="connsiteX4" fmla="*/ 2821146 w 5038504"/>
-                <a:gd name="connsiteY4" fmla="*/ 2650091 h 4909197"/>
-                <a:gd name="connsiteX5" fmla="*/ 1467829 w 5038504"/>
-                <a:gd name="connsiteY5" fmla="*/ 4909197 h 4909197"/>
-                <a:gd name="connsiteX6" fmla="*/ 364355 w 5038504"/>
-                <a:gd name="connsiteY6" fmla="*/ 4347023 h 4909197"/>
-                <a:gd name="connsiteX7" fmla="*/ 0 w 5038504"/>
-                <a:gd name="connsiteY7" fmla="*/ 3305961 h 4909197"/>
-                <a:gd name="connsiteX8" fmla="*/ 2342280 w 5038504"/>
-                <a:gd name="connsiteY8" fmla="*/ 2181613 h 4909197"/>
-                <a:gd name="connsiteX0" fmla="*/ 2342280 w 5354014"/>
-                <a:gd name="connsiteY0" fmla="*/ 2181613 h 4909197"/>
-                <a:gd name="connsiteX1" fmla="*/ 3331243 w 5354014"/>
-                <a:gd name="connsiteY1" fmla="*/ 99488 h 4909197"/>
-                <a:gd name="connsiteX2" fmla="*/ 4736610 w 5354014"/>
-                <a:gd name="connsiteY2" fmla="*/ 557555 h 4909197"/>
-                <a:gd name="connsiteX3" fmla="*/ 5038504 w 5354014"/>
-                <a:gd name="connsiteY3" fmla="*/ 1890115 h 4909197"/>
-                <a:gd name="connsiteX4" fmla="*/ 2821146 w 5354014"/>
-                <a:gd name="connsiteY4" fmla="*/ 2650091 h 4909197"/>
-                <a:gd name="connsiteX5" fmla="*/ 1467829 w 5354014"/>
-                <a:gd name="connsiteY5" fmla="*/ 4909197 h 4909197"/>
-                <a:gd name="connsiteX6" fmla="*/ 364355 w 5354014"/>
-                <a:gd name="connsiteY6" fmla="*/ 4347023 h 4909197"/>
-                <a:gd name="connsiteX7" fmla="*/ 0 w 5354014"/>
-                <a:gd name="connsiteY7" fmla="*/ 3305961 h 4909197"/>
-                <a:gd name="connsiteX8" fmla="*/ 2342280 w 5354014"/>
-                <a:gd name="connsiteY8" fmla="*/ 2181613 h 4909197"/>
-                <a:gd name="connsiteX0" fmla="*/ 2342280 w 5202205"/>
-                <a:gd name="connsiteY0" fmla="*/ 2181613 h 4909197"/>
-                <a:gd name="connsiteX1" fmla="*/ 3331243 w 5202205"/>
-                <a:gd name="connsiteY1" fmla="*/ 99488 h 4909197"/>
-                <a:gd name="connsiteX2" fmla="*/ 4736610 w 5202205"/>
-                <a:gd name="connsiteY2" fmla="*/ 557555 h 4909197"/>
-                <a:gd name="connsiteX3" fmla="*/ 5038504 w 5202205"/>
-                <a:gd name="connsiteY3" fmla="*/ 1890115 h 4909197"/>
-                <a:gd name="connsiteX4" fmla="*/ 2821146 w 5202205"/>
-                <a:gd name="connsiteY4" fmla="*/ 2650091 h 4909197"/>
-                <a:gd name="connsiteX5" fmla="*/ 1467829 w 5202205"/>
-                <a:gd name="connsiteY5" fmla="*/ 4909197 h 4909197"/>
-                <a:gd name="connsiteX6" fmla="*/ 364355 w 5202205"/>
-                <a:gd name="connsiteY6" fmla="*/ 4347023 h 4909197"/>
-                <a:gd name="connsiteX7" fmla="*/ 0 w 5202205"/>
-                <a:gd name="connsiteY7" fmla="*/ 3305961 h 4909197"/>
-                <a:gd name="connsiteX8" fmla="*/ 2342280 w 5202205"/>
-                <a:gd name="connsiteY8" fmla="*/ 2181613 h 4909197"/>
-                <a:gd name="connsiteX0" fmla="*/ 2342280 w 5165622"/>
-                <a:gd name="connsiteY0" fmla="*/ 2181613 h 4909197"/>
-                <a:gd name="connsiteX1" fmla="*/ 3331243 w 5165622"/>
-                <a:gd name="connsiteY1" fmla="*/ 99488 h 4909197"/>
-                <a:gd name="connsiteX2" fmla="*/ 4736610 w 5165622"/>
-                <a:gd name="connsiteY2" fmla="*/ 557555 h 4909197"/>
-                <a:gd name="connsiteX3" fmla="*/ 5038504 w 5165622"/>
-                <a:gd name="connsiteY3" fmla="*/ 1890115 h 4909197"/>
-                <a:gd name="connsiteX4" fmla="*/ 2821146 w 5165622"/>
-                <a:gd name="connsiteY4" fmla="*/ 2650091 h 4909197"/>
-                <a:gd name="connsiteX5" fmla="*/ 1467829 w 5165622"/>
-                <a:gd name="connsiteY5" fmla="*/ 4909197 h 4909197"/>
-                <a:gd name="connsiteX6" fmla="*/ 364355 w 5165622"/>
-                <a:gd name="connsiteY6" fmla="*/ 4347023 h 4909197"/>
-                <a:gd name="connsiteX7" fmla="*/ 0 w 5165622"/>
-                <a:gd name="connsiteY7" fmla="*/ 3305961 h 4909197"/>
-                <a:gd name="connsiteX8" fmla="*/ 2342280 w 5165622"/>
-                <a:gd name="connsiteY8" fmla="*/ 2181613 h 4909197"/>
-                <a:gd name="connsiteX0" fmla="*/ 2342280 w 5130871"/>
-                <a:gd name="connsiteY0" fmla="*/ 2179637 h 4907221"/>
-                <a:gd name="connsiteX1" fmla="*/ 3331243 w 5130871"/>
-                <a:gd name="connsiteY1" fmla="*/ 97512 h 4907221"/>
-                <a:gd name="connsiteX2" fmla="*/ 4736610 w 5130871"/>
-                <a:gd name="connsiteY2" fmla="*/ 555579 h 4907221"/>
-                <a:gd name="connsiteX3" fmla="*/ 4996863 w 5130871"/>
-                <a:gd name="connsiteY3" fmla="*/ 1981835 h 4907221"/>
-                <a:gd name="connsiteX4" fmla="*/ 2821146 w 5130871"/>
-                <a:gd name="connsiteY4" fmla="*/ 2648115 h 4907221"/>
-                <a:gd name="connsiteX5" fmla="*/ 1467829 w 5130871"/>
-                <a:gd name="connsiteY5" fmla="*/ 4907221 h 4907221"/>
-                <a:gd name="connsiteX6" fmla="*/ 364355 w 5130871"/>
-                <a:gd name="connsiteY6" fmla="*/ 4345047 h 4907221"/>
-                <a:gd name="connsiteX7" fmla="*/ 0 w 5130871"/>
-                <a:gd name="connsiteY7" fmla="*/ 3303985 h 4907221"/>
-                <a:gd name="connsiteX8" fmla="*/ 2342280 w 5130871"/>
-                <a:gd name="connsiteY8" fmla="*/ 2179637 h 4907221"/>
-                <a:gd name="connsiteX0" fmla="*/ 2342280 w 5186156"/>
-                <a:gd name="connsiteY0" fmla="*/ 2179637 h 4907221"/>
-                <a:gd name="connsiteX1" fmla="*/ 3331243 w 5186156"/>
-                <a:gd name="connsiteY1" fmla="*/ 97512 h 4907221"/>
-                <a:gd name="connsiteX2" fmla="*/ 4736610 w 5186156"/>
-                <a:gd name="connsiteY2" fmla="*/ 555579 h 4907221"/>
-                <a:gd name="connsiteX3" fmla="*/ 4996863 w 5186156"/>
-                <a:gd name="connsiteY3" fmla="*/ 1981835 h 4907221"/>
-                <a:gd name="connsiteX4" fmla="*/ 2821146 w 5186156"/>
-                <a:gd name="connsiteY4" fmla="*/ 2648115 h 4907221"/>
-                <a:gd name="connsiteX5" fmla="*/ 1467829 w 5186156"/>
-                <a:gd name="connsiteY5" fmla="*/ 4907221 h 4907221"/>
-                <a:gd name="connsiteX6" fmla="*/ 364355 w 5186156"/>
-                <a:gd name="connsiteY6" fmla="*/ 4345047 h 4907221"/>
-                <a:gd name="connsiteX7" fmla="*/ 0 w 5186156"/>
-                <a:gd name="connsiteY7" fmla="*/ 3303985 h 4907221"/>
-                <a:gd name="connsiteX8" fmla="*/ 2342280 w 5186156"/>
-                <a:gd name="connsiteY8" fmla="*/ 2179637 h 4907221"/>
-                <a:gd name="connsiteX0" fmla="*/ 2342280 w 5186156"/>
-                <a:gd name="connsiteY0" fmla="*/ 2179637 h 4907221"/>
-                <a:gd name="connsiteX1" fmla="*/ 3331243 w 5186156"/>
-                <a:gd name="connsiteY1" fmla="*/ 97512 h 4907221"/>
-                <a:gd name="connsiteX2" fmla="*/ 4736610 w 5186156"/>
-                <a:gd name="connsiteY2" fmla="*/ 555579 h 4907221"/>
-                <a:gd name="connsiteX3" fmla="*/ 4996863 w 5186156"/>
-                <a:gd name="connsiteY3" fmla="*/ 1981835 h 4907221"/>
-                <a:gd name="connsiteX4" fmla="*/ 2821146 w 5186156"/>
-                <a:gd name="connsiteY4" fmla="*/ 2648115 h 4907221"/>
-                <a:gd name="connsiteX5" fmla="*/ 1467829 w 5186156"/>
-                <a:gd name="connsiteY5" fmla="*/ 4907221 h 4907221"/>
-                <a:gd name="connsiteX6" fmla="*/ 364355 w 5186156"/>
-                <a:gd name="connsiteY6" fmla="*/ 4345047 h 4907221"/>
-                <a:gd name="connsiteX7" fmla="*/ 0 w 5186156"/>
-                <a:gd name="connsiteY7" fmla="*/ 3303985 h 4907221"/>
-                <a:gd name="connsiteX8" fmla="*/ 2342280 w 5186156"/>
-                <a:gd name="connsiteY8" fmla="*/ 2179637 h 4907221"/>
-                <a:gd name="connsiteX0" fmla="*/ 2342280 w 5186156"/>
-                <a:gd name="connsiteY0" fmla="*/ 2179637 h 4907221"/>
-                <a:gd name="connsiteX1" fmla="*/ 3331243 w 5186156"/>
-                <a:gd name="connsiteY1" fmla="*/ 97512 h 4907221"/>
-                <a:gd name="connsiteX2" fmla="*/ 4736610 w 5186156"/>
-                <a:gd name="connsiteY2" fmla="*/ 555579 h 4907221"/>
-                <a:gd name="connsiteX3" fmla="*/ 4996863 w 5186156"/>
-                <a:gd name="connsiteY3" fmla="*/ 1981835 h 4907221"/>
-                <a:gd name="connsiteX4" fmla="*/ 2821146 w 5186156"/>
-                <a:gd name="connsiteY4" fmla="*/ 2648115 h 4907221"/>
-                <a:gd name="connsiteX5" fmla="*/ 1467829 w 5186156"/>
-                <a:gd name="connsiteY5" fmla="*/ 4907221 h 4907221"/>
-                <a:gd name="connsiteX6" fmla="*/ 364355 w 5186156"/>
-                <a:gd name="connsiteY6" fmla="*/ 4345047 h 4907221"/>
-                <a:gd name="connsiteX7" fmla="*/ 0 w 5186156"/>
-                <a:gd name="connsiteY7" fmla="*/ 3303985 h 4907221"/>
-                <a:gd name="connsiteX8" fmla="*/ 2342280 w 5186156"/>
-                <a:gd name="connsiteY8" fmla="*/ 2179637 h 4907221"/>
-                <a:gd name="connsiteX0" fmla="*/ 2342280 w 5186156"/>
-                <a:gd name="connsiteY0" fmla="*/ 2179637 h 4907221"/>
-                <a:gd name="connsiteX1" fmla="*/ 3331243 w 5186156"/>
-                <a:gd name="connsiteY1" fmla="*/ 97512 h 4907221"/>
-                <a:gd name="connsiteX2" fmla="*/ 4736610 w 5186156"/>
-                <a:gd name="connsiteY2" fmla="*/ 555579 h 4907221"/>
-                <a:gd name="connsiteX3" fmla="*/ 4996863 w 5186156"/>
-                <a:gd name="connsiteY3" fmla="*/ 1981835 h 4907221"/>
-                <a:gd name="connsiteX4" fmla="*/ 2821146 w 5186156"/>
-                <a:gd name="connsiteY4" fmla="*/ 2648115 h 4907221"/>
-                <a:gd name="connsiteX5" fmla="*/ 1467829 w 5186156"/>
-                <a:gd name="connsiteY5" fmla="*/ 4907221 h 4907221"/>
-                <a:gd name="connsiteX6" fmla="*/ 364355 w 5186156"/>
-                <a:gd name="connsiteY6" fmla="*/ 4345047 h 4907221"/>
-                <a:gd name="connsiteX7" fmla="*/ 0 w 5186156"/>
-                <a:gd name="connsiteY7" fmla="*/ 3303985 h 4907221"/>
-                <a:gd name="connsiteX8" fmla="*/ 2342280 w 5186156"/>
-                <a:gd name="connsiteY8" fmla="*/ 2179637 h 4907221"/>
-                <a:gd name="connsiteX0" fmla="*/ 2342280 w 5186156"/>
-                <a:gd name="connsiteY0" fmla="*/ 2179637 h 4907221"/>
-                <a:gd name="connsiteX1" fmla="*/ 3331243 w 5186156"/>
-                <a:gd name="connsiteY1" fmla="*/ 97512 h 4907221"/>
-                <a:gd name="connsiteX2" fmla="*/ 4736610 w 5186156"/>
-                <a:gd name="connsiteY2" fmla="*/ 555579 h 4907221"/>
-                <a:gd name="connsiteX3" fmla="*/ 4996863 w 5186156"/>
-                <a:gd name="connsiteY3" fmla="*/ 1981835 h 4907221"/>
-                <a:gd name="connsiteX4" fmla="*/ 2821146 w 5186156"/>
-                <a:gd name="connsiteY4" fmla="*/ 2648115 h 4907221"/>
-                <a:gd name="connsiteX5" fmla="*/ 1467829 w 5186156"/>
-                <a:gd name="connsiteY5" fmla="*/ 4907221 h 4907221"/>
-                <a:gd name="connsiteX6" fmla="*/ 364355 w 5186156"/>
-                <a:gd name="connsiteY6" fmla="*/ 4345047 h 4907221"/>
-                <a:gd name="connsiteX7" fmla="*/ 0 w 5186156"/>
-                <a:gd name="connsiteY7" fmla="*/ 3303985 h 4907221"/>
-                <a:gd name="connsiteX8" fmla="*/ 2342280 w 5186156"/>
-                <a:gd name="connsiteY8" fmla="*/ 2179637 h 4907221"/>
-                <a:gd name="connsiteX0" fmla="*/ 2458828 w 5302704"/>
-                <a:gd name="connsiteY0" fmla="*/ 2179637 h 4907221"/>
-                <a:gd name="connsiteX1" fmla="*/ 3447791 w 5302704"/>
-                <a:gd name="connsiteY1" fmla="*/ 97512 h 4907221"/>
-                <a:gd name="connsiteX2" fmla="*/ 4853158 w 5302704"/>
-                <a:gd name="connsiteY2" fmla="*/ 555579 h 4907221"/>
-                <a:gd name="connsiteX3" fmla="*/ 5113411 w 5302704"/>
-                <a:gd name="connsiteY3" fmla="*/ 1981835 h 4907221"/>
-                <a:gd name="connsiteX4" fmla="*/ 2937694 w 5302704"/>
-                <a:gd name="connsiteY4" fmla="*/ 2648115 h 4907221"/>
-                <a:gd name="connsiteX5" fmla="*/ 1584377 w 5302704"/>
-                <a:gd name="connsiteY5" fmla="*/ 4907221 h 4907221"/>
-                <a:gd name="connsiteX6" fmla="*/ 480903 w 5302704"/>
-                <a:gd name="connsiteY6" fmla="*/ 4345047 h 4907221"/>
-                <a:gd name="connsiteX7" fmla="*/ 116548 w 5302704"/>
-                <a:gd name="connsiteY7" fmla="*/ 3303985 h 4907221"/>
-                <a:gd name="connsiteX8" fmla="*/ 2458828 w 5302704"/>
-                <a:gd name="connsiteY8" fmla="*/ 2179637 h 4907221"/>
-                <a:gd name="connsiteX0" fmla="*/ 2353613 w 5197489"/>
-                <a:gd name="connsiteY0" fmla="*/ 2179637 h 4907221"/>
-                <a:gd name="connsiteX1" fmla="*/ 3342576 w 5197489"/>
-                <a:gd name="connsiteY1" fmla="*/ 97512 h 4907221"/>
-                <a:gd name="connsiteX2" fmla="*/ 4747943 w 5197489"/>
-                <a:gd name="connsiteY2" fmla="*/ 555579 h 4907221"/>
-                <a:gd name="connsiteX3" fmla="*/ 5008196 w 5197489"/>
-                <a:gd name="connsiteY3" fmla="*/ 1981835 h 4907221"/>
-                <a:gd name="connsiteX4" fmla="*/ 2832479 w 5197489"/>
-                <a:gd name="connsiteY4" fmla="*/ 2648115 h 4907221"/>
-                <a:gd name="connsiteX5" fmla="*/ 1479162 w 5197489"/>
-                <a:gd name="connsiteY5" fmla="*/ 4907221 h 4907221"/>
-                <a:gd name="connsiteX6" fmla="*/ 375688 w 5197489"/>
-                <a:gd name="connsiteY6" fmla="*/ 4345047 h 4907221"/>
-                <a:gd name="connsiteX7" fmla="*/ 11333 w 5197489"/>
-                <a:gd name="connsiteY7" fmla="*/ 3303985 h 4907221"/>
-                <a:gd name="connsiteX8" fmla="*/ 2353613 w 5197489"/>
-                <a:gd name="connsiteY8" fmla="*/ 2179637 h 4907221"/>
-                <a:gd name="connsiteX0" fmla="*/ 2478592 w 5322468"/>
-                <a:gd name="connsiteY0" fmla="*/ 2179637 h 4907221"/>
-                <a:gd name="connsiteX1" fmla="*/ 3467555 w 5322468"/>
-                <a:gd name="connsiteY1" fmla="*/ 97512 h 4907221"/>
-                <a:gd name="connsiteX2" fmla="*/ 4872922 w 5322468"/>
-                <a:gd name="connsiteY2" fmla="*/ 555579 h 4907221"/>
-                <a:gd name="connsiteX3" fmla="*/ 5133175 w 5322468"/>
-                <a:gd name="connsiteY3" fmla="*/ 1981835 h 4907221"/>
-                <a:gd name="connsiteX4" fmla="*/ 2957458 w 5322468"/>
-                <a:gd name="connsiteY4" fmla="*/ 2648115 h 4907221"/>
-                <a:gd name="connsiteX5" fmla="*/ 1604141 w 5322468"/>
-                <a:gd name="connsiteY5" fmla="*/ 4907221 h 4907221"/>
-                <a:gd name="connsiteX6" fmla="*/ 500667 w 5322468"/>
-                <a:gd name="connsiteY6" fmla="*/ 4345047 h 4907221"/>
-                <a:gd name="connsiteX7" fmla="*/ 136312 w 5322468"/>
-                <a:gd name="connsiteY7" fmla="*/ 3303985 h 4907221"/>
-                <a:gd name="connsiteX8" fmla="*/ 2478592 w 5322468"/>
-                <a:gd name="connsiteY8" fmla="*/ 2179637 h 4907221"/>
-                <a:gd name="connsiteX0" fmla="*/ 2478592 w 5322468"/>
-                <a:gd name="connsiteY0" fmla="*/ 2179637 h 4918222"/>
-                <a:gd name="connsiteX1" fmla="*/ 3467555 w 5322468"/>
-                <a:gd name="connsiteY1" fmla="*/ 97512 h 4918222"/>
-                <a:gd name="connsiteX2" fmla="*/ 4872922 w 5322468"/>
-                <a:gd name="connsiteY2" fmla="*/ 555579 h 4918222"/>
-                <a:gd name="connsiteX3" fmla="*/ 5133175 w 5322468"/>
-                <a:gd name="connsiteY3" fmla="*/ 1981835 h 4918222"/>
-                <a:gd name="connsiteX4" fmla="*/ 2957458 w 5322468"/>
-                <a:gd name="connsiteY4" fmla="*/ 2648115 h 4918222"/>
-                <a:gd name="connsiteX5" fmla="*/ 1604141 w 5322468"/>
-                <a:gd name="connsiteY5" fmla="*/ 4907221 h 4918222"/>
-                <a:gd name="connsiteX6" fmla="*/ 500667 w 5322468"/>
-                <a:gd name="connsiteY6" fmla="*/ 4345047 h 4918222"/>
-                <a:gd name="connsiteX7" fmla="*/ 136312 w 5322468"/>
-                <a:gd name="connsiteY7" fmla="*/ 3303985 h 4918222"/>
-                <a:gd name="connsiteX8" fmla="*/ 2478592 w 5322468"/>
-                <a:gd name="connsiteY8" fmla="*/ 2179637 h 4918222"/>
-                <a:gd name="connsiteX0" fmla="*/ 2478592 w 5322468"/>
-                <a:gd name="connsiteY0" fmla="*/ 2179637 h 4929776"/>
-                <a:gd name="connsiteX1" fmla="*/ 3467555 w 5322468"/>
-                <a:gd name="connsiteY1" fmla="*/ 97512 h 4929776"/>
-                <a:gd name="connsiteX2" fmla="*/ 4872922 w 5322468"/>
-                <a:gd name="connsiteY2" fmla="*/ 555579 h 4929776"/>
-                <a:gd name="connsiteX3" fmla="*/ 5133175 w 5322468"/>
-                <a:gd name="connsiteY3" fmla="*/ 1981835 h 4929776"/>
-                <a:gd name="connsiteX4" fmla="*/ 2957458 w 5322468"/>
-                <a:gd name="connsiteY4" fmla="*/ 2648115 h 4929776"/>
-                <a:gd name="connsiteX5" fmla="*/ 1604141 w 5322468"/>
-                <a:gd name="connsiteY5" fmla="*/ 4907221 h 4929776"/>
-                <a:gd name="connsiteX6" fmla="*/ 500667 w 5322468"/>
-                <a:gd name="connsiteY6" fmla="*/ 4345047 h 4929776"/>
-                <a:gd name="connsiteX7" fmla="*/ 136312 w 5322468"/>
-                <a:gd name="connsiteY7" fmla="*/ 3303985 h 4929776"/>
-                <a:gd name="connsiteX8" fmla="*/ 2478592 w 5322468"/>
-                <a:gd name="connsiteY8" fmla="*/ 2179637 h 4929776"/>
-                <a:gd name="connsiteX0" fmla="*/ 2471961 w 5315837"/>
-                <a:gd name="connsiteY0" fmla="*/ 2179637 h 4746122"/>
-                <a:gd name="connsiteX1" fmla="*/ 3460924 w 5315837"/>
-                <a:gd name="connsiteY1" fmla="*/ 97512 h 4746122"/>
-                <a:gd name="connsiteX2" fmla="*/ 4866291 w 5315837"/>
-                <a:gd name="connsiteY2" fmla="*/ 555579 h 4746122"/>
-                <a:gd name="connsiteX3" fmla="*/ 5126544 w 5315837"/>
-                <a:gd name="connsiteY3" fmla="*/ 1981835 h 4746122"/>
-                <a:gd name="connsiteX4" fmla="*/ 2950827 w 5315837"/>
-                <a:gd name="connsiteY4" fmla="*/ 2648115 h 4746122"/>
-                <a:gd name="connsiteX5" fmla="*/ 2107607 w 5315837"/>
-                <a:gd name="connsiteY5" fmla="*/ 4709420 h 4746122"/>
-                <a:gd name="connsiteX6" fmla="*/ 494036 w 5315837"/>
-                <a:gd name="connsiteY6" fmla="*/ 4345047 h 4746122"/>
-                <a:gd name="connsiteX7" fmla="*/ 129681 w 5315837"/>
-                <a:gd name="connsiteY7" fmla="*/ 3303985 h 4746122"/>
-                <a:gd name="connsiteX8" fmla="*/ 2471961 w 5315837"/>
-                <a:gd name="connsiteY8" fmla="*/ 2179637 h 4746122"/>
-                <a:gd name="connsiteX0" fmla="*/ 2256020 w 5099896"/>
-                <a:gd name="connsiteY0" fmla="*/ 2179637 h 4752227"/>
-                <a:gd name="connsiteX1" fmla="*/ 3244983 w 5099896"/>
-                <a:gd name="connsiteY1" fmla="*/ 97512 h 4752227"/>
-                <a:gd name="connsiteX2" fmla="*/ 4650350 w 5099896"/>
-                <a:gd name="connsiteY2" fmla="*/ 555579 h 4752227"/>
-                <a:gd name="connsiteX3" fmla="*/ 4910603 w 5099896"/>
-                <a:gd name="connsiteY3" fmla="*/ 1981835 h 4752227"/>
-                <a:gd name="connsiteX4" fmla="*/ 2734886 w 5099896"/>
-                <a:gd name="connsiteY4" fmla="*/ 2648115 h 4752227"/>
-                <a:gd name="connsiteX5" fmla="*/ 1891666 w 5099896"/>
-                <a:gd name="connsiteY5" fmla="*/ 4709420 h 4752227"/>
-                <a:gd name="connsiteX6" fmla="*/ 278095 w 5099896"/>
-                <a:gd name="connsiteY6" fmla="*/ 4345047 h 4752227"/>
-                <a:gd name="connsiteX7" fmla="*/ 194814 w 5099896"/>
-                <a:gd name="connsiteY7" fmla="*/ 2929203 h 4752227"/>
-                <a:gd name="connsiteX8" fmla="*/ 2256020 w 5099896"/>
-                <a:gd name="connsiteY8" fmla="*/ 2179637 h 4752227"/>
-                <a:gd name="connsiteX0" fmla="*/ 2148606 w 4992482"/>
-                <a:gd name="connsiteY0" fmla="*/ 2179637 h 4752227"/>
-                <a:gd name="connsiteX1" fmla="*/ 3137569 w 4992482"/>
-                <a:gd name="connsiteY1" fmla="*/ 97512 h 4752227"/>
-                <a:gd name="connsiteX2" fmla="*/ 4542936 w 4992482"/>
-                <a:gd name="connsiteY2" fmla="*/ 555579 h 4752227"/>
-                <a:gd name="connsiteX3" fmla="*/ 4803189 w 4992482"/>
-                <a:gd name="connsiteY3" fmla="*/ 1981835 h 4752227"/>
-                <a:gd name="connsiteX4" fmla="*/ 2627472 w 4992482"/>
-                <a:gd name="connsiteY4" fmla="*/ 2648115 h 4752227"/>
-                <a:gd name="connsiteX5" fmla="*/ 1784252 w 4992482"/>
-                <a:gd name="connsiteY5" fmla="*/ 4709420 h 4752227"/>
-                <a:gd name="connsiteX6" fmla="*/ 170681 w 4992482"/>
-                <a:gd name="connsiteY6" fmla="*/ 4345047 h 4752227"/>
-                <a:gd name="connsiteX7" fmla="*/ 87400 w 4992482"/>
-                <a:gd name="connsiteY7" fmla="*/ 2929203 h 4752227"/>
-                <a:gd name="connsiteX8" fmla="*/ 2148606 w 4992482"/>
-                <a:gd name="connsiteY8" fmla="*/ 2179637 h 4752227"/>
-                <a:gd name="connsiteX0" fmla="*/ 2264897 w 5108773"/>
-                <a:gd name="connsiteY0" fmla="*/ 2179637 h 4752227"/>
-                <a:gd name="connsiteX1" fmla="*/ 3253860 w 5108773"/>
-                <a:gd name="connsiteY1" fmla="*/ 97512 h 4752227"/>
-                <a:gd name="connsiteX2" fmla="*/ 4659227 w 5108773"/>
-                <a:gd name="connsiteY2" fmla="*/ 555579 h 4752227"/>
-                <a:gd name="connsiteX3" fmla="*/ 4919480 w 5108773"/>
-                <a:gd name="connsiteY3" fmla="*/ 1981835 h 4752227"/>
-                <a:gd name="connsiteX4" fmla="*/ 2743763 w 5108773"/>
-                <a:gd name="connsiteY4" fmla="*/ 2648115 h 4752227"/>
-                <a:gd name="connsiteX5" fmla="*/ 1900543 w 5108773"/>
-                <a:gd name="connsiteY5" fmla="*/ 4709420 h 4752227"/>
-                <a:gd name="connsiteX6" fmla="*/ 286972 w 5108773"/>
-                <a:gd name="connsiteY6" fmla="*/ 4345047 h 4752227"/>
-                <a:gd name="connsiteX7" fmla="*/ 203691 w 5108773"/>
-                <a:gd name="connsiteY7" fmla="*/ 2929203 h 4752227"/>
-                <a:gd name="connsiteX8" fmla="*/ 2264897 w 5108773"/>
-                <a:gd name="connsiteY8" fmla="*/ 2179637 h 4752227"/>
-                <a:gd name="connsiteX0" fmla="*/ 2264897 w 5108773"/>
-                <a:gd name="connsiteY0" fmla="*/ 2179637 h 4753204"/>
-                <a:gd name="connsiteX1" fmla="*/ 3253860 w 5108773"/>
-                <a:gd name="connsiteY1" fmla="*/ 97512 h 4753204"/>
-                <a:gd name="connsiteX2" fmla="*/ 4659227 w 5108773"/>
-                <a:gd name="connsiteY2" fmla="*/ 555579 h 4753204"/>
-                <a:gd name="connsiteX3" fmla="*/ 4919480 w 5108773"/>
-                <a:gd name="connsiteY3" fmla="*/ 1981835 h 4753204"/>
-                <a:gd name="connsiteX4" fmla="*/ 2743763 w 5108773"/>
-                <a:gd name="connsiteY4" fmla="*/ 2648115 h 4753204"/>
-                <a:gd name="connsiteX5" fmla="*/ 1900543 w 5108773"/>
-                <a:gd name="connsiteY5" fmla="*/ 4709420 h 4753204"/>
-                <a:gd name="connsiteX6" fmla="*/ 286972 w 5108773"/>
-                <a:gd name="connsiteY6" fmla="*/ 4345047 h 4753204"/>
-                <a:gd name="connsiteX7" fmla="*/ 203691 w 5108773"/>
-                <a:gd name="connsiteY7" fmla="*/ 2877150 h 4753204"/>
-                <a:gd name="connsiteX8" fmla="*/ 2264897 w 5108773"/>
-                <a:gd name="connsiteY8" fmla="*/ 2179637 h 4753204"/>
-                <a:gd name="connsiteX0" fmla="*/ 2264897 w 5108773"/>
-                <a:gd name="connsiteY0" fmla="*/ 2179637 h 4868233"/>
-                <a:gd name="connsiteX1" fmla="*/ 3253860 w 5108773"/>
-                <a:gd name="connsiteY1" fmla="*/ 97512 h 4868233"/>
-                <a:gd name="connsiteX2" fmla="*/ 4659227 w 5108773"/>
-                <a:gd name="connsiteY2" fmla="*/ 555579 h 4868233"/>
-                <a:gd name="connsiteX3" fmla="*/ 4919480 w 5108773"/>
-                <a:gd name="connsiteY3" fmla="*/ 1981835 h 4868233"/>
-                <a:gd name="connsiteX4" fmla="*/ 2743763 w 5108773"/>
-                <a:gd name="connsiteY4" fmla="*/ 2648115 h 4868233"/>
-                <a:gd name="connsiteX5" fmla="*/ 1900543 w 5108773"/>
-                <a:gd name="connsiteY5" fmla="*/ 4709420 h 4868233"/>
-                <a:gd name="connsiteX6" fmla="*/ 286972 w 5108773"/>
-                <a:gd name="connsiteY6" fmla="*/ 4345047 h 4868233"/>
-                <a:gd name="connsiteX7" fmla="*/ 203691 w 5108773"/>
-                <a:gd name="connsiteY7" fmla="*/ 2877150 h 4868233"/>
-                <a:gd name="connsiteX8" fmla="*/ 2264897 w 5108773"/>
-                <a:gd name="connsiteY8" fmla="*/ 2179637 h 4868233"/>
-                <a:gd name="connsiteX0" fmla="*/ 2264897 w 5114461"/>
-                <a:gd name="connsiteY0" fmla="*/ 2080413 h 4769009"/>
-                <a:gd name="connsiteX1" fmla="*/ 3087298 w 5114461"/>
-                <a:gd name="connsiteY1" fmla="*/ 112805 h 4769009"/>
-                <a:gd name="connsiteX2" fmla="*/ 4659227 w 5114461"/>
-                <a:gd name="connsiteY2" fmla="*/ 456355 h 4769009"/>
-                <a:gd name="connsiteX3" fmla="*/ 4919480 w 5114461"/>
-                <a:gd name="connsiteY3" fmla="*/ 1882611 h 4769009"/>
-                <a:gd name="connsiteX4" fmla="*/ 2743763 w 5114461"/>
-                <a:gd name="connsiteY4" fmla="*/ 2548891 h 4769009"/>
-                <a:gd name="connsiteX5" fmla="*/ 1900543 w 5114461"/>
-                <a:gd name="connsiteY5" fmla="*/ 4610196 h 4769009"/>
-                <a:gd name="connsiteX6" fmla="*/ 286972 w 5114461"/>
-                <a:gd name="connsiteY6" fmla="*/ 4245823 h 4769009"/>
-                <a:gd name="connsiteX7" fmla="*/ 203691 w 5114461"/>
-                <a:gd name="connsiteY7" fmla="*/ 2777926 h 4769009"/>
-                <a:gd name="connsiteX8" fmla="*/ 2264897 w 5114461"/>
-                <a:gd name="connsiteY8" fmla="*/ 2080413 h 4769009"/>
-                <a:gd name="connsiteX0" fmla="*/ 2264897 w 5114461"/>
-                <a:gd name="connsiteY0" fmla="*/ 2152947 h 4841543"/>
-                <a:gd name="connsiteX1" fmla="*/ 3087298 w 5114461"/>
-                <a:gd name="connsiteY1" fmla="*/ 185339 h 4841543"/>
-                <a:gd name="connsiteX2" fmla="*/ 4659227 w 5114461"/>
-                <a:gd name="connsiteY2" fmla="*/ 528889 h 4841543"/>
-                <a:gd name="connsiteX3" fmla="*/ 4919480 w 5114461"/>
-                <a:gd name="connsiteY3" fmla="*/ 1955145 h 4841543"/>
-                <a:gd name="connsiteX4" fmla="*/ 2743763 w 5114461"/>
-                <a:gd name="connsiteY4" fmla="*/ 2621425 h 4841543"/>
-                <a:gd name="connsiteX5" fmla="*/ 1900543 w 5114461"/>
-                <a:gd name="connsiteY5" fmla="*/ 4682730 h 4841543"/>
-                <a:gd name="connsiteX6" fmla="*/ 286972 w 5114461"/>
-                <a:gd name="connsiteY6" fmla="*/ 4318357 h 4841543"/>
-                <a:gd name="connsiteX7" fmla="*/ 203691 w 5114461"/>
-                <a:gd name="connsiteY7" fmla="*/ 2850460 h 4841543"/>
-                <a:gd name="connsiteX8" fmla="*/ 2264897 w 5114461"/>
-                <a:gd name="connsiteY8" fmla="*/ 2152947 h 4841543"/>
-                <a:gd name="connsiteX0" fmla="*/ 2264897 w 5112658"/>
-                <a:gd name="connsiteY0" fmla="*/ 2170256 h 4858852"/>
-                <a:gd name="connsiteX1" fmla="*/ 3139348 w 5112658"/>
-                <a:gd name="connsiteY1" fmla="*/ 181827 h 4858852"/>
-                <a:gd name="connsiteX2" fmla="*/ 4659227 w 5112658"/>
-                <a:gd name="connsiteY2" fmla="*/ 546198 h 4858852"/>
-                <a:gd name="connsiteX3" fmla="*/ 4919480 w 5112658"/>
-                <a:gd name="connsiteY3" fmla="*/ 1972454 h 4858852"/>
-                <a:gd name="connsiteX4" fmla="*/ 2743763 w 5112658"/>
-                <a:gd name="connsiteY4" fmla="*/ 2638734 h 4858852"/>
-                <a:gd name="connsiteX5" fmla="*/ 1900543 w 5112658"/>
-                <a:gd name="connsiteY5" fmla="*/ 4700039 h 4858852"/>
-                <a:gd name="connsiteX6" fmla="*/ 286972 w 5112658"/>
-                <a:gd name="connsiteY6" fmla="*/ 4335666 h 4858852"/>
-                <a:gd name="connsiteX7" fmla="*/ 203691 w 5112658"/>
-                <a:gd name="connsiteY7" fmla="*/ 2867769 h 4858852"/>
-                <a:gd name="connsiteX8" fmla="*/ 2264897 w 5112658"/>
-                <a:gd name="connsiteY8" fmla="*/ 2170256 h 4858852"/>
-                <a:gd name="connsiteX0" fmla="*/ 2264897 w 5032164"/>
-                <a:gd name="connsiteY0" fmla="*/ 2174193 h 4862789"/>
-                <a:gd name="connsiteX1" fmla="*/ 3139348 w 5032164"/>
-                <a:gd name="connsiteY1" fmla="*/ 185764 h 4862789"/>
-                <a:gd name="connsiteX2" fmla="*/ 4659227 w 5032164"/>
-                <a:gd name="connsiteY2" fmla="*/ 550135 h 4862789"/>
-                <a:gd name="connsiteX3" fmla="*/ 4815378 w 5032164"/>
-                <a:gd name="connsiteY3" fmla="*/ 2111729 h 4862789"/>
-                <a:gd name="connsiteX4" fmla="*/ 2743763 w 5032164"/>
-                <a:gd name="connsiteY4" fmla="*/ 2642671 h 4862789"/>
-                <a:gd name="connsiteX5" fmla="*/ 1900543 w 5032164"/>
-                <a:gd name="connsiteY5" fmla="*/ 4703976 h 4862789"/>
-                <a:gd name="connsiteX6" fmla="*/ 286972 w 5032164"/>
-                <a:gd name="connsiteY6" fmla="*/ 4339603 h 4862789"/>
-                <a:gd name="connsiteX7" fmla="*/ 203691 w 5032164"/>
-                <a:gd name="connsiteY7" fmla="*/ 2871706 h 4862789"/>
-                <a:gd name="connsiteX8" fmla="*/ 2264897 w 5032164"/>
-                <a:gd name="connsiteY8" fmla="*/ 2174193 h 4862789"/>
-                <a:gd name="connsiteX0" fmla="*/ 2264897 w 5032164"/>
-                <a:gd name="connsiteY0" fmla="*/ 2174193 h 4862789"/>
-                <a:gd name="connsiteX1" fmla="*/ 3139348 w 5032164"/>
-                <a:gd name="connsiteY1" fmla="*/ 185764 h 4862789"/>
-                <a:gd name="connsiteX2" fmla="*/ 4659227 w 5032164"/>
-                <a:gd name="connsiteY2" fmla="*/ 550135 h 4862789"/>
-                <a:gd name="connsiteX3" fmla="*/ 4815378 w 5032164"/>
-                <a:gd name="connsiteY3" fmla="*/ 2111729 h 4862789"/>
-                <a:gd name="connsiteX4" fmla="*/ 2743763 w 5032164"/>
-                <a:gd name="connsiteY4" fmla="*/ 2642671 h 4862789"/>
-                <a:gd name="connsiteX5" fmla="*/ 1900543 w 5032164"/>
-                <a:gd name="connsiteY5" fmla="*/ 4703976 h 4862789"/>
-                <a:gd name="connsiteX6" fmla="*/ 286972 w 5032164"/>
-                <a:gd name="connsiteY6" fmla="*/ 4339603 h 4862789"/>
-                <a:gd name="connsiteX7" fmla="*/ 203691 w 5032164"/>
-                <a:gd name="connsiteY7" fmla="*/ 2871706 h 4862789"/>
-                <a:gd name="connsiteX8" fmla="*/ 2264897 w 5032164"/>
-                <a:gd name="connsiteY8" fmla="*/ 2174193 h 4862789"/>
-                <a:gd name="connsiteX0" fmla="*/ 2264897 w 5032164"/>
-                <a:gd name="connsiteY0" fmla="*/ 2174193 h 4862789"/>
-                <a:gd name="connsiteX1" fmla="*/ 3139348 w 5032164"/>
-                <a:gd name="connsiteY1" fmla="*/ 185764 h 4862789"/>
-                <a:gd name="connsiteX2" fmla="*/ 4659227 w 5032164"/>
-                <a:gd name="connsiteY2" fmla="*/ 550135 h 4862789"/>
-                <a:gd name="connsiteX3" fmla="*/ 4815378 w 5032164"/>
-                <a:gd name="connsiteY3" fmla="*/ 2111729 h 4862789"/>
-                <a:gd name="connsiteX4" fmla="*/ 2743763 w 5032164"/>
-                <a:gd name="connsiteY4" fmla="*/ 2642671 h 4862789"/>
-                <a:gd name="connsiteX5" fmla="*/ 1900543 w 5032164"/>
-                <a:gd name="connsiteY5" fmla="*/ 4703976 h 4862789"/>
-                <a:gd name="connsiteX6" fmla="*/ 286972 w 5032164"/>
-                <a:gd name="connsiteY6" fmla="*/ 4339603 h 4862789"/>
-                <a:gd name="connsiteX7" fmla="*/ 203691 w 5032164"/>
-                <a:gd name="connsiteY7" fmla="*/ 2871706 h 4862789"/>
-                <a:gd name="connsiteX8" fmla="*/ 2264897 w 5032164"/>
-                <a:gd name="connsiteY8" fmla="*/ 2174193 h 4862789"/>
-                <a:gd name="connsiteX0" fmla="*/ 2264897 w 5032164"/>
-                <a:gd name="connsiteY0" fmla="*/ 2174193 h 4862789"/>
-                <a:gd name="connsiteX1" fmla="*/ 3139348 w 5032164"/>
-                <a:gd name="connsiteY1" fmla="*/ 185764 h 4862789"/>
-                <a:gd name="connsiteX2" fmla="*/ 4659227 w 5032164"/>
-                <a:gd name="connsiteY2" fmla="*/ 550135 h 4862789"/>
-                <a:gd name="connsiteX3" fmla="*/ 4815378 w 5032164"/>
-                <a:gd name="connsiteY3" fmla="*/ 2111729 h 4862789"/>
-                <a:gd name="connsiteX4" fmla="*/ 2743763 w 5032164"/>
-                <a:gd name="connsiteY4" fmla="*/ 2642671 h 4862789"/>
-                <a:gd name="connsiteX5" fmla="*/ 1900543 w 5032164"/>
-                <a:gd name="connsiteY5" fmla="*/ 4703976 h 4862789"/>
-                <a:gd name="connsiteX6" fmla="*/ 286972 w 5032164"/>
-                <a:gd name="connsiteY6" fmla="*/ 4339603 h 4862789"/>
-                <a:gd name="connsiteX7" fmla="*/ 203691 w 5032164"/>
-                <a:gd name="connsiteY7" fmla="*/ 2871706 h 4862789"/>
-                <a:gd name="connsiteX8" fmla="*/ 2264897 w 5032164"/>
-                <a:gd name="connsiteY8" fmla="*/ 2174193 h 4862789"/>
-                <a:gd name="connsiteX0" fmla="*/ 2264897 w 5032164"/>
-                <a:gd name="connsiteY0" fmla="*/ 2174193 h 4862789"/>
-                <a:gd name="connsiteX1" fmla="*/ 3139348 w 5032164"/>
-                <a:gd name="connsiteY1" fmla="*/ 185764 h 4862789"/>
-                <a:gd name="connsiteX2" fmla="*/ 4659227 w 5032164"/>
-                <a:gd name="connsiteY2" fmla="*/ 550135 h 4862789"/>
-                <a:gd name="connsiteX3" fmla="*/ 4815378 w 5032164"/>
-                <a:gd name="connsiteY3" fmla="*/ 2111729 h 4862789"/>
-                <a:gd name="connsiteX4" fmla="*/ 2743763 w 5032164"/>
-                <a:gd name="connsiteY4" fmla="*/ 2642671 h 4862789"/>
-                <a:gd name="connsiteX5" fmla="*/ 1900543 w 5032164"/>
-                <a:gd name="connsiteY5" fmla="*/ 4703976 h 4862789"/>
-                <a:gd name="connsiteX6" fmla="*/ 286972 w 5032164"/>
-                <a:gd name="connsiteY6" fmla="*/ 4339603 h 4862789"/>
-                <a:gd name="connsiteX7" fmla="*/ 203691 w 5032164"/>
-                <a:gd name="connsiteY7" fmla="*/ 2871706 h 4862789"/>
-                <a:gd name="connsiteX8" fmla="*/ 2264897 w 5032164"/>
-                <a:gd name="connsiteY8" fmla="*/ 2174193 h 4862789"/>
-                <a:gd name="connsiteX0" fmla="*/ 2264897 w 5032164"/>
-                <a:gd name="connsiteY0" fmla="*/ 2174193 h 4862789"/>
-                <a:gd name="connsiteX1" fmla="*/ 3139348 w 5032164"/>
-                <a:gd name="connsiteY1" fmla="*/ 185764 h 4862789"/>
-                <a:gd name="connsiteX2" fmla="*/ 4659227 w 5032164"/>
-                <a:gd name="connsiteY2" fmla="*/ 550135 h 4862789"/>
-                <a:gd name="connsiteX3" fmla="*/ 4815378 w 5032164"/>
-                <a:gd name="connsiteY3" fmla="*/ 2111729 h 4862789"/>
-                <a:gd name="connsiteX4" fmla="*/ 2743763 w 5032164"/>
-                <a:gd name="connsiteY4" fmla="*/ 2642671 h 4862789"/>
-                <a:gd name="connsiteX5" fmla="*/ 1900543 w 5032164"/>
-                <a:gd name="connsiteY5" fmla="*/ 4703976 h 4862789"/>
-                <a:gd name="connsiteX6" fmla="*/ 286972 w 5032164"/>
-                <a:gd name="connsiteY6" fmla="*/ 4339603 h 4862789"/>
-                <a:gd name="connsiteX7" fmla="*/ 203691 w 5032164"/>
-                <a:gd name="connsiteY7" fmla="*/ 2871706 h 4862789"/>
-                <a:gd name="connsiteX8" fmla="*/ 2264897 w 5032164"/>
-                <a:gd name="connsiteY8" fmla="*/ 2174193 h 4862789"/>
-                <a:gd name="connsiteX0" fmla="*/ 2264897 w 5032164"/>
-                <a:gd name="connsiteY0" fmla="*/ 2174193 h 4862789"/>
-                <a:gd name="connsiteX1" fmla="*/ 3139348 w 5032164"/>
-                <a:gd name="connsiteY1" fmla="*/ 185764 h 4862789"/>
-                <a:gd name="connsiteX2" fmla="*/ 4659227 w 5032164"/>
-                <a:gd name="connsiteY2" fmla="*/ 550135 h 4862789"/>
-                <a:gd name="connsiteX3" fmla="*/ 4815378 w 5032164"/>
-                <a:gd name="connsiteY3" fmla="*/ 2111729 h 4862789"/>
-                <a:gd name="connsiteX4" fmla="*/ 2743763 w 5032164"/>
-                <a:gd name="connsiteY4" fmla="*/ 2642671 h 4862789"/>
-                <a:gd name="connsiteX5" fmla="*/ 1900543 w 5032164"/>
-                <a:gd name="connsiteY5" fmla="*/ 4703976 h 4862789"/>
-                <a:gd name="connsiteX6" fmla="*/ 286972 w 5032164"/>
-                <a:gd name="connsiteY6" fmla="*/ 4339603 h 4862789"/>
-                <a:gd name="connsiteX7" fmla="*/ 203691 w 5032164"/>
-                <a:gd name="connsiteY7" fmla="*/ 2871706 h 4862789"/>
-                <a:gd name="connsiteX8" fmla="*/ 2264897 w 5032164"/>
-                <a:gd name="connsiteY8" fmla="*/ 2174193 h 4862789"/>
-                <a:gd name="connsiteX0" fmla="*/ 2264897 w 5032164"/>
-                <a:gd name="connsiteY0" fmla="*/ 2174193 h 4862789"/>
-                <a:gd name="connsiteX1" fmla="*/ 3139348 w 5032164"/>
-                <a:gd name="connsiteY1" fmla="*/ 185764 h 4862789"/>
-                <a:gd name="connsiteX2" fmla="*/ 4659227 w 5032164"/>
-                <a:gd name="connsiteY2" fmla="*/ 550135 h 4862789"/>
-                <a:gd name="connsiteX3" fmla="*/ 4815378 w 5032164"/>
-                <a:gd name="connsiteY3" fmla="*/ 2111729 h 4862789"/>
-                <a:gd name="connsiteX4" fmla="*/ 2743763 w 5032164"/>
-                <a:gd name="connsiteY4" fmla="*/ 2642671 h 4862789"/>
-                <a:gd name="connsiteX5" fmla="*/ 1900543 w 5032164"/>
-                <a:gd name="connsiteY5" fmla="*/ 4703976 h 4862789"/>
-                <a:gd name="connsiteX6" fmla="*/ 286972 w 5032164"/>
-                <a:gd name="connsiteY6" fmla="*/ 4339603 h 4862789"/>
-                <a:gd name="connsiteX7" fmla="*/ 203691 w 5032164"/>
-                <a:gd name="connsiteY7" fmla="*/ 2871706 h 4862789"/>
-                <a:gd name="connsiteX8" fmla="*/ 2264897 w 5032164"/>
-                <a:gd name="connsiteY8" fmla="*/ 2174193 h 4862789"/>
-                <a:gd name="connsiteX0" fmla="*/ 2264897 w 5024402"/>
-                <a:gd name="connsiteY0" fmla="*/ 2173274 h 4861870"/>
-                <a:gd name="connsiteX1" fmla="*/ 3139348 w 5024402"/>
-                <a:gd name="connsiteY1" fmla="*/ 184845 h 4861870"/>
-                <a:gd name="connsiteX2" fmla="*/ 4659227 w 5024402"/>
-                <a:gd name="connsiteY2" fmla="*/ 549216 h 4861870"/>
-                <a:gd name="connsiteX3" fmla="*/ 4804968 w 5024402"/>
-                <a:gd name="connsiteY3" fmla="*/ 2079578 h 4861870"/>
-                <a:gd name="connsiteX4" fmla="*/ 2743763 w 5024402"/>
-                <a:gd name="connsiteY4" fmla="*/ 2641752 h 4861870"/>
-                <a:gd name="connsiteX5" fmla="*/ 1900543 w 5024402"/>
-                <a:gd name="connsiteY5" fmla="*/ 4703057 h 4861870"/>
-                <a:gd name="connsiteX6" fmla="*/ 286972 w 5024402"/>
-                <a:gd name="connsiteY6" fmla="*/ 4338684 h 4861870"/>
-                <a:gd name="connsiteX7" fmla="*/ 203691 w 5024402"/>
-                <a:gd name="connsiteY7" fmla="*/ 2870787 h 4861870"/>
-                <a:gd name="connsiteX8" fmla="*/ 2264897 w 5024402"/>
-                <a:gd name="connsiteY8" fmla="*/ 2173274 h 4861870"/>
-                <a:gd name="connsiteX0" fmla="*/ 2264897 w 5024402"/>
-                <a:gd name="connsiteY0" fmla="*/ 2173274 h 4861870"/>
-                <a:gd name="connsiteX1" fmla="*/ 3139348 w 5024402"/>
-                <a:gd name="connsiteY1" fmla="*/ 184845 h 4861870"/>
-                <a:gd name="connsiteX2" fmla="*/ 4659227 w 5024402"/>
-                <a:gd name="connsiteY2" fmla="*/ 549216 h 4861870"/>
-                <a:gd name="connsiteX3" fmla="*/ 4804968 w 5024402"/>
-                <a:gd name="connsiteY3" fmla="*/ 2079578 h 4861870"/>
-                <a:gd name="connsiteX4" fmla="*/ 2743763 w 5024402"/>
-                <a:gd name="connsiteY4" fmla="*/ 2641752 h 4861870"/>
-                <a:gd name="connsiteX5" fmla="*/ 1900543 w 5024402"/>
-                <a:gd name="connsiteY5" fmla="*/ 4703057 h 4861870"/>
-                <a:gd name="connsiteX6" fmla="*/ 286972 w 5024402"/>
-                <a:gd name="connsiteY6" fmla="*/ 4338684 h 4861870"/>
-                <a:gd name="connsiteX7" fmla="*/ 203691 w 5024402"/>
-                <a:gd name="connsiteY7" fmla="*/ 2870787 h 4861870"/>
-                <a:gd name="connsiteX8" fmla="*/ 2264897 w 5024402"/>
-                <a:gd name="connsiteY8" fmla="*/ 2173274 h 4861870"/>
-                <a:gd name="connsiteX0" fmla="*/ 2264897 w 5024402"/>
-                <a:gd name="connsiteY0" fmla="*/ 2173274 h 4861870"/>
-                <a:gd name="connsiteX1" fmla="*/ 3139348 w 5024402"/>
-                <a:gd name="connsiteY1" fmla="*/ 184845 h 4861870"/>
-                <a:gd name="connsiteX2" fmla="*/ 4659227 w 5024402"/>
-                <a:gd name="connsiteY2" fmla="*/ 549216 h 4861870"/>
-                <a:gd name="connsiteX3" fmla="*/ 4804968 w 5024402"/>
-                <a:gd name="connsiteY3" fmla="*/ 2079578 h 4861870"/>
-                <a:gd name="connsiteX4" fmla="*/ 2743763 w 5024402"/>
-                <a:gd name="connsiteY4" fmla="*/ 2641752 h 4861870"/>
-                <a:gd name="connsiteX5" fmla="*/ 1900543 w 5024402"/>
-                <a:gd name="connsiteY5" fmla="*/ 4703057 h 4861870"/>
-                <a:gd name="connsiteX6" fmla="*/ 286972 w 5024402"/>
-                <a:gd name="connsiteY6" fmla="*/ 4338684 h 4861870"/>
-                <a:gd name="connsiteX7" fmla="*/ 203691 w 5024402"/>
-                <a:gd name="connsiteY7" fmla="*/ 2870787 h 4861870"/>
-                <a:gd name="connsiteX8" fmla="*/ 2264897 w 5024402"/>
-                <a:gd name="connsiteY8" fmla="*/ 2173274 h 4861870"/>
-                <a:gd name="connsiteX0" fmla="*/ 2264897 w 5024402"/>
-                <a:gd name="connsiteY0" fmla="*/ 2173274 h 4861870"/>
-                <a:gd name="connsiteX1" fmla="*/ 3139348 w 5024402"/>
-                <a:gd name="connsiteY1" fmla="*/ 184845 h 4861870"/>
-                <a:gd name="connsiteX2" fmla="*/ 4659227 w 5024402"/>
-                <a:gd name="connsiteY2" fmla="*/ 549216 h 4861870"/>
-                <a:gd name="connsiteX3" fmla="*/ 4804968 w 5024402"/>
-                <a:gd name="connsiteY3" fmla="*/ 2079578 h 4861870"/>
-                <a:gd name="connsiteX4" fmla="*/ 2743763 w 5024402"/>
-                <a:gd name="connsiteY4" fmla="*/ 2641752 h 4861870"/>
-                <a:gd name="connsiteX5" fmla="*/ 1900543 w 5024402"/>
-                <a:gd name="connsiteY5" fmla="*/ 4703057 h 4861870"/>
-                <a:gd name="connsiteX6" fmla="*/ 286972 w 5024402"/>
-                <a:gd name="connsiteY6" fmla="*/ 4338684 h 4861870"/>
-                <a:gd name="connsiteX7" fmla="*/ 203691 w 5024402"/>
-                <a:gd name="connsiteY7" fmla="*/ 2870787 h 4861870"/>
-                <a:gd name="connsiteX8" fmla="*/ 2264897 w 5024402"/>
-                <a:gd name="connsiteY8" fmla="*/ 2173274 h 4861870"/>
-                <a:gd name="connsiteX0" fmla="*/ 2240504 w 5000009"/>
-                <a:gd name="connsiteY0" fmla="*/ 2173274 h 4854292"/>
-                <a:gd name="connsiteX1" fmla="*/ 3114955 w 5000009"/>
-                <a:gd name="connsiteY1" fmla="*/ 184845 h 4854292"/>
-                <a:gd name="connsiteX2" fmla="*/ 4634834 w 5000009"/>
-                <a:gd name="connsiteY2" fmla="*/ 549216 h 4854292"/>
-                <a:gd name="connsiteX3" fmla="*/ 4780575 w 5000009"/>
-                <a:gd name="connsiteY3" fmla="*/ 2079578 h 4854292"/>
-                <a:gd name="connsiteX4" fmla="*/ 2719370 w 5000009"/>
-                <a:gd name="connsiteY4" fmla="*/ 2641752 h 4854292"/>
-                <a:gd name="connsiteX5" fmla="*/ 1876150 w 5000009"/>
-                <a:gd name="connsiteY5" fmla="*/ 4703057 h 4854292"/>
-                <a:gd name="connsiteX6" fmla="*/ 335450 w 5000009"/>
-                <a:gd name="connsiteY6" fmla="*/ 4297042 h 4854292"/>
-                <a:gd name="connsiteX7" fmla="*/ 179298 w 5000009"/>
-                <a:gd name="connsiteY7" fmla="*/ 2870787 h 4854292"/>
-                <a:gd name="connsiteX8" fmla="*/ 2240504 w 5000009"/>
-                <a:gd name="connsiteY8" fmla="*/ 2173274 h 4854292"/>
-                <a:gd name="connsiteX0" fmla="*/ 2253840 w 5013345"/>
-                <a:gd name="connsiteY0" fmla="*/ 2173274 h 4856123"/>
-                <a:gd name="connsiteX1" fmla="*/ 3128291 w 5013345"/>
-                <a:gd name="connsiteY1" fmla="*/ 184845 h 4856123"/>
-                <a:gd name="connsiteX2" fmla="*/ 4648170 w 5013345"/>
-                <a:gd name="connsiteY2" fmla="*/ 549216 h 4856123"/>
-                <a:gd name="connsiteX3" fmla="*/ 4793911 w 5013345"/>
-                <a:gd name="connsiteY3" fmla="*/ 2079578 h 4856123"/>
-                <a:gd name="connsiteX4" fmla="*/ 2732706 w 5013345"/>
-                <a:gd name="connsiteY4" fmla="*/ 2641752 h 4856123"/>
-                <a:gd name="connsiteX5" fmla="*/ 1889486 w 5013345"/>
-                <a:gd name="connsiteY5" fmla="*/ 4703057 h 4856123"/>
-                <a:gd name="connsiteX6" fmla="*/ 307145 w 5013345"/>
-                <a:gd name="connsiteY6" fmla="*/ 4307452 h 4856123"/>
-                <a:gd name="connsiteX7" fmla="*/ 192634 w 5013345"/>
-                <a:gd name="connsiteY7" fmla="*/ 2870787 h 4856123"/>
-                <a:gd name="connsiteX8" fmla="*/ 2253840 w 5013345"/>
-                <a:gd name="connsiteY8" fmla="*/ 2173274 h 4856123"/>
-                <a:gd name="connsiteX0" fmla="*/ 2253840 w 5013345"/>
-                <a:gd name="connsiteY0" fmla="*/ 2173274 h 4856123"/>
-                <a:gd name="connsiteX1" fmla="*/ 3128291 w 5013345"/>
-                <a:gd name="connsiteY1" fmla="*/ 184845 h 4856123"/>
-                <a:gd name="connsiteX2" fmla="*/ 4648170 w 5013345"/>
-                <a:gd name="connsiteY2" fmla="*/ 549216 h 4856123"/>
-                <a:gd name="connsiteX3" fmla="*/ 4793911 w 5013345"/>
-                <a:gd name="connsiteY3" fmla="*/ 2079578 h 4856123"/>
-                <a:gd name="connsiteX4" fmla="*/ 2732706 w 5013345"/>
-                <a:gd name="connsiteY4" fmla="*/ 2641752 h 4856123"/>
-                <a:gd name="connsiteX5" fmla="*/ 1889486 w 5013345"/>
-                <a:gd name="connsiteY5" fmla="*/ 4703057 h 4856123"/>
-                <a:gd name="connsiteX6" fmla="*/ 307145 w 5013345"/>
-                <a:gd name="connsiteY6" fmla="*/ 4307452 h 4856123"/>
-                <a:gd name="connsiteX7" fmla="*/ 192634 w 5013345"/>
-                <a:gd name="connsiteY7" fmla="*/ 2870787 h 4856123"/>
-                <a:gd name="connsiteX8" fmla="*/ 2253840 w 5013345"/>
-                <a:gd name="connsiteY8" fmla="*/ 2173274 h 4856123"/>
-              </a:gdLst>
-              <a:ahLst/>
-              <a:cxnLst>
-                <a:cxn ang="0">
-                  <a:pos x="connsiteX0" y="connsiteY0"/>
-                </a:cxn>
-                <a:cxn ang="0">
-                  <a:pos x="connsiteX1" y="connsiteY1"/>
-                </a:cxn>
-                <a:cxn ang="0">
-                  <a:pos x="connsiteX2" y="connsiteY2"/>
-                </a:cxn>
-                <a:cxn ang="0">
-                  <a:pos x="connsiteX3" y="connsiteY3"/>
-                </a:cxn>
-                <a:cxn ang="0">
-                  <a:pos x="connsiteX4" y="connsiteY4"/>
-                </a:cxn>
-                <a:cxn ang="0">
-                  <a:pos x="connsiteX5" y="connsiteY5"/>
-                </a:cxn>
-                <a:cxn ang="0">
-                  <a:pos x="connsiteX6" y="connsiteY6"/>
-                </a:cxn>
-                <a:cxn ang="0">
-                  <a:pos x="connsiteX7" y="connsiteY7"/>
-                </a:cxn>
-                <a:cxn ang="0">
-                  <a:pos x="connsiteX8" y="connsiteY8"/>
-                </a:cxn>
-              </a:cxnLst>
-              <a:rect l="l" t="t" r="r" b="b"/>
-              <a:pathLst>
-                <a:path w="5013345" h="4856123">
-                  <a:moveTo>
-                    <a:pt x="2253840" y="2173274"/>
-                  </a:moveTo>
-                  <a:cubicBezTo>
-                    <a:pt x="2743116" y="1725617"/>
-                    <a:pt x="2451632" y="656794"/>
-                    <a:pt x="3128291" y="184845"/>
-                  </a:cubicBezTo>
-                  <a:cubicBezTo>
-                    <a:pt x="3804950" y="-276693"/>
-                    <a:pt x="4370567" y="233427"/>
-                    <a:pt x="4648170" y="549216"/>
-                  </a:cubicBezTo>
-                  <a:cubicBezTo>
-                    <a:pt x="4925773" y="865005"/>
-                    <a:pt x="5231135" y="1555576"/>
-                    <a:pt x="4793911" y="2079578"/>
-                  </a:cubicBezTo>
-                  <a:cubicBezTo>
-                    <a:pt x="4138074" y="2770150"/>
-                    <a:pt x="3218512" y="2209711"/>
-                    <a:pt x="2732706" y="2641752"/>
-                  </a:cubicBezTo>
-                  <a:cubicBezTo>
-                    <a:pt x="2246900" y="3073793"/>
-                    <a:pt x="2673715" y="4109652"/>
-                    <a:pt x="1889486" y="4703057"/>
-                  </a:cubicBezTo>
-                  <a:cubicBezTo>
-                    <a:pt x="1344690" y="5109071"/>
-                    <a:pt x="589954" y="4612830"/>
-                    <a:pt x="307145" y="4307452"/>
-                  </a:cubicBezTo>
-                  <a:cubicBezTo>
-                    <a:pt x="24336" y="4002074"/>
-                    <a:pt x="-157841" y="3304564"/>
-                    <a:pt x="192634" y="2870787"/>
-                  </a:cubicBezTo>
-                  <a:cubicBezTo>
-                    <a:pt x="782542" y="2093459"/>
-                    <a:pt x="1764564" y="2620931"/>
-                    <a:pt x="2253840" y="2173274"/>
-                  </a:cubicBezTo>
-                  <a:close/>
-                </a:path>
-              </a:pathLst>
-            </a:custGeom>
-            <a:solidFill>
-              <a:srgbClr val="000000"/>
-            </a:solidFill>
-            <a:ln w="76200" cmpd="sng">
-              <a:solidFill>
-                <a:srgbClr val="5592EC"/>
-              </a:solidFill>
-            </a:ln>
-          </p:spPr>
-          <p:style>
-            <a:lnRef idx="2">
-              <a:schemeClr val="accent1">
-                <a:shade val="50000"/>
-              </a:schemeClr>
-            </a:lnRef>
-            <a:fillRef idx="1">
-              <a:schemeClr val="accent1"/>
-            </a:fillRef>
-            <a:effectRef idx="0">
-              <a:schemeClr val="accent1"/>
-            </a:effectRef>
-            <a:fontRef idx="minor">
-              <a:schemeClr val="lt1"/>
-            </a:fontRef>
-          </p:style>
-          <p:txBody>
-            <a:bodyPr rtlCol="0" anchor="ctr"/>
-            <a:lstStyle/>
-            <a:p>
-              <a:pPr algn="ctr"/>
-              <a:endParaRPr lang="en-US"/>
-            </a:p>
-          </p:txBody>
-        </p:sp>
-        <p:sp>
-          <p:nvSpPr>
-            <p:cNvPr id="5" name="Freeform 4"/>
-            <p:cNvSpPr/>
-            <p:nvPr/>
-          </p:nvSpPr>
-          <p:spPr>
-            <a:xfrm>
-              <a:off x="-337695" y="4112197"/>
-              <a:ext cx="728709" cy="749565"/>
-            </a:xfrm>
-            <a:custGeom>
-              <a:avLst/>
-              <a:gdLst>
-                <a:gd name="connsiteX0" fmla="*/ 0 w 728709"/>
-                <a:gd name="connsiteY0" fmla="*/ 333140 h 749565"/>
-                <a:gd name="connsiteX1" fmla="*/ 728709 w 728709"/>
-                <a:gd name="connsiteY1" fmla="*/ 0 h 749565"/>
-                <a:gd name="connsiteX2" fmla="*/ 385175 w 728709"/>
-                <a:gd name="connsiteY2" fmla="*/ 749565 h 749565"/>
-              </a:gdLst>
-              <a:ahLst/>
-              <a:cxnLst>
-                <a:cxn ang="0">
-                  <a:pos x="connsiteX0" y="connsiteY0"/>
-                </a:cxn>
-                <a:cxn ang="0">
-                  <a:pos x="connsiteX1" y="connsiteY1"/>
-                </a:cxn>
-                <a:cxn ang="0">
-                  <a:pos x="connsiteX2" y="connsiteY2"/>
-                </a:cxn>
-              </a:cxnLst>
-              <a:rect l="l" t="t" r="r" b="b"/>
-              <a:pathLst>
-                <a:path w="728709" h="749565">
-                  <a:moveTo>
-                    <a:pt x="0" y="333140"/>
-                  </a:moveTo>
-                  <a:lnTo>
-                    <a:pt x="728709" y="0"/>
-                  </a:lnTo>
-                  <a:lnTo>
-                    <a:pt x="385175" y="749565"/>
-                  </a:lnTo>
-                </a:path>
-              </a:pathLst>
-            </a:custGeom>
-            <a:ln w="76200" cap="rnd" cmpd="sng">
-              <a:solidFill>
-                <a:schemeClr val="bg1"/>
-              </a:solidFill>
-            </a:ln>
-            <a:effectLst/>
-          </p:spPr>
-          <p:style>
-            <a:lnRef idx="2">
-              <a:schemeClr val="accent1"/>
-            </a:lnRef>
-            <a:fillRef idx="0">
-              <a:schemeClr val="accent1"/>
-            </a:fillRef>
-            <a:effectRef idx="1">
-              <a:schemeClr val="accent1"/>
-            </a:effectRef>
-            <a:fontRef idx="minor">
-              <a:schemeClr val="tx1"/>
-            </a:fontRef>
-          </p:style>
-          <p:txBody>
-            <a:bodyPr rtlCol="0" anchor="ctr"/>
-            <a:lstStyle/>
-            <a:p>
-              <a:pPr algn="ctr"/>
-              <a:endParaRPr lang="en-US"/>
-            </a:p>
-          </p:txBody>
-        </p:sp>
-        <p:cxnSp>
-          <p:nvCxnSpPr>
-            <p:cNvPr id="6" name="Straight Connector 5"/>
-            <p:cNvCxnSpPr/>
-            <p:nvPr/>
-          </p:nvCxnSpPr>
-          <p:spPr>
-            <a:xfrm flipV="1">
-              <a:off x="849060" y="3799879"/>
-              <a:ext cx="458046" cy="458067"/>
-            </a:xfrm>
-            <a:prstGeom prst="line">
-              <a:avLst/>
-            </a:prstGeom>
-            <a:ln w="76200" cap="rnd" cmpd="sng">
-              <a:solidFill>
-                <a:schemeClr val="bg1"/>
-              </a:solidFill>
-            </a:ln>
-            <a:effectLst/>
-          </p:spPr>
-          <p:style>
-            <a:lnRef idx="2">
-              <a:schemeClr val="accent1"/>
-            </a:lnRef>
-            <a:fillRef idx="0">
-              <a:schemeClr val="accent1"/>
-            </a:fillRef>
-            <a:effectRef idx="1">
-              <a:schemeClr val="accent1"/>
-            </a:effectRef>
-            <a:fontRef idx="minor">
-              <a:schemeClr val="tx1"/>
-            </a:fontRef>
-          </p:style>
-        </p:cxnSp>
-      </p:grpSp>
       <p:sp>
         <p:nvSpPr>
           <p:cNvPr id="9" name="Rectangle 8"/>
@@ -54860,6 +51757,29 @@
           </a:p>
         </p:txBody>
       </p:sp>
+      <p:pic>
+        <p:nvPicPr>
+          <p:cNvPr id="10" name="Picture 9"/>
+          <p:cNvPicPr>
+            <a:picLocks noChangeAspect="1"/>
+          </p:cNvPicPr>
+          <p:nvPr/>
+        </p:nvPicPr>
+        <p:blipFill rotWithShape="1">
+          <a:blip r:embed="rId3"/>
+          <a:srcRect t="24888" b="22068"/>
+          <a:stretch/>
+        </p:blipFill>
+        <p:spPr>
+          <a:xfrm>
+            <a:off x="4689943" y="3501416"/>
+            <a:ext cx="1819812" cy="965312"/>
+          </a:xfrm>
+          <a:prstGeom prst="rect">
+            <a:avLst/>
+          </a:prstGeom>
+        </p:spPr>
+      </p:pic>
     </p:spTree>
     <p:extLst>
       <p:ext uri="{BB962C8B-B14F-4D97-AF65-F5344CB8AC3E}">

--- a/src/flagOnD8.pptx
+++ b/src/flagOnD8.pptx
@@ -3319,6 +3319,16 @@
         </p:nvPicPr>
         <p:blipFill rotWithShape="1">
           <a:blip r:embed="rId3">
+            <a:clrChange>
+              <a:clrFrom>
+                <a:srgbClr val="FCFCFC"/>
+              </a:clrFrom>
+              <a:clrTo>
+                <a:srgbClr val="FCFCFC">
+                  <a:alpha val="0"/>
+                </a:srgbClr>
+              </a:clrTo>
+            </a:clrChange>
             <a:alphaModFix amt="24000"/>
             <a:extLst>
               <a:ext uri="{BEBA8EAE-BF5A-486C-A8C5-ECC9F3942E4B}">
